--- a/Slides/Lesson 8.1 Introducing General Recursion.pptx
+++ b/Slides/Lesson 8.1 Introducing General Recursion.pptx
@@ -5,7 +5,7 @@
     <p:sldMasterId id="2147483660" r:id="rId1"/>
   </p:sldMasterIdLst>
   <p:notesMasterIdLst>
-    <p:notesMasterId r:id="rId38"/>
+    <p:notesMasterId r:id="rId36"/>
   </p:notesMasterIdLst>
   <p:sldIdLst>
     <p:sldId id="257" r:id="rId2"/>
@@ -24,31 +24,29 @@
     <p:sldId id="315" r:id="rId15"/>
     <p:sldId id="316" r:id="rId16"/>
     <p:sldId id="321" r:id="rId17"/>
-    <p:sldId id="319" r:id="rId18"/>
-    <p:sldId id="322" r:id="rId19"/>
-    <p:sldId id="338" r:id="rId20"/>
-    <p:sldId id="339" r:id="rId21"/>
-    <p:sldId id="341" r:id="rId22"/>
-    <p:sldId id="524" r:id="rId23"/>
-    <p:sldId id="525" r:id="rId24"/>
-    <p:sldId id="526" r:id="rId25"/>
-    <p:sldId id="530" r:id="rId26"/>
-    <p:sldId id="531" r:id="rId27"/>
-    <p:sldId id="537" r:id="rId28"/>
+    <p:sldId id="322" r:id="rId18"/>
+    <p:sldId id="338" r:id="rId19"/>
+    <p:sldId id="339" r:id="rId20"/>
+    <p:sldId id="341" r:id="rId21"/>
+    <p:sldId id="524" r:id="rId22"/>
+    <p:sldId id="525" r:id="rId23"/>
+    <p:sldId id="526" r:id="rId24"/>
+    <p:sldId id="530" r:id="rId25"/>
+    <p:sldId id="531" r:id="rId26"/>
+    <p:sldId id="537" r:id="rId27"/>
+    <p:sldId id="539" r:id="rId28"/>
     <p:sldId id="294" r:id="rId29"/>
     <p:sldId id="295" r:id="rId30"/>
-    <p:sldId id="532" r:id="rId31"/>
-    <p:sldId id="329" r:id="rId32"/>
-    <p:sldId id="533" r:id="rId33"/>
-    <p:sldId id="330" r:id="rId34"/>
-    <p:sldId id="297" r:id="rId35"/>
-    <p:sldId id="527" r:id="rId36"/>
-    <p:sldId id="535" r:id="rId37"/>
+    <p:sldId id="329" r:id="rId31"/>
+    <p:sldId id="297" r:id="rId32"/>
+    <p:sldId id="330" r:id="rId33"/>
+    <p:sldId id="527" r:id="rId34"/>
+    <p:sldId id="535" r:id="rId35"/>
   </p:sldIdLst>
   <p:sldSz cx="9144000" cy="6858000" type="screen4x3"/>
   <p:notesSz cx="6858000" cy="9144000"/>
   <p:custDataLst>
-    <p:tags r:id="rId39"/>
+    <p:tags r:id="rId37"/>
   </p:custDataLst>
   <p:defaultTextStyle>
     <a:defPPr>
@@ -166,7 +164,6 @@
             <p14:sldId id="315"/>
             <p14:sldId id="316"/>
             <p14:sldId id="321"/>
-            <p14:sldId id="319"/>
             <p14:sldId id="322"/>
             <p14:sldId id="338"/>
             <p14:sldId id="339"/>
@@ -177,13 +174,12 @@
             <p14:sldId id="530"/>
             <p14:sldId id="531"/>
             <p14:sldId id="537"/>
+            <p14:sldId id="539"/>
             <p14:sldId id="294"/>
             <p14:sldId id="295"/>
-            <p14:sldId id="532"/>
             <p14:sldId id="329"/>
-            <p14:sldId id="533"/>
+            <p14:sldId id="297"/>
             <p14:sldId id="330"/>
-            <p14:sldId id="297"/>
             <p14:sldId id="527"/>
             <p14:sldId id="535"/>
           </p14:sldIdLst>
@@ -305,7 +301,7 @@
             <a:fld id="{CF8F25F6-E1EF-4065-8525-42EDEBD9BD22}" type="datetimeFigureOut">
               <a:rPr lang="en-US" smtClean="0"/>
               <a:pPr/>
-              <a:t>10/2/2015</a:t>
+              <a:t>10/16/2015</a:t>
             </a:fld>
             <a:endParaRPr lang="en-US"/>
           </a:p>
@@ -962,6 +958,14 @@
           <a:bodyPr/>
           <a:lstStyle/>
           <a:p>
+            <a:pPr lvl="2"/>
+            <a:endParaRPr lang="en-US" i="1" dirty="0" smtClean="0">
+              <a:solidFill>
+                <a:srgbClr val="FF0000"/>
+              </a:solidFill>
+            </a:endParaRPr>
+          </a:p>
+          <a:p>
             <a:endParaRPr lang="en-US" dirty="0"/>
           </a:p>
         </p:txBody>
@@ -984,7 +988,7 @@
             <a:fld id="{00E1DFD8-B619-4FFF-B366-BDCC98D08110}" type="slidenum">
               <a:rPr lang="en-US" smtClean="0"/>
               <a:pPr/>
-              <a:t>17</a:t>
+              <a:t>18</a:t>
             </a:fld>
             <a:endParaRPr lang="en-US"/>
           </a:p>
@@ -993,7 +997,7 @@
     </p:spTree>
     <p:extLst>
       <p:ext uri="{BB962C8B-B14F-4D97-AF65-F5344CB8AC3E}">
-        <p14:creationId xmlns:p14="http://schemas.microsoft.com/office/powerpoint/2010/main" val="3616511419"/>
+        <p14:creationId xmlns:p14="http://schemas.microsoft.com/office/powerpoint/2010/main" val="3611035779"/>
       </p:ext>
     </p:extLst>
   </p:cSld>
@@ -1047,14 +1051,6 @@
           <a:bodyPr/>
           <a:lstStyle/>
           <a:p>
-            <a:pPr lvl="2"/>
-            <a:endParaRPr lang="en-US" i="1" dirty="0" smtClean="0">
-              <a:solidFill>
-                <a:srgbClr val="FF0000"/>
-              </a:solidFill>
-            </a:endParaRPr>
-          </a:p>
-          <a:p>
             <a:endParaRPr lang="en-US" dirty="0"/>
           </a:p>
         </p:txBody>
@@ -1086,7 +1082,7 @@
     </p:spTree>
     <p:extLst>
       <p:ext uri="{BB962C8B-B14F-4D97-AF65-F5344CB8AC3E}">
-        <p14:creationId xmlns:p14="http://schemas.microsoft.com/office/powerpoint/2010/main" val="3611035779"/>
+        <p14:creationId xmlns:p14="http://schemas.microsoft.com/office/powerpoint/2010/main" val="883340476"/>
       </p:ext>
     </p:extLst>
   </p:cSld>
@@ -1171,7 +1167,7 @@
     </p:spTree>
     <p:extLst>
       <p:ext uri="{BB962C8B-B14F-4D97-AF65-F5344CB8AC3E}">
-        <p14:creationId xmlns:p14="http://schemas.microsoft.com/office/powerpoint/2010/main" val="883340476"/>
+        <p14:creationId xmlns:p14="http://schemas.microsoft.com/office/powerpoint/2010/main" val="2614943744"/>
       </p:ext>
     </p:extLst>
   </p:cSld>
@@ -1247,7 +1243,7 @@
             <a:fld id="{00E1DFD8-B619-4FFF-B366-BDCC98D08110}" type="slidenum">
               <a:rPr lang="en-US" smtClean="0"/>
               <a:pPr/>
-              <a:t>21</a:t>
+              <a:t>22</a:t>
             </a:fld>
             <a:endParaRPr lang="en-US"/>
           </a:p>
@@ -1256,7 +1252,7 @@
     </p:spTree>
     <p:extLst>
       <p:ext uri="{BB962C8B-B14F-4D97-AF65-F5344CB8AC3E}">
-        <p14:creationId xmlns:p14="http://schemas.microsoft.com/office/powerpoint/2010/main" val="2614943744"/>
+        <p14:creationId xmlns:p14="http://schemas.microsoft.com/office/powerpoint/2010/main" val="1219751841"/>
       </p:ext>
     </p:extLst>
   </p:cSld>
@@ -1341,7 +1337,7 @@
     </p:spTree>
     <p:extLst>
       <p:ext uri="{BB962C8B-B14F-4D97-AF65-F5344CB8AC3E}">
-        <p14:creationId xmlns:p14="http://schemas.microsoft.com/office/powerpoint/2010/main" val="1219751841"/>
+        <p14:creationId xmlns:p14="http://schemas.microsoft.com/office/powerpoint/2010/main" val="3568075617"/>
       </p:ext>
     </p:extLst>
   </p:cSld>
@@ -1426,7 +1422,7 @@
     </p:spTree>
     <p:extLst>
       <p:ext uri="{BB962C8B-B14F-4D97-AF65-F5344CB8AC3E}">
-        <p14:creationId xmlns:p14="http://schemas.microsoft.com/office/powerpoint/2010/main" val="3568075617"/>
+        <p14:creationId xmlns:p14="http://schemas.microsoft.com/office/powerpoint/2010/main" val="967438897"/>
       </p:ext>
     </p:extLst>
   </p:cSld>
@@ -1511,7 +1507,7 @@
     </p:spTree>
     <p:extLst>
       <p:ext uri="{BB962C8B-B14F-4D97-AF65-F5344CB8AC3E}">
-        <p14:creationId xmlns:p14="http://schemas.microsoft.com/office/powerpoint/2010/main" val="967438897"/>
+        <p14:creationId xmlns:p14="http://schemas.microsoft.com/office/powerpoint/2010/main" val="786653293"/>
       </p:ext>
     </p:extLst>
   </p:cSld>
@@ -1672,7 +1668,7 @@
             <a:fld id="{00E1DFD8-B619-4FFF-B366-BDCC98D08110}" type="slidenum">
               <a:rPr lang="en-US" smtClean="0"/>
               <a:pPr/>
-              <a:t>26</a:t>
+              <a:t>27</a:t>
             </a:fld>
             <a:endParaRPr lang="en-US"/>
           </a:p>
@@ -1681,7 +1677,7 @@
     </p:spTree>
     <p:extLst>
       <p:ext uri="{BB962C8B-B14F-4D97-AF65-F5344CB8AC3E}">
-        <p14:creationId xmlns:p14="http://schemas.microsoft.com/office/powerpoint/2010/main" val="786653293"/>
+        <p14:creationId xmlns:p14="http://schemas.microsoft.com/office/powerpoint/2010/main" val="2099517756"/>
       </p:ext>
     </p:extLst>
   </p:cSld>
@@ -1905,7 +1901,7 @@
           <a:bodyPr/>
           <a:lstStyle/>
           <a:p>
-            <a:endParaRPr lang="en-US" dirty="0"/>
+            <a:endParaRPr lang="en-US" b="0" baseline="0" dirty="0" smtClean="0"/>
           </a:p>
         </p:txBody>
       </p:sp>
@@ -1936,7 +1932,7 @@
     </p:spTree>
     <p:extLst>
       <p:ext uri="{BB962C8B-B14F-4D97-AF65-F5344CB8AC3E}">
-        <p14:creationId xmlns:p14="http://schemas.microsoft.com/office/powerpoint/2010/main" val="1393206376"/>
+        <p14:creationId xmlns:p14="http://schemas.microsoft.com/office/powerpoint/2010/main" val="3673284533"/>
       </p:ext>
     </p:extLst>
   </p:cSld>
@@ -1990,7 +1986,7 @@
           <a:bodyPr/>
           <a:lstStyle/>
           <a:p>
-            <a:endParaRPr lang="en-US" b="0" baseline="0" dirty="0" smtClean="0"/>
+            <a:endParaRPr lang="en-US" b="0" dirty="0"/>
           </a:p>
         </p:txBody>
       </p:sp>
@@ -2013,176 +2009,6 @@
               <a:rPr lang="en-US" smtClean="0"/>
               <a:pPr/>
               <a:t>31</a:t>
-            </a:fld>
-            <a:endParaRPr lang="en-US"/>
-          </a:p>
-        </p:txBody>
-      </p:sp>
-    </p:spTree>
-    <p:extLst>
-      <p:ext uri="{BB962C8B-B14F-4D97-AF65-F5344CB8AC3E}">
-        <p14:creationId xmlns:p14="http://schemas.microsoft.com/office/powerpoint/2010/main" val="3673284533"/>
-      </p:ext>
-    </p:extLst>
-  </p:cSld>
-  <p:clrMapOvr>
-    <a:masterClrMapping/>
-  </p:clrMapOvr>
-</p:notes>
-</file>
-
-<file path=ppt/notesSlides/notesSlide25.xml><?xml version="1.0" encoding="utf-8"?>
-<p:notes xmlns:a="http://schemas.openxmlformats.org/drawingml/2006/main" xmlns:r="http://schemas.openxmlformats.org/officeDocument/2006/relationships" xmlns:p="http://schemas.openxmlformats.org/presentationml/2006/main">
-  <p:cSld>
-    <p:spTree>
-      <p:nvGrpSpPr>
-        <p:cNvPr id="1" name=""/>
-        <p:cNvGrpSpPr/>
-        <p:nvPr/>
-      </p:nvGrpSpPr>
-      <p:grpSpPr>
-        <a:xfrm>
-          <a:off x="0" y="0"/>
-          <a:ext cx="0" cy="0"/>
-          <a:chOff x="0" y="0"/>
-          <a:chExt cx="0" cy="0"/>
-        </a:xfrm>
-      </p:grpSpPr>
-      <p:sp>
-        <p:nvSpPr>
-          <p:cNvPr id="2" name="Slide Image Placeholder 1"/>
-          <p:cNvSpPr>
-            <a:spLocks noGrp="1" noRot="1" noChangeAspect="1"/>
-          </p:cNvSpPr>
-          <p:nvPr>
-            <p:ph type="sldImg"/>
-          </p:nvPr>
-        </p:nvSpPr>
-        <p:spPr/>
-      </p:sp>
-      <p:sp>
-        <p:nvSpPr>
-          <p:cNvPr id="3" name="Notes Placeholder 2"/>
-          <p:cNvSpPr>
-            <a:spLocks noGrp="1"/>
-          </p:cNvSpPr>
-          <p:nvPr>
-            <p:ph type="body" idx="1"/>
-          </p:nvPr>
-        </p:nvSpPr>
-        <p:spPr/>
-        <p:txBody>
-          <a:bodyPr/>
-          <a:lstStyle/>
-          <a:p>
-            <a:endParaRPr lang="en-US" dirty="0"/>
-          </a:p>
-        </p:txBody>
-      </p:sp>
-      <p:sp>
-        <p:nvSpPr>
-          <p:cNvPr id="4" name="Slide Number Placeholder 3"/>
-          <p:cNvSpPr>
-            <a:spLocks noGrp="1"/>
-          </p:cNvSpPr>
-          <p:nvPr>
-            <p:ph type="sldNum" sz="quarter" idx="10"/>
-          </p:nvPr>
-        </p:nvSpPr>
-        <p:spPr/>
-        <p:txBody>
-          <a:bodyPr/>
-          <a:lstStyle/>
-          <a:p>
-            <a:fld id="{00E1DFD8-B619-4FFF-B366-BDCC98D08110}" type="slidenum">
-              <a:rPr lang="en-US" smtClean="0"/>
-              <a:pPr/>
-              <a:t>32</a:t>
-            </a:fld>
-            <a:endParaRPr lang="en-US"/>
-          </a:p>
-        </p:txBody>
-      </p:sp>
-    </p:spTree>
-    <p:extLst>
-      <p:ext uri="{BB962C8B-B14F-4D97-AF65-F5344CB8AC3E}">
-        <p14:creationId xmlns:p14="http://schemas.microsoft.com/office/powerpoint/2010/main" val="3425497870"/>
-      </p:ext>
-    </p:extLst>
-  </p:cSld>
-  <p:clrMapOvr>
-    <a:masterClrMapping/>
-  </p:clrMapOvr>
-</p:notes>
-</file>
-
-<file path=ppt/notesSlides/notesSlide26.xml><?xml version="1.0" encoding="utf-8"?>
-<p:notes xmlns:a="http://schemas.openxmlformats.org/drawingml/2006/main" xmlns:r="http://schemas.openxmlformats.org/officeDocument/2006/relationships" xmlns:p="http://schemas.openxmlformats.org/presentationml/2006/main">
-  <p:cSld>
-    <p:spTree>
-      <p:nvGrpSpPr>
-        <p:cNvPr id="1" name=""/>
-        <p:cNvGrpSpPr/>
-        <p:nvPr/>
-      </p:nvGrpSpPr>
-      <p:grpSpPr>
-        <a:xfrm>
-          <a:off x="0" y="0"/>
-          <a:ext cx="0" cy="0"/>
-          <a:chOff x="0" y="0"/>
-          <a:chExt cx="0" cy="0"/>
-        </a:xfrm>
-      </p:grpSpPr>
-      <p:sp>
-        <p:nvSpPr>
-          <p:cNvPr id="2" name="Slide Image Placeholder 1"/>
-          <p:cNvSpPr>
-            <a:spLocks noGrp="1" noRot="1" noChangeAspect="1"/>
-          </p:cNvSpPr>
-          <p:nvPr>
-            <p:ph type="sldImg"/>
-          </p:nvPr>
-        </p:nvSpPr>
-        <p:spPr/>
-      </p:sp>
-      <p:sp>
-        <p:nvSpPr>
-          <p:cNvPr id="3" name="Notes Placeholder 2"/>
-          <p:cNvSpPr>
-            <a:spLocks noGrp="1"/>
-          </p:cNvSpPr>
-          <p:nvPr>
-            <p:ph type="body" idx="1"/>
-          </p:nvPr>
-        </p:nvSpPr>
-        <p:spPr/>
-        <p:txBody>
-          <a:bodyPr/>
-          <a:lstStyle/>
-          <a:p>
-            <a:endParaRPr lang="en-US" b="0" dirty="0"/>
-          </a:p>
-        </p:txBody>
-      </p:sp>
-      <p:sp>
-        <p:nvSpPr>
-          <p:cNvPr id="4" name="Slide Number Placeholder 3"/>
-          <p:cNvSpPr>
-            <a:spLocks noGrp="1"/>
-          </p:cNvSpPr>
-          <p:nvPr>
-            <p:ph type="sldNum" sz="quarter" idx="10"/>
-          </p:nvPr>
-        </p:nvSpPr>
-        <p:spPr/>
-        <p:txBody>
-          <a:bodyPr/>
-          <a:lstStyle/>
-          <a:p>
-            <a:fld id="{00E1DFD8-B619-4FFF-B366-BDCC98D08110}" type="slidenum">
-              <a:rPr lang="en-US" smtClean="0"/>
-              <a:pPr/>
-              <a:t>34</a:t>
             </a:fld>
             <a:endParaRPr lang="en-US"/>
           </a:p>
@@ -2985,7 +2811,7 @@
           <a:p>
             <a:fld id="{2F1F79F5-7BEC-496A-AFC7-876E38F64D71}" type="datetime1">
               <a:rPr lang="en-US" smtClean="0"/>
-              <a:t>10/2/2015</a:t>
+              <a:t>10/16/2015</a:t>
             </a:fld>
             <a:endParaRPr lang="en-US"/>
           </a:p>
@@ -3087,7 +2913,7 @@
           <a:p>
             <a:fld id="{0A05703A-7669-4FEA-9056-25299B4D29D4}" type="datetime1">
               <a:rPr lang="en-US" smtClean="0"/>
-              <a:t>10/2/2015</a:t>
+              <a:t>10/16/2015</a:t>
             </a:fld>
             <a:endParaRPr lang="en-US"/>
           </a:p>
@@ -3364,7 +3190,7 @@
           <a:p>
             <a:fld id="{6E5077B5-BB57-49DB-88CA-226A139E5C01}" type="datetime1">
               <a:rPr lang="en-US" smtClean="0"/>
-              <a:t>10/2/2015</a:t>
+              <a:t>10/16/2015</a:t>
             </a:fld>
             <a:endParaRPr lang="en-US"/>
           </a:p>
@@ -3617,7 +3443,7 @@
           <a:p>
             <a:fld id="{C48D9447-CBD6-49A1-89FD-8512A8CF8999}" type="datetime1">
               <a:rPr lang="en-US" smtClean="0"/>
-              <a:t>10/2/2015</a:t>
+              <a:t>10/16/2015</a:t>
             </a:fld>
             <a:endParaRPr lang="en-US"/>
           </a:p>
@@ -3787,7 +3613,7 @@
           <a:p>
             <a:fld id="{A3639A2A-823D-48B7-9ACE-7FAF42870BA9}" type="datetime1">
               <a:rPr lang="en-US" smtClean="0"/>
-              <a:t>10/2/2015</a:t>
+              <a:t>10/16/2015</a:t>
             </a:fld>
             <a:endParaRPr lang="en-US"/>
           </a:p>
@@ -3967,7 +3793,7 @@
           <a:p>
             <a:fld id="{ED1B6996-82E9-463C-972C-7B56056E426C}" type="datetime1">
               <a:rPr lang="en-US" smtClean="0"/>
-              <a:t>10/2/2015</a:t>
+              <a:t>10/16/2015</a:t>
             </a:fld>
             <a:endParaRPr lang="en-US"/>
           </a:p>
@@ -4143,7 +3969,7 @@
           <a:p>
             <a:fld id="{E22ED4DA-448D-4BB1-B935-CC112220207B}" type="datetime1">
               <a:rPr lang="en-US" smtClean="0"/>
-              <a:t>10/2/2015</a:t>
+              <a:t>10/16/2015</a:t>
             </a:fld>
             <a:endParaRPr lang="en-US"/>
           </a:p>
@@ -4325,7 +4151,7 @@
           <a:p>
             <a:fld id="{E22ED4DA-448D-4BB1-B935-CC112220207B}" type="datetime1">
               <a:rPr lang="en-US" smtClean="0"/>
-              <a:t>10/2/2015</a:t>
+              <a:t>10/16/2015</a:t>
             </a:fld>
             <a:endParaRPr lang="en-US"/>
           </a:p>
@@ -4594,7 +4420,7 @@
           <a:p>
             <a:fld id="{FF5D65A6-AB94-4435-B0B7-3743215FA46C}" type="datetime1">
               <a:rPr lang="en-US" smtClean="0"/>
-              <a:t>10/2/2015</a:t>
+              <a:t>10/16/2015</a:t>
             </a:fld>
             <a:endParaRPr lang="en-US"/>
           </a:p>
@@ -4779,7 +4605,7 @@
           <a:p>
             <a:fld id="{FF5D65A6-AB94-4435-B0B7-3743215FA46C}" type="datetime1">
               <a:rPr lang="en-US" smtClean="0"/>
-              <a:t>10/2/2015</a:t>
+              <a:t>10/16/2015</a:t>
             </a:fld>
             <a:endParaRPr lang="en-US"/>
           </a:p>
@@ -5081,7 +4907,7 @@
           <a:p>
             <a:fld id="{7C193DC4-6EF0-48C9-B29C-616106A645E1}" type="datetime1">
               <a:rPr lang="en-US" smtClean="0"/>
-              <a:t>10/2/2015</a:t>
+              <a:t>10/16/2015</a:t>
             </a:fld>
             <a:endParaRPr lang="en-US"/>
           </a:p>
@@ -5369,7 +5195,7 @@
           <a:p>
             <a:fld id="{5D1846AD-9252-4647-9435-4C2AC365653A}" type="datetime1">
               <a:rPr lang="en-US" smtClean="0"/>
-              <a:t>10/2/2015</a:t>
+              <a:t>10/16/2015</a:t>
             </a:fld>
             <a:endParaRPr lang="en-US"/>
           </a:p>
@@ -5791,7 +5617,7 @@
           <a:p>
             <a:fld id="{CE56DC10-3561-4063-A6AF-C1CC7A41040A}" type="datetime1">
               <a:rPr lang="en-US" smtClean="0"/>
-              <a:t>10/2/2015</a:t>
+              <a:t>10/16/2015</a:t>
             </a:fld>
             <a:endParaRPr lang="en-US"/>
           </a:p>
@@ -5909,7 +5735,7 @@
           <a:p>
             <a:fld id="{2F7B77F5-1464-4F6B-92A8-64FC8A508293}" type="datetime1">
               <a:rPr lang="en-US" smtClean="0"/>
-              <a:t>10/2/2015</a:t>
+              <a:t>10/16/2015</a:t>
             </a:fld>
             <a:endParaRPr lang="en-US"/>
           </a:p>
@@ -6141,7 +5967,7 @@
           <a:p>
             <a:fld id="{02B3F677-983B-48DB-ADFD-63FE6CBC7FB2}" type="datetime1">
               <a:rPr lang="en-US" smtClean="0"/>
-              <a:t>10/2/2015</a:t>
+              <a:t>10/16/2015</a:t>
             </a:fld>
             <a:endParaRPr lang="en-US"/>
           </a:p>
@@ -7985,14 +7811,7 @@
                 <a:latin typeface="Consolas" pitchFamily="49" charset="0"/>
                 <a:cs typeface="Consolas" pitchFamily="49" charset="0"/>
               </a:rPr>
-              <a:t> </a:t>
-            </a:r>
-            <a:r>
-              <a:rPr lang="en-US" b="1" dirty="0" smtClean="0">
-                <a:latin typeface="Consolas" pitchFamily="49" charset="0"/>
-                <a:cs typeface="Consolas" pitchFamily="49" charset="0"/>
-              </a:rPr>
-              <a:t>mx)</a:t>
+              <a:t> mx)</a:t>
             </a:r>
           </a:p>
           <a:p>
@@ -8573,7 +8392,14 @@
                 <a:latin typeface="Consolas" pitchFamily="49" charset="0"/>
                 <a:cs typeface="Consolas" pitchFamily="49" charset="0"/>
               </a:rPr>
-              <a:t>    [(looks-like-</a:t>
+              <a:t>    </a:t>
+            </a:r>
+            <a:r>
+              <a:rPr lang="en-US" b="1" dirty="0" smtClean="0">
+                <a:latin typeface="Consolas" pitchFamily="49" charset="0"/>
+                <a:cs typeface="Consolas" pitchFamily="49" charset="0"/>
+              </a:rPr>
+              <a:t>[(could-be-</a:t>
             </a:r>
             <a:r>
               <a:rPr lang="en-US" b="1" dirty="0" err="1" smtClean="0">
@@ -8904,7 +8730,14 @@
                 <a:latin typeface="Consolas" pitchFamily="49" charset="0"/>
                 <a:cs typeface="Consolas" pitchFamily="49" charset="0"/>
               </a:rPr>
-              <a:t>;; looks-like-</a:t>
+              <a:t>;; </a:t>
+            </a:r>
+            <a:r>
+              <a:rPr lang="en-US" b="1" dirty="0" smtClean="0">
+                <a:latin typeface="Consolas" pitchFamily="49" charset="0"/>
+                <a:cs typeface="Consolas" pitchFamily="49" charset="0"/>
+              </a:rPr>
+              <a:t>could-be-</a:t>
             </a:r>
             <a:r>
               <a:rPr lang="en-US" b="1" dirty="0" err="1" smtClean="0">
@@ -8918,7 +8751,14 @@
                 <a:latin typeface="Consolas" pitchFamily="49" charset="0"/>
                 <a:cs typeface="Consolas" pitchFamily="49" charset="0"/>
               </a:rPr>
-              <a:t>? : </a:t>
+              <a:t>? </a:t>
+            </a:r>
+            <a:r>
+              <a:rPr lang="en-US" b="1" dirty="0" smtClean="0">
+                <a:latin typeface="Consolas" pitchFamily="49" charset="0"/>
+                <a:cs typeface="Consolas" pitchFamily="49" charset="0"/>
+              </a:rPr>
+              <a:t>: </a:t>
             </a:r>
             <a:r>
               <a:rPr lang="en-US" b="1" dirty="0" err="1" smtClean="0">
@@ -9086,30 +8926,26 @@
                 <a:latin typeface="Consolas" pitchFamily="49" charset="0"/>
                 <a:cs typeface="Consolas" pitchFamily="49" charset="0"/>
               </a:rPr>
-              <a:t>;; STRATEGY: </a:t>
-            </a:r>
+              <a:t>;; STRATEGY: combine simpler functions</a:t>
+            </a:r>
+          </a:p>
+          <a:p>
+            <a:pPr>
+              <a:buNone/>
+            </a:pPr>
             <a:r>
               <a:rPr lang="en-US" b="1" dirty="0" smtClean="0">
                 <a:latin typeface="Consolas" pitchFamily="49" charset="0"/>
                 <a:cs typeface="Consolas" pitchFamily="49" charset="0"/>
               </a:rPr>
-              <a:t>combine simpler functions</a:t>
-            </a:r>
-            <a:endParaRPr lang="en-US" b="1" dirty="0" smtClean="0">
-              <a:latin typeface="Consolas" pitchFamily="49" charset="0"/>
-              <a:cs typeface="Consolas" pitchFamily="49" charset="0"/>
-            </a:endParaRPr>
-          </a:p>
-          <a:p>
-            <a:pPr>
-              <a:buNone/>
-            </a:pPr>
+              <a:t>(define </a:t>
+            </a:r>
             <a:r>
               <a:rPr lang="en-US" b="1" dirty="0" smtClean="0">
                 <a:latin typeface="Consolas" pitchFamily="49" charset="0"/>
                 <a:cs typeface="Consolas" pitchFamily="49" charset="0"/>
               </a:rPr>
-              <a:t>(define (looks-like-</a:t>
+              <a:t>(could-be-</a:t>
             </a:r>
             <a:r>
               <a:rPr lang="en-US" b="1" dirty="0" err="1" smtClean="0">
@@ -9379,20 +9215,24 @@
               <a:t> that is not a number.  We know this assumption is true, because </a:t>
             </a:r>
             <a:r>
-              <a:rPr lang="en-US" sz="1600" b="1" dirty="0"/>
-              <a:t>looks-like-</a:t>
-            </a:r>
-            <a:r>
-              <a:rPr lang="en-US" sz="1600" b="1" dirty="0" err="1"/>
+              <a:rPr lang="en-US" sz="1600" b="1" dirty="0" smtClean="0"/>
+              <a:t>could-be-</a:t>
+            </a:r>
+            <a:r>
+              <a:rPr lang="en-US" sz="1600" b="1" dirty="0" err="1" smtClean="0"/>
               <a:t>diffexp</a:t>
             </a:r>
             <a:r>
-              <a:rPr lang="en-US" sz="1600" b="1" dirty="0"/>
+              <a:rPr lang="en-US" sz="1600" b="1" dirty="0" smtClean="0"/>
               <a:t>?</a:t>
             </a:r>
             <a:r>
+              <a:rPr lang="en-US" sz="1600" dirty="0" smtClean="0"/>
+              <a:t> </a:t>
+            </a:r>
+            <a:r>
               <a:rPr lang="en-US" sz="1600" dirty="0"/>
-              <a:t> is only called after </a:t>
+              <a:t>is only called after </a:t>
             </a:r>
             <a:r>
               <a:rPr lang="en-US" sz="1600" b="1" dirty="0"/>
@@ -9768,7 +9608,7 @@
           <a:p>
             <a:r>
               <a:rPr lang="en-US" dirty="0" smtClean="0"/>
-              <a:t>But wait: what's the strategy?</a:t>
+              <a:t>Something new happened here</a:t>
             </a:r>
             <a:endParaRPr lang="en-US" dirty="0"/>
           </a:p>
@@ -9786,418 +9626,79 @@
         </p:nvSpPr>
         <p:spPr/>
         <p:txBody>
-          <a:bodyPr>
-            <a:normAutofit fontScale="47500" lnSpcReduction="20000"/>
-          </a:bodyPr>
-          <a:lstStyle/>
-          <a:p>
-            <a:pPr>
-              <a:buNone/>
-            </a:pPr>
-            <a:r>
-              <a:rPr lang="en-US" b="1" dirty="0">
-                <a:latin typeface="Consolas" pitchFamily="49" charset="0"/>
-                <a:cs typeface="Consolas" pitchFamily="49" charset="0"/>
-              </a:rPr>
-              <a:t>;; decode : </a:t>
-            </a:r>
-            <a:r>
-              <a:rPr lang="en-US" b="1" dirty="0" err="1">
-                <a:latin typeface="Consolas" pitchFamily="49" charset="0"/>
-                <a:cs typeface="Consolas" pitchFamily="49" charset="0"/>
-              </a:rPr>
-              <a:t>SexpOfAtom</a:t>
-            </a:r>
-            <a:r>
-              <a:rPr lang="en-US" b="1" dirty="0">
-                <a:latin typeface="Consolas" pitchFamily="49" charset="0"/>
-                <a:cs typeface="Consolas" pitchFamily="49" charset="0"/>
-              </a:rPr>
-              <a:t> -&gt; </a:t>
-            </a:r>
-            <a:r>
-              <a:rPr lang="en-US" b="1" dirty="0" err="1" smtClean="0">
-                <a:latin typeface="Consolas" pitchFamily="49" charset="0"/>
-                <a:cs typeface="Consolas" pitchFamily="49" charset="0"/>
-              </a:rPr>
-              <a:t>MaybeDiffExp</a:t>
-            </a:r>
-            <a:endParaRPr lang="en-US" b="1" dirty="0">
-              <a:latin typeface="Consolas" pitchFamily="49" charset="0"/>
-              <a:cs typeface="Consolas" pitchFamily="49" charset="0"/>
-            </a:endParaRPr>
-          </a:p>
-          <a:p>
-            <a:pPr>
-              <a:buNone/>
-            </a:pPr>
-            <a:endParaRPr lang="en-US" b="1" dirty="0">
-              <a:latin typeface="Consolas" pitchFamily="49" charset="0"/>
-              <a:cs typeface="Consolas" pitchFamily="49" charset="0"/>
-            </a:endParaRPr>
-          </a:p>
-          <a:p>
-            <a:pPr>
-              <a:buNone/>
-            </a:pPr>
-            <a:r>
-              <a:rPr lang="en-US" b="1" dirty="0">
-                <a:latin typeface="Consolas" pitchFamily="49" charset="0"/>
-                <a:cs typeface="Consolas" pitchFamily="49" charset="0"/>
-              </a:rPr>
-              <a:t>;; Algorithm: if the </a:t>
-            </a:r>
-            <a:r>
-              <a:rPr lang="en-US" b="1" dirty="0" err="1">
-                <a:latin typeface="Consolas" pitchFamily="49" charset="0"/>
-                <a:cs typeface="Consolas" pitchFamily="49" charset="0"/>
-              </a:rPr>
-              <a:t>sexp</a:t>
-            </a:r>
-            <a:r>
-              <a:rPr lang="en-US" b="1" dirty="0">
-                <a:latin typeface="Consolas" pitchFamily="49" charset="0"/>
-                <a:cs typeface="Consolas" pitchFamily="49" charset="0"/>
-              </a:rPr>
-              <a:t> looks like a </a:t>
-            </a:r>
-            <a:r>
-              <a:rPr lang="en-US" b="1" dirty="0" err="1">
-                <a:latin typeface="Consolas" pitchFamily="49" charset="0"/>
-                <a:cs typeface="Consolas" pitchFamily="49" charset="0"/>
-              </a:rPr>
-              <a:t>diffexp</a:t>
-            </a:r>
-            <a:r>
-              <a:rPr lang="en-US" b="1" dirty="0">
-                <a:latin typeface="Consolas" pitchFamily="49" charset="0"/>
-                <a:cs typeface="Consolas" pitchFamily="49" charset="0"/>
-              </a:rPr>
-              <a:t> at the top level,</a:t>
-            </a:r>
-          </a:p>
-          <a:p>
-            <a:pPr>
-              <a:buNone/>
-            </a:pPr>
-            <a:r>
-              <a:rPr lang="en-US" b="1" dirty="0">
-                <a:latin typeface="Consolas" pitchFamily="49" charset="0"/>
-                <a:cs typeface="Consolas" pitchFamily="49" charset="0"/>
-              </a:rPr>
-              <a:t>;; recur, otherwise return false.  If either recursion fails, return</a:t>
-            </a:r>
-          </a:p>
-          <a:p>
-            <a:pPr>
-              <a:buNone/>
-            </a:pPr>
-            <a:r>
-              <a:rPr lang="en-US" b="1" dirty="0">
-                <a:latin typeface="Consolas" pitchFamily="49" charset="0"/>
-                <a:cs typeface="Consolas" pitchFamily="49" charset="0"/>
-              </a:rPr>
-              <a:t>;; false.  If both recursions succeed, return the </a:t>
-            </a:r>
-            <a:r>
-              <a:rPr lang="en-US" b="1" dirty="0" err="1">
-                <a:latin typeface="Consolas" pitchFamily="49" charset="0"/>
-                <a:cs typeface="Consolas" pitchFamily="49" charset="0"/>
-              </a:rPr>
-              <a:t>diffexp</a:t>
-            </a:r>
-            <a:r>
-              <a:rPr lang="en-US" b="1" dirty="0">
-                <a:latin typeface="Consolas" pitchFamily="49" charset="0"/>
-                <a:cs typeface="Consolas" pitchFamily="49" charset="0"/>
-              </a:rPr>
+          <a:bodyPr/>
+          <a:lstStyle/>
+          <a:p>
+            <a:r>
+              <a:rPr lang="en-US" dirty="0" smtClean="0"/>
+              <a:t>We recurred on the </a:t>
+            </a:r>
+            <a:r>
+              <a:rPr lang="en-US" dirty="0" err="1" smtClean="0"/>
+              <a:t>subpieces</a:t>
+            </a:r>
+            <a:r>
+              <a:rPr lang="en-US" dirty="0" smtClean="0"/>
+              <a:t>, </a:t>
+            </a:r>
+            <a:r>
+              <a:rPr lang="en-US" dirty="0" smtClean="0">
+                <a:solidFill>
+                  <a:srgbClr val="FF0000"/>
+                </a:solidFill>
+              </a:rPr>
+              <a:t>but</a:t>
+            </a:r>
+          </a:p>
+          <a:p>
+            <a:pPr lvl="1"/>
+            <a:r>
+              <a:rPr lang="en-US" dirty="0" smtClean="0"/>
+              <a:t>we didn't use the predicates from the template</a:t>
+            </a:r>
+          </a:p>
+          <a:p>
+            <a:pPr lvl="1"/>
+            <a:r>
+              <a:rPr lang="en-US" dirty="0" smtClean="0"/>
+              <a:t>we didn't recur on all of the </a:t>
+            </a:r>
+            <a:r>
+              <a:rPr lang="en-US" dirty="0" err="1" smtClean="0"/>
+              <a:t>subpieces</a:t>
+            </a:r>
+            <a:endParaRPr lang="en-US" dirty="0" smtClean="0"/>
+          </a:p>
+          <a:p>
+            <a:r>
+              <a:rPr lang="en-US" dirty="0" smtClean="0"/>
+              <a:t>This is not structural recursion following the template.</a:t>
+            </a:r>
+          </a:p>
+          <a:p>
+            <a:r>
+              <a:rPr lang="en-US" dirty="0" smtClean="0"/>
+              <a:t>It's "divide-and-conquer"</a:t>
+            </a:r>
+          </a:p>
+          <a:p>
+            <a:r>
+              <a:rPr lang="en-US" dirty="0" smtClean="0"/>
+              <a:t>We call this </a:t>
+            </a:r>
+            <a:r>
+              <a:rPr lang="en-US" i="1" dirty="0" smtClean="0">
+                <a:solidFill>
+                  <a:srgbClr val="FF0000"/>
+                </a:solidFill>
+              </a:rPr>
+              <a:t>general recursion</a:t>
+            </a:r>
+            <a:r>
+              <a:rPr lang="en-US" dirty="0" smtClean="0"/>
               <a:t>.</a:t>
             </a:r>
-          </a:p>
-          <a:p>
-            <a:pPr>
-              <a:buNone/>
-            </a:pPr>
-            <a:endParaRPr lang="en-US" b="1" dirty="0">
-              <a:latin typeface="Consolas" pitchFamily="49" charset="0"/>
-              <a:cs typeface="Consolas" pitchFamily="49" charset="0"/>
-            </a:endParaRPr>
-          </a:p>
-          <a:p>
-            <a:pPr>
-              <a:buNone/>
-            </a:pPr>
-            <a:r>
-              <a:rPr lang="en-US" b="1" dirty="0">
-                <a:latin typeface="Consolas" pitchFamily="49" charset="0"/>
-                <a:cs typeface="Consolas" pitchFamily="49" charset="0"/>
-              </a:rPr>
-              <a:t>(define (decode </a:t>
-            </a:r>
-            <a:r>
-              <a:rPr lang="en-US" b="1" dirty="0" err="1">
-                <a:latin typeface="Consolas" pitchFamily="49" charset="0"/>
-                <a:cs typeface="Consolas" pitchFamily="49" charset="0"/>
-              </a:rPr>
-              <a:t>sexp</a:t>
-            </a:r>
-            <a:r>
-              <a:rPr lang="en-US" b="1" dirty="0">
-                <a:latin typeface="Consolas" pitchFamily="49" charset="0"/>
-                <a:cs typeface="Consolas" pitchFamily="49" charset="0"/>
-              </a:rPr>
-              <a:t>)</a:t>
-            </a:r>
-          </a:p>
-          <a:p>
-            <a:pPr>
-              <a:buNone/>
-            </a:pPr>
-            <a:r>
-              <a:rPr lang="en-US" b="1" dirty="0">
-                <a:latin typeface="Consolas" pitchFamily="49" charset="0"/>
-                <a:cs typeface="Consolas" pitchFamily="49" charset="0"/>
-              </a:rPr>
-              <a:t>  (</a:t>
-            </a:r>
-            <a:r>
-              <a:rPr lang="en-US" b="1" dirty="0" err="1">
-                <a:latin typeface="Consolas" pitchFamily="49" charset="0"/>
-                <a:cs typeface="Consolas" pitchFamily="49" charset="0"/>
-              </a:rPr>
-              <a:t>cond</a:t>
-            </a:r>
-            <a:endParaRPr lang="en-US" b="1" dirty="0">
-              <a:latin typeface="Consolas" pitchFamily="49" charset="0"/>
-              <a:cs typeface="Consolas" pitchFamily="49" charset="0"/>
-            </a:endParaRPr>
-          </a:p>
-          <a:p>
-            <a:pPr>
-              <a:buNone/>
-            </a:pPr>
-            <a:r>
-              <a:rPr lang="en-US" b="1" dirty="0">
-                <a:latin typeface="Consolas" pitchFamily="49" charset="0"/>
-                <a:cs typeface="Consolas" pitchFamily="49" charset="0"/>
-              </a:rPr>
-              <a:t>    [(number? </a:t>
-            </a:r>
-            <a:r>
-              <a:rPr lang="en-US" b="1" dirty="0" err="1">
-                <a:latin typeface="Consolas" pitchFamily="49" charset="0"/>
-                <a:cs typeface="Consolas" pitchFamily="49" charset="0"/>
-              </a:rPr>
-              <a:t>sexp</a:t>
-            </a:r>
-            <a:r>
-              <a:rPr lang="en-US" b="1" dirty="0">
-                <a:latin typeface="Consolas" pitchFamily="49" charset="0"/>
-                <a:cs typeface="Consolas" pitchFamily="49" charset="0"/>
-              </a:rPr>
-              <a:t>) </a:t>
-            </a:r>
-            <a:r>
-              <a:rPr lang="en-US" b="1" dirty="0" err="1">
-                <a:latin typeface="Consolas" pitchFamily="49" charset="0"/>
-                <a:cs typeface="Consolas" pitchFamily="49" charset="0"/>
-              </a:rPr>
-              <a:t>sexp</a:t>
-            </a:r>
-            <a:r>
-              <a:rPr lang="en-US" b="1" dirty="0">
-                <a:latin typeface="Consolas" pitchFamily="49" charset="0"/>
-                <a:cs typeface="Consolas" pitchFamily="49" charset="0"/>
-              </a:rPr>
-              <a:t>]</a:t>
-            </a:r>
-          </a:p>
-          <a:p>
-            <a:pPr>
-              <a:buNone/>
-            </a:pPr>
-            <a:r>
-              <a:rPr lang="en-US" b="1" dirty="0">
-                <a:latin typeface="Consolas" pitchFamily="49" charset="0"/>
-                <a:cs typeface="Consolas" pitchFamily="49" charset="0"/>
-              </a:rPr>
-              <a:t>    [(looks-like-</a:t>
-            </a:r>
-            <a:r>
-              <a:rPr lang="en-US" b="1" dirty="0" err="1">
-                <a:latin typeface="Consolas" pitchFamily="49" charset="0"/>
-                <a:cs typeface="Consolas" pitchFamily="49" charset="0"/>
-              </a:rPr>
-              <a:t>diffexp</a:t>
-            </a:r>
-            <a:r>
-              <a:rPr lang="en-US" b="1" dirty="0">
-                <a:latin typeface="Consolas" pitchFamily="49" charset="0"/>
-                <a:cs typeface="Consolas" pitchFamily="49" charset="0"/>
-              </a:rPr>
-              <a:t>? </a:t>
-            </a:r>
-            <a:r>
-              <a:rPr lang="en-US" b="1" dirty="0" err="1">
-                <a:latin typeface="Consolas" pitchFamily="49" charset="0"/>
-                <a:cs typeface="Consolas" pitchFamily="49" charset="0"/>
-              </a:rPr>
-              <a:t>sexp</a:t>
-            </a:r>
-            <a:r>
-              <a:rPr lang="en-US" b="1" dirty="0">
-                <a:latin typeface="Consolas" pitchFamily="49" charset="0"/>
-                <a:cs typeface="Consolas" pitchFamily="49" charset="0"/>
-              </a:rPr>
-              <a:t>)</a:t>
-            </a:r>
-          </a:p>
-          <a:p>
-            <a:pPr>
-              <a:buNone/>
-            </a:pPr>
-            <a:r>
-              <a:rPr lang="en-US" b="1" dirty="0">
-                <a:latin typeface="Consolas" pitchFamily="49" charset="0"/>
-                <a:cs typeface="Consolas" pitchFamily="49" charset="0"/>
-              </a:rPr>
-              <a:t>     (local</a:t>
-            </a:r>
-          </a:p>
-          <a:p>
-            <a:pPr>
-              <a:buNone/>
-            </a:pPr>
-            <a:r>
-              <a:rPr lang="en-US" b="1" dirty="0">
-                <a:latin typeface="Consolas" pitchFamily="49" charset="0"/>
-                <a:cs typeface="Consolas" pitchFamily="49" charset="0"/>
-              </a:rPr>
-              <a:t>       ((define operand1 (decode (second </a:t>
-            </a:r>
-            <a:r>
-              <a:rPr lang="en-US" b="1" dirty="0" err="1">
-                <a:latin typeface="Consolas" pitchFamily="49" charset="0"/>
-                <a:cs typeface="Consolas" pitchFamily="49" charset="0"/>
-              </a:rPr>
-              <a:t>sexp</a:t>
-            </a:r>
-            <a:r>
-              <a:rPr lang="en-US" b="1" dirty="0">
-                <a:latin typeface="Consolas" pitchFamily="49" charset="0"/>
-                <a:cs typeface="Consolas" pitchFamily="49" charset="0"/>
-              </a:rPr>
-              <a:t>)))</a:t>
-            </a:r>
-          </a:p>
-          <a:p>
-            <a:pPr>
-              <a:buNone/>
-            </a:pPr>
-            <a:r>
-              <a:rPr lang="en-US" b="1" dirty="0">
-                <a:latin typeface="Consolas" pitchFamily="49" charset="0"/>
-                <a:cs typeface="Consolas" pitchFamily="49" charset="0"/>
-              </a:rPr>
-              <a:t>        (define operand2 (decode (third </a:t>
-            </a:r>
-            <a:r>
-              <a:rPr lang="en-US" b="1" dirty="0" err="1">
-                <a:latin typeface="Consolas" pitchFamily="49" charset="0"/>
-                <a:cs typeface="Consolas" pitchFamily="49" charset="0"/>
-              </a:rPr>
-              <a:t>sexp</a:t>
-            </a:r>
-            <a:r>
-              <a:rPr lang="en-US" b="1" dirty="0">
-                <a:latin typeface="Consolas" pitchFamily="49" charset="0"/>
-                <a:cs typeface="Consolas" pitchFamily="49" charset="0"/>
-              </a:rPr>
-              <a:t>))))</a:t>
-            </a:r>
-          </a:p>
-          <a:p>
-            <a:pPr>
-              <a:buNone/>
-            </a:pPr>
-            <a:r>
-              <a:rPr lang="en-US" b="1" dirty="0">
-                <a:latin typeface="Consolas" pitchFamily="49" charset="0"/>
-                <a:cs typeface="Consolas" pitchFamily="49" charset="0"/>
-              </a:rPr>
-              <a:t>       (if (and (succeeded? operand1)</a:t>
-            </a:r>
-          </a:p>
-          <a:p>
-            <a:pPr>
-              <a:buNone/>
-            </a:pPr>
-            <a:r>
-              <a:rPr lang="en-US" b="1" dirty="0">
-                <a:latin typeface="Consolas" pitchFamily="49" charset="0"/>
-                <a:cs typeface="Consolas" pitchFamily="49" charset="0"/>
-              </a:rPr>
-              <a:t>                (succeeded? operand2))</a:t>
-            </a:r>
-          </a:p>
-          <a:p>
-            <a:pPr>
-              <a:buNone/>
-            </a:pPr>
-            <a:r>
-              <a:rPr lang="en-US" b="1" dirty="0">
-                <a:latin typeface="Consolas" pitchFamily="49" charset="0"/>
-                <a:cs typeface="Consolas" pitchFamily="49" charset="0"/>
-              </a:rPr>
-              <a:t>           (make-</a:t>
-            </a:r>
-            <a:r>
-              <a:rPr lang="en-US" b="1" dirty="0" err="1">
-                <a:latin typeface="Consolas" pitchFamily="49" charset="0"/>
-                <a:cs typeface="Consolas" pitchFamily="49" charset="0"/>
-              </a:rPr>
-              <a:t>diffexp</a:t>
-            </a:r>
-            <a:r>
-              <a:rPr lang="en-US" b="1" dirty="0">
-                <a:latin typeface="Consolas" pitchFamily="49" charset="0"/>
-                <a:cs typeface="Consolas" pitchFamily="49" charset="0"/>
-              </a:rPr>
-              <a:t> operand1 operand2)</a:t>
-            </a:r>
-          </a:p>
-          <a:p>
-            <a:pPr>
-              <a:buNone/>
-            </a:pPr>
-            <a:r>
-              <a:rPr lang="en-US" b="1" dirty="0">
-                <a:latin typeface="Consolas" pitchFamily="49" charset="0"/>
-                <a:cs typeface="Consolas" pitchFamily="49" charset="0"/>
-              </a:rPr>
-              <a:t>           false))]</a:t>
-            </a:r>
-          </a:p>
-          <a:p>
-            <a:pPr>
-              <a:buNone/>
-            </a:pPr>
-            <a:r>
-              <a:rPr lang="en-US" b="1" dirty="0">
-                <a:latin typeface="Consolas" pitchFamily="49" charset="0"/>
-                <a:cs typeface="Consolas" pitchFamily="49" charset="0"/>
-              </a:rPr>
-              <a:t>    [else false]))</a:t>
-            </a:r>
-          </a:p>
-          <a:p>
-            <a:pPr>
-              <a:buNone/>
-            </a:pPr>
-            <a:endParaRPr lang="en-US" b="1" dirty="0">
-              <a:latin typeface="Consolas" pitchFamily="49" charset="0"/>
-              <a:cs typeface="Consolas" pitchFamily="49" charset="0"/>
-            </a:endParaRPr>
+            <a:endParaRPr lang="en-US" dirty="0"/>
           </a:p>
         </p:txBody>
       </p:sp>
@@ -10225,67 +9726,12 @@
           </a:p>
         </p:txBody>
       </p:sp>
-      <p:sp>
-        <p:nvSpPr>
-          <p:cNvPr id="5" name="Rectangle 4"/>
-          <p:cNvSpPr/>
-          <p:nvPr/>
-        </p:nvSpPr>
-        <p:spPr>
-          <a:xfrm>
-            <a:off x="5334000" y="4953000"/>
-            <a:ext cx="3505200" cy="1447800"/>
-          </a:xfrm>
-          <a:prstGeom prst="rect">
-            <a:avLst/>
-          </a:prstGeom>
-          <a:solidFill>
-            <a:schemeClr val="accent3">
-              <a:lumMod val="40000"/>
-              <a:lumOff val="60000"/>
-            </a:schemeClr>
-          </a:solidFill>
-          <a:ln/>
-        </p:spPr>
-        <p:style>
-          <a:lnRef idx="2">
-            <a:schemeClr val="accent1"/>
-          </a:lnRef>
-          <a:fillRef idx="1">
-            <a:schemeClr val="lt1"/>
-          </a:fillRef>
-          <a:effectRef idx="0">
-            <a:schemeClr val="accent1"/>
-          </a:effectRef>
-          <a:fontRef idx="minor">
-            <a:schemeClr val="dk1"/>
-          </a:fontRef>
-        </p:style>
-        <p:txBody>
-          <a:bodyPr rot="0" spcFirstLastPara="0" vertOverflow="overflow" horzOverflow="overflow" vert="horz" wrap="square" lIns="91440" tIns="45720" rIns="91440" bIns="45720" numCol="1" spcCol="0" rtlCol="0" fromWordArt="0" anchor="ctr" anchorCtr="0" forceAA="0" compatLnSpc="1">
-            <a:prstTxWarp prst="textNoShape">
-              <a:avLst/>
-            </a:prstTxWarp>
-            <a:noAutofit/>
-          </a:bodyPr>
-          <a:lstStyle/>
-          <a:p>
-            <a:r>
-              <a:rPr lang="en-US" sz="2000" dirty="0"/>
-              <a:t>But what strategy is this?  It doesn’t fit the template for </a:t>
-            </a:r>
-            <a:r>
-              <a:rPr lang="en-US" sz="2000" dirty="0" err="1"/>
-              <a:t>SexpOfAtom</a:t>
-            </a:r>
-            <a:r>
-              <a:rPr lang="en-US" sz="2000" dirty="0"/>
-              <a:t>.  It’s not even close.</a:t>
-            </a:r>
-          </a:p>
-        </p:txBody>
-      </p:sp>
     </p:spTree>
+    <p:extLst>
+      <p:ext uri="{BB962C8B-B14F-4D97-AF65-F5344CB8AC3E}">
+        <p14:creationId xmlns:p14="http://schemas.microsoft.com/office/powerpoint/2010/main" val="691238589"/>
+      </p:ext>
+    </p:extLst>
   </p:cSld>
   <p:clrMapOvr>
     <a:masterClrMapping/>
@@ -10329,12 +9775,21 @@
         </p:nvSpPr>
         <p:spPr/>
         <p:txBody>
-          <a:bodyPr/>
+          <a:bodyPr>
+            <a:normAutofit fontScale="90000"/>
+          </a:bodyPr>
           <a:lstStyle/>
           <a:p>
             <a:r>
               <a:rPr lang="en-US" dirty="0" smtClean="0"/>
-              <a:t>Something new happened here</a:t>
+              <a:t>Divide-and-Conquer </a:t>
+            </a:r>
+            <a:br>
+              <a:rPr lang="en-US" dirty="0" smtClean="0"/>
+            </a:br>
+            <a:r>
+              <a:rPr lang="en-US" dirty="0" smtClean="0"/>
+              <a:t>(General Recursion)</a:t>
             </a:r>
             <a:endParaRPr lang="en-US" dirty="0"/>
           </a:p>
@@ -10352,87 +9807,59 @@
         </p:nvSpPr>
         <p:spPr/>
         <p:txBody>
-          <a:bodyPr/>
+          <a:bodyPr>
+            <a:normAutofit/>
+          </a:bodyPr>
           <a:lstStyle/>
           <a:p>
             <a:r>
               <a:rPr lang="en-US" dirty="0" smtClean="0"/>
-              <a:t>We recurred on the </a:t>
-            </a:r>
-            <a:r>
-              <a:rPr lang="en-US" dirty="0" err="1" smtClean="0"/>
-              <a:t>subpieces</a:t>
-            </a:r>
+              <a:t>How to solve the problem:</a:t>
+            </a:r>
+          </a:p>
+          <a:p>
+            <a:pPr lvl="1"/>
             <a:r>
               <a:rPr lang="en-US" dirty="0" smtClean="0"/>
-              <a:t>, </a:t>
-            </a:r>
-            <a:r>
-              <a:rPr lang="en-US" dirty="0" smtClean="0">
-                <a:solidFill>
-                  <a:srgbClr val="FF0000"/>
-                </a:solidFill>
-              </a:rPr>
-              <a:t>but</a:t>
+              <a:t>If it's easy, solve it immediately</a:t>
             </a:r>
           </a:p>
           <a:p>
             <a:pPr lvl="1"/>
             <a:r>
               <a:rPr lang="en-US" dirty="0" smtClean="0"/>
-              <a:t>we didn't use the </a:t>
-            </a:r>
+              <a:t>If it's hard:</a:t>
+            </a:r>
+          </a:p>
+          <a:p>
+            <a:pPr lvl="2"/>
             <a:r>
               <a:rPr lang="en-US" dirty="0" smtClean="0"/>
-              <a:t>predicates from the template</a:t>
-            </a:r>
-            <a:endParaRPr lang="en-US" dirty="0" smtClean="0"/>
-          </a:p>
-          <a:p>
-            <a:pPr lvl="1"/>
+              <a:t>Find one or more easier problems whose solutions will help you find the solution to the original problem.</a:t>
+            </a:r>
+          </a:p>
+          <a:p>
+            <a:pPr lvl="2"/>
             <a:r>
               <a:rPr lang="en-US" dirty="0" smtClean="0"/>
-              <a:t>we didn't recur on all of the </a:t>
-            </a:r>
-            <a:r>
-              <a:rPr lang="en-US" dirty="0" err="1" smtClean="0"/>
-              <a:t>subpieces</a:t>
-            </a:r>
-            <a:endParaRPr lang="en-US" dirty="0" smtClean="0"/>
-          </a:p>
-          <a:p>
+              <a:t>Solve each of them</a:t>
+            </a:r>
+          </a:p>
+          <a:p>
+            <a:pPr lvl="2"/>
             <a:r>
               <a:rPr lang="en-US" dirty="0" smtClean="0"/>
-              <a:t>This is not structural </a:t>
-            </a:r>
+              <a:t>Then combine the solutions to get the solution to your original problem</a:t>
+            </a:r>
+          </a:p>
+          <a:p>
             <a:r>
               <a:rPr lang="en-US" dirty="0" smtClean="0"/>
-              <a:t>recursion following the template.</a:t>
-            </a:r>
-          </a:p>
-          <a:p>
-            <a:r>
-              <a:rPr lang="en-US" dirty="0" smtClean="0"/>
-              <a:t>It's "divide-and-conquer"</a:t>
-            </a:r>
-          </a:p>
-          <a:p>
-            <a:r>
-              <a:rPr lang="en-US" dirty="0" smtClean="0"/>
-              <a:t>We call this </a:t>
-            </a:r>
-            <a:r>
-              <a:rPr lang="en-US" i="1" dirty="0" smtClean="0">
-                <a:solidFill>
-                  <a:srgbClr val="FF0000"/>
-                </a:solidFill>
-              </a:rPr>
-              <a:t>general recursion</a:t>
-            </a:r>
-            <a:r>
-              <a:rPr lang="en-US" dirty="0" smtClean="0"/>
-              <a:t>.</a:t>
-            </a:r>
+              <a:t>Here it is as a template:</a:t>
+            </a:r>
+          </a:p>
+          <a:p>
+            <a:pPr lvl="2"/>
             <a:endParaRPr lang="en-US" dirty="0"/>
           </a:p>
         </p:txBody>
@@ -10456,173 +9883,6 @@
               <a:rPr lang="en-US" smtClean="0"/>
               <a:pPr/>
               <a:t>18</a:t>
-            </a:fld>
-            <a:endParaRPr lang="en-US"/>
-          </a:p>
-        </p:txBody>
-      </p:sp>
-    </p:spTree>
-    <p:extLst>
-      <p:ext uri="{BB962C8B-B14F-4D97-AF65-F5344CB8AC3E}">
-        <p14:creationId xmlns:p14="http://schemas.microsoft.com/office/powerpoint/2010/main" val="691238589"/>
-      </p:ext>
-    </p:extLst>
-  </p:cSld>
-  <p:clrMapOvr>
-    <a:masterClrMapping/>
-  </p:clrMapOvr>
-  <p:timing>
-    <p:tnLst>
-      <p:par>
-        <p:cTn id="1" dur="indefinite" restart="never" nodeType="tmRoot"/>
-      </p:par>
-    </p:tnLst>
-  </p:timing>
-</p:sld>
-</file>
-
-<file path=ppt/slides/slide19.xml><?xml version="1.0" encoding="utf-8"?>
-<p:sld xmlns:a="http://schemas.openxmlformats.org/drawingml/2006/main" xmlns:r="http://schemas.openxmlformats.org/officeDocument/2006/relationships" xmlns:p="http://schemas.openxmlformats.org/presentationml/2006/main">
-  <p:cSld>
-    <p:spTree>
-      <p:nvGrpSpPr>
-        <p:cNvPr id="1" name=""/>
-        <p:cNvGrpSpPr/>
-        <p:nvPr/>
-      </p:nvGrpSpPr>
-      <p:grpSpPr>
-        <a:xfrm>
-          <a:off x="0" y="0"/>
-          <a:ext cx="0" cy="0"/>
-          <a:chOff x="0" y="0"/>
-          <a:chExt cx="0" cy="0"/>
-        </a:xfrm>
-      </p:grpSpPr>
-      <p:sp>
-        <p:nvSpPr>
-          <p:cNvPr id="2" name="Title 1"/>
-          <p:cNvSpPr>
-            <a:spLocks noGrp="1"/>
-          </p:cNvSpPr>
-          <p:nvPr>
-            <p:ph type="title"/>
-          </p:nvPr>
-        </p:nvSpPr>
-        <p:spPr/>
-        <p:txBody>
-          <a:bodyPr>
-            <a:normAutofit fontScale="90000"/>
-          </a:bodyPr>
-          <a:lstStyle/>
-          <a:p>
-            <a:r>
-              <a:rPr lang="en-US" dirty="0" smtClean="0"/>
-              <a:t>Divide-and-Conquer </a:t>
-            </a:r>
-            <a:br>
-              <a:rPr lang="en-US" dirty="0" smtClean="0"/>
-            </a:br>
-            <a:r>
-              <a:rPr lang="en-US" dirty="0" smtClean="0"/>
-              <a:t>(General Recursion)</a:t>
-            </a:r>
-            <a:endParaRPr lang="en-US" dirty="0"/>
-          </a:p>
-        </p:txBody>
-      </p:sp>
-      <p:sp>
-        <p:nvSpPr>
-          <p:cNvPr id="3" name="Content Placeholder 2"/>
-          <p:cNvSpPr>
-            <a:spLocks noGrp="1"/>
-          </p:cNvSpPr>
-          <p:nvPr>
-            <p:ph idx="1"/>
-          </p:nvPr>
-        </p:nvSpPr>
-        <p:spPr/>
-        <p:txBody>
-          <a:bodyPr>
-            <a:normAutofit/>
-          </a:bodyPr>
-          <a:lstStyle/>
-          <a:p>
-            <a:r>
-              <a:rPr lang="en-US" dirty="0" smtClean="0"/>
-              <a:t>How to solve the problem:</a:t>
-            </a:r>
-          </a:p>
-          <a:p>
-            <a:pPr lvl="1"/>
-            <a:r>
-              <a:rPr lang="en-US" dirty="0" smtClean="0"/>
-              <a:t>If it's easy, solve it immediately</a:t>
-            </a:r>
-          </a:p>
-          <a:p>
-            <a:pPr lvl="1"/>
-            <a:r>
-              <a:rPr lang="en-US" dirty="0" smtClean="0"/>
-              <a:t>If it's hard:</a:t>
-            </a:r>
-          </a:p>
-          <a:p>
-            <a:pPr lvl="2"/>
-            <a:r>
-              <a:rPr lang="en-US" dirty="0" smtClean="0"/>
-              <a:t>Find one or more easier problems whose solutions will help you find the solution to the original problem.</a:t>
-            </a:r>
-          </a:p>
-          <a:p>
-            <a:pPr lvl="2"/>
-            <a:r>
-              <a:rPr lang="en-US" dirty="0" smtClean="0"/>
-              <a:t>Solve each of them</a:t>
-            </a:r>
-          </a:p>
-          <a:p>
-            <a:pPr lvl="2"/>
-            <a:r>
-              <a:rPr lang="en-US" dirty="0" smtClean="0"/>
-              <a:t>Then combine the solutions to get the solution to your original problem</a:t>
-            </a:r>
-          </a:p>
-          <a:p>
-            <a:r>
-              <a:rPr lang="en-US" dirty="0" smtClean="0"/>
-              <a:t>Here it is as a </a:t>
-            </a:r>
-            <a:r>
-              <a:rPr lang="en-US" dirty="0" smtClean="0"/>
-              <a:t>template:</a:t>
-            </a:r>
-            <a:endParaRPr lang="en-US" dirty="0" smtClean="0"/>
-          </a:p>
-          <a:p>
-            <a:pPr lvl="2"/>
-            <a:endParaRPr lang="en-US" dirty="0"/>
-          </a:p>
-        </p:txBody>
-      </p:sp>
-      <p:sp>
-        <p:nvSpPr>
-          <p:cNvPr id="4" name="Slide Number Placeholder 3"/>
-          <p:cNvSpPr>
-            <a:spLocks noGrp="1"/>
-          </p:cNvSpPr>
-          <p:nvPr>
-            <p:ph type="sldNum" sz="quarter" idx="12"/>
-          </p:nvPr>
-        </p:nvSpPr>
-        <p:spPr/>
-        <p:txBody>
-          <a:bodyPr/>
-          <a:lstStyle/>
-          <a:p>
-            <a:fld id="{9F4492BD-6A9C-48FC-AC76-0B4FE11194A1}" type="slidenum">
-              <a:rPr lang="en-US" smtClean="0"/>
-              <a:pPr/>
-              <a:t>19</a:t>
             </a:fld>
             <a:endParaRPr lang="en-US"/>
           </a:p>
@@ -10770,6 +10030,624 @@
 </p:sld>
 </file>
 
+<file path=ppt/slides/slide19.xml><?xml version="1.0" encoding="utf-8"?>
+<p:sld xmlns:a="http://schemas.openxmlformats.org/drawingml/2006/main" xmlns:r="http://schemas.openxmlformats.org/officeDocument/2006/relationships" xmlns:p="http://schemas.openxmlformats.org/presentationml/2006/main">
+  <p:cSld>
+    <p:spTree>
+      <p:nvGrpSpPr>
+        <p:cNvPr id="1" name=""/>
+        <p:cNvGrpSpPr/>
+        <p:nvPr/>
+      </p:nvGrpSpPr>
+      <p:grpSpPr>
+        <a:xfrm>
+          <a:off x="0" y="0"/>
+          <a:ext cx="0" cy="0"/>
+          <a:chOff x="0" y="0"/>
+          <a:chExt cx="0" cy="0"/>
+        </a:xfrm>
+      </p:grpSpPr>
+      <p:sp>
+        <p:nvSpPr>
+          <p:cNvPr id="2" name="Title 1"/>
+          <p:cNvSpPr>
+            <a:spLocks noGrp="1"/>
+          </p:cNvSpPr>
+          <p:nvPr>
+            <p:ph type="title"/>
+          </p:nvPr>
+        </p:nvSpPr>
+        <p:spPr/>
+        <p:txBody>
+          <a:bodyPr/>
+          <a:lstStyle/>
+          <a:p>
+            <a:r>
+              <a:rPr lang="en-US" dirty="0" smtClean="0"/>
+              <a:t>Template for General Recursion (1)</a:t>
+            </a:r>
+            <a:endParaRPr lang="en-US" dirty="0"/>
+          </a:p>
+        </p:txBody>
+      </p:sp>
+      <p:sp>
+        <p:nvSpPr>
+          <p:cNvPr id="3" name="Content Placeholder 2"/>
+          <p:cNvSpPr>
+            <a:spLocks noGrp="1"/>
+          </p:cNvSpPr>
+          <p:nvPr>
+            <p:ph idx="1"/>
+          </p:nvPr>
+        </p:nvSpPr>
+        <p:spPr/>
+        <p:txBody>
+          <a:bodyPr>
+            <a:normAutofit fontScale="32500" lnSpcReduction="20000"/>
+          </a:bodyPr>
+          <a:lstStyle/>
+          <a:p>
+            <a:pPr>
+              <a:buNone/>
+            </a:pPr>
+            <a:r>
+              <a:rPr lang="en-US" sz="5500" b="1" dirty="0" smtClean="0">
+                <a:latin typeface="Consolas" pitchFamily="49" charset="0"/>
+                <a:cs typeface="Consolas" pitchFamily="49" charset="0"/>
+              </a:rPr>
+              <a:t>;; solve : Problem -&gt; Solution</a:t>
+            </a:r>
+          </a:p>
+          <a:p>
+            <a:pPr>
+              <a:buNone/>
+            </a:pPr>
+            <a:r>
+              <a:rPr lang="en-US" sz="5500" b="1" dirty="0" smtClean="0">
+                <a:latin typeface="Consolas" pitchFamily="49" charset="0"/>
+                <a:cs typeface="Consolas" pitchFamily="49" charset="0"/>
+              </a:rPr>
+              <a:t>;; purpose statement...</a:t>
+            </a:r>
+          </a:p>
+          <a:p>
+            <a:pPr>
+              <a:buNone/>
+            </a:pPr>
+            <a:r>
+              <a:rPr lang="en-US" sz="5500" b="1" dirty="0" smtClean="0">
+                <a:solidFill>
+                  <a:schemeClr val="bg1"/>
+                </a:solidFill>
+                <a:latin typeface="Consolas" pitchFamily="49" charset="0"/>
+                <a:cs typeface="Consolas" pitchFamily="49" charset="0"/>
+              </a:rPr>
+              <a:t>;; </a:t>
+            </a:r>
+            <a:r>
+              <a:rPr lang="en-US" sz="5500" b="1" i="1" dirty="0" smtClean="0">
+                <a:solidFill>
+                  <a:schemeClr val="bg1"/>
+                </a:solidFill>
+                <a:latin typeface="Consolas" pitchFamily="49" charset="0"/>
+                <a:cs typeface="Consolas" pitchFamily="49" charset="0"/>
+              </a:rPr>
+              <a:t>TERMINATION ARGUMENT: explain why new-problem1 and new-problem2 are easier than the-problem.</a:t>
+            </a:r>
+          </a:p>
+          <a:p>
+            <a:pPr>
+              <a:buNone/>
+            </a:pPr>
+            <a:r>
+              <a:rPr lang="en-US" sz="5500" b="1" dirty="0" smtClean="0">
+                <a:latin typeface="Consolas" pitchFamily="49" charset="0"/>
+                <a:cs typeface="Consolas" pitchFamily="49" charset="0"/>
+              </a:rPr>
+              <a:t>(define (solution the-problem)</a:t>
+            </a:r>
+          </a:p>
+          <a:p>
+            <a:pPr>
+              <a:buNone/>
+            </a:pPr>
+            <a:r>
+              <a:rPr lang="en-US" sz="5500" b="1" dirty="0" smtClean="0">
+                <a:latin typeface="Consolas" pitchFamily="49" charset="0"/>
+                <a:cs typeface="Consolas" pitchFamily="49" charset="0"/>
+              </a:rPr>
+              <a:t>  (</a:t>
+            </a:r>
+            <a:r>
+              <a:rPr lang="en-US" sz="5500" b="1" dirty="0" err="1" smtClean="0">
+                <a:latin typeface="Consolas" pitchFamily="49" charset="0"/>
+                <a:cs typeface="Consolas" pitchFamily="49" charset="0"/>
+              </a:rPr>
+              <a:t>cond</a:t>
+            </a:r>
+            <a:endParaRPr lang="en-US" sz="5500" b="1" dirty="0" smtClean="0">
+              <a:latin typeface="Consolas" pitchFamily="49" charset="0"/>
+              <a:cs typeface="Consolas" pitchFamily="49" charset="0"/>
+            </a:endParaRPr>
+          </a:p>
+          <a:p>
+            <a:pPr>
+              <a:buNone/>
+            </a:pPr>
+            <a:r>
+              <a:rPr lang="en-US" sz="5500" b="1" dirty="0" smtClean="0">
+                <a:latin typeface="Consolas" pitchFamily="49" charset="0"/>
+                <a:cs typeface="Consolas" pitchFamily="49" charset="0"/>
+              </a:rPr>
+              <a:t>    [(</a:t>
+            </a:r>
+            <a:r>
+              <a:rPr lang="en-US" sz="5500" b="1" dirty="0" smtClean="0">
+                <a:solidFill>
+                  <a:schemeClr val="accent6">
+                    <a:lumMod val="75000"/>
+                  </a:schemeClr>
+                </a:solidFill>
+                <a:latin typeface="Consolas" pitchFamily="49" charset="0"/>
+                <a:cs typeface="Consolas" pitchFamily="49" charset="0"/>
+              </a:rPr>
+              <a:t>trivial1? </a:t>
+            </a:r>
+            <a:r>
+              <a:rPr lang="en-US" sz="5500" b="1" dirty="0" smtClean="0">
+                <a:latin typeface="Consolas" pitchFamily="49" charset="0"/>
+                <a:cs typeface="Consolas" pitchFamily="49" charset="0"/>
+              </a:rPr>
+              <a:t>the-problem) (</a:t>
+            </a:r>
+            <a:r>
+              <a:rPr lang="en-US" sz="5500" b="1" dirty="0">
+                <a:solidFill>
+                  <a:schemeClr val="accent6">
+                    <a:lumMod val="75000"/>
+                  </a:schemeClr>
+                </a:solidFill>
+                <a:latin typeface="Consolas" pitchFamily="49" charset="0"/>
+                <a:cs typeface="Consolas" pitchFamily="49" charset="0"/>
+              </a:rPr>
+              <a:t>trivial-solution1 </a:t>
+            </a:r>
+            <a:r>
+              <a:rPr lang="en-US" sz="5500" b="1" dirty="0" smtClean="0">
+                <a:latin typeface="Consolas" pitchFamily="49" charset="0"/>
+                <a:cs typeface="Consolas" pitchFamily="49" charset="0"/>
+              </a:rPr>
+              <a:t>the-problem)]</a:t>
+            </a:r>
+          </a:p>
+          <a:p>
+            <a:pPr>
+              <a:buNone/>
+            </a:pPr>
+            <a:r>
+              <a:rPr lang="en-US" sz="5500" b="1" dirty="0" smtClean="0">
+                <a:latin typeface="Consolas" pitchFamily="49" charset="0"/>
+                <a:cs typeface="Consolas" pitchFamily="49" charset="0"/>
+              </a:rPr>
+              <a:t>    [(</a:t>
+            </a:r>
+            <a:r>
+              <a:rPr lang="en-US" sz="5500" b="1" dirty="0" smtClean="0">
+                <a:solidFill>
+                  <a:schemeClr val="accent6">
+                    <a:lumMod val="75000"/>
+                  </a:schemeClr>
+                </a:solidFill>
+                <a:latin typeface="Consolas" pitchFamily="49" charset="0"/>
+                <a:cs typeface="Consolas" pitchFamily="49" charset="0"/>
+              </a:rPr>
+              <a:t>trivial2?</a:t>
+            </a:r>
+            <a:r>
+              <a:rPr lang="en-US" sz="5500" b="1" dirty="0" smtClean="0">
+                <a:latin typeface="Consolas" pitchFamily="49" charset="0"/>
+                <a:cs typeface="Consolas" pitchFamily="49" charset="0"/>
+              </a:rPr>
+              <a:t> the-problem) (</a:t>
+            </a:r>
+            <a:r>
+              <a:rPr lang="en-US" sz="5500" b="1" dirty="0">
+                <a:solidFill>
+                  <a:schemeClr val="accent6">
+                    <a:lumMod val="75000"/>
+                  </a:schemeClr>
+                </a:solidFill>
+                <a:latin typeface="Consolas" pitchFamily="49" charset="0"/>
+                <a:cs typeface="Consolas" pitchFamily="49" charset="0"/>
+              </a:rPr>
+              <a:t>trivial-solution2 </a:t>
+            </a:r>
+            <a:r>
+              <a:rPr lang="en-US" sz="5500" b="1" dirty="0" smtClean="0">
+                <a:latin typeface="Consolas" pitchFamily="49" charset="0"/>
+                <a:cs typeface="Consolas" pitchFamily="49" charset="0"/>
+              </a:rPr>
+              <a:t>the-problem)]</a:t>
+            </a:r>
+          </a:p>
+          <a:p>
+            <a:pPr>
+              <a:buNone/>
+            </a:pPr>
+            <a:r>
+              <a:rPr lang="en-US" sz="5500" b="1" dirty="0" smtClean="0">
+                <a:latin typeface="Consolas" pitchFamily="49" charset="0"/>
+                <a:cs typeface="Consolas" pitchFamily="49" charset="0"/>
+              </a:rPr>
+              <a:t>    [(</a:t>
+            </a:r>
+            <a:r>
+              <a:rPr lang="en-US" sz="5500" b="1" dirty="0">
+                <a:solidFill>
+                  <a:schemeClr val="accent6">
+                    <a:lumMod val="75000"/>
+                  </a:schemeClr>
+                </a:solidFill>
+                <a:latin typeface="Consolas" pitchFamily="49" charset="0"/>
+                <a:cs typeface="Consolas" pitchFamily="49" charset="0"/>
+              </a:rPr>
+              <a:t>difficult? </a:t>
+            </a:r>
+            <a:r>
+              <a:rPr lang="en-US" sz="5500" b="1" dirty="0" smtClean="0">
+                <a:latin typeface="Consolas" pitchFamily="49" charset="0"/>
+                <a:cs typeface="Consolas" pitchFamily="49" charset="0"/>
+              </a:rPr>
+              <a:t>the-problem)</a:t>
+            </a:r>
+          </a:p>
+          <a:p>
+            <a:pPr>
+              <a:buNone/>
+            </a:pPr>
+            <a:r>
+              <a:rPr lang="en-US" sz="5500" b="1" dirty="0" smtClean="0">
+                <a:latin typeface="Consolas" pitchFamily="49" charset="0"/>
+                <a:cs typeface="Consolas" pitchFamily="49" charset="0"/>
+              </a:rPr>
+              <a:t>     (local</a:t>
+            </a:r>
+          </a:p>
+          <a:p>
+            <a:pPr>
+              <a:buNone/>
+            </a:pPr>
+            <a:r>
+              <a:rPr lang="en-US" sz="5500" b="1" dirty="0" smtClean="0">
+                <a:latin typeface="Consolas" pitchFamily="49" charset="0"/>
+                <a:cs typeface="Consolas" pitchFamily="49" charset="0"/>
+              </a:rPr>
+              <a:t>       ((define solution1 </a:t>
+            </a:r>
+          </a:p>
+          <a:p>
+            <a:pPr>
+              <a:buNone/>
+            </a:pPr>
+            <a:r>
+              <a:rPr lang="en-US" sz="5500" b="1" dirty="0" smtClean="0">
+                <a:latin typeface="Consolas" pitchFamily="49" charset="0"/>
+                <a:cs typeface="Consolas" pitchFamily="49" charset="0"/>
+              </a:rPr>
+              <a:t>		  (solve (</a:t>
+            </a:r>
+            <a:r>
+              <a:rPr lang="en-US" sz="5500" b="1" dirty="0" smtClean="0">
+                <a:solidFill>
+                  <a:schemeClr val="accent6">
+                    <a:lumMod val="75000"/>
+                  </a:schemeClr>
+                </a:solidFill>
+                <a:latin typeface="Consolas" pitchFamily="49" charset="0"/>
+                <a:cs typeface="Consolas" pitchFamily="49" charset="0"/>
+              </a:rPr>
+              <a:t>simpler-instance1 </a:t>
+            </a:r>
+            <a:r>
+              <a:rPr lang="en-US" sz="5500" b="1" dirty="0" smtClean="0">
+                <a:latin typeface="Consolas" pitchFamily="49" charset="0"/>
+                <a:cs typeface="Consolas" pitchFamily="49" charset="0"/>
+              </a:rPr>
+              <a:t>the-problem)))</a:t>
+            </a:r>
+          </a:p>
+          <a:p>
+            <a:pPr>
+              <a:buNone/>
+            </a:pPr>
+            <a:r>
+              <a:rPr lang="en-US" sz="5500" b="1" dirty="0" smtClean="0">
+                <a:latin typeface="Consolas" pitchFamily="49" charset="0"/>
+                <a:cs typeface="Consolas" pitchFamily="49" charset="0"/>
+              </a:rPr>
+              <a:t>        (define solution2</a:t>
+            </a:r>
+          </a:p>
+          <a:p>
+            <a:pPr>
+              <a:buNone/>
+            </a:pPr>
+            <a:r>
+              <a:rPr lang="en-US" sz="5500" b="1" dirty="0">
+                <a:latin typeface="Consolas" pitchFamily="49" charset="0"/>
+                <a:cs typeface="Consolas" pitchFamily="49" charset="0"/>
+              </a:rPr>
+              <a:t> </a:t>
+            </a:r>
+            <a:r>
+              <a:rPr lang="en-US" sz="5500" b="1" dirty="0" smtClean="0">
+                <a:latin typeface="Consolas" pitchFamily="49" charset="0"/>
+                <a:cs typeface="Consolas" pitchFamily="49" charset="0"/>
+              </a:rPr>
+              <a:t>        (solve (</a:t>
+            </a:r>
+            <a:r>
+              <a:rPr lang="en-US" sz="5500" b="1" dirty="0" smtClean="0">
+                <a:solidFill>
+                  <a:schemeClr val="accent6">
+                    <a:lumMod val="75000"/>
+                  </a:schemeClr>
+                </a:solidFill>
+                <a:latin typeface="Consolas" pitchFamily="49" charset="0"/>
+                <a:cs typeface="Consolas" pitchFamily="49" charset="0"/>
+              </a:rPr>
+              <a:t>simpler-instance2</a:t>
+            </a:r>
+            <a:r>
+              <a:rPr lang="en-US" sz="5500" b="1" dirty="0" smtClean="0">
+                <a:latin typeface="Consolas" pitchFamily="49" charset="0"/>
+                <a:cs typeface="Consolas" pitchFamily="49" charset="0"/>
+              </a:rPr>
+              <a:t> the-problem))))</a:t>
+            </a:r>
+          </a:p>
+          <a:p>
+            <a:pPr>
+              <a:buNone/>
+            </a:pPr>
+            <a:r>
+              <a:rPr lang="en-US" sz="5500" b="1" dirty="0" smtClean="0">
+                <a:latin typeface="Consolas" pitchFamily="49" charset="0"/>
+                <a:cs typeface="Consolas" pitchFamily="49" charset="0"/>
+              </a:rPr>
+              <a:t>       (</a:t>
+            </a:r>
+            <a:r>
+              <a:rPr lang="en-US" sz="5500" b="1" dirty="0" smtClean="0">
+                <a:solidFill>
+                  <a:schemeClr val="accent6">
+                    <a:lumMod val="75000"/>
+                  </a:schemeClr>
+                </a:solidFill>
+                <a:latin typeface="Consolas" pitchFamily="49" charset="0"/>
+                <a:cs typeface="Consolas" pitchFamily="49" charset="0"/>
+              </a:rPr>
+              <a:t>combine-solutions </a:t>
+            </a:r>
+            <a:r>
+              <a:rPr lang="en-US" sz="5500" b="1" dirty="0" smtClean="0">
+                <a:latin typeface="Consolas" pitchFamily="49" charset="0"/>
+                <a:cs typeface="Consolas" pitchFamily="49" charset="0"/>
+              </a:rPr>
+              <a:t>solution1 solution2))]))</a:t>
+            </a:r>
+            <a:endParaRPr lang="en-US" sz="5500" b="1" dirty="0">
+              <a:solidFill>
+                <a:schemeClr val="accent6">
+                  <a:lumMod val="75000"/>
+                </a:schemeClr>
+              </a:solidFill>
+              <a:latin typeface="Consolas" pitchFamily="49" charset="0"/>
+              <a:cs typeface="Consolas" pitchFamily="49" charset="0"/>
+            </a:endParaRPr>
+          </a:p>
+          <a:p>
+            <a:pPr>
+              <a:buNone/>
+            </a:pPr>
+            <a:r>
+              <a:rPr lang="en-US" sz="5500" b="1" dirty="0" smtClean="0">
+                <a:latin typeface="Consolas" pitchFamily="49" charset="0"/>
+                <a:cs typeface="Consolas" pitchFamily="49" charset="0"/>
+              </a:rPr>
+              <a:t>        </a:t>
+            </a:r>
+            <a:endParaRPr lang="en-US" sz="2400" b="1" dirty="0" smtClean="0">
+              <a:cs typeface="Courier New" pitchFamily="49" charset="0"/>
+            </a:endParaRPr>
+          </a:p>
+        </p:txBody>
+      </p:sp>
+      <p:sp>
+        <p:nvSpPr>
+          <p:cNvPr id="4" name="Slide Number Placeholder 3"/>
+          <p:cNvSpPr>
+            <a:spLocks noGrp="1"/>
+          </p:cNvSpPr>
+          <p:nvPr>
+            <p:ph type="sldNum" sz="quarter" idx="12"/>
+          </p:nvPr>
+        </p:nvSpPr>
+        <p:spPr/>
+        <p:txBody>
+          <a:bodyPr/>
+          <a:lstStyle/>
+          <a:p>
+            <a:fld id="{9F4492BD-6A9C-48FC-AC76-0B4FE11194A1}" type="slidenum">
+              <a:rPr lang="en-US" smtClean="0"/>
+              <a:pPr/>
+              <a:t>19</a:t>
+            </a:fld>
+            <a:endParaRPr lang="en-US"/>
+          </a:p>
+        </p:txBody>
+      </p:sp>
+      <p:sp>
+        <p:nvSpPr>
+          <p:cNvPr id="7" name="Rectangle 6"/>
+          <p:cNvSpPr/>
+          <p:nvPr/>
+        </p:nvSpPr>
+        <p:spPr>
+          <a:xfrm>
+            <a:off x="4897755" y="5708650"/>
+            <a:ext cx="4149090" cy="1295400"/>
+          </a:xfrm>
+          <a:prstGeom prst="rect">
+            <a:avLst/>
+          </a:prstGeom>
+          <a:solidFill>
+            <a:schemeClr val="accent3">
+              <a:lumMod val="40000"/>
+              <a:lumOff val="60000"/>
+            </a:schemeClr>
+          </a:solidFill>
+          <a:ln/>
+        </p:spPr>
+        <p:style>
+          <a:lnRef idx="2">
+            <a:schemeClr val="accent1"/>
+          </a:lnRef>
+          <a:fillRef idx="1">
+            <a:schemeClr val="lt1"/>
+          </a:fillRef>
+          <a:effectRef idx="0">
+            <a:schemeClr val="accent1"/>
+          </a:effectRef>
+          <a:fontRef idx="minor">
+            <a:schemeClr val="dk1"/>
+          </a:fontRef>
+        </p:style>
+        <p:txBody>
+          <a:bodyPr rot="0" spcFirstLastPara="0" vertOverflow="overflow" horzOverflow="overflow" vert="horz" wrap="square" lIns="91440" tIns="45720" rIns="91440" bIns="45720" numCol="1" spcCol="0" rtlCol="0" fromWordArt="0" anchor="ctr" anchorCtr="0" forceAA="0" compatLnSpc="1">
+            <a:prstTxWarp prst="textNoShape">
+              <a:avLst/>
+            </a:prstTxWarp>
+            <a:noAutofit/>
+          </a:bodyPr>
+          <a:lstStyle/>
+          <a:p>
+            <a:r>
+              <a:rPr lang="en-US" dirty="0"/>
+              <a:t>There is no magic recipe for finding easier </a:t>
+            </a:r>
+            <a:r>
+              <a:rPr lang="en-US" dirty="0" err="1"/>
+              <a:t>subproblems</a:t>
+            </a:r>
+            <a:r>
+              <a:rPr lang="en-US" dirty="0"/>
+              <a:t>.  You must understand the structure of the problem domain.</a:t>
+            </a:r>
+          </a:p>
+        </p:txBody>
+      </p:sp>
+      <p:sp>
+        <p:nvSpPr>
+          <p:cNvPr id="5" name="Rectangle 4"/>
+          <p:cNvSpPr/>
+          <p:nvPr/>
+        </p:nvSpPr>
+        <p:spPr>
+          <a:xfrm>
+            <a:off x="5257800" y="1676400"/>
+            <a:ext cx="3429000" cy="1143000"/>
+          </a:xfrm>
+          <a:prstGeom prst="rect">
+            <a:avLst/>
+          </a:prstGeom>
+          <a:solidFill>
+            <a:schemeClr val="accent3">
+              <a:lumMod val="40000"/>
+              <a:lumOff val="60000"/>
+            </a:schemeClr>
+          </a:solidFill>
+          <a:ln/>
+        </p:spPr>
+        <p:style>
+          <a:lnRef idx="2">
+            <a:schemeClr val="accent1"/>
+          </a:lnRef>
+          <a:fillRef idx="1">
+            <a:schemeClr val="lt1"/>
+          </a:fillRef>
+          <a:effectRef idx="0">
+            <a:schemeClr val="accent1"/>
+          </a:effectRef>
+          <a:fontRef idx="minor">
+            <a:schemeClr val="dk1"/>
+          </a:fontRef>
+        </p:style>
+        <p:txBody>
+          <a:bodyPr rot="0" spcFirstLastPara="0" vertOverflow="overflow" horzOverflow="overflow" vert="horz" wrap="square" lIns="91440" tIns="45720" rIns="91440" bIns="45720" numCol="1" spcCol="0" rtlCol="0" fromWordArt="0" anchor="ctr" anchorCtr="0" forceAA="0" compatLnSpc="1">
+            <a:prstTxWarp prst="textNoShape">
+              <a:avLst/>
+            </a:prstTxWarp>
+            <a:noAutofit/>
+          </a:bodyPr>
+          <a:lstStyle/>
+          <a:p>
+            <a:r>
+              <a:rPr lang="en-US" dirty="0" smtClean="0">
+                <a:solidFill>
+                  <a:schemeClr val="tx1"/>
+                </a:solidFill>
+              </a:rPr>
+              <a:t>Instead of using ellipses ("..."'s), we've give each slot a name (displayed in </a:t>
+            </a:r>
+            <a:r>
+              <a:rPr lang="en-US" b="1" dirty="0">
+                <a:solidFill>
+                  <a:schemeClr val="accent6">
+                    <a:lumMod val="75000"/>
+                  </a:schemeClr>
+                </a:solidFill>
+                <a:latin typeface="Consolas" pitchFamily="49" charset="0"/>
+                <a:cs typeface="Consolas" pitchFamily="49" charset="0"/>
+              </a:rPr>
+              <a:t>orange</a:t>
+            </a:r>
+            <a:r>
+              <a:rPr lang="en-US" dirty="0" smtClean="0">
+                <a:solidFill>
+                  <a:schemeClr val="tx1"/>
+                </a:solidFill>
+              </a:rPr>
+              <a:t>) so you can see the role it plays.</a:t>
+            </a:r>
+            <a:endParaRPr lang="en-US" dirty="0">
+              <a:solidFill>
+                <a:schemeClr val="tx1"/>
+              </a:solidFill>
+            </a:endParaRPr>
+          </a:p>
+        </p:txBody>
+      </p:sp>
+    </p:spTree>
+    <p:extLst>
+      <p:ext uri="{BB962C8B-B14F-4D97-AF65-F5344CB8AC3E}">
+        <p14:creationId xmlns:p14="http://schemas.microsoft.com/office/powerpoint/2010/main" val="2875959545"/>
+      </p:ext>
+    </p:extLst>
+  </p:cSld>
+  <p:clrMapOvr>
+    <a:masterClrMapping/>
+  </p:clrMapOvr>
+  <p:timing>
+    <p:tnLst>
+      <p:par>
+        <p:cTn id="1" dur="indefinite" restart="never" nodeType="tmRoot"/>
+      </p:par>
+    </p:tnLst>
+  </p:timing>
+</p:sld>
+</file>
+
 <file path=ppt/slides/slide2.xml><?xml version="1.0" encoding="utf-8"?>
 <p:sld xmlns:a="http://schemas.openxmlformats.org/drawingml/2006/main" xmlns:r="http://schemas.openxmlformats.org/officeDocument/2006/relationships" xmlns:p="http://schemas.openxmlformats.org/presentationml/2006/main">
   <p:cSld>
@@ -10829,23 +10707,7 @@
           <a:p>
             <a:r>
               <a:rPr lang="en-US" dirty="0" smtClean="0"/>
-              <a:t>So far, we've written our functions using</a:t>
-            </a:r>
-            <a:r>
-              <a:rPr lang="en-US" dirty="0" smtClean="0"/>
-              <a:t> the destructor template to recur </a:t>
-            </a:r>
-            <a:r>
-              <a:rPr lang="en-US" dirty="0" smtClean="0"/>
-              <a:t>on </a:t>
-            </a:r>
-            <a:r>
-              <a:rPr lang="en-US" dirty="0" smtClean="0"/>
-              <a:t>the sub-pieces of the </a:t>
-            </a:r>
-            <a:r>
-              <a:rPr lang="en-US" dirty="0" smtClean="0"/>
-              <a:t>data.  We sometimes call this </a:t>
+              <a:t>So far, we've written our functions using the destructor template to recur on the sub-pieces of the data.  We sometimes call this </a:t>
             </a:r>
             <a:r>
               <a:rPr lang="en-US" i="1" dirty="0" smtClean="0">
@@ -10855,46 +10717,17 @@
               </a:rPr>
               <a:t>structural recursion.</a:t>
             </a:r>
-            <a:endParaRPr lang="en-US" i="1" dirty="0" smtClean="0">
-              <a:solidFill>
-                <a:srgbClr val="FF0000"/>
-              </a:solidFill>
-            </a:endParaRPr>
           </a:p>
           <a:p>
             <a:r>
               <a:rPr lang="en-US" dirty="0" smtClean="0"/>
-              <a:t>In this </a:t>
-            </a:r>
+              <a:t>In this module, we'll see some examples of problems that don't fit neatly into this pattern.</a:t>
+            </a:r>
+          </a:p>
+          <a:p>
             <a:r>
               <a:rPr lang="en-US" dirty="0" smtClean="0"/>
-              <a:t>module</a:t>
-            </a:r>
-            <a:r>
-              <a:rPr lang="en-US" dirty="0" smtClean="0"/>
-              <a:t>, we'll see some examples of </a:t>
-            </a:r>
-            <a:r>
-              <a:rPr lang="en-US" dirty="0" smtClean="0"/>
-              <a:t>problems that don't fit neatly into this pattern.</a:t>
-            </a:r>
-          </a:p>
-          <a:p>
-            <a:r>
-              <a:rPr lang="en-US" dirty="0" smtClean="0"/>
-              <a:t>We'll </a:t>
-            </a:r>
-            <a:r>
-              <a:rPr lang="en-US" dirty="0" smtClean="0"/>
-              <a:t>introduce </a:t>
-            </a:r>
-            <a:r>
-              <a:rPr lang="en-US" dirty="0" smtClean="0"/>
-              <a:t>a new </a:t>
-            </a:r>
-            <a:r>
-              <a:rPr lang="en-US" dirty="0" smtClean="0"/>
-              <a:t>family of templates, called the templates for </a:t>
+              <a:t>We'll introduce a new family of templates, called the templates for </a:t>
             </a:r>
             <a:r>
               <a:rPr lang="en-US" i="1" dirty="0" smtClean="0">
@@ -10906,13 +10739,8 @@
             </a:r>
             <a:r>
               <a:rPr lang="en-US" dirty="0" smtClean="0"/>
-              <a:t>, to handle this</a:t>
-            </a:r>
-            <a:r>
-              <a:rPr lang="en-US" dirty="0" smtClean="0"/>
-              <a:t>.</a:t>
-            </a:r>
-            <a:endParaRPr lang="en-US" dirty="0" smtClean="0"/>
+              <a:t>, to handle this.</a:t>
+            </a:r>
           </a:p>
           <a:p>
             <a:r>
@@ -10998,498 +10826,74 @@
         </p:nvSpPr>
         <p:spPr/>
         <p:txBody>
-          <a:bodyPr/>
+          <a:bodyPr>
+            <a:normAutofit/>
+          </a:bodyPr>
           <a:lstStyle/>
           <a:p>
             <a:r>
               <a:rPr lang="en-US" dirty="0" smtClean="0"/>
-              <a:t>Template for </a:t>
-            </a:r>
+              <a:t>There's more than one template</a:t>
+            </a:r>
+            <a:endParaRPr lang="en-US" dirty="0"/>
+          </a:p>
+        </p:txBody>
+      </p:sp>
+      <p:sp>
+        <p:nvSpPr>
+          <p:cNvPr id="3" name="Content Placeholder 2"/>
+          <p:cNvSpPr>
+            <a:spLocks noGrp="1"/>
+          </p:cNvSpPr>
+          <p:nvPr>
+            <p:ph idx="1"/>
+          </p:nvPr>
+        </p:nvSpPr>
+        <p:spPr>
+          <a:xfrm>
+            <a:off x="457200" y="1600200"/>
+            <a:ext cx="8229600" cy="4495799"/>
+          </a:xfrm>
+        </p:spPr>
+        <p:txBody>
+          <a:bodyPr>
+            <a:normAutofit/>
+          </a:bodyPr>
+          <a:lstStyle/>
+          <a:p>
+            <a:r>
+              <a:rPr lang="en-US" dirty="0"/>
+              <a:t>The template might take different shapes, depending on our problem. </a:t>
+            </a:r>
+            <a:endParaRPr lang="en-US" dirty="0" smtClean="0"/>
+          </a:p>
+          <a:p>
             <a:r>
               <a:rPr lang="en-US" dirty="0" smtClean="0"/>
-              <a:t>General Recursion (1)</a:t>
-            </a:r>
-            <a:endParaRPr lang="en-US" dirty="0"/>
-          </a:p>
-        </p:txBody>
-      </p:sp>
-      <p:sp>
-        <p:nvSpPr>
-          <p:cNvPr id="3" name="Content Placeholder 2"/>
-          <p:cNvSpPr>
-            <a:spLocks noGrp="1"/>
-          </p:cNvSpPr>
-          <p:nvPr>
-            <p:ph idx="1"/>
-          </p:nvPr>
-        </p:nvSpPr>
-        <p:spPr/>
-        <p:txBody>
-          <a:bodyPr>
-            <a:normAutofit fontScale="32500" lnSpcReduction="20000"/>
-          </a:bodyPr>
-          <a:lstStyle/>
-          <a:p>
-            <a:pPr>
-              <a:buNone/>
-            </a:pPr>
-            <a:r>
-              <a:rPr lang="en-US" sz="5500" b="1" dirty="0" smtClean="0">
-                <a:latin typeface="Consolas" pitchFamily="49" charset="0"/>
-                <a:cs typeface="Consolas" pitchFamily="49" charset="0"/>
-              </a:rPr>
-              <a:t>;; </a:t>
-            </a:r>
-            <a:r>
-              <a:rPr lang="en-US" sz="5500" b="1" dirty="0" smtClean="0">
-                <a:latin typeface="Consolas" pitchFamily="49" charset="0"/>
-                <a:cs typeface="Consolas" pitchFamily="49" charset="0"/>
-              </a:rPr>
-              <a:t>solve </a:t>
-            </a:r>
-            <a:r>
-              <a:rPr lang="en-US" sz="5500" b="1" dirty="0" smtClean="0">
-                <a:latin typeface="Consolas" pitchFamily="49" charset="0"/>
-                <a:cs typeface="Consolas" pitchFamily="49" charset="0"/>
-              </a:rPr>
-              <a:t>: Problem -&gt; Solution</a:t>
-            </a:r>
-          </a:p>
-          <a:p>
-            <a:pPr>
-              <a:buNone/>
-            </a:pPr>
-            <a:r>
-              <a:rPr lang="en-US" sz="5500" b="1" dirty="0" smtClean="0">
-                <a:latin typeface="Consolas" pitchFamily="49" charset="0"/>
-                <a:cs typeface="Consolas" pitchFamily="49" charset="0"/>
-              </a:rPr>
-              <a:t>;; purpose statement...</a:t>
-            </a:r>
-          </a:p>
-          <a:p>
-            <a:pPr>
-              <a:buNone/>
-            </a:pPr>
-            <a:r>
-              <a:rPr lang="en-US" sz="5500" b="1" dirty="0" smtClean="0">
-                <a:solidFill>
-                  <a:schemeClr val="bg1"/>
-                </a:solidFill>
-                <a:latin typeface="Consolas" pitchFamily="49" charset="0"/>
-                <a:cs typeface="Consolas" pitchFamily="49" charset="0"/>
-              </a:rPr>
-              <a:t>;; </a:t>
-            </a:r>
-            <a:r>
-              <a:rPr lang="en-US" sz="5500" b="1" i="1" dirty="0" smtClean="0">
-                <a:solidFill>
-                  <a:schemeClr val="bg1"/>
-                </a:solidFill>
-                <a:latin typeface="Consolas" pitchFamily="49" charset="0"/>
-                <a:cs typeface="Consolas" pitchFamily="49" charset="0"/>
-              </a:rPr>
-              <a:t>TERMINATION ARGUMENT: explain why new-problem1 and new-problem2 are easier than the-problem.</a:t>
-            </a:r>
-          </a:p>
-          <a:p>
-            <a:pPr>
-              <a:buNone/>
-            </a:pPr>
-            <a:r>
-              <a:rPr lang="en-US" sz="5500" b="1" dirty="0" smtClean="0">
-                <a:latin typeface="Consolas" pitchFamily="49" charset="0"/>
-                <a:cs typeface="Consolas" pitchFamily="49" charset="0"/>
-              </a:rPr>
-              <a:t>(define (</a:t>
-            </a:r>
-            <a:r>
-              <a:rPr lang="en-US" sz="5500" b="1" dirty="0" smtClean="0">
-                <a:latin typeface="Consolas" pitchFamily="49" charset="0"/>
-                <a:cs typeface="Consolas" pitchFamily="49" charset="0"/>
-              </a:rPr>
-              <a:t>solution </a:t>
-            </a:r>
-            <a:r>
-              <a:rPr lang="en-US" sz="5500" b="1" dirty="0" smtClean="0">
-                <a:latin typeface="Consolas" pitchFamily="49" charset="0"/>
-                <a:cs typeface="Consolas" pitchFamily="49" charset="0"/>
-              </a:rPr>
-              <a:t>the-problem)</a:t>
-            </a:r>
-          </a:p>
-          <a:p>
-            <a:pPr>
-              <a:buNone/>
-            </a:pPr>
-            <a:r>
-              <a:rPr lang="en-US" sz="5500" b="1" dirty="0" smtClean="0">
-                <a:latin typeface="Consolas" pitchFamily="49" charset="0"/>
-                <a:cs typeface="Consolas" pitchFamily="49" charset="0"/>
-              </a:rPr>
-              <a:t>  (</a:t>
-            </a:r>
-            <a:r>
-              <a:rPr lang="en-US" sz="5500" b="1" dirty="0" err="1" smtClean="0">
-                <a:latin typeface="Consolas" pitchFamily="49" charset="0"/>
-                <a:cs typeface="Consolas" pitchFamily="49" charset="0"/>
-              </a:rPr>
-              <a:t>cond</a:t>
-            </a:r>
-            <a:endParaRPr lang="en-US" sz="5500" b="1" dirty="0" smtClean="0">
-              <a:latin typeface="Consolas" pitchFamily="49" charset="0"/>
-              <a:cs typeface="Consolas" pitchFamily="49" charset="0"/>
-            </a:endParaRPr>
-          </a:p>
-          <a:p>
-            <a:pPr>
-              <a:buNone/>
-            </a:pPr>
-            <a:r>
-              <a:rPr lang="en-US" sz="5500" b="1" dirty="0" smtClean="0">
-                <a:latin typeface="Consolas" pitchFamily="49" charset="0"/>
-                <a:cs typeface="Consolas" pitchFamily="49" charset="0"/>
-              </a:rPr>
-              <a:t>    [(</a:t>
-            </a:r>
-            <a:r>
-              <a:rPr lang="en-US" sz="5500" b="1" dirty="0" smtClean="0">
-                <a:solidFill>
-                  <a:schemeClr val="accent6">
-                    <a:lumMod val="75000"/>
-                  </a:schemeClr>
-                </a:solidFill>
-                <a:latin typeface="Consolas" pitchFamily="49" charset="0"/>
-                <a:cs typeface="Consolas" pitchFamily="49" charset="0"/>
-              </a:rPr>
-              <a:t>trivial1? </a:t>
-            </a:r>
-            <a:r>
-              <a:rPr lang="en-US" sz="5500" b="1" dirty="0" smtClean="0">
-                <a:latin typeface="Consolas" pitchFamily="49" charset="0"/>
-                <a:cs typeface="Consolas" pitchFamily="49" charset="0"/>
-              </a:rPr>
-              <a:t>the-problem) (</a:t>
-            </a:r>
-            <a:r>
-              <a:rPr lang="en-US" sz="5500" b="1" dirty="0">
-                <a:solidFill>
-                  <a:schemeClr val="accent6">
-                    <a:lumMod val="75000"/>
-                  </a:schemeClr>
-                </a:solidFill>
-                <a:latin typeface="Consolas" pitchFamily="49" charset="0"/>
-                <a:cs typeface="Consolas" pitchFamily="49" charset="0"/>
-              </a:rPr>
-              <a:t>trivial-solution1 </a:t>
-            </a:r>
-            <a:r>
-              <a:rPr lang="en-US" sz="5500" b="1" dirty="0" smtClean="0">
-                <a:latin typeface="Consolas" pitchFamily="49" charset="0"/>
-                <a:cs typeface="Consolas" pitchFamily="49" charset="0"/>
-              </a:rPr>
-              <a:t>the-problem)]</a:t>
-            </a:r>
-          </a:p>
-          <a:p>
-            <a:pPr>
-              <a:buNone/>
-            </a:pPr>
-            <a:r>
-              <a:rPr lang="en-US" sz="5500" b="1" dirty="0" smtClean="0">
-                <a:latin typeface="Consolas" pitchFamily="49" charset="0"/>
-                <a:cs typeface="Consolas" pitchFamily="49" charset="0"/>
-              </a:rPr>
-              <a:t>    [(</a:t>
-            </a:r>
-            <a:r>
-              <a:rPr lang="en-US" sz="5500" b="1" dirty="0" smtClean="0">
-                <a:solidFill>
-                  <a:schemeClr val="accent6">
-                    <a:lumMod val="75000"/>
-                  </a:schemeClr>
-                </a:solidFill>
-                <a:latin typeface="Consolas" pitchFamily="49" charset="0"/>
-                <a:cs typeface="Consolas" pitchFamily="49" charset="0"/>
-              </a:rPr>
-              <a:t>trivial2?</a:t>
-            </a:r>
-            <a:r>
-              <a:rPr lang="en-US" sz="5500" b="1" dirty="0" smtClean="0">
-                <a:latin typeface="Consolas" pitchFamily="49" charset="0"/>
-                <a:cs typeface="Consolas" pitchFamily="49" charset="0"/>
-              </a:rPr>
-              <a:t> </a:t>
-            </a:r>
-            <a:r>
-              <a:rPr lang="en-US" sz="5500" b="1" dirty="0" smtClean="0">
-                <a:latin typeface="Consolas" pitchFamily="49" charset="0"/>
-                <a:cs typeface="Consolas" pitchFamily="49" charset="0"/>
-              </a:rPr>
-              <a:t>the-problem) (</a:t>
-            </a:r>
-            <a:r>
-              <a:rPr lang="en-US" sz="5500" b="1" dirty="0">
-                <a:solidFill>
-                  <a:schemeClr val="accent6">
-                    <a:lumMod val="75000"/>
-                  </a:schemeClr>
-                </a:solidFill>
-                <a:latin typeface="Consolas" pitchFamily="49" charset="0"/>
-                <a:cs typeface="Consolas" pitchFamily="49" charset="0"/>
-              </a:rPr>
-              <a:t>trivial-solution2 </a:t>
-            </a:r>
-            <a:r>
-              <a:rPr lang="en-US" sz="5500" b="1" dirty="0" smtClean="0">
-                <a:latin typeface="Consolas" pitchFamily="49" charset="0"/>
-                <a:cs typeface="Consolas" pitchFamily="49" charset="0"/>
-              </a:rPr>
-              <a:t>the-problem)]</a:t>
-            </a:r>
-          </a:p>
-          <a:p>
-            <a:pPr>
-              <a:buNone/>
-            </a:pPr>
-            <a:r>
-              <a:rPr lang="en-US" sz="5500" b="1" dirty="0" smtClean="0">
-                <a:latin typeface="Consolas" pitchFamily="49" charset="0"/>
-                <a:cs typeface="Consolas" pitchFamily="49" charset="0"/>
-              </a:rPr>
-              <a:t>    [(</a:t>
-            </a:r>
-            <a:r>
-              <a:rPr lang="en-US" sz="5500" b="1" dirty="0">
-                <a:solidFill>
-                  <a:schemeClr val="accent6">
-                    <a:lumMod val="75000"/>
-                  </a:schemeClr>
-                </a:solidFill>
-                <a:latin typeface="Consolas" pitchFamily="49" charset="0"/>
-                <a:cs typeface="Consolas" pitchFamily="49" charset="0"/>
-              </a:rPr>
-              <a:t>difficult? </a:t>
-            </a:r>
-            <a:r>
-              <a:rPr lang="en-US" sz="5500" b="1" dirty="0" smtClean="0">
-                <a:latin typeface="Consolas" pitchFamily="49" charset="0"/>
-                <a:cs typeface="Consolas" pitchFamily="49" charset="0"/>
-              </a:rPr>
-              <a:t>the-problem)</a:t>
-            </a:r>
-          </a:p>
-          <a:p>
-            <a:pPr>
-              <a:buNone/>
-            </a:pPr>
-            <a:r>
-              <a:rPr lang="en-US" sz="5500" b="1" dirty="0" smtClean="0">
-                <a:latin typeface="Consolas" pitchFamily="49" charset="0"/>
-                <a:cs typeface="Consolas" pitchFamily="49" charset="0"/>
-              </a:rPr>
-              <a:t>     (local</a:t>
-            </a:r>
-          </a:p>
-          <a:p>
-            <a:pPr>
-              <a:buNone/>
-            </a:pPr>
-            <a:r>
-              <a:rPr lang="en-US" sz="5500" b="1" dirty="0" smtClean="0">
-                <a:latin typeface="Consolas" pitchFamily="49" charset="0"/>
-                <a:cs typeface="Consolas" pitchFamily="49" charset="0"/>
-              </a:rPr>
-              <a:t>       ((define </a:t>
-            </a:r>
-            <a:r>
-              <a:rPr lang="en-US" sz="5500" b="1" dirty="0" smtClean="0">
-                <a:latin typeface="Consolas" pitchFamily="49" charset="0"/>
-                <a:cs typeface="Consolas" pitchFamily="49" charset="0"/>
-              </a:rPr>
-              <a:t>solution1 </a:t>
-            </a:r>
-          </a:p>
-          <a:p>
-            <a:pPr>
-              <a:buNone/>
-            </a:pPr>
-            <a:r>
-              <a:rPr lang="en-US" sz="5500" b="1" dirty="0" smtClean="0">
-                <a:latin typeface="Consolas" pitchFamily="49" charset="0"/>
-                <a:cs typeface="Consolas" pitchFamily="49" charset="0"/>
-              </a:rPr>
-              <a:t>		  </a:t>
-            </a:r>
-            <a:r>
-              <a:rPr lang="en-US" sz="5500" b="1" dirty="0" smtClean="0">
-                <a:latin typeface="Consolas" pitchFamily="49" charset="0"/>
-                <a:cs typeface="Consolas" pitchFamily="49" charset="0"/>
-              </a:rPr>
-              <a:t>(solve (</a:t>
-            </a:r>
-            <a:r>
-              <a:rPr lang="en-US" sz="5500" b="1" dirty="0" smtClean="0">
-                <a:solidFill>
-                  <a:schemeClr val="accent6">
-                    <a:lumMod val="75000"/>
-                  </a:schemeClr>
-                </a:solidFill>
-                <a:latin typeface="Consolas" pitchFamily="49" charset="0"/>
-                <a:cs typeface="Consolas" pitchFamily="49" charset="0"/>
-              </a:rPr>
-              <a:t>simpler-instance1 </a:t>
-            </a:r>
-            <a:r>
-              <a:rPr lang="en-US" sz="5500" b="1" dirty="0" smtClean="0">
-                <a:latin typeface="Consolas" pitchFamily="49" charset="0"/>
-                <a:cs typeface="Consolas" pitchFamily="49" charset="0"/>
-              </a:rPr>
-              <a:t>the-problem)))</a:t>
-            </a:r>
-          </a:p>
-          <a:p>
-            <a:pPr>
-              <a:buNone/>
-            </a:pPr>
-            <a:r>
-              <a:rPr lang="en-US" sz="5500" b="1" dirty="0" smtClean="0">
-                <a:latin typeface="Consolas" pitchFamily="49" charset="0"/>
-                <a:cs typeface="Consolas" pitchFamily="49" charset="0"/>
-              </a:rPr>
-              <a:t>        </a:t>
-            </a:r>
-            <a:r>
-              <a:rPr lang="en-US" sz="5500" b="1" dirty="0" smtClean="0">
-                <a:latin typeface="Consolas" pitchFamily="49" charset="0"/>
-                <a:cs typeface="Consolas" pitchFamily="49" charset="0"/>
-              </a:rPr>
-              <a:t>(define </a:t>
-            </a:r>
-            <a:r>
-              <a:rPr lang="en-US" sz="5500" b="1" dirty="0" smtClean="0">
-                <a:latin typeface="Consolas" pitchFamily="49" charset="0"/>
-                <a:cs typeface="Consolas" pitchFamily="49" charset="0"/>
-              </a:rPr>
-              <a:t>solution2</a:t>
-            </a:r>
-          </a:p>
-          <a:p>
-            <a:pPr>
-              <a:buNone/>
-            </a:pPr>
-            <a:r>
-              <a:rPr lang="en-US" sz="5500" b="1" dirty="0">
-                <a:latin typeface="Consolas" pitchFamily="49" charset="0"/>
-                <a:cs typeface="Consolas" pitchFamily="49" charset="0"/>
-              </a:rPr>
-              <a:t> </a:t>
-            </a:r>
-            <a:r>
-              <a:rPr lang="en-US" sz="5500" b="1" dirty="0" smtClean="0">
-                <a:latin typeface="Consolas" pitchFamily="49" charset="0"/>
-                <a:cs typeface="Consolas" pitchFamily="49" charset="0"/>
-              </a:rPr>
-              <a:t>        (solve (</a:t>
-            </a:r>
-            <a:r>
-              <a:rPr lang="en-US" sz="5500" b="1" dirty="0" smtClean="0">
-                <a:solidFill>
-                  <a:schemeClr val="accent6">
-                    <a:lumMod val="75000"/>
-                  </a:schemeClr>
-                </a:solidFill>
-                <a:latin typeface="Consolas" pitchFamily="49" charset="0"/>
-                <a:cs typeface="Consolas" pitchFamily="49" charset="0"/>
-              </a:rPr>
-              <a:t>simpler-instance2</a:t>
-            </a:r>
-            <a:r>
-              <a:rPr lang="en-US" sz="5500" b="1" dirty="0" smtClean="0">
-                <a:latin typeface="Consolas" pitchFamily="49" charset="0"/>
-                <a:cs typeface="Consolas" pitchFamily="49" charset="0"/>
-              </a:rPr>
-              <a:t> </a:t>
-            </a:r>
-            <a:r>
-              <a:rPr lang="en-US" sz="5500" b="1" dirty="0" smtClean="0">
-                <a:latin typeface="Consolas" pitchFamily="49" charset="0"/>
-                <a:cs typeface="Consolas" pitchFamily="49" charset="0"/>
-              </a:rPr>
-              <a:t>the-problem</a:t>
-            </a:r>
-            <a:r>
-              <a:rPr lang="en-US" sz="5500" b="1" dirty="0" smtClean="0">
-                <a:latin typeface="Consolas" pitchFamily="49" charset="0"/>
-                <a:cs typeface="Consolas" pitchFamily="49" charset="0"/>
-              </a:rPr>
-              <a:t>))))</a:t>
-            </a:r>
-            <a:endParaRPr lang="en-US" sz="5500" b="1" dirty="0" smtClean="0">
-              <a:latin typeface="Consolas" pitchFamily="49" charset="0"/>
-              <a:cs typeface="Consolas" pitchFamily="49" charset="0"/>
-            </a:endParaRPr>
-          </a:p>
-          <a:p>
-            <a:pPr>
-              <a:buNone/>
-            </a:pPr>
-            <a:r>
-              <a:rPr lang="en-US" sz="5500" b="1" dirty="0" smtClean="0">
-                <a:latin typeface="Consolas" pitchFamily="49" charset="0"/>
-                <a:cs typeface="Consolas" pitchFamily="49" charset="0"/>
-              </a:rPr>
-              <a:t>       (</a:t>
-            </a:r>
-            <a:r>
-              <a:rPr lang="en-US" sz="5500" b="1" dirty="0" smtClean="0">
-                <a:solidFill>
-                  <a:schemeClr val="accent6">
-                    <a:lumMod val="75000"/>
-                  </a:schemeClr>
-                </a:solidFill>
-                <a:latin typeface="Consolas" pitchFamily="49" charset="0"/>
-                <a:cs typeface="Consolas" pitchFamily="49" charset="0"/>
-              </a:rPr>
-              <a:t>combine-solutions </a:t>
-            </a:r>
-            <a:r>
-              <a:rPr lang="en-US" sz="5500" b="1" dirty="0" smtClean="0">
-                <a:latin typeface="Consolas" pitchFamily="49" charset="0"/>
-                <a:cs typeface="Consolas" pitchFamily="49" charset="0"/>
-              </a:rPr>
-              <a:t>solution1 solution2))]))</a:t>
-            </a:r>
-            <a:endParaRPr lang="en-US" sz="5500" b="1" dirty="0">
-              <a:solidFill>
-                <a:schemeClr val="accent6">
-                  <a:lumMod val="75000"/>
-                </a:schemeClr>
-              </a:solidFill>
-              <a:latin typeface="Consolas" pitchFamily="49" charset="0"/>
-              <a:cs typeface="Consolas" pitchFamily="49" charset="0"/>
-            </a:endParaRPr>
-          </a:p>
-          <a:p>
-            <a:pPr>
-              <a:buNone/>
-            </a:pPr>
-            <a:r>
-              <a:rPr lang="en-US" sz="5500" b="1" dirty="0" smtClean="0">
-                <a:latin typeface="Consolas" pitchFamily="49" charset="0"/>
-                <a:cs typeface="Consolas" pitchFamily="49" charset="0"/>
-              </a:rPr>
-              <a:t>        </a:t>
-            </a:r>
-            <a:endParaRPr lang="en-US" sz="2400" b="1" dirty="0" smtClean="0">
-              <a:cs typeface="Courier New" pitchFamily="49" charset="0"/>
-            </a:endParaRPr>
-          </a:p>
-        </p:txBody>
-      </p:sp>
-      <p:sp>
-        <p:nvSpPr>
-          <p:cNvPr id="4" name="Slide Number Placeholder 3"/>
+              <a:t>We </a:t>
+            </a:r>
+            <a:r>
+              <a:rPr lang="en-US" dirty="0"/>
+              <a:t>might have different numbers of trivial cases, or different numbers of </a:t>
+            </a:r>
+            <a:r>
+              <a:rPr lang="en-US" dirty="0" err="1"/>
+              <a:t>subproblems</a:t>
+            </a:r>
+            <a:r>
+              <a:rPr lang="en-US" dirty="0"/>
+              <a:t>. </a:t>
+            </a:r>
+            <a:endParaRPr lang="en-US" dirty="0" smtClean="0"/>
+          </a:p>
+          <a:p>
+            <a:endParaRPr lang="en-US" dirty="0" smtClean="0"/>
+          </a:p>
+        </p:txBody>
+      </p:sp>
+      <p:sp>
+        <p:nvSpPr>
+          <p:cNvPr id="5" name="Slide Number Placeholder 4"/>
           <p:cNvSpPr>
             <a:spLocks noGrp="1"/>
           </p:cNvSpPr>
@@ -11511,151 +10915,10 @@
           </a:p>
         </p:txBody>
       </p:sp>
-      <p:sp>
-        <p:nvSpPr>
-          <p:cNvPr id="7" name="Rectangle 6"/>
-          <p:cNvSpPr/>
-          <p:nvPr/>
-        </p:nvSpPr>
-        <p:spPr>
-          <a:xfrm>
-            <a:off x="4897755" y="5708650"/>
-            <a:ext cx="4149090" cy="1295400"/>
-          </a:xfrm>
-          <a:prstGeom prst="rect">
-            <a:avLst/>
-          </a:prstGeom>
-          <a:solidFill>
-            <a:schemeClr val="accent3">
-              <a:lumMod val="40000"/>
-              <a:lumOff val="60000"/>
-            </a:schemeClr>
-          </a:solidFill>
-          <a:ln/>
-        </p:spPr>
-        <p:style>
-          <a:lnRef idx="2">
-            <a:schemeClr val="accent1"/>
-          </a:lnRef>
-          <a:fillRef idx="1">
-            <a:schemeClr val="lt1"/>
-          </a:fillRef>
-          <a:effectRef idx="0">
-            <a:schemeClr val="accent1"/>
-          </a:effectRef>
-          <a:fontRef idx="minor">
-            <a:schemeClr val="dk1"/>
-          </a:fontRef>
-        </p:style>
-        <p:txBody>
-          <a:bodyPr rot="0" spcFirstLastPara="0" vertOverflow="overflow" horzOverflow="overflow" vert="horz" wrap="square" lIns="91440" tIns="45720" rIns="91440" bIns="45720" numCol="1" spcCol="0" rtlCol="0" fromWordArt="0" anchor="ctr" anchorCtr="0" forceAA="0" compatLnSpc="1">
-            <a:prstTxWarp prst="textNoShape">
-              <a:avLst/>
-            </a:prstTxWarp>
-            <a:noAutofit/>
-          </a:bodyPr>
-          <a:lstStyle/>
-          <a:p>
-            <a:r>
-              <a:rPr lang="en-US" dirty="0"/>
-              <a:t>There is no magic recipe for finding easier </a:t>
-            </a:r>
-            <a:r>
-              <a:rPr lang="en-US" dirty="0" err="1"/>
-              <a:t>subproblems</a:t>
-            </a:r>
-            <a:r>
-              <a:rPr lang="en-US" dirty="0"/>
-              <a:t>.  You must understand the structure of the problem domain.</a:t>
-            </a:r>
-          </a:p>
-        </p:txBody>
-      </p:sp>
-      <p:sp>
-        <p:nvSpPr>
-          <p:cNvPr id="5" name="Rectangle 4"/>
-          <p:cNvSpPr/>
-          <p:nvPr/>
-        </p:nvSpPr>
-        <p:spPr>
-          <a:xfrm>
-            <a:off x="5257800" y="1676400"/>
-            <a:ext cx="3429000" cy="1143000"/>
-          </a:xfrm>
-          <a:prstGeom prst="rect">
-            <a:avLst/>
-          </a:prstGeom>
-          <a:solidFill>
-            <a:schemeClr val="accent3">
-              <a:lumMod val="40000"/>
-              <a:lumOff val="60000"/>
-            </a:schemeClr>
-          </a:solidFill>
-          <a:ln/>
-        </p:spPr>
-        <p:style>
-          <a:lnRef idx="2">
-            <a:schemeClr val="accent1"/>
-          </a:lnRef>
-          <a:fillRef idx="1">
-            <a:schemeClr val="lt1"/>
-          </a:fillRef>
-          <a:effectRef idx="0">
-            <a:schemeClr val="accent1"/>
-          </a:effectRef>
-          <a:fontRef idx="minor">
-            <a:schemeClr val="dk1"/>
-          </a:fontRef>
-        </p:style>
-        <p:txBody>
-          <a:bodyPr rot="0" spcFirstLastPara="0" vertOverflow="overflow" horzOverflow="overflow" vert="horz" wrap="square" lIns="91440" tIns="45720" rIns="91440" bIns="45720" numCol="1" spcCol="0" rtlCol="0" fromWordArt="0" anchor="ctr" anchorCtr="0" forceAA="0" compatLnSpc="1">
-            <a:prstTxWarp prst="textNoShape">
-              <a:avLst/>
-            </a:prstTxWarp>
-            <a:noAutofit/>
-          </a:bodyPr>
-          <a:lstStyle/>
-          <a:p>
-            <a:r>
-              <a:rPr lang="en-US" dirty="0" smtClean="0">
-                <a:solidFill>
-                  <a:schemeClr val="tx1"/>
-                </a:solidFill>
-              </a:rPr>
-              <a:t>Instead of using ellipses ("..."'s), we've give each slot a name (displayed in </a:t>
-            </a:r>
-            <a:r>
-              <a:rPr lang="en-US" b="1" dirty="0">
-                <a:solidFill>
-                  <a:schemeClr val="accent6">
-                    <a:lumMod val="75000"/>
-                  </a:schemeClr>
-                </a:solidFill>
-                <a:latin typeface="Consolas" pitchFamily="49" charset="0"/>
-                <a:cs typeface="Consolas" pitchFamily="49" charset="0"/>
-              </a:rPr>
-              <a:t>orange</a:t>
-            </a:r>
-            <a:r>
-              <a:rPr lang="en-US" dirty="0" smtClean="0">
-                <a:solidFill>
-                  <a:schemeClr val="tx1"/>
-                </a:solidFill>
-              </a:rPr>
-              <a:t>) so you can see the role it plays.</a:t>
-            </a:r>
-            <a:endParaRPr lang="en-US" dirty="0">
-              <a:solidFill>
-                <a:schemeClr val="tx1"/>
-              </a:solidFill>
-            </a:endParaRPr>
-          </a:p>
-        </p:txBody>
-      </p:sp>
     </p:spTree>
     <p:extLst>
       <p:ext uri="{BB962C8B-B14F-4D97-AF65-F5344CB8AC3E}">
-        <p14:creationId xmlns:p14="http://schemas.microsoft.com/office/powerpoint/2010/main" val="2875959545"/>
+        <p14:creationId xmlns:p14="http://schemas.microsoft.com/office/powerpoint/2010/main" val="3922026112"/>
       </p:ext>
     </p:extLst>
   </p:cSld>
@@ -11708,164 +10971,7 @@
           <a:p>
             <a:r>
               <a:rPr lang="en-US" dirty="0" smtClean="0"/>
-              <a:t>There's more than one template</a:t>
-            </a:r>
-            <a:endParaRPr lang="en-US" dirty="0"/>
-          </a:p>
-        </p:txBody>
-      </p:sp>
-      <p:sp>
-        <p:nvSpPr>
-          <p:cNvPr id="3" name="Content Placeholder 2"/>
-          <p:cNvSpPr>
-            <a:spLocks noGrp="1"/>
-          </p:cNvSpPr>
-          <p:nvPr>
-            <p:ph idx="1"/>
-          </p:nvPr>
-        </p:nvSpPr>
-        <p:spPr>
-          <a:xfrm>
-            <a:off x="457200" y="1600201"/>
-            <a:ext cx="8229600" cy="2819400"/>
-          </a:xfrm>
-        </p:spPr>
-        <p:txBody>
-          <a:bodyPr>
-            <a:normAutofit fontScale="92500" lnSpcReduction="10000"/>
-          </a:bodyPr>
-          <a:lstStyle/>
-          <a:p>
-            <a:r>
-              <a:rPr lang="en-US" dirty="0"/>
-              <a:t>The template might take different shapes, depending on our problem. </a:t>
-            </a:r>
-            <a:endParaRPr lang="en-US" dirty="0" smtClean="0"/>
-          </a:p>
-          <a:p>
-            <a:r>
-              <a:rPr lang="en-US" dirty="0" smtClean="0"/>
-              <a:t>We </a:t>
-            </a:r>
-            <a:r>
-              <a:rPr lang="en-US" dirty="0"/>
-              <a:t>might have different numbers of trivial cases, or different numbers of </a:t>
-            </a:r>
-            <a:r>
-              <a:rPr lang="en-US" dirty="0" err="1"/>
-              <a:t>subproblems</a:t>
-            </a:r>
-            <a:r>
-              <a:rPr lang="en-US" dirty="0"/>
-              <a:t>. </a:t>
-            </a:r>
-            <a:endParaRPr lang="en-US" dirty="0" smtClean="0"/>
-          </a:p>
-          <a:p>
-            <a:r>
-              <a:rPr lang="en-US" dirty="0" smtClean="0"/>
-              <a:t>Let's write this down as a recipe, and then </a:t>
-            </a:r>
-            <a:r>
-              <a:rPr lang="en-US" dirty="0"/>
-              <a:t>look at some </a:t>
-            </a:r>
-            <a:r>
-              <a:rPr lang="en-US" dirty="0" smtClean="0"/>
-              <a:t>of the possibilities.</a:t>
-            </a:r>
-            <a:endParaRPr lang="en-US" dirty="0"/>
-          </a:p>
-          <a:p>
-            <a:endParaRPr lang="en-US" dirty="0" smtClean="0"/>
-          </a:p>
-        </p:txBody>
-      </p:sp>
-      <p:sp>
-        <p:nvSpPr>
-          <p:cNvPr id="5" name="Slide Number Placeholder 4"/>
-          <p:cNvSpPr>
-            <a:spLocks noGrp="1"/>
-          </p:cNvSpPr>
-          <p:nvPr>
-            <p:ph type="sldNum" sz="quarter" idx="12"/>
-          </p:nvPr>
-        </p:nvSpPr>
-        <p:spPr/>
-        <p:txBody>
-          <a:bodyPr/>
-          <a:lstStyle/>
-          <a:p>
-            <a:fld id="{9F4492BD-6A9C-48FC-AC76-0B4FE11194A1}" type="slidenum">
-              <a:rPr lang="en-US" smtClean="0"/>
-              <a:pPr/>
-              <a:t>21</a:t>
-            </a:fld>
-            <a:endParaRPr lang="en-US"/>
-          </a:p>
-        </p:txBody>
-      </p:sp>
-    </p:spTree>
-    <p:extLst>
-      <p:ext uri="{BB962C8B-B14F-4D97-AF65-F5344CB8AC3E}">
-        <p14:creationId xmlns:p14="http://schemas.microsoft.com/office/powerpoint/2010/main" val="3922026112"/>
-      </p:ext>
-    </p:extLst>
-  </p:cSld>
-  <p:clrMapOvr>
-    <a:masterClrMapping/>
-  </p:clrMapOvr>
-  <p:timing>
-    <p:tnLst>
-      <p:par>
-        <p:cTn id="1" dur="indefinite" restart="never" nodeType="tmRoot"/>
-      </p:par>
-    </p:tnLst>
-  </p:timing>
-</p:sld>
-</file>
-
-<file path=ppt/slides/slide22.xml><?xml version="1.0" encoding="utf-8"?>
-<p:sld xmlns:a="http://schemas.openxmlformats.org/drawingml/2006/main" xmlns:r="http://schemas.openxmlformats.org/officeDocument/2006/relationships" xmlns:p="http://schemas.openxmlformats.org/presentationml/2006/main">
-  <p:cSld>
-    <p:spTree>
-      <p:nvGrpSpPr>
-        <p:cNvPr id="1" name=""/>
-        <p:cNvGrpSpPr/>
-        <p:nvPr/>
-      </p:nvGrpSpPr>
-      <p:grpSpPr>
-        <a:xfrm>
-          <a:off x="0" y="0"/>
-          <a:ext cx="0" cy="0"/>
-          <a:chOff x="0" y="0"/>
-          <a:chExt cx="0" cy="0"/>
-        </a:xfrm>
-      </p:grpSpPr>
-      <p:sp>
-        <p:nvSpPr>
-          <p:cNvPr id="2" name="Title 1"/>
-          <p:cNvSpPr>
-            <a:spLocks noGrp="1"/>
-          </p:cNvSpPr>
-          <p:nvPr>
-            <p:ph type="title"/>
-          </p:nvPr>
-        </p:nvSpPr>
-        <p:spPr/>
-        <p:txBody>
-          <a:bodyPr>
-            <a:normAutofit/>
-          </a:bodyPr>
-          <a:lstStyle/>
-          <a:p>
-            <a:r>
-              <a:rPr lang="en-US" dirty="0" smtClean="0"/>
-              <a:t>The </a:t>
-            </a:r>
-            <a:r>
-              <a:rPr lang="en-US" dirty="0" smtClean="0"/>
-              <a:t>General Recursion Recipe</a:t>
+              <a:t>The General Recursion Recipe</a:t>
             </a:r>
             <a:endParaRPr lang="en-US" dirty="0"/>
           </a:p>
@@ -11938,11 +11044,7 @@
                     <a:p>
                       <a:r>
                         <a:rPr lang="en-US" sz="1800" dirty="0" smtClean="0"/>
-                        <a:t>1. </a:t>
-                      </a:r>
-                      <a:r>
-                        <a:rPr lang="en-US" sz="1800" dirty="0" smtClean="0"/>
-                        <a:t>Are</a:t>
+                        <a:t>1. Are</a:t>
                       </a:r>
                       <a:r>
                         <a:rPr lang="en-US" sz="1800" baseline="0" dirty="0" smtClean="0"/>
@@ -11984,11 +11086,7 @@
                       </a:r>
                       <a:r>
                         <a:rPr lang="en-US" sz="1800" dirty="0" smtClean="0"/>
-                        <a:t> </a:t>
-                      </a:r>
-                      <a:r>
-                        <a:rPr lang="en-US" sz="1800" dirty="0" smtClean="0"/>
-                        <a:t>case.</a:t>
+                        <a:t> case.</a:t>
                       </a:r>
                       <a:endParaRPr lang="en-US" sz="1800" dirty="0"/>
                     </a:p>
@@ -12004,15 +11102,7 @@
                     <a:p>
                       <a:r>
                         <a:rPr lang="en-US" sz="1800" dirty="0" smtClean="0"/>
-                        <a:t>2. How do the </a:t>
-                      </a:r>
-                      <a:r>
-                        <a:rPr lang="en-US" sz="1800" dirty="0" smtClean="0"/>
-                        <a:t>cases differ </a:t>
-                      </a:r>
-                      <a:r>
-                        <a:rPr lang="en-US" sz="1800" dirty="0" smtClean="0"/>
-                        <a:t>from each other?</a:t>
+                        <a:t>2. How do the cases differ from each other?</a:t>
                       </a:r>
                       <a:endParaRPr lang="en-US" sz="1800" dirty="0"/>
                     </a:p>
@@ -12026,11 +11116,7 @@
                     <a:p>
                       <a:r>
                         <a:rPr lang="en-US" sz="1800" dirty="0" smtClean="0"/>
-                        <a:t>Use the differences to formulate a condition per </a:t>
-                      </a:r>
-                      <a:r>
-                        <a:rPr lang="en-US" sz="1800" dirty="0" smtClean="0"/>
-                        <a:t>case</a:t>
+                        <a:t>Use the differences to formulate a condition per case</a:t>
                       </a:r>
                       <a:endParaRPr lang="en-US" sz="1800" dirty="0"/>
                     </a:p>
@@ -12046,11 +11132,7 @@
                     <a:p>
                       <a:r>
                         <a:rPr lang="en-US" sz="1800" dirty="0" smtClean="0"/>
-                        <a:t>3. </a:t>
-                      </a:r>
-                      <a:r>
-                        <a:rPr lang="en-US" sz="1800" dirty="0" smtClean="0"/>
-                        <a:t>For each case:</a:t>
+                        <a:t>3. For each case:</a:t>
                       </a:r>
                       <a:endParaRPr lang="en-US" sz="1800" dirty="0"/>
                     </a:p>
@@ -12127,7 +11209,7 @@
           <a:p>
             <a:fld id="{2AF3B5EA-18B6-4040-9F78-6052AF49C681}" type="slidenum">
               <a:rPr lang="en-US" smtClean="0"/>
-              <a:t>22</a:t>
+              <a:t>21</a:t>
             </a:fld>
             <a:endParaRPr lang="en-US"/>
           </a:p>
@@ -12137,6 +11219,499 @@
     <p:extLst>
       <p:ext uri="{BB962C8B-B14F-4D97-AF65-F5344CB8AC3E}">
         <p14:creationId xmlns:p14="http://schemas.microsoft.com/office/powerpoint/2010/main" val="3880056122"/>
+      </p:ext>
+    </p:extLst>
+  </p:cSld>
+  <p:clrMapOvr>
+    <a:masterClrMapping/>
+  </p:clrMapOvr>
+  <p:timing>
+    <p:tnLst>
+      <p:par>
+        <p:cTn id="1" dur="indefinite" restart="never" nodeType="tmRoot"/>
+      </p:par>
+    </p:tnLst>
+  </p:timing>
+</p:sld>
+</file>
+
+<file path=ppt/slides/slide22.xml><?xml version="1.0" encoding="utf-8"?>
+<p:sld xmlns:a="http://schemas.openxmlformats.org/drawingml/2006/main" xmlns:r="http://schemas.openxmlformats.org/officeDocument/2006/relationships" xmlns:p="http://schemas.openxmlformats.org/presentationml/2006/main">
+  <p:cSld>
+    <p:spTree>
+      <p:nvGrpSpPr>
+        <p:cNvPr id="1" name=""/>
+        <p:cNvGrpSpPr/>
+        <p:nvPr/>
+      </p:nvGrpSpPr>
+      <p:grpSpPr>
+        <a:xfrm>
+          <a:off x="0" y="0"/>
+          <a:ext cx="0" cy="0"/>
+          <a:chOff x="0" y="0"/>
+          <a:chExt cx="0" cy="0"/>
+        </a:xfrm>
+      </p:grpSpPr>
+      <p:sp>
+        <p:nvSpPr>
+          <p:cNvPr id="3" name="Content Placeholder 2"/>
+          <p:cNvSpPr>
+            <a:spLocks noGrp="1"/>
+          </p:cNvSpPr>
+          <p:nvPr>
+            <p:ph idx="1"/>
+          </p:nvPr>
+        </p:nvSpPr>
+        <p:spPr/>
+        <p:txBody>
+          <a:bodyPr>
+            <a:normAutofit fontScale="32500" lnSpcReduction="20000"/>
+          </a:bodyPr>
+          <a:lstStyle/>
+          <a:p>
+            <a:pPr>
+              <a:buNone/>
+            </a:pPr>
+            <a:r>
+              <a:rPr lang="en-US" sz="5500" b="1" dirty="0" smtClean="0">
+                <a:latin typeface="Consolas" pitchFamily="49" charset="0"/>
+                <a:cs typeface="Consolas" pitchFamily="49" charset="0"/>
+              </a:rPr>
+              <a:t>;; solve : Problem -&gt; Solution</a:t>
+            </a:r>
+            <a:r>
+              <a:rPr lang="en-US" sz="5500" b="1" i="1" dirty="0" smtClean="0">
+                <a:solidFill>
+                  <a:schemeClr val="bg1"/>
+                </a:solidFill>
+                <a:latin typeface="Consolas" pitchFamily="49" charset="0"/>
+                <a:cs typeface="Consolas" pitchFamily="49" charset="0"/>
+              </a:rPr>
+              <a:t> ARGUMENT: explain why new-problem1 and new-problem2 are easier than the-problem.</a:t>
+            </a:r>
+          </a:p>
+          <a:p>
+            <a:pPr>
+              <a:buNone/>
+            </a:pPr>
+            <a:r>
+              <a:rPr lang="en-US" sz="5500" b="1" dirty="0" smtClean="0">
+                <a:latin typeface="Consolas" pitchFamily="49" charset="0"/>
+                <a:cs typeface="Consolas" pitchFamily="49" charset="0"/>
+              </a:rPr>
+              <a:t>(define (solution the-problem)</a:t>
+            </a:r>
+          </a:p>
+          <a:p>
+            <a:pPr>
+              <a:buNone/>
+            </a:pPr>
+            <a:r>
+              <a:rPr lang="en-US" sz="5500" b="1" dirty="0" smtClean="0">
+                <a:latin typeface="Consolas" pitchFamily="49" charset="0"/>
+                <a:cs typeface="Consolas" pitchFamily="49" charset="0"/>
+              </a:rPr>
+              <a:t>  (</a:t>
+            </a:r>
+            <a:r>
+              <a:rPr lang="en-US" sz="5500" b="1" dirty="0" err="1" smtClean="0">
+                <a:latin typeface="Consolas" pitchFamily="49" charset="0"/>
+                <a:cs typeface="Consolas" pitchFamily="49" charset="0"/>
+              </a:rPr>
+              <a:t>cond</a:t>
+            </a:r>
+            <a:endParaRPr lang="en-US" sz="5500" b="1" dirty="0" smtClean="0">
+              <a:latin typeface="Consolas" pitchFamily="49" charset="0"/>
+              <a:cs typeface="Consolas" pitchFamily="49" charset="0"/>
+            </a:endParaRPr>
+          </a:p>
+          <a:p>
+            <a:pPr>
+              <a:buNone/>
+            </a:pPr>
+            <a:r>
+              <a:rPr lang="en-US" sz="5500" b="1" dirty="0" smtClean="0">
+                <a:latin typeface="Consolas" pitchFamily="49" charset="0"/>
+                <a:cs typeface="Consolas" pitchFamily="49" charset="0"/>
+              </a:rPr>
+              <a:t>    [(</a:t>
+            </a:r>
+            <a:r>
+              <a:rPr lang="en-US" sz="5500" b="1" dirty="0" smtClean="0">
+                <a:solidFill>
+                  <a:schemeClr val="accent6">
+                    <a:lumMod val="75000"/>
+                  </a:schemeClr>
+                </a:solidFill>
+                <a:latin typeface="Consolas" pitchFamily="49" charset="0"/>
+                <a:cs typeface="Consolas" pitchFamily="49" charset="0"/>
+              </a:rPr>
+              <a:t>trivial1? </a:t>
+            </a:r>
+            <a:r>
+              <a:rPr lang="en-US" sz="5500" b="1" dirty="0" smtClean="0">
+                <a:latin typeface="Consolas" pitchFamily="49" charset="0"/>
+                <a:cs typeface="Consolas" pitchFamily="49" charset="0"/>
+              </a:rPr>
+              <a:t>the-problem) (</a:t>
+            </a:r>
+            <a:r>
+              <a:rPr lang="en-US" sz="5500" b="1" dirty="0">
+                <a:solidFill>
+                  <a:schemeClr val="accent6">
+                    <a:lumMod val="75000"/>
+                  </a:schemeClr>
+                </a:solidFill>
+                <a:latin typeface="Consolas" pitchFamily="49" charset="0"/>
+                <a:cs typeface="Consolas" pitchFamily="49" charset="0"/>
+              </a:rPr>
+              <a:t>trivial-solution1 </a:t>
+            </a:r>
+            <a:r>
+              <a:rPr lang="en-US" sz="5500" b="1" dirty="0" smtClean="0">
+                <a:latin typeface="Consolas" pitchFamily="49" charset="0"/>
+                <a:cs typeface="Consolas" pitchFamily="49" charset="0"/>
+              </a:rPr>
+              <a:t>the-problem)]</a:t>
+            </a:r>
+          </a:p>
+          <a:p>
+            <a:pPr>
+              <a:buNone/>
+            </a:pPr>
+            <a:r>
+              <a:rPr lang="en-US" sz="5500" b="1" dirty="0" smtClean="0">
+                <a:latin typeface="Consolas" pitchFamily="49" charset="0"/>
+                <a:cs typeface="Consolas" pitchFamily="49" charset="0"/>
+              </a:rPr>
+              <a:t>    [(</a:t>
+            </a:r>
+            <a:r>
+              <a:rPr lang="en-US" sz="5500" b="1" dirty="0" smtClean="0">
+                <a:solidFill>
+                  <a:schemeClr val="accent6">
+                    <a:lumMod val="75000"/>
+                  </a:schemeClr>
+                </a:solidFill>
+                <a:latin typeface="Consolas" pitchFamily="49" charset="0"/>
+                <a:cs typeface="Consolas" pitchFamily="49" charset="0"/>
+              </a:rPr>
+              <a:t>trivial2?</a:t>
+            </a:r>
+            <a:r>
+              <a:rPr lang="en-US" sz="5500" b="1" dirty="0" smtClean="0">
+                <a:latin typeface="Consolas" pitchFamily="49" charset="0"/>
+                <a:cs typeface="Consolas" pitchFamily="49" charset="0"/>
+              </a:rPr>
+              <a:t> the-problem) (</a:t>
+            </a:r>
+            <a:r>
+              <a:rPr lang="en-US" sz="5500" b="1" dirty="0">
+                <a:solidFill>
+                  <a:schemeClr val="accent6">
+                    <a:lumMod val="75000"/>
+                  </a:schemeClr>
+                </a:solidFill>
+                <a:latin typeface="Consolas" pitchFamily="49" charset="0"/>
+                <a:cs typeface="Consolas" pitchFamily="49" charset="0"/>
+              </a:rPr>
+              <a:t>trivial-solution2 </a:t>
+            </a:r>
+            <a:r>
+              <a:rPr lang="en-US" sz="5500" b="1" dirty="0" smtClean="0">
+                <a:latin typeface="Consolas" pitchFamily="49" charset="0"/>
+                <a:cs typeface="Consolas" pitchFamily="49" charset="0"/>
+              </a:rPr>
+              <a:t>the-problem)]</a:t>
+            </a:r>
+          </a:p>
+          <a:p>
+            <a:pPr>
+              <a:buNone/>
+            </a:pPr>
+            <a:r>
+              <a:rPr lang="en-US" sz="5500" b="1" dirty="0" smtClean="0">
+                <a:latin typeface="Consolas" pitchFamily="49" charset="0"/>
+                <a:cs typeface="Consolas" pitchFamily="49" charset="0"/>
+              </a:rPr>
+              <a:t>    [(</a:t>
+            </a:r>
+            <a:r>
+              <a:rPr lang="en-US" sz="5500" b="1" dirty="0">
+                <a:solidFill>
+                  <a:schemeClr val="accent6">
+                    <a:lumMod val="75000"/>
+                  </a:schemeClr>
+                </a:solidFill>
+                <a:latin typeface="Consolas" pitchFamily="49" charset="0"/>
+                <a:cs typeface="Consolas" pitchFamily="49" charset="0"/>
+              </a:rPr>
+              <a:t>difficult? </a:t>
+            </a:r>
+            <a:r>
+              <a:rPr lang="en-US" sz="5500" b="1" dirty="0" smtClean="0">
+                <a:latin typeface="Consolas" pitchFamily="49" charset="0"/>
+                <a:cs typeface="Consolas" pitchFamily="49" charset="0"/>
+              </a:rPr>
+              <a:t>the-problem)</a:t>
+            </a:r>
+          </a:p>
+          <a:p>
+            <a:pPr>
+              <a:buNone/>
+            </a:pPr>
+            <a:r>
+              <a:rPr lang="en-US" sz="5500" b="1" dirty="0" smtClean="0">
+                <a:latin typeface="Consolas" pitchFamily="49" charset="0"/>
+                <a:cs typeface="Consolas" pitchFamily="49" charset="0"/>
+              </a:rPr>
+              <a:t>     (local</a:t>
+            </a:r>
+          </a:p>
+          <a:p>
+            <a:pPr>
+              <a:buNone/>
+            </a:pPr>
+            <a:r>
+              <a:rPr lang="en-US" sz="5500" b="1" dirty="0" smtClean="0">
+                <a:latin typeface="Consolas" pitchFamily="49" charset="0"/>
+                <a:cs typeface="Consolas" pitchFamily="49" charset="0"/>
+              </a:rPr>
+              <a:t>       ((define solution1 </a:t>
+            </a:r>
+          </a:p>
+          <a:p>
+            <a:pPr>
+              <a:buNone/>
+            </a:pPr>
+            <a:r>
+              <a:rPr lang="en-US" sz="5500" b="1" dirty="0">
+                <a:latin typeface="Consolas" pitchFamily="49" charset="0"/>
+                <a:cs typeface="Consolas" pitchFamily="49" charset="0"/>
+              </a:rPr>
+              <a:t> </a:t>
+            </a:r>
+            <a:r>
+              <a:rPr lang="en-US" sz="5500" b="1" dirty="0" smtClean="0">
+                <a:latin typeface="Consolas" pitchFamily="49" charset="0"/>
+                <a:cs typeface="Consolas" pitchFamily="49" charset="0"/>
+              </a:rPr>
+              <a:t>        (solve (</a:t>
+            </a:r>
+            <a:r>
+              <a:rPr lang="en-US" sz="5500" b="1" dirty="0" smtClean="0">
+                <a:solidFill>
+                  <a:schemeClr val="accent6">
+                    <a:lumMod val="75000"/>
+                  </a:schemeClr>
+                </a:solidFill>
+                <a:latin typeface="Consolas" pitchFamily="49" charset="0"/>
+                <a:cs typeface="Consolas" pitchFamily="49" charset="0"/>
+              </a:rPr>
+              <a:t>simpler-instance </a:t>
+            </a:r>
+            <a:r>
+              <a:rPr lang="en-US" sz="5500" b="1" dirty="0" smtClean="0">
+                <a:latin typeface="Consolas" pitchFamily="49" charset="0"/>
+                <a:cs typeface="Consolas" pitchFamily="49" charset="0"/>
+              </a:rPr>
+              <a:t>the-problem))))        </a:t>
+            </a:r>
+          </a:p>
+          <a:p>
+            <a:pPr>
+              <a:buNone/>
+            </a:pPr>
+            <a:r>
+              <a:rPr lang="en-US" sz="5500" b="1" dirty="0" smtClean="0">
+                <a:latin typeface="Consolas" pitchFamily="49" charset="0"/>
+                <a:cs typeface="Consolas" pitchFamily="49" charset="0"/>
+              </a:rPr>
+              <a:t>       (</a:t>
+            </a:r>
+            <a:r>
+              <a:rPr lang="en-US" sz="5500" b="1" dirty="0" smtClean="0">
+                <a:solidFill>
+                  <a:schemeClr val="accent6">
+                    <a:lumMod val="75000"/>
+                  </a:schemeClr>
+                </a:solidFill>
+                <a:latin typeface="Consolas" pitchFamily="49" charset="0"/>
+                <a:cs typeface="Consolas" pitchFamily="49" charset="0"/>
+              </a:rPr>
+              <a:t>adapt-solution solution1</a:t>
+            </a:r>
+            <a:r>
+              <a:rPr lang="en-US" sz="5500" b="1" dirty="0" smtClean="0">
+                <a:latin typeface="Consolas" pitchFamily="49" charset="0"/>
+                <a:cs typeface="Consolas" pitchFamily="49" charset="0"/>
+              </a:rPr>
+              <a:t>))]))</a:t>
+            </a:r>
+          </a:p>
+          <a:p>
+            <a:pPr>
+              <a:buNone/>
+            </a:pPr>
+            <a:endParaRPr lang="en-US" sz="5500" b="1" dirty="0">
+              <a:latin typeface="Consolas" pitchFamily="49" charset="0"/>
+              <a:cs typeface="Consolas" pitchFamily="49" charset="0"/>
+            </a:endParaRPr>
+          </a:p>
+          <a:p>
+            <a:pPr>
+              <a:buNone/>
+            </a:pPr>
+            <a:r>
+              <a:rPr lang="en-US" sz="5500" b="1" dirty="0" smtClean="0">
+                <a:latin typeface="Consolas" pitchFamily="49" charset="0"/>
+                <a:cs typeface="Consolas" pitchFamily="49" charset="0"/>
+              </a:rPr>
+              <a:t>simpler-instance : Problem -&gt; Problem</a:t>
+            </a:r>
+          </a:p>
+          <a:p>
+            <a:pPr>
+              <a:buNone/>
+            </a:pPr>
+            <a:r>
+              <a:rPr lang="en-US" sz="5500" b="1" dirty="0" smtClean="0">
+                <a:latin typeface="Consolas" pitchFamily="49" charset="0"/>
+                <a:cs typeface="Consolas" pitchFamily="49" charset="0"/>
+              </a:rPr>
+              <a:t>adapt-solution : Solution -&gt; Solution</a:t>
+            </a:r>
+          </a:p>
+          <a:p>
+            <a:pPr>
+              <a:buNone/>
+            </a:pPr>
+            <a:endParaRPr lang="en-US" sz="2400" b="1" dirty="0" smtClean="0">
+              <a:cs typeface="Courier New" pitchFamily="49" charset="0"/>
+            </a:endParaRPr>
+          </a:p>
+        </p:txBody>
+      </p:sp>
+      <p:sp>
+        <p:nvSpPr>
+          <p:cNvPr id="2" name="Title 1"/>
+          <p:cNvSpPr>
+            <a:spLocks noGrp="1"/>
+          </p:cNvSpPr>
+          <p:nvPr>
+            <p:ph type="title"/>
+          </p:nvPr>
+        </p:nvSpPr>
+        <p:spPr/>
+        <p:txBody>
+          <a:bodyPr>
+            <a:normAutofit fontScale="90000"/>
+          </a:bodyPr>
+          <a:lstStyle/>
+          <a:p>
+            <a:r>
+              <a:rPr lang="en-US" dirty="0" smtClean="0"/>
+              <a:t>Another General-Recursion Template</a:t>
+            </a:r>
+            <a:endParaRPr lang="en-US" dirty="0"/>
+          </a:p>
+        </p:txBody>
+      </p:sp>
+      <p:sp>
+        <p:nvSpPr>
+          <p:cNvPr id="4" name="Slide Number Placeholder 3"/>
+          <p:cNvSpPr>
+            <a:spLocks noGrp="1"/>
+          </p:cNvSpPr>
+          <p:nvPr>
+            <p:ph type="sldNum" sz="quarter" idx="12"/>
+          </p:nvPr>
+        </p:nvSpPr>
+        <p:spPr/>
+        <p:txBody>
+          <a:bodyPr/>
+          <a:lstStyle/>
+          <a:p>
+            <a:fld id="{9F4492BD-6A9C-48FC-AC76-0B4FE11194A1}" type="slidenum">
+              <a:rPr lang="en-US" smtClean="0"/>
+              <a:pPr/>
+              <a:t>22</a:t>
+            </a:fld>
+            <a:endParaRPr lang="en-US"/>
+          </a:p>
+        </p:txBody>
+      </p:sp>
+      <p:sp>
+        <p:nvSpPr>
+          <p:cNvPr id="7" name="Rectangle 6"/>
+          <p:cNvSpPr/>
+          <p:nvPr/>
+        </p:nvSpPr>
+        <p:spPr>
+          <a:xfrm>
+            <a:off x="5715000" y="4421187"/>
+            <a:ext cx="3429000" cy="1935163"/>
+          </a:xfrm>
+          <a:prstGeom prst="rect">
+            <a:avLst/>
+          </a:prstGeom>
+          <a:solidFill>
+            <a:schemeClr val="accent3">
+              <a:lumMod val="40000"/>
+              <a:lumOff val="60000"/>
+            </a:schemeClr>
+          </a:solidFill>
+          <a:ln/>
+        </p:spPr>
+        <p:style>
+          <a:lnRef idx="2">
+            <a:schemeClr val="accent1"/>
+          </a:lnRef>
+          <a:fillRef idx="1">
+            <a:schemeClr val="lt1"/>
+          </a:fillRef>
+          <a:effectRef idx="0">
+            <a:schemeClr val="accent1"/>
+          </a:effectRef>
+          <a:fontRef idx="minor">
+            <a:schemeClr val="dk1"/>
+          </a:fontRef>
+        </p:style>
+        <p:txBody>
+          <a:bodyPr rot="0" spcFirstLastPara="0" vertOverflow="overflow" horzOverflow="overflow" vert="horz" wrap="square" lIns="91440" tIns="45720" rIns="91440" bIns="45720" numCol="1" spcCol="0" rtlCol="0" fromWordArt="0" anchor="ctr" anchorCtr="0" forceAA="0" compatLnSpc="1">
+            <a:prstTxWarp prst="textNoShape">
+              <a:avLst/>
+            </a:prstTxWarp>
+            <a:noAutofit/>
+          </a:bodyPr>
+          <a:lstStyle/>
+          <a:p>
+            <a:r>
+              <a:rPr lang="en-US" dirty="0" smtClean="0"/>
+              <a:t>Here's a version with two trivial cases and one difficult case, where the difficult case involves only one </a:t>
+            </a:r>
+            <a:r>
+              <a:rPr lang="en-US" dirty="0" err="1" smtClean="0"/>
+              <a:t>subproblem</a:t>
+            </a:r>
+            <a:r>
+              <a:rPr lang="en-US" dirty="0" smtClean="0"/>
+              <a:t>.</a:t>
+            </a:r>
+          </a:p>
+          <a:p>
+            <a:r>
+              <a:rPr lang="en-US" dirty="0" smtClean="0"/>
+              <a:t>Most of our functions involving lists match this template.</a:t>
+            </a:r>
+            <a:endParaRPr lang="en-US" dirty="0"/>
+          </a:p>
+        </p:txBody>
+      </p:sp>
+    </p:spTree>
+    <p:extLst>
+      <p:ext uri="{BB962C8B-B14F-4D97-AF65-F5344CB8AC3E}">
+        <p14:creationId xmlns:p14="http://schemas.microsoft.com/office/powerpoint/2010/main" val="3232746379"/>
       </p:ext>
     </p:extLst>
   </p:cSld>
@@ -12172,6 +11747,31 @@
       </p:grpSpPr>
       <p:sp>
         <p:nvSpPr>
+          <p:cNvPr id="2" name="Title 1"/>
+          <p:cNvSpPr>
+            <a:spLocks noGrp="1"/>
+          </p:cNvSpPr>
+          <p:nvPr>
+            <p:ph type="title"/>
+          </p:nvPr>
+        </p:nvSpPr>
+        <p:spPr/>
+        <p:txBody>
+          <a:bodyPr>
+            <a:normAutofit fontScale="90000"/>
+          </a:bodyPr>
+          <a:lstStyle/>
+          <a:p>
+            <a:r>
+              <a:rPr lang="en-US" dirty="0" smtClean="0"/>
+              <a:t>Yet Another General-Recursion Template</a:t>
+            </a:r>
+            <a:endParaRPr lang="en-US" dirty="0"/>
+          </a:p>
+        </p:txBody>
+      </p:sp>
+      <p:sp>
+        <p:nvSpPr>
           <p:cNvPr id="3" name="Content Placeholder 2"/>
           <p:cNvSpPr>
             <a:spLocks noGrp="1"/>
@@ -12195,29 +11795,13 @@
                 <a:latin typeface="Consolas" pitchFamily="49" charset="0"/>
                 <a:cs typeface="Consolas" pitchFamily="49" charset="0"/>
               </a:rPr>
-              <a:t>;; </a:t>
-            </a:r>
-            <a:r>
-              <a:rPr lang="en-US" sz="5500" b="1" dirty="0" smtClean="0">
-                <a:latin typeface="Consolas" pitchFamily="49" charset="0"/>
-                <a:cs typeface="Consolas" pitchFamily="49" charset="0"/>
-              </a:rPr>
-              <a:t>solve </a:t>
-            </a:r>
-            <a:r>
-              <a:rPr lang="en-US" sz="5500" b="1" dirty="0" smtClean="0">
-                <a:latin typeface="Consolas" pitchFamily="49" charset="0"/>
-                <a:cs typeface="Consolas" pitchFamily="49" charset="0"/>
-              </a:rPr>
-              <a:t>: Problem -&gt; </a:t>
-            </a:r>
-            <a:r>
-              <a:rPr lang="en-US" sz="5500" b="1" dirty="0" smtClean="0">
-                <a:latin typeface="Consolas" pitchFamily="49" charset="0"/>
-                <a:cs typeface="Consolas" pitchFamily="49" charset="0"/>
-              </a:rPr>
-              <a:t>Solution</a:t>
-            </a:r>
+              <a:t>;; solve : Problem -&gt; Solution</a:t>
+            </a:r>
+          </a:p>
+          <a:p>
+            <a:pPr>
+              <a:buNone/>
+            </a:pPr>
             <a:r>
               <a:rPr lang="en-US" sz="5500" b="1" i="1" dirty="0" smtClean="0">
                 <a:solidFill>
@@ -12226,17 +11810,7 @@
                 <a:latin typeface="Consolas" pitchFamily="49" charset="0"/>
                 <a:cs typeface="Consolas" pitchFamily="49" charset="0"/>
               </a:rPr>
-              <a:t> </a:t>
-            </a:r>
-            <a:r>
-              <a:rPr lang="en-US" sz="5500" b="1" i="1" dirty="0" smtClean="0">
-                <a:solidFill>
-                  <a:schemeClr val="bg1"/>
-                </a:solidFill>
-                <a:latin typeface="Consolas" pitchFamily="49" charset="0"/>
-                <a:cs typeface="Consolas" pitchFamily="49" charset="0"/>
-              </a:rPr>
-              <a:t>ARGUMENT: explain why new-problem1 and new-problem2 are easier than the-problem.</a:t>
+              <a:t>TERMINATION ARGUMENT: explain why new-problem</a:t>
             </a:r>
           </a:p>
           <a:p>
@@ -12248,21 +11822,7 @@
                 <a:latin typeface="Consolas" pitchFamily="49" charset="0"/>
                 <a:cs typeface="Consolas" pitchFamily="49" charset="0"/>
               </a:rPr>
-              <a:t>(define (</a:t>
-            </a:r>
-            <a:r>
-              <a:rPr lang="en-US" sz="5500" b="1" dirty="0" smtClean="0">
-                <a:latin typeface="Consolas" pitchFamily="49" charset="0"/>
-                <a:cs typeface="Consolas" pitchFamily="49" charset="0"/>
-              </a:rPr>
-              <a:t>solution </a:t>
-            </a:r>
-            <a:r>
-              <a:rPr lang="en-US" sz="5500" b="1" dirty="0" smtClean="0">
-                <a:latin typeface="Consolas" pitchFamily="49" charset="0"/>
-                <a:cs typeface="Consolas" pitchFamily="49" charset="0"/>
-              </a:rPr>
-              <a:t>the-problem)</a:t>
+              <a:t>(define (solution the-problem)</a:t>
             </a:r>
           </a:p>
           <a:p>
@@ -12366,14 +11926,7 @@
                 <a:latin typeface="Consolas" pitchFamily="49" charset="0"/>
                 <a:cs typeface="Consolas" pitchFamily="49" charset="0"/>
               </a:rPr>
-              <a:t> </a:t>
-            </a:r>
-            <a:r>
-              <a:rPr lang="en-US" sz="5500" b="1" dirty="0" smtClean="0">
-                <a:latin typeface="Consolas" pitchFamily="49" charset="0"/>
-                <a:cs typeface="Consolas" pitchFamily="49" charset="0"/>
-              </a:rPr>
-              <a:t>the-problem) (</a:t>
+              <a:t> the-problem) (</a:t>
             </a:r>
             <a:r>
               <a:rPr lang="en-US" sz="5500" b="1" dirty="0">
@@ -12447,40 +12000,26 @@
                 <a:latin typeface="Consolas" pitchFamily="49" charset="0"/>
                 <a:cs typeface="Consolas" pitchFamily="49" charset="0"/>
               </a:rPr>
-              <a:t>       ((define </a:t>
+              <a:t>       ((define new-problems </a:t>
+            </a:r>
+          </a:p>
+          <a:p>
+            <a:pPr>
+              <a:buNone/>
+            </a:pPr>
+            <a:r>
+              <a:rPr lang="en-US" sz="5500" b="1" dirty="0">
+                <a:latin typeface="Consolas" pitchFamily="49" charset="0"/>
+                <a:cs typeface="Consolas" pitchFamily="49" charset="0"/>
+              </a:rPr>
+              <a:t> </a:t>
             </a:r>
             <a:r>
               <a:rPr lang="en-US" sz="5500" b="1" dirty="0" smtClean="0">
                 <a:latin typeface="Consolas" pitchFamily="49" charset="0"/>
                 <a:cs typeface="Consolas" pitchFamily="49" charset="0"/>
               </a:rPr>
-              <a:t>solution1 </a:t>
-            </a:r>
-          </a:p>
-          <a:p>
-            <a:pPr>
-              <a:buNone/>
-            </a:pPr>
-            <a:r>
-              <a:rPr lang="en-US" sz="5500" b="1" dirty="0">
-                <a:latin typeface="Consolas" pitchFamily="49" charset="0"/>
-                <a:cs typeface="Consolas" pitchFamily="49" charset="0"/>
-              </a:rPr>
-              <a:t> </a:t>
-            </a:r>
-            <a:r>
-              <a:rPr lang="en-US" sz="5500" b="1" dirty="0" smtClean="0">
-                <a:latin typeface="Consolas" pitchFamily="49" charset="0"/>
-                <a:cs typeface="Consolas" pitchFamily="49" charset="0"/>
-              </a:rPr>
-              <a:t>        (solve</a:t>
-            </a:r>
-            <a:r>
-              <a:rPr lang="en-US" sz="5500" b="1" dirty="0" smtClean="0">
-                <a:latin typeface="Consolas" pitchFamily="49" charset="0"/>
-                <a:cs typeface="Consolas" pitchFamily="49" charset="0"/>
-              </a:rPr>
-              <a:t> (</a:t>
+              <a:t>         (</a:t>
             </a:r>
             <a:r>
               <a:rPr lang="en-US" sz="5500" b="1" dirty="0" smtClean="0">
@@ -12492,44 +12031,19 @@
                 <a:latin typeface="Consolas" pitchFamily="49" charset="0"/>
                 <a:cs typeface="Consolas" pitchFamily="49" charset="0"/>
               </a:rPr>
-              <a:t>simpler-instance </a:t>
-            </a:r>
-            <a:r>
-              <a:rPr lang="en-US" sz="5500" b="1" dirty="0" smtClean="0">
-                <a:latin typeface="Consolas" pitchFamily="49" charset="0"/>
-                <a:cs typeface="Consolas" pitchFamily="49" charset="0"/>
-              </a:rPr>
-              <a:t>the-problem</a:t>
-            </a:r>
-            <a:r>
-              <a:rPr lang="en-US" sz="5500" b="1" dirty="0" smtClean="0">
-                <a:latin typeface="Consolas" pitchFamily="49" charset="0"/>
-                <a:cs typeface="Consolas" pitchFamily="49" charset="0"/>
-              </a:rPr>
-              <a:t>))))        </a:t>
-            </a:r>
-            <a:endParaRPr lang="en-US" sz="5500" b="1" dirty="0" smtClean="0">
-              <a:latin typeface="Consolas" pitchFamily="49" charset="0"/>
-              <a:cs typeface="Consolas" pitchFamily="49" charset="0"/>
-            </a:endParaRPr>
-          </a:p>
-          <a:p>
-            <a:pPr>
-              <a:buNone/>
-            </a:pPr>
-            <a:r>
-              <a:rPr lang="en-US" sz="5500" b="1" dirty="0" smtClean="0">
-                <a:latin typeface="Consolas" pitchFamily="49" charset="0"/>
-                <a:cs typeface="Consolas" pitchFamily="49" charset="0"/>
-              </a:rPr>
-              <a:t>       </a:t>
-            </a:r>
-            <a:r>
-              <a:rPr lang="en-US" sz="5500" b="1" dirty="0" smtClean="0">
-                <a:latin typeface="Consolas" pitchFamily="49" charset="0"/>
-                <a:cs typeface="Consolas" pitchFamily="49" charset="0"/>
-              </a:rPr>
-              <a:t>(</a:t>
+              <a:t>generate-</a:t>
+            </a:r>
+            <a:r>
+              <a:rPr lang="en-US" sz="5500" b="1" dirty="0" err="1" smtClean="0">
+                <a:solidFill>
+                  <a:schemeClr val="accent6">
+                    <a:lumMod val="75000"/>
+                  </a:schemeClr>
+                </a:solidFill>
+                <a:latin typeface="Consolas" pitchFamily="49" charset="0"/>
+                <a:cs typeface="Consolas" pitchFamily="49" charset="0"/>
+              </a:rPr>
+              <a:t>subproblems</a:t>
             </a:r>
             <a:r>
               <a:rPr lang="en-US" sz="5500" b="1" dirty="0" smtClean="0">
@@ -12541,14 +12055,59 @@
                 <a:latin typeface="Consolas" pitchFamily="49" charset="0"/>
                 <a:cs typeface="Consolas" pitchFamily="49" charset="0"/>
               </a:rPr>
-              <a:t>adapt-solution solution1</a:t>
+              <a:t> </a:t>
             </a:r>
             <a:r>
               <a:rPr lang="en-US" sz="5500" b="1" dirty="0" smtClean="0">
                 <a:latin typeface="Consolas" pitchFamily="49" charset="0"/>
                 <a:cs typeface="Consolas" pitchFamily="49" charset="0"/>
               </a:rPr>
-              <a:t>))]))</a:t>
+              <a:t>the-problem)))        </a:t>
+            </a:r>
+          </a:p>
+          <a:p>
+            <a:pPr>
+              <a:buNone/>
+            </a:pPr>
+            <a:r>
+              <a:rPr lang="en-US" sz="5500" b="1" dirty="0" smtClean="0">
+                <a:latin typeface="Consolas" pitchFamily="49" charset="0"/>
+                <a:cs typeface="Consolas" pitchFamily="49" charset="0"/>
+              </a:rPr>
+              <a:t>       (</a:t>
+            </a:r>
+            <a:r>
+              <a:rPr lang="en-US" sz="5500" b="1" dirty="0" smtClean="0">
+                <a:solidFill>
+                  <a:schemeClr val="accent6">
+                    <a:lumMod val="75000"/>
+                  </a:schemeClr>
+                </a:solidFill>
+                <a:latin typeface="Consolas" pitchFamily="49" charset="0"/>
+                <a:cs typeface="Consolas" pitchFamily="49" charset="0"/>
+              </a:rPr>
+              <a:t>adapt-solutions</a:t>
+            </a:r>
+            <a:endParaRPr lang="en-US" sz="5500" b="1" dirty="0">
+              <a:solidFill>
+                <a:schemeClr val="accent6">
+                  <a:lumMod val="75000"/>
+                </a:schemeClr>
+              </a:solidFill>
+              <a:latin typeface="Consolas" pitchFamily="49" charset="0"/>
+              <a:cs typeface="Consolas" pitchFamily="49" charset="0"/>
+            </a:endParaRPr>
+          </a:p>
+          <a:p>
+            <a:pPr>
+              <a:buNone/>
+            </a:pPr>
+            <a:r>
+              <a:rPr lang="en-US" sz="5500" b="1" dirty="0" smtClean="0">
+                <a:latin typeface="Consolas" pitchFamily="49" charset="0"/>
+                <a:cs typeface="Consolas" pitchFamily="49" charset="0"/>
+              </a:rPr>
+              <a:t>        (map solve new-problems))]))</a:t>
             </a:r>
           </a:p>
           <a:p>
@@ -12569,19 +12128,28 @@
                 <a:latin typeface="Consolas" pitchFamily="49" charset="0"/>
                 <a:cs typeface="Consolas" pitchFamily="49" charset="0"/>
               </a:rPr>
-              <a:t>simpler-instance : Problem -&gt; Problem</a:t>
-            </a:r>
-          </a:p>
-          <a:p>
-            <a:pPr>
-              <a:buNone/>
-            </a:pPr>
+              <a:t>generate-</a:t>
+            </a:r>
+            <a:r>
+              <a:rPr lang="en-US" sz="5500" b="1" dirty="0" err="1" smtClean="0">
+                <a:latin typeface="Consolas" pitchFamily="49" charset="0"/>
+                <a:cs typeface="Consolas" pitchFamily="49" charset="0"/>
+              </a:rPr>
+              <a:t>subproblem</a:t>
+            </a:r>
             <a:r>
               <a:rPr lang="en-US" sz="5500" b="1" dirty="0" smtClean="0">
                 <a:latin typeface="Consolas" pitchFamily="49" charset="0"/>
                 <a:cs typeface="Consolas" pitchFamily="49" charset="0"/>
               </a:rPr>
-              <a:t>adapt-solution : Solution -&gt; Solution</a:t>
+              <a:t> : Problem -&gt; </a:t>
+            </a:r>
+            <a:r>
+              <a:rPr lang="en-US" sz="5500" b="1" dirty="0" err="1" smtClean="0">
+                <a:latin typeface="Consolas" pitchFamily="49" charset="0"/>
+                <a:cs typeface="Consolas" pitchFamily="49" charset="0"/>
+              </a:rPr>
+              <a:t>ListOfProblem</a:t>
             </a:r>
             <a:endParaRPr lang="en-US" sz="5500" b="1" dirty="0" smtClean="0">
               <a:latin typeface="Consolas" pitchFamily="49" charset="0"/>
@@ -12592,34 +12160,35 @@
             <a:pPr>
               <a:buNone/>
             </a:pPr>
+            <a:r>
+              <a:rPr lang="en-US" sz="5500" b="1" dirty="0" smtClean="0">
+                <a:latin typeface="Consolas" pitchFamily="49" charset="0"/>
+                <a:cs typeface="Consolas" pitchFamily="49" charset="0"/>
+              </a:rPr>
+              <a:t>adapt-solutions : </a:t>
+            </a:r>
+            <a:r>
+              <a:rPr lang="en-US" sz="5500" b="1" dirty="0" err="1" smtClean="0">
+                <a:latin typeface="Consolas" pitchFamily="49" charset="0"/>
+                <a:cs typeface="Consolas" pitchFamily="49" charset="0"/>
+              </a:rPr>
+              <a:t>ListOfSolution</a:t>
+            </a:r>
+            <a:r>
+              <a:rPr lang="en-US" sz="5500" b="1" dirty="0" smtClean="0">
+                <a:latin typeface="Consolas" pitchFamily="49" charset="0"/>
+                <a:cs typeface="Consolas" pitchFamily="49" charset="0"/>
+              </a:rPr>
+              <a:t> -&gt; Solution</a:t>
+            </a:r>
+          </a:p>
+          <a:p>
+            <a:pPr>
+              <a:buNone/>
+            </a:pPr>
             <a:endParaRPr lang="en-US" sz="2400" b="1" dirty="0" smtClean="0">
               <a:cs typeface="Courier New" pitchFamily="49" charset="0"/>
             </a:endParaRPr>
-          </a:p>
-        </p:txBody>
-      </p:sp>
-      <p:sp>
-        <p:nvSpPr>
-          <p:cNvPr id="2" name="Title 1"/>
-          <p:cNvSpPr>
-            <a:spLocks noGrp="1"/>
-          </p:cNvSpPr>
-          <p:nvPr>
-            <p:ph type="title"/>
-          </p:nvPr>
-        </p:nvSpPr>
-        <p:spPr/>
-        <p:txBody>
-          <a:bodyPr>
-            <a:normAutofit fontScale="90000"/>
-          </a:bodyPr>
-          <a:lstStyle/>
-          <a:p>
-            <a:r>
-              <a:rPr lang="en-US" dirty="0" smtClean="0"/>
-              <a:t>Another General-Recursion Template</a:t>
-            </a:r>
-            <a:endParaRPr lang="en-US" dirty="0"/>
           </a:p>
         </p:txBody>
       </p:sp>
@@ -12655,8 +12224,8 @@
         </p:nvSpPr>
         <p:spPr>
           <a:xfrm>
-            <a:off x="5715000" y="4421187"/>
-            <a:ext cx="3429000" cy="1935163"/>
+            <a:off x="6449377" y="3675856"/>
+            <a:ext cx="2341245" cy="2690019"/>
           </a:xfrm>
           <a:prstGeom prst="rect">
             <a:avLst/>
@@ -12694,21 +12263,15 @@
           <a:p>
             <a:r>
               <a:rPr lang="en-US" dirty="0" smtClean="0"/>
-              <a:t>Here's a version with two trivial cases and one difficult case, where the difficult case involves only one </a:t>
+              <a:t>Here's a version with where the difficult case requires solving a whole list of </a:t>
             </a:r>
             <a:r>
               <a:rPr lang="en-US" dirty="0" err="1" smtClean="0"/>
-              <a:t>subproblem</a:t>
+              <a:t>subproblems</a:t>
             </a:r>
             <a:r>
               <a:rPr lang="en-US" dirty="0" smtClean="0"/>
-              <a:t>.</a:t>
-            </a:r>
-          </a:p>
-          <a:p>
-            <a:r>
-              <a:rPr lang="en-US" dirty="0" smtClean="0"/>
-              <a:t>Most of our functions involving lists match this template.</a:t>
+              <a:t>.  A tree where a node has a list of sons may lead to use of this template.</a:t>
             </a:r>
             <a:endParaRPr lang="en-US" dirty="0"/>
           </a:p>
@@ -12717,7 +12280,7 @@
     </p:spTree>
     <p:extLst>
       <p:ext uri="{BB962C8B-B14F-4D97-AF65-F5344CB8AC3E}">
-        <p14:creationId xmlns:p14="http://schemas.microsoft.com/office/powerpoint/2010/main" val="3232746379"/>
+        <p14:creationId xmlns:p14="http://schemas.microsoft.com/office/powerpoint/2010/main" val="1757527560"/>
       </p:ext>
     </p:extLst>
   </p:cSld>
@@ -12753,31 +12316,6 @@
       </p:grpSpPr>
       <p:sp>
         <p:nvSpPr>
-          <p:cNvPr id="2" name="Title 1"/>
-          <p:cNvSpPr>
-            <a:spLocks noGrp="1"/>
-          </p:cNvSpPr>
-          <p:nvPr>
-            <p:ph type="title"/>
-          </p:nvPr>
-        </p:nvSpPr>
-        <p:spPr/>
-        <p:txBody>
-          <a:bodyPr>
-            <a:normAutofit fontScale="90000"/>
-          </a:bodyPr>
-          <a:lstStyle/>
-          <a:p>
-            <a:r>
-              <a:rPr lang="en-US" dirty="0" smtClean="0"/>
-              <a:t>Yet Another General-Recursion Template</a:t>
-            </a:r>
-            <a:endParaRPr lang="en-US" dirty="0"/>
-          </a:p>
-        </p:txBody>
-      </p:sp>
-      <p:sp>
-        <p:nvSpPr>
           <p:cNvPr id="3" name="Content Placeholder 2"/>
           <p:cNvSpPr>
             <a:spLocks noGrp="1"/>
@@ -12801,38 +12339,8 @@
                 <a:latin typeface="Consolas" pitchFamily="49" charset="0"/>
                 <a:cs typeface="Consolas" pitchFamily="49" charset="0"/>
               </a:rPr>
-              <a:t>;; </a:t>
-            </a:r>
-            <a:r>
-              <a:rPr lang="en-US" sz="5500" b="1" dirty="0" smtClean="0">
-                <a:latin typeface="Consolas" pitchFamily="49" charset="0"/>
-                <a:cs typeface="Consolas" pitchFamily="49" charset="0"/>
-              </a:rPr>
-              <a:t>solve </a:t>
-            </a:r>
-            <a:r>
-              <a:rPr lang="en-US" sz="5500" b="1" dirty="0" smtClean="0">
-                <a:latin typeface="Consolas" pitchFamily="49" charset="0"/>
-                <a:cs typeface="Consolas" pitchFamily="49" charset="0"/>
-              </a:rPr>
-              <a:t>: Problem -&gt; </a:t>
-            </a:r>
-            <a:r>
-              <a:rPr lang="en-US" sz="5500" b="1" dirty="0" smtClean="0">
-                <a:latin typeface="Consolas" pitchFamily="49" charset="0"/>
-                <a:cs typeface="Consolas" pitchFamily="49" charset="0"/>
-              </a:rPr>
-              <a:t>Solution</a:t>
-            </a:r>
-            <a:endParaRPr lang="en-US" sz="5500" b="1" dirty="0" smtClean="0">
-              <a:latin typeface="Consolas" pitchFamily="49" charset="0"/>
-              <a:cs typeface="Consolas" pitchFamily="49" charset="0"/>
-            </a:endParaRPr>
-          </a:p>
-          <a:p>
-            <a:pPr>
-              <a:buNone/>
-            </a:pPr>
+              <a:t>;; solve : Problem -&gt; Solution</a:t>
+            </a:r>
             <a:r>
               <a:rPr lang="en-US" sz="5500" b="1" i="1" dirty="0" smtClean="0">
                 <a:solidFill>
@@ -12841,27 +12349,7 @@
                 <a:latin typeface="Consolas" pitchFamily="49" charset="0"/>
                 <a:cs typeface="Consolas" pitchFamily="49" charset="0"/>
               </a:rPr>
-              <a:t>TERMINATION </a:t>
-            </a:r>
-            <a:r>
-              <a:rPr lang="en-US" sz="5500" b="1" i="1" dirty="0" smtClean="0">
-                <a:solidFill>
-                  <a:schemeClr val="bg1"/>
-                </a:solidFill>
-                <a:latin typeface="Consolas" pitchFamily="49" charset="0"/>
-                <a:cs typeface="Consolas" pitchFamily="49" charset="0"/>
-              </a:rPr>
-              <a:t>ARGUMENT: explain why </a:t>
-            </a:r>
-            <a:r>
-              <a:rPr lang="en-US" sz="5500" b="1" i="1" dirty="0" smtClean="0">
-                <a:solidFill>
-                  <a:schemeClr val="bg1"/>
-                </a:solidFill>
-                <a:latin typeface="Consolas" pitchFamily="49" charset="0"/>
-                <a:cs typeface="Consolas" pitchFamily="49" charset="0"/>
-              </a:rPr>
-              <a:t>new-problem</a:t>
+              <a:t> ARGUMENT: explain why new-problem1 and new-problem2 are easier than the-problem.</a:t>
             </a:r>
           </a:p>
           <a:p>
@@ -12873,28 +12361,7 @@
                 <a:latin typeface="Consolas" pitchFamily="49" charset="0"/>
                 <a:cs typeface="Consolas" pitchFamily="49" charset="0"/>
               </a:rPr>
-              <a:t>(define </a:t>
-            </a:r>
-            <a:r>
-              <a:rPr lang="en-US" sz="5500" b="1" dirty="0" smtClean="0">
-                <a:latin typeface="Consolas" pitchFamily="49" charset="0"/>
-                <a:cs typeface="Consolas" pitchFamily="49" charset="0"/>
-              </a:rPr>
-              <a:t>(</a:t>
-            </a:r>
-            <a:r>
-              <a:rPr lang="en-US" sz="5500" b="1" dirty="0" smtClean="0">
-                <a:latin typeface="Consolas" pitchFamily="49" charset="0"/>
-                <a:cs typeface="Consolas" pitchFamily="49" charset="0"/>
-              </a:rPr>
-              <a:t>solution </a:t>
-            </a:r>
-            <a:r>
-              <a:rPr lang="en-US" sz="5500" b="1" dirty="0" smtClean="0">
-                <a:latin typeface="Consolas" pitchFamily="49" charset="0"/>
-                <a:cs typeface="Consolas" pitchFamily="49" charset="0"/>
-              </a:rPr>
-              <a:t>the-problem)</a:t>
+              <a:t>(define (solution the-problem)</a:t>
             </a:r>
           </a:p>
           <a:p>
@@ -12998,14 +12465,7 @@
                 <a:latin typeface="Consolas" pitchFamily="49" charset="0"/>
                 <a:cs typeface="Consolas" pitchFamily="49" charset="0"/>
               </a:rPr>
-              <a:t> </a:t>
-            </a:r>
-            <a:r>
-              <a:rPr lang="en-US" sz="5500" b="1" dirty="0" smtClean="0">
-                <a:latin typeface="Consolas" pitchFamily="49" charset="0"/>
-                <a:cs typeface="Consolas" pitchFamily="49" charset="0"/>
-              </a:rPr>
-              <a:t>the-problem) (</a:t>
+              <a:t> the-problem) (</a:t>
             </a:r>
             <a:r>
               <a:rPr lang="en-US" sz="5500" b="1" dirty="0">
@@ -13055,7 +12515,7 @@
                 <a:latin typeface="Consolas" pitchFamily="49" charset="0"/>
                 <a:cs typeface="Consolas" pitchFamily="49" charset="0"/>
               </a:rPr>
-              <a:t>the-problem)</a:t>
+              <a:t>the-problem)     </a:t>
             </a:r>
           </a:p>
           <a:p>
@@ -13067,52 +12527,7 @@
                 <a:latin typeface="Consolas" pitchFamily="49" charset="0"/>
                 <a:cs typeface="Consolas" pitchFamily="49" charset="0"/>
               </a:rPr>
-              <a:t>     (local</a:t>
-            </a:r>
-          </a:p>
-          <a:p>
-            <a:pPr>
-              <a:buNone/>
-            </a:pPr>
-            <a:r>
-              <a:rPr lang="en-US" sz="5500" b="1" dirty="0" smtClean="0">
-                <a:latin typeface="Consolas" pitchFamily="49" charset="0"/>
-                <a:cs typeface="Consolas" pitchFamily="49" charset="0"/>
-              </a:rPr>
-              <a:t>       ((define </a:t>
-            </a:r>
-            <a:r>
-              <a:rPr lang="en-US" sz="5500" b="1" dirty="0" smtClean="0">
-                <a:latin typeface="Consolas" pitchFamily="49" charset="0"/>
-                <a:cs typeface="Consolas" pitchFamily="49" charset="0"/>
-              </a:rPr>
-              <a:t>new-problems </a:t>
-            </a:r>
-          </a:p>
-          <a:p>
-            <a:pPr>
-              <a:buNone/>
-            </a:pPr>
-            <a:r>
-              <a:rPr lang="en-US" sz="5500" b="1" dirty="0">
-                <a:latin typeface="Consolas" pitchFamily="49" charset="0"/>
-                <a:cs typeface="Consolas" pitchFamily="49" charset="0"/>
-              </a:rPr>
-              <a:t> </a:t>
-            </a:r>
-            <a:r>
-              <a:rPr lang="en-US" sz="5500" b="1" dirty="0" smtClean="0">
-                <a:latin typeface="Consolas" pitchFamily="49" charset="0"/>
-                <a:cs typeface="Consolas" pitchFamily="49" charset="0"/>
-              </a:rPr>
-              <a:t>         </a:t>
-            </a:r>
-            <a:r>
-              <a:rPr lang="en-US" sz="5500" b="1" dirty="0" smtClean="0">
-                <a:latin typeface="Consolas" pitchFamily="49" charset="0"/>
-                <a:cs typeface="Consolas" pitchFamily="49" charset="0"/>
-              </a:rPr>
-              <a:t>(</a:t>
+              <a:t>     (</a:t>
             </a:r>
             <a:r>
               <a:rPr lang="en-US" sz="5500" b="1" dirty="0" smtClean="0">
@@ -13124,80 +12539,7 @@
                 <a:latin typeface="Consolas" pitchFamily="49" charset="0"/>
                 <a:cs typeface="Consolas" pitchFamily="49" charset="0"/>
               </a:rPr>
-              <a:t>generate-</a:t>
-            </a:r>
-            <a:r>
-              <a:rPr lang="en-US" sz="5500" b="1" dirty="0" err="1" smtClean="0">
-                <a:solidFill>
-                  <a:schemeClr val="accent6">
-                    <a:lumMod val="75000"/>
-                  </a:schemeClr>
-                </a:solidFill>
-                <a:latin typeface="Consolas" pitchFamily="49" charset="0"/>
-                <a:cs typeface="Consolas" pitchFamily="49" charset="0"/>
-              </a:rPr>
-              <a:t>subproblems</a:t>
-            </a:r>
-            <a:r>
-              <a:rPr lang="en-US" sz="5500" b="1" dirty="0" smtClean="0">
-                <a:solidFill>
-                  <a:schemeClr val="accent6">
-                    <a:lumMod val="75000"/>
-                  </a:schemeClr>
-                </a:solidFill>
-                <a:latin typeface="Consolas" pitchFamily="49" charset="0"/>
-                <a:cs typeface="Consolas" pitchFamily="49" charset="0"/>
-              </a:rPr>
-              <a:t> </a:t>
-            </a:r>
-            <a:r>
-              <a:rPr lang="en-US" sz="5500" b="1" dirty="0" smtClean="0">
-                <a:latin typeface="Consolas" pitchFamily="49" charset="0"/>
-                <a:cs typeface="Consolas" pitchFamily="49" charset="0"/>
-              </a:rPr>
-              <a:t>the-problem</a:t>
-            </a:r>
-            <a:r>
-              <a:rPr lang="en-US" sz="5500" b="1" dirty="0" smtClean="0">
-                <a:latin typeface="Consolas" pitchFamily="49" charset="0"/>
-                <a:cs typeface="Consolas" pitchFamily="49" charset="0"/>
-              </a:rPr>
-              <a:t>)))        </a:t>
-            </a:r>
-            <a:endParaRPr lang="en-US" sz="5500" b="1" dirty="0" smtClean="0">
-              <a:latin typeface="Consolas" pitchFamily="49" charset="0"/>
-              <a:cs typeface="Consolas" pitchFamily="49" charset="0"/>
-            </a:endParaRPr>
-          </a:p>
-          <a:p>
-            <a:pPr>
-              <a:buNone/>
-            </a:pPr>
-            <a:r>
-              <a:rPr lang="en-US" sz="5500" b="1" dirty="0" smtClean="0">
-                <a:latin typeface="Consolas" pitchFamily="49" charset="0"/>
-                <a:cs typeface="Consolas" pitchFamily="49" charset="0"/>
-              </a:rPr>
-              <a:t>       </a:t>
-            </a:r>
-            <a:r>
-              <a:rPr lang="en-US" sz="5500" b="1" dirty="0" smtClean="0">
-                <a:latin typeface="Consolas" pitchFamily="49" charset="0"/>
-                <a:cs typeface="Consolas" pitchFamily="49" charset="0"/>
-              </a:rPr>
-              <a:t>(</a:t>
-            </a:r>
-            <a:r>
-              <a:rPr lang="en-US" sz="5500" b="1" dirty="0" smtClean="0">
-                <a:solidFill>
-                  <a:schemeClr val="accent6">
-                    <a:lumMod val="75000"/>
-                  </a:schemeClr>
-                </a:solidFill>
-                <a:latin typeface="Consolas" pitchFamily="49" charset="0"/>
-                <a:cs typeface="Consolas" pitchFamily="49" charset="0"/>
-              </a:rPr>
-              <a:t>adapt-solutions</a:t>
+              <a:t>adapt-solution</a:t>
             </a:r>
             <a:endParaRPr lang="en-US" sz="5500" b="1" dirty="0">
               <a:solidFill>
@@ -13218,7 +12560,45 @@
                 <a:latin typeface="Consolas" pitchFamily="49" charset="0"/>
                 <a:cs typeface="Consolas" pitchFamily="49" charset="0"/>
               </a:rPr>
-              <a:t>        (map solve new-problems))]))</a:t>
+              <a:t>       (solve </a:t>
+            </a:r>
+          </a:p>
+          <a:p>
+            <a:pPr>
+              <a:buNone/>
+            </a:pPr>
+            <a:r>
+              <a:rPr lang="en-US" sz="5500" b="1" dirty="0" smtClean="0">
+                <a:latin typeface="Consolas" pitchFamily="49" charset="0"/>
+                <a:cs typeface="Consolas" pitchFamily="49" charset="0"/>
+              </a:rPr>
+              <a:t>         (</a:t>
+            </a:r>
+            <a:r>
+              <a:rPr lang="en-US" sz="5500" b="1" dirty="0">
+                <a:solidFill>
+                  <a:schemeClr val="accent6">
+                    <a:lumMod val="75000"/>
+                  </a:schemeClr>
+                </a:solidFill>
+                <a:latin typeface="Consolas" pitchFamily="49" charset="0"/>
+                <a:cs typeface="Consolas" pitchFamily="49" charset="0"/>
+              </a:rPr>
+              <a:t>simpler-instance </a:t>
+            </a:r>
+            <a:r>
+              <a:rPr lang="en-US" sz="5500" b="1" dirty="0">
+                <a:latin typeface="Consolas" pitchFamily="49" charset="0"/>
+                <a:cs typeface="Consolas" pitchFamily="49" charset="0"/>
+              </a:rPr>
+              <a:t>the-problem</a:t>
+            </a:r>
+            <a:r>
+              <a:rPr lang="en-US" sz="5500" b="1" dirty="0" smtClean="0">
+                <a:latin typeface="Consolas" pitchFamily="49" charset="0"/>
+                <a:cs typeface="Consolas" pitchFamily="49" charset="0"/>
+              </a:rPr>
+              <a:t>)))]))</a:t>
             </a:r>
           </a:p>
           <a:p>
@@ -13239,63 +12619,20 @@
                 <a:latin typeface="Consolas" pitchFamily="49" charset="0"/>
                 <a:cs typeface="Consolas" pitchFamily="49" charset="0"/>
               </a:rPr>
-              <a:t>generate-</a:t>
-            </a:r>
-            <a:r>
-              <a:rPr lang="en-US" sz="5500" b="1" dirty="0" err="1" smtClean="0">
-                <a:latin typeface="Consolas" pitchFamily="49" charset="0"/>
-                <a:cs typeface="Consolas" pitchFamily="49" charset="0"/>
-              </a:rPr>
-              <a:t>subproblem</a:t>
-            </a:r>
+              <a:t>simpler-instance : Problem -&gt; Problem</a:t>
+            </a:r>
+          </a:p>
+          <a:p>
+            <a:pPr>
+              <a:buNone/>
+            </a:pPr>
             <a:r>
               <a:rPr lang="en-US" sz="5500" b="1" dirty="0" smtClean="0">
                 <a:latin typeface="Consolas" pitchFamily="49" charset="0"/>
                 <a:cs typeface="Consolas" pitchFamily="49" charset="0"/>
               </a:rPr>
-              <a:t> : Problem -&gt; </a:t>
-            </a:r>
-            <a:r>
-              <a:rPr lang="en-US" sz="5500" b="1" dirty="0" err="1" smtClean="0">
-                <a:latin typeface="Consolas" pitchFamily="49" charset="0"/>
-                <a:cs typeface="Consolas" pitchFamily="49" charset="0"/>
-              </a:rPr>
-              <a:t>ListOfProblem</a:t>
-            </a:r>
-            <a:endParaRPr lang="en-US" sz="5500" b="1" dirty="0" smtClean="0">
-              <a:latin typeface="Consolas" pitchFamily="49" charset="0"/>
-              <a:cs typeface="Consolas" pitchFamily="49" charset="0"/>
-            </a:endParaRPr>
-          </a:p>
-          <a:p>
-            <a:pPr>
-              <a:buNone/>
-            </a:pPr>
-            <a:r>
-              <a:rPr lang="en-US" sz="5500" b="1" dirty="0" smtClean="0">
-                <a:latin typeface="Consolas" pitchFamily="49" charset="0"/>
-                <a:cs typeface="Consolas" pitchFamily="49" charset="0"/>
-              </a:rPr>
-              <a:t>adapt-solutions : </a:t>
-            </a:r>
-            <a:r>
-              <a:rPr lang="en-US" sz="5500" b="1" dirty="0" err="1" smtClean="0">
-                <a:latin typeface="Consolas" pitchFamily="49" charset="0"/>
-                <a:cs typeface="Consolas" pitchFamily="49" charset="0"/>
-              </a:rPr>
-              <a:t>ListOfSolution</a:t>
-            </a:r>
-            <a:r>
-              <a:rPr lang="en-US" sz="5500" b="1" dirty="0" smtClean="0">
-                <a:latin typeface="Consolas" pitchFamily="49" charset="0"/>
-                <a:cs typeface="Consolas" pitchFamily="49" charset="0"/>
-              </a:rPr>
-              <a:t> -&gt; Solution</a:t>
-            </a:r>
-            <a:endParaRPr lang="en-US" sz="5500" b="1" dirty="0" smtClean="0">
-              <a:latin typeface="Consolas" pitchFamily="49" charset="0"/>
-              <a:cs typeface="Consolas" pitchFamily="49" charset="0"/>
-            </a:endParaRPr>
+              <a:t>adapt-solution : Solution -&gt; Solution</a:t>
+            </a:r>
           </a:p>
           <a:p>
             <a:pPr>
@@ -13304,6 +12641,31 @@
             <a:endParaRPr lang="en-US" sz="2400" b="1" dirty="0" smtClean="0">
               <a:cs typeface="Courier New" pitchFamily="49" charset="0"/>
             </a:endParaRPr>
+          </a:p>
+        </p:txBody>
+      </p:sp>
+      <p:sp>
+        <p:nvSpPr>
+          <p:cNvPr id="2" name="Title 1"/>
+          <p:cNvSpPr>
+            <a:spLocks noGrp="1"/>
+          </p:cNvSpPr>
+          <p:nvPr>
+            <p:ph type="title"/>
+          </p:nvPr>
+        </p:nvSpPr>
+        <p:spPr/>
+        <p:txBody>
+          <a:bodyPr>
+            <a:normAutofit fontScale="90000"/>
+          </a:bodyPr>
+          <a:lstStyle/>
+          <a:p>
+            <a:r>
+              <a:rPr lang="en-US" dirty="0" smtClean="0"/>
+              <a:t>..or you could do it without the local defines</a:t>
+            </a:r>
+            <a:endParaRPr lang="en-US" dirty="0"/>
           </a:p>
         </p:txBody>
       </p:sp>
@@ -13333,14 +12695,14 @@
       </p:sp>
       <p:sp>
         <p:nvSpPr>
-          <p:cNvPr id="7" name="Rectangle 6"/>
+          <p:cNvPr id="5" name="Rectangle 4"/>
           <p:cNvSpPr/>
           <p:nvPr/>
         </p:nvSpPr>
         <p:spPr>
           <a:xfrm>
-            <a:off x="6449377" y="3675856"/>
-            <a:ext cx="2341245" cy="2690019"/>
+            <a:off x="5791200" y="4495800"/>
+            <a:ext cx="2590800" cy="1554163"/>
           </a:xfrm>
           <a:prstGeom prst="rect">
             <a:avLst/>
@@ -13376,26 +12738,59 @@
           </a:bodyPr>
           <a:lstStyle/>
           <a:p>
-            <a:r>
-              <a:rPr lang="en-US" dirty="0" smtClean="0"/>
-              <a:t>Here's a version with where the difficult case requires solving a whole list of </a:t>
-            </a:r>
-            <a:r>
-              <a:rPr lang="en-US" dirty="0" err="1" smtClean="0"/>
-              <a:t>subproblems</a:t>
-            </a:r>
-            <a:r>
-              <a:rPr lang="en-US" dirty="0" smtClean="0"/>
-              <a:t>.  A tree where a node has a list of sons may lead to use of this template.</a:t>
-            </a:r>
-            <a:endParaRPr lang="en-US" dirty="0"/>
+            <a:pPr algn="ctr"/>
+            <a:r>
+              <a:rPr lang="en-US" dirty="0" smtClean="0">
+                <a:solidFill>
+                  <a:schemeClr val="tx1"/>
+                </a:solidFill>
+              </a:rPr>
+              <a:t>Here's the single-</a:t>
+            </a:r>
+            <a:r>
+              <a:rPr lang="en-US" dirty="0" err="1" smtClean="0">
+                <a:solidFill>
+                  <a:schemeClr val="tx1"/>
+                </a:solidFill>
+              </a:rPr>
+              <a:t>subproblem</a:t>
+            </a:r>
+            <a:r>
+              <a:rPr lang="en-US" dirty="0" smtClean="0">
+                <a:solidFill>
+                  <a:schemeClr val="tx1"/>
+                </a:solidFill>
+              </a:rPr>
+              <a:t> template we saw a couple of slides ago, but done without the local </a:t>
+            </a:r>
+            <a:r>
+              <a:rPr lang="en-US" b="1" dirty="0" smtClean="0">
+                <a:solidFill>
+                  <a:schemeClr val="tx1"/>
+                </a:solidFill>
+              </a:rPr>
+              <a:t>define</a:t>
+            </a:r>
+            <a:r>
+              <a:rPr lang="en-US" dirty="0" smtClean="0">
+                <a:solidFill>
+                  <a:schemeClr val="tx1"/>
+                </a:solidFill>
+              </a:rPr>
+              <a:t>s</a:t>
+            </a:r>
+            <a:endParaRPr lang="en-US" dirty="0">
+              <a:solidFill>
+                <a:schemeClr val="tx1"/>
+              </a:solidFill>
+            </a:endParaRPr>
           </a:p>
         </p:txBody>
       </p:sp>
     </p:spTree>
     <p:extLst>
       <p:ext uri="{BB962C8B-B14F-4D97-AF65-F5344CB8AC3E}">
-        <p14:creationId xmlns:p14="http://schemas.microsoft.com/office/powerpoint/2010/main" val="1757527560"/>
+        <p14:creationId xmlns:p14="http://schemas.microsoft.com/office/powerpoint/2010/main" val="2712561195"/>
       </p:ext>
     </p:extLst>
   </p:cSld>
@@ -13431,6 +12826,31 @@
       </p:grpSpPr>
       <p:sp>
         <p:nvSpPr>
+          <p:cNvPr id="2" name="Title 1"/>
+          <p:cNvSpPr>
+            <a:spLocks noGrp="1"/>
+          </p:cNvSpPr>
+          <p:nvPr>
+            <p:ph type="title"/>
+          </p:nvPr>
+        </p:nvSpPr>
+        <p:spPr/>
+        <p:txBody>
+          <a:bodyPr>
+            <a:normAutofit fontScale="90000"/>
+          </a:bodyPr>
+          <a:lstStyle/>
+          <a:p>
+            <a:r>
+              <a:rPr lang="en-US" dirty="0" smtClean="0"/>
+              <a:t>Yet Another General-Recursion Template</a:t>
+            </a:r>
+            <a:endParaRPr lang="en-US" dirty="0"/>
+          </a:p>
+        </p:txBody>
+      </p:sp>
+      <p:sp>
+        <p:nvSpPr>
           <p:cNvPr id="3" name="Content Placeholder 2"/>
           <p:cNvSpPr>
             <a:spLocks noGrp="1"/>
@@ -13454,29 +12874,13 @@
                 <a:latin typeface="Consolas" pitchFamily="49" charset="0"/>
                 <a:cs typeface="Consolas" pitchFamily="49" charset="0"/>
               </a:rPr>
-              <a:t>;; </a:t>
-            </a:r>
-            <a:r>
-              <a:rPr lang="en-US" sz="5500" b="1" dirty="0" smtClean="0">
-                <a:latin typeface="Consolas" pitchFamily="49" charset="0"/>
-                <a:cs typeface="Consolas" pitchFamily="49" charset="0"/>
-              </a:rPr>
-              <a:t>solve </a:t>
-            </a:r>
-            <a:r>
-              <a:rPr lang="en-US" sz="5500" b="1" dirty="0" smtClean="0">
-                <a:latin typeface="Consolas" pitchFamily="49" charset="0"/>
-                <a:cs typeface="Consolas" pitchFamily="49" charset="0"/>
-              </a:rPr>
-              <a:t>: Problem -&gt; </a:t>
-            </a:r>
-            <a:r>
-              <a:rPr lang="en-US" sz="5500" b="1" dirty="0" smtClean="0">
-                <a:latin typeface="Consolas" pitchFamily="49" charset="0"/>
-                <a:cs typeface="Consolas" pitchFamily="49" charset="0"/>
-              </a:rPr>
-              <a:t>Solution</a:t>
-            </a:r>
+              <a:t>;; solve : Problem -&gt; Solution</a:t>
+            </a:r>
+          </a:p>
+          <a:p>
+            <a:pPr>
+              <a:buNone/>
+            </a:pPr>
             <a:r>
               <a:rPr lang="en-US" sz="5500" b="1" i="1" dirty="0" smtClean="0">
                 <a:solidFill>
@@ -13485,17 +12889,7 @@
                 <a:latin typeface="Consolas" pitchFamily="49" charset="0"/>
                 <a:cs typeface="Consolas" pitchFamily="49" charset="0"/>
               </a:rPr>
-              <a:t> </a:t>
-            </a:r>
-            <a:r>
-              <a:rPr lang="en-US" sz="5500" b="1" i="1" dirty="0" smtClean="0">
-                <a:solidFill>
-                  <a:schemeClr val="bg1"/>
-                </a:solidFill>
-                <a:latin typeface="Consolas" pitchFamily="49" charset="0"/>
-                <a:cs typeface="Consolas" pitchFamily="49" charset="0"/>
-              </a:rPr>
-              <a:t>ARGUMENT: explain why new-problem1 and new-problem2 are easier than the-problem.</a:t>
+              <a:t>TERMINATION ARGUMENT: explain why new-problem</a:t>
             </a:r>
           </a:p>
           <a:p>
@@ -13507,21 +12901,7 @@
                 <a:latin typeface="Consolas" pitchFamily="49" charset="0"/>
                 <a:cs typeface="Consolas" pitchFamily="49" charset="0"/>
               </a:rPr>
-              <a:t>(define (</a:t>
-            </a:r>
-            <a:r>
-              <a:rPr lang="en-US" sz="5500" b="1" dirty="0" smtClean="0">
-                <a:latin typeface="Consolas" pitchFamily="49" charset="0"/>
-                <a:cs typeface="Consolas" pitchFamily="49" charset="0"/>
-              </a:rPr>
-              <a:t>solution </a:t>
-            </a:r>
-            <a:r>
-              <a:rPr lang="en-US" sz="5500" b="1" dirty="0" smtClean="0">
-                <a:latin typeface="Consolas" pitchFamily="49" charset="0"/>
-                <a:cs typeface="Consolas" pitchFamily="49" charset="0"/>
-              </a:rPr>
-              <a:t>the-problem)</a:t>
+              <a:t>(define (solution the-problem)</a:t>
             </a:r>
           </a:p>
           <a:p>
@@ -13625,14 +13005,7 @@
                 <a:latin typeface="Consolas" pitchFamily="49" charset="0"/>
                 <a:cs typeface="Consolas" pitchFamily="49" charset="0"/>
               </a:rPr>
-              <a:t> </a:t>
-            </a:r>
-            <a:r>
-              <a:rPr lang="en-US" sz="5500" b="1" dirty="0" smtClean="0">
-                <a:latin typeface="Consolas" pitchFamily="49" charset="0"/>
-                <a:cs typeface="Consolas" pitchFamily="49" charset="0"/>
-              </a:rPr>
-              <a:t>the-problem) (</a:t>
+              <a:t> the-problem) (</a:t>
             </a:r>
             <a:r>
               <a:rPr lang="en-US" sz="5500" b="1" dirty="0">
@@ -13682,37 +13055,19 @@
                 <a:latin typeface="Consolas" pitchFamily="49" charset="0"/>
                 <a:cs typeface="Consolas" pitchFamily="49" charset="0"/>
               </a:rPr>
-              <a:t>the-problem</a:t>
-            </a:r>
+              <a:t>the-problem)              </a:t>
+            </a:r>
+          </a:p>
+          <a:p>
+            <a:pPr>
+              <a:buNone/>
+            </a:pPr>
             <a:r>
               <a:rPr lang="en-US" sz="5500" b="1" dirty="0" smtClean="0">
                 <a:latin typeface="Consolas" pitchFamily="49" charset="0"/>
                 <a:cs typeface="Consolas" pitchFamily="49" charset="0"/>
               </a:rPr>
-              <a:t>)     </a:t>
-            </a:r>
-            <a:endParaRPr lang="en-US" sz="5500" b="1" dirty="0" smtClean="0">
-              <a:latin typeface="Consolas" pitchFamily="49" charset="0"/>
-              <a:cs typeface="Consolas" pitchFamily="49" charset="0"/>
-            </a:endParaRPr>
-          </a:p>
-          <a:p>
-            <a:pPr>
-              <a:buNone/>
-            </a:pPr>
-            <a:r>
-              <a:rPr lang="en-US" sz="5500" b="1" dirty="0" smtClean="0">
-                <a:latin typeface="Consolas" pitchFamily="49" charset="0"/>
-                <a:cs typeface="Consolas" pitchFamily="49" charset="0"/>
-              </a:rPr>
-              <a:t>     </a:t>
-            </a:r>
-            <a:r>
-              <a:rPr lang="en-US" sz="5500" b="1" dirty="0" smtClean="0">
-                <a:latin typeface="Consolas" pitchFamily="49" charset="0"/>
-                <a:cs typeface="Consolas" pitchFamily="49" charset="0"/>
-              </a:rPr>
-              <a:t>(</a:t>
+              <a:t>     (</a:t>
             </a:r>
             <a:r>
               <a:rPr lang="en-US" sz="5500" b="1" dirty="0" smtClean="0">
@@ -13724,7 +13079,7 @@
                 <a:latin typeface="Consolas" pitchFamily="49" charset="0"/>
                 <a:cs typeface="Consolas" pitchFamily="49" charset="0"/>
               </a:rPr>
-              <a:t>adapt-solution</a:t>
+              <a:t>adapt-solutions</a:t>
             </a:r>
             <a:endParaRPr lang="en-US" sz="5500" b="1" dirty="0">
               <a:solidFill>
@@ -13745,7 +13100,7 @@
                 <a:latin typeface="Consolas" pitchFamily="49" charset="0"/>
                 <a:cs typeface="Consolas" pitchFamily="49" charset="0"/>
               </a:rPr>
-              <a:t>       (solve </a:t>
+              <a:t>       (map solve </a:t>
             </a:r>
           </a:p>
           <a:p>
@@ -13769,10 +13124,34 @@
                 <a:latin typeface="Consolas" pitchFamily="49" charset="0"/>
                 <a:cs typeface="Consolas" pitchFamily="49" charset="0"/>
               </a:rPr>
-              <a:t>simpler-instance </a:t>
+              <a:t>generate-</a:t>
+            </a:r>
+            <a:r>
+              <a:rPr lang="en-US" sz="5500" b="1" dirty="0" err="1">
+                <a:solidFill>
+                  <a:schemeClr val="accent6">
+                    <a:lumMod val="75000"/>
+                  </a:schemeClr>
+                </a:solidFill>
+                <a:latin typeface="Consolas" pitchFamily="49" charset="0"/>
+                <a:cs typeface="Consolas" pitchFamily="49" charset="0"/>
+              </a:rPr>
+              <a:t>subproblems</a:t>
             </a:r>
             <a:r>
               <a:rPr lang="en-US" sz="5500" b="1" dirty="0">
+                <a:solidFill>
+                  <a:schemeClr val="accent6">
+                    <a:lumMod val="75000"/>
+                  </a:schemeClr>
+                </a:solidFill>
+                <a:latin typeface="Consolas" pitchFamily="49" charset="0"/>
+                <a:cs typeface="Consolas" pitchFamily="49" charset="0"/>
+              </a:rPr>
+              <a:t> </a:t>
+            </a:r>
+            <a:r>
+              <a:rPr lang="en-US" sz="5500" b="1" dirty="0">
                 <a:latin typeface="Consolas" pitchFamily="49" charset="0"/>
                 <a:cs typeface="Consolas" pitchFamily="49" charset="0"/>
               </a:rPr>
@@ -13784,6 +13163,52 @@
                 <a:cs typeface="Consolas" pitchFamily="49" charset="0"/>
               </a:rPr>
               <a:t>)))]))</a:t>
+            </a:r>
+            <a:endParaRPr lang="en-US" sz="5500" b="1" dirty="0">
+              <a:latin typeface="Consolas" pitchFamily="49" charset="0"/>
+              <a:cs typeface="Consolas" pitchFamily="49" charset="0"/>
+            </a:endParaRPr>
+          </a:p>
+          <a:p>
+            <a:pPr>
+              <a:buNone/>
+            </a:pPr>
+            <a:endParaRPr lang="en-US" sz="5500" b="1" dirty="0">
+              <a:latin typeface="Consolas" pitchFamily="49" charset="0"/>
+              <a:cs typeface="Consolas" pitchFamily="49" charset="0"/>
+            </a:endParaRPr>
+          </a:p>
+          <a:p>
+            <a:pPr>
+              <a:buNone/>
+            </a:pPr>
+            <a:r>
+              <a:rPr lang="en-US" sz="5500" b="1" dirty="0" smtClean="0">
+                <a:latin typeface="Consolas" pitchFamily="49" charset="0"/>
+                <a:cs typeface="Consolas" pitchFamily="49" charset="0"/>
+              </a:rPr>
+              <a:t>generate-</a:t>
+            </a:r>
+            <a:r>
+              <a:rPr lang="en-US" sz="5500" b="1" dirty="0" err="1" smtClean="0">
+                <a:latin typeface="Consolas" pitchFamily="49" charset="0"/>
+                <a:cs typeface="Consolas" pitchFamily="49" charset="0"/>
+              </a:rPr>
+              <a:t>subproblem</a:t>
+            </a:r>
+            <a:r>
+              <a:rPr lang="en-US" sz="5500" b="1" dirty="0" smtClean="0">
+                <a:latin typeface="Consolas" pitchFamily="49" charset="0"/>
+                <a:cs typeface="Consolas" pitchFamily="49" charset="0"/>
+              </a:rPr>
+              <a:t> : Problem -&gt; </a:t>
+            </a:r>
+            <a:r>
+              <a:rPr lang="en-US" sz="5500" b="1" dirty="0" err="1" smtClean="0">
+                <a:latin typeface="Consolas" pitchFamily="49" charset="0"/>
+                <a:cs typeface="Consolas" pitchFamily="49" charset="0"/>
+              </a:rPr>
+              <a:t>ListOfProblem</a:t>
             </a:r>
             <a:endParaRPr lang="en-US" sz="5500" b="1" dirty="0" smtClean="0">
               <a:latin typeface="Consolas" pitchFamily="49" charset="0"/>
@@ -13794,38 +13219,27 @@
             <a:pPr>
               <a:buNone/>
             </a:pPr>
-            <a:endParaRPr lang="en-US" sz="5500" b="1" dirty="0">
-              <a:latin typeface="Consolas" pitchFamily="49" charset="0"/>
-              <a:cs typeface="Consolas" pitchFamily="49" charset="0"/>
-            </a:endParaRPr>
-          </a:p>
-          <a:p>
-            <a:pPr>
-              <a:buNone/>
-            </a:pPr>
             <a:r>
               <a:rPr lang="en-US" sz="5500" b="1" dirty="0" smtClean="0">
                 <a:latin typeface="Consolas" pitchFamily="49" charset="0"/>
                 <a:cs typeface="Consolas" pitchFamily="49" charset="0"/>
               </a:rPr>
-              <a:t>simpler-instance : Problem -&gt; Problem</a:t>
-            </a:r>
-          </a:p>
-          <a:p>
-            <a:pPr>
-              <a:buNone/>
-            </a:pPr>
+              <a:t>adapt-solutions : </a:t>
+            </a:r>
+            <a:r>
+              <a:rPr lang="en-US" sz="5500" b="1" dirty="0" err="1" smtClean="0">
+                <a:latin typeface="Consolas" pitchFamily="49" charset="0"/>
+                <a:cs typeface="Consolas" pitchFamily="49" charset="0"/>
+              </a:rPr>
+              <a:t>ListOfSolution</a:t>
+            </a:r>
             <a:r>
               <a:rPr lang="en-US" sz="5500" b="1" dirty="0" smtClean="0">
                 <a:latin typeface="Consolas" pitchFamily="49" charset="0"/>
                 <a:cs typeface="Consolas" pitchFamily="49" charset="0"/>
               </a:rPr>
-              <a:t>adapt-solution : Solution -&gt; Solution</a:t>
-            </a:r>
-            <a:endParaRPr lang="en-US" sz="5500" b="1" dirty="0" smtClean="0">
-              <a:latin typeface="Consolas" pitchFamily="49" charset="0"/>
-              <a:cs typeface="Consolas" pitchFamily="49" charset="0"/>
-            </a:endParaRPr>
+              <a:t> -&gt; Solution</a:t>
+            </a:r>
           </a:p>
           <a:p>
             <a:pPr>
@@ -13834,31 +13248,6 @@
             <a:endParaRPr lang="en-US" sz="2400" b="1" dirty="0" smtClean="0">
               <a:cs typeface="Courier New" pitchFamily="49" charset="0"/>
             </a:endParaRPr>
-          </a:p>
-        </p:txBody>
-      </p:sp>
-      <p:sp>
-        <p:nvSpPr>
-          <p:cNvPr id="2" name="Title 1"/>
-          <p:cNvSpPr>
-            <a:spLocks noGrp="1"/>
-          </p:cNvSpPr>
-          <p:nvPr>
-            <p:ph type="title"/>
-          </p:nvPr>
-        </p:nvSpPr>
-        <p:spPr/>
-        <p:txBody>
-          <a:bodyPr>
-            <a:normAutofit fontScale="90000"/>
-          </a:bodyPr>
-          <a:lstStyle/>
-          <a:p>
-            <a:r>
-              <a:rPr lang="en-US" dirty="0" smtClean="0"/>
-              <a:t>..or you could do it without the local defines</a:t>
-            </a:r>
-            <a:endParaRPr lang="en-US" dirty="0"/>
           </a:p>
         </p:txBody>
       </p:sp>
@@ -13888,14 +13277,14 @@
       </p:sp>
       <p:sp>
         <p:nvSpPr>
-          <p:cNvPr id="5" name="Rectangle 4"/>
+          <p:cNvPr id="7" name="Rectangle 6"/>
           <p:cNvSpPr/>
           <p:nvPr/>
         </p:nvSpPr>
         <p:spPr>
           <a:xfrm>
-            <a:off x="5791200" y="4495800"/>
-            <a:ext cx="2590800" cy="1554163"/>
+            <a:off x="3276600" y="5257799"/>
+            <a:ext cx="4980622" cy="1050926"/>
           </a:xfrm>
           <a:prstGeom prst="rect">
             <a:avLst/>
@@ -13931,59 +13320,34 @@
           </a:bodyPr>
           <a:lstStyle/>
           <a:p>
-            <a:pPr algn="ctr"/>
-            <a:r>
-              <a:rPr lang="en-US" dirty="0" smtClean="0">
-                <a:solidFill>
-                  <a:schemeClr val="tx1"/>
-                </a:solidFill>
-              </a:rPr>
-              <a:t>Here's the single-</a:t>
-            </a:r>
-            <a:r>
-              <a:rPr lang="en-US" dirty="0" err="1" smtClean="0">
-                <a:solidFill>
-                  <a:schemeClr val="tx1"/>
-                </a:solidFill>
-              </a:rPr>
-              <a:t>subproblem</a:t>
-            </a:r>
-            <a:r>
-              <a:rPr lang="en-US" dirty="0" smtClean="0">
-                <a:solidFill>
-                  <a:schemeClr val="tx1"/>
-                </a:solidFill>
-              </a:rPr>
-              <a:t> template we saw a couple of slides ago, but done without the local </a:t>
-            </a:r>
-            <a:r>
-              <a:rPr lang="en-US" b="1" dirty="0" smtClean="0">
-                <a:solidFill>
-                  <a:schemeClr val="tx1"/>
-                </a:solidFill>
-              </a:rPr>
+            <a:r>
+              <a:rPr lang="en-US" dirty="0" smtClean="0"/>
+              <a:t>Here's the list-of-</a:t>
+            </a:r>
+            <a:r>
+              <a:rPr lang="en-US" dirty="0" err="1" smtClean="0"/>
+              <a:t>subproblems</a:t>
+            </a:r>
+            <a:r>
+              <a:rPr lang="en-US" dirty="0" smtClean="0"/>
+              <a:t> template done without using local </a:t>
+            </a:r>
+            <a:r>
+              <a:rPr lang="en-US" b="1" dirty="0" smtClean="0"/>
               <a:t>define</a:t>
             </a:r>
             <a:r>
-              <a:rPr lang="en-US" dirty="0" smtClean="0">
-                <a:solidFill>
-                  <a:schemeClr val="tx1"/>
-                </a:solidFill>
-              </a:rPr>
-              <a:t>s</a:t>
-            </a:r>
-            <a:endParaRPr lang="en-US" dirty="0">
-              <a:solidFill>
-                <a:schemeClr val="tx1"/>
-              </a:solidFill>
-            </a:endParaRPr>
+              <a:rPr lang="en-US" dirty="0" smtClean="0"/>
+              <a:t>.  There are lots of variations.  Whatever is clearest is best.</a:t>
+            </a:r>
+            <a:endParaRPr lang="en-US" dirty="0"/>
           </a:p>
         </p:txBody>
       </p:sp>
     </p:spTree>
     <p:extLst>
       <p:ext uri="{BB962C8B-B14F-4D97-AF65-F5344CB8AC3E}">
-        <p14:creationId xmlns:p14="http://schemas.microsoft.com/office/powerpoint/2010/main" val="2712561195"/>
+        <p14:creationId xmlns:p14="http://schemas.microsoft.com/office/powerpoint/2010/main" val="340690432"/>
       </p:ext>
     </p:extLst>
   </p:cSld>
@@ -14019,7 +13383,7 @@
       </p:grpSpPr>
       <p:sp>
         <p:nvSpPr>
-          <p:cNvPr id="2" name="Title 1"/>
+          <p:cNvPr id="5" name="Title 4"/>
           <p:cNvSpPr>
             <a:spLocks noGrp="1"/>
           </p:cNvSpPr>
@@ -14036,7 +13400,7 @@
           <a:p>
             <a:r>
               <a:rPr lang="en-US" dirty="0" smtClean="0"/>
-              <a:t>Yet Another General-Recursion Template</a:t>
+              <a:t>What should we write for the strategy?</a:t>
             </a:r>
             <a:endParaRPr lang="en-US" dirty="0"/>
           </a:p>
@@ -14044,7 +13408,7 @@
       </p:sp>
       <p:sp>
         <p:nvSpPr>
-          <p:cNvPr id="3" name="Content Placeholder 2"/>
+          <p:cNvPr id="2" name="Content Placeholder 1"/>
           <p:cNvSpPr>
             <a:spLocks noGrp="1"/>
           </p:cNvSpPr>
@@ -14054,496 +13418,71 @@
         </p:nvSpPr>
         <p:spPr/>
         <p:txBody>
-          <a:bodyPr>
-            <a:normAutofit fontScale="32500" lnSpcReduction="20000"/>
-          </a:bodyPr>
-          <a:lstStyle/>
-          <a:p>
-            <a:pPr>
-              <a:buNone/>
-            </a:pPr>
-            <a:r>
-              <a:rPr lang="en-US" sz="5500" b="1" dirty="0" smtClean="0">
-                <a:latin typeface="Consolas" pitchFamily="49" charset="0"/>
-                <a:cs typeface="Consolas" pitchFamily="49" charset="0"/>
-              </a:rPr>
-              <a:t>;; </a:t>
-            </a:r>
-            <a:r>
-              <a:rPr lang="en-US" sz="5500" b="1" dirty="0" smtClean="0">
-                <a:latin typeface="Consolas" pitchFamily="49" charset="0"/>
-                <a:cs typeface="Consolas" pitchFamily="49" charset="0"/>
-              </a:rPr>
-              <a:t>solve </a:t>
-            </a:r>
-            <a:r>
-              <a:rPr lang="en-US" sz="5500" b="1" dirty="0" smtClean="0">
-                <a:latin typeface="Consolas" pitchFamily="49" charset="0"/>
-                <a:cs typeface="Consolas" pitchFamily="49" charset="0"/>
-              </a:rPr>
-              <a:t>: Problem -&gt; </a:t>
-            </a:r>
-            <a:r>
-              <a:rPr lang="en-US" sz="5500" b="1" dirty="0" smtClean="0">
-                <a:latin typeface="Consolas" pitchFamily="49" charset="0"/>
-                <a:cs typeface="Consolas" pitchFamily="49" charset="0"/>
-              </a:rPr>
-              <a:t>Solution</a:t>
-            </a:r>
-            <a:endParaRPr lang="en-US" sz="5500" b="1" dirty="0" smtClean="0">
-              <a:latin typeface="Consolas" pitchFamily="49" charset="0"/>
-              <a:cs typeface="Consolas" pitchFamily="49" charset="0"/>
+          <a:bodyPr/>
+          <a:lstStyle/>
+          <a:p>
+            <a:r>
+              <a:rPr lang="en-US" dirty="0" smtClean="0"/>
+              <a:t>Write something like:</a:t>
+            </a:r>
+          </a:p>
+          <a:p>
+            <a:pPr marL="0" indent="0">
+              <a:buNone/>
+            </a:pPr>
+            <a:r>
+              <a:rPr lang="en-US" sz="2800" b="1" dirty="0" smtClean="0">
+                <a:latin typeface="Consolas" panose="020B0609020204030204" pitchFamily="49" charset="0"/>
+                <a:cs typeface="Consolas" panose="020B0609020204030204" pitchFamily="49" charset="0"/>
+              </a:rPr>
+              <a:t>STRATEGY: Recur on &lt;describe </a:t>
+            </a:r>
+            <a:r>
+              <a:rPr lang="en-US" sz="2800" b="1" dirty="0" err="1" smtClean="0">
+                <a:latin typeface="Consolas" panose="020B0609020204030204" pitchFamily="49" charset="0"/>
+                <a:cs typeface="Consolas" panose="020B0609020204030204" pitchFamily="49" charset="0"/>
+              </a:rPr>
+              <a:t>subproblems</a:t>
+            </a:r>
+            <a:r>
+              <a:rPr lang="en-US" sz="2800" b="1" dirty="0" smtClean="0">
+                <a:latin typeface="Consolas" panose="020B0609020204030204" pitchFamily="49" charset="0"/>
+                <a:cs typeface="Consolas" panose="020B0609020204030204" pitchFamily="49" charset="0"/>
+              </a:rPr>
+              <a:t>&gt;</a:t>
+            </a:r>
+          </a:p>
+          <a:p>
+            <a:r>
+              <a:rPr lang="en-US" sz="2800" dirty="0" smtClean="0">
+                <a:cs typeface="Consolas" panose="020B0609020204030204" pitchFamily="49" charset="0"/>
+              </a:rPr>
+              <a:t>You could also write something about how you combine the answers to the </a:t>
+            </a:r>
+            <a:r>
+              <a:rPr lang="en-US" sz="2800" dirty="0" err="1" smtClean="0">
+                <a:cs typeface="Consolas" panose="020B0609020204030204" pitchFamily="49" charset="0"/>
+              </a:rPr>
+              <a:t>subproblems</a:t>
+            </a:r>
+            <a:r>
+              <a:rPr lang="en-US" sz="2800" dirty="0" smtClean="0">
+                <a:cs typeface="Consolas" panose="020B0609020204030204" pitchFamily="49" charset="0"/>
+              </a:rPr>
+              <a:t>, if it’s not obvious, or when you halt, but both of these are optional.</a:t>
+            </a:r>
+          </a:p>
+          <a:p>
+            <a:r>
+              <a:rPr lang="en-US" sz="2800" dirty="0" smtClean="0">
+                <a:cs typeface="Consolas" panose="020B0609020204030204" pitchFamily="49" charset="0"/>
+              </a:rPr>
+              <a:t>Look at the examples to see examples.</a:t>
+            </a:r>
+            <a:endParaRPr lang="en-US" sz="2800" dirty="0">
+              <a:cs typeface="Consolas" panose="020B0609020204030204" pitchFamily="49" charset="0"/>
             </a:endParaRPr>
           </a:p>
-          <a:p>
-            <a:pPr>
-              <a:buNone/>
-            </a:pPr>
-            <a:r>
-              <a:rPr lang="en-US" sz="5500" b="1" i="1" dirty="0" smtClean="0">
-                <a:solidFill>
-                  <a:schemeClr val="bg1"/>
-                </a:solidFill>
-                <a:latin typeface="Consolas" pitchFamily="49" charset="0"/>
-                <a:cs typeface="Consolas" pitchFamily="49" charset="0"/>
-              </a:rPr>
-              <a:t>TERMINATION </a:t>
-            </a:r>
-            <a:r>
-              <a:rPr lang="en-US" sz="5500" b="1" i="1" dirty="0" smtClean="0">
-                <a:solidFill>
-                  <a:schemeClr val="bg1"/>
-                </a:solidFill>
-                <a:latin typeface="Consolas" pitchFamily="49" charset="0"/>
-                <a:cs typeface="Consolas" pitchFamily="49" charset="0"/>
-              </a:rPr>
-              <a:t>ARGUMENT: explain why </a:t>
-            </a:r>
-            <a:r>
-              <a:rPr lang="en-US" sz="5500" b="1" i="1" dirty="0" smtClean="0">
-                <a:solidFill>
-                  <a:schemeClr val="bg1"/>
-                </a:solidFill>
-                <a:latin typeface="Consolas" pitchFamily="49" charset="0"/>
-                <a:cs typeface="Consolas" pitchFamily="49" charset="0"/>
-              </a:rPr>
-              <a:t>new-problem</a:t>
-            </a:r>
-          </a:p>
-          <a:p>
-            <a:pPr>
-              <a:buNone/>
-            </a:pPr>
-            <a:r>
-              <a:rPr lang="en-US" sz="5500" b="1" dirty="0" smtClean="0">
-                <a:latin typeface="Consolas" pitchFamily="49" charset="0"/>
-                <a:cs typeface="Consolas" pitchFamily="49" charset="0"/>
-              </a:rPr>
-              <a:t>(define </a:t>
-            </a:r>
-            <a:r>
-              <a:rPr lang="en-US" sz="5500" b="1" dirty="0" smtClean="0">
-                <a:latin typeface="Consolas" pitchFamily="49" charset="0"/>
-                <a:cs typeface="Consolas" pitchFamily="49" charset="0"/>
-              </a:rPr>
-              <a:t>(</a:t>
-            </a:r>
-            <a:r>
-              <a:rPr lang="en-US" sz="5500" b="1" dirty="0" smtClean="0">
-                <a:latin typeface="Consolas" pitchFamily="49" charset="0"/>
-                <a:cs typeface="Consolas" pitchFamily="49" charset="0"/>
-              </a:rPr>
-              <a:t>solution </a:t>
-            </a:r>
-            <a:r>
-              <a:rPr lang="en-US" sz="5500" b="1" dirty="0" smtClean="0">
-                <a:latin typeface="Consolas" pitchFamily="49" charset="0"/>
-                <a:cs typeface="Consolas" pitchFamily="49" charset="0"/>
-              </a:rPr>
-              <a:t>the-problem)</a:t>
-            </a:r>
-          </a:p>
-          <a:p>
-            <a:pPr>
-              <a:buNone/>
-            </a:pPr>
-            <a:r>
-              <a:rPr lang="en-US" sz="5500" b="1" dirty="0" smtClean="0">
-                <a:latin typeface="Consolas" pitchFamily="49" charset="0"/>
-                <a:cs typeface="Consolas" pitchFamily="49" charset="0"/>
-              </a:rPr>
-              <a:t>  (</a:t>
-            </a:r>
-            <a:r>
-              <a:rPr lang="en-US" sz="5500" b="1" dirty="0" err="1" smtClean="0">
-                <a:latin typeface="Consolas" pitchFamily="49" charset="0"/>
-                <a:cs typeface="Consolas" pitchFamily="49" charset="0"/>
-              </a:rPr>
-              <a:t>cond</a:t>
-            </a:r>
-            <a:endParaRPr lang="en-US" sz="5500" b="1" dirty="0" smtClean="0">
-              <a:latin typeface="Consolas" pitchFamily="49" charset="0"/>
-              <a:cs typeface="Consolas" pitchFamily="49" charset="0"/>
-            </a:endParaRPr>
-          </a:p>
-          <a:p>
-            <a:pPr>
-              <a:buNone/>
-            </a:pPr>
-            <a:r>
-              <a:rPr lang="en-US" sz="5500" b="1" dirty="0" smtClean="0">
-                <a:latin typeface="Consolas" pitchFamily="49" charset="0"/>
-                <a:cs typeface="Consolas" pitchFamily="49" charset="0"/>
-              </a:rPr>
-              <a:t>    [(</a:t>
-            </a:r>
-            <a:r>
-              <a:rPr lang="en-US" sz="5500" b="1" dirty="0" smtClean="0">
-                <a:solidFill>
-                  <a:schemeClr val="accent6">
-                    <a:lumMod val="75000"/>
-                  </a:schemeClr>
-                </a:solidFill>
-                <a:latin typeface="Consolas" pitchFamily="49" charset="0"/>
-                <a:cs typeface="Consolas" pitchFamily="49" charset="0"/>
-              </a:rPr>
-              <a:t>trivial1? </a:t>
-            </a:r>
-            <a:r>
-              <a:rPr lang="en-US" sz="5500" b="1" dirty="0" smtClean="0">
-                <a:latin typeface="Consolas" pitchFamily="49" charset="0"/>
-                <a:cs typeface="Consolas" pitchFamily="49" charset="0"/>
-              </a:rPr>
-              <a:t>the-problem) (</a:t>
-            </a:r>
-            <a:r>
-              <a:rPr lang="en-US" sz="5500" b="1" dirty="0">
-                <a:solidFill>
-                  <a:schemeClr val="accent6">
-                    <a:lumMod val="75000"/>
-                  </a:schemeClr>
-                </a:solidFill>
-                <a:latin typeface="Consolas" pitchFamily="49" charset="0"/>
-                <a:cs typeface="Consolas" pitchFamily="49" charset="0"/>
-              </a:rPr>
-              <a:t>trivial-solution1 </a:t>
-            </a:r>
-            <a:r>
-              <a:rPr lang="en-US" sz="5500" b="1" dirty="0" smtClean="0">
-                <a:latin typeface="Consolas" pitchFamily="49" charset="0"/>
-                <a:cs typeface="Consolas" pitchFamily="49" charset="0"/>
-              </a:rPr>
-              <a:t>the-problem)]</a:t>
-            </a:r>
-          </a:p>
-          <a:p>
-            <a:pPr>
-              <a:buNone/>
-            </a:pPr>
-            <a:r>
-              <a:rPr lang="en-US" sz="5500" b="1" dirty="0" smtClean="0">
-                <a:latin typeface="Consolas" pitchFamily="49" charset="0"/>
-                <a:cs typeface="Consolas" pitchFamily="49" charset="0"/>
-              </a:rPr>
-              <a:t>    [(</a:t>
-            </a:r>
-            <a:r>
-              <a:rPr lang="en-US" sz="5500" b="1" dirty="0" smtClean="0">
-                <a:solidFill>
-                  <a:schemeClr val="accent6">
-                    <a:lumMod val="75000"/>
-                  </a:schemeClr>
-                </a:solidFill>
-                <a:latin typeface="Consolas" pitchFamily="49" charset="0"/>
-                <a:cs typeface="Consolas" pitchFamily="49" charset="0"/>
-              </a:rPr>
-              <a:t>trivial2?</a:t>
-            </a:r>
-            <a:r>
-              <a:rPr lang="en-US" sz="5500" b="1" dirty="0" smtClean="0">
-                <a:latin typeface="Consolas" pitchFamily="49" charset="0"/>
-                <a:cs typeface="Consolas" pitchFamily="49" charset="0"/>
-              </a:rPr>
-              <a:t> </a:t>
-            </a:r>
-            <a:r>
-              <a:rPr lang="en-US" sz="5500" b="1" dirty="0" smtClean="0">
-                <a:latin typeface="Consolas" pitchFamily="49" charset="0"/>
-                <a:cs typeface="Consolas" pitchFamily="49" charset="0"/>
-              </a:rPr>
-              <a:t>the-problem) (</a:t>
-            </a:r>
-            <a:r>
-              <a:rPr lang="en-US" sz="5500" b="1" dirty="0">
-                <a:solidFill>
-                  <a:schemeClr val="accent6">
-                    <a:lumMod val="75000"/>
-                  </a:schemeClr>
-                </a:solidFill>
-                <a:latin typeface="Consolas" pitchFamily="49" charset="0"/>
-                <a:cs typeface="Consolas" pitchFamily="49" charset="0"/>
-              </a:rPr>
-              <a:t>trivial-solution2 </a:t>
-            </a:r>
-            <a:r>
-              <a:rPr lang="en-US" sz="5500" b="1" dirty="0" smtClean="0">
-                <a:latin typeface="Consolas" pitchFamily="49" charset="0"/>
-                <a:cs typeface="Consolas" pitchFamily="49" charset="0"/>
-              </a:rPr>
-              <a:t>the-problem)]</a:t>
-            </a:r>
-          </a:p>
-          <a:p>
-            <a:pPr>
-              <a:buNone/>
-            </a:pPr>
-            <a:r>
-              <a:rPr lang="en-US" sz="5500" b="1" dirty="0" smtClean="0">
-                <a:latin typeface="Consolas" pitchFamily="49" charset="0"/>
-                <a:cs typeface="Consolas" pitchFamily="49" charset="0"/>
-              </a:rPr>
-              <a:t>    [(</a:t>
-            </a:r>
-            <a:r>
-              <a:rPr lang="en-US" sz="5500" b="1" dirty="0">
-                <a:solidFill>
-                  <a:schemeClr val="accent6">
-                    <a:lumMod val="75000"/>
-                  </a:schemeClr>
-                </a:solidFill>
-                <a:latin typeface="Consolas" pitchFamily="49" charset="0"/>
-                <a:cs typeface="Consolas" pitchFamily="49" charset="0"/>
-              </a:rPr>
-              <a:t>difficult? </a:t>
-            </a:r>
-            <a:r>
-              <a:rPr lang="en-US" sz="5500" b="1" dirty="0" smtClean="0">
-                <a:latin typeface="Consolas" pitchFamily="49" charset="0"/>
-                <a:cs typeface="Consolas" pitchFamily="49" charset="0"/>
-              </a:rPr>
-              <a:t>the-problem</a:t>
-            </a:r>
-            <a:r>
-              <a:rPr lang="en-US" sz="5500" b="1" dirty="0" smtClean="0">
-                <a:latin typeface="Consolas" pitchFamily="49" charset="0"/>
-                <a:cs typeface="Consolas" pitchFamily="49" charset="0"/>
-              </a:rPr>
-              <a:t>)     </a:t>
-            </a:r>
-            <a:r>
-              <a:rPr lang="en-US" sz="5500" b="1" dirty="0" smtClean="0">
-                <a:latin typeface="Consolas" pitchFamily="49" charset="0"/>
-                <a:cs typeface="Consolas" pitchFamily="49" charset="0"/>
-              </a:rPr>
-              <a:t>         </a:t>
-            </a:r>
-            <a:endParaRPr lang="en-US" sz="5500" b="1" dirty="0" smtClean="0">
-              <a:latin typeface="Consolas" pitchFamily="49" charset="0"/>
-              <a:cs typeface="Consolas" pitchFamily="49" charset="0"/>
-            </a:endParaRPr>
-          </a:p>
-          <a:p>
-            <a:pPr>
-              <a:buNone/>
-            </a:pPr>
-            <a:r>
-              <a:rPr lang="en-US" sz="5500" b="1" dirty="0" smtClean="0">
-                <a:latin typeface="Consolas" pitchFamily="49" charset="0"/>
-                <a:cs typeface="Consolas" pitchFamily="49" charset="0"/>
-              </a:rPr>
-              <a:t>     </a:t>
-            </a:r>
-            <a:r>
-              <a:rPr lang="en-US" sz="5500" b="1" dirty="0" smtClean="0">
-                <a:latin typeface="Consolas" pitchFamily="49" charset="0"/>
-                <a:cs typeface="Consolas" pitchFamily="49" charset="0"/>
-              </a:rPr>
-              <a:t>(</a:t>
-            </a:r>
-            <a:r>
-              <a:rPr lang="en-US" sz="5500" b="1" dirty="0" smtClean="0">
-                <a:solidFill>
-                  <a:schemeClr val="accent6">
-                    <a:lumMod val="75000"/>
-                  </a:schemeClr>
-                </a:solidFill>
-                <a:latin typeface="Consolas" pitchFamily="49" charset="0"/>
-                <a:cs typeface="Consolas" pitchFamily="49" charset="0"/>
-              </a:rPr>
-              <a:t>adapt-solutions</a:t>
-            </a:r>
-            <a:endParaRPr lang="en-US" sz="5500" b="1" dirty="0">
-              <a:solidFill>
-                <a:schemeClr val="accent6">
-                  <a:lumMod val="75000"/>
-                </a:schemeClr>
-              </a:solidFill>
-              <a:latin typeface="Consolas" pitchFamily="49" charset="0"/>
-              <a:cs typeface="Consolas" pitchFamily="49" charset="0"/>
-            </a:endParaRPr>
-          </a:p>
-          <a:p>
-            <a:pPr>
-              <a:buNone/>
-            </a:pPr>
-            <a:r>
-              <a:rPr lang="en-US" sz="5500" b="1" dirty="0" smtClean="0">
-                <a:latin typeface="Consolas" pitchFamily="49" charset="0"/>
-                <a:cs typeface="Consolas" pitchFamily="49" charset="0"/>
-              </a:rPr>
-              <a:t>       (map solve </a:t>
-            </a:r>
-          </a:p>
-          <a:p>
-            <a:pPr>
-              <a:buNone/>
-            </a:pPr>
-            <a:r>
-              <a:rPr lang="en-US" sz="5500" b="1" dirty="0" smtClean="0">
-                <a:latin typeface="Consolas" pitchFamily="49" charset="0"/>
-                <a:cs typeface="Consolas" pitchFamily="49" charset="0"/>
-              </a:rPr>
-              <a:t>         (</a:t>
-            </a:r>
-            <a:r>
-              <a:rPr lang="en-US" sz="5500" b="1" dirty="0">
-                <a:solidFill>
-                  <a:schemeClr val="accent6">
-                    <a:lumMod val="75000"/>
-                  </a:schemeClr>
-                </a:solidFill>
-                <a:latin typeface="Consolas" pitchFamily="49" charset="0"/>
-                <a:cs typeface="Consolas" pitchFamily="49" charset="0"/>
-              </a:rPr>
-              <a:t>generate-</a:t>
-            </a:r>
-            <a:r>
-              <a:rPr lang="en-US" sz="5500" b="1" dirty="0" err="1">
-                <a:solidFill>
-                  <a:schemeClr val="accent6">
-                    <a:lumMod val="75000"/>
-                  </a:schemeClr>
-                </a:solidFill>
-                <a:latin typeface="Consolas" pitchFamily="49" charset="0"/>
-                <a:cs typeface="Consolas" pitchFamily="49" charset="0"/>
-              </a:rPr>
-              <a:t>subproblems</a:t>
-            </a:r>
-            <a:r>
-              <a:rPr lang="en-US" sz="5500" b="1" dirty="0">
-                <a:solidFill>
-                  <a:schemeClr val="accent6">
-                    <a:lumMod val="75000"/>
-                  </a:schemeClr>
-                </a:solidFill>
-                <a:latin typeface="Consolas" pitchFamily="49" charset="0"/>
-                <a:cs typeface="Consolas" pitchFamily="49" charset="0"/>
-              </a:rPr>
-              <a:t> </a:t>
-            </a:r>
-            <a:r>
-              <a:rPr lang="en-US" sz="5500" b="1" dirty="0">
-                <a:latin typeface="Consolas" pitchFamily="49" charset="0"/>
-                <a:cs typeface="Consolas" pitchFamily="49" charset="0"/>
-              </a:rPr>
-              <a:t>the-problem</a:t>
-            </a:r>
-            <a:r>
-              <a:rPr lang="en-US" sz="5500" b="1" dirty="0" smtClean="0">
-                <a:latin typeface="Consolas" pitchFamily="49" charset="0"/>
-                <a:cs typeface="Consolas" pitchFamily="49" charset="0"/>
-              </a:rPr>
-              <a:t>)))]))</a:t>
-            </a:r>
-            <a:endParaRPr lang="en-US" sz="5500" b="1" dirty="0">
-              <a:latin typeface="Consolas" pitchFamily="49" charset="0"/>
-              <a:cs typeface="Consolas" pitchFamily="49" charset="0"/>
-            </a:endParaRPr>
-          </a:p>
-          <a:p>
-            <a:pPr>
-              <a:buNone/>
-            </a:pPr>
-            <a:endParaRPr lang="en-US" sz="5500" b="1" dirty="0">
-              <a:latin typeface="Consolas" pitchFamily="49" charset="0"/>
-              <a:cs typeface="Consolas" pitchFamily="49" charset="0"/>
-            </a:endParaRPr>
-          </a:p>
-          <a:p>
-            <a:pPr>
-              <a:buNone/>
-            </a:pPr>
-            <a:r>
-              <a:rPr lang="en-US" sz="5500" b="1" dirty="0" smtClean="0">
-                <a:latin typeface="Consolas" pitchFamily="49" charset="0"/>
-                <a:cs typeface="Consolas" pitchFamily="49" charset="0"/>
-              </a:rPr>
-              <a:t>generate-</a:t>
-            </a:r>
-            <a:r>
-              <a:rPr lang="en-US" sz="5500" b="1" dirty="0" err="1" smtClean="0">
-                <a:latin typeface="Consolas" pitchFamily="49" charset="0"/>
-                <a:cs typeface="Consolas" pitchFamily="49" charset="0"/>
-              </a:rPr>
-              <a:t>subproblem</a:t>
-            </a:r>
-            <a:r>
-              <a:rPr lang="en-US" sz="5500" b="1" dirty="0" smtClean="0">
-                <a:latin typeface="Consolas" pitchFamily="49" charset="0"/>
-                <a:cs typeface="Consolas" pitchFamily="49" charset="0"/>
-              </a:rPr>
-              <a:t> : Problem -&gt; </a:t>
-            </a:r>
-            <a:r>
-              <a:rPr lang="en-US" sz="5500" b="1" dirty="0" err="1" smtClean="0">
-                <a:latin typeface="Consolas" pitchFamily="49" charset="0"/>
-                <a:cs typeface="Consolas" pitchFamily="49" charset="0"/>
-              </a:rPr>
-              <a:t>ListOfProblem</a:t>
-            </a:r>
-            <a:endParaRPr lang="en-US" sz="5500" b="1" dirty="0" smtClean="0">
-              <a:latin typeface="Consolas" pitchFamily="49" charset="0"/>
-              <a:cs typeface="Consolas" pitchFamily="49" charset="0"/>
-            </a:endParaRPr>
-          </a:p>
-          <a:p>
-            <a:pPr>
-              <a:buNone/>
-            </a:pPr>
-            <a:r>
-              <a:rPr lang="en-US" sz="5500" b="1" dirty="0" smtClean="0">
-                <a:latin typeface="Consolas" pitchFamily="49" charset="0"/>
-                <a:cs typeface="Consolas" pitchFamily="49" charset="0"/>
-              </a:rPr>
-              <a:t>adapt-solutions : </a:t>
-            </a:r>
-            <a:r>
-              <a:rPr lang="en-US" sz="5500" b="1" dirty="0" err="1" smtClean="0">
-                <a:latin typeface="Consolas" pitchFamily="49" charset="0"/>
-                <a:cs typeface="Consolas" pitchFamily="49" charset="0"/>
-              </a:rPr>
-              <a:t>ListOfSolution</a:t>
-            </a:r>
-            <a:r>
-              <a:rPr lang="en-US" sz="5500" b="1" dirty="0" smtClean="0">
-                <a:latin typeface="Consolas" pitchFamily="49" charset="0"/>
-                <a:cs typeface="Consolas" pitchFamily="49" charset="0"/>
-              </a:rPr>
-              <a:t> -&gt; Solution</a:t>
-            </a:r>
-            <a:endParaRPr lang="en-US" sz="5500" b="1" dirty="0" smtClean="0">
-              <a:latin typeface="Consolas" pitchFamily="49" charset="0"/>
-              <a:cs typeface="Consolas" pitchFamily="49" charset="0"/>
-            </a:endParaRPr>
-          </a:p>
-          <a:p>
-            <a:pPr>
-              <a:buNone/>
-            </a:pPr>
-            <a:endParaRPr lang="en-US" sz="2400" b="1" dirty="0" smtClean="0">
-              <a:cs typeface="Courier New" pitchFamily="49" charset="0"/>
-            </a:endParaRPr>
-          </a:p>
         </p:txBody>
       </p:sp>
       <p:sp>
@@ -14561,88 +13500,18 @@
           <a:bodyPr/>
           <a:lstStyle/>
           <a:p>
-            <a:fld id="{9F4492BD-6A9C-48FC-AC76-0B4FE11194A1}" type="slidenum">
+            <a:fld id="{2AF3B5EA-18B6-4040-9F78-6052AF49C681}" type="slidenum">
               <a:rPr lang="en-US" smtClean="0"/>
-              <a:pPr/>
               <a:t>26</a:t>
             </a:fld>
             <a:endParaRPr lang="en-US"/>
           </a:p>
         </p:txBody>
       </p:sp>
-      <p:sp>
-        <p:nvSpPr>
-          <p:cNvPr id="7" name="Rectangle 6"/>
-          <p:cNvSpPr/>
-          <p:nvPr/>
-        </p:nvSpPr>
-        <p:spPr>
-          <a:xfrm>
-            <a:off x="3276600" y="5257799"/>
-            <a:ext cx="4980622" cy="1050926"/>
-          </a:xfrm>
-          <a:prstGeom prst="rect">
-            <a:avLst/>
-          </a:prstGeom>
-          <a:solidFill>
-            <a:schemeClr val="accent3">
-              <a:lumMod val="40000"/>
-              <a:lumOff val="60000"/>
-            </a:schemeClr>
-          </a:solidFill>
-          <a:ln/>
-        </p:spPr>
-        <p:style>
-          <a:lnRef idx="2">
-            <a:schemeClr val="accent1"/>
-          </a:lnRef>
-          <a:fillRef idx="1">
-            <a:schemeClr val="lt1"/>
-          </a:fillRef>
-          <a:effectRef idx="0">
-            <a:schemeClr val="accent1"/>
-          </a:effectRef>
-          <a:fontRef idx="minor">
-            <a:schemeClr val="dk1"/>
-          </a:fontRef>
-        </p:style>
-        <p:txBody>
-          <a:bodyPr rot="0" spcFirstLastPara="0" vertOverflow="overflow" horzOverflow="overflow" vert="horz" wrap="square" lIns="91440" tIns="45720" rIns="91440" bIns="45720" numCol="1" spcCol="0" rtlCol="0" fromWordArt="0" anchor="ctr" anchorCtr="0" forceAA="0" compatLnSpc="1">
-            <a:prstTxWarp prst="textNoShape">
-              <a:avLst/>
-            </a:prstTxWarp>
-            <a:noAutofit/>
-          </a:bodyPr>
-          <a:lstStyle/>
-          <a:p>
-            <a:r>
-              <a:rPr lang="en-US" dirty="0" smtClean="0"/>
-              <a:t>Here's the list-of-</a:t>
-            </a:r>
-            <a:r>
-              <a:rPr lang="en-US" dirty="0" err="1" smtClean="0"/>
-              <a:t>subproblems</a:t>
-            </a:r>
-            <a:r>
-              <a:rPr lang="en-US" dirty="0" smtClean="0"/>
-              <a:t> template done without using local </a:t>
-            </a:r>
-            <a:r>
-              <a:rPr lang="en-US" b="1" dirty="0" smtClean="0"/>
-              <a:t>define</a:t>
-            </a:r>
-            <a:r>
-              <a:rPr lang="en-US" dirty="0" smtClean="0"/>
-              <a:t>.</a:t>
-            </a:r>
-            <a:endParaRPr lang="en-US" dirty="0"/>
-          </a:p>
-        </p:txBody>
-      </p:sp>
     </p:spTree>
     <p:extLst>
       <p:ext uri="{BB962C8B-B14F-4D97-AF65-F5344CB8AC3E}">
-        <p14:creationId xmlns:p14="http://schemas.microsoft.com/office/powerpoint/2010/main" val="340690432"/>
+        <p14:creationId xmlns:p14="http://schemas.microsoft.com/office/powerpoint/2010/main" val="2545349086"/>
       </p:ext>
     </p:extLst>
   </p:cSld>
@@ -14678,7 +13547,7 @@
       </p:grpSpPr>
       <p:sp>
         <p:nvSpPr>
-          <p:cNvPr id="5" name="Title 4"/>
+          <p:cNvPr id="2" name="Title 1"/>
           <p:cNvSpPr>
             <a:spLocks noGrp="1"/>
           </p:cNvSpPr>
@@ -14688,315 +13557,469 @@
         </p:nvSpPr>
         <p:spPr/>
         <p:txBody>
+          <a:bodyPr/>
+          <a:lstStyle/>
+          <a:p>
+            <a:r>
+              <a:rPr lang="en-US" dirty="0" smtClean="0"/>
+              <a:t>Writing this down for </a:t>
+            </a:r>
+            <a:r>
+              <a:rPr lang="en-US" b="1" dirty="0" smtClean="0"/>
+              <a:t>decode</a:t>
+            </a:r>
+            <a:endParaRPr lang="en-US" b="1" dirty="0"/>
+          </a:p>
+        </p:txBody>
+      </p:sp>
+      <p:sp>
+        <p:nvSpPr>
+          <p:cNvPr id="3" name="Content Placeholder 2"/>
+          <p:cNvSpPr>
+            <a:spLocks noGrp="1"/>
+          </p:cNvSpPr>
+          <p:nvPr>
+            <p:ph idx="1"/>
+          </p:nvPr>
+        </p:nvSpPr>
+        <p:spPr/>
+        <p:txBody>
           <a:bodyPr>
-            <a:normAutofit fontScale="90000"/>
+            <a:normAutofit fontScale="47500" lnSpcReduction="20000"/>
           </a:bodyPr>
           <a:lstStyle/>
           <a:p>
-            <a:r>
-              <a:rPr lang="en-US" dirty="0" smtClean="0"/>
-              <a:t>What template did we use for decode?</a:t>
-            </a:r>
-            <a:endParaRPr lang="en-US" dirty="0"/>
-          </a:p>
-        </p:txBody>
-      </p:sp>
-      <p:sp>
-        <p:nvSpPr>
-          <p:cNvPr id="6" name="Content Placeholder 5"/>
-          <p:cNvSpPr>
-            <a:spLocks noGrp="1"/>
-          </p:cNvSpPr>
-          <p:nvPr>
-            <p:ph idx="1"/>
-          </p:nvPr>
-        </p:nvSpPr>
-        <p:spPr/>
-        <p:txBody>
-          <a:bodyPr>
-            <a:noAutofit/>
-          </a:bodyPr>
-          <a:lstStyle/>
-          <a:p>
-            <a:pPr>
-              <a:spcBef>
-                <a:spcPts val="0"/>
-              </a:spcBef>
-            </a:pPr>
-            <a:r>
-              <a:rPr lang="en-US" sz="1800" dirty="0" smtClean="0"/>
-              <a:t>;; decode followed the first template we wrote:</a:t>
-            </a:r>
-          </a:p>
-          <a:p>
-            <a:pPr>
-              <a:spcBef>
-                <a:spcPts val="0"/>
-              </a:spcBef>
-            </a:pPr>
-            <a:endParaRPr lang="en-US" sz="1800" dirty="0" smtClean="0"/>
-          </a:p>
-          <a:p>
-            <a:pPr>
-              <a:spcBef>
-                <a:spcPts val="0"/>
-              </a:spcBef>
-            </a:pPr>
-            <a:r>
-              <a:rPr lang="en-US" sz="1800" dirty="0" smtClean="0"/>
-              <a:t>(</a:t>
-            </a:r>
-            <a:r>
-              <a:rPr lang="en-US" sz="1800" dirty="0"/>
-              <a:t>define (solution the-problem)</a:t>
-            </a:r>
-          </a:p>
-          <a:p>
-            <a:pPr>
-              <a:spcBef>
-                <a:spcPts val="0"/>
-              </a:spcBef>
-            </a:pPr>
-            <a:r>
-              <a:rPr lang="en-US" sz="1800" dirty="0"/>
-              <a:t>  (cond</a:t>
-            </a:r>
-          </a:p>
-          <a:p>
-            <a:pPr>
-              <a:spcBef>
-                <a:spcPts val="0"/>
-              </a:spcBef>
-            </a:pPr>
-            <a:r>
-              <a:rPr lang="en-US" sz="1800" dirty="0"/>
-              <a:t>    [(</a:t>
-            </a:r>
-            <a:r>
-              <a:rPr lang="en-US" sz="1800" dirty="0">
-                <a:solidFill>
-                  <a:schemeClr val="accent6">
-                    <a:lumMod val="75000"/>
-                  </a:schemeClr>
-                </a:solidFill>
-              </a:rPr>
-              <a:t>trivial1? </a:t>
-            </a:r>
-            <a:r>
-              <a:rPr lang="en-US" sz="1800" dirty="0"/>
-              <a:t>the-problem) (</a:t>
-            </a:r>
-            <a:r>
-              <a:rPr lang="en-US" sz="1800" dirty="0">
-                <a:solidFill>
-                  <a:schemeClr val="accent6">
-                    <a:lumMod val="75000"/>
-                  </a:schemeClr>
-                </a:solidFill>
-              </a:rPr>
-              <a:t>trivial-solution1 </a:t>
-            </a:r>
-            <a:r>
-              <a:rPr lang="en-US" sz="1800" dirty="0"/>
-              <a:t>the-problem)]</a:t>
-            </a:r>
-          </a:p>
-          <a:p>
-            <a:pPr>
-              <a:spcBef>
-                <a:spcPts val="0"/>
-              </a:spcBef>
-            </a:pPr>
-            <a:r>
-              <a:rPr lang="en-US" sz="1800" dirty="0"/>
-              <a:t>    [(</a:t>
-            </a:r>
-            <a:r>
-              <a:rPr lang="en-US" sz="1800" dirty="0">
-                <a:solidFill>
-                  <a:schemeClr val="accent6">
-                    <a:lumMod val="75000"/>
-                  </a:schemeClr>
-                </a:solidFill>
-              </a:rPr>
-              <a:t>trivial2?</a:t>
-            </a:r>
-            <a:r>
-              <a:rPr lang="en-US" sz="1800" dirty="0"/>
-              <a:t> the-problem) (</a:t>
-            </a:r>
-            <a:r>
-              <a:rPr lang="en-US" sz="1800" dirty="0">
-                <a:solidFill>
-                  <a:schemeClr val="accent6">
-                    <a:lumMod val="75000"/>
-                  </a:schemeClr>
-                </a:solidFill>
-              </a:rPr>
-              <a:t>trivial-solution2 </a:t>
-            </a:r>
-            <a:r>
-              <a:rPr lang="en-US" sz="1800" dirty="0"/>
-              <a:t>the-problem)]</a:t>
-            </a:r>
-          </a:p>
-          <a:p>
-            <a:pPr>
-              <a:spcBef>
-                <a:spcPts val="0"/>
-              </a:spcBef>
-            </a:pPr>
-            <a:r>
-              <a:rPr lang="en-US" sz="1800" dirty="0"/>
-              <a:t>    [(</a:t>
-            </a:r>
-            <a:r>
-              <a:rPr lang="en-US" sz="1800" dirty="0">
-                <a:solidFill>
-                  <a:schemeClr val="accent6">
-                    <a:lumMod val="75000"/>
-                  </a:schemeClr>
-                </a:solidFill>
-              </a:rPr>
-              <a:t>difficult? </a:t>
-            </a:r>
-            <a:r>
-              <a:rPr lang="en-US" sz="1800" dirty="0"/>
-              <a:t>the-problem)</a:t>
-            </a:r>
-          </a:p>
-          <a:p>
-            <a:pPr>
-              <a:spcBef>
-                <a:spcPts val="0"/>
-              </a:spcBef>
-            </a:pPr>
-            <a:r>
-              <a:rPr lang="en-US" sz="1800" dirty="0"/>
+            <a:pPr>
+              <a:buNone/>
+            </a:pPr>
+            <a:r>
+              <a:rPr lang="en-US" b="1" dirty="0">
+                <a:latin typeface="Consolas" pitchFamily="49" charset="0"/>
+                <a:cs typeface="Consolas" pitchFamily="49" charset="0"/>
+              </a:rPr>
+              <a:t>;; decode : </a:t>
+            </a:r>
+            <a:r>
+              <a:rPr lang="en-US" b="1" dirty="0" err="1">
+                <a:latin typeface="Consolas" pitchFamily="49" charset="0"/>
+                <a:cs typeface="Consolas" pitchFamily="49" charset="0"/>
+              </a:rPr>
+              <a:t>SexpOfAtom</a:t>
+            </a:r>
+            <a:r>
+              <a:rPr lang="en-US" b="1" dirty="0">
+                <a:latin typeface="Consolas" pitchFamily="49" charset="0"/>
+                <a:cs typeface="Consolas" pitchFamily="49" charset="0"/>
+              </a:rPr>
+              <a:t> -&gt; </a:t>
+            </a:r>
+            <a:r>
+              <a:rPr lang="en-US" b="1" dirty="0" err="1" smtClean="0">
+                <a:latin typeface="Consolas" pitchFamily="49" charset="0"/>
+                <a:cs typeface="Consolas" pitchFamily="49" charset="0"/>
+              </a:rPr>
+              <a:t>MaybeDiffExp</a:t>
+            </a:r>
+            <a:endParaRPr lang="en-US" b="1" dirty="0">
+              <a:latin typeface="Consolas" pitchFamily="49" charset="0"/>
+              <a:cs typeface="Consolas" pitchFamily="49" charset="0"/>
+            </a:endParaRPr>
+          </a:p>
+          <a:p>
+            <a:pPr>
+              <a:buNone/>
+            </a:pPr>
+            <a:endParaRPr lang="en-US" b="1" dirty="0">
+              <a:latin typeface="Consolas" pitchFamily="49" charset="0"/>
+              <a:cs typeface="Consolas" pitchFamily="49" charset="0"/>
+            </a:endParaRPr>
+          </a:p>
+          <a:p>
+            <a:pPr>
+              <a:buNone/>
+            </a:pPr>
+            <a:r>
+              <a:rPr lang="en-US" b="1" dirty="0">
+                <a:latin typeface="Consolas" pitchFamily="49" charset="0"/>
+                <a:cs typeface="Consolas" pitchFamily="49" charset="0"/>
+              </a:rPr>
+              <a:t>;; STRATEGY: if </a:t>
+            </a:r>
+            <a:r>
+              <a:rPr lang="en-US" b="1" dirty="0" smtClean="0">
+                <a:latin typeface="Consolas" pitchFamily="49" charset="0"/>
+                <a:cs typeface="Consolas" pitchFamily="49" charset="0"/>
+              </a:rPr>
+              <a:t>the top level of </a:t>
+            </a:r>
+            <a:r>
+              <a:rPr lang="en-US" b="1" dirty="0" err="1" smtClean="0">
+                <a:latin typeface="Consolas" pitchFamily="49" charset="0"/>
+                <a:cs typeface="Consolas" pitchFamily="49" charset="0"/>
+              </a:rPr>
+              <a:t>sexp</a:t>
+            </a:r>
+            <a:r>
+              <a:rPr lang="en-US" b="1" dirty="0" smtClean="0">
+                <a:latin typeface="Consolas" pitchFamily="49" charset="0"/>
+                <a:cs typeface="Consolas" pitchFamily="49" charset="0"/>
+              </a:rPr>
+              <a:t> could </a:t>
+            </a:r>
+            <a:r>
+              <a:rPr lang="en-US" b="1" dirty="0">
+                <a:latin typeface="Consolas" pitchFamily="49" charset="0"/>
+                <a:cs typeface="Consolas" pitchFamily="49" charset="0"/>
+              </a:rPr>
+              <a:t>be </a:t>
+            </a:r>
+            <a:r>
+              <a:rPr lang="en-US" b="1" dirty="0" smtClean="0">
+                <a:latin typeface="Consolas" pitchFamily="49" charset="0"/>
+                <a:cs typeface="Consolas" pitchFamily="49" charset="0"/>
+              </a:rPr>
+              <a:t>the top </a:t>
+            </a:r>
+            <a:r>
+              <a:rPr lang="en-US" b="1" dirty="0">
+                <a:latin typeface="Consolas" pitchFamily="49" charset="0"/>
+                <a:cs typeface="Consolas" pitchFamily="49" charset="0"/>
+              </a:rPr>
+              <a:t>level </a:t>
+            </a:r>
+            <a:r>
+              <a:rPr lang="en-US" b="1" dirty="0" smtClean="0">
+                <a:latin typeface="Consolas" pitchFamily="49" charset="0"/>
+                <a:cs typeface="Consolas" pitchFamily="49" charset="0"/>
+              </a:rPr>
+              <a:t>of</a:t>
+            </a:r>
+          </a:p>
+          <a:p>
+            <a:pPr>
+              <a:buNone/>
+            </a:pPr>
+            <a:r>
+              <a:rPr lang="en-US" b="1" dirty="0" smtClean="0">
+                <a:latin typeface="Consolas" pitchFamily="49" charset="0"/>
+                <a:cs typeface="Consolas" pitchFamily="49" charset="0"/>
+              </a:rPr>
+              <a:t>;; a </a:t>
+            </a:r>
+            <a:r>
+              <a:rPr lang="en-US" b="1" dirty="0" err="1">
+                <a:latin typeface="Consolas" pitchFamily="49" charset="0"/>
+                <a:cs typeface="Consolas" pitchFamily="49" charset="0"/>
+              </a:rPr>
+              <a:t>diffexp</a:t>
+            </a:r>
+            <a:r>
+              <a:rPr lang="en-US" b="1" dirty="0">
+                <a:latin typeface="Consolas" pitchFamily="49" charset="0"/>
+                <a:cs typeface="Consolas" pitchFamily="49" charset="0"/>
+              </a:rPr>
+              <a:t>, recur on 2nd and 3rd </a:t>
+            </a:r>
+            <a:r>
+              <a:rPr lang="en-US" b="1" dirty="0" smtClean="0">
+                <a:latin typeface="Consolas" pitchFamily="49" charset="0"/>
+                <a:cs typeface="Consolas" pitchFamily="49" charset="0"/>
+              </a:rPr>
+              <a:t>elements.</a:t>
+            </a:r>
+          </a:p>
+          <a:p>
+            <a:pPr>
+              <a:buNone/>
+            </a:pPr>
+            <a:endParaRPr lang="en-US" b="1" dirty="0">
+              <a:latin typeface="Consolas" pitchFamily="49" charset="0"/>
+              <a:cs typeface="Consolas" pitchFamily="49" charset="0"/>
+            </a:endParaRPr>
+          </a:p>
+          <a:p>
+            <a:pPr>
+              <a:buNone/>
+            </a:pPr>
+            <a:r>
+              <a:rPr lang="en-US" b="1" dirty="0">
+                <a:latin typeface="Consolas" pitchFamily="49" charset="0"/>
+                <a:cs typeface="Consolas" pitchFamily="49" charset="0"/>
+              </a:rPr>
+              <a:t>(define (decode </a:t>
+            </a:r>
+            <a:r>
+              <a:rPr lang="en-US" b="1" dirty="0" err="1">
+                <a:latin typeface="Consolas" pitchFamily="49" charset="0"/>
+                <a:cs typeface="Consolas" pitchFamily="49" charset="0"/>
+              </a:rPr>
+              <a:t>sexp</a:t>
+            </a:r>
+            <a:r>
+              <a:rPr lang="en-US" b="1" dirty="0">
+                <a:latin typeface="Consolas" pitchFamily="49" charset="0"/>
+                <a:cs typeface="Consolas" pitchFamily="49" charset="0"/>
+              </a:rPr>
+              <a:t>)</a:t>
+            </a:r>
+          </a:p>
+          <a:p>
+            <a:pPr>
+              <a:buNone/>
+            </a:pPr>
+            <a:r>
+              <a:rPr lang="en-US" b="1" dirty="0">
+                <a:latin typeface="Consolas" pitchFamily="49" charset="0"/>
+                <a:cs typeface="Consolas" pitchFamily="49" charset="0"/>
+              </a:rPr>
+              <a:t>  (</a:t>
+            </a:r>
+            <a:r>
+              <a:rPr lang="en-US" b="1" dirty="0" err="1">
+                <a:latin typeface="Consolas" pitchFamily="49" charset="0"/>
+                <a:cs typeface="Consolas" pitchFamily="49" charset="0"/>
+              </a:rPr>
+              <a:t>cond</a:t>
+            </a:r>
+            <a:endParaRPr lang="en-US" b="1" dirty="0">
+              <a:latin typeface="Consolas" pitchFamily="49" charset="0"/>
+              <a:cs typeface="Consolas" pitchFamily="49" charset="0"/>
+            </a:endParaRPr>
+          </a:p>
+          <a:p>
+            <a:pPr>
+              <a:buNone/>
+            </a:pPr>
+            <a:r>
+              <a:rPr lang="en-US" b="1" dirty="0">
+                <a:latin typeface="Consolas" pitchFamily="49" charset="0"/>
+                <a:cs typeface="Consolas" pitchFamily="49" charset="0"/>
+              </a:rPr>
+              <a:t>    [(number? </a:t>
+            </a:r>
+            <a:r>
+              <a:rPr lang="en-US" b="1" dirty="0" err="1">
+                <a:latin typeface="Consolas" pitchFamily="49" charset="0"/>
+                <a:cs typeface="Consolas" pitchFamily="49" charset="0"/>
+              </a:rPr>
+              <a:t>sexp</a:t>
+            </a:r>
+            <a:r>
+              <a:rPr lang="en-US" b="1" dirty="0">
+                <a:latin typeface="Consolas" pitchFamily="49" charset="0"/>
+                <a:cs typeface="Consolas" pitchFamily="49" charset="0"/>
+              </a:rPr>
+              <a:t>) </a:t>
+            </a:r>
+            <a:r>
+              <a:rPr lang="en-US" b="1" dirty="0" err="1">
+                <a:latin typeface="Consolas" pitchFamily="49" charset="0"/>
+                <a:cs typeface="Consolas" pitchFamily="49" charset="0"/>
+              </a:rPr>
+              <a:t>sexp</a:t>
+            </a:r>
+            <a:r>
+              <a:rPr lang="en-US" b="1" dirty="0">
+                <a:latin typeface="Consolas" pitchFamily="49" charset="0"/>
+                <a:cs typeface="Consolas" pitchFamily="49" charset="0"/>
+              </a:rPr>
+              <a:t>]</a:t>
+            </a:r>
+          </a:p>
+          <a:p>
+            <a:pPr>
+              <a:buNone/>
+            </a:pPr>
+            <a:r>
+              <a:rPr lang="en-US" b="1" dirty="0">
+                <a:latin typeface="Consolas" pitchFamily="49" charset="0"/>
+                <a:cs typeface="Consolas" pitchFamily="49" charset="0"/>
+              </a:rPr>
+              <a:t>    </a:t>
+            </a:r>
+            <a:r>
+              <a:rPr lang="en-US" b="1" dirty="0" smtClean="0">
+                <a:latin typeface="Consolas" pitchFamily="49" charset="0"/>
+                <a:cs typeface="Consolas" pitchFamily="49" charset="0"/>
+              </a:rPr>
+              <a:t>[(could-be-</a:t>
+            </a:r>
+            <a:r>
+              <a:rPr lang="en-US" b="1" dirty="0" err="1" smtClean="0">
+                <a:latin typeface="Consolas" pitchFamily="49" charset="0"/>
+                <a:cs typeface="Consolas" pitchFamily="49" charset="0"/>
+              </a:rPr>
+              <a:t>diffexp</a:t>
+            </a:r>
+            <a:r>
+              <a:rPr lang="en-US" b="1" dirty="0" smtClean="0">
+                <a:latin typeface="Consolas" pitchFamily="49" charset="0"/>
+                <a:cs typeface="Consolas" pitchFamily="49" charset="0"/>
+              </a:rPr>
+              <a:t>? </a:t>
+            </a:r>
+            <a:r>
+              <a:rPr lang="en-US" b="1" dirty="0" err="1">
+                <a:latin typeface="Consolas" pitchFamily="49" charset="0"/>
+                <a:cs typeface="Consolas" pitchFamily="49" charset="0"/>
+              </a:rPr>
+              <a:t>sexp</a:t>
+            </a:r>
+            <a:r>
+              <a:rPr lang="en-US" b="1" dirty="0">
+                <a:latin typeface="Consolas" pitchFamily="49" charset="0"/>
+                <a:cs typeface="Consolas" pitchFamily="49" charset="0"/>
+              </a:rPr>
+              <a:t>)</a:t>
+            </a:r>
+          </a:p>
+          <a:p>
+            <a:pPr>
+              <a:buNone/>
+            </a:pPr>
+            <a:r>
+              <a:rPr lang="en-US" b="1" dirty="0">
+                <a:latin typeface="Consolas" pitchFamily="49" charset="0"/>
+                <a:cs typeface="Consolas" pitchFamily="49" charset="0"/>
+              </a:rPr>
               <a:t>     (local</a:t>
             </a:r>
           </a:p>
           <a:p>
             <a:pPr>
-              <a:spcBef>
-                <a:spcPts val="0"/>
-              </a:spcBef>
-            </a:pPr>
-            <a:r>
-              <a:rPr lang="en-US" sz="1800" dirty="0"/>
-              <a:t>       ((define solution1 </a:t>
-            </a:r>
-          </a:p>
-          <a:p>
-            <a:pPr>
-              <a:spcBef>
-                <a:spcPts val="0"/>
-              </a:spcBef>
-            </a:pPr>
-            <a:r>
-              <a:rPr lang="en-US" sz="1800" dirty="0" smtClean="0"/>
-              <a:t>         (</a:t>
-            </a:r>
-            <a:r>
-              <a:rPr lang="en-US" sz="1800" dirty="0"/>
-              <a:t>solve (</a:t>
-            </a:r>
-            <a:r>
-              <a:rPr lang="en-US" sz="1800" dirty="0">
-                <a:solidFill>
-                  <a:schemeClr val="accent6">
-                    <a:lumMod val="75000"/>
-                  </a:schemeClr>
-                </a:solidFill>
-              </a:rPr>
-              <a:t>simpler-instance1 </a:t>
-            </a:r>
-            <a:r>
-              <a:rPr lang="en-US" sz="1800" dirty="0"/>
-              <a:t>the-problem)))</a:t>
-            </a:r>
-          </a:p>
-          <a:p>
-            <a:pPr>
-              <a:spcBef>
-                <a:spcPts val="0"/>
-              </a:spcBef>
-            </a:pPr>
-            <a:r>
-              <a:rPr lang="en-US" sz="1800" dirty="0"/>
-              <a:t>        (define solution2</a:t>
-            </a:r>
-          </a:p>
-          <a:p>
-            <a:pPr>
-              <a:spcBef>
-                <a:spcPts val="0"/>
-              </a:spcBef>
-            </a:pPr>
-            <a:r>
-              <a:rPr lang="en-US" sz="1800" dirty="0"/>
-              <a:t>         (solve (</a:t>
-            </a:r>
-            <a:r>
-              <a:rPr lang="en-US" sz="1800" dirty="0">
-                <a:solidFill>
-                  <a:schemeClr val="accent6">
-                    <a:lumMod val="75000"/>
-                  </a:schemeClr>
-                </a:solidFill>
-              </a:rPr>
-              <a:t>simpler-instance2</a:t>
-            </a:r>
-            <a:r>
-              <a:rPr lang="en-US" sz="1800" dirty="0"/>
-              <a:t> the-problem</a:t>
-            </a:r>
-            <a:r>
-              <a:rPr lang="en-US" sz="1800" dirty="0" smtClean="0"/>
+              <a:buNone/>
+            </a:pPr>
+            <a:r>
+              <a:rPr lang="en-US" b="1" dirty="0">
+                <a:latin typeface="Consolas" pitchFamily="49" charset="0"/>
+                <a:cs typeface="Consolas" pitchFamily="49" charset="0"/>
+              </a:rPr>
+              <a:t>       ((define operand1 (decode (second </a:t>
+            </a:r>
+            <a:r>
+              <a:rPr lang="en-US" b="1" dirty="0" err="1">
+                <a:latin typeface="Consolas" pitchFamily="49" charset="0"/>
+                <a:cs typeface="Consolas" pitchFamily="49" charset="0"/>
+              </a:rPr>
+              <a:t>sexp</a:t>
+            </a:r>
+            <a:r>
+              <a:rPr lang="en-US" b="1" dirty="0">
+                <a:latin typeface="Consolas" pitchFamily="49" charset="0"/>
+                <a:cs typeface="Consolas" pitchFamily="49" charset="0"/>
+              </a:rPr>
+              <a:t>)))</a:t>
+            </a:r>
+          </a:p>
+          <a:p>
+            <a:pPr>
+              <a:buNone/>
+            </a:pPr>
+            <a:r>
+              <a:rPr lang="en-US" b="1" dirty="0">
+                <a:latin typeface="Consolas" pitchFamily="49" charset="0"/>
+                <a:cs typeface="Consolas" pitchFamily="49" charset="0"/>
+              </a:rPr>
+              <a:t>        (define operand2 (decode (third </a:t>
+            </a:r>
+            <a:r>
+              <a:rPr lang="en-US" b="1" dirty="0" err="1">
+                <a:latin typeface="Consolas" pitchFamily="49" charset="0"/>
+                <a:cs typeface="Consolas" pitchFamily="49" charset="0"/>
+              </a:rPr>
+              <a:t>sexp</a:t>
+            </a:r>
+            <a:r>
+              <a:rPr lang="en-US" b="1" dirty="0">
+                <a:latin typeface="Consolas" pitchFamily="49" charset="0"/>
+                <a:cs typeface="Consolas" pitchFamily="49" charset="0"/>
+              </a:rPr>
               <a:t>))))</a:t>
             </a:r>
-            <a:endParaRPr lang="en-US" sz="1800" dirty="0"/>
-          </a:p>
-          <a:p>
-            <a:pPr>
-              <a:spcBef>
-                <a:spcPts val="0"/>
-              </a:spcBef>
-            </a:pPr>
-            <a:r>
-              <a:rPr lang="en-US" sz="1800" dirty="0"/>
-              <a:t>       (</a:t>
-            </a:r>
-            <a:r>
-              <a:rPr lang="en-US" sz="1800" dirty="0">
-                <a:solidFill>
-                  <a:schemeClr val="accent6">
-                    <a:lumMod val="75000"/>
-                  </a:schemeClr>
-                </a:solidFill>
-              </a:rPr>
-              <a:t>combine-solutions </a:t>
-            </a:r>
-            <a:r>
-              <a:rPr lang="en-US" sz="1800" dirty="0"/>
-              <a:t>solution1 solution2))]))</a:t>
-            </a:r>
-            <a:endParaRPr lang="en-US" sz="1800" dirty="0">
-              <a:solidFill>
-                <a:schemeClr val="accent6">
-                  <a:lumMod val="75000"/>
-                </a:schemeClr>
-              </a:solidFill>
+          </a:p>
+          <a:p>
+            <a:pPr>
+              <a:buNone/>
+            </a:pPr>
+            <a:r>
+              <a:rPr lang="en-US" b="1" dirty="0">
+                <a:latin typeface="Consolas" pitchFamily="49" charset="0"/>
+                <a:cs typeface="Consolas" pitchFamily="49" charset="0"/>
+              </a:rPr>
+              <a:t>       (if (and (succeeded? operand1)</a:t>
+            </a:r>
+          </a:p>
+          <a:p>
+            <a:pPr>
+              <a:buNone/>
+            </a:pPr>
+            <a:r>
+              <a:rPr lang="en-US" b="1" dirty="0">
+                <a:latin typeface="Consolas" pitchFamily="49" charset="0"/>
+                <a:cs typeface="Consolas" pitchFamily="49" charset="0"/>
+              </a:rPr>
+              <a:t>                (succeeded? operand2))</a:t>
+            </a:r>
+          </a:p>
+          <a:p>
+            <a:pPr>
+              <a:buNone/>
+            </a:pPr>
+            <a:r>
+              <a:rPr lang="en-US" b="1" dirty="0">
+                <a:latin typeface="Consolas" pitchFamily="49" charset="0"/>
+                <a:cs typeface="Consolas" pitchFamily="49" charset="0"/>
+              </a:rPr>
+              <a:t>           (make-</a:t>
+            </a:r>
+            <a:r>
+              <a:rPr lang="en-US" b="1" dirty="0" err="1">
+                <a:latin typeface="Consolas" pitchFamily="49" charset="0"/>
+                <a:cs typeface="Consolas" pitchFamily="49" charset="0"/>
+              </a:rPr>
+              <a:t>diffexp</a:t>
+            </a:r>
+            <a:r>
+              <a:rPr lang="en-US" b="1" dirty="0">
+                <a:latin typeface="Consolas" pitchFamily="49" charset="0"/>
+                <a:cs typeface="Consolas" pitchFamily="49" charset="0"/>
+              </a:rPr>
+              <a:t> operand1 operand2)</a:t>
+            </a:r>
+          </a:p>
+          <a:p>
+            <a:pPr>
+              <a:buNone/>
+            </a:pPr>
+            <a:r>
+              <a:rPr lang="en-US" b="1" dirty="0">
+                <a:latin typeface="Consolas" pitchFamily="49" charset="0"/>
+                <a:cs typeface="Consolas" pitchFamily="49" charset="0"/>
+              </a:rPr>
+              <a:t>           false))]</a:t>
+            </a:r>
+          </a:p>
+          <a:p>
+            <a:pPr>
+              <a:buNone/>
+            </a:pPr>
+            <a:r>
+              <a:rPr lang="en-US" b="1" dirty="0">
+                <a:latin typeface="Consolas" pitchFamily="49" charset="0"/>
+                <a:cs typeface="Consolas" pitchFamily="49" charset="0"/>
+              </a:rPr>
+              <a:t>    [else false]))</a:t>
+            </a:r>
+          </a:p>
+          <a:p>
+            <a:pPr>
+              <a:buNone/>
+            </a:pPr>
+            <a:endParaRPr lang="en-US" b="1" dirty="0">
+              <a:latin typeface="Consolas" pitchFamily="49" charset="0"/>
+              <a:cs typeface="Consolas" pitchFamily="49" charset="0"/>
             </a:endParaRPr>
           </a:p>
-          <a:p>
-            <a:pPr>
-              <a:spcBef>
-                <a:spcPts val="0"/>
-              </a:spcBef>
-            </a:pPr>
-            <a:endParaRPr lang="en-US" sz="1800" dirty="0"/>
-          </a:p>
         </p:txBody>
       </p:sp>
       <p:sp>
@@ -15014,18 +14037,79 @@
           <a:bodyPr/>
           <a:lstStyle/>
           <a:p>
-            <a:fld id="{2AF3B5EA-18B6-4040-9F78-6052AF49C681}" type="slidenum">
+            <a:fld id="{9F4492BD-6A9C-48FC-AC76-0B4FE11194A1}" type="slidenum">
               <a:rPr lang="en-US" smtClean="0"/>
+              <a:pPr/>
               <a:t>27</a:t>
             </a:fld>
             <a:endParaRPr lang="en-US"/>
           </a:p>
         </p:txBody>
       </p:sp>
+      <p:sp>
+        <p:nvSpPr>
+          <p:cNvPr id="5" name="Rectangle 4"/>
+          <p:cNvSpPr/>
+          <p:nvPr/>
+        </p:nvSpPr>
+        <p:spPr>
+          <a:xfrm>
+            <a:off x="5334000" y="4953000"/>
+            <a:ext cx="3505200" cy="1447800"/>
+          </a:xfrm>
+          <a:prstGeom prst="rect">
+            <a:avLst/>
+          </a:prstGeom>
+          <a:solidFill>
+            <a:schemeClr val="accent3">
+              <a:lumMod val="40000"/>
+              <a:lumOff val="60000"/>
+            </a:schemeClr>
+          </a:solidFill>
+          <a:ln/>
+        </p:spPr>
+        <p:style>
+          <a:lnRef idx="2">
+            <a:schemeClr val="accent1"/>
+          </a:lnRef>
+          <a:fillRef idx="1">
+            <a:schemeClr val="lt1"/>
+          </a:fillRef>
+          <a:effectRef idx="0">
+            <a:schemeClr val="accent1"/>
+          </a:effectRef>
+          <a:fontRef idx="minor">
+            <a:schemeClr val="dk1"/>
+          </a:fontRef>
+        </p:style>
+        <p:txBody>
+          <a:bodyPr rot="0" spcFirstLastPara="0" vertOverflow="overflow" horzOverflow="overflow" vert="horz" wrap="square" lIns="91440" tIns="45720" rIns="91440" bIns="45720" numCol="1" spcCol="0" rtlCol="0" fromWordArt="0" anchor="ctr" anchorCtr="0" forceAA="0" compatLnSpc="1">
+            <a:prstTxWarp prst="textNoShape">
+              <a:avLst/>
+            </a:prstTxWarp>
+            <a:noAutofit/>
+          </a:bodyPr>
+          <a:lstStyle/>
+          <a:p>
+            <a:r>
+              <a:rPr lang="en-US" sz="2000" dirty="0"/>
+              <a:t>But what strategy is this?  It doesn’t fit the template for </a:t>
+            </a:r>
+            <a:r>
+              <a:rPr lang="en-US" sz="2000" dirty="0" err="1"/>
+              <a:t>SexpOfAtom</a:t>
+            </a:r>
+            <a:r>
+              <a:rPr lang="en-US" sz="2000" dirty="0"/>
+              <a:t>.  It’s not even close.</a:t>
+            </a:r>
+          </a:p>
+        </p:txBody>
+      </p:sp>
     </p:spTree>
     <p:extLst>
       <p:ext uri="{BB962C8B-B14F-4D97-AF65-F5344CB8AC3E}">
-        <p14:creationId xmlns:p14="http://schemas.microsoft.com/office/powerpoint/2010/main" val="2545349086"/>
+        <p14:creationId xmlns:p14="http://schemas.microsoft.com/office/powerpoint/2010/main" val="776828848"/>
       </p:ext>
     </p:extLst>
   </p:cSld>
@@ -15291,14 +14375,14 @@
                 <a:latin typeface="Consolas" pitchFamily="49" charset="0"/>
                 <a:cs typeface="Consolas" pitchFamily="49" charset="0"/>
               </a:rPr>
-              <a:t>;; strategy: </a:t>
+              <a:t>;; </a:t>
             </a:r>
             <a:r>
               <a:rPr lang="en-US" b="1" dirty="0" smtClean="0">
                 <a:latin typeface="Consolas" pitchFamily="49" charset="0"/>
                 <a:cs typeface="Consolas" pitchFamily="49" charset="0"/>
               </a:rPr>
-              <a:t>use general recursion template </a:t>
+              <a:t>STRATEGY: recur on either (rest lst1) or </a:t>
             </a:r>
           </a:p>
           <a:p>
@@ -15310,19 +14394,46 @@
                 <a:latin typeface="Consolas" pitchFamily="49" charset="0"/>
                 <a:cs typeface="Consolas" pitchFamily="49" charset="0"/>
               </a:rPr>
-              <a:t>;; (on next slide)</a:t>
-            </a:r>
-          </a:p>
-          <a:p>
-            <a:pPr>
-              <a:buNone/>
-            </a:pPr>
+              <a:t>;; </a:t>
+            </a:r>
+            <a:r>
+              <a:rPr lang="en-US" b="1" dirty="0" smtClean="0">
+                <a:latin typeface="Consolas" pitchFamily="49" charset="0"/>
+                <a:cs typeface="Consolas" pitchFamily="49" charset="0"/>
+              </a:rPr>
+              <a:t>(rest lst2)</a:t>
+            </a:r>
+            <a:endParaRPr lang="en-US" b="1" dirty="0" smtClean="0">
+              <a:latin typeface="Consolas" pitchFamily="49" charset="0"/>
+              <a:cs typeface="Consolas" pitchFamily="49" charset="0"/>
+            </a:endParaRPr>
+          </a:p>
+          <a:p>
+            <a:pPr>
+              <a:buNone/>
+            </a:pPr>
+            <a:endParaRPr lang="en-US" b="1" dirty="0" smtClean="0">
+              <a:latin typeface="Consolas" pitchFamily="49" charset="0"/>
+              <a:cs typeface="Consolas" pitchFamily="49" charset="0"/>
+            </a:endParaRPr>
+          </a:p>
+          <a:p>
+            <a:pPr>
+              <a:buNone/>
+            </a:pPr>
+            <a:r>
+              <a:rPr lang="en-US" b="1" dirty="0" smtClean="0">
+                <a:latin typeface="Consolas" pitchFamily="49" charset="0"/>
+                <a:cs typeface="Consolas" pitchFamily="49" charset="0"/>
+              </a:rPr>
+              <a:t>(</a:t>
+            </a:r>
             <a:r>
               <a:rPr lang="en-US" b="1" dirty="0">
                 <a:latin typeface="Consolas" pitchFamily="49" charset="0"/>
                 <a:cs typeface="Consolas" pitchFamily="49" charset="0"/>
               </a:rPr>
-              <a:t>(define (merge lst1 lst2)</a:t>
+              <a:t>define (merge lst1 lst2)</a:t>
             </a:r>
           </a:p>
           <a:p>
@@ -17133,6 +16244,34 @@
       </p:grpSpPr>
       <p:sp>
         <p:nvSpPr>
+          <p:cNvPr id="2" name="Title 1"/>
+          <p:cNvSpPr>
+            <a:spLocks noGrp="1"/>
+          </p:cNvSpPr>
+          <p:nvPr>
+            <p:ph type="title"/>
+          </p:nvPr>
+        </p:nvSpPr>
+        <p:spPr>
+          <a:xfrm>
+            <a:off x="457200" y="304800"/>
+            <a:ext cx="8229600" cy="1143000"/>
+          </a:xfrm>
+        </p:spPr>
+        <p:txBody>
+          <a:bodyPr/>
+          <a:lstStyle/>
+          <a:p>
+            <a:r>
+              <a:rPr lang="en-US" b="1" dirty="0" smtClean="0"/>
+              <a:t>merge-sort</a:t>
+            </a:r>
+            <a:endParaRPr lang="en-US" b="1" dirty="0"/>
+          </a:p>
+        </p:txBody>
+      </p:sp>
+      <p:sp>
+        <p:nvSpPr>
           <p:cNvPr id="3" name="Content Placeholder 2"/>
           <p:cNvSpPr>
             <a:spLocks noGrp="1"/>
@@ -17144,7 +16283,7 @@
         <p:spPr/>
         <p:txBody>
           <a:bodyPr>
-            <a:normAutofit fontScale="32500" lnSpcReduction="20000"/>
+            <a:noAutofit/>
           </a:bodyPr>
           <a:lstStyle/>
           <a:p>
@@ -17152,99 +16291,34 @@
               <a:buNone/>
             </a:pPr>
             <a:r>
-              <a:rPr lang="en-US" sz="5500" b="1" dirty="0" smtClean="0">
-                <a:latin typeface="Consolas" pitchFamily="49" charset="0"/>
-                <a:cs typeface="Consolas" pitchFamily="49" charset="0"/>
-              </a:rPr>
-              <a:t>;; </a:t>
-            </a:r>
-            <a:r>
-              <a:rPr lang="en-US" sz="5500" b="1" dirty="0" smtClean="0">
-                <a:latin typeface="Consolas" pitchFamily="49" charset="0"/>
-                <a:cs typeface="Consolas" pitchFamily="49" charset="0"/>
-              </a:rPr>
-              <a:t>solve </a:t>
-            </a:r>
-            <a:r>
-              <a:rPr lang="en-US" sz="5500" b="1" dirty="0" smtClean="0">
-                <a:latin typeface="Consolas" pitchFamily="49" charset="0"/>
-                <a:cs typeface="Consolas" pitchFamily="49" charset="0"/>
-              </a:rPr>
-              <a:t>: Problem -&gt; </a:t>
-            </a:r>
-            <a:r>
-              <a:rPr lang="en-US" sz="5500" b="1" dirty="0" smtClean="0">
-                <a:latin typeface="Consolas" pitchFamily="49" charset="0"/>
-                <a:cs typeface="Consolas" pitchFamily="49" charset="0"/>
-              </a:rPr>
-              <a:t>Solution</a:t>
-            </a:r>
-            <a:r>
-              <a:rPr lang="en-US" sz="5500" b="1" i="1" dirty="0" smtClean="0">
-                <a:solidFill>
-                  <a:schemeClr val="bg1"/>
-                </a:solidFill>
-                <a:latin typeface="Consolas" pitchFamily="49" charset="0"/>
-                <a:cs typeface="Consolas" pitchFamily="49" charset="0"/>
-              </a:rPr>
-              <a:t> </a:t>
-            </a:r>
-            <a:r>
-              <a:rPr lang="en-US" sz="5500" b="1" i="1" dirty="0" smtClean="0">
-                <a:solidFill>
-                  <a:schemeClr val="bg1"/>
-                </a:solidFill>
-                <a:latin typeface="Consolas" pitchFamily="49" charset="0"/>
-                <a:cs typeface="Consolas" pitchFamily="49" charset="0"/>
-              </a:rPr>
-              <a:t>ARGUMENT: explain why new-problem1 and new-problem2 are easier than the-problem.</a:t>
-            </a:r>
-          </a:p>
-          <a:p>
-            <a:pPr>
-              <a:buNone/>
-            </a:pPr>
-            <a:r>
-              <a:rPr lang="en-US" sz="5500" b="1" dirty="0" smtClean="0">
-                <a:latin typeface="Consolas" pitchFamily="49" charset="0"/>
-                <a:cs typeface="Consolas" pitchFamily="49" charset="0"/>
-              </a:rPr>
-              <a:t>(define (</a:t>
-            </a:r>
-            <a:r>
-              <a:rPr lang="en-US" sz="5500" b="1" dirty="0" smtClean="0">
-                <a:latin typeface="Consolas" pitchFamily="49" charset="0"/>
-                <a:cs typeface="Consolas" pitchFamily="49" charset="0"/>
-              </a:rPr>
-              <a:t>solution </a:t>
-            </a:r>
-            <a:r>
-              <a:rPr lang="en-US" sz="5500" b="1" dirty="0" smtClean="0">
-                <a:latin typeface="Consolas" pitchFamily="49" charset="0"/>
-                <a:cs typeface="Consolas" pitchFamily="49" charset="0"/>
-              </a:rPr>
-              <a:t>the-problem)</a:t>
-            </a:r>
-          </a:p>
-          <a:p>
-            <a:pPr>
-              <a:buNone/>
-            </a:pPr>
-            <a:r>
-              <a:rPr lang="en-US" sz="5500" b="1" dirty="0" smtClean="0">
-                <a:latin typeface="Consolas" pitchFamily="49" charset="0"/>
-                <a:cs typeface="Consolas" pitchFamily="49" charset="0"/>
-              </a:rPr>
-              <a:t>  (</a:t>
-            </a:r>
-            <a:r>
-              <a:rPr lang="en-US" sz="5500" b="1" dirty="0" err="1" smtClean="0">
-                <a:latin typeface="Consolas" pitchFamily="49" charset="0"/>
-                <a:cs typeface="Consolas" pitchFamily="49" charset="0"/>
-              </a:rPr>
-              <a:t>cond</a:t>
-            </a:r>
-            <a:endParaRPr lang="en-US" sz="5500" b="1" dirty="0" smtClean="0">
+              <a:rPr lang="en-US" sz="1600" b="1" dirty="0" smtClean="0">
+                <a:latin typeface="Consolas" pitchFamily="49" charset="0"/>
+                <a:cs typeface="Consolas" pitchFamily="49" charset="0"/>
+              </a:rPr>
+              <a:t>;; merge-sort : </a:t>
+            </a:r>
+            <a:r>
+              <a:rPr lang="en-US" sz="1600" b="1" dirty="0" err="1" smtClean="0">
+                <a:latin typeface="Consolas" pitchFamily="49" charset="0"/>
+                <a:cs typeface="Consolas" pitchFamily="49" charset="0"/>
+              </a:rPr>
+              <a:t>ListOfNumber</a:t>
+            </a:r>
+            <a:r>
+              <a:rPr lang="en-US" sz="1600" b="1" dirty="0" smtClean="0">
+                <a:latin typeface="Consolas" pitchFamily="49" charset="0"/>
+                <a:cs typeface="Consolas" pitchFamily="49" charset="0"/>
+              </a:rPr>
+              <a:t> -&gt; </a:t>
+            </a:r>
+            <a:r>
+              <a:rPr lang="en-US" sz="1600" b="1" dirty="0" err="1" smtClean="0">
+                <a:latin typeface="Consolas" pitchFamily="49" charset="0"/>
+                <a:cs typeface="Consolas" pitchFamily="49" charset="0"/>
+              </a:rPr>
+              <a:t>SortedList</a:t>
+            </a:r>
+            <a:endParaRPr lang="en-US" sz="1600" b="1" dirty="0" smtClean="0">
               <a:latin typeface="Consolas" pitchFamily="49" charset="0"/>
               <a:cs typeface="Consolas" pitchFamily="49" charset="0"/>
             </a:endParaRPr>
@@ -17254,146 +16328,27 @@
               <a:buNone/>
             </a:pPr>
             <a:r>
-              <a:rPr lang="en-US" sz="5500" b="1" dirty="0" smtClean="0">
-                <a:latin typeface="Consolas" pitchFamily="49" charset="0"/>
-                <a:cs typeface="Consolas" pitchFamily="49" charset="0"/>
-              </a:rPr>
-              <a:t>    [(</a:t>
-            </a:r>
-            <a:r>
-              <a:rPr lang="en-US" sz="5500" b="1" dirty="0" smtClean="0">
-                <a:solidFill>
-                  <a:schemeClr val="accent6">
-                    <a:lumMod val="75000"/>
-                  </a:schemeClr>
-                </a:solidFill>
-                <a:latin typeface="Consolas" pitchFamily="49" charset="0"/>
-                <a:cs typeface="Consolas" pitchFamily="49" charset="0"/>
-              </a:rPr>
-              <a:t>trivial1? </a:t>
-            </a:r>
-            <a:r>
-              <a:rPr lang="en-US" sz="5500" b="1" dirty="0" smtClean="0">
-                <a:latin typeface="Consolas" pitchFamily="49" charset="0"/>
-                <a:cs typeface="Consolas" pitchFamily="49" charset="0"/>
-              </a:rPr>
-              <a:t>the-problem) (</a:t>
-            </a:r>
-            <a:r>
-              <a:rPr lang="en-US" sz="5500" b="1" dirty="0">
-                <a:solidFill>
-                  <a:schemeClr val="accent6">
-                    <a:lumMod val="75000"/>
-                  </a:schemeClr>
-                </a:solidFill>
-                <a:latin typeface="Consolas" pitchFamily="49" charset="0"/>
-                <a:cs typeface="Consolas" pitchFamily="49" charset="0"/>
-              </a:rPr>
-              <a:t>trivial-solution1 </a:t>
-            </a:r>
-            <a:r>
-              <a:rPr lang="en-US" sz="5500" b="1" dirty="0" smtClean="0">
-                <a:latin typeface="Consolas" pitchFamily="49" charset="0"/>
-                <a:cs typeface="Consolas" pitchFamily="49" charset="0"/>
-              </a:rPr>
-              <a:t>the-problem)]</a:t>
-            </a:r>
-          </a:p>
-          <a:p>
-            <a:pPr>
-              <a:buNone/>
-            </a:pPr>
-            <a:r>
-              <a:rPr lang="en-US" sz="5500" b="1" dirty="0" smtClean="0">
-                <a:latin typeface="Consolas" pitchFamily="49" charset="0"/>
-                <a:cs typeface="Consolas" pitchFamily="49" charset="0"/>
-              </a:rPr>
-              <a:t>    [(</a:t>
-            </a:r>
-            <a:r>
-              <a:rPr lang="en-US" sz="5500" b="1" dirty="0" smtClean="0">
-                <a:solidFill>
-                  <a:schemeClr val="accent6">
-                    <a:lumMod val="75000"/>
-                  </a:schemeClr>
-                </a:solidFill>
-                <a:latin typeface="Consolas" pitchFamily="49" charset="0"/>
-                <a:cs typeface="Consolas" pitchFamily="49" charset="0"/>
-              </a:rPr>
-              <a:t>trivial2?</a:t>
-            </a:r>
-            <a:r>
-              <a:rPr lang="en-US" sz="5500" b="1" dirty="0" smtClean="0">
-                <a:latin typeface="Consolas" pitchFamily="49" charset="0"/>
-                <a:cs typeface="Consolas" pitchFamily="49" charset="0"/>
-              </a:rPr>
-              <a:t> </a:t>
-            </a:r>
-            <a:r>
-              <a:rPr lang="en-US" sz="5500" b="1" dirty="0" smtClean="0">
-                <a:latin typeface="Consolas" pitchFamily="49" charset="0"/>
-                <a:cs typeface="Consolas" pitchFamily="49" charset="0"/>
-              </a:rPr>
-              <a:t>the-problem) (</a:t>
-            </a:r>
-            <a:r>
-              <a:rPr lang="en-US" sz="5500" b="1" dirty="0">
-                <a:solidFill>
-                  <a:schemeClr val="accent6">
-                    <a:lumMod val="75000"/>
-                  </a:schemeClr>
-                </a:solidFill>
-                <a:latin typeface="Consolas" pitchFamily="49" charset="0"/>
-                <a:cs typeface="Consolas" pitchFamily="49" charset="0"/>
-              </a:rPr>
-              <a:t>trivial-solution2 </a:t>
-            </a:r>
-            <a:r>
-              <a:rPr lang="en-US" sz="5500" b="1" dirty="0" smtClean="0">
-                <a:latin typeface="Consolas" pitchFamily="49" charset="0"/>
-                <a:cs typeface="Consolas" pitchFamily="49" charset="0"/>
-              </a:rPr>
-              <a:t>the-problem)]</a:t>
-            </a:r>
-          </a:p>
-          <a:p>
-            <a:pPr>
-              <a:buNone/>
-            </a:pPr>
-            <a:r>
-              <a:rPr lang="en-US" sz="5500" b="1" dirty="0" smtClean="0">
-                <a:latin typeface="Consolas" pitchFamily="49" charset="0"/>
-                <a:cs typeface="Consolas" pitchFamily="49" charset="0"/>
-              </a:rPr>
-              <a:t>    [(</a:t>
-            </a:r>
-            <a:r>
-              <a:rPr lang="en-US" sz="5500" b="1" dirty="0" smtClean="0">
-                <a:solidFill>
-                  <a:schemeClr val="accent6">
-                    <a:lumMod val="75000"/>
-                  </a:schemeClr>
-                </a:solidFill>
-                <a:latin typeface="Consolas" pitchFamily="49" charset="0"/>
-                <a:cs typeface="Consolas" pitchFamily="49" charset="0"/>
-              </a:rPr>
-              <a:t>difficult1? </a:t>
-            </a:r>
-            <a:r>
-              <a:rPr lang="en-US" sz="5500" b="1" dirty="0" smtClean="0">
-                <a:latin typeface="Consolas" pitchFamily="49" charset="0"/>
-                <a:cs typeface="Consolas" pitchFamily="49" charset="0"/>
-              </a:rPr>
-              <a:t>the-problem</a:t>
-            </a:r>
-            <a:r>
-              <a:rPr lang="en-US" sz="5500" b="1" dirty="0" smtClean="0">
-                <a:latin typeface="Consolas" pitchFamily="49" charset="0"/>
-                <a:cs typeface="Consolas" pitchFamily="49" charset="0"/>
-              </a:rPr>
-              <a:t>)     </a:t>
-            </a:r>
-            <a:endParaRPr lang="en-US" sz="5500" b="1" dirty="0" smtClean="0">
+              <a:rPr lang="en-US" sz="1600" b="1" dirty="0">
+                <a:latin typeface="Consolas" pitchFamily="49" charset="0"/>
+                <a:cs typeface="Consolas" pitchFamily="49" charset="0"/>
+              </a:rPr>
+              <a:t>;; STRATEGY: recur on </a:t>
+            </a:r>
+            <a:r>
+              <a:rPr lang="en-US" sz="1600" b="1" dirty="0" smtClean="0">
+                <a:latin typeface="Consolas" pitchFamily="49" charset="0"/>
+                <a:cs typeface="Consolas" pitchFamily="49" charset="0"/>
+              </a:rPr>
+              <a:t>even-numbered </a:t>
+            </a:r>
+            <a:r>
+              <a:rPr lang="en-US" sz="1600" b="1" dirty="0">
+                <a:latin typeface="Consolas" pitchFamily="49" charset="0"/>
+                <a:cs typeface="Consolas" pitchFamily="49" charset="0"/>
+              </a:rPr>
+              <a:t>elements and </a:t>
+            </a:r>
+            <a:endParaRPr lang="en-US" sz="1600" b="1" dirty="0" smtClean="0">
               <a:latin typeface="Consolas" pitchFamily="49" charset="0"/>
               <a:cs typeface="Consolas" pitchFamily="49" charset="0"/>
             </a:endParaRPr>
@@ -17403,37 +16358,46 @@
               <a:buNone/>
             </a:pPr>
             <a:r>
-              <a:rPr lang="en-US" sz="5500" b="1" dirty="0" smtClean="0">
-                <a:latin typeface="Consolas" pitchFamily="49" charset="0"/>
-                <a:cs typeface="Consolas" pitchFamily="49" charset="0"/>
-              </a:rPr>
-              <a:t>     </a:t>
-            </a:r>
-            <a:r>
-              <a:rPr lang="en-US" sz="5500" b="1" dirty="0" smtClean="0">
-                <a:latin typeface="Consolas" pitchFamily="49" charset="0"/>
-                <a:cs typeface="Consolas" pitchFamily="49" charset="0"/>
-              </a:rPr>
-              <a:t>(</a:t>
-            </a:r>
-            <a:r>
-              <a:rPr lang="en-US" sz="5500" b="1" dirty="0" smtClean="0">
-                <a:solidFill>
-                  <a:schemeClr val="accent6">
-                    <a:lumMod val="75000"/>
-                  </a:schemeClr>
-                </a:solidFill>
-                <a:latin typeface="Consolas" pitchFamily="49" charset="0"/>
-                <a:cs typeface="Consolas" pitchFamily="49" charset="0"/>
-              </a:rPr>
-              <a:t>adapt-solution1</a:t>
-            </a:r>
-            <a:endParaRPr lang="en-US" sz="5500" b="1" dirty="0">
-              <a:solidFill>
-                <a:schemeClr val="accent6">
-                  <a:lumMod val="75000"/>
-                </a:schemeClr>
-              </a:solidFill>
+              <a:rPr lang="en-US" sz="1600" b="1" dirty="0" smtClean="0">
+                <a:latin typeface="Consolas" pitchFamily="49" charset="0"/>
+                <a:cs typeface="Consolas" pitchFamily="49" charset="0"/>
+              </a:rPr>
+              <a:t>;; odd-numbered </a:t>
+            </a:r>
+            <a:r>
+              <a:rPr lang="en-US" sz="1600" b="1" dirty="0">
+                <a:latin typeface="Consolas" pitchFamily="49" charset="0"/>
+                <a:cs typeface="Consolas" pitchFamily="49" charset="0"/>
+              </a:rPr>
+              <a:t>elements</a:t>
+            </a:r>
+            <a:r>
+              <a:rPr lang="en-US" sz="1600" b="1" dirty="0" smtClean="0">
+                <a:latin typeface="Consolas" pitchFamily="49" charset="0"/>
+                <a:cs typeface="Consolas" pitchFamily="49" charset="0"/>
+              </a:rPr>
+              <a:t>, </a:t>
+            </a:r>
+            <a:r>
+              <a:rPr lang="en-US" sz="1600" b="1" dirty="0">
+                <a:latin typeface="Consolas" pitchFamily="49" charset="0"/>
+                <a:cs typeface="Consolas" pitchFamily="49" charset="0"/>
+              </a:rPr>
+              <a:t>then </a:t>
+            </a:r>
+            <a:r>
+              <a:rPr lang="en-US" sz="1600" b="1" dirty="0" smtClean="0">
+                <a:latin typeface="Consolas" pitchFamily="49" charset="0"/>
+                <a:cs typeface="Consolas" pitchFamily="49" charset="0"/>
+              </a:rPr>
+              <a:t>merge results.</a:t>
+            </a:r>
+          </a:p>
+          <a:p>
+            <a:pPr>
+              <a:buNone/>
+            </a:pPr>
+            <a:endParaRPr lang="en-US" sz="1600" b="1" dirty="0" smtClean="0">
               <a:latin typeface="Consolas" pitchFamily="49" charset="0"/>
               <a:cs typeface="Consolas" pitchFamily="49" charset="0"/>
             </a:endParaRPr>
@@ -17443,118 +16407,46 @@
               <a:buNone/>
             </a:pPr>
             <a:r>
-              <a:rPr lang="en-US" sz="5500" b="1" dirty="0" smtClean="0">
-                <a:latin typeface="Consolas" pitchFamily="49" charset="0"/>
-                <a:cs typeface="Consolas" pitchFamily="49" charset="0"/>
-              </a:rPr>
-              <a:t>       (solve </a:t>
-            </a:r>
-          </a:p>
-          <a:p>
-            <a:pPr>
-              <a:buNone/>
-            </a:pPr>
-            <a:r>
-              <a:rPr lang="en-US" sz="5500" b="1" dirty="0" smtClean="0">
-                <a:latin typeface="Consolas" pitchFamily="49" charset="0"/>
-                <a:cs typeface="Consolas" pitchFamily="49" charset="0"/>
-              </a:rPr>
-              <a:t>         (</a:t>
-            </a:r>
-            <a:r>
-              <a:rPr lang="en-US" sz="5500" b="1" dirty="0" smtClean="0">
-                <a:solidFill>
-                  <a:schemeClr val="accent6">
-                    <a:lumMod val="75000"/>
-                  </a:schemeClr>
-                </a:solidFill>
-                <a:latin typeface="Consolas" pitchFamily="49" charset="0"/>
-                <a:cs typeface="Consolas" pitchFamily="49" charset="0"/>
-              </a:rPr>
-              <a:t>simpler-instance1 </a:t>
-            </a:r>
-            <a:r>
-              <a:rPr lang="en-US" sz="5500" b="1" dirty="0">
-                <a:latin typeface="Consolas" pitchFamily="49" charset="0"/>
-                <a:cs typeface="Consolas" pitchFamily="49" charset="0"/>
-              </a:rPr>
-              <a:t>the-problem</a:t>
-            </a:r>
-            <a:r>
-              <a:rPr lang="en-US" sz="5500" b="1" dirty="0" smtClean="0">
-                <a:latin typeface="Consolas" pitchFamily="49" charset="0"/>
-                <a:cs typeface="Consolas" pitchFamily="49" charset="0"/>
-              </a:rPr>
-              <a:t>)))]</a:t>
-            </a:r>
-          </a:p>
-          <a:p>
-            <a:pPr>
-              <a:buNone/>
-            </a:pPr>
-            <a:r>
-              <a:rPr lang="en-US" sz="5500" b="1" dirty="0">
-                <a:latin typeface="Consolas" pitchFamily="49" charset="0"/>
-                <a:cs typeface="Consolas" pitchFamily="49" charset="0"/>
-              </a:rPr>
-              <a:t> </a:t>
-            </a:r>
-            <a:r>
-              <a:rPr lang="en-US" sz="5500" b="1" dirty="0" smtClean="0">
-                <a:latin typeface="Consolas" pitchFamily="49" charset="0"/>
-                <a:cs typeface="Consolas" pitchFamily="49" charset="0"/>
-              </a:rPr>
-              <a:t>   [(</a:t>
-            </a:r>
-            <a:r>
-              <a:rPr lang="en-US" sz="5500" b="1" dirty="0" smtClean="0">
-                <a:solidFill>
-                  <a:schemeClr val="accent6">
-                    <a:lumMod val="75000"/>
-                  </a:schemeClr>
-                </a:solidFill>
-                <a:latin typeface="Consolas" pitchFamily="49" charset="0"/>
-                <a:cs typeface="Consolas" pitchFamily="49" charset="0"/>
-              </a:rPr>
-              <a:t>difficult2? </a:t>
-            </a:r>
-            <a:r>
-              <a:rPr lang="en-US" sz="5500" b="1" dirty="0">
-                <a:latin typeface="Consolas" pitchFamily="49" charset="0"/>
-                <a:cs typeface="Consolas" pitchFamily="49" charset="0"/>
-              </a:rPr>
-              <a:t>the-problem)     </a:t>
-            </a:r>
-          </a:p>
-          <a:p>
-            <a:pPr>
-              <a:buNone/>
-            </a:pPr>
-            <a:r>
-              <a:rPr lang="en-US" sz="5500" b="1" dirty="0">
-                <a:latin typeface="Consolas" pitchFamily="49" charset="0"/>
-                <a:cs typeface="Consolas" pitchFamily="49" charset="0"/>
-              </a:rPr>
-              <a:t>     (</a:t>
-            </a:r>
-            <a:r>
-              <a:rPr lang="en-US" sz="5500" b="1" dirty="0" smtClean="0">
-                <a:solidFill>
-                  <a:schemeClr val="accent6">
-                    <a:lumMod val="75000"/>
-                  </a:schemeClr>
-                </a:solidFill>
-                <a:latin typeface="Consolas" pitchFamily="49" charset="0"/>
-                <a:cs typeface="Consolas" pitchFamily="49" charset="0"/>
-              </a:rPr>
-              <a:t>adapt-solution2</a:t>
-            </a:r>
-            <a:endParaRPr lang="en-US" sz="5500" b="1" dirty="0">
-              <a:solidFill>
-                <a:schemeClr val="accent6">
-                  <a:lumMod val="75000"/>
-                </a:schemeClr>
-              </a:solidFill>
+              <a:rPr lang="en-US" sz="1600" b="1" dirty="0" smtClean="0">
+                <a:latin typeface="Consolas" pitchFamily="49" charset="0"/>
+                <a:cs typeface="Consolas" pitchFamily="49" charset="0"/>
+              </a:rPr>
+              <a:t>(define (merge-sort </a:t>
+            </a:r>
+            <a:r>
+              <a:rPr lang="en-US" sz="1600" b="1" dirty="0" err="1" smtClean="0">
+                <a:latin typeface="Consolas" pitchFamily="49" charset="0"/>
+                <a:cs typeface="Consolas" pitchFamily="49" charset="0"/>
+              </a:rPr>
+              <a:t>lon</a:t>
+            </a:r>
+            <a:r>
+              <a:rPr lang="en-US" sz="1600" b="1" dirty="0" smtClean="0">
+                <a:latin typeface="Consolas" pitchFamily="49" charset="0"/>
+                <a:cs typeface="Consolas" pitchFamily="49" charset="0"/>
+              </a:rPr>
+              <a:t>)</a:t>
+            </a:r>
+          </a:p>
+          <a:p>
+            <a:pPr>
+              <a:buNone/>
+            </a:pPr>
+            <a:r>
+              <a:rPr lang="en-US" sz="1600" b="1" dirty="0" smtClean="0">
+                <a:latin typeface="Consolas" pitchFamily="49" charset="0"/>
+                <a:cs typeface="Consolas" pitchFamily="49" charset="0"/>
+              </a:rPr>
+              <a:t>  (</a:t>
+            </a:r>
+            <a:r>
+              <a:rPr lang="en-US" sz="1600" b="1" dirty="0" err="1" smtClean="0">
+                <a:latin typeface="Consolas" pitchFamily="49" charset="0"/>
+                <a:cs typeface="Consolas" pitchFamily="49" charset="0"/>
+              </a:rPr>
+              <a:t>cond</a:t>
+            </a:r>
+            <a:endParaRPr lang="en-US" sz="1600" b="1" dirty="0" smtClean="0">
               <a:latin typeface="Consolas" pitchFamily="49" charset="0"/>
               <a:cs typeface="Consolas" pitchFamily="49" charset="0"/>
             </a:endParaRPr>
@@ -17564,88 +16456,201 @@
               <a:buNone/>
             </a:pPr>
             <a:r>
-              <a:rPr lang="en-US" sz="5500" b="1" dirty="0">
-                <a:latin typeface="Consolas" pitchFamily="49" charset="0"/>
-                <a:cs typeface="Consolas" pitchFamily="49" charset="0"/>
-              </a:rPr>
-              <a:t>       (solve </a:t>
-            </a:r>
-          </a:p>
-          <a:p>
-            <a:pPr>
-              <a:buNone/>
-            </a:pPr>
-            <a:r>
-              <a:rPr lang="en-US" sz="5500" b="1" dirty="0">
-                <a:latin typeface="Consolas" pitchFamily="49" charset="0"/>
-                <a:cs typeface="Consolas" pitchFamily="49" charset="0"/>
-              </a:rPr>
-              <a:t>         (</a:t>
-            </a:r>
-            <a:r>
-              <a:rPr lang="en-US" sz="5500" b="1" dirty="0" smtClean="0">
-                <a:solidFill>
-                  <a:schemeClr val="accent6">
-                    <a:lumMod val="75000"/>
-                  </a:schemeClr>
-                </a:solidFill>
-                <a:latin typeface="Consolas" pitchFamily="49" charset="0"/>
-                <a:cs typeface="Consolas" pitchFamily="49" charset="0"/>
-              </a:rPr>
-              <a:t>simpler-instance2 </a:t>
-            </a:r>
-            <a:r>
-              <a:rPr lang="en-US" sz="5500" b="1" dirty="0">
-                <a:latin typeface="Consolas" pitchFamily="49" charset="0"/>
-                <a:cs typeface="Consolas" pitchFamily="49" charset="0"/>
-              </a:rPr>
-              <a:t>the-problem</a:t>
-            </a:r>
-            <a:r>
-              <a:rPr lang="en-US" sz="5500" b="1" dirty="0" smtClean="0">
-                <a:latin typeface="Consolas" pitchFamily="49" charset="0"/>
-                <a:cs typeface="Consolas" pitchFamily="49" charset="0"/>
-              </a:rPr>
-              <a:t>)))]))</a:t>
-            </a:r>
-          </a:p>
-          <a:p>
-            <a:pPr>
-              <a:buNone/>
-            </a:pPr>
-            <a:endParaRPr lang="en-US" sz="5500" b="1" dirty="0">
-              <a:latin typeface="Consolas" pitchFamily="49" charset="0"/>
-              <a:cs typeface="Consolas" pitchFamily="49" charset="0"/>
+              <a:rPr lang="en-US" sz="1600" b="1" dirty="0" smtClean="0">
+                <a:latin typeface="Consolas" pitchFamily="49" charset="0"/>
+                <a:cs typeface="Consolas" pitchFamily="49" charset="0"/>
+              </a:rPr>
+              <a:t>    [(empty? </a:t>
+            </a:r>
+            <a:r>
+              <a:rPr lang="en-US" sz="1600" b="1" dirty="0" err="1" smtClean="0">
+                <a:latin typeface="Consolas" pitchFamily="49" charset="0"/>
+                <a:cs typeface="Consolas" pitchFamily="49" charset="0"/>
+              </a:rPr>
+              <a:t>lon</a:t>
+            </a:r>
+            <a:r>
+              <a:rPr lang="en-US" sz="1600" b="1" dirty="0" smtClean="0">
+                <a:latin typeface="Consolas" pitchFamily="49" charset="0"/>
+                <a:cs typeface="Consolas" pitchFamily="49" charset="0"/>
+              </a:rPr>
+              <a:t>) </a:t>
+            </a:r>
+            <a:r>
+              <a:rPr lang="en-US" sz="1600" b="1" dirty="0" err="1" smtClean="0">
+                <a:latin typeface="Consolas" pitchFamily="49" charset="0"/>
+                <a:cs typeface="Consolas" pitchFamily="49" charset="0"/>
+              </a:rPr>
+              <a:t>lon</a:t>
+            </a:r>
+            <a:r>
+              <a:rPr lang="en-US" sz="1600" b="1" dirty="0" smtClean="0">
+                <a:latin typeface="Consolas" pitchFamily="49" charset="0"/>
+                <a:cs typeface="Consolas" pitchFamily="49" charset="0"/>
+              </a:rPr>
+              <a:t>]</a:t>
+            </a:r>
+          </a:p>
+          <a:p>
+            <a:pPr>
+              <a:buNone/>
+            </a:pPr>
+            <a:r>
+              <a:rPr lang="en-US" sz="1600" b="1" dirty="0" smtClean="0">
+                <a:latin typeface="Consolas" pitchFamily="49" charset="0"/>
+                <a:cs typeface="Consolas" pitchFamily="49" charset="0"/>
+              </a:rPr>
+              <a:t>    [(empty? (rest </a:t>
+            </a:r>
+            <a:r>
+              <a:rPr lang="en-US" sz="1600" b="1" dirty="0" err="1" smtClean="0">
+                <a:latin typeface="Consolas" pitchFamily="49" charset="0"/>
+                <a:cs typeface="Consolas" pitchFamily="49" charset="0"/>
+              </a:rPr>
+              <a:t>lon</a:t>
+            </a:r>
+            <a:r>
+              <a:rPr lang="en-US" sz="1600" b="1" dirty="0" smtClean="0">
+                <a:latin typeface="Consolas" pitchFamily="49" charset="0"/>
+                <a:cs typeface="Consolas" pitchFamily="49" charset="0"/>
+              </a:rPr>
+              <a:t>)) </a:t>
+            </a:r>
+            <a:r>
+              <a:rPr lang="en-US" sz="1600" b="1" dirty="0" err="1" smtClean="0">
+                <a:latin typeface="Consolas" pitchFamily="49" charset="0"/>
+                <a:cs typeface="Consolas" pitchFamily="49" charset="0"/>
+              </a:rPr>
+              <a:t>lon</a:t>
+            </a:r>
+            <a:r>
+              <a:rPr lang="en-US" sz="1600" b="1" dirty="0" smtClean="0">
+                <a:latin typeface="Consolas" pitchFamily="49" charset="0"/>
+                <a:cs typeface="Consolas" pitchFamily="49" charset="0"/>
+              </a:rPr>
+              <a:t>]</a:t>
+            </a:r>
+          </a:p>
+          <a:p>
+            <a:pPr>
+              <a:buNone/>
+            </a:pPr>
+            <a:r>
+              <a:rPr lang="en-US" sz="1600" b="1" dirty="0" smtClean="0">
+                <a:latin typeface="Consolas" pitchFamily="49" charset="0"/>
+                <a:cs typeface="Consolas" pitchFamily="49" charset="0"/>
+              </a:rPr>
+              <a:t>    [else</a:t>
+            </a:r>
+          </a:p>
+          <a:p>
+            <a:pPr>
+              <a:buNone/>
+            </a:pPr>
+            <a:r>
+              <a:rPr lang="en-US" sz="1600" b="1" dirty="0" smtClean="0">
+                <a:latin typeface="Consolas" pitchFamily="49" charset="0"/>
+                <a:cs typeface="Consolas" pitchFamily="49" charset="0"/>
+              </a:rPr>
+              <a:t>      (local</a:t>
+            </a:r>
+          </a:p>
+          <a:p>
+            <a:pPr>
+              <a:buNone/>
+            </a:pPr>
+            <a:r>
+              <a:rPr lang="en-US" sz="1600" b="1" dirty="0" smtClean="0">
+                <a:latin typeface="Consolas" pitchFamily="49" charset="0"/>
+                <a:cs typeface="Consolas" pitchFamily="49" charset="0"/>
+              </a:rPr>
+              <a:t>       ((define evens (even-elements </a:t>
+            </a:r>
+            <a:r>
+              <a:rPr lang="en-US" sz="1600" b="1" dirty="0" err="1" smtClean="0">
+                <a:latin typeface="Consolas" pitchFamily="49" charset="0"/>
+                <a:cs typeface="Consolas" pitchFamily="49" charset="0"/>
+              </a:rPr>
+              <a:t>lon</a:t>
+            </a:r>
+            <a:r>
+              <a:rPr lang="en-US" sz="1600" b="1" dirty="0" smtClean="0">
+                <a:latin typeface="Consolas" pitchFamily="49" charset="0"/>
+                <a:cs typeface="Consolas" pitchFamily="49" charset="0"/>
+              </a:rPr>
+              <a:t>))</a:t>
+            </a:r>
+          </a:p>
+          <a:p>
+            <a:pPr>
+              <a:buNone/>
+            </a:pPr>
+            <a:r>
+              <a:rPr lang="en-US" sz="1600" b="1" dirty="0" smtClean="0">
+                <a:latin typeface="Consolas" pitchFamily="49" charset="0"/>
+                <a:cs typeface="Consolas" pitchFamily="49" charset="0"/>
+              </a:rPr>
+              <a:t>        (define odds  (odd-elements </a:t>
+            </a:r>
+            <a:r>
+              <a:rPr lang="en-US" sz="1600" b="1" dirty="0" err="1" smtClean="0">
+                <a:latin typeface="Consolas" pitchFamily="49" charset="0"/>
+                <a:cs typeface="Consolas" pitchFamily="49" charset="0"/>
+              </a:rPr>
+              <a:t>lon</a:t>
+            </a:r>
+            <a:r>
+              <a:rPr lang="en-US" sz="1600" b="1" dirty="0" smtClean="0">
+                <a:latin typeface="Consolas" pitchFamily="49" charset="0"/>
+                <a:cs typeface="Consolas" pitchFamily="49" charset="0"/>
+              </a:rPr>
+              <a:t>)))</a:t>
+            </a:r>
+          </a:p>
+          <a:p>
+            <a:pPr>
+              <a:buNone/>
+            </a:pPr>
+            <a:r>
+              <a:rPr lang="en-US" sz="1600" b="1" dirty="0" smtClean="0">
+                <a:latin typeface="Consolas" pitchFamily="49" charset="0"/>
+                <a:cs typeface="Consolas" pitchFamily="49" charset="0"/>
+              </a:rPr>
+              <a:t>       (merge </a:t>
+            </a:r>
+          </a:p>
+          <a:p>
+            <a:pPr>
+              <a:buNone/>
+            </a:pPr>
+            <a:r>
+              <a:rPr lang="en-US" sz="1600" b="1" dirty="0" smtClean="0">
+                <a:latin typeface="Consolas" pitchFamily="49" charset="0"/>
+                <a:cs typeface="Consolas" pitchFamily="49" charset="0"/>
+              </a:rPr>
+              <a:t>        (merge-sort evens)</a:t>
+            </a:r>
+          </a:p>
+          <a:p>
+            <a:pPr>
+              <a:buNone/>
+            </a:pPr>
+            <a:r>
+              <a:rPr lang="en-US" sz="1600" b="1" dirty="0" smtClean="0">
+                <a:latin typeface="Consolas" pitchFamily="49" charset="0"/>
+                <a:cs typeface="Consolas" pitchFamily="49" charset="0"/>
+              </a:rPr>
+              <a:t>        (merge-sort odds)))]))</a:t>
+            </a:r>
+          </a:p>
+          <a:p>
+            <a:pPr>
+              <a:buNone/>
+            </a:pPr>
+            <a:endParaRPr lang="en-US" sz="1600" b="1" dirty="0" smtClean="0">
+              <a:latin typeface="Courier New" pitchFamily="49" charset="0"/>
+              <a:cs typeface="Courier New" pitchFamily="49" charset="0"/>
             </a:endParaRPr>
-          </a:p>
-        </p:txBody>
-      </p:sp>
-      <p:sp>
-        <p:nvSpPr>
-          <p:cNvPr id="2" name="Title 1"/>
-          <p:cNvSpPr>
-            <a:spLocks noGrp="1"/>
-          </p:cNvSpPr>
-          <p:nvPr>
-            <p:ph type="title"/>
-          </p:nvPr>
-        </p:nvSpPr>
-        <p:spPr/>
-        <p:txBody>
-          <a:bodyPr>
-            <a:normAutofit/>
-          </a:bodyPr>
-          <a:lstStyle/>
-          <a:p>
-            <a:r>
-              <a:rPr lang="en-US" dirty="0" smtClean="0"/>
-              <a:t>Template for </a:t>
-            </a:r>
-            <a:r>
-              <a:rPr lang="en-US" b="1" dirty="0" smtClean="0"/>
-              <a:t>merge</a:t>
-            </a:r>
-            <a:endParaRPr lang="en-US" b="1" dirty="0"/>
           </a:p>
         </p:txBody>
       </p:sp>
@@ -17675,14 +16680,14 @@
       </p:sp>
       <p:sp>
         <p:nvSpPr>
-          <p:cNvPr id="5" name="Rectangle 4"/>
+          <p:cNvPr id="6" name="Rectangle 5"/>
           <p:cNvSpPr/>
           <p:nvPr/>
         </p:nvSpPr>
         <p:spPr>
           <a:xfrm>
-            <a:off x="6324600" y="3962400"/>
-            <a:ext cx="2590800" cy="1828800"/>
+            <a:off x="6248400" y="1677987"/>
+            <a:ext cx="2743200" cy="3810000"/>
           </a:xfrm>
           <a:prstGeom prst="rect">
             <a:avLst/>
@@ -17718,51 +16723,118 @@
           </a:bodyPr>
           <a:lstStyle/>
           <a:p>
-            <a:pPr algn="ctr"/>
-            <a:r>
-              <a:rPr lang="en-US" dirty="0" smtClean="0">
-                <a:solidFill>
-                  <a:schemeClr val="tx1"/>
-                </a:solidFill>
-              </a:rPr>
-              <a:t>Observe how the definition for </a:t>
-            </a:r>
-            <a:r>
-              <a:rPr lang="en-US" b="1" dirty="0" smtClean="0">
-                <a:solidFill>
-                  <a:schemeClr val="tx1"/>
-                </a:solidFill>
-              </a:rPr>
-              <a:t>merge</a:t>
-            </a:r>
-            <a:r>
-              <a:rPr lang="en-US" dirty="0" smtClean="0">
-                <a:solidFill>
-                  <a:schemeClr val="tx1"/>
-                </a:solidFill>
-              </a:rPr>
-              <a:t> </a:t>
-            </a:r>
-            <a:r>
-              <a:rPr lang="en-US" dirty="0" smtClean="0">
-                <a:solidFill>
-                  <a:schemeClr val="tx1"/>
-                </a:solidFill>
-              </a:rPr>
-              <a:t>matches this general-recursion template.</a:t>
-            </a:r>
-            <a:endParaRPr lang="en-US" dirty="0">
-              <a:solidFill>
-                <a:schemeClr val="tx1"/>
-              </a:solidFill>
-            </a:endParaRPr>
+            <a:r>
+              <a:rPr lang="en-US" sz="1600" dirty="0"/>
+              <a:t>Now we can write merge-sort.  merge-sort takes its input and divides it into two approximately equal-sized pieces.  </a:t>
+            </a:r>
+            <a:endParaRPr lang="en-US" sz="1600" dirty="0" smtClean="0"/>
+          </a:p>
+          <a:p>
+            <a:endParaRPr lang="en-US" sz="1600" dirty="0" smtClean="0"/>
+          </a:p>
+          <a:p>
+            <a:r>
+              <a:rPr lang="en-US" sz="1600" dirty="0" smtClean="0"/>
+              <a:t>Depending </a:t>
+            </a:r>
+            <a:r>
+              <a:rPr lang="en-US" sz="1600" dirty="0"/>
+              <a:t>on the data structures we use, this can be done in different ways.  We are using lists, so the easiest way is to take every other element of the list, so the list </a:t>
+            </a:r>
+            <a:r>
+              <a:rPr lang="en-US" sz="1600" b="1" dirty="0"/>
+              <a:t>(10 20 30 40 50)</a:t>
+            </a:r>
+            <a:r>
+              <a:rPr lang="en-US" sz="1600" dirty="0"/>
+              <a:t> would be split into </a:t>
+            </a:r>
+            <a:r>
+              <a:rPr lang="en-US" sz="1600" b="1" dirty="0"/>
+              <a:t>(10 30 50) </a:t>
+            </a:r>
+            <a:r>
+              <a:rPr lang="en-US" sz="1600" dirty="0"/>
+              <a:t>and </a:t>
+            </a:r>
+            <a:r>
+              <a:rPr lang="en-US" sz="1600" b="1" dirty="0"/>
+              <a:t>(20 40) </a:t>
+            </a:r>
+            <a:r>
+              <a:rPr lang="en-US" sz="1600" dirty="0" smtClean="0"/>
+              <a:t>.</a:t>
+            </a:r>
+          </a:p>
+          <a:p>
+            <a:endParaRPr lang="en-US" sz="1600" dirty="0" smtClean="0"/>
+          </a:p>
+        </p:txBody>
+      </p:sp>
+      <p:sp>
+        <p:nvSpPr>
+          <p:cNvPr id="7" name="Rectangle 6"/>
+          <p:cNvSpPr/>
+          <p:nvPr/>
+        </p:nvSpPr>
+        <p:spPr>
+          <a:xfrm>
+            <a:off x="6286500" y="5668963"/>
+            <a:ext cx="2667000" cy="914400"/>
+          </a:xfrm>
+          <a:prstGeom prst="rect">
+            <a:avLst/>
+          </a:prstGeom>
+          <a:solidFill>
+            <a:schemeClr val="accent3">
+              <a:lumMod val="40000"/>
+              <a:lumOff val="60000"/>
+            </a:schemeClr>
+          </a:solidFill>
+          <a:ln/>
+        </p:spPr>
+        <p:style>
+          <a:lnRef idx="2">
+            <a:schemeClr val="accent1"/>
+          </a:lnRef>
+          <a:fillRef idx="1">
+            <a:schemeClr val="lt1"/>
+          </a:fillRef>
+          <a:effectRef idx="0">
+            <a:schemeClr val="accent1"/>
+          </a:effectRef>
+          <a:fontRef idx="minor">
+            <a:schemeClr val="dk1"/>
+          </a:fontRef>
+        </p:style>
+        <p:txBody>
+          <a:bodyPr rot="0" spcFirstLastPara="0" vertOverflow="overflow" horzOverflow="overflow" vert="horz" wrap="square" lIns="91440" tIns="45720" rIns="91440" bIns="45720" numCol="1" spcCol="0" rtlCol="0" fromWordArt="0" anchor="ctr" anchorCtr="0" forceAA="0" compatLnSpc="1">
+            <a:prstTxWarp prst="textNoShape">
+              <a:avLst/>
+            </a:prstTxWarp>
+            <a:noAutofit/>
+          </a:bodyPr>
+          <a:lstStyle/>
+          <a:p>
+            <a:r>
+              <a:rPr lang="en-US" sz="1600" dirty="0"/>
+              <a:t>We sort each of the pieces, and then merge the </a:t>
+            </a:r>
+            <a:r>
+              <a:rPr lang="en-US" sz="1600" dirty="0" smtClean="0"/>
+              <a:t>sorted results</a:t>
+            </a:r>
+            <a:r>
+              <a:rPr lang="en-US" sz="2000" dirty="0"/>
+              <a:t>.</a:t>
+            </a:r>
           </a:p>
         </p:txBody>
       </p:sp>
     </p:spTree>
     <p:extLst>
       <p:ext uri="{BB962C8B-B14F-4D97-AF65-F5344CB8AC3E}">
-        <p14:creationId xmlns:p14="http://schemas.microsoft.com/office/powerpoint/2010/main" val="3611367334"/>
+        <p14:creationId xmlns:p14="http://schemas.microsoft.com/office/powerpoint/2010/main" val="3636176417"/>
       </p:ext>
     </p:extLst>
   </p:cSld>
@@ -17806,332 +16878,157 @@
             <p:ph type="title"/>
           </p:nvPr>
         </p:nvSpPr>
-        <p:spPr>
-          <a:xfrm>
-            <a:off x="457200" y="304800"/>
-            <a:ext cx="8229600" cy="1143000"/>
-          </a:xfrm>
-        </p:spPr>
+        <p:spPr/>
         <p:txBody>
           <a:bodyPr/>
           <a:lstStyle/>
           <a:p>
             <a:r>
+              <a:rPr lang="en-US" dirty="0" smtClean="0"/>
+              <a:t>Something new happened here</a:t>
+            </a:r>
+            <a:endParaRPr lang="en-US" dirty="0"/>
+          </a:p>
+        </p:txBody>
+      </p:sp>
+      <p:sp>
+        <p:nvSpPr>
+          <p:cNvPr id="3" name="Content Placeholder 2"/>
+          <p:cNvSpPr>
+            <a:spLocks noGrp="1"/>
+          </p:cNvSpPr>
+          <p:nvPr>
+            <p:ph idx="1"/>
+          </p:nvPr>
+        </p:nvSpPr>
+        <p:spPr/>
+        <p:txBody>
+          <a:bodyPr>
+            <a:normAutofit/>
+          </a:bodyPr>
+          <a:lstStyle/>
+          <a:p>
+            <a:r>
+              <a:rPr lang="en-US" dirty="0" smtClean="0"/>
+              <a:t>Merge-sort </a:t>
+            </a:r>
+            <a:r>
+              <a:rPr lang="en-US" dirty="0" smtClean="0"/>
+              <a:t>recurs </a:t>
+            </a:r>
+            <a:r>
+              <a:rPr lang="en-US" dirty="0" smtClean="0"/>
+              <a:t>on two things, neither of which is </a:t>
+            </a:r>
+            <a:r>
               <a:rPr lang="en-US" b="1" dirty="0" smtClean="0"/>
-              <a:t>merge-sort</a:t>
-            </a:r>
-            <a:endParaRPr lang="en-US" b="1" dirty="0"/>
-          </a:p>
-        </p:txBody>
-      </p:sp>
-      <p:sp>
-        <p:nvSpPr>
-          <p:cNvPr id="3" name="Content Placeholder 2"/>
-          <p:cNvSpPr>
-            <a:spLocks noGrp="1"/>
-          </p:cNvSpPr>
-          <p:nvPr>
-            <p:ph idx="1"/>
-          </p:nvPr>
-        </p:nvSpPr>
-        <p:spPr/>
-        <p:txBody>
-          <a:bodyPr>
-            <a:noAutofit/>
-          </a:bodyPr>
-          <a:lstStyle/>
-          <a:p>
-            <a:pPr>
-              <a:buNone/>
-            </a:pPr>
-            <a:r>
-              <a:rPr lang="en-US" sz="2000" b="1" dirty="0" smtClean="0">
-                <a:latin typeface="Consolas" pitchFamily="49" charset="0"/>
-                <a:cs typeface="Consolas" pitchFamily="49" charset="0"/>
-              </a:rPr>
-              <a:t>;; merge-sort : </a:t>
-            </a:r>
-            <a:r>
-              <a:rPr lang="en-US" sz="2000" b="1" dirty="0" err="1" smtClean="0">
-                <a:latin typeface="Consolas" pitchFamily="49" charset="0"/>
-                <a:cs typeface="Consolas" pitchFamily="49" charset="0"/>
-              </a:rPr>
-              <a:t>ListOfNumber</a:t>
-            </a:r>
-            <a:r>
-              <a:rPr lang="en-US" sz="2000" b="1" dirty="0" smtClean="0">
-                <a:latin typeface="Consolas" pitchFamily="49" charset="0"/>
-                <a:cs typeface="Consolas" pitchFamily="49" charset="0"/>
-              </a:rPr>
-              <a:t> -&gt; </a:t>
-            </a:r>
-            <a:r>
-              <a:rPr lang="en-US" sz="2000" b="1" dirty="0" err="1" smtClean="0">
-                <a:latin typeface="Consolas" pitchFamily="49" charset="0"/>
-                <a:cs typeface="Consolas" pitchFamily="49" charset="0"/>
-              </a:rPr>
-              <a:t>SortedList</a:t>
-            </a:r>
-            <a:endParaRPr lang="en-US" sz="2000" b="1" dirty="0" smtClean="0">
-              <a:latin typeface="Consolas" pitchFamily="49" charset="0"/>
-              <a:cs typeface="Consolas" pitchFamily="49" charset="0"/>
-            </a:endParaRPr>
-          </a:p>
-          <a:p>
-            <a:pPr>
-              <a:buNone/>
-            </a:pPr>
-            <a:r>
-              <a:rPr lang="en-US" sz="2000" b="1" dirty="0" smtClean="0">
-                <a:latin typeface="Consolas" pitchFamily="49" charset="0"/>
-                <a:cs typeface="Consolas" pitchFamily="49" charset="0"/>
-              </a:rPr>
-              <a:t>(define (merge-sort </a:t>
-            </a:r>
-            <a:r>
-              <a:rPr lang="en-US" sz="2000" b="1" dirty="0" err="1" smtClean="0">
-                <a:latin typeface="Consolas" pitchFamily="49" charset="0"/>
-                <a:cs typeface="Consolas" pitchFamily="49" charset="0"/>
-              </a:rPr>
+              <a:t>(rest </a:t>
+            </a:r>
+            <a:r>
+              <a:rPr lang="en-US" b="1" dirty="0" err="1" smtClean="0"/>
               <a:t>lon</a:t>
             </a:r>
             <a:r>
-              <a:rPr lang="en-US" sz="2000" b="1" dirty="0" smtClean="0">
-                <a:latin typeface="Consolas" pitchFamily="49" charset="0"/>
-                <a:cs typeface="Consolas" pitchFamily="49" charset="0"/>
-              </a:rPr>
+              <a:rPr lang="en-US" b="1" dirty="0" smtClean="0"/>
               <a:t>)</a:t>
             </a:r>
-          </a:p>
-          <a:p>
-            <a:pPr>
-              <a:buNone/>
-            </a:pPr>
-            <a:r>
-              <a:rPr lang="en-US" sz="2000" b="1" dirty="0" smtClean="0">
-                <a:latin typeface="Consolas" pitchFamily="49" charset="0"/>
-                <a:cs typeface="Consolas" pitchFamily="49" charset="0"/>
-              </a:rPr>
-              <a:t>  (</a:t>
-            </a:r>
-            <a:r>
-              <a:rPr lang="en-US" sz="2000" b="1" dirty="0" err="1" smtClean="0">
-                <a:latin typeface="Consolas" pitchFamily="49" charset="0"/>
-                <a:cs typeface="Consolas" pitchFamily="49" charset="0"/>
-              </a:rPr>
-              <a:t>cond</a:t>
-            </a:r>
-            <a:endParaRPr lang="en-US" sz="2000" b="1" dirty="0" smtClean="0">
-              <a:latin typeface="Consolas" pitchFamily="49" charset="0"/>
-              <a:cs typeface="Consolas" pitchFamily="49" charset="0"/>
-            </a:endParaRPr>
-          </a:p>
-          <a:p>
-            <a:pPr>
-              <a:buNone/>
-            </a:pPr>
-            <a:r>
-              <a:rPr lang="en-US" sz="2000" b="1" dirty="0" smtClean="0">
-                <a:latin typeface="Consolas" pitchFamily="49" charset="0"/>
-                <a:cs typeface="Consolas" pitchFamily="49" charset="0"/>
-              </a:rPr>
-              <a:t>    [(empty? </a:t>
-            </a:r>
-            <a:r>
-              <a:rPr lang="en-US" sz="2000" b="1" dirty="0" err="1" smtClean="0">
+            <a:r>
+              <a:rPr lang="en-US" dirty="0" smtClean="0"/>
+              <a:t> .</a:t>
+            </a:r>
+          </a:p>
+          <a:p>
+            <a:r>
+              <a:rPr lang="en-US" dirty="0" smtClean="0"/>
+              <a:t>We recurred on </a:t>
+            </a:r>
+          </a:p>
+          <a:p>
+            <a:pPr lvl="1"/>
+            <a:r>
+              <a:rPr lang="en-US" b="1" dirty="0" smtClean="0">
+                <a:latin typeface="Consolas" pitchFamily="49" charset="0"/>
+                <a:cs typeface="Consolas" pitchFamily="49" charset="0"/>
+              </a:rPr>
+              <a:t>(even-elements </a:t>
+            </a:r>
+            <a:r>
+              <a:rPr lang="en-US" b="1" dirty="0" err="1" smtClean="0">
                 <a:latin typeface="Consolas" pitchFamily="49" charset="0"/>
                 <a:cs typeface="Consolas" pitchFamily="49" charset="0"/>
               </a:rPr>
               <a:t>lon</a:t>
             </a:r>
             <a:r>
-              <a:rPr lang="en-US" sz="2000" b="1" dirty="0" smtClean="0">
-                <a:latin typeface="Consolas" pitchFamily="49" charset="0"/>
-                <a:cs typeface="Consolas" pitchFamily="49" charset="0"/>
-              </a:rPr>
-              <a:t>) </a:t>
-            </a:r>
-            <a:r>
-              <a:rPr lang="en-US" sz="2000" b="1" dirty="0" err="1" smtClean="0">
+              <a:rPr lang="en-US" b="1" dirty="0" smtClean="0">
+                <a:latin typeface="Consolas" pitchFamily="49" charset="0"/>
+                <a:cs typeface="Consolas" pitchFamily="49" charset="0"/>
+              </a:rPr>
+              <a:t>)</a:t>
+            </a:r>
+          </a:p>
+          <a:p>
+            <a:pPr lvl="1"/>
+            <a:r>
+              <a:rPr lang="en-US" b="1" dirty="0" smtClean="0">
+                <a:latin typeface="Consolas" pitchFamily="49" charset="0"/>
+                <a:cs typeface="Consolas" pitchFamily="49" charset="0"/>
+              </a:rPr>
+              <a:t>(odd-elements  </a:t>
+            </a:r>
+            <a:r>
+              <a:rPr lang="en-US" b="1" dirty="0" err="1" smtClean="0">
                 <a:latin typeface="Consolas" pitchFamily="49" charset="0"/>
                 <a:cs typeface="Consolas" pitchFamily="49" charset="0"/>
               </a:rPr>
               <a:t>lon</a:t>
             </a:r>
             <a:r>
-              <a:rPr lang="en-US" sz="2000" b="1" dirty="0" smtClean="0">
-                <a:latin typeface="Consolas" pitchFamily="49" charset="0"/>
-                <a:cs typeface="Consolas" pitchFamily="49" charset="0"/>
-              </a:rPr>
-              <a:t>]</a:t>
-            </a:r>
-          </a:p>
-          <a:p>
-            <a:pPr>
-              <a:buNone/>
-            </a:pPr>
-            <a:r>
-              <a:rPr lang="en-US" sz="2000" b="1" dirty="0" smtClean="0">
-                <a:latin typeface="Consolas" pitchFamily="49" charset="0"/>
-                <a:cs typeface="Consolas" pitchFamily="49" charset="0"/>
-              </a:rPr>
-              <a:t>    [(empty? (rest </a:t>
-            </a:r>
-            <a:r>
-              <a:rPr lang="en-US" sz="2000" b="1" dirty="0" err="1" smtClean="0">
-                <a:latin typeface="Consolas" pitchFamily="49" charset="0"/>
-                <a:cs typeface="Consolas" pitchFamily="49" charset="0"/>
-              </a:rPr>
+              <a:rPr lang="en-US" b="1" dirty="0" smtClean="0">
+                <a:latin typeface="Consolas" pitchFamily="49" charset="0"/>
+                <a:cs typeface="Consolas" pitchFamily="49" charset="0"/>
+              </a:rPr>
+              <a:t>)</a:t>
+            </a:r>
+          </a:p>
+          <a:p>
+            <a:r>
+              <a:rPr lang="en-US" dirty="0" smtClean="0"/>
+              <a:t>Neither of these is a </a:t>
+            </a:r>
+            <a:r>
+              <a:rPr lang="en-US" dirty="0" err="1" smtClean="0"/>
+              <a:t>sublist</a:t>
+            </a:r>
+            <a:r>
+              <a:rPr lang="en-US" dirty="0" smtClean="0"/>
+              <a:t> of </a:t>
+            </a:r>
+            <a:r>
+              <a:rPr lang="en-US" b="1" dirty="0" err="1" smtClean="0"/>
               <a:t>lon</a:t>
             </a:r>
             <a:r>
-              <a:rPr lang="en-US" sz="2000" b="1" dirty="0" smtClean="0">
-                <a:latin typeface="Consolas" pitchFamily="49" charset="0"/>
-                <a:cs typeface="Consolas" pitchFamily="49" charset="0"/>
-              </a:rPr>
-              <a:t>)) </a:t>
-            </a:r>
-            <a:r>
-              <a:rPr lang="en-US" sz="2000" b="1" dirty="0" err="1" smtClean="0">
-                <a:latin typeface="Consolas" pitchFamily="49" charset="0"/>
-                <a:cs typeface="Consolas" pitchFamily="49" charset="0"/>
-              </a:rPr>
-              <a:t>lon</a:t>
-            </a:r>
-            <a:r>
-              <a:rPr lang="en-US" sz="2000" b="1" dirty="0" smtClean="0">
-                <a:latin typeface="Consolas" pitchFamily="49" charset="0"/>
-                <a:cs typeface="Consolas" pitchFamily="49" charset="0"/>
-              </a:rPr>
-              <a:t>]</a:t>
-            </a:r>
-          </a:p>
-          <a:p>
-            <a:pPr>
-              <a:buNone/>
-            </a:pPr>
-            <a:r>
-              <a:rPr lang="en-US" sz="2000" b="1" dirty="0" smtClean="0">
-                <a:latin typeface="Consolas" pitchFamily="49" charset="0"/>
-                <a:cs typeface="Consolas" pitchFamily="49" charset="0"/>
-              </a:rPr>
-              <a:t>    [else</a:t>
-            </a:r>
-          </a:p>
-          <a:p>
-            <a:pPr>
-              <a:buNone/>
-            </a:pPr>
-            <a:r>
-              <a:rPr lang="en-US" sz="2000" b="1" dirty="0" smtClean="0">
-                <a:latin typeface="Consolas" pitchFamily="49" charset="0"/>
-                <a:cs typeface="Consolas" pitchFamily="49" charset="0"/>
-              </a:rPr>
-              <a:t>      (local</a:t>
-            </a:r>
-          </a:p>
-          <a:p>
-            <a:pPr>
-              <a:buNone/>
-            </a:pPr>
-            <a:r>
-              <a:rPr lang="en-US" sz="2000" b="1" dirty="0" smtClean="0">
-                <a:latin typeface="Consolas" pitchFamily="49" charset="0"/>
-                <a:cs typeface="Consolas" pitchFamily="49" charset="0"/>
-              </a:rPr>
-              <a:t>       ((define evens (even-elements </a:t>
-            </a:r>
-            <a:r>
-              <a:rPr lang="en-US" sz="2000" b="1" dirty="0" err="1" smtClean="0">
-                <a:latin typeface="Consolas" pitchFamily="49" charset="0"/>
-                <a:cs typeface="Consolas" pitchFamily="49" charset="0"/>
-              </a:rPr>
-              <a:t>lon</a:t>
-            </a:r>
-            <a:r>
-              <a:rPr lang="en-US" sz="2000" b="1" dirty="0" smtClean="0">
-                <a:latin typeface="Consolas" pitchFamily="49" charset="0"/>
-                <a:cs typeface="Consolas" pitchFamily="49" charset="0"/>
-              </a:rPr>
-              <a:t>))</a:t>
-            </a:r>
-          </a:p>
-          <a:p>
-            <a:pPr>
-              <a:buNone/>
-            </a:pPr>
-            <a:r>
-              <a:rPr lang="en-US" sz="2000" b="1" dirty="0" smtClean="0">
-                <a:latin typeface="Consolas" pitchFamily="49" charset="0"/>
-                <a:cs typeface="Consolas" pitchFamily="49" charset="0"/>
-              </a:rPr>
-              <a:t>        (define odds  (odd-elements </a:t>
-            </a:r>
-            <a:r>
-              <a:rPr lang="en-US" sz="2000" b="1" dirty="0" err="1" smtClean="0">
-                <a:latin typeface="Consolas" pitchFamily="49" charset="0"/>
-                <a:cs typeface="Consolas" pitchFamily="49" charset="0"/>
-              </a:rPr>
-              <a:t>lon</a:t>
-            </a:r>
-            <a:r>
-              <a:rPr lang="en-US" sz="2000" b="1" dirty="0" smtClean="0">
-                <a:latin typeface="Consolas" pitchFamily="49" charset="0"/>
-                <a:cs typeface="Consolas" pitchFamily="49" charset="0"/>
-              </a:rPr>
-              <a:t>)))</a:t>
-            </a:r>
-          </a:p>
-          <a:p>
-            <a:pPr>
-              <a:buNone/>
-            </a:pPr>
-            <a:r>
-              <a:rPr lang="en-US" sz="2000" b="1" dirty="0" smtClean="0">
-                <a:latin typeface="Consolas" pitchFamily="49" charset="0"/>
-                <a:cs typeface="Consolas" pitchFamily="49" charset="0"/>
-              </a:rPr>
-              <a:t>       (merge </a:t>
-            </a:r>
-          </a:p>
-          <a:p>
-            <a:pPr>
-              <a:buNone/>
-            </a:pPr>
-            <a:r>
-              <a:rPr lang="en-US" sz="2000" b="1" dirty="0" smtClean="0">
-                <a:latin typeface="Consolas" pitchFamily="49" charset="0"/>
-                <a:cs typeface="Consolas" pitchFamily="49" charset="0"/>
-              </a:rPr>
-              <a:t>        (merge-sort evens)</a:t>
-            </a:r>
-          </a:p>
-          <a:p>
-            <a:pPr>
-              <a:buNone/>
-            </a:pPr>
-            <a:r>
-              <a:rPr lang="en-US" sz="2000" b="1" dirty="0" smtClean="0">
-                <a:latin typeface="Consolas" pitchFamily="49" charset="0"/>
-                <a:cs typeface="Consolas" pitchFamily="49" charset="0"/>
-              </a:rPr>
-              <a:t>        (merge-sort odds)))]))</a:t>
-            </a:r>
-          </a:p>
-          <a:p>
-            <a:pPr>
-              <a:buNone/>
-            </a:pPr>
-            <a:endParaRPr lang="en-US" sz="2000" b="1" dirty="0" smtClean="0">
-              <a:latin typeface="Courier New" pitchFamily="49" charset="0"/>
-              <a:cs typeface="Courier New" pitchFamily="49" charset="0"/>
-            </a:endParaRPr>
-          </a:p>
-        </p:txBody>
-      </p:sp>
-      <p:sp>
-        <p:nvSpPr>
-          <p:cNvPr id="4" name="Slide Number Placeholder 3"/>
+              <a:rPr lang="en-US" b="1" dirty="0" smtClean="0"/>
+              <a:t> </a:t>
+            </a:r>
+          </a:p>
+          <a:p>
+            <a:pPr lvl="1"/>
+            <a:r>
+              <a:rPr lang="en-US" dirty="0" smtClean="0"/>
+              <a:t>So this is definitely general recursion, not structural recursion.</a:t>
+            </a:r>
+          </a:p>
+          <a:p>
+            <a:pPr lvl="1"/>
+            <a:endParaRPr lang="en-US" dirty="0"/>
+          </a:p>
+        </p:txBody>
+      </p:sp>
+      <p:sp>
+        <p:nvSpPr>
+          <p:cNvPr id="5" name="Slide Number Placeholder 4"/>
           <p:cNvSpPr>
             <a:spLocks noGrp="1"/>
           </p:cNvSpPr>
@@ -18153,165 +17050,7 @@
           </a:p>
         </p:txBody>
       </p:sp>
-      <p:sp>
-        <p:nvSpPr>
-          <p:cNvPr id="6" name="Rectangle 5"/>
-          <p:cNvSpPr/>
-          <p:nvPr/>
-        </p:nvSpPr>
-        <p:spPr>
-          <a:xfrm>
-            <a:off x="6477000" y="1981200"/>
-            <a:ext cx="2743200" cy="3810000"/>
-          </a:xfrm>
-          <a:prstGeom prst="rect">
-            <a:avLst/>
-          </a:prstGeom>
-          <a:solidFill>
-            <a:schemeClr val="accent3">
-              <a:lumMod val="40000"/>
-              <a:lumOff val="60000"/>
-            </a:schemeClr>
-          </a:solidFill>
-          <a:ln/>
-        </p:spPr>
-        <p:style>
-          <a:lnRef idx="2">
-            <a:schemeClr val="accent1"/>
-          </a:lnRef>
-          <a:fillRef idx="1">
-            <a:schemeClr val="lt1"/>
-          </a:fillRef>
-          <a:effectRef idx="0">
-            <a:schemeClr val="accent1"/>
-          </a:effectRef>
-          <a:fontRef idx="minor">
-            <a:schemeClr val="dk1"/>
-          </a:fontRef>
-        </p:style>
-        <p:txBody>
-          <a:bodyPr rot="0" spcFirstLastPara="0" vertOverflow="overflow" horzOverflow="overflow" vert="horz" wrap="square" lIns="91440" tIns="45720" rIns="91440" bIns="45720" numCol="1" spcCol="0" rtlCol="0" fromWordArt="0" anchor="ctr" anchorCtr="0" forceAA="0" compatLnSpc="1">
-            <a:prstTxWarp prst="textNoShape">
-              <a:avLst/>
-            </a:prstTxWarp>
-            <a:noAutofit/>
-          </a:bodyPr>
-          <a:lstStyle/>
-          <a:p>
-            <a:r>
-              <a:rPr lang="en-US" sz="1600" dirty="0"/>
-              <a:t>Now we can write merge-sort.  merge-sort takes its input and divides it into two approximately equal-sized pieces.  </a:t>
-            </a:r>
-            <a:endParaRPr lang="en-US" sz="1600" dirty="0" smtClean="0"/>
-          </a:p>
-          <a:p>
-            <a:endParaRPr lang="en-US" sz="1600" dirty="0" smtClean="0"/>
-          </a:p>
-          <a:p>
-            <a:r>
-              <a:rPr lang="en-US" sz="1600" dirty="0" smtClean="0"/>
-              <a:t>Depending </a:t>
-            </a:r>
-            <a:r>
-              <a:rPr lang="en-US" sz="1600" dirty="0"/>
-              <a:t>on the data structures we use, this can be done in different ways.  We are using lists, so the easiest way is to take every other element of the list, so the list </a:t>
-            </a:r>
-            <a:r>
-              <a:rPr lang="en-US" sz="1600" b="1" dirty="0"/>
-              <a:t>(10 20 30 40 50)</a:t>
-            </a:r>
-            <a:r>
-              <a:rPr lang="en-US" sz="1600" dirty="0"/>
-              <a:t> would be split into </a:t>
-            </a:r>
-            <a:r>
-              <a:rPr lang="en-US" sz="1600" b="1" dirty="0"/>
-              <a:t>(10 30 50) </a:t>
-            </a:r>
-            <a:r>
-              <a:rPr lang="en-US" sz="1600" dirty="0"/>
-              <a:t>and </a:t>
-            </a:r>
-            <a:r>
-              <a:rPr lang="en-US" sz="1600" b="1" dirty="0"/>
-              <a:t>(20 40) </a:t>
-            </a:r>
-            <a:r>
-              <a:rPr lang="en-US" sz="1600" dirty="0" smtClean="0"/>
-              <a:t>.</a:t>
-            </a:r>
-          </a:p>
-          <a:p>
-            <a:endParaRPr lang="en-US" sz="1600" dirty="0" smtClean="0"/>
-          </a:p>
-        </p:txBody>
-      </p:sp>
-      <p:sp>
-        <p:nvSpPr>
-          <p:cNvPr id="7" name="Rectangle 6"/>
-          <p:cNvSpPr/>
-          <p:nvPr/>
-        </p:nvSpPr>
-        <p:spPr>
-          <a:xfrm>
-            <a:off x="6477000" y="5943600"/>
-            <a:ext cx="2667000" cy="914400"/>
-          </a:xfrm>
-          <a:prstGeom prst="rect">
-            <a:avLst/>
-          </a:prstGeom>
-          <a:solidFill>
-            <a:schemeClr val="accent3">
-              <a:lumMod val="40000"/>
-              <a:lumOff val="60000"/>
-            </a:schemeClr>
-          </a:solidFill>
-          <a:ln/>
-        </p:spPr>
-        <p:style>
-          <a:lnRef idx="2">
-            <a:schemeClr val="accent1"/>
-          </a:lnRef>
-          <a:fillRef idx="1">
-            <a:schemeClr val="lt1"/>
-          </a:fillRef>
-          <a:effectRef idx="0">
-            <a:schemeClr val="accent1"/>
-          </a:effectRef>
-          <a:fontRef idx="minor">
-            <a:schemeClr val="dk1"/>
-          </a:fontRef>
-        </p:style>
-        <p:txBody>
-          <a:bodyPr rot="0" spcFirstLastPara="0" vertOverflow="overflow" horzOverflow="overflow" vert="horz" wrap="square" lIns="91440" tIns="45720" rIns="91440" bIns="45720" numCol="1" spcCol="0" rtlCol="0" fromWordArt="0" anchor="ctr" anchorCtr="0" forceAA="0" compatLnSpc="1">
-            <a:prstTxWarp prst="textNoShape">
-              <a:avLst/>
-            </a:prstTxWarp>
-            <a:noAutofit/>
-          </a:bodyPr>
-          <a:lstStyle/>
-          <a:p>
-            <a:r>
-              <a:rPr lang="en-US" sz="1600" dirty="0"/>
-              <a:t>We sort each of the pieces, and then merge the </a:t>
-            </a:r>
-            <a:r>
-              <a:rPr lang="en-US" sz="1600" dirty="0" smtClean="0"/>
-              <a:t>sorted results</a:t>
-            </a:r>
-            <a:r>
-              <a:rPr lang="en-US" sz="2000" dirty="0"/>
-              <a:t>.</a:t>
-            </a:r>
-          </a:p>
-        </p:txBody>
-      </p:sp>
     </p:spTree>
-    <p:extLst>
-      <p:ext uri="{BB962C8B-B14F-4D97-AF65-F5344CB8AC3E}">
-        <p14:creationId xmlns:p14="http://schemas.microsoft.com/office/powerpoint/2010/main" val="3636176417"/>
-      </p:ext>
-    </p:extLst>
   </p:cSld>
   <p:clrMapOvr>
     <a:masterClrMapping/>
@@ -18345,6 +17084,29 @@
       </p:grpSpPr>
       <p:sp>
         <p:nvSpPr>
+          <p:cNvPr id="2" name="Title 1"/>
+          <p:cNvSpPr>
+            <a:spLocks noGrp="1"/>
+          </p:cNvSpPr>
+          <p:nvPr>
+            <p:ph type="title"/>
+          </p:nvPr>
+        </p:nvSpPr>
+        <p:spPr/>
+        <p:txBody>
+          <a:bodyPr/>
+          <a:lstStyle/>
+          <a:p>
+            <a:r>
+              <a:rPr lang="en-US" dirty="0" smtClean="0"/>
+              <a:t>Running time for merge sort</a:t>
+            </a:r>
+            <a:endParaRPr lang="en-US" dirty="0"/>
+          </a:p>
+        </p:txBody>
+      </p:sp>
+      <p:sp>
+        <p:nvSpPr>
           <p:cNvPr id="3" name="Content Placeholder 2"/>
           <p:cNvSpPr>
             <a:spLocks noGrp="1"/>
@@ -18356,376 +17118,160 @@
         <p:spPr/>
         <p:txBody>
           <a:bodyPr>
-            <a:normAutofit fontScale="32500" lnSpcReduction="20000"/>
+            <a:normAutofit fontScale="85000" lnSpcReduction="20000"/>
           </a:bodyPr>
           <a:lstStyle/>
           <a:p>
-            <a:pPr>
-              <a:buNone/>
-            </a:pPr>
-            <a:r>
-              <a:rPr lang="en-US" sz="5500" b="1" dirty="0" smtClean="0">
-                <a:latin typeface="Consolas" pitchFamily="49" charset="0"/>
-                <a:cs typeface="Consolas" pitchFamily="49" charset="0"/>
-              </a:rPr>
-              <a:t>;; </a:t>
-            </a:r>
-            <a:r>
-              <a:rPr lang="en-US" sz="5500" b="1" dirty="0" smtClean="0">
-                <a:latin typeface="Consolas" pitchFamily="49" charset="0"/>
-                <a:cs typeface="Consolas" pitchFamily="49" charset="0"/>
-              </a:rPr>
-              <a:t>solve </a:t>
-            </a:r>
-            <a:r>
-              <a:rPr lang="en-US" sz="5500" b="1" dirty="0" smtClean="0">
-                <a:latin typeface="Consolas" pitchFamily="49" charset="0"/>
-                <a:cs typeface="Consolas" pitchFamily="49" charset="0"/>
-              </a:rPr>
-              <a:t>: Problem -&gt; </a:t>
-            </a:r>
-            <a:r>
-              <a:rPr lang="en-US" sz="5500" b="1" dirty="0" smtClean="0">
-                <a:latin typeface="Consolas" pitchFamily="49" charset="0"/>
-                <a:cs typeface="Consolas" pitchFamily="49" charset="0"/>
-              </a:rPr>
-              <a:t>Solution</a:t>
-            </a:r>
-            <a:r>
-              <a:rPr lang="en-US" sz="5500" b="1" i="1" dirty="0" smtClean="0">
-                <a:solidFill>
-                  <a:schemeClr val="bg1"/>
-                </a:solidFill>
-                <a:latin typeface="Consolas" pitchFamily="49" charset="0"/>
-                <a:cs typeface="Consolas" pitchFamily="49" charset="0"/>
-              </a:rPr>
-              <a:t> </a:t>
-            </a:r>
-            <a:r>
-              <a:rPr lang="en-US" sz="5500" b="1" i="1" dirty="0" smtClean="0">
-                <a:solidFill>
-                  <a:schemeClr val="bg1"/>
-                </a:solidFill>
-                <a:latin typeface="Consolas" pitchFamily="49" charset="0"/>
-                <a:cs typeface="Consolas" pitchFamily="49" charset="0"/>
-              </a:rPr>
-              <a:t>ARGUMENT: explain why new-problem1 and new-problem2 are easier than the-problem.</a:t>
-            </a:r>
-          </a:p>
-          <a:p>
-            <a:pPr>
-              <a:buNone/>
-            </a:pPr>
-            <a:r>
-              <a:rPr lang="en-US" sz="5500" b="1" dirty="0">
-                <a:latin typeface="Consolas" pitchFamily="49" charset="0"/>
-                <a:cs typeface="Consolas" pitchFamily="49" charset="0"/>
-              </a:rPr>
-              <a:t>(define (solution the-problem)</a:t>
-            </a:r>
-          </a:p>
-          <a:p>
-            <a:pPr>
-              <a:buNone/>
-            </a:pPr>
-            <a:r>
-              <a:rPr lang="en-US" sz="5500" b="1" dirty="0">
-                <a:latin typeface="Consolas" pitchFamily="49" charset="0"/>
-                <a:cs typeface="Consolas" pitchFamily="49" charset="0"/>
-              </a:rPr>
-              <a:t>  (cond</a:t>
-            </a:r>
-          </a:p>
-          <a:p>
-            <a:pPr>
-              <a:buNone/>
-            </a:pPr>
-            <a:r>
-              <a:rPr lang="en-US" sz="5500" b="1" dirty="0">
-                <a:latin typeface="Consolas" pitchFamily="49" charset="0"/>
-                <a:cs typeface="Consolas" pitchFamily="49" charset="0"/>
-              </a:rPr>
-              <a:t>    [(</a:t>
-            </a:r>
-            <a:r>
-              <a:rPr lang="en-US" sz="5500" b="1" dirty="0">
-                <a:solidFill>
-                  <a:schemeClr val="accent6">
-                    <a:lumMod val="75000"/>
-                  </a:schemeClr>
-                </a:solidFill>
-                <a:latin typeface="Consolas" pitchFamily="49" charset="0"/>
-                <a:cs typeface="Consolas" pitchFamily="49" charset="0"/>
-              </a:rPr>
-              <a:t>trivial1? </a:t>
-            </a:r>
-            <a:r>
-              <a:rPr lang="en-US" sz="5500" b="1" dirty="0">
-                <a:latin typeface="Consolas" pitchFamily="49" charset="0"/>
-                <a:cs typeface="Consolas" pitchFamily="49" charset="0"/>
-              </a:rPr>
-              <a:t>the-problem) (</a:t>
-            </a:r>
-            <a:r>
-              <a:rPr lang="en-US" sz="5500" b="1" dirty="0">
-                <a:solidFill>
-                  <a:schemeClr val="accent6">
-                    <a:lumMod val="75000"/>
-                  </a:schemeClr>
-                </a:solidFill>
-                <a:latin typeface="Consolas" pitchFamily="49" charset="0"/>
-                <a:cs typeface="Consolas" pitchFamily="49" charset="0"/>
-              </a:rPr>
-              <a:t>trivial-solution1 </a:t>
-            </a:r>
-            <a:r>
-              <a:rPr lang="en-US" sz="5500" b="1" dirty="0">
-                <a:latin typeface="Consolas" pitchFamily="49" charset="0"/>
-                <a:cs typeface="Consolas" pitchFamily="49" charset="0"/>
-              </a:rPr>
-              <a:t>the-problem)]</a:t>
-            </a:r>
-          </a:p>
-          <a:p>
-            <a:pPr>
-              <a:buNone/>
-            </a:pPr>
-            <a:r>
-              <a:rPr lang="en-US" sz="5500" b="1" dirty="0">
-                <a:latin typeface="Consolas" pitchFamily="49" charset="0"/>
-                <a:cs typeface="Consolas" pitchFamily="49" charset="0"/>
-              </a:rPr>
-              <a:t>    [(</a:t>
-            </a:r>
-            <a:r>
-              <a:rPr lang="en-US" sz="5500" b="1" dirty="0">
-                <a:solidFill>
-                  <a:schemeClr val="accent6">
-                    <a:lumMod val="75000"/>
-                  </a:schemeClr>
-                </a:solidFill>
-                <a:latin typeface="Consolas" pitchFamily="49" charset="0"/>
-                <a:cs typeface="Consolas" pitchFamily="49" charset="0"/>
-              </a:rPr>
-              <a:t>trivial2?</a:t>
-            </a:r>
-            <a:r>
-              <a:rPr lang="en-US" sz="5500" b="1" dirty="0">
-                <a:latin typeface="Consolas" pitchFamily="49" charset="0"/>
-                <a:cs typeface="Consolas" pitchFamily="49" charset="0"/>
-              </a:rPr>
-              <a:t> the-problem) (</a:t>
-            </a:r>
-            <a:r>
-              <a:rPr lang="en-US" sz="5500" b="1" dirty="0">
-                <a:solidFill>
-                  <a:schemeClr val="accent6">
-                    <a:lumMod val="75000"/>
-                  </a:schemeClr>
-                </a:solidFill>
-                <a:latin typeface="Consolas" pitchFamily="49" charset="0"/>
-                <a:cs typeface="Consolas" pitchFamily="49" charset="0"/>
-              </a:rPr>
-              <a:t>trivial-solution2 </a:t>
-            </a:r>
-            <a:r>
-              <a:rPr lang="en-US" sz="5500" b="1" dirty="0">
-                <a:latin typeface="Consolas" pitchFamily="49" charset="0"/>
-                <a:cs typeface="Consolas" pitchFamily="49" charset="0"/>
-              </a:rPr>
-              <a:t>the-problem)]</a:t>
-            </a:r>
-          </a:p>
-          <a:p>
-            <a:pPr>
-              <a:buNone/>
-            </a:pPr>
-            <a:r>
-              <a:rPr lang="en-US" sz="5500" b="1" dirty="0">
-                <a:latin typeface="Consolas" pitchFamily="49" charset="0"/>
-                <a:cs typeface="Consolas" pitchFamily="49" charset="0"/>
-              </a:rPr>
-              <a:t>    [(</a:t>
-            </a:r>
-            <a:r>
-              <a:rPr lang="en-US" sz="5500" b="1" dirty="0">
-                <a:solidFill>
-                  <a:schemeClr val="accent6">
-                    <a:lumMod val="75000"/>
-                  </a:schemeClr>
-                </a:solidFill>
-                <a:latin typeface="Consolas" pitchFamily="49" charset="0"/>
-                <a:cs typeface="Consolas" pitchFamily="49" charset="0"/>
-              </a:rPr>
-              <a:t>difficult? </a:t>
-            </a:r>
-            <a:r>
-              <a:rPr lang="en-US" sz="5500" b="1" dirty="0">
-                <a:latin typeface="Consolas" pitchFamily="49" charset="0"/>
-                <a:cs typeface="Consolas" pitchFamily="49" charset="0"/>
-              </a:rPr>
-              <a:t>the-problem)</a:t>
-            </a:r>
-          </a:p>
-          <a:p>
-            <a:pPr>
-              <a:buNone/>
-            </a:pPr>
-            <a:r>
-              <a:rPr lang="en-US" sz="5500" b="1" dirty="0">
-                <a:latin typeface="Consolas" pitchFamily="49" charset="0"/>
-                <a:cs typeface="Consolas" pitchFamily="49" charset="0"/>
-              </a:rPr>
-              <a:t>     (local</a:t>
-            </a:r>
-          </a:p>
-          <a:p>
-            <a:pPr>
-              <a:buNone/>
-            </a:pPr>
-            <a:r>
-              <a:rPr lang="en-US" sz="5500" b="1" dirty="0">
-                <a:latin typeface="Consolas" pitchFamily="49" charset="0"/>
-                <a:cs typeface="Consolas" pitchFamily="49" charset="0"/>
-              </a:rPr>
-              <a:t>       ((define new-problem1 (</a:t>
-            </a:r>
-            <a:r>
-              <a:rPr lang="en-US" sz="5500" b="1" dirty="0">
-                <a:solidFill>
-                  <a:schemeClr val="accent6">
-                    <a:lumMod val="75000"/>
-                  </a:schemeClr>
-                </a:solidFill>
-                <a:latin typeface="Consolas" pitchFamily="49" charset="0"/>
-                <a:cs typeface="Consolas" pitchFamily="49" charset="0"/>
-              </a:rPr>
-              <a:t>simpler-instance1 </a:t>
-            </a:r>
-            <a:r>
-              <a:rPr lang="en-US" sz="5500" b="1" dirty="0">
-                <a:latin typeface="Consolas" pitchFamily="49" charset="0"/>
-                <a:cs typeface="Consolas" pitchFamily="49" charset="0"/>
-              </a:rPr>
-              <a:t>the-problem))</a:t>
-            </a:r>
-          </a:p>
-          <a:p>
-            <a:pPr>
-              <a:buNone/>
-            </a:pPr>
-            <a:r>
-              <a:rPr lang="en-US" sz="5500" b="1" dirty="0">
-                <a:latin typeface="Consolas" pitchFamily="49" charset="0"/>
-                <a:cs typeface="Consolas" pitchFamily="49" charset="0"/>
-              </a:rPr>
-              <a:t>        (define new-problem2 (</a:t>
-            </a:r>
-            <a:r>
-              <a:rPr lang="en-US" sz="5500" b="1" dirty="0">
-                <a:solidFill>
-                  <a:schemeClr val="accent6">
-                    <a:lumMod val="75000"/>
-                  </a:schemeClr>
-                </a:solidFill>
-                <a:latin typeface="Consolas" pitchFamily="49" charset="0"/>
-                <a:cs typeface="Consolas" pitchFamily="49" charset="0"/>
-              </a:rPr>
-              <a:t>simpler-instance2</a:t>
-            </a:r>
-            <a:r>
-              <a:rPr lang="en-US" sz="5500" b="1" dirty="0">
-                <a:latin typeface="Consolas" pitchFamily="49" charset="0"/>
-                <a:cs typeface="Consolas" pitchFamily="49" charset="0"/>
-              </a:rPr>
-              <a:t> the-problem)))</a:t>
-            </a:r>
-          </a:p>
-          <a:p>
-            <a:pPr>
-              <a:buNone/>
-            </a:pPr>
-            <a:r>
-              <a:rPr lang="en-US" sz="5500" b="1" dirty="0">
-                <a:latin typeface="Consolas" pitchFamily="49" charset="0"/>
-                <a:cs typeface="Consolas" pitchFamily="49" charset="0"/>
-              </a:rPr>
-              <a:t>       (</a:t>
-            </a:r>
-            <a:r>
-              <a:rPr lang="en-US" sz="5500" b="1" dirty="0">
-                <a:solidFill>
-                  <a:schemeClr val="accent6">
-                    <a:lumMod val="75000"/>
-                  </a:schemeClr>
-                </a:solidFill>
-                <a:latin typeface="Consolas" pitchFamily="49" charset="0"/>
-                <a:cs typeface="Consolas" pitchFamily="49" charset="0"/>
-              </a:rPr>
-              <a:t>combine-solutions</a:t>
-            </a:r>
-          </a:p>
-          <a:p>
-            <a:pPr>
-              <a:buNone/>
-            </a:pPr>
-            <a:r>
-              <a:rPr lang="en-US" sz="5500" b="1" dirty="0">
-                <a:latin typeface="Consolas" pitchFamily="49" charset="0"/>
-                <a:cs typeface="Consolas" pitchFamily="49" charset="0"/>
-              </a:rPr>
-              <a:t>        (solve new-problem1)</a:t>
-            </a:r>
-          </a:p>
-          <a:p>
-            <a:pPr>
-              <a:buNone/>
-            </a:pPr>
-            <a:r>
-              <a:rPr lang="en-US" sz="5500" b="1" dirty="0">
-                <a:latin typeface="Consolas" pitchFamily="49" charset="0"/>
-                <a:cs typeface="Consolas" pitchFamily="49" charset="0"/>
-              </a:rPr>
-              <a:t>        (solve new-problem2))]))</a:t>
-            </a:r>
-          </a:p>
-          <a:p>
-            <a:pPr>
-              <a:buNone/>
-            </a:pPr>
-            <a:endParaRPr lang="en-US" sz="5500" b="1" dirty="0">
-              <a:latin typeface="Consolas" pitchFamily="49" charset="0"/>
-              <a:cs typeface="Consolas" pitchFamily="49" charset="0"/>
-            </a:endParaRPr>
-          </a:p>
-        </p:txBody>
-      </p:sp>
-      <p:sp>
-        <p:nvSpPr>
-          <p:cNvPr id="2" name="Title 1"/>
-          <p:cNvSpPr>
-            <a:spLocks noGrp="1"/>
-          </p:cNvSpPr>
-          <p:nvPr>
-            <p:ph type="title"/>
-          </p:nvPr>
-        </p:nvSpPr>
-        <p:spPr/>
-        <p:txBody>
-          <a:bodyPr>
-            <a:normAutofit/>
-          </a:bodyPr>
-          <a:lstStyle/>
-          <a:p>
+            <a:r>
+              <a:rPr lang="en-US" dirty="0"/>
+              <a:t>Splitting the list in this way takes time proportional to the length n of the list.  The call to merge likewise takes time proportional to </a:t>
+            </a:r>
+            <a:r>
+              <a:rPr lang="en-US" b="1" dirty="0"/>
+              <a:t>n</a:t>
+            </a:r>
+            <a:r>
+              <a:rPr lang="en-US" dirty="0"/>
+              <a:t>.  We say this time is </a:t>
+            </a:r>
+            <a:r>
+              <a:rPr lang="en-US" b="1" dirty="0"/>
+              <a:t>O(n</a:t>
+            </a:r>
+            <a:r>
+              <a:rPr lang="en-US" b="1" dirty="0" smtClean="0"/>
+              <a:t>)</a:t>
+            </a:r>
             <a:r>
               <a:rPr lang="en-US" dirty="0" smtClean="0"/>
-              <a:t>Template for </a:t>
+              <a:t>.</a:t>
+            </a:r>
+            <a:endParaRPr lang="en-US" dirty="0"/>
+          </a:p>
+          <a:p>
+            <a:r>
+              <a:rPr lang="en-US" dirty="0"/>
+              <a:t>If </a:t>
+            </a:r>
+            <a:r>
+              <a:rPr lang="en-US" b="1" dirty="0"/>
+              <a:t>T(n) </a:t>
+            </a:r>
+            <a:r>
+              <a:rPr lang="en-US" dirty="0"/>
+              <a:t>is the time to sort a list of length </a:t>
+            </a:r>
+            <a:r>
+              <a:rPr lang="en-US" b="1" dirty="0"/>
+              <a:t>n</a:t>
+            </a:r>
+            <a:r>
+              <a:rPr lang="en-US" dirty="0"/>
+              <a:t>, then </a:t>
+            </a:r>
+            <a:r>
+              <a:rPr lang="en-US" b="1" dirty="0"/>
+              <a:t>T(n) </a:t>
+            </a:r>
+            <a:r>
+              <a:rPr lang="en-US" dirty="0"/>
+              <a:t>is equal to the time </a:t>
+            </a:r>
+            <a:r>
+              <a:rPr lang="en-US" b="1" dirty="0"/>
+              <a:t>2*T(n/2) </a:t>
+            </a:r>
+            <a:r>
+              <a:rPr lang="en-US" dirty="0"/>
+              <a:t>that it takes to sort </a:t>
+            </a:r>
+            <a:r>
+              <a:rPr lang="en-US" dirty="0" smtClean="0"/>
+              <a:t>the two </a:t>
+            </a:r>
+            <a:r>
+              <a:rPr lang="en-US" dirty="0" err="1" smtClean="0"/>
+              <a:t>sublists</a:t>
+            </a:r>
+            <a:r>
+              <a:rPr lang="en-US" dirty="0"/>
+              <a:t>, plus the </a:t>
+            </a:r>
+            <a:r>
+              <a:rPr lang="en-US" dirty="0" smtClean="0"/>
+              <a:t>time </a:t>
             </a:r>
             <a:r>
               <a:rPr lang="en-US" b="1" dirty="0" smtClean="0"/>
-              <a:t>merge-sort</a:t>
+              <a:t>O(n</a:t>
+            </a:r>
+            <a:r>
+              <a:rPr lang="en-US" b="1" dirty="0"/>
+              <a:t>) </a:t>
+            </a:r>
+            <a:r>
+              <a:rPr lang="en-US" dirty="0"/>
+              <a:t>of splitting the list and merging the two results</a:t>
+            </a:r>
+            <a:r>
+              <a:rPr lang="en-US" dirty="0" smtClean="0"/>
+              <a:t>:</a:t>
+            </a:r>
+            <a:endParaRPr lang="en-US" dirty="0"/>
+          </a:p>
+          <a:p>
+            <a:r>
+              <a:rPr lang="en-US" dirty="0" smtClean="0"/>
+              <a:t>So the overall time is</a:t>
+            </a:r>
+          </a:p>
+          <a:p>
+            <a:pPr marL="0" indent="0" algn="ctr">
+              <a:buNone/>
+            </a:pPr>
+            <a:r>
+              <a:rPr lang="en-US" b="1" dirty="0" smtClean="0"/>
+              <a:t>T(n</a:t>
+            </a:r>
+            <a:r>
+              <a:rPr lang="en-US" b="1" dirty="0"/>
+              <a:t>) = 2*T(n/2) + O(n</a:t>
+            </a:r>
+            <a:r>
+              <a:rPr lang="en-US" b="1" dirty="0" smtClean="0"/>
+              <a:t>)</a:t>
             </a:r>
             <a:endParaRPr lang="en-US" b="1" dirty="0"/>
+          </a:p>
+          <a:p>
+            <a:r>
+              <a:rPr lang="en-US" dirty="0"/>
+              <a:t>When you take algorithms, you will learn that all this implies that </a:t>
+            </a:r>
+            <a:r>
+              <a:rPr lang="en-US" b="1" dirty="0"/>
+              <a:t>T(n) = O(n log n).  </a:t>
+            </a:r>
+            <a:r>
+              <a:rPr lang="en-US" dirty="0"/>
+              <a:t>This is better than an insertion sort, which takes </a:t>
+            </a:r>
+            <a:r>
+              <a:rPr lang="en-US" b="1" dirty="0"/>
+              <a:t>O(n^2</a:t>
+            </a:r>
+            <a:r>
+              <a:rPr lang="en-US" b="1" dirty="0" smtClean="0"/>
+              <a:t>)</a:t>
+            </a:r>
+            <a:r>
+              <a:rPr lang="en-US" dirty="0" smtClean="0"/>
+              <a:t>. </a:t>
+            </a:r>
+            <a:endParaRPr lang="en-US" dirty="0"/>
+          </a:p>
+          <a:p>
+            <a:endParaRPr lang="en-US" dirty="0"/>
           </a:p>
         </p:txBody>
       </p:sp>
@@ -18753,96 +17299,10 @@
           </a:p>
         </p:txBody>
       </p:sp>
-      <p:sp>
-        <p:nvSpPr>
-          <p:cNvPr id="5" name="Rectangle 4"/>
-          <p:cNvSpPr/>
-          <p:nvPr/>
-        </p:nvSpPr>
-        <p:spPr>
-          <a:xfrm>
-            <a:off x="5410200" y="4648200"/>
-            <a:ext cx="2590800" cy="1828800"/>
-          </a:xfrm>
-          <a:prstGeom prst="rect">
-            <a:avLst/>
-          </a:prstGeom>
-          <a:solidFill>
-            <a:schemeClr val="accent3">
-              <a:lumMod val="40000"/>
-              <a:lumOff val="60000"/>
-            </a:schemeClr>
-          </a:solidFill>
-          <a:ln/>
-        </p:spPr>
-        <p:style>
-          <a:lnRef idx="2">
-            <a:schemeClr val="accent1"/>
-          </a:lnRef>
-          <a:fillRef idx="1">
-            <a:schemeClr val="lt1"/>
-          </a:fillRef>
-          <a:effectRef idx="0">
-            <a:schemeClr val="accent1"/>
-          </a:effectRef>
-          <a:fontRef idx="minor">
-            <a:schemeClr val="dk1"/>
-          </a:fontRef>
-        </p:style>
-        <p:txBody>
-          <a:bodyPr rot="0" spcFirstLastPara="0" vertOverflow="overflow" horzOverflow="overflow" vert="horz" wrap="square" lIns="91440" tIns="45720" rIns="91440" bIns="45720" numCol="1" spcCol="0" rtlCol="0" fromWordArt="0" anchor="ctr" anchorCtr="0" forceAA="0" compatLnSpc="1">
-            <a:prstTxWarp prst="textNoShape">
-              <a:avLst/>
-            </a:prstTxWarp>
-            <a:noAutofit/>
-          </a:bodyPr>
-          <a:lstStyle/>
-          <a:p>
-            <a:pPr algn="ctr"/>
-            <a:r>
-              <a:rPr lang="en-US" dirty="0" smtClean="0">
-                <a:solidFill>
-                  <a:schemeClr val="tx1"/>
-                </a:solidFill>
-              </a:rPr>
-              <a:t>Observe how the definition for </a:t>
-            </a:r>
-            <a:r>
-              <a:rPr lang="en-US" b="1" dirty="0" smtClean="0">
-                <a:solidFill>
-                  <a:schemeClr val="tx1"/>
-                </a:solidFill>
-              </a:rPr>
-              <a:t>merge-sort</a:t>
-            </a:r>
-            <a:r>
-              <a:rPr lang="en-US" dirty="0" smtClean="0">
-                <a:solidFill>
-                  <a:schemeClr val="tx1"/>
-                </a:solidFill>
-              </a:rPr>
-              <a:t> </a:t>
-            </a:r>
-            <a:r>
-              <a:rPr lang="en-US" dirty="0" smtClean="0">
-                <a:solidFill>
-                  <a:schemeClr val="tx1"/>
-                </a:solidFill>
-              </a:rPr>
-              <a:t>matches this general-recursion template.</a:t>
-            </a:r>
-            <a:endParaRPr lang="en-US" dirty="0">
-              <a:solidFill>
-                <a:schemeClr val="tx1"/>
-              </a:solidFill>
-            </a:endParaRPr>
-          </a:p>
-        </p:txBody>
-      </p:sp>
     </p:spTree>
     <p:extLst>
       <p:ext uri="{BB962C8B-B14F-4D97-AF65-F5344CB8AC3E}">
-        <p14:creationId xmlns:p14="http://schemas.microsoft.com/office/powerpoint/2010/main" val="1498545979"/>
+        <p14:creationId xmlns:p14="http://schemas.microsoft.com/office/powerpoint/2010/main" val="23158158"/>
       </p:ext>
     </p:extLst>
   </p:cSld>
@@ -18878,7 +17338,7 @@
       </p:grpSpPr>
       <p:sp>
         <p:nvSpPr>
-          <p:cNvPr id="2" name="Title 1"/>
+          <p:cNvPr id="5" name="Title 4"/>
           <p:cNvSpPr>
             <a:spLocks noGrp="1"/>
           </p:cNvSpPr>
@@ -18893,7 +17353,7 @@
           <a:p>
             <a:r>
               <a:rPr lang="en-US" dirty="0" smtClean="0"/>
-              <a:t>Running time for merge sort</a:t>
+              <a:t>Lesson Summary</a:t>
             </a:r>
             <a:endParaRPr lang="en-US" dirty="0"/>
           </a:p>
@@ -18901,7 +17361,7 @@
       </p:sp>
       <p:sp>
         <p:nvSpPr>
-          <p:cNvPr id="3" name="Content Placeholder 2"/>
+          <p:cNvPr id="6" name="Content Placeholder 5"/>
           <p:cNvSpPr>
             <a:spLocks noGrp="1"/>
           </p:cNvSpPr>
@@ -18911,162 +17371,27 @@
         </p:nvSpPr>
         <p:spPr/>
         <p:txBody>
-          <a:bodyPr>
-            <a:normAutofit fontScale="85000" lnSpcReduction="20000"/>
-          </a:bodyPr>
-          <a:lstStyle/>
-          <a:p>
-            <a:r>
-              <a:rPr lang="en-US" dirty="0"/>
-              <a:t>Splitting the list in this way takes time proportional to the length n of the list.  The call to merge likewise takes time proportional to </a:t>
-            </a:r>
-            <a:r>
-              <a:rPr lang="en-US" b="1" dirty="0"/>
-              <a:t>n</a:t>
-            </a:r>
-            <a:r>
-              <a:rPr lang="en-US" dirty="0"/>
-              <a:t>.  We say this time is </a:t>
-            </a:r>
-            <a:r>
-              <a:rPr lang="en-US" b="1" dirty="0"/>
-              <a:t>O(n</a:t>
-            </a:r>
-            <a:r>
-              <a:rPr lang="en-US" b="1" dirty="0" smtClean="0"/>
-              <a:t>)</a:t>
-            </a:r>
+          <a:bodyPr/>
+          <a:lstStyle/>
+          <a:p>
             <a:r>
               <a:rPr lang="en-US" dirty="0" smtClean="0"/>
-              <a:t>.</a:t>
+              <a:t>We've seen three examples of functions that do not fit the structural recursion pattern.</a:t>
+            </a:r>
+          </a:p>
+          <a:p>
+            <a:r>
+              <a:rPr lang="en-US" dirty="0" smtClean="0"/>
+              <a:t>We introduced "general recursion", a new class of templates that give the writer more flexibility in writing functions that divide and conquer.</a:t>
+            </a:r>
+          </a:p>
+          <a:p>
+            <a:r>
+              <a:rPr lang="en-US" dirty="0" smtClean="0"/>
+              <a:t>We wrote a recipe for writing general-recursion templates.</a:t>
             </a:r>
             <a:endParaRPr lang="en-US" dirty="0"/>
           </a:p>
-          <a:p>
-            <a:r>
-              <a:rPr lang="en-US" dirty="0"/>
-              <a:t>If </a:t>
-            </a:r>
-            <a:r>
-              <a:rPr lang="en-US" b="1" dirty="0"/>
-              <a:t>T(n) </a:t>
-            </a:r>
-            <a:r>
-              <a:rPr lang="en-US" dirty="0"/>
-              <a:t>is the time to sort a list of length </a:t>
-            </a:r>
-            <a:r>
-              <a:rPr lang="en-US" b="1" dirty="0"/>
-              <a:t>n</a:t>
-            </a:r>
-            <a:r>
-              <a:rPr lang="en-US" dirty="0"/>
-              <a:t>, then </a:t>
-            </a:r>
-            <a:r>
-              <a:rPr lang="en-US" b="1" dirty="0"/>
-              <a:t>T(n) </a:t>
-            </a:r>
-            <a:r>
-              <a:rPr lang="en-US" dirty="0"/>
-              <a:t>is equal to the time </a:t>
-            </a:r>
-            <a:r>
-              <a:rPr lang="en-US" b="1" dirty="0"/>
-              <a:t>2*T(n/2) </a:t>
-            </a:r>
-            <a:r>
-              <a:rPr lang="en-US" dirty="0"/>
-              <a:t>that it takes to sort </a:t>
-            </a:r>
-            <a:r>
-              <a:rPr lang="en-US" dirty="0" smtClean="0"/>
-              <a:t>the two </a:t>
-            </a:r>
-            <a:r>
-              <a:rPr lang="en-US" dirty="0" err="1" smtClean="0"/>
-              <a:t>sublists</a:t>
-            </a:r>
-            <a:r>
-              <a:rPr lang="en-US" dirty="0"/>
-              <a:t>, plus the </a:t>
-            </a:r>
-            <a:r>
-              <a:rPr lang="en-US" dirty="0" smtClean="0"/>
-              <a:t>time </a:t>
-            </a:r>
-            <a:r>
-              <a:rPr lang="en-US" b="1" dirty="0" smtClean="0"/>
-              <a:t>O(n</a:t>
-            </a:r>
-            <a:r>
-              <a:rPr lang="en-US" b="1" dirty="0"/>
-              <a:t>) </a:t>
-            </a:r>
-            <a:r>
-              <a:rPr lang="en-US" dirty="0"/>
-              <a:t>of splitting the list and merging the two results</a:t>
-            </a:r>
-            <a:r>
-              <a:rPr lang="en-US" dirty="0" smtClean="0"/>
-              <a:t>:</a:t>
-            </a:r>
-            <a:endParaRPr lang="en-US" dirty="0"/>
-          </a:p>
-          <a:p>
-            <a:r>
-              <a:rPr lang="en-US" dirty="0" smtClean="0"/>
-              <a:t>So the overall time is</a:t>
-            </a:r>
-          </a:p>
-          <a:p>
-            <a:pPr marL="0" indent="0" algn="ctr">
-              <a:buNone/>
-            </a:pPr>
-            <a:r>
-              <a:rPr lang="en-US" b="1" dirty="0" smtClean="0"/>
-              <a:t>T(n</a:t>
-            </a:r>
-            <a:r>
-              <a:rPr lang="en-US" b="1" dirty="0"/>
-              <a:t>) = 2*T(n/2) + O(n</a:t>
-            </a:r>
-            <a:r>
-              <a:rPr lang="en-US" b="1" dirty="0" smtClean="0"/>
-              <a:t>)</a:t>
-            </a:r>
-            <a:endParaRPr lang="en-US" b="1" dirty="0"/>
-          </a:p>
-          <a:p>
-            <a:r>
-              <a:rPr lang="en-US" dirty="0"/>
-              <a:t>When you take algorithms, you will learn that all this implies that </a:t>
-            </a:r>
-            <a:r>
-              <a:rPr lang="en-US" b="1" dirty="0"/>
-              <a:t>T(n) = O(n log n).  </a:t>
-            </a:r>
-            <a:r>
-              <a:rPr lang="en-US" dirty="0"/>
-              <a:t>This is better than an insertion sort, which takes </a:t>
-            </a:r>
-            <a:r>
-              <a:rPr lang="en-US" b="1" dirty="0"/>
-              <a:t>O(n^2</a:t>
-            </a:r>
-            <a:r>
-              <a:rPr lang="en-US" b="1" dirty="0" smtClean="0"/>
-              <a:t>)</a:t>
-            </a:r>
-            <a:r>
-              <a:rPr lang="en-US" dirty="0" smtClean="0"/>
-              <a:t>. </a:t>
-            </a:r>
-            <a:endParaRPr lang="en-US" dirty="0"/>
-          </a:p>
-          <a:p>
-            <a:endParaRPr lang="en-US" dirty="0"/>
-          </a:p>
         </p:txBody>
       </p:sp>
       <p:sp>
@@ -19084,9 +17409,8 @@
           <a:bodyPr/>
           <a:lstStyle/>
           <a:p>
-            <a:fld id="{9F4492BD-6A9C-48FC-AC76-0B4FE11194A1}" type="slidenum">
+            <a:fld id="{2AF3B5EA-18B6-4040-9F78-6052AF49C681}" type="slidenum">
               <a:rPr lang="en-US" smtClean="0"/>
-              <a:pPr/>
               <a:t>33</a:t>
             </a:fld>
             <a:endParaRPr lang="en-US"/>
@@ -19096,7 +17420,7 @@
     </p:spTree>
     <p:extLst>
       <p:ext uri="{BB962C8B-B14F-4D97-AF65-F5344CB8AC3E}">
-        <p14:creationId xmlns:p14="http://schemas.microsoft.com/office/powerpoint/2010/main" val="23158158"/>
+        <p14:creationId xmlns:p14="http://schemas.microsoft.com/office/powerpoint/2010/main" val="1030739656"/>
       </p:ext>
     </p:extLst>
   </p:cSld>
@@ -19147,7 +17471,7 @@
           <a:p>
             <a:r>
               <a:rPr lang="en-US" dirty="0" smtClean="0"/>
-              <a:t>Something new happened here</a:t>
+              <a:t>Next Steps</a:t>
             </a:r>
             <a:endParaRPr lang="en-US" dirty="0"/>
           </a:p>
@@ -19165,232 +17489,42 @@
         </p:nvSpPr>
         <p:spPr/>
         <p:txBody>
-          <a:bodyPr>
-            <a:normAutofit lnSpcReduction="10000"/>
-          </a:bodyPr>
+          <a:bodyPr/>
           <a:lstStyle/>
           <a:p>
             <a:r>
               <a:rPr lang="en-US" dirty="0" smtClean="0"/>
-              <a:t>Merge-sort did something very different: it recurs on two things, neither of which is </a:t>
-            </a:r>
-            <a:r>
-              <a:rPr lang="en-US" b="1" dirty="0" smtClean="0"/>
-              <a:t>(rest </a:t>
-            </a:r>
-            <a:r>
-              <a:rPr lang="en-US" b="1" dirty="0" err="1" smtClean="0"/>
-              <a:t>lon</a:t>
-            </a:r>
-            <a:r>
-              <a:rPr lang="en-US" b="1" dirty="0" smtClean="0"/>
-              <a:t>)</a:t>
+              <a:t>Study the files </a:t>
+            </a:r>
+            <a:r>
+              <a:rPr lang="en-US" smtClean="0"/>
+              <a:t>08-1-decode.rkt and 08-2-merge-sort.rkt in </a:t>
             </a:r>
             <a:r>
               <a:rPr lang="en-US" dirty="0" smtClean="0"/>
-              <a:t> .</a:t>
-            </a:r>
-          </a:p>
-          <a:p>
+              <a:t>the Examples folder.</a:t>
+            </a:r>
+          </a:p>
+          <a:p>
+            <a:r>
+              <a:rPr lang="en-US" dirty="0"/>
+              <a:t>Do </a:t>
+            </a:r>
             <a:r>
               <a:rPr lang="en-US" dirty="0" smtClean="0"/>
-              <a:t>We recurred on </a:t>
-            </a:r>
-          </a:p>
-          <a:p>
-            <a:pPr lvl="1"/>
-            <a:r>
-              <a:rPr lang="en-US" b="1" dirty="0" smtClean="0">
-                <a:latin typeface="Consolas" pitchFamily="49" charset="0"/>
-                <a:cs typeface="Consolas" pitchFamily="49" charset="0"/>
-              </a:rPr>
-              <a:t>(even-elements </a:t>
-            </a:r>
-            <a:r>
-              <a:rPr lang="en-US" b="1" dirty="0" err="1" smtClean="0">
-                <a:latin typeface="Consolas" pitchFamily="49" charset="0"/>
-                <a:cs typeface="Consolas" pitchFamily="49" charset="0"/>
-              </a:rPr>
-              <a:t>lon</a:t>
-            </a:r>
-            <a:r>
-              <a:rPr lang="en-US" b="1" dirty="0" smtClean="0">
-                <a:latin typeface="Consolas" pitchFamily="49" charset="0"/>
-                <a:cs typeface="Consolas" pitchFamily="49" charset="0"/>
-              </a:rPr>
-              <a:t>)</a:t>
-            </a:r>
-          </a:p>
-          <a:p>
-            <a:pPr lvl="1"/>
-            <a:r>
-              <a:rPr lang="en-US" b="1" dirty="0" smtClean="0">
-                <a:latin typeface="Consolas" pitchFamily="49" charset="0"/>
-                <a:cs typeface="Consolas" pitchFamily="49" charset="0"/>
-              </a:rPr>
-              <a:t>(odd-elements  </a:t>
-            </a:r>
-            <a:r>
-              <a:rPr lang="en-US" b="1" dirty="0" err="1" smtClean="0">
-                <a:latin typeface="Consolas" pitchFamily="49" charset="0"/>
-                <a:cs typeface="Consolas" pitchFamily="49" charset="0"/>
-              </a:rPr>
-              <a:t>lon</a:t>
-            </a:r>
-            <a:r>
-              <a:rPr lang="en-US" b="1" dirty="0" smtClean="0">
-                <a:latin typeface="Consolas" pitchFamily="49" charset="0"/>
-                <a:cs typeface="Consolas" pitchFamily="49" charset="0"/>
-              </a:rPr>
-              <a:t>)</a:t>
+              <a:t>Guided Practice 8.1</a:t>
             </a:r>
           </a:p>
           <a:p>
             <a:r>
               <a:rPr lang="en-US" dirty="0" smtClean="0"/>
-              <a:t>Neither of these is a </a:t>
-            </a:r>
-            <a:r>
-              <a:rPr lang="en-US" dirty="0" err="1" smtClean="0"/>
-              <a:t>sublist</a:t>
-            </a:r>
+              <a:t>If you have questions about this lesson, ask them on the Discussion Board</a:t>
+            </a:r>
+          </a:p>
+          <a:p>
             <a:r>
               <a:rPr lang="en-US" dirty="0" smtClean="0"/>
-              <a:t> of </a:t>
-            </a:r>
-            <a:r>
-              <a:rPr lang="en-US" b="1" dirty="0" err="1" smtClean="0"/>
-              <a:t>lon</a:t>
-            </a:r>
-            <a:r>
-              <a:rPr lang="en-US" b="1" dirty="0" smtClean="0"/>
-              <a:t> </a:t>
-            </a:r>
-            <a:endParaRPr lang="en-US" b="1" dirty="0" smtClean="0"/>
-          </a:p>
-          <a:p>
-            <a:pPr lvl="1"/>
-            <a:r>
-              <a:rPr lang="en-US" dirty="0" smtClean="0"/>
-              <a:t>So this is definitely general recursion, not structural recursion.</a:t>
-            </a:r>
-            <a:endParaRPr lang="en-US" dirty="0" smtClean="0"/>
-          </a:p>
-          <a:p>
-            <a:pPr lvl="1"/>
-            <a:endParaRPr lang="en-US" dirty="0"/>
-          </a:p>
-        </p:txBody>
-      </p:sp>
-      <p:sp>
-        <p:nvSpPr>
-          <p:cNvPr id="5" name="Slide Number Placeholder 4"/>
-          <p:cNvSpPr>
-            <a:spLocks noGrp="1"/>
-          </p:cNvSpPr>
-          <p:nvPr>
-            <p:ph type="sldNum" sz="quarter" idx="12"/>
-          </p:nvPr>
-        </p:nvSpPr>
-        <p:spPr/>
-        <p:txBody>
-          <a:bodyPr/>
-          <a:lstStyle/>
-          <a:p>
-            <a:fld id="{9F4492BD-6A9C-48FC-AC76-0B4FE11194A1}" type="slidenum">
-              <a:rPr lang="en-US" smtClean="0"/>
-              <a:pPr/>
-              <a:t>34</a:t>
-            </a:fld>
-            <a:endParaRPr lang="en-US"/>
-          </a:p>
-        </p:txBody>
-      </p:sp>
-    </p:spTree>
-  </p:cSld>
-  <p:clrMapOvr>
-    <a:masterClrMapping/>
-  </p:clrMapOvr>
-  <p:timing>
-    <p:tnLst>
-      <p:par>
-        <p:cTn id="1" dur="indefinite" restart="never" nodeType="tmRoot"/>
-      </p:par>
-    </p:tnLst>
-  </p:timing>
-</p:sld>
-</file>
-
-<file path=ppt/slides/slide35.xml><?xml version="1.0" encoding="utf-8"?>
-<p:sld xmlns:a="http://schemas.openxmlformats.org/drawingml/2006/main" xmlns:r="http://schemas.openxmlformats.org/officeDocument/2006/relationships" xmlns:p="http://schemas.openxmlformats.org/presentationml/2006/main">
-  <p:cSld>
-    <p:spTree>
-      <p:nvGrpSpPr>
-        <p:cNvPr id="1" name=""/>
-        <p:cNvGrpSpPr/>
-        <p:nvPr/>
-      </p:nvGrpSpPr>
-      <p:grpSpPr>
-        <a:xfrm>
-          <a:off x="0" y="0"/>
-          <a:ext cx="0" cy="0"/>
-          <a:chOff x="0" y="0"/>
-          <a:chExt cx="0" cy="0"/>
-        </a:xfrm>
-      </p:grpSpPr>
-      <p:sp>
-        <p:nvSpPr>
-          <p:cNvPr id="5" name="Title 4"/>
-          <p:cNvSpPr>
-            <a:spLocks noGrp="1"/>
-          </p:cNvSpPr>
-          <p:nvPr>
-            <p:ph type="title"/>
-          </p:nvPr>
-        </p:nvSpPr>
-        <p:spPr/>
-        <p:txBody>
-          <a:bodyPr/>
-          <a:lstStyle/>
-          <a:p>
-            <a:r>
-              <a:rPr lang="en-US" dirty="0" smtClean="0"/>
-              <a:t>Lesson Summary</a:t>
-            </a:r>
-            <a:endParaRPr lang="en-US" dirty="0"/>
-          </a:p>
-        </p:txBody>
-      </p:sp>
-      <p:sp>
-        <p:nvSpPr>
-          <p:cNvPr id="6" name="Content Placeholder 5"/>
-          <p:cNvSpPr>
-            <a:spLocks noGrp="1"/>
-          </p:cNvSpPr>
-          <p:nvPr>
-            <p:ph idx="1"/>
-          </p:nvPr>
-        </p:nvSpPr>
-        <p:spPr/>
-        <p:txBody>
-          <a:bodyPr/>
-          <a:lstStyle/>
-          <a:p>
-            <a:r>
-              <a:rPr lang="en-US" dirty="0" smtClean="0"/>
-              <a:t>We've seen three examples of functions that do not fit the structural recursion pattern.</a:t>
-            </a:r>
-          </a:p>
-          <a:p>
-            <a:r>
-              <a:rPr lang="en-US" dirty="0" smtClean="0"/>
-              <a:t>We introduced "general recursion", a new class of templates that give the writer more flexibility in writing functions that divide and conquer.</a:t>
-            </a:r>
-          </a:p>
-          <a:p>
-            <a:r>
-              <a:rPr lang="en-US" dirty="0" smtClean="0"/>
-              <a:t>We wrote a recipe for writing general-recursion templates.</a:t>
+              <a:t>Go on to the next lesson</a:t>
             </a:r>
             <a:endParaRPr lang="en-US" dirty="0"/>
           </a:p>
@@ -19413,144 +17547,7 @@
           <a:p>
             <a:fld id="{2AF3B5EA-18B6-4040-9F78-6052AF49C681}" type="slidenum">
               <a:rPr lang="en-US" smtClean="0"/>
-              <a:t>35</a:t>
-            </a:fld>
-            <a:endParaRPr lang="en-US"/>
-          </a:p>
-        </p:txBody>
-      </p:sp>
-    </p:spTree>
-    <p:extLst>
-      <p:ext uri="{BB962C8B-B14F-4D97-AF65-F5344CB8AC3E}">
-        <p14:creationId xmlns:p14="http://schemas.microsoft.com/office/powerpoint/2010/main" val="1030739656"/>
-      </p:ext>
-    </p:extLst>
-  </p:cSld>
-  <p:clrMapOvr>
-    <a:masterClrMapping/>
-  </p:clrMapOvr>
-  <p:timing>
-    <p:tnLst>
-      <p:par>
-        <p:cTn id="1" dur="indefinite" restart="never" nodeType="tmRoot"/>
-      </p:par>
-    </p:tnLst>
-  </p:timing>
-</p:sld>
-</file>
-
-<file path=ppt/slides/slide36.xml><?xml version="1.0" encoding="utf-8"?>
-<p:sld xmlns:a="http://schemas.openxmlformats.org/drawingml/2006/main" xmlns:r="http://schemas.openxmlformats.org/officeDocument/2006/relationships" xmlns:p="http://schemas.openxmlformats.org/presentationml/2006/main">
-  <p:cSld>
-    <p:spTree>
-      <p:nvGrpSpPr>
-        <p:cNvPr id="1" name=""/>
-        <p:cNvGrpSpPr/>
-        <p:nvPr/>
-      </p:nvGrpSpPr>
-      <p:grpSpPr>
-        <a:xfrm>
-          <a:off x="0" y="0"/>
-          <a:ext cx="0" cy="0"/>
-          <a:chOff x="0" y="0"/>
-          <a:chExt cx="0" cy="0"/>
-        </a:xfrm>
-      </p:grpSpPr>
-      <p:sp>
-        <p:nvSpPr>
-          <p:cNvPr id="2" name="Title 1"/>
-          <p:cNvSpPr>
-            <a:spLocks noGrp="1"/>
-          </p:cNvSpPr>
-          <p:nvPr>
-            <p:ph type="title"/>
-          </p:nvPr>
-        </p:nvSpPr>
-        <p:spPr/>
-        <p:txBody>
-          <a:bodyPr/>
-          <a:lstStyle/>
-          <a:p>
-            <a:r>
-              <a:rPr lang="en-US" dirty="0" smtClean="0"/>
-              <a:t>Next Steps</a:t>
-            </a:r>
-            <a:endParaRPr lang="en-US" dirty="0"/>
-          </a:p>
-        </p:txBody>
-      </p:sp>
-      <p:sp>
-        <p:nvSpPr>
-          <p:cNvPr id="3" name="Content Placeholder 2"/>
-          <p:cNvSpPr>
-            <a:spLocks noGrp="1"/>
-          </p:cNvSpPr>
-          <p:nvPr>
-            <p:ph idx="1"/>
-          </p:nvPr>
-        </p:nvSpPr>
-        <p:spPr/>
-        <p:txBody>
-          <a:bodyPr/>
-          <a:lstStyle/>
-          <a:p>
-            <a:r>
-              <a:rPr lang="en-US" dirty="0" smtClean="0"/>
-              <a:t>Study the files </a:t>
-            </a:r>
-            <a:r>
-              <a:rPr lang="en-US" smtClean="0"/>
-              <a:t>08-1-decode.rkt and 08-2-merge-sort.rkt in </a:t>
-            </a:r>
-            <a:r>
-              <a:rPr lang="en-US" dirty="0" smtClean="0"/>
-              <a:t>the Examples folder.</a:t>
-            </a:r>
-          </a:p>
-          <a:p>
-            <a:r>
-              <a:rPr lang="en-US" dirty="0"/>
-              <a:t>Do </a:t>
-            </a:r>
-            <a:r>
-              <a:rPr lang="en-US" dirty="0" smtClean="0"/>
-              <a:t>Guided Practice 8.1</a:t>
-            </a:r>
-            <a:endParaRPr lang="en-US" dirty="0" smtClean="0"/>
-          </a:p>
-          <a:p>
-            <a:r>
-              <a:rPr lang="en-US" dirty="0" smtClean="0"/>
-              <a:t>If you have questions about this lesson, ask them on the Discussion Board</a:t>
-            </a:r>
-          </a:p>
-          <a:p>
-            <a:r>
-              <a:rPr lang="en-US" dirty="0" smtClean="0"/>
-              <a:t>Go on to the next lesson</a:t>
-            </a:r>
-            <a:endParaRPr lang="en-US" dirty="0"/>
-          </a:p>
-        </p:txBody>
-      </p:sp>
-      <p:sp>
-        <p:nvSpPr>
-          <p:cNvPr id="4" name="Slide Number Placeholder 3"/>
-          <p:cNvSpPr>
-            <a:spLocks noGrp="1"/>
-          </p:cNvSpPr>
-          <p:nvPr>
-            <p:ph type="sldNum" sz="quarter" idx="12"/>
-          </p:nvPr>
-        </p:nvSpPr>
-        <p:spPr/>
-        <p:txBody>
-          <a:bodyPr/>
-          <a:lstStyle/>
-          <a:p>
-            <a:fld id="{2AF3B5EA-18B6-4040-9F78-6052AF49C681}" type="slidenum">
-              <a:rPr lang="en-US" smtClean="0"/>
-              <a:t>36</a:t>
+              <a:t>34</a:t>
             </a:fld>
             <a:endParaRPr lang="en-US"/>
           </a:p>

--- a/Slides/Lesson 8.1 Introducing General Recursion.pptx
+++ b/Slides/Lesson 8.1 Introducing General Recursion.pptx
@@ -5,7 +5,7 @@
     <p:sldMasterId id="2147483660" r:id="rId1"/>
   </p:sldMasterIdLst>
   <p:notesMasterIdLst>
-    <p:notesMasterId r:id="rId36"/>
+    <p:notesMasterId r:id="rId37"/>
   </p:notesMasterIdLst>
   <p:sldIdLst>
     <p:sldId id="257" r:id="rId2"/>
@@ -29,24 +29,25 @@
     <p:sldId id="339" r:id="rId20"/>
     <p:sldId id="341" r:id="rId21"/>
     <p:sldId id="524" r:id="rId22"/>
-    <p:sldId id="525" r:id="rId23"/>
-    <p:sldId id="526" r:id="rId24"/>
-    <p:sldId id="530" r:id="rId25"/>
-    <p:sldId id="531" r:id="rId26"/>
-    <p:sldId id="537" r:id="rId27"/>
-    <p:sldId id="539" r:id="rId28"/>
-    <p:sldId id="294" r:id="rId29"/>
-    <p:sldId id="295" r:id="rId30"/>
-    <p:sldId id="329" r:id="rId31"/>
-    <p:sldId id="297" r:id="rId32"/>
-    <p:sldId id="330" r:id="rId33"/>
-    <p:sldId id="527" r:id="rId34"/>
-    <p:sldId id="535" r:id="rId35"/>
+    <p:sldId id="540" r:id="rId23"/>
+    <p:sldId id="525" r:id="rId24"/>
+    <p:sldId id="526" r:id="rId25"/>
+    <p:sldId id="530" r:id="rId26"/>
+    <p:sldId id="531" r:id="rId27"/>
+    <p:sldId id="537" r:id="rId28"/>
+    <p:sldId id="539" r:id="rId29"/>
+    <p:sldId id="294" r:id="rId30"/>
+    <p:sldId id="295" r:id="rId31"/>
+    <p:sldId id="329" r:id="rId32"/>
+    <p:sldId id="297" r:id="rId33"/>
+    <p:sldId id="330" r:id="rId34"/>
+    <p:sldId id="527" r:id="rId35"/>
+    <p:sldId id="535" r:id="rId36"/>
   </p:sldIdLst>
   <p:sldSz cx="9144000" cy="6858000" type="screen4x3"/>
   <p:notesSz cx="6858000" cy="9144000"/>
   <p:custDataLst>
-    <p:tags r:id="rId37"/>
+    <p:tags r:id="rId38"/>
   </p:custDataLst>
   <p:defaultTextStyle>
     <a:defPPr>
@@ -169,6 +170,7 @@
             <p14:sldId id="339"/>
             <p14:sldId id="341"/>
             <p14:sldId id="524"/>
+            <p14:sldId id="540"/>
             <p14:sldId id="525"/>
             <p14:sldId id="526"/>
             <p14:sldId id="530"/>
@@ -301,7 +303,7 @@
             <a:fld id="{CF8F25F6-E1EF-4065-8525-42EDEBD9BD22}" type="datetimeFigureOut">
               <a:rPr lang="en-US" smtClean="0"/>
               <a:pPr/>
-              <a:t>10/16/2015</a:t>
+              <a:t>10/26/2015</a:t>
             </a:fld>
             <a:endParaRPr lang="en-US"/>
           </a:p>
@@ -1243,7 +1245,7 @@
             <a:fld id="{00E1DFD8-B619-4FFF-B366-BDCC98D08110}" type="slidenum">
               <a:rPr lang="en-US" smtClean="0"/>
               <a:pPr/>
-              <a:t>22</a:t>
+              <a:t>23</a:t>
             </a:fld>
             <a:endParaRPr lang="en-US"/>
           </a:p>
@@ -1328,7 +1330,7 @@
             <a:fld id="{00E1DFD8-B619-4FFF-B366-BDCC98D08110}" type="slidenum">
               <a:rPr lang="en-US" smtClean="0"/>
               <a:pPr/>
-              <a:t>23</a:t>
+              <a:t>24</a:t>
             </a:fld>
             <a:endParaRPr lang="en-US"/>
           </a:p>
@@ -1413,7 +1415,7 @@
             <a:fld id="{00E1DFD8-B619-4FFF-B366-BDCC98D08110}" type="slidenum">
               <a:rPr lang="en-US" smtClean="0"/>
               <a:pPr/>
-              <a:t>24</a:t>
+              <a:t>25</a:t>
             </a:fld>
             <a:endParaRPr lang="en-US"/>
           </a:p>
@@ -1498,7 +1500,7 @@
             <a:fld id="{00E1DFD8-B619-4FFF-B366-BDCC98D08110}" type="slidenum">
               <a:rPr lang="en-US" smtClean="0"/>
               <a:pPr/>
-              <a:t>25</a:t>
+              <a:t>26</a:t>
             </a:fld>
             <a:endParaRPr lang="en-US"/>
           </a:p>
@@ -1668,7 +1670,7 @@
             <a:fld id="{00E1DFD8-B619-4FFF-B366-BDCC98D08110}" type="slidenum">
               <a:rPr lang="en-US" smtClean="0"/>
               <a:pPr/>
-              <a:t>27</a:t>
+              <a:t>28</a:t>
             </a:fld>
             <a:endParaRPr lang="en-US"/>
           </a:p>
@@ -1753,7 +1755,7 @@
             <a:fld id="{00E1DFD8-B619-4FFF-B366-BDCC98D08110}" type="slidenum">
               <a:rPr lang="en-US" smtClean="0"/>
               <a:pPr/>
-              <a:t>28</a:t>
+              <a:t>29</a:t>
             </a:fld>
             <a:endParaRPr lang="en-US"/>
           </a:p>
@@ -1838,7 +1840,7 @@
             <a:fld id="{00E1DFD8-B619-4FFF-B366-BDCC98D08110}" type="slidenum">
               <a:rPr lang="en-US" smtClean="0"/>
               <a:pPr/>
-              <a:t>29</a:t>
+              <a:t>30</a:t>
             </a:fld>
             <a:endParaRPr lang="en-US"/>
           </a:p>
@@ -1923,7 +1925,7 @@
             <a:fld id="{00E1DFD8-B619-4FFF-B366-BDCC98D08110}" type="slidenum">
               <a:rPr lang="en-US" smtClean="0"/>
               <a:pPr/>
-              <a:t>30</a:t>
+              <a:t>31</a:t>
             </a:fld>
             <a:endParaRPr lang="en-US"/>
           </a:p>
@@ -2008,7 +2010,7 @@
             <a:fld id="{00E1DFD8-B619-4FFF-B366-BDCC98D08110}" type="slidenum">
               <a:rPr lang="en-US" smtClean="0"/>
               <a:pPr/>
-              <a:t>31</a:t>
+              <a:t>32</a:t>
             </a:fld>
             <a:endParaRPr lang="en-US"/>
           </a:p>
@@ -2811,7 +2813,7 @@
           <a:p>
             <a:fld id="{2F1F79F5-7BEC-496A-AFC7-876E38F64D71}" type="datetime1">
               <a:rPr lang="en-US" smtClean="0"/>
-              <a:t>10/16/2015</a:t>
+              <a:t>10/26/2015</a:t>
             </a:fld>
             <a:endParaRPr lang="en-US"/>
           </a:p>
@@ -2913,7 +2915,7 @@
           <a:p>
             <a:fld id="{0A05703A-7669-4FEA-9056-25299B4D29D4}" type="datetime1">
               <a:rPr lang="en-US" smtClean="0"/>
-              <a:t>10/16/2015</a:t>
+              <a:t>10/26/2015</a:t>
             </a:fld>
             <a:endParaRPr lang="en-US"/>
           </a:p>
@@ -3190,7 +3192,7 @@
           <a:p>
             <a:fld id="{6E5077B5-BB57-49DB-88CA-226A139E5C01}" type="datetime1">
               <a:rPr lang="en-US" smtClean="0"/>
-              <a:t>10/16/2015</a:t>
+              <a:t>10/26/2015</a:t>
             </a:fld>
             <a:endParaRPr lang="en-US"/>
           </a:p>
@@ -3443,7 +3445,7 @@
           <a:p>
             <a:fld id="{C48D9447-CBD6-49A1-89FD-8512A8CF8999}" type="datetime1">
               <a:rPr lang="en-US" smtClean="0"/>
-              <a:t>10/16/2015</a:t>
+              <a:t>10/26/2015</a:t>
             </a:fld>
             <a:endParaRPr lang="en-US"/>
           </a:p>
@@ -3613,7 +3615,7 @@
           <a:p>
             <a:fld id="{A3639A2A-823D-48B7-9ACE-7FAF42870BA9}" type="datetime1">
               <a:rPr lang="en-US" smtClean="0"/>
-              <a:t>10/16/2015</a:t>
+              <a:t>10/26/2015</a:t>
             </a:fld>
             <a:endParaRPr lang="en-US"/>
           </a:p>
@@ -3793,7 +3795,7 @@
           <a:p>
             <a:fld id="{ED1B6996-82E9-463C-972C-7B56056E426C}" type="datetime1">
               <a:rPr lang="en-US" smtClean="0"/>
-              <a:t>10/16/2015</a:t>
+              <a:t>10/26/2015</a:t>
             </a:fld>
             <a:endParaRPr lang="en-US"/>
           </a:p>
@@ -3969,7 +3971,7 @@
           <a:p>
             <a:fld id="{E22ED4DA-448D-4BB1-B935-CC112220207B}" type="datetime1">
               <a:rPr lang="en-US" smtClean="0"/>
-              <a:t>10/16/2015</a:t>
+              <a:t>10/26/2015</a:t>
             </a:fld>
             <a:endParaRPr lang="en-US"/>
           </a:p>
@@ -4151,7 +4153,7 @@
           <a:p>
             <a:fld id="{E22ED4DA-448D-4BB1-B935-CC112220207B}" type="datetime1">
               <a:rPr lang="en-US" smtClean="0"/>
-              <a:t>10/16/2015</a:t>
+              <a:t>10/26/2015</a:t>
             </a:fld>
             <a:endParaRPr lang="en-US"/>
           </a:p>
@@ -4420,7 +4422,7 @@
           <a:p>
             <a:fld id="{FF5D65A6-AB94-4435-B0B7-3743215FA46C}" type="datetime1">
               <a:rPr lang="en-US" smtClean="0"/>
-              <a:t>10/16/2015</a:t>
+              <a:t>10/26/2015</a:t>
             </a:fld>
             <a:endParaRPr lang="en-US"/>
           </a:p>
@@ -4605,7 +4607,7 @@
           <a:p>
             <a:fld id="{FF5D65A6-AB94-4435-B0B7-3743215FA46C}" type="datetime1">
               <a:rPr lang="en-US" smtClean="0"/>
-              <a:t>10/16/2015</a:t>
+              <a:t>10/26/2015</a:t>
             </a:fld>
             <a:endParaRPr lang="en-US"/>
           </a:p>
@@ -4907,7 +4909,7 @@
           <a:p>
             <a:fld id="{7C193DC4-6EF0-48C9-B29C-616106A645E1}" type="datetime1">
               <a:rPr lang="en-US" smtClean="0"/>
-              <a:t>10/16/2015</a:t>
+              <a:t>10/26/2015</a:t>
             </a:fld>
             <a:endParaRPr lang="en-US"/>
           </a:p>
@@ -5195,7 +5197,7 @@
           <a:p>
             <a:fld id="{5D1846AD-9252-4647-9435-4C2AC365653A}" type="datetime1">
               <a:rPr lang="en-US" smtClean="0"/>
-              <a:t>10/16/2015</a:t>
+              <a:t>10/26/2015</a:t>
             </a:fld>
             <a:endParaRPr lang="en-US"/>
           </a:p>
@@ -5617,7 +5619,7 @@
           <a:p>
             <a:fld id="{CE56DC10-3561-4063-A6AF-C1CC7A41040A}" type="datetime1">
               <a:rPr lang="en-US" smtClean="0"/>
-              <a:t>10/16/2015</a:t>
+              <a:t>10/26/2015</a:t>
             </a:fld>
             <a:endParaRPr lang="en-US"/>
           </a:p>
@@ -5735,7 +5737,7 @@
           <a:p>
             <a:fld id="{2F7B77F5-1464-4F6B-92A8-64FC8A508293}" type="datetime1">
               <a:rPr lang="en-US" smtClean="0"/>
-              <a:t>10/16/2015</a:t>
+              <a:t>10/26/2015</a:t>
             </a:fld>
             <a:endParaRPr lang="en-US"/>
           </a:p>
@@ -5967,7 +5969,7 @@
           <a:p>
             <a:fld id="{02B3F677-983B-48DB-ADFD-63FE6CBC7FB2}" type="datetime1">
               <a:rPr lang="en-US" smtClean="0"/>
-              <a:t>10/16/2015</a:t>
+              <a:t>10/26/2015</a:t>
             </a:fld>
             <a:endParaRPr lang="en-US"/>
           </a:p>
@@ -6564,8 +6566,9 @@
               </a:r>
               <a:r>
                 <a:rPr lang="en-US" sz="1000" dirty="0" smtClean="0"/>
-                <a:t>2012-2013</a:t>
+                <a:t>2012-2015</a:t>
               </a:r>
+              <a:endParaRPr lang="en-US" sz="1000" dirty="0" smtClean="0"/>
             </a:p>
             <a:p>
               <a:r>
@@ -8219,6 +8222,13 @@
               <a:t>;; Algorithm: if the </a:t>
             </a:r>
             <a:r>
+              <a:rPr lang="en-US" b="1" dirty="0" smtClean="0">
+                <a:latin typeface="Consolas" pitchFamily="49" charset="0"/>
+                <a:cs typeface="Consolas" pitchFamily="49" charset="0"/>
+              </a:rPr>
+              <a:t>top level of the </a:t>
+            </a:r>
+            <a:r>
               <a:rPr lang="en-US" b="1" dirty="0" err="1" smtClean="0">
                 <a:latin typeface="Consolas" pitchFamily="49" charset="0"/>
                 <a:cs typeface="Consolas" pitchFamily="49" charset="0"/>
@@ -8230,7 +8240,19 @@
                 <a:latin typeface="Consolas" pitchFamily="49" charset="0"/>
                 <a:cs typeface="Consolas" pitchFamily="49" charset="0"/>
               </a:rPr>
-              <a:t> looks like a </a:t>
+              <a:t> could be the top level of some</a:t>
+            </a:r>
+          </a:p>
+          <a:p>
+            <a:pPr>
+              <a:buNone/>
+            </a:pPr>
+            <a:r>
+              <a:rPr lang="en-US" b="1" dirty="0" smtClean="0">
+                <a:latin typeface="Consolas" pitchFamily="49" charset="0"/>
+                <a:cs typeface="Consolas" pitchFamily="49" charset="0"/>
+              </a:rPr>
+              <a:t>;;  </a:t>
             </a:r>
             <a:r>
               <a:rPr lang="en-US" b="1" dirty="0" err="1" smtClean="0">
@@ -8244,51 +8266,22 @@
                 <a:latin typeface="Consolas" pitchFamily="49" charset="0"/>
                 <a:cs typeface="Consolas" pitchFamily="49" charset="0"/>
               </a:rPr>
-              <a:t> at the top level,</a:t>
-            </a:r>
-          </a:p>
-          <a:p>
-            <a:pPr>
-              <a:buNone/>
-            </a:pPr>
+              <a:t>, then </a:t>
+            </a:r>
             <a:r>
               <a:rPr lang="en-US" b="1" dirty="0" smtClean="0">
                 <a:latin typeface="Consolas" pitchFamily="49" charset="0"/>
                 <a:cs typeface="Consolas" pitchFamily="49" charset="0"/>
               </a:rPr>
-              <a:t>;; recur, otherwise return false.  If either recursion fails, return</a:t>
-            </a:r>
-          </a:p>
-          <a:p>
-            <a:pPr>
-              <a:buNone/>
-            </a:pPr>
+              <a:t>recur</a:t>
+            </a:r>
             <a:r>
               <a:rPr lang="en-US" b="1" dirty="0" smtClean="0">
                 <a:latin typeface="Consolas" pitchFamily="49" charset="0"/>
                 <a:cs typeface="Consolas" pitchFamily="49" charset="0"/>
               </a:rPr>
-              <a:t>;; false.  If both recursions succeed, return the </a:t>
-            </a:r>
-            <a:r>
-              <a:rPr lang="en-US" b="1" dirty="0" err="1" smtClean="0">
-                <a:latin typeface="Consolas" pitchFamily="49" charset="0"/>
-                <a:cs typeface="Consolas" pitchFamily="49" charset="0"/>
-              </a:rPr>
-              <a:t>diffexp</a:t>
-            </a:r>
-            <a:r>
-              <a:rPr lang="en-US" b="1" dirty="0" smtClean="0">
-                <a:latin typeface="Consolas" pitchFamily="49" charset="0"/>
-                <a:cs typeface="Consolas" pitchFamily="49" charset="0"/>
-              </a:rPr>
-              <a:t>.</a:t>
-            </a:r>
-          </a:p>
-          <a:p>
-            <a:pPr>
-              <a:buNone/>
-            </a:pPr>
+              <a:t>, otherwise return false.  </a:t>
+            </a:r>
             <a:endParaRPr lang="en-US" b="1" dirty="0" smtClean="0">
               <a:latin typeface="Consolas" pitchFamily="49" charset="0"/>
               <a:cs typeface="Consolas" pitchFamily="49" charset="0"/>
@@ -8303,41 +8296,88 @@
                 <a:latin typeface="Consolas" pitchFamily="49" charset="0"/>
                 <a:cs typeface="Consolas" pitchFamily="49" charset="0"/>
               </a:rPr>
-              <a:t>(define (decode </a:t>
+              <a:t>;;  </a:t>
+            </a:r>
+            <a:r>
+              <a:rPr lang="en-US" b="1" dirty="0" smtClean="0">
+                <a:latin typeface="Consolas" pitchFamily="49" charset="0"/>
+                <a:cs typeface="Consolas" pitchFamily="49" charset="0"/>
+              </a:rPr>
+              <a:t>If </a:t>
+            </a:r>
+            <a:r>
+              <a:rPr lang="en-US" b="1" dirty="0" smtClean="0">
+                <a:latin typeface="Consolas" pitchFamily="49" charset="0"/>
+                <a:cs typeface="Consolas" pitchFamily="49" charset="0"/>
+              </a:rPr>
+              <a:t>either recursion fails, </a:t>
+            </a:r>
+            <a:r>
+              <a:rPr lang="en-US" b="1" dirty="0" smtClean="0">
+                <a:latin typeface="Consolas" pitchFamily="49" charset="0"/>
+                <a:cs typeface="Consolas" pitchFamily="49" charset="0"/>
+              </a:rPr>
+              <a:t>return false</a:t>
+            </a:r>
+            <a:r>
+              <a:rPr lang="en-US" b="1" dirty="0" smtClean="0">
+                <a:latin typeface="Consolas" pitchFamily="49" charset="0"/>
+                <a:cs typeface="Consolas" pitchFamily="49" charset="0"/>
+              </a:rPr>
+              <a:t>.  If both recursions succeed</a:t>
+            </a:r>
+            <a:r>
+              <a:rPr lang="en-US" b="1" dirty="0" smtClean="0">
+                <a:latin typeface="Consolas" pitchFamily="49" charset="0"/>
+                <a:cs typeface="Consolas" pitchFamily="49" charset="0"/>
+              </a:rPr>
+              <a:t>,</a:t>
+            </a:r>
+          </a:p>
+          <a:p>
+            <a:pPr>
+              <a:buNone/>
+            </a:pPr>
+            <a:r>
+              <a:rPr lang="en-US" b="1" dirty="0" smtClean="0">
+                <a:latin typeface="Consolas" pitchFamily="49" charset="0"/>
+                <a:cs typeface="Consolas" pitchFamily="49" charset="0"/>
+              </a:rPr>
+              <a:t>;; </a:t>
+            </a:r>
+            <a:r>
+              <a:rPr lang="en-US" b="1" dirty="0" smtClean="0">
+                <a:latin typeface="Consolas" pitchFamily="49" charset="0"/>
+                <a:cs typeface="Consolas" pitchFamily="49" charset="0"/>
+              </a:rPr>
+              <a:t> </a:t>
+            </a:r>
+            <a:r>
+              <a:rPr lang="en-US" b="1" dirty="0" smtClean="0">
+                <a:latin typeface="Consolas" pitchFamily="49" charset="0"/>
+                <a:cs typeface="Consolas" pitchFamily="49" charset="0"/>
+              </a:rPr>
+              <a:t>return the </a:t>
             </a:r>
             <a:r>
               <a:rPr lang="en-US" b="1" dirty="0" err="1" smtClean="0">
                 <a:latin typeface="Consolas" pitchFamily="49" charset="0"/>
                 <a:cs typeface="Consolas" pitchFamily="49" charset="0"/>
               </a:rPr>
-              <a:t>sexp</a:t>
+              <a:t>diffexp</a:t>
             </a:r>
             <a:r>
               <a:rPr lang="en-US" b="1" dirty="0" smtClean="0">
                 <a:latin typeface="Consolas" pitchFamily="49" charset="0"/>
                 <a:cs typeface="Consolas" pitchFamily="49" charset="0"/>
               </a:rPr>
-              <a:t>)</a:t>
-            </a:r>
-          </a:p>
-          <a:p>
-            <a:pPr>
-              <a:buNone/>
-            </a:pPr>
-            <a:r>
-              <a:rPr lang="en-US" b="1" dirty="0" smtClean="0">
-                <a:latin typeface="Consolas" pitchFamily="49" charset="0"/>
-                <a:cs typeface="Consolas" pitchFamily="49" charset="0"/>
-              </a:rPr>
-              <a:t>  (</a:t>
-            </a:r>
-            <a:r>
-              <a:rPr lang="en-US" b="1" dirty="0" err="1" smtClean="0">
-                <a:latin typeface="Consolas" pitchFamily="49" charset="0"/>
-                <a:cs typeface="Consolas" pitchFamily="49" charset="0"/>
-              </a:rPr>
-              <a:t>cond</a:t>
-            </a:r>
+              <a:t>.</a:t>
+            </a:r>
+          </a:p>
+          <a:p>
+            <a:pPr>
+              <a:buNone/>
+            </a:pPr>
             <a:endParaRPr lang="en-US" b="1" dirty="0" smtClean="0">
               <a:latin typeface="Consolas" pitchFamily="49" charset="0"/>
               <a:cs typeface="Consolas" pitchFamily="49" charset="0"/>
@@ -8352,6 +8392,55 @@
                 <a:latin typeface="Consolas" pitchFamily="49" charset="0"/>
                 <a:cs typeface="Consolas" pitchFamily="49" charset="0"/>
               </a:rPr>
+              <a:t>(define (decode </a:t>
+            </a:r>
+            <a:r>
+              <a:rPr lang="en-US" b="1" dirty="0" err="1" smtClean="0">
+                <a:latin typeface="Consolas" pitchFamily="49" charset="0"/>
+                <a:cs typeface="Consolas" pitchFamily="49" charset="0"/>
+              </a:rPr>
+              <a:t>sexp</a:t>
+            </a:r>
+            <a:r>
+              <a:rPr lang="en-US" b="1" dirty="0" smtClean="0">
+                <a:latin typeface="Consolas" pitchFamily="49" charset="0"/>
+                <a:cs typeface="Consolas" pitchFamily="49" charset="0"/>
+              </a:rPr>
+              <a:t>)</a:t>
+            </a:r>
+          </a:p>
+          <a:p>
+            <a:pPr>
+              <a:buNone/>
+            </a:pPr>
+            <a:r>
+              <a:rPr lang="en-US" b="1" dirty="0" smtClean="0">
+                <a:latin typeface="Consolas" pitchFamily="49" charset="0"/>
+                <a:cs typeface="Consolas" pitchFamily="49" charset="0"/>
+              </a:rPr>
+              <a:t>  (</a:t>
+            </a:r>
+            <a:r>
+              <a:rPr lang="en-US" b="1" dirty="0" err="1" smtClean="0">
+                <a:latin typeface="Consolas" pitchFamily="49" charset="0"/>
+                <a:cs typeface="Consolas" pitchFamily="49" charset="0"/>
+              </a:rPr>
+              <a:t>cond</a:t>
+            </a:r>
+            <a:endParaRPr lang="en-US" b="1" dirty="0" smtClean="0">
+              <a:latin typeface="Consolas" pitchFamily="49" charset="0"/>
+              <a:cs typeface="Consolas" pitchFamily="49" charset="0"/>
+            </a:endParaRPr>
+          </a:p>
+          <a:p>
+            <a:pPr>
+              <a:buNone/>
+            </a:pPr>
+            <a:r>
+              <a:rPr lang="en-US" b="1" dirty="0" smtClean="0">
+                <a:latin typeface="Consolas" pitchFamily="49" charset="0"/>
+                <a:cs typeface="Consolas" pitchFamily="49" charset="0"/>
+              </a:rPr>
               <a:t>    [(number? </a:t>
             </a:r>
             <a:r>
@@ -8392,14 +8481,7 @@
                 <a:latin typeface="Consolas" pitchFamily="49" charset="0"/>
                 <a:cs typeface="Consolas" pitchFamily="49" charset="0"/>
               </a:rPr>
-              <a:t>    </a:t>
-            </a:r>
-            <a:r>
-              <a:rPr lang="en-US" b="1" dirty="0" smtClean="0">
-                <a:latin typeface="Consolas" pitchFamily="49" charset="0"/>
-                <a:cs typeface="Consolas" pitchFamily="49" charset="0"/>
-              </a:rPr>
-              <a:t>[(could-be-</a:t>
+              <a:t>    [(looks-like-</a:t>
             </a:r>
             <a:r>
               <a:rPr lang="en-US" b="1" dirty="0" err="1" smtClean="0">
@@ -8730,6 +8812,166 @@
                 <a:latin typeface="Consolas" pitchFamily="49" charset="0"/>
                 <a:cs typeface="Consolas" pitchFamily="49" charset="0"/>
               </a:rPr>
+              <a:t>;; looks-like-</a:t>
+            </a:r>
+            <a:r>
+              <a:rPr lang="en-US" b="1" dirty="0" err="1" smtClean="0">
+                <a:latin typeface="Consolas" pitchFamily="49" charset="0"/>
+                <a:cs typeface="Consolas" pitchFamily="49" charset="0"/>
+              </a:rPr>
+              <a:t>diffexp</a:t>
+            </a:r>
+            <a:r>
+              <a:rPr lang="en-US" b="1" dirty="0" smtClean="0">
+                <a:latin typeface="Consolas" pitchFamily="49" charset="0"/>
+                <a:cs typeface="Consolas" pitchFamily="49" charset="0"/>
+              </a:rPr>
+              <a:t>? : </a:t>
+            </a:r>
+            <a:r>
+              <a:rPr lang="en-US" b="1" dirty="0" err="1" smtClean="0">
+                <a:latin typeface="Consolas" pitchFamily="49" charset="0"/>
+                <a:cs typeface="Consolas" pitchFamily="49" charset="0"/>
+              </a:rPr>
+              <a:t>SexpOfAtom</a:t>
+            </a:r>
+            <a:r>
+              <a:rPr lang="en-US" b="1" dirty="0" smtClean="0">
+                <a:latin typeface="Consolas" pitchFamily="49" charset="0"/>
+                <a:cs typeface="Consolas" pitchFamily="49" charset="0"/>
+              </a:rPr>
+              <a:t> -&gt; Boolean</a:t>
+            </a:r>
+          </a:p>
+          <a:p>
+            <a:pPr>
+              <a:buNone/>
+            </a:pPr>
+            <a:r>
+              <a:rPr lang="en-US" b="1" dirty="0" smtClean="0">
+                <a:latin typeface="Consolas" pitchFamily="49" charset="0"/>
+                <a:cs typeface="Consolas" pitchFamily="49" charset="0"/>
+              </a:rPr>
+              <a:t>;; WHERE: </a:t>
+            </a:r>
+            <a:r>
+              <a:rPr lang="en-US" b="1" dirty="0" err="1" smtClean="0">
+                <a:latin typeface="Consolas" pitchFamily="49" charset="0"/>
+                <a:cs typeface="Consolas" pitchFamily="49" charset="0"/>
+              </a:rPr>
+              <a:t>sexp</a:t>
+            </a:r>
+            <a:r>
+              <a:rPr lang="en-US" b="1" dirty="0" smtClean="0">
+                <a:latin typeface="Consolas" pitchFamily="49" charset="0"/>
+                <a:cs typeface="Consolas" pitchFamily="49" charset="0"/>
+              </a:rPr>
+              <a:t> is not a number.</a:t>
+            </a:r>
+          </a:p>
+          <a:p>
+            <a:pPr>
+              <a:buNone/>
+            </a:pPr>
+            <a:r>
+              <a:rPr lang="en-US" b="1" dirty="0" smtClean="0">
+                <a:latin typeface="Consolas" pitchFamily="49" charset="0"/>
+                <a:cs typeface="Consolas" pitchFamily="49" charset="0"/>
+              </a:rPr>
+              <a:t>;; RETURNS: true </a:t>
+            </a:r>
+            <a:r>
+              <a:rPr lang="en-US" b="1" dirty="0" err="1" smtClean="0">
+                <a:latin typeface="Consolas" pitchFamily="49" charset="0"/>
+                <a:cs typeface="Consolas" pitchFamily="49" charset="0"/>
+              </a:rPr>
+              <a:t>iff</a:t>
+            </a:r>
+            <a:r>
+              <a:rPr lang="en-US" b="1" dirty="0" smtClean="0">
+                <a:latin typeface="Consolas" pitchFamily="49" charset="0"/>
+                <a:cs typeface="Consolas" pitchFamily="49" charset="0"/>
+              </a:rPr>
+              <a:t> </a:t>
+            </a:r>
+            <a:r>
+              <a:rPr lang="en-US" b="1" dirty="0">
+                <a:latin typeface="Consolas" pitchFamily="49" charset="0"/>
+                <a:cs typeface="Consolas" pitchFamily="49" charset="0"/>
+              </a:rPr>
+              <a:t>the top level of the </a:t>
+            </a:r>
+            <a:r>
+              <a:rPr lang="en-US" b="1" dirty="0" err="1">
+                <a:latin typeface="Consolas" pitchFamily="49" charset="0"/>
+                <a:cs typeface="Consolas" pitchFamily="49" charset="0"/>
+              </a:rPr>
+              <a:t>sexp</a:t>
+            </a:r>
+            <a:r>
+              <a:rPr lang="en-US" b="1" dirty="0">
+                <a:latin typeface="Consolas" pitchFamily="49" charset="0"/>
+                <a:cs typeface="Consolas" pitchFamily="49" charset="0"/>
+              </a:rPr>
+              <a:t> could be the </a:t>
+            </a:r>
+            <a:r>
+              <a:rPr lang="en-US" b="1" dirty="0" smtClean="0">
+                <a:latin typeface="Consolas" pitchFamily="49" charset="0"/>
+                <a:cs typeface="Consolas" pitchFamily="49" charset="0"/>
+              </a:rPr>
+              <a:t>top</a:t>
+            </a:r>
+          </a:p>
+          <a:p>
+            <a:pPr>
+              <a:buNone/>
+            </a:pPr>
+            <a:r>
+              <a:rPr lang="en-US" b="1" dirty="0" smtClean="0">
+                <a:latin typeface="Consolas" pitchFamily="49" charset="0"/>
+                <a:cs typeface="Consolas" pitchFamily="49" charset="0"/>
+              </a:rPr>
+              <a:t>;;  </a:t>
+            </a:r>
+            <a:r>
+              <a:rPr lang="en-US" b="1" dirty="0">
+                <a:latin typeface="Consolas" pitchFamily="49" charset="0"/>
+                <a:cs typeface="Consolas" pitchFamily="49" charset="0"/>
+              </a:rPr>
+              <a:t>level of </a:t>
+            </a:r>
+            <a:r>
+              <a:rPr lang="en-US" b="1" dirty="0" smtClean="0">
+                <a:latin typeface="Consolas" pitchFamily="49" charset="0"/>
+                <a:cs typeface="Consolas" pitchFamily="49" charset="0"/>
+              </a:rPr>
+              <a:t>some </a:t>
+            </a:r>
+            <a:r>
+              <a:rPr lang="en-US" b="1" dirty="0" err="1" smtClean="0">
+                <a:latin typeface="Consolas" pitchFamily="49" charset="0"/>
+                <a:cs typeface="Consolas" pitchFamily="49" charset="0"/>
+              </a:rPr>
+              <a:t>diffexp</a:t>
+            </a:r>
+            <a:r>
+              <a:rPr lang="en-US" b="1" dirty="0" smtClean="0">
+                <a:latin typeface="Consolas" pitchFamily="49" charset="0"/>
+                <a:cs typeface="Consolas" pitchFamily="49" charset="0"/>
+              </a:rPr>
+              <a:t>. </a:t>
+            </a:r>
+          </a:p>
+          <a:p>
+            <a:pPr>
+              <a:buNone/>
+            </a:pPr>
+            <a:r>
+              <a:rPr lang="en-US" b="1" dirty="0" smtClean="0">
+                <a:latin typeface="Consolas" pitchFamily="49" charset="0"/>
+                <a:cs typeface="Consolas" pitchFamily="49" charset="0"/>
+              </a:rPr>
               <a:t>;; </a:t>
             </a:r>
             <a:r>
@@ -8737,7 +8979,19 @@
                 <a:latin typeface="Consolas" pitchFamily="49" charset="0"/>
                 <a:cs typeface="Consolas" pitchFamily="49" charset="0"/>
               </a:rPr>
-              <a:t>could-be-</a:t>
+              <a:t>At the top level, a representation of a </a:t>
+            </a:r>
+          </a:p>
+          <a:p>
+            <a:pPr>
+              <a:buNone/>
+            </a:pPr>
+            <a:r>
+              <a:rPr lang="en-US" b="1" dirty="0" smtClean="0">
+                <a:latin typeface="Consolas" pitchFamily="49" charset="0"/>
+                <a:cs typeface="Consolas" pitchFamily="49" charset="0"/>
+              </a:rPr>
+              <a:t>;; </a:t>
             </a:r>
             <a:r>
               <a:rPr lang="en-US" b="1" dirty="0" err="1" smtClean="0">
@@ -8751,28 +9005,31 @@
                 <a:latin typeface="Consolas" pitchFamily="49" charset="0"/>
                 <a:cs typeface="Consolas" pitchFamily="49" charset="0"/>
               </a:rPr>
-              <a:t>? </a:t>
-            </a:r>
+              <a:t> must be either a number or a list of</a:t>
+            </a:r>
+          </a:p>
+          <a:p>
+            <a:pPr>
+              <a:buNone/>
+            </a:pPr>
             <a:r>
               <a:rPr lang="en-US" b="1" dirty="0" smtClean="0">
                 <a:latin typeface="Consolas" pitchFamily="49" charset="0"/>
                 <a:cs typeface="Consolas" pitchFamily="49" charset="0"/>
               </a:rPr>
-              <a:t>: </a:t>
-            </a:r>
-            <a:r>
-              <a:rPr lang="en-US" b="1" dirty="0" err="1" smtClean="0">
-                <a:latin typeface="Consolas" pitchFamily="49" charset="0"/>
-                <a:cs typeface="Consolas" pitchFamily="49" charset="0"/>
-              </a:rPr>
-              <a:t>SexpOfAtom</a:t>
-            </a:r>
+              <a:t>;; exactly 3 elements, beginning with the symbol -</a:t>
+            </a:r>
+          </a:p>
+          <a:p>
+            <a:pPr>
+              <a:buNone/>
+            </a:pPr>
             <a:r>
               <a:rPr lang="en-US" b="1" dirty="0" smtClean="0">
                 <a:latin typeface="Consolas" pitchFamily="49" charset="0"/>
                 <a:cs typeface="Consolas" pitchFamily="49" charset="0"/>
               </a:rPr>
-              <a:t> -&gt; Boolean</a:t>
+              <a:t>;; STRATEGY: combine simpler functions</a:t>
             </a:r>
           </a:p>
           <a:p>
@@ -8784,168 +9041,7 @@
                 <a:latin typeface="Consolas" pitchFamily="49" charset="0"/>
                 <a:cs typeface="Consolas" pitchFamily="49" charset="0"/>
               </a:rPr>
-              <a:t>;; WHERE: </a:t>
-            </a:r>
-            <a:r>
-              <a:rPr lang="en-US" b="1" dirty="0" err="1" smtClean="0">
-                <a:latin typeface="Consolas" pitchFamily="49" charset="0"/>
-                <a:cs typeface="Consolas" pitchFamily="49" charset="0"/>
-              </a:rPr>
-              <a:t>sexp</a:t>
-            </a:r>
-            <a:r>
-              <a:rPr lang="en-US" b="1" dirty="0" smtClean="0">
-                <a:latin typeface="Consolas" pitchFamily="49" charset="0"/>
-                <a:cs typeface="Consolas" pitchFamily="49" charset="0"/>
-              </a:rPr>
-              <a:t> is not a number.</a:t>
-            </a:r>
-          </a:p>
-          <a:p>
-            <a:pPr>
-              <a:buNone/>
-            </a:pPr>
-            <a:r>
-              <a:rPr lang="en-US" b="1" dirty="0" smtClean="0">
-                <a:latin typeface="Consolas" pitchFamily="49" charset="0"/>
-                <a:cs typeface="Consolas" pitchFamily="49" charset="0"/>
-              </a:rPr>
-              <a:t>;; RETURNS: true </a:t>
-            </a:r>
-            <a:r>
-              <a:rPr lang="en-US" b="1" dirty="0" err="1" smtClean="0">
-                <a:latin typeface="Consolas" pitchFamily="49" charset="0"/>
-                <a:cs typeface="Consolas" pitchFamily="49" charset="0"/>
-              </a:rPr>
-              <a:t>iff</a:t>
-            </a:r>
-            <a:r>
-              <a:rPr lang="en-US" b="1" dirty="0" smtClean="0">
-                <a:latin typeface="Consolas" pitchFamily="49" charset="0"/>
-                <a:cs typeface="Consolas" pitchFamily="49" charset="0"/>
-              </a:rPr>
-              <a:t> the top level of the </a:t>
-            </a:r>
-            <a:r>
-              <a:rPr lang="en-US" b="1" dirty="0" err="1" smtClean="0">
-                <a:latin typeface="Consolas" pitchFamily="49" charset="0"/>
-                <a:cs typeface="Consolas" pitchFamily="49" charset="0"/>
-              </a:rPr>
-              <a:t>sexp</a:t>
-            </a:r>
-            <a:r>
-              <a:rPr lang="en-US" b="1" dirty="0" smtClean="0">
-                <a:latin typeface="Consolas" pitchFamily="49" charset="0"/>
-                <a:cs typeface="Consolas" pitchFamily="49" charset="0"/>
-              </a:rPr>
-              <a:t> looks like</a:t>
-            </a:r>
-          </a:p>
-          <a:p>
-            <a:pPr>
-              <a:buNone/>
-            </a:pPr>
-            <a:r>
-              <a:rPr lang="en-US" b="1" dirty="0" smtClean="0">
-                <a:latin typeface="Consolas" pitchFamily="49" charset="0"/>
-                <a:cs typeface="Consolas" pitchFamily="49" charset="0"/>
-              </a:rPr>
-              <a:t>;;   a </a:t>
-            </a:r>
-            <a:r>
-              <a:rPr lang="en-US" b="1" dirty="0" err="1" smtClean="0">
-                <a:latin typeface="Consolas" pitchFamily="49" charset="0"/>
-                <a:cs typeface="Consolas" pitchFamily="49" charset="0"/>
-              </a:rPr>
-              <a:t>diffexp</a:t>
-            </a:r>
-            <a:r>
-              <a:rPr lang="en-US" b="1" dirty="0" smtClean="0">
-                <a:latin typeface="Consolas" pitchFamily="49" charset="0"/>
-                <a:cs typeface="Consolas" pitchFamily="49" charset="0"/>
-              </a:rPr>
-              <a:t>.</a:t>
-            </a:r>
-          </a:p>
-          <a:p>
-            <a:pPr>
-              <a:buNone/>
-            </a:pPr>
-            <a:r>
-              <a:rPr lang="en-US" b="1" dirty="0" smtClean="0">
-                <a:latin typeface="Consolas" pitchFamily="49" charset="0"/>
-                <a:cs typeface="Consolas" pitchFamily="49" charset="0"/>
-              </a:rPr>
-              <a:t>;; At the top level, a representation of a </a:t>
-            </a:r>
-          </a:p>
-          <a:p>
-            <a:pPr>
-              <a:buNone/>
-            </a:pPr>
-            <a:r>
-              <a:rPr lang="en-US" b="1" dirty="0" smtClean="0">
-                <a:latin typeface="Consolas" pitchFamily="49" charset="0"/>
-                <a:cs typeface="Consolas" pitchFamily="49" charset="0"/>
-              </a:rPr>
-              <a:t>;; </a:t>
-            </a:r>
-            <a:r>
-              <a:rPr lang="en-US" b="1" dirty="0" err="1" smtClean="0">
-                <a:latin typeface="Consolas" pitchFamily="49" charset="0"/>
-                <a:cs typeface="Consolas" pitchFamily="49" charset="0"/>
-              </a:rPr>
-              <a:t>diffexp</a:t>
-            </a:r>
-            <a:r>
-              <a:rPr lang="en-US" b="1" dirty="0" smtClean="0">
-                <a:latin typeface="Consolas" pitchFamily="49" charset="0"/>
-                <a:cs typeface="Consolas" pitchFamily="49" charset="0"/>
-              </a:rPr>
-              <a:t> must be either a number or a list of</a:t>
-            </a:r>
-          </a:p>
-          <a:p>
-            <a:pPr>
-              <a:buNone/>
-            </a:pPr>
-            <a:r>
-              <a:rPr lang="en-US" b="1" dirty="0" smtClean="0">
-                <a:latin typeface="Consolas" pitchFamily="49" charset="0"/>
-                <a:cs typeface="Consolas" pitchFamily="49" charset="0"/>
-              </a:rPr>
-              <a:t>;; exactly 3 elements, beginning with the symbol -</a:t>
-            </a:r>
-          </a:p>
-          <a:p>
-            <a:pPr>
-              <a:buNone/>
-            </a:pPr>
-            <a:r>
-              <a:rPr lang="en-US" b="1" dirty="0" smtClean="0">
-                <a:latin typeface="Consolas" pitchFamily="49" charset="0"/>
-                <a:cs typeface="Consolas" pitchFamily="49" charset="0"/>
-              </a:rPr>
-              <a:t>;; STRATEGY: combine simpler functions</a:t>
-            </a:r>
-          </a:p>
-          <a:p>
-            <a:pPr>
-              <a:buNone/>
-            </a:pPr>
-            <a:r>
-              <a:rPr lang="en-US" b="1" dirty="0" smtClean="0">
-                <a:latin typeface="Consolas" pitchFamily="49" charset="0"/>
-                <a:cs typeface="Consolas" pitchFamily="49" charset="0"/>
-              </a:rPr>
-              <a:t>(define </a:t>
-            </a:r>
-            <a:r>
-              <a:rPr lang="en-US" b="1" dirty="0" smtClean="0">
-                <a:latin typeface="Consolas" pitchFamily="49" charset="0"/>
-                <a:cs typeface="Consolas" pitchFamily="49" charset="0"/>
-              </a:rPr>
-              <a:t>(could-be-</a:t>
+              <a:t>(define (looks-like-</a:t>
             </a:r>
             <a:r>
               <a:rPr lang="en-US" b="1" dirty="0" err="1" smtClean="0">
@@ -9215,24 +9311,20 @@
               <a:t> that is not a number.  We know this assumption is true, because </a:t>
             </a:r>
             <a:r>
-              <a:rPr lang="en-US" sz="1600" b="1" dirty="0" smtClean="0"/>
-              <a:t>could-be-</a:t>
-            </a:r>
-            <a:r>
-              <a:rPr lang="en-US" sz="1600" b="1" dirty="0" err="1" smtClean="0"/>
+              <a:rPr lang="en-US" sz="1600" b="1" dirty="0"/>
+              <a:t>looks-like-</a:t>
+            </a:r>
+            <a:r>
+              <a:rPr lang="en-US" sz="1600" b="1" dirty="0" err="1"/>
               <a:t>diffexp</a:t>
             </a:r>
             <a:r>
-              <a:rPr lang="en-US" sz="1600" b="1" dirty="0" smtClean="0"/>
+              <a:rPr lang="en-US" sz="1600" b="1" dirty="0"/>
               <a:t>?</a:t>
             </a:r>
             <a:r>
-              <a:rPr lang="en-US" sz="1600" dirty="0" smtClean="0"/>
-              <a:t> </a:t>
-            </a:r>
-            <a:r>
               <a:rPr lang="en-US" sz="1600" dirty="0"/>
-              <a:t>is only called after </a:t>
+              <a:t> is only called after </a:t>
             </a:r>
             <a:r>
               <a:rPr lang="en-US" sz="1600" b="1" dirty="0"/>
@@ -10064,7 +10156,11 @@
           <a:p>
             <a:r>
               <a:rPr lang="en-US" dirty="0" smtClean="0"/>
-              <a:t>Template for General Recursion (1)</a:t>
+              <a:t>Pattern </a:t>
+            </a:r>
+            <a:r>
+              <a:rPr lang="en-US" dirty="0" smtClean="0"/>
+              <a:t>for General Recursion (1)</a:t>
             </a:r>
             <a:endParaRPr lang="en-US" dirty="0"/>
           </a:p>
@@ -10701,7 +10797,7 @@
         <p:spPr/>
         <p:txBody>
           <a:bodyPr>
-            <a:normAutofit fontScale="92500" lnSpcReduction="20000"/>
+            <a:normAutofit fontScale="92500" lnSpcReduction="10000"/>
           </a:bodyPr>
           <a:lstStyle/>
           <a:p>
@@ -10727,7 +10823,11 @@
           <a:p>
             <a:r>
               <a:rPr lang="en-US" dirty="0" smtClean="0"/>
-              <a:t>We'll introduce a new family of templates, called the templates for </a:t>
+              <a:t>We'll introduce </a:t>
+            </a:r>
+            <a:r>
+              <a:rPr lang="en-US" dirty="0" smtClean="0"/>
+              <a:t>a new family of strategies, called </a:t>
             </a:r>
             <a:r>
               <a:rPr lang="en-US" i="1" dirty="0" smtClean="0">
@@ -10739,13 +10839,17 @@
             </a:r>
             <a:r>
               <a:rPr lang="en-US" dirty="0" smtClean="0"/>
-              <a:t>, to handle this.</a:t>
+              <a:t>, to describe these examples.</a:t>
             </a:r>
           </a:p>
           <a:p>
             <a:r>
               <a:rPr lang="en-US" dirty="0" smtClean="0"/>
-              <a:t>General recursion and invariants together provide a powerful combination.</a:t>
+              <a:t>General </a:t>
+            </a:r>
+            <a:r>
+              <a:rPr lang="en-US" dirty="0" smtClean="0"/>
+              <a:t>recursion and invariants together provide a powerful combination.</a:t>
             </a:r>
           </a:p>
           <a:p>
@@ -10833,7 +10937,11 @@
           <a:p>
             <a:r>
               <a:rPr lang="en-US" dirty="0" smtClean="0"/>
-              <a:t>There's more than one template</a:t>
+              <a:t>There's more than one </a:t>
+            </a:r>
+            <a:r>
+              <a:rPr lang="en-US" dirty="0" smtClean="0"/>
+              <a:t>pattern</a:t>
             </a:r>
             <a:endParaRPr lang="en-US" dirty="0"/>
           </a:p>
@@ -10851,19 +10959,27 @@
         </p:nvSpPr>
         <p:spPr>
           <a:xfrm>
-            <a:off x="457200" y="1600200"/>
-            <a:ext cx="8229600" cy="4495799"/>
+            <a:off x="457200" y="1600201"/>
+            <a:ext cx="8229600" cy="2819400"/>
           </a:xfrm>
         </p:spPr>
         <p:txBody>
           <a:bodyPr>
-            <a:normAutofit/>
+            <a:normAutofit fontScale="92500" lnSpcReduction="10000"/>
           </a:bodyPr>
           <a:lstStyle/>
           <a:p>
             <a:r>
               <a:rPr lang="en-US" dirty="0"/>
-              <a:t>The template might take different shapes, depending on our problem. </a:t>
+              <a:t>The </a:t>
+            </a:r>
+            <a:r>
+              <a:rPr lang="en-US" dirty="0" smtClean="0"/>
+              <a:t>pattern might </a:t>
+            </a:r>
+            <a:r>
+              <a:rPr lang="en-US" dirty="0"/>
+              <a:t>take different shapes, depending on our problem. </a:t>
             </a:r>
             <a:endParaRPr lang="en-US" dirty="0" smtClean="0"/>
           </a:p>
@@ -10885,6 +11001,21 @@
               <a:t>. </a:t>
             </a:r>
             <a:endParaRPr lang="en-US" dirty="0" smtClean="0"/>
+          </a:p>
+          <a:p>
+            <a:r>
+              <a:rPr lang="en-US" dirty="0" smtClean="0"/>
+              <a:t>Let's write this down as a recipe, and then </a:t>
+            </a:r>
+            <a:r>
+              <a:rPr lang="en-US" dirty="0"/>
+              <a:t>look at some </a:t>
+            </a:r>
+            <a:r>
+              <a:rPr lang="en-US" dirty="0" smtClean="0"/>
+              <a:t>of the possibilities.</a:t>
+            </a:r>
+            <a:endParaRPr lang="en-US" dirty="0"/>
           </a:p>
           <a:p>
             <a:endParaRPr lang="en-US" dirty="0" smtClean="0"/>
@@ -11254,6 +11385,29 @@
       </p:grpSpPr>
       <p:sp>
         <p:nvSpPr>
+          <p:cNvPr id="2" name="Title 1"/>
+          <p:cNvSpPr>
+            <a:spLocks noGrp="1"/>
+          </p:cNvSpPr>
+          <p:nvPr>
+            <p:ph type="title"/>
+          </p:nvPr>
+        </p:nvSpPr>
+        <p:spPr/>
+        <p:txBody>
+          <a:bodyPr/>
+          <a:lstStyle/>
+          <a:p>
+            <a:r>
+              <a:rPr lang="en-US" dirty="0" smtClean="0"/>
+              <a:t>Writing  down your strategy</a:t>
+            </a:r>
+            <a:endParaRPr lang="en-US" dirty="0"/>
+          </a:p>
+        </p:txBody>
+      </p:sp>
+      <p:sp>
+        <p:nvSpPr>
           <p:cNvPr id="3" name="Content Placeholder 2"/>
           <p:cNvSpPr>
             <a:spLocks noGrp="1"/>
@@ -11262,336 +11416,205 @@
             <p:ph idx="1"/>
           </p:nvPr>
         </p:nvSpPr>
-        <p:spPr/>
+        <p:spPr>
+          <a:xfrm>
+            <a:off x="457200" y="1600200"/>
+            <a:ext cx="8534400" cy="4525963"/>
+          </a:xfrm>
+        </p:spPr>
         <p:txBody>
           <a:bodyPr>
-            <a:normAutofit fontScale="32500" lnSpcReduction="20000"/>
+            <a:normAutofit/>
           </a:bodyPr>
           <a:lstStyle/>
           <a:p>
-            <a:pPr>
-              <a:buNone/>
-            </a:pPr>
-            <a:r>
-              <a:rPr lang="en-US" sz="5500" b="1" dirty="0" smtClean="0">
-                <a:latin typeface="Consolas" pitchFamily="49" charset="0"/>
-                <a:cs typeface="Consolas" pitchFamily="49" charset="0"/>
-              </a:rPr>
-              <a:t>;; solve : Problem -&gt; Solution</a:t>
-            </a:r>
-            <a:r>
-              <a:rPr lang="en-US" sz="5500" b="1" i="1" dirty="0" smtClean="0">
-                <a:solidFill>
-                  <a:schemeClr val="bg1"/>
-                </a:solidFill>
-                <a:latin typeface="Consolas" pitchFamily="49" charset="0"/>
-                <a:cs typeface="Consolas" pitchFamily="49" charset="0"/>
-              </a:rPr>
-              <a:t> ARGUMENT: explain why new-problem1 and new-problem2 are easier than the-problem.</a:t>
-            </a:r>
-          </a:p>
-          <a:p>
-            <a:pPr>
-              <a:buNone/>
-            </a:pPr>
-            <a:r>
-              <a:rPr lang="en-US" sz="5500" b="1" dirty="0" smtClean="0">
-                <a:latin typeface="Consolas" pitchFamily="49" charset="0"/>
-                <a:cs typeface="Consolas" pitchFamily="49" charset="0"/>
-              </a:rPr>
-              <a:t>(define (solution the-problem)</a:t>
-            </a:r>
-          </a:p>
-          <a:p>
-            <a:pPr>
-              <a:buNone/>
-            </a:pPr>
-            <a:r>
-              <a:rPr lang="en-US" sz="5500" b="1" dirty="0" smtClean="0">
-                <a:latin typeface="Consolas" pitchFamily="49" charset="0"/>
-                <a:cs typeface="Consolas" pitchFamily="49" charset="0"/>
-              </a:rPr>
-              <a:t>  (</a:t>
-            </a:r>
-            <a:r>
-              <a:rPr lang="en-US" sz="5500" b="1" dirty="0" err="1" smtClean="0">
-                <a:latin typeface="Consolas" pitchFamily="49" charset="0"/>
-                <a:cs typeface="Consolas" pitchFamily="49" charset="0"/>
-              </a:rPr>
-              <a:t>cond</a:t>
-            </a:r>
-            <a:endParaRPr lang="en-US" sz="5500" b="1" dirty="0" smtClean="0">
-              <a:latin typeface="Consolas" pitchFamily="49" charset="0"/>
-              <a:cs typeface="Consolas" pitchFamily="49" charset="0"/>
+            <a:pPr marL="0" indent="0">
+              <a:buNone/>
+            </a:pPr>
+            <a:r>
+              <a:rPr lang="en-US" dirty="0" smtClean="0"/>
+              <a:t>We’ll write down our strategies as things like</a:t>
+            </a:r>
+          </a:p>
+          <a:p>
+            <a:pPr marL="0" indent="0">
+              <a:buNone/>
+            </a:pPr>
+            <a:r>
+              <a:rPr lang="en-US" b="1" dirty="0" smtClean="0">
+                <a:latin typeface="Consolas" panose="020B0609020204030204" pitchFamily="49" charset="0"/>
+                <a:cs typeface="Consolas" panose="020B0609020204030204" pitchFamily="49" charset="0"/>
+              </a:rPr>
+              <a:t> </a:t>
+            </a:r>
+            <a:r>
+              <a:rPr lang="en-US" sz="2400" b="1" dirty="0" smtClean="0">
+                <a:latin typeface="Consolas" panose="020B0609020204030204" pitchFamily="49" charset="0"/>
+                <a:cs typeface="Consolas" panose="020B0609020204030204" pitchFamily="49" charset="0"/>
+              </a:rPr>
+              <a:t>STRATEGY: Recur on &lt;value&gt;</a:t>
+            </a:r>
+          </a:p>
+          <a:p>
+            <a:pPr marL="0" indent="0">
+              <a:buNone/>
+            </a:pPr>
+            <a:r>
+              <a:rPr lang="en-US" dirty="0" smtClean="0">
+                <a:cs typeface="Consolas" panose="020B0609020204030204" pitchFamily="49" charset="0"/>
+              </a:rPr>
+              <a:t>or</a:t>
+            </a:r>
+          </a:p>
+          <a:p>
+            <a:pPr marL="0" indent="0">
+              <a:buNone/>
+            </a:pPr>
+            <a:r>
+              <a:rPr lang="en-US" b="1" dirty="0"/>
+              <a:t> </a:t>
+            </a:r>
+            <a:r>
+              <a:rPr lang="en-US" b="1" dirty="0" smtClean="0"/>
+              <a:t> </a:t>
+            </a:r>
+            <a:r>
+              <a:rPr lang="en-US" sz="2400" b="1" dirty="0" smtClean="0"/>
+              <a:t>STRATEGY</a:t>
+            </a:r>
+            <a:r>
+              <a:rPr lang="en-US" sz="2400" b="1" dirty="0"/>
+              <a:t>: Recur on &lt;</a:t>
+            </a:r>
+            <a:r>
+              <a:rPr lang="en-US" sz="2400" b="1" dirty="0" smtClean="0"/>
+              <a:t>value&gt;; halt </a:t>
+            </a:r>
+            <a:r>
+              <a:rPr lang="en-US" sz="2400" b="1" dirty="0"/>
+              <a:t>when </a:t>
+            </a:r>
+            <a:r>
+              <a:rPr lang="en-US" sz="2400" b="1" dirty="0" smtClean="0"/>
+              <a:t> &lt;</a:t>
+            </a:r>
+            <a:r>
+              <a:rPr lang="en-US" sz="2400" b="1" dirty="0"/>
+              <a:t>condition</a:t>
+            </a:r>
+            <a:r>
+              <a:rPr lang="en-US" sz="2400" b="1" dirty="0" smtClean="0"/>
+              <a:t>&gt;</a:t>
+            </a:r>
+          </a:p>
+          <a:p>
+            <a:pPr marL="0" indent="0">
+              <a:buNone/>
+            </a:pPr>
+            <a:r>
+              <a:rPr lang="en-US" dirty="0" smtClean="0">
+                <a:cs typeface="Consolas" panose="020B0609020204030204" pitchFamily="49" charset="0"/>
+              </a:rPr>
+              <a:t>or</a:t>
+            </a:r>
+          </a:p>
+          <a:p>
+            <a:pPr marL="0" indent="0">
+              <a:buNone/>
+            </a:pPr>
+            <a:r>
+              <a:rPr lang="en-US" b="1" dirty="0">
+                <a:latin typeface="Consolas" panose="020B0609020204030204" pitchFamily="49" charset="0"/>
+                <a:cs typeface="Consolas" panose="020B0609020204030204" pitchFamily="49" charset="0"/>
+              </a:rPr>
+              <a:t> </a:t>
+            </a:r>
+            <a:r>
+              <a:rPr lang="en-US" sz="2400" b="1" dirty="0" smtClean="0">
+                <a:latin typeface="Consolas" panose="020B0609020204030204" pitchFamily="49" charset="0"/>
+                <a:cs typeface="Consolas" panose="020B0609020204030204" pitchFamily="49" charset="0"/>
+              </a:rPr>
+              <a:t>STRATEGY: Recur on &lt;values&gt;; &lt;describe how answers are combined&gt;</a:t>
+            </a:r>
+          </a:p>
+          <a:p>
+            <a:pPr marL="0" indent="0">
+              <a:buNone/>
+            </a:pPr>
+            <a:r>
+              <a:rPr lang="en-US" sz="2400" dirty="0" smtClean="0">
+                <a:cs typeface="Consolas" panose="020B0609020204030204" pitchFamily="49" charset="0"/>
+              </a:rPr>
+              <a:t>That’s pretty vague– we’ll see more as we do more examples.</a:t>
+            </a:r>
+            <a:endParaRPr lang="en-US" sz="2400" dirty="0">
+              <a:cs typeface="Consolas" panose="020B0609020204030204" pitchFamily="49" charset="0"/>
             </a:endParaRPr>
           </a:p>
           <a:p>
-            <a:pPr>
-              <a:buNone/>
-            </a:pPr>
-            <a:r>
-              <a:rPr lang="en-US" sz="5500" b="1" dirty="0" smtClean="0">
-                <a:latin typeface="Consolas" pitchFamily="49" charset="0"/>
-                <a:cs typeface="Consolas" pitchFamily="49" charset="0"/>
-              </a:rPr>
-              <a:t>    [(</a:t>
-            </a:r>
-            <a:r>
-              <a:rPr lang="en-US" sz="5500" b="1" dirty="0" smtClean="0">
-                <a:solidFill>
-                  <a:schemeClr val="accent6">
-                    <a:lumMod val="75000"/>
-                  </a:schemeClr>
-                </a:solidFill>
-                <a:latin typeface="Consolas" pitchFamily="49" charset="0"/>
-                <a:cs typeface="Consolas" pitchFamily="49" charset="0"/>
-              </a:rPr>
-              <a:t>trivial1? </a:t>
-            </a:r>
-            <a:r>
-              <a:rPr lang="en-US" sz="5500" b="1" dirty="0" smtClean="0">
-                <a:latin typeface="Consolas" pitchFamily="49" charset="0"/>
-                <a:cs typeface="Consolas" pitchFamily="49" charset="0"/>
-              </a:rPr>
-              <a:t>the-problem) (</a:t>
-            </a:r>
-            <a:r>
-              <a:rPr lang="en-US" sz="5500" b="1" dirty="0">
-                <a:solidFill>
-                  <a:schemeClr val="accent6">
-                    <a:lumMod val="75000"/>
-                  </a:schemeClr>
-                </a:solidFill>
-                <a:latin typeface="Consolas" pitchFamily="49" charset="0"/>
-                <a:cs typeface="Consolas" pitchFamily="49" charset="0"/>
-              </a:rPr>
-              <a:t>trivial-solution1 </a:t>
-            </a:r>
-            <a:r>
-              <a:rPr lang="en-US" sz="5500" b="1" dirty="0" smtClean="0">
-                <a:latin typeface="Consolas" pitchFamily="49" charset="0"/>
-                <a:cs typeface="Consolas" pitchFamily="49" charset="0"/>
-              </a:rPr>
-              <a:t>the-problem)]</a:t>
-            </a:r>
-          </a:p>
-          <a:p>
-            <a:pPr>
-              <a:buNone/>
-            </a:pPr>
-            <a:r>
-              <a:rPr lang="en-US" sz="5500" b="1" dirty="0" smtClean="0">
-                <a:latin typeface="Consolas" pitchFamily="49" charset="0"/>
-                <a:cs typeface="Consolas" pitchFamily="49" charset="0"/>
-              </a:rPr>
-              <a:t>    [(</a:t>
-            </a:r>
-            <a:r>
-              <a:rPr lang="en-US" sz="5500" b="1" dirty="0" smtClean="0">
-                <a:solidFill>
-                  <a:schemeClr val="accent6">
-                    <a:lumMod val="75000"/>
-                  </a:schemeClr>
-                </a:solidFill>
-                <a:latin typeface="Consolas" pitchFamily="49" charset="0"/>
-                <a:cs typeface="Consolas" pitchFamily="49" charset="0"/>
-              </a:rPr>
-              <a:t>trivial2?</a:t>
-            </a:r>
-            <a:r>
-              <a:rPr lang="en-US" sz="5500" b="1" dirty="0" smtClean="0">
-                <a:latin typeface="Consolas" pitchFamily="49" charset="0"/>
-                <a:cs typeface="Consolas" pitchFamily="49" charset="0"/>
-              </a:rPr>
-              <a:t> the-problem) (</a:t>
-            </a:r>
-            <a:r>
-              <a:rPr lang="en-US" sz="5500" b="1" dirty="0">
-                <a:solidFill>
-                  <a:schemeClr val="accent6">
-                    <a:lumMod val="75000"/>
-                  </a:schemeClr>
-                </a:solidFill>
-                <a:latin typeface="Consolas" pitchFamily="49" charset="0"/>
-                <a:cs typeface="Consolas" pitchFamily="49" charset="0"/>
-              </a:rPr>
-              <a:t>trivial-solution2 </a:t>
-            </a:r>
-            <a:r>
-              <a:rPr lang="en-US" sz="5500" b="1" dirty="0" smtClean="0">
-                <a:latin typeface="Consolas" pitchFamily="49" charset="0"/>
-                <a:cs typeface="Consolas" pitchFamily="49" charset="0"/>
-              </a:rPr>
-              <a:t>the-problem)]</a:t>
-            </a:r>
-          </a:p>
-          <a:p>
-            <a:pPr>
-              <a:buNone/>
-            </a:pPr>
-            <a:r>
-              <a:rPr lang="en-US" sz="5500" b="1" dirty="0" smtClean="0">
-                <a:latin typeface="Consolas" pitchFamily="49" charset="0"/>
-                <a:cs typeface="Consolas" pitchFamily="49" charset="0"/>
-              </a:rPr>
-              <a:t>    [(</a:t>
-            </a:r>
-            <a:r>
-              <a:rPr lang="en-US" sz="5500" b="1" dirty="0">
-                <a:solidFill>
-                  <a:schemeClr val="accent6">
-                    <a:lumMod val="75000"/>
-                  </a:schemeClr>
-                </a:solidFill>
-                <a:latin typeface="Consolas" pitchFamily="49" charset="0"/>
-                <a:cs typeface="Consolas" pitchFamily="49" charset="0"/>
-              </a:rPr>
-              <a:t>difficult? </a:t>
-            </a:r>
-            <a:r>
-              <a:rPr lang="en-US" sz="5500" b="1" dirty="0" smtClean="0">
-                <a:latin typeface="Consolas" pitchFamily="49" charset="0"/>
-                <a:cs typeface="Consolas" pitchFamily="49" charset="0"/>
-              </a:rPr>
-              <a:t>the-problem)</a:t>
-            </a:r>
-          </a:p>
-          <a:p>
-            <a:pPr>
-              <a:buNone/>
-            </a:pPr>
-            <a:r>
-              <a:rPr lang="en-US" sz="5500" b="1" dirty="0" smtClean="0">
-                <a:latin typeface="Consolas" pitchFamily="49" charset="0"/>
-                <a:cs typeface="Consolas" pitchFamily="49" charset="0"/>
-              </a:rPr>
-              <a:t>     (local</a:t>
-            </a:r>
-          </a:p>
-          <a:p>
-            <a:pPr>
-              <a:buNone/>
-            </a:pPr>
-            <a:r>
-              <a:rPr lang="en-US" sz="5500" b="1" dirty="0" smtClean="0">
-                <a:latin typeface="Consolas" pitchFamily="49" charset="0"/>
-                <a:cs typeface="Consolas" pitchFamily="49" charset="0"/>
-              </a:rPr>
-              <a:t>       ((define solution1 </a:t>
-            </a:r>
-          </a:p>
-          <a:p>
-            <a:pPr>
-              <a:buNone/>
-            </a:pPr>
-            <a:r>
-              <a:rPr lang="en-US" sz="5500" b="1" dirty="0">
-                <a:latin typeface="Consolas" pitchFamily="49" charset="0"/>
-                <a:cs typeface="Consolas" pitchFamily="49" charset="0"/>
-              </a:rPr>
-              <a:t> </a:t>
-            </a:r>
-            <a:r>
-              <a:rPr lang="en-US" sz="5500" b="1" dirty="0" smtClean="0">
-                <a:latin typeface="Consolas" pitchFamily="49" charset="0"/>
-                <a:cs typeface="Consolas" pitchFamily="49" charset="0"/>
-              </a:rPr>
-              <a:t>        (solve (</a:t>
-            </a:r>
-            <a:r>
-              <a:rPr lang="en-US" sz="5500" b="1" dirty="0" smtClean="0">
-                <a:solidFill>
-                  <a:schemeClr val="accent6">
-                    <a:lumMod val="75000"/>
-                  </a:schemeClr>
-                </a:solidFill>
-                <a:latin typeface="Consolas" pitchFamily="49" charset="0"/>
-                <a:cs typeface="Consolas" pitchFamily="49" charset="0"/>
-              </a:rPr>
-              <a:t>simpler-instance </a:t>
-            </a:r>
-            <a:r>
-              <a:rPr lang="en-US" sz="5500" b="1" dirty="0" smtClean="0">
-                <a:latin typeface="Consolas" pitchFamily="49" charset="0"/>
-                <a:cs typeface="Consolas" pitchFamily="49" charset="0"/>
-              </a:rPr>
-              <a:t>the-problem))))        </a:t>
-            </a:r>
-          </a:p>
-          <a:p>
-            <a:pPr>
-              <a:buNone/>
-            </a:pPr>
-            <a:r>
-              <a:rPr lang="en-US" sz="5500" b="1" dirty="0" smtClean="0">
-                <a:latin typeface="Consolas" pitchFamily="49" charset="0"/>
-                <a:cs typeface="Consolas" pitchFamily="49" charset="0"/>
-              </a:rPr>
-              <a:t>       (</a:t>
-            </a:r>
-            <a:r>
-              <a:rPr lang="en-US" sz="5500" b="1" dirty="0" smtClean="0">
-                <a:solidFill>
-                  <a:schemeClr val="accent6">
-                    <a:lumMod val="75000"/>
-                  </a:schemeClr>
-                </a:solidFill>
-                <a:latin typeface="Consolas" pitchFamily="49" charset="0"/>
-                <a:cs typeface="Consolas" pitchFamily="49" charset="0"/>
-              </a:rPr>
-              <a:t>adapt-solution solution1</a:t>
-            </a:r>
-            <a:r>
-              <a:rPr lang="en-US" sz="5500" b="1" dirty="0" smtClean="0">
-                <a:latin typeface="Consolas" pitchFamily="49" charset="0"/>
-                <a:cs typeface="Consolas" pitchFamily="49" charset="0"/>
-              </a:rPr>
-              <a:t>))]))</a:t>
-            </a:r>
-          </a:p>
-          <a:p>
-            <a:pPr>
-              <a:buNone/>
-            </a:pPr>
-            <a:endParaRPr lang="en-US" sz="5500" b="1" dirty="0">
-              <a:latin typeface="Consolas" pitchFamily="49" charset="0"/>
-              <a:cs typeface="Consolas" pitchFamily="49" charset="0"/>
+            <a:pPr marL="0" indent="0">
+              <a:buNone/>
+            </a:pPr>
+            <a:endParaRPr lang="en-US" b="1" dirty="0">
+              <a:latin typeface="Consolas" panose="020B0609020204030204" pitchFamily="49" charset="0"/>
+              <a:cs typeface="Consolas" panose="020B0609020204030204" pitchFamily="49" charset="0"/>
             </a:endParaRPr>
           </a:p>
-          <a:p>
-            <a:pPr>
-              <a:buNone/>
-            </a:pPr>
-            <a:r>
-              <a:rPr lang="en-US" sz="5500" b="1" dirty="0" smtClean="0">
-                <a:latin typeface="Consolas" pitchFamily="49" charset="0"/>
-                <a:cs typeface="Consolas" pitchFamily="49" charset="0"/>
-              </a:rPr>
-              <a:t>simpler-instance : Problem -&gt; Problem</a:t>
-            </a:r>
-          </a:p>
-          <a:p>
-            <a:pPr>
-              <a:buNone/>
-            </a:pPr>
-            <a:r>
-              <a:rPr lang="en-US" sz="5500" b="1" dirty="0" smtClean="0">
-                <a:latin typeface="Consolas" pitchFamily="49" charset="0"/>
-                <a:cs typeface="Consolas" pitchFamily="49" charset="0"/>
-              </a:rPr>
-              <a:t>adapt-solution : Solution -&gt; Solution</a:t>
-            </a:r>
-          </a:p>
-          <a:p>
-            <a:pPr>
-              <a:buNone/>
-            </a:pPr>
-            <a:endParaRPr lang="en-US" sz="2400" b="1" dirty="0" smtClean="0">
-              <a:cs typeface="Courier New" pitchFamily="49" charset="0"/>
-            </a:endParaRPr>
-          </a:p>
-        </p:txBody>
-      </p:sp>
+        </p:txBody>
+      </p:sp>
+      <p:sp>
+        <p:nvSpPr>
+          <p:cNvPr id="4" name="Slide Number Placeholder 3"/>
+          <p:cNvSpPr>
+            <a:spLocks noGrp="1"/>
+          </p:cNvSpPr>
+          <p:nvPr>
+            <p:ph type="sldNum" sz="quarter" idx="12"/>
+          </p:nvPr>
+        </p:nvSpPr>
+        <p:spPr/>
+        <p:txBody>
+          <a:bodyPr/>
+          <a:lstStyle/>
+          <a:p>
+            <a:fld id="{2AF3B5EA-18B6-4040-9F78-6052AF49C681}" type="slidenum">
+              <a:rPr lang="en-US" smtClean="0"/>
+              <a:t>22</a:t>
+            </a:fld>
+            <a:endParaRPr lang="en-US"/>
+          </a:p>
+        </p:txBody>
+      </p:sp>
+    </p:spTree>
+    <p:extLst>
+      <p:ext uri="{BB962C8B-B14F-4D97-AF65-F5344CB8AC3E}">
+        <p14:creationId xmlns:p14="http://schemas.microsoft.com/office/powerpoint/2010/main" val="737079480"/>
+      </p:ext>
+    </p:extLst>
+  </p:cSld>
+  <p:clrMapOvr>
+    <a:masterClrMapping/>
+  </p:clrMapOvr>
+</p:sld>
+</file>
+
+<file path=ppt/slides/slide23.xml><?xml version="1.0" encoding="utf-8"?>
+<p:sld xmlns:a="http://schemas.openxmlformats.org/drawingml/2006/main" xmlns:r="http://schemas.openxmlformats.org/officeDocument/2006/relationships" xmlns:p="http://schemas.openxmlformats.org/presentationml/2006/main">
+  <p:cSld>
+    <p:spTree>
+      <p:nvGrpSpPr>
+        <p:cNvPr id="1" name=""/>
+        <p:cNvGrpSpPr/>
+        <p:nvPr/>
+      </p:nvGrpSpPr>
+      <p:grpSpPr>
+        <a:xfrm>
+          <a:off x="0" y="0"/>
+          <a:ext cx="0" cy="0"/>
+          <a:chOff x="0" y="0"/>
+          <a:chExt cx="0" cy="0"/>
+        </a:xfrm>
+      </p:grpSpPr>
       <p:sp>
         <p:nvSpPr>
           <p:cNvPr id="2" name="Title 1"/>
@@ -11605,13 +11628,17 @@
         <p:spPr/>
         <p:txBody>
           <a:bodyPr>
-            <a:normAutofit fontScale="90000"/>
+            <a:normAutofit/>
           </a:bodyPr>
           <a:lstStyle/>
           <a:p>
             <a:r>
               <a:rPr lang="en-US" dirty="0" smtClean="0"/>
-              <a:t>Another General-Recursion Template</a:t>
+              <a:t>Another General-Recursion </a:t>
+            </a:r>
+            <a:r>
+              <a:rPr lang="en-US" dirty="0" smtClean="0"/>
+              <a:t>Pattern</a:t>
             </a:r>
             <a:endParaRPr lang="en-US" dirty="0"/>
           </a:p>
@@ -11635,7 +11662,7 @@
             <a:fld id="{9F4492BD-6A9C-48FC-AC76-0B4FE11194A1}" type="slidenum">
               <a:rPr lang="en-US" smtClean="0"/>
               <a:pPr/>
-              <a:t>22</a:t>
+              <a:t>23</a:t>
             </a:fld>
             <a:endParaRPr lang="en-US"/>
           </a:p>
@@ -11649,7 +11676,7 @@
         </p:nvSpPr>
         <p:spPr>
           <a:xfrm>
-            <a:off x="5715000" y="4421187"/>
+            <a:off x="5486400" y="4632871"/>
             <a:ext cx="3429000" cy="1935163"/>
           </a:xfrm>
           <a:prstGeom prst="rect">
@@ -11702,69 +11729,11 @@
           <a:p>
             <a:r>
               <a:rPr lang="en-US" dirty="0" smtClean="0"/>
-              <a:t>Most of our functions involving lists match this template.</a:t>
-            </a:r>
-            <a:endParaRPr lang="en-US" dirty="0"/>
-          </a:p>
-        </p:txBody>
-      </p:sp>
-    </p:spTree>
-    <p:extLst>
-      <p:ext uri="{BB962C8B-B14F-4D97-AF65-F5344CB8AC3E}">
-        <p14:creationId xmlns:p14="http://schemas.microsoft.com/office/powerpoint/2010/main" val="3232746379"/>
-      </p:ext>
-    </p:extLst>
-  </p:cSld>
-  <p:clrMapOvr>
-    <a:masterClrMapping/>
-  </p:clrMapOvr>
-  <p:timing>
-    <p:tnLst>
-      <p:par>
-        <p:cTn id="1" dur="indefinite" restart="never" nodeType="tmRoot"/>
-      </p:par>
-    </p:tnLst>
-  </p:timing>
-</p:sld>
-</file>
-
-<file path=ppt/slides/slide23.xml><?xml version="1.0" encoding="utf-8"?>
-<p:sld xmlns:a="http://schemas.openxmlformats.org/drawingml/2006/main" xmlns:r="http://schemas.openxmlformats.org/officeDocument/2006/relationships" xmlns:p="http://schemas.openxmlformats.org/presentationml/2006/main">
-  <p:cSld>
-    <p:spTree>
-      <p:nvGrpSpPr>
-        <p:cNvPr id="1" name=""/>
-        <p:cNvGrpSpPr/>
-        <p:nvPr/>
-      </p:nvGrpSpPr>
-      <p:grpSpPr>
-        <a:xfrm>
-          <a:off x="0" y="0"/>
-          <a:ext cx="0" cy="0"/>
-          <a:chOff x="0" y="0"/>
-          <a:chExt cx="0" cy="0"/>
-        </a:xfrm>
-      </p:grpSpPr>
-      <p:sp>
-        <p:nvSpPr>
-          <p:cNvPr id="2" name="Title 1"/>
-          <p:cNvSpPr>
-            <a:spLocks noGrp="1"/>
-          </p:cNvSpPr>
-          <p:nvPr>
-            <p:ph type="title"/>
-          </p:nvPr>
-        </p:nvSpPr>
-        <p:spPr/>
-        <p:txBody>
-          <a:bodyPr>
-            <a:normAutofit fontScale="90000"/>
-          </a:bodyPr>
-          <a:lstStyle/>
-          <a:p>
+              <a:t>Most of our functions involving lists match this </a:t>
+            </a:r>
             <a:r>
               <a:rPr lang="en-US" dirty="0" smtClean="0"/>
-              <a:t>Yet Another General-Recursion Template</a:t>
+              <a:t>pattern.</a:t>
             </a:r>
             <a:endParaRPr lang="en-US" dirty="0"/>
           </a:p>
@@ -11795,34 +11764,14 @@
                 <a:latin typeface="Consolas" pitchFamily="49" charset="0"/>
                 <a:cs typeface="Consolas" pitchFamily="49" charset="0"/>
               </a:rPr>
-              <a:t>;; solve : Problem -&gt; Solution</a:t>
-            </a:r>
-          </a:p>
-          <a:p>
-            <a:pPr>
-              <a:buNone/>
-            </a:pPr>
-            <a:r>
-              <a:rPr lang="en-US" sz="5500" b="1" i="1" dirty="0" smtClean="0">
-                <a:solidFill>
-                  <a:schemeClr val="bg1"/>
-                </a:solidFill>
-                <a:latin typeface="Consolas" pitchFamily="49" charset="0"/>
-                <a:cs typeface="Consolas" pitchFamily="49" charset="0"/>
-              </a:rPr>
-              <a:t>TERMINATION ARGUMENT: explain why new-problem</a:t>
-            </a:r>
-          </a:p>
-          <a:p>
-            <a:pPr>
-              <a:buNone/>
-            </a:pPr>
+              <a:t>;; solve : Problem -&gt; </a:t>
+            </a:r>
             <a:r>
               <a:rPr lang="en-US" sz="5500" b="1" dirty="0" smtClean="0">
                 <a:latin typeface="Consolas" pitchFamily="49" charset="0"/>
                 <a:cs typeface="Consolas" pitchFamily="49" charset="0"/>
               </a:rPr>
-              <a:t>(define (solution the-problem)</a:t>
+              <a:t>Solution</a:t>
             </a:r>
           </a:p>
           <a:p>
@@ -11834,30 +11783,7 @@
                 <a:latin typeface="Consolas" pitchFamily="49" charset="0"/>
                 <a:cs typeface="Consolas" pitchFamily="49" charset="0"/>
               </a:rPr>
-              <a:t>  (</a:t>
-            </a:r>
-            <a:r>
-              <a:rPr lang="en-US" sz="5500" b="1" dirty="0" err="1" smtClean="0">
-                <a:latin typeface="Consolas" pitchFamily="49" charset="0"/>
-                <a:cs typeface="Consolas" pitchFamily="49" charset="0"/>
-              </a:rPr>
-              <a:t>cond</a:t>
-            </a:r>
-            <a:endParaRPr lang="en-US" sz="5500" b="1" dirty="0" smtClean="0">
-              <a:latin typeface="Consolas" pitchFamily="49" charset="0"/>
-              <a:cs typeface="Consolas" pitchFamily="49" charset="0"/>
-            </a:endParaRPr>
-          </a:p>
-          <a:p>
-            <a:pPr>
-              <a:buNone/>
-            </a:pPr>
-            <a:r>
-              <a:rPr lang="en-US" sz="5500" b="1" dirty="0" smtClean="0">
-                <a:latin typeface="Consolas" pitchFamily="49" charset="0"/>
-                <a:cs typeface="Consolas" pitchFamily="49" charset="0"/>
-              </a:rPr>
-              <a:t>    [(</a:t>
+              <a:t>;; STRATEGY: Recur on </a:t>
             </a:r>
             <a:r>
               <a:rPr lang="en-US" sz="5500" b="1" dirty="0" smtClean="0">
@@ -11869,6 +11795,85 @@
                 <a:latin typeface="Consolas" pitchFamily="49" charset="0"/>
                 <a:cs typeface="Consolas" pitchFamily="49" charset="0"/>
               </a:rPr>
+              <a:t>simpler-instance</a:t>
+            </a:r>
+            <a:r>
+              <a:rPr lang="en-US" sz="5500" b="1" i="1" dirty="0" smtClean="0">
+                <a:solidFill>
+                  <a:schemeClr val="bg1"/>
+                </a:solidFill>
+                <a:latin typeface="Consolas" pitchFamily="49" charset="0"/>
+                <a:cs typeface="Consolas" pitchFamily="49" charset="0"/>
+              </a:rPr>
+              <a:t> </a:t>
+            </a:r>
+            <a:r>
+              <a:rPr lang="en-US" sz="5500" b="1" i="1" dirty="0" smtClean="0">
+                <a:solidFill>
+                  <a:schemeClr val="bg1"/>
+                </a:solidFill>
+                <a:latin typeface="Consolas" pitchFamily="49" charset="0"/>
+                <a:cs typeface="Consolas" pitchFamily="49" charset="0"/>
+              </a:rPr>
+              <a:t>ARGUMENT: explain why new-problem1 and new-problem2 are easier than the-problem.</a:t>
+            </a:r>
+          </a:p>
+          <a:p>
+            <a:pPr>
+              <a:buNone/>
+            </a:pPr>
+            <a:r>
+              <a:rPr lang="en-US" sz="5500" b="1" dirty="0" smtClean="0">
+                <a:latin typeface="Consolas" pitchFamily="49" charset="0"/>
+                <a:cs typeface="Consolas" pitchFamily="49" charset="0"/>
+              </a:rPr>
+              <a:t>(define (solution the-problem)</a:t>
+            </a:r>
+          </a:p>
+          <a:p>
+            <a:pPr>
+              <a:buNone/>
+            </a:pPr>
+            <a:r>
+              <a:rPr lang="en-US" sz="5500" b="1" dirty="0" smtClean="0">
+                <a:latin typeface="Consolas" pitchFamily="49" charset="0"/>
+                <a:cs typeface="Consolas" pitchFamily="49" charset="0"/>
+              </a:rPr>
+              <a:t>  (</a:t>
+            </a:r>
+            <a:r>
+              <a:rPr lang="en-US" sz="5500" b="1" dirty="0" err="1" smtClean="0">
+                <a:latin typeface="Consolas" pitchFamily="49" charset="0"/>
+                <a:cs typeface="Consolas" pitchFamily="49" charset="0"/>
+              </a:rPr>
+              <a:t>cond</a:t>
+            </a:r>
+            <a:endParaRPr lang="en-US" sz="5500" b="1" dirty="0" smtClean="0">
+              <a:latin typeface="Consolas" pitchFamily="49" charset="0"/>
+              <a:cs typeface="Consolas" pitchFamily="49" charset="0"/>
+            </a:endParaRPr>
+          </a:p>
+          <a:p>
+            <a:pPr>
+              <a:buNone/>
+            </a:pPr>
+            <a:r>
+              <a:rPr lang="en-US" sz="5500" b="1" dirty="0" smtClean="0">
+                <a:latin typeface="Consolas" pitchFamily="49" charset="0"/>
+                <a:cs typeface="Consolas" pitchFamily="49" charset="0"/>
+              </a:rPr>
+              <a:t>    [(</a:t>
+            </a:r>
+            <a:r>
+              <a:rPr lang="en-US" sz="5500" b="1" dirty="0" smtClean="0">
+                <a:solidFill>
+                  <a:schemeClr val="accent6">
+                    <a:lumMod val="75000"/>
+                  </a:schemeClr>
+                </a:solidFill>
+                <a:latin typeface="Consolas" pitchFamily="49" charset="0"/>
+                <a:cs typeface="Consolas" pitchFamily="49" charset="0"/>
+              </a:rPr>
               <a:t>trivial1? </a:t>
             </a:r>
             <a:r>
@@ -12000,7 +12005,7 @@
                 <a:latin typeface="Consolas" pitchFamily="49" charset="0"/>
                 <a:cs typeface="Consolas" pitchFamily="49" charset="0"/>
               </a:rPr>
-              <a:t>       ((define new-problems </a:t>
+              <a:t>       ((define solution1 </a:t>
             </a:r>
           </a:p>
           <a:p>
@@ -12019,7 +12024,7 @@
                 <a:latin typeface="Consolas" pitchFamily="49" charset="0"/>
                 <a:cs typeface="Consolas" pitchFamily="49" charset="0"/>
               </a:rPr>
-              <a:t>         (</a:t>
+              <a:t>        (solve (</a:t>
             </a:r>
             <a:r>
               <a:rPr lang="en-US" sz="5500" b="1" dirty="0" smtClean="0">
@@ -12031,19 +12036,26 @@
                 <a:latin typeface="Consolas" pitchFamily="49" charset="0"/>
                 <a:cs typeface="Consolas" pitchFamily="49" charset="0"/>
               </a:rPr>
-              <a:t>generate-</a:t>
-            </a:r>
-            <a:r>
-              <a:rPr lang="en-US" sz="5500" b="1" dirty="0" err="1" smtClean="0">
-                <a:solidFill>
-                  <a:schemeClr val="accent6">
-                    <a:lumMod val="75000"/>
-                  </a:schemeClr>
-                </a:solidFill>
-                <a:latin typeface="Consolas" pitchFamily="49" charset="0"/>
-                <a:cs typeface="Consolas" pitchFamily="49" charset="0"/>
-              </a:rPr>
-              <a:t>subproblems</a:t>
+              <a:t>simpler-instance </a:t>
+            </a:r>
+            <a:r>
+              <a:rPr lang="en-US" sz="5500" b="1" dirty="0" smtClean="0">
+                <a:latin typeface="Consolas" pitchFamily="49" charset="0"/>
+                <a:cs typeface="Consolas" pitchFamily="49" charset="0"/>
+              </a:rPr>
+              <a:t>the-problem))))        </a:t>
+            </a:r>
+          </a:p>
+          <a:p>
+            <a:pPr>
+              <a:buNone/>
+            </a:pPr>
+            <a:r>
+              <a:rPr lang="en-US" sz="5500" b="1" dirty="0" smtClean="0">
+                <a:latin typeface="Consolas" pitchFamily="49" charset="0"/>
+                <a:cs typeface="Consolas" pitchFamily="49" charset="0"/>
+              </a:rPr>
+              <a:t>       (</a:t>
             </a:r>
             <a:r>
               <a:rPr lang="en-US" sz="5500" b="1" dirty="0" smtClean="0">
@@ -12055,59 +12067,14 @@
                 <a:latin typeface="Consolas" pitchFamily="49" charset="0"/>
                 <a:cs typeface="Consolas" pitchFamily="49" charset="0"/>
               </a:rPr>
-              <a:t> </a:t>
+              <a:t>adapt-solution solution1</a:t>
             </a:r>
             <a:r>
               <a:rPr lang="en-US" sz="5500" b="1" dirty="0" smtClean="0">
                 <a:latin typeface="Consolas" pitchFamily="49" charset="0"/>
                 <a:cs typeface="Consolas" pitchFamily="49" charset="0"/>
               </a:rPr>
-              <a:t>the-problem)))        </a:t>
-            </a:r>
-          </a:p>
-          <a:p>
-            <a:pPr>
-              <a:buNone/>
-            </a:pPr>
-            <a:r>
-              <a:rPr lang="en-US" sz="5500" b="1" dirty="0" smtClean="0">
-                <a:latin typeface="Consolas" pitchFamily="49" charset="0"/>
-                <a:cs typeface="Consolas" pitchFamily="49" charset="0"/>
-              </a:rPr>
-              <a:t>       (</a:t>
-            </a:r>
-            <a:r>
-              <a:rPr lang="en-US" sz="5500" b="1" dirty="0" smtClean="0">
-                <a:solidFill>
-                  <a:schemeClr val="accent6">
-                    <a:lumMod val="75000"/>
-                  </a:schemeClr>
-                </a:solidFill>
-                <a:latin typeface="Consolas" pitchFamily="49" charset="0"/>
-                <a:cs typeface="Consolas" pitchFamily="49" charset="0"/>
-              </a:rPr>
-              <a:t>adapt-solutions</a:t>
-            </a:r>
-            <a:endParaRPr lang="en-US" sz="5500" b="1" dirty="0">
-              <a:solidFill>
-                <a:schemeClr val="accent6">
-                  <a:lumMod val="75000"/>
-                </a:schemeClr>
-              </a:solidFill>
-              <a:latin typeface="Consolas" pitchFamily="49" charset="0"/>
-              <a:cs typeface="Consolas" pitchFamily="49" charset="0"/>
-            </a:endParaRPr>
-          </a:p>
-          <a:p>
-            <a:pPr>
-              <a:buNone/>
-            </a:pPr>
-            <a:r>
-              <a:rPr lang="en-US" sz="5500" b="1" dirty="0" smtClean="0">
-                <a:latin typeface="Consolas" pitchFamily="49" charset="0"/>
-                <a:cs typeface="Consolas" pitchFamily="49" charset="0"/>
-              </a:rPr>
-              <a:t>        (map solve new-problems))]))</a:t>
+              <a:t>))]))</a:t>
             </a:r>
           </a:p>
           <a:p>
@@ -12128,58 +12095,19 @@
                 <a:latin typeface="Consolas" pitchFamily="49" charset="0"/>
                 <a:cs typeface="Consolas" pitchFamily="49" charset="0"/>
               </a:rPr>
-              <a:t>generate-</a:t>
-            </a:r>
-            <a:r>
-              <a:rPr lang="en-US" sz="5500" b="1" dirty="0" err="1" smtClean="0">
-                <a:latin typeface="Consolas" pitchFamily="49" charset="0"/>
-                <a:cs typeface="Consolas" pitchFamily="49" charset="0"/>
-              </a:rPr>
-              <a:t>subproblem</a:t>
-            </a:r>
+              <a:t>simpler-instance : Problem -&gt; Problem</a:t>
+            </a:r>
+          </a:p>
+          <a:p>
+            <a:pPr>
+              <a:buNone/>
+            </a:pPr>
             <a:r>
               <a:rPr lang="en-US" sz="5500" b="1" dirty="0" smtClean="0">
                 <a:latin typeface="Consolas" pitchFamily="49" charset="0"/>
                 <a:cs typeface="Consolas" pitchFamily="49" charset="0"/>
               </a:rPr>
-              <a:t> : Problem -&gt; </a:t>
-            </a:r>
-            <a:r>
-              <a:rPr lang="en-US" sz="5500" b="1" dirty="0" err="1" smtClean="0">
-                <a:latin typeface="Consolas" pitchFamily="49" charset="0"/>
-                <a:cs typeface="Consolas" pitchFamily="49" charset="0"/>
-              </a:rPr>
-              <a:t>ListOfProblem</a:t>
-            </a:r>
-            <a:endParaRPr lang="en-US" sz="5500" b="1" dirty="0" smtClean="0">
-              <a:latin typeface="Consolas" pitchFamily="49" charset="0"/>
-              <a:cs typeface="Consolas" pitchFamily="49" charset="0"/>
-            </a:endParaRPr>
-          </a:p>
-          <a:p>
-            <a:pPr>
-              <a:buNone/>
-            </a:pPr>
-            <a:r>
-              <a:rPr lang="en-US" sz="5500" b="1" dirty="0" smtClean="0">
-                <a:latin typeface="Consolas" pitchFamily="49" charset="0"/>
-                <a:cs typeface="Consolas" pitchFamily="49" charset="0"/>
-              </a:rPr>
-              <a:t>adapt-solutions : </a:t>
-            </a:r>
-            <a:r>
-              <a:rPr lang="en-US" sz="5500" b="1" dirty="0" err="1" smtClean="0">
-                <a:latin typeface="Consolas" pitchFamily="49" charset="0"/>
-                <a:cs typeface="Consolas" pitchFamily="49" charset="0"/>
-              </a:rPr>
-              <a:t>ListOfSolution</a:t>
-            </a:r>
-            <a:r>
-              <a:rPr lang="en-US" sz="5500" b="1" dirty="0" smtClean="0">
-                <a:latin typeface="Consolas" pitchFamily="49" charset="0"/>
-                <a:cs typeface="Consolas" pitchFamily="49" charset="0"/>
-              </a:rPr>
-              <a:t> -&gt; Solution</a:t>
+              <a:t>adapt-solution : Solution -&gt; Solution</a:t>
             </a:r>
           </a:p>
           <a:p>
@@ -12192,95 +12120,10 @@
           </a:p>
         </p:txBody>
       </p:sp>
-      <p:sp>
-        <p:nvSpPr>
-          <p:cNvPr id="4" name="Slide Number Placeholder 3"/>
-          <p:cNvSpPr>
-            <a:spLocks noGrp="1"/>
-          </p:cNvSpPr>
-          <p:nvPr>
-            <p:ph type="sldNum" sz="quarter" idx="12"/>
-          </p:nvPr>
-        </p:nvSpPr>
-        <p:spPr/>
-        <p:txBody>
-          <a:bodyPr/>
-          <a:lstStyle/>
-          <a:p>
-            <a:fld id="{9F4492BD-6A9C-48FC-AC76-0B4FE11194A1}" type="slidenum">
-              <a:rPr lang="en-US" smtClean="0"/>
-              <a:pPr/>
-              <a:t>23</a:t>
-            </a:fld>
-            <a:endParaRPr lang="en-US"/>
-          </a:p>
-        </p:txBody>
-      </p:sp>
-      <p:sp>
-        <p:nvSpPr>
-          <p:cNvPr id="7" name="Rectangle 6"/>
-          <p:cNvSpPr/>
-          <p:nvPr/>
-        </p:nvSpPr>
-        <p:spPr>
-          <a:xfrm>
-            <a:off x="6449377" y="3675856"/>
-            <a:ext cx="2341245" cy="2690019"/>
-          </a:xfrm>
-          <a:prstGeom prst="rect">
-            <a:avLst/>
-          </a:prstGeom>
-          <a:solidFill>
-            <a:schemeClr val="accent3">
-              <a:lumMod val="40000"/>
-              <a:lumOff val="60000"/>
-            </a:schemeClr>
-          </a:solidFill>
-          <a:ln/>
-        </p:spPr>
-        <p:style>
-          <a:lnRef idx="2">
-            <a:schemeClr val="accent1"/>
-          </a:lnRef>
-          <a:fillRef idx="1">
-            <a:schemeClr val="lt1"/>
-          </a:fillRef>
-          <a:effectRef idx="0">
-            <a:schemeClr val="accent1"/>
-          </a:effectRef>
-          <a:fontRef idx="minor">
-            <a:schemeClr val="dk1"/>
-          </a:fontRef>
-        </p:style>
-        <p:txBody>
-          <a:bodyPr rot="0" spcFirstLastPara="0" vertOverflow="overflow" horzOverflow="overflow" vert="horz" wrap="square" lIns="91440" tIns="45720" rIns="91440" bIns="45720" numCol="1" spcCol="0" rtlCol="0" fromWordArt="0" anchor="ctr" anchorCtr="0" forceAA="0" compatLnSpc="1">
-            <a:prstTxWarp prst="textNoShape">
-              <a:avLst/>
-            </a:prstTxWarp>
-            <a:noAutofit/>
-          </a:bodyPr>
-          <a:lstStyle/>
-          <a:p>
-            <a:r>
-              <a:rPr lang="en-US" dirty="0" smtClean="0"/>
-              <a:t>Here's a version with where the difficult case requires solving a whole list of </a:t>
-            </a:r>
-            <a:r>
-              <a:rPr lang="en-US" dirty="0" err="1" smtClean="0"/>
-              <a:t>subproblems</a:t>
-            </a:r>
-            <a:r>
-              <a:rPr lang="en-US" dirty="0" smtClean="0"/>
-              <a:t>.  A tree where a node has a list of sons may lead to use of this template.</a:t>
-            </a:r>
-            <a:endParaRPr lang="en-US" dirty="0"/>
-          </a:p>
-        </p:txBody>
-      </p:sp>
     </p:spTree>
     <p:extLst>
       <p:ext uri="{BB962C8B-B14F-4D97-AF65-F5344CB8AC3E}">
-        <p14:creationId xmlns:p14="http://schemas.microsoft.com/office/powerpoint/2010/main" val="1757527560"/>
+        <p14:creationId xmlns:p14="http://schemas.microsoft.com/office/powerpoint/2010/main" val="3232746379"/>
       </p:ext>
     </p:extLst>
   </p:cSld>
@@ -12316,6 +12159,35 @@
       </p:grpSpPr>
       <p:sp>
         <p:nvSpPr>
+          <p:cNvPr id="2" name="Title 1"/>
+          <p:cNvSpPr>
+            <a:spLocks noGrp="1"/>
+          </p:cNvSpPr>
+          <p:nvPr>
+            <p:ph type="title"/>
+          </p:nvPr>
+        </p:nvSpPr>
+        <p:spPr/>
+        <p:txBody>
+          <a:bodyPr>
+            <a:normAutofit fontScale="90000"/>
+          </a:bodyPr>
+          <a:lstStyle/>
+          <a:p>
+            <a:r>
+              <a:rPr lang="en-US" dirty="0" smtClean="0"/>
+              <a:t>Yet Another General-Recursion </a:t>
+            </a:r>
+            <a:r>
+              <a:rPr lang="en-US" dirty="0" smtClean="0"/>
+              <a:t>Pattern</a:t>
+            </a:r>
+            <a:endParaRPr lang="en-US" dirty="0"/>
+          </a:p>
+        </p:txBody>
+      </p:sp>
+      <p:sp>
+        <p:nvSpPr>
           <p:cNvPr id="3" name="Content Placeholder 2"/>
           <p:cNvSpPr>
             <a:spLocks noGrp="1"/>
@@ -12327,7 +12199,7 @@
         <p:spPr/>
         <p:txBody>
           <a:bodyPr>
-            <a:normAutofit fontScale="32500" lnSpcReduction="20000"/>
+            <a:normAutofit fontScale="25000" lnSpcReduction="20000"/>
           </a:bodyPr>
           <a:lstStyle/>
           <a:p>
@@ -12339,8 +12211,105 @@
                 <a:latin typeface="Consolas" pitchFamily="49" charset="0"/>
                 <a:cs typeface="Consolas" pitchFamily="49" charset="0"/>
               </a:rPr>
-              <a:t>;; solve : Problem -&gt; Solution</a:t>
-            </a:r>
+              <a:t>;; solve : Problem -&gt; </a:t>
+            </a:r>
+            <a:r>
+              <a:rPr lang="en-US" sz="5500" b="1" dirty="0" smtClean="0">
+                <a:latin typeface="Consolas" pitchFamily="49" charset="0"/>
+                <a:cs typeface="Consolas" pitchFamily="49" charset="0"/>
+              </a:rPr>
+              <a:t>Solution</a:t>
+            </a:r>
+          </a:p>
+          <a:p>
+            <a:pPr>
+              <a:buNone/>
+            </a:pPr>
+            <a:r>
+              <a:rPr lang="en-US" sz="5500" b="1" dirty="0" smtClean="0">
+                <a:latin typeface="Consolas" pitchFamily="49" charset="0"/>
+                <a:cs typeface="Consolas" pitchFamily="49" charset="0"/>
+              </a:rPr>
+              <a:t>;; STRATEGY: Recur on </a:t>
+            </a:r>
+            <a:r>
+              <a:rPr lang="en-US" sz="5500" b="1" dirty="0">
+                <a:latin typeface="Consolas" pitchFamily="49" charset="0"/>
+                <a:cs typeface="Consolas" pitchFamily="49" charset="0"/>
+              </a:rPr>
+              <a:t>(</a:t>
+            </a:r>
+            <a:r>
+              <a:rPr lang="en-US" sz="5500" b="1" dirty="0">
+                <a:solidFill>
+                  <a:schemeClr val="accent6">
+                    <a:lumMod val="75000"/>
+                  </a:schemeClr>
+                </a:solidFill>
+                <a:latin typeface="Consolas" pitchFamily="49" charset="0"/>
+                <a:cs typeface="Consolas" pitchFamily="49" charset="0"/>
+              </a:rPr>
+              <a:t>generate-</a:t>
+            </a:r>
+            <a:r>
+              <a:rPr lang="en-US" sz="5500" b="1" dirty="0" err="1">
+                <a:solidFill>
+                  <a:schemeClr val="accent6">
+                    <a:lumMod val="75000"/>
+                  </a:schemeClr>
+                </a:solidFill>
+                <a:latin typeface="Consolas" pitchFamily="49" charset="0"/>
+                <a:cs typeface="Consolas" pitchFamily="49" charset="0"/>
+              </a:rPr>
+              <a:t>subproblems</a:t>
+            </a:r>
+            <a:r>
+              <a:rPr lang="en-US" sz="5500" b="1" dirty="0">
+                <a:solidFill>
+                  <a:schemeClr val="accent6">
+                    <a:lumMod val="75000"/>
+                  </a:schemeClr>
+                </a:solidFill>
+                <a:latin typeface="Consolas" pitchFamily="49" charset="0"/>
+                <a:cs typeface="Consolas" pitchFamily="49" charset="0"/>
+              </a:rPr>
+              <a:t> </a:t>
+            </a:r>
+            <a:r>
+              <a:rPr lang="en-US" sz="5500" b="1" dirty="0">
+                <a:latin typeface="Consolas" pitchFamily="49" charset="0"/>
+                <a:cs typeface="Consolas" pitchFamily="49" charset="0"/>
+              </a:rPr>
+              <a:t>the-problem</a:t>
+            </a:r>
+            <a:r>
+              <a:rPr lang="en-US" sz="5500" b="1" dirty="0" smtClean="0">
+                <a:latin typeface="Consolas" pitchFamily="49" charset="0"/>
+                <a:cs typeface="Consolas" pitchFamily="49" charset="0"/>
+              </a:rPr>
+              <a:t>), then use </a:t>
+            </a:r>
+            <a:r>
+              <a:rPr lang="en-US" sz="5500" b="1" dirty="0">
+                <a:solidFill>
+                  <a:schemeClr val="accent6">
+                    <a:lumMod val="75000"/>
+                  </a:schemeClr>
+                </a:solidFill>
+                <a:latin typeface="Consolas" pitchFamily="49" charset="0"/>
+                <a:cs typeface="Consolas" pitchFamily="49" charset="0"/>
+              </a:rPr>
+              <a:t>adapt-solutions</a:t>
+            </a:r>
+            <a:endParaRPr lang="en-US" sz="5500" b="1" dirty="0" smtClean="0">
+              <a:latin typeface="Consolas" pitchFamily="49" charset="0"/>
+              <a:cs typeface="Consolas" pitchFamily="49" charset="0"/>
+            </a:endParaRPr>
+          </a:p>
+          <a:p>
+            <a:pPr>
+              <a:buNone/>
+            </a:pPr>
             <a:r>
               <a:rPr lang="en-US" sz="5500" b="1" i="1" dirty="0" smtClean="0">
                 <a:solidFill>
@@ -12349,7 +12318,7 @@
                 <a:latin typeface="Consolas" pitchFamily="49" charset="0"/>
                 <a:cs typeface="Consolas" pitchFamily="49" charset="0"/>
               </a:rPr>
-              <a:t> ARGUMENT: explain why new-problem1 and new-problem2 are easier than the-problem.</a:t>
+              <a:t>TERMINATION ARGUMENT: explain why new-problem</a:t>
             </a:r>
           </a:p>
           <a:p>
@@ -12515,7 +12484,7 @@
                 <a:latin typeface="Consolas" pitchFamily="49" charset="0"/>
                 <a:cs typeface="Consolas" pitchFamily="49" charset="0"/>
               </a:rPr>
-              <a:t>the-problem)     </a:t>
+              <a:t>the-problem)</a:t>
             </a:r>
           </a:p>
           <a:p>
@@ -12527,7 +12496,38 @@
                 <a:latin typeface="Consolas" pitchFamily="49" charset="0"/>
                 <a:cs typeface="Consolas" pitchFamily="49" charset="0"/>
               </a:rPr>
-              <a:t>     (</a:t>
+              <a:t>     (local</a:t>
+            </a:r>
+          </a:p>
+          <a:p>
+            <a:pPr>
+              <a:buNone/>
+            </a:pPr>
+            <a:r>
+              <a:rPr lang="en-US" sz="5500" b="1" dirty="0" smtClean="0">
+                <a:latin typeface="Consolas" pitchFamily="49" charset="0"/>
+                <a:cs typeface="Consolas" pitchFamily="49" charset="0"/>
+              </a:rPr>
+              <a:t>       ((define new-problems </a:t>
+            </a:r>
+          </a:p>
+          <a:p>
+            <a:pPr>
+              <a:buNone/>
+            </a:pPr>
+            <a:r>
+              <a:rPr lang="en-US" sz="5500" b="1" dirty="0">
+                <a:latin typeface="Consolas" pitchFamily="49" charset="0"/>
+                <a:cs typeface="Consolas" pitchFamily="49" charset="0"/>
+              </a:rPr>
+              <a:t> </a:t>
+            </a:r>
+            <a:r>
+              <a:rPr lang="en-US" sz="5500" b="1" dirty="0" smtClean="0">
+                <a:latin typeface="Consolas" pitchFamily="49" charset="0"/>
+                <a:cs typeface="Consolas" pitchFamily="49" charset="0"/>
+              </a:rPr>
+              <a:t>         (</a:t>
             </a:r>
             <a:r>
               <a:rPr lang="en-US" sz="5500" b="1" dirty="0" smtClean="0">
@@ -12539,7 +12539,62 @@
                 <a:latin typeface="Consolas" pitchFamily="49" charset="0"/>
                 <a:cs typeface="Consolas" pitchFamily="49" charset="0"/>
               </a:rPr>
-              <a:t>adapt-solution</a:t>
+              <a:t>generate-</a:t>
+            </a:r>
+            <a:r>
+              <a:rPr lang="en-US" sz="5500" b="1" dirty="0" err="1" smtClean="0">
+                <a:solidFill>
+                  <a:schemeClr val="accent6">
+                    <a:lumMod val="75000"/>
+                  </a:schemeClr>
+                </a:solidFill>
+                <a:latin typeface="Consolas" pitchFamily="49" charset="0"/>
+                <a:cs typeface="Consolas" pitchFamily="49" charset="0"/>
+              </a:rPr>
+              <a:t>subproblems</a:t>
+            </a:r>
+            <a:r>
+              <a:rPr lang="en-US" sz="5500" b="1" dirty="0" smtClean="0">
+                <a:solidFill>
+                  <a:schemeClr val="accent6">
+                    <a:lumMod val="75000"/>
+                  </a:schemeClr>
+                </a:solidFill>
+                <a:latin typeface="Consolas" pitchFamily="49" charset="0"/>
+                <a:cs typeface="Consolas" pitchFamily="49" charset="0"/>
+              </a:rPr>
+              <a:t> </a:t>
+            </a:r>
+            <a:r>
+              <a:rPr lang="en-US" sz="5500" b="1" dirty="0" smtClean="0">
+                <a:latin typeface="Consolas" pitchFamily="49" charset="0"/>
+                <a:cs typeface="Consolas" pitchFamily="49" charset="0"/>
+              </a:rPr>
+              <a:t>the-problem)))        </a:t>
+            </a:r>
+          </a:p>
+          <a:p>
+            <a:pPr>
+              <a:buNone/>
+            </a:pPr>
+            <a:r>
+              <a:rPr lang="en-US" sz="5500" b="1" dirty="0" smtClean="0">
+                <a:latin typeface="Consolas" pitchFamily="49" charset="0"/>
+                <a:cs typeface="Consolas" pitchFamily="49" charset="0"/>
+              </a:rPr>
+              <a:t>       (</a:t>
+            </a:r>
+            <a:r>
+              <a:rPr lang="en-US" sz="5500" b="1" dirty="0" smtClean="0">
+                <a:solidFill>
+                  <a:schemeClr val="accent6">
+                    <a:lumMod val="75000"/>
+                  </a:schemeClr>
+                </a:solidFill>
+                <a:latin typeface="Consolas" pitchFamily="49" charset="0"/>
+                <a:cs typeface="Consolas" pitchFamily="49" charset="0"/>
+              </a:rPr>
+              <a:t>adapt-solutions</a:t>
             </a:r>
             <a:endParaRPr lang="en-US" sz="5500" b="1" dirty="0">
               <a:solidFill>
@@ -12560,45 +12615,7 @@
                 <a:latin typeface="Consolas" pitchFamily="49" charset="0"/>
                 <a:cs typeface="Consolas" pitchFamily="49" charset="0"/>
               </a:rPr>
-              <a:t>       (solve </a:t>
-            </a:r>
-          </a:p>
-          <a:p>
-            <a:pPr>
-              <a:buNone/>
-            </a:pPr>
-            <a:r>
-              <a:rPr lang="en-US" sz="5500" b="1" dirty="0" smtClean="0">
-                <a:latin typeface="Consolas" pitchFamily="49" charset="0"/>
-                <a:cs typeface="Consolas" pitchFamily="49" charset="0"/>
-              </a:rPr>
-              <a:t>         (</a:t>
-            </a:r>
-            <a:r>
-              <a:rPr lang="en-US" sz="5500" b="1" dirty="0">
-                <a:solidFill>
-                  <a:schemeClr val="accent6">
-                    <a:lumMod val="75000"/>
-                  </a:schemeClr>
-                </a:solidFill>
-                <a:latin typeface="Consolas" pitchFamily="49" charset="0"/>
-                <a:cs typeface="Consolas" pitchFamily="49" charset="0"/>
-              </a:rPr>
-              <a:t>simpler-instance </a:t>
-            </a:r>
-            <a:r>
-              <a:rPr lang="en-US" sz="5500" b="1" dirty="0">
-                <a:latin typeface="Consolas" pitchFamily="49" charset="0"/>
-                <a:cs typeface="Consolas" pitchFamily="49" charset="0"/>
-              </a:rPr>
-              <a:t>the-problem</a:t>
-            </a:r>
-            <a:r>
-              <a:rPr lang="en-US" sz="5500" b="1" dirty="0" smtClean="0">
-                <a:latin typeface="Consolas" pitchFamily="49" charset="0"/>
-                <a:cs typeface="Consolas" pitchFamily="49" charset="0"/>
-              </a:rPr>
-              <a:t>)))]))</a:t>
+              <a:t>        (map solve new-problems))]))</a:t>
             </a:r>
           </a:p>
           <a:p>
@@ -12619,19 +12636,58 @@
                 <a:latin typeface="Consolas" pitchFamily="49" charset="0"/>
                 <a:cs typeface="Consolas" pitchFamily="49" charset="0"/>
               </a:rPr>
-              <a:t>simpler-instance : Problem -&gt; Problem</a:t>
-            </a:r>
-          </a:p>
-          <a:p>
-            <a:pPr>
-              <a:buNone/>
-            </a:pPr>
+              <a:t>generate-</a:t>
+            </a:r>
+            <a:r>
+              <a:rPr lang="en-US" sz="5500" b="1" dirty="0" err="1" smtClean="0">
+                <a:latin typeface="Consolas" pitchFamily="49" charset="0"/>
+                <a:cs typeface="Consolas" pitchFamily="49" charset="0"/>
+              </a:rPr>
+              <a:t>subproblem</a:t>
+            </a:r>
             <a:r>
               <a:rPr lang="en-US" sz="5500" b="1" dirty="0" smtClean="0">
                 <a:latin typeface="Consolas" pitchFamily="49" charset="0"/>
                 <a:cs typeface="Consolas" pitchFamily="49" charset="0"/>
               </a:rPr>
-              <a:t>adapt-solution : Solution -&gt; Solution</a:t>
+              <a:t> : Problem -&gt; </a:t>
+            </a:r>
+            <a:r>
+              <a:rPr lang="en-US" sz="5500" b="1" dirty="0" err="1" smtClean="0">
+                <a:latin typeface="Consolas" pitchFamily="49" charset="0"/>
+                <a:cs typeface="Consolas" pitchFamily="49" charset="0"/>
+              </a:rPr>
+              <a:t>ListOfProblem</a:t>
+            </a:r>
+            <a:endParaRPr lang="en-US" sz="5500" b="1" dirty="0" smtClean="0">
+              <a:latin typeface="Consolas" pitchFamily="49" charset="0"/>
+              <a:cs typeface="Consolas" pitchFamily="49" charset="0"/>
+            </a:endParaRPr>
+          </a:p>
+          <a:p>
+            <a:pPr>
+              <a:buNone/>
+            </a:pPr>
+            <a:r>
+              <a:rPr lang="en-US" sz="5500" b="1" dirty="0" smtClean="0">
+                <a:latin typeface="Consolas" pitchFamily="49" charset="0"/>
+                <a:cs typeface="Consolas" pitchFamily="49" charset="0"/>
+              </a:rPr>
+              <a:t>adapt-solutions : </a:t>
+            </a:r>
+            <a:r>
+              <a:rPr lang="en-US" sz="5500" b="1" dirty="0" err="1" smtClean="0">
+                <a:latin typeface="Consolas" pitchFamily="49" charset="0"/>
+                <a:cs typeface="Consolas" pitchFamily="49" charset="0"/>
+              </a:rPr>
+              <a:t>ListOfSolution</a:t>
+            </a:r>
+            <a:r>
+              <a:rPr lang="en-US" sz="5500" b="1" dirty="0" smtClean="0">
+                <a:latin typeface="Consolas" pitchFamily="49" charset="0"/>
+                <a:cs typeface="Consolas" pitchFamily="49" charset="0"/>
+              </a:rPr>
+              <a:t> -&gt; Solution</a:t>
             </a:r>
           </a:p>
           <a:p>
@@ -12641,31 +12697,6 @@
             <a:endParaRPr lang="en-US" sz="2400" b="1" dirty="0" smtClean="0">
               <a:cs typeface="Courier New" pitchFamily="49" charset="0"/>
             </a:endParaRPr>
-          </a:p>
-        </p:txBody>
-      </p:sp>
-      <p:sp>
-        <p:nvSpPr>
-          <p:cNvPr id="2" name="Title 1"/>
-          <p:cNvSpPr>
-            <a:spLocks noGrp="1"/>
-          </p:cNvSpPr>
-          <p:nvPr>
-            <p:ph type="title"/>
-          </p:nvPr>
-        </p:nvSpPr>
-        <p:spPr/>
-        <p:txBody>
-          <a:bodyPr>
-            <a:normAutofit fontScale="90000"/>
-          </a:bodyPr>
-          <a:lstStyle/>
-          <a:p>
-            <a:r>
-              <a:rPr lang="en-US" dirty="0" smtClean="0"/>
-              <a:t>..or you could do it without the local defines</a:t>
-            </a:r>
-            <a:endParaRPr lang="en-US" dirty="0"/>
           </a:p>
         </p:txBody>
       </p:sp>
@@ -12695,14 +12726,14 @@
       </p:sp>
       <p:sp>
         <p:nvSpPr>
-          <p:cNvPr id="5" name="Rectangle 4"/>
+          <p:cNvPr id="7" name="Rectangle 6"/>
           <p:cNvSpPr/>
           <p:nvPr/>
         </p:nvSpPr>
         <p:spPr>
           <a:xfrm>
-            <a:off x="5791200" y="4495800"/>
-            <a:ext cx="2590800" cy="1554163"/>
+            <a:off x="6449377" y="3675856"/>
+            <a:ext cx="2341245" cy="2690019"/>
           </a:xfrm>
           <a:prstGeom prst="rect">
             <a:avLst/>
@@ -12738,59 +12769,30 @@
           </a:bodyPr>
           <a:lstStyle/>
           <a:p>
-            <a:pPr algn="ctr"/>
-            <a:r>
-              <a:rPr lang="en-US" dirty="0" smtClean="0">
-                <a:solidFill>
-                  <a:schemeClr val="tx1"/>
-                </a:solidFill>
-              </a:rPr>
-              <a:t>Here's the single-</a:t>
-            </a:r>
-            <a:r>
-              <a:rPr lang="en-US" dirty="0" err="1" smtClean="0">
-                <a:solidFill>
-                  <a:schemeClr val="tx1"/>
-                </a:solidFill>
-              </a:rPr>
-              <a:t>subproblem</a:t>
-            </a:r>
-            <a:r>
-              <a:rPr lang="en-US" dirty="0" smtClean="0">
-                <a:solidFill>
-                  <a:schemeClr val="tx1"/>
-                </a:solidFill>
-              </a:rPr>
-              <a:t> template we saw a couple of slides ago, but done without the local </a:t>
-            </a:r>
-            <a:r>
-              <a:rPr lang="en-US" b="1" dirty="0" smtClean="0">
-                <a:solidFill>
-                  <a:schemeClr val="tx1"/>
-                </a:solidFill>
-              </a:rPr>
-              <a:t>define</a:t>
-            </a:r>
-            <a:r>
-              <a:rPr lang="en-US" dirty="0" smtClean="0">
-                <a:solidFill>
-                  <a:schemeClr val="tx1"/>
-                </a:solidFill>
-              </a:rPr>
-              <a:t>s</a:t>
-            </a:r>
-            <a:endParaRPr lang="en-US" dirty="0">
-              <a:solidFill>
-                <a:schemeClr val="tx1"/>
-              </a:solidFill>
-            </a:endParaRPr>
+            <a:r>
+              <a:rPr lang="en-US" dirty="0" smtClean="0"/>
+              <a:t>Here's a version with where the difficult case requires solving a whole list of </a:t>
+            </a:r>
+            <a:r>
+              <a:rPr lang="en-US" dirty="0" err="1" smtClean="0"/>
+              <a:t>subproblems</a:t>
+            </a:r>
+            <a:r>
+              <a:rPr lang="en-US" dirty="0" smtClean="0"/>
+              <a:t>.  A tree where a node has a list of sons may lead to use of this </a:t>
+            </a:r>
+            <a:r>
+              <a:rPr lang="en-US" dirty="0" smtClean="0"/>
+              <a:t>pattern.</a:t>
+            </a:r>
+            <a:endParaRPr lang="en-US" dirty="0"/>
           </a:p>
         </p:txBody>
       </p:sp>
     </p:spTree>
     <p:extLst>
       <p:ext uri="{BB962C8B-B14F-4D97-AF65-F5344CB8AC3E}">
-        <p14:creationId xmlns:p14="http://schemas.microsoft.com/office/powerpoint/2010/main" val="2712561195"/>
+        <p14:creationId xmlns:p14="http://schemas.microsoft.com/office/powerpoint/2010/main" val="1757527560"/>
       </p:ext>
     </p:extLst>
   </p:cSld>
@@ -12826,31 +12828,6 @@
       </p:grpSpPr>
       <p:sp>
         <p:nvSpPr>
-          <p:cNvPr id="2" name="Title 1"/>
-          <p:cNvSpPr>
-            <a:spLocks noGrp="1"/>
-          </p:cNvSpPr>
-          <p:nvPr>
-            <p:ph type="title"/>
-          </p:nvPr>
-        </p:nvSpPr>
-        <p:spPr/>
-        <p:txBody>
-          <a:bodyPr>
-            <a:normAutofit fontScale="90000"/>
-          </a:bodyPr>
-          <a:lstStyle/>
-          <a:p>
-            <a:r>
-              <a:rPr lang="en-US" dirty="0" smtClean="0"/>
-              <a:t>Yet Another General-Recursion Template</a:t>
-            </a:r>
-            <a:endParaRPr lang="en-US" dirty="0"/>
-          </a:p>
-        </p:txBody>
-      </p:sp>
-      <p:sp>
-        <p:nvSpPr>
           <p:cNvPr id="3" name="Content Placeholder 2"/>
           <p:cNvSpPr>
             <a:spLocks noGrp="1"/>
@@ -12876,11 +12853,6 @@
               </a:rPr>
               <a:t>;; solve : Problem -&gt; Solution</a:t>
             </a:r>
-          </a:p>
-          <a:p>
-            <a:pPr>
-              <a:buNone/>
-            </a:pPr>
             <a:r>
               <a:rPr lang="en-US" sz="5500" b="1" i="1" dirty="0" smtClean="0">
                 <a:solidFill>
@@ -12889,7 +12861,7 @@
                 <a:latin typeface="Consolas" pitchFamily="49" charset="0"/>
                 <a:cs typeface="Consolas" pitchFamily="49" charset="0"/>
               </a:rPr>
-              <a:t>TERMINATION ARGUMENT: explain why new-problem</a:t>
+              <a:t> ARGUMENT: explain why new-problem1 and new-problem2 are easier than the-problem.</a:t>
             </a:r>
           </a:p>
           <a:p>
@@ -13055,7 +13027,7 @@
                 <a:latin typeface="Consolas" pitchFamily="49" charset="0"/>
                 <a:cs typeface="Consolas" pitchFamily="49" charset="0"/>
               </a:rPr>
-              <a:t>the-problem)              </a:t>
+              <a:t>the-problem)     </a:t>
             </a:r>
           </a:p>
           <a:p>
@@ -13079,7 +13051,7 @@
                 <a:latin typeface="Consolas" pitchFamily="49" charset="0"/>
                 <a:cs typeface="Consolas" pitchFamily="49" charset="0"/>
               </a:rPr>
-              <a:t>adapt-solutions</a:t>
+              <a:t>adapt-solution</a:t>
             </a:r>
             <a:endParaRPr lang="en-US" sz="5500" b="1" dirty="0">
               <a:solidFill>
@@ -13100,7 +13072,7 @@
                 <a:latin typeface="Consolas" pitchFamily="49" charset="0"/>
                 <a:cs typeface="Consolas" pitchFamily="49" charset="0"/>
               </a:rPr>
-              <a:t>       (map solve </a:t>
+              <a:t>       (solve </a:t>
             </a:r>
           </a:p>
           <a:p>
@@ -13124,34 +13096,10 @@
                 <a:latin typeface="Consolas" pitchFamily="49" charset="0"/>
                 <a:cs typeface="Consolas" pitchFamily="49" charset="0"/>
               </a:rPr>
-              <a:t>generate-</a:t>
-            </a:r>
-            <a:r>
-              <a:rPr lang="en-US" sz="5500" b="1" dirty="0" err="1">
-                <a:solidFill>
-                  <a:schemeClr val="accent6">
-                    <a:lumMod val="75000"/>
-                  </a:schemeClr>
-                </a:solidFill>
-                <a:latin typeface="Consolas" pitchFamily="49" charset="0"/>
-                <a:cs typeface="Consolas" pitchFamily="49" charset="0"/>
-              </a:rPr>
-              <a:t>subproblems</a:t>
+              <a:t>simpler-instance </a:t>
             </a:r>
             <a:r>
               <a:rPr lang="en-US" sz="5500" b="1" dirty="0">
-                <a:solidFill>
-                  <a:schemeClr val="accent6">
-                    <a:lumMod val="75000"/>
-                  </a:schemeClr>
-                </a:solidFill>
-                <a:latin typeface="Consolas" pitchFamily="49" charset="0"/>
-                <a:cs typeface="Consolas" pitchFamily="49" charset="0"/>
-              </a:rPr>
-              <a:t> </a:t>
-            </a:r>
-            <a:r>
-              <a:rPr lang="en-US" sz="5500" b="1" dirty="0">
                 <a:latin typeface="Consolas" pitchFamily="49" charset="0"/>
                 <a:cs typeface="Consolas" pitchFamily="49" charset="0"/>
               </a:rPr>
@@ -13164,6 +13112,11 @@
               </a:rPr>
               <a:t>)))]))</a:t>
             </a:r>
+          </a:p>
+          <a:p>
+            <a:pPr>
+              <a:buNone/>
+            </a:pPr>
             <a:endParaRPr lang="en-US" sz="5500" b="1" dirty="0">
               <a:latin typeface="Consolas" pitchFamily="49" charset="0"/>
               <a:cs typeface="Consolas" pitchFamily="49" charset="0"/>
@@ -13173,72 +13126,24 @@
             <a:pPr>
               <a:buNone/>
             </a:pPr>
-            <a:endParaRPr lang="en-US" sz="5500" b="1" dirty="0">
-              <a:latin typeface="Consolas" pitchFamily="49" charset="0"/>
-              <a:cs typeface="Consolas" pitchFamily="49" charset="0"/>
-            </a:endParaRPr>
-          </a:p>
-          <a:p>
-            <a:pPr>
-              <a:buNone/>
-            </a:pPr>
             <a:r>
               <a:rPr lang="en-US" sz="5500" b="1" dirty="0" smtClean="0">
                 <a:latin typeface="Consolas" pitchFamily="49" charset="0"/>
                 <a:cs typeface="Consolas" pitchFamily="49" charset="0"/>
               </a:rPr>
-              <a:t>generate-</a:t>
-            </a:r>
-            <a:r>
-              <a:rPr lang="en-US" sz="5500" b="1" dirty="0" err="1" smtClean="0">
-                <a:latin typeface="Consolas" pitchFamily="49" charset="0"/>
-                <a:cs typeface="Consolas" pitchFamily="49" charset="0"/>
-              </a:rPr>
-              <a:t>subproblem</a:t>
-            </a:r>
+              <a:t>simpler-instance : Problem -&gt; Problem</a:t>
+            </a:r>
+          </a:p>
+          <a:p>
+            <a:pPr>
+              <a:buNone/>
+            </a:pPr>
             <a:r>
               <a:rPr lang="en-US" sz="5500" b="1" dirty="0" smtClean="0">
                 <a:latin typeface="Consolas" pitchFamily="49" charset="0"/>
                 <a:cs typeface="Consolas" pitchFamily="49" charset="0"/>
               </a:rPr>
-              <a:t> : Problem -&gt; </a:t>
-            </a:r>
-            <a:r>
-              <a:rPr lang="en-US" sz="5500" b="1" dirty="0" err="1" smtClean="0">
-                <a:latin typeface="Consolas" pitchFamily="49" charset="0"/>
-                <a:cs typeface="Consolas" pitchFamily="49" charset="0"/>
-              </a:rPr>
-              <a:t>ListOfProblem</a:t>
-            </a:r>
-            <a:endParaRPr lang="en-US" sz="5500" b="1" dirty="0" smtClean="0">
-              <a:latin typeface="Consolas" pitchFamily="49" charset="0"/>
-              <a:cs typeface="Consolas" pitchFamily="49" charset="0"/>
-            </a:endParaRPr>
-          </a:p>
-          <a:p>
-            <a:pPr>
-              <a:buNone/>
-            </a:pPr>
-            <a:r>
-              <a:rPr lang="en-US" sz="5500" b="1" dirty="0" smtClean="0">
-                <a:latin typeface="Consolas" pitchFamily="49" charset="0"/>
-                <a:cs typeface="Consolas" pitchFamily="49" charset="0"/>
-              </a:rPr>
-              <a:t>adapt-solutions : </a:t>
-            </a:r>
-            <a:r>
-              <a:rPr lang="en-US" sz="5500" b="1" dirty="0" err="1" smtClean="0">
-                <a:latin typeface="Consolas" pitchFamily="49" charset="0"/>
-                <a:cs typeface="Consolas" pitchFamily="49" charset="0"/>
-              </a:rPr>
-              <a:t>ListOfSolution</a:t>
-            </a:r>
-            <a:r>
-              <a:rPr lang="en-US" sz="5500" b="1" dirty="0" smtClean="0">
-                <a:latin typeface="Consolas" pitchFamily="49" charset="0"/>
-                <a:cs typeface="Consolas" pitchFamily="49" charset="0"/>
-              </a:rPr>
-              <a:t> -&gt; Solution</a:t>
+              <a:t>adapt-solution : Solution -&gt; Solution</a:t>
             </a:r>
           </a:p>
           <a:p>
@@ -13248,6 +13153,31 @@
             <a:endParaRPr lang="en-US" sz="2400" b="1" dirty="0" smtClean="0">
               <a:cs typeface="Courier New" pitchFamily="49" charset="0"/>
             </a:endParaRPr>
+          </a:p>
+        </p:txBody>
+      </p:sp>
+      <p:sp>
+        <p:nvSpPr>
+          <p:cNvPr id="2" name="Title 1"/>
+          <p:cNvSpPr>
+            <a:spLocks noGrp="1"/>
+          </p:cNvSpPr>
+          <p:nvPr>
+            <p:ph type="title"/>
+          </p:nvPr>
+        </p:nvSpPr>
+        <p:spPr/>
+        <p:txBody>
+          <a:bodyPr>
+            <a:normAutofit fontScale="90000"/>
+          </a:bodyPr>
+          <a:lstStyle/>
+          <a:p>
+            <a:r>
+              <a:rPr lang="en-US" dirty="0" smtClean="0"/>
+              <a:t>..or you could do it without the local defines</a:t>
+            </a:r>
+            <a:endParaRPr lang="en-US" dirty="0"/>
           </a:p>
         </p:txBody>
       </p:sp>
@@ -13277,14 +13207,14 @@
       </p:sp>
       <p:sp>
         <p:nvSpPr>
-          <p:cNvPr id="7" name="Rectangle 6"/>
+          <p:cNvPr id="5" name="Rectangle 4"/>
           <p:cNvSpPr/>
           <p:nvPr/>
         </p:nvSpPr>
         <p:spPr>
           <a:xfrm>
-            <a:off x="3276600" y="5257799"/>
-            <a:ext cx="4980622" cy="1050926"/>
+            <a:off x="5791200" y="4495800"/>
+            <a:ext cx="2590800" cy="1554163"/>
           </a:xfrm>
           <a:prstGeom prst="rect">
             <a:avLst/>
@@ -13320,34 +13250,75 @@
           </a:bodyPr>
           <a:lstStyle/>
           <a:p>
-            <a:r>
-              <a:rPr lang="en-US" dirty="0" smtClean="0"/>
-              <a:t>Here's the list-of-</a:t>
-            </a:r>
-            <a:r>
-              <a:rPr lang="en-US" dirty="0" err="1" smtClean="0"/>
-              <a:t>subproblems</a:t>
-            </a:r>
-            <a:r>
-              <a:rPr lang="en-US" dirty="0" smtClean="0"/>
-              <a:t> template done without using local </a:t>
-            </a:r>
-            <a:r>
-              <a:rPr lang="en-US" b="1" dirty="0" smtClean="0"/>
+            <a:pPr algn="ctr"/>
+            <a:r>
+              <a:rPr lang="en-US" dirty="0" smtClean="0">
+                <a:solidFill>
+                  <a:schemeClr val="tx1"/>
+                </a:solidFill>
+              </a:rPr>
+              <a:t>Here's the single-</a:t>
+            </a:r>
+            <a:r>
+              <a:rPr lang="en-US" dirty="0" err="1" smtClean="0">
+                <a:solidFill>
+                  <a:schemeClr val="tx1"/>
+                </a:solidFill>
+              </a:rPr>
+              <a:t>subproblem</a:t>
+            </a:r>
+            <a:r>
+              <a:rPr lang="en-US" dirty="0" smtClean="0">
+                <a:solidFill>
+                  <a:schemeClr val="tx1"/>
+                </a:solidFill>
+              </a:rPr>
+              <a:t> </a:t>
+            </a:r>
+            <a:r>
+              <a:rPr lang="en-US" dirty="0" smtClean="0">
+                <a:solidFill>
+                  <a:schemeClr val="tx1"/>
+                </a:solidFill>
+              </a:rPr>
+              <a:t>pattern we </a:t>
+            </a:r>
+            <a:r>
+              <a:rPr lang="en-US" dirty="0" smtClean="0">
+                <a:solidFill>
+                  <a:schemeClr val="tx1"/>
+                </a:solidFill>
+              </a:rPr>
+              <a:t>saw a couple of slides ago, but done without the local </a:t>
+            </a:r>
+            <a:r>
+              <a:rPr lang="en-US" b="1" dirty="0" smtClean="0">
+                <a:solidFill>
+                  <a:schemeClr val="tx1"/>
+                </a:solidFill>
+              </a:rPr>
               <a:t>define</a:t>
             </a:r>
             <a:r>
-              <a:rPr lang="en-US" dirty="0" smtClean="0"/>
-              <a:t>.  There are lots of variations.  Whatever is clearest is best.</a:t>
-            </a:r>
-            <a:endParaRPr lang="en-US" dirty="0"/>
+              <a:rPr lang="en-US" dirty="0" smtClean="0">
+                <a:solidFill>
+                  <a:schemeClr val="tx1"/>
+                </a:solidFill>
+              </a:rPr>
+              <a:t>s</a:t>
+            </a:r>
+            <a:endParaRPr lang="en-US" dirty="0">
+              <a:solidFill>
+                <a:schemeClr val="tx1"/>
+              </a:solidFill>
+            </a:endParaRPr>
           </a:p>
         </p:txBody>
       </p:sp>
     </p:spTree>
     <p:extLst>
       <p:ext uri="{BB962C8B-B14F-4D97-AF65-F5344CB8AC3E}">
-        <p14:creationId xmlns:p14="http://schemas.microsoft.com/office/powerpoint/2010/main" val="340690432"/>
+        <p14:creationId xmlns:p14="http://schemas.microsoft.com/office/powerpoint/2010/main" val="2712561195"/>
       </p:ext>
     </p:extLst>
   </p:cSld>
@@ -13383,7 +13354,7 @@
       </p:grpSpPr>
       <p:sp>
         <p:nvSpPr>
-          <p:cNvPr id="5" name="Title 4"/>
+          <p:cNvPr id="2" name="Title 1"/>
           <p:cNvSpPr>
             <a:spLocks noGrp="1"/>
           </p:cNvSpPr>
@@ -13400,7 +13371,11 @@
           <a:p>
             <a:r>
               <a:rPr lang="en-US" dirty="0" smtClean="0"/>
-              <a:t>What should we write for the strategy?</a:t>
+              <a:t>Yet Another General-Recursion </a:t>
+            </a:r>
+            <a:r>
+              <a:rPr lang="en-US" dirty="0" smtClean="0"/>
+              <a:t>Pattern</a:t>
             </a:r>
             <a:endParaRPr lang="en-US" dirty="0"/>
           </a:p>
@@ -13408,7 +13383,7 @@
       </p:sp>
       <p:sp>
         <p:nvSpPr>
-          <p:cNvPr id="2" name="Content Placeholder 1"/>
+          <p:cNvPr id="3" name="Content Placeholder 2"/>
           <p:cNvSpPr>
             <a:spLocks noGrp="1"/>
           </p:cNvSpPr>
@@ -13418,100 +13393,501 @@
         </p:nvSpPr>
         <p:spPr/>
         <p:txBody>
+          <a:bodyPr>
+            <a:normAutofit fontScale="32500" lnSpcReduction="20000"/>
+          </a:bodyPr>
+          <a:lstStyle/>
+          <a:p>
+            <a:pPr>
+              <a:buNone/>
+            </a:pPr>
+            <a:r>
+              <a:rPr lang="en-US" sz="5500" b="1" dirty="0" smtClean="0">
+                <a:latin typeface="Consolas" pitchFamily="49" charset="0"/>
+                <a:cs typeface="Consolas" pitchFamily="49" charset="0"/>
+              </a:rPr>
+              <a:t>;; solve : Problem -&gt; Solution</a:t>
+            </a:r>
+          </a:p>
+          <a:p>
+            <a:pPr>
+              <a:buNone/>
+            </a:pPr>
+            <a:r>
+              <a:rPr lang="en-US" sz="5500" b="1" i="1" dirty="0" smtClean="0">
+                <a:solidFill>
+                  <a:schemeClr val="bg1"/>
+                </a:solidFill>
+                <a:latin typeface="Consolas" pitchFamily="49" charset="0"/>
+                <a:cs typeface="Consolas" pitchFamily="49" charset="0"/>
+              </a:rPr>
+              <a:t>TERMINATION ARGUMENT: explain why new-problem</a:t>
+            </a:r>
+          </a:p>
+          <a:p>
+            <a:pPr>
+              <a:buNone/>
+            </a:pPr>
+            <a:r>
+              <a:rPr lang="en-US" sz="5500" b="1" dirty="0" smtClean="0">
+                <a:latin typeface="Consolas" pitchFamily="49" charset="0"/>
+                <a:cs typeface="Consolas" pitchFamily="49" charset="0"/>
+              </a:rPr>
+              <a:t>(define (solution the-problem)</a:t>
+            </a:r>
+          </a:p>
+          <a:p>
+            <a:pPr>
+              <a:buNone/>
+            </a:pPr>
+            <a:r>
+              <a:rPr lang="en-US" sz="5500" b="1" dirty="0" smtClean="0">
+                <a:latin typeface="Consolas" pitchFamily="49" charset="0"/>
+                <a:cs typeface="Consolas" pitchFamily="49" charset="0"/>
+              </a:rPr>
+              <a:t>  (</a:t>
+            </a:r>
+            <a:r>
+              <a:rPr lang="en-US" sz="5500" b="1" dirty="0" err="1" smtClean="0">
+                <a:latin typeface="Consolas" pitchFamily="49" charset="0"/>
+                <a:cs typeface="Consolas" pitchFamily="49" charset="0"/>
+              </a:rPr>
+              <a:t>cond</a:t>
+            </a:r>
+            <a:endParaRPr lang="en-US" sz="5500" b="1" dirty="0" smtClean="0">
+              <a:latin typeface="Consolas" pitchFamily="49" charset="0"/>
+              <a:cs typeface="Consolas" pitchFamily="49" charset="0"/>
+            </a:endParaRPr>
+          </a:p>
+          <a:p>
+            <a:pPr>
+              <a:buNone/>
+            </a:pPr>
+            <a:r>
+              <a:rPr lang="en-US" sz="5500" b="1" dirty="0" smtClean="0">
+                <a:latin typeface="Consolas" pitchFamily="49" charset="0"/>
+                <a:cs typeface="Consolas" pitchFamily="49" charset="0"/>
+              </a:rPr>
+              <a:t>    [(</a:t>
+            </a:r>
+            <a:r>
+              <a:rPr lang="en-US" sz="5500" b="1" dirty="0" smtClean="0">
+                <a:solidFill>
+                  <a:schemeClr val="accent6">
+                    <a:lumMod val="75000"/>
+                  </a:schemeClr>
+                </a:solidFill>
+                <a:latin typeface="Consolas" pitchFamily="49" charset="0"/>
+                <a:cs typeface="Consolas" pitchFamily="49" charset="0"/>
+              </a:rPr>
+              <a:t>trivial1? </a:t>
+            </a:r>
+            <a:r>
+              <a:rPr lang="en-US" sz="5500" b="1" dirty="0" smtClean="0">
+                <a:latin typeface="Consolas" pitchFamily="49" charset="0"/>
+                <a:cs typeface="Consolas" pitchFamily="49" charset="0"/>
+              </a:rPr>
+              <a:t>the-problem) (</a:t>
+            </a:r>
+            <a:r>
+              <a:rPr lang="en-US" sz="5500" b="1" dirty="0">
+                <a:solidFill>
+                  <a:schemeClr val="accent6">
+                    <a:lumMod val="75000"/>
+                  </a:schemeClr>
+                </a:solidFill>
+                <a:latin typeface="Consolas" pitchFamily="49" charset="0"/>
+                <a:cs typeface="Consolas" pitchFamily="49" charset="0"/>
+              </a:rPr>
+              <a:t>trivial-solution1 </a:t>
+            </a:r>
+            <a:r>
+              <a:rPr lang="en-US" sz="5500" b="1" dirty="0" smtClean="0">
+                <a:latin typeface="Consolas" pitchFamily="49" charset="0"/>
+                <a:cs typeface="Consolas" pitchFamily="49" charset="0"/>
+              </a:rPr>
+              <a:t>the-problem)]</a:t>
+            </a:r>
+          </a:p>
+          <a:p>
+            <a:pPr>
+              <a:buNone/>
+            </a:pPr>
+            <a:r>
+              <a:rPr lang="en-US" sz="5500" b="1" dirty="0" smtClean="0">
+                <a:latin typeface="Consolas" pitchFamily="49" charset="0"/>
+                <a:cs typeface="Consolas" pitchFamily="49" charset="0"/>
+              </a:rPr>
+              <a:t>    [(</a:t>
+            </a:r>
+            <a:r>
+              <a:rPr lang="en-US" sz="5500" b="1" dirty="0" smtClean="0">
+                <a:solidFill>
+                  <a:schemeClr val="accent6">
+                    <a:lumMod val="75000"/>
+                  </a:schemeClr>
+                </a:solidFill>
+                <a:latin typeface="Consolas" pitchFamily="49" charset="0"/>
+                <a:cs typeface="Consolas" pitchFamily="49" charset="0"/>
+              </a:rPr>
+              <a:t>trivial2?</a:t>
+            </a:r>
+            <a:r>
+              <a:rPr lang="en-US" sz="5500" b="1" dirty="0" smtClean="0">
+                <a:latin typeface="Consolas" pitchFamily="49" charset="0"/>
+                <a:cs typeface="Consolas" pitchFamily="49" charset="0"/>
+              </a:rPr>
+              <a:t> the-problem) (</a:t>
+            </a:r>
+            <a:r>
+              <a:rPr lang="en-US" sz="5500" b="1" dirty="0">
+                <a:solidFill>
+                  <a:schemeClr val="accent6">
+                    <a:lumMod val="75000"/>
+                  </a:schemeClr>
+                </a:solidFill>
+                <a:latin typeface="Consolas" pitchFamily="49" charset="0"/>
+                <a:cs typeface="Consolas" pitchFamily="49" charset="0"/>
+              </a:rPr>
+              <a:t>trivial-solution2 </a:t>
+            </a:r>
+            <a:r>
+              <a:rPr lang="en-US" sz="5500" b="1" dirty="0" smtClean="0">
+                <a:latin typeface="Consolas" pitchFamily="49" charset="0"/>
+                <a:cs typeface="Consolas" pitchFamily="49" charset="0"/>
+              </a:rPr>
+              <a:t>the-problem)]</a:t>
+            </a:r>
+          </a:p>
+          <a:p>
+            <a:pPr>
+              <a:buNone/>
+            </a:pPr>
+            <a:r>
+              <a:rPr lang="en-US" sz="5500" b="1" dirty="0" smtClean="0">
+                <a:latin typeface="Consolas" pitchFamily="49" charset="0"/>
+                <a:cs typeface="Consolas" pitchFamily="49" charset="0"/>
+              </a:rPr>
+              <a:t>    [(</a:t>
+            </a:r>
+            <a:r>
+              <a:rPr lang="en-US" sz="5500" b="1" dirty="0">
+                <a:solidFill>
+                  <a:schemeClr val="accent6">
+                    <a:lumMod val="75000"/>
+                  </a:schemeClr>
+                </a:solidFill>
+                <a:latin typeface="Consolas" pitchFamily="49" charset="0"/>
+                <a:cs typeface="Consolas" pitchFamily="49" charset="0"/>
+              </a:rPr>
+              <a:t>difficult? </a:t>
+            </a:r>
+            <a:r>
+              <a:rPr lang="en-US" sz="5500" b="1" dirty="0" smtClean="0">
+                <a:latin typeface="Consolas" pitchFamily="49" charset="0"/>
+                <a:cs typeface="Consolas" pitchFamily="49" charset="0"/>
+              </a:rPr>
+              <a:t>the-problem)              </a:t>
+            </a:r>
+          </a:p>
+          <a:p>
+            <a:pPr>
+              <a:buNone/>
+            </a:pPr>
+            <a:r>
+              <a:rPr lang="en-US" sz="5500" b="1" dirty="0" smtClean="0">
+                <a:latin typeface="Consolas" pitchFamily="49" charset="0"/>
+                <a:cs typeface="Consolas" pitchFamily="49" charset="0"/>
+              </a:rPr>
+              <a:t>     (</a:t>
+            </a:r>
+            <a:r>
+              <a:rPr lang="en-US" sz="5500" b="1" dirty="0" smtClean="0">
+                <a:solidFill>
+                  <a:schemeClr val="accent6">
+                    <a:lumMod val="75000"/>
+                  </a:schemeClr>
+                </a:solidFill>
+                <a:latin typeface="Consolas" pitchFamily="49" charset="0"/>
+                <a:cs typeface="Consolas" pitchFamily="49" charset="0"/>
+              </a:rPr>
+              <a:t>adapt-solutions</a:t>
+            </a:r>
+            <a:endParaRPr lang="en-US" sz="5500" b="1" dirty="0">
+              <a:solidFill>
+                <a:schemeClr val="accent6">
+                  <a:lumMod val="75000"/>
+                </a:schemeClr>
+              </a:solidFill>
+              <a:latin typeface="Consolas" pitchFamily="49" charset="0"/>
+              <a:cs typeface="Consolas" pitchFamily="49" charset="0"/>
+            </a:endParaRPr>
+          </a:p>
+          <a:p>
+            <a:pPr>
+              <a:buNone/>
+            </a:pPr>
+            <a:r>
+              <a:rPr lang="en-US" sz="5500" b="1" dirty="0" smtClean="0">
+                <a:latin typeface="Consolas" pitchFamily="49" charset="0"/>
+                <a:cs typeface="Consolas" pitchFamily="49" charset="0"/>
+              </a:rPr>
+              <a:t>       (map solve </a:t>
+            </a:r>
+          </a:p>
+          <a:p>
+            <a:pPr>
+              <a:buNone/>
+            </a:pPr>
+            <a:r>
+              <a:rPr lang="en-US" sz="5500" b="1" dirty="0" smtClean="0">
+                <a:latin typeface="Consolas" pitchFamily="49" charset="0"/>
+                <a:cs typeface="Consolas" pitchFamily="49" charset="0"/>
+              </a:rPr>
+              <a:t>         (</a:t>
+            </a:r>
+            <a:r>
+              <a:rPr lang="en-US" sz="5500" b="1" dirty="0">
+                <a:solidFill>
+                  <a:schemeClr val="accent6">
+                    <a:lumMod val="75000"/>
+                  </a:schemeClr>
+                </a:solidFill>
+                <a:latin typeface="Consolas" pitchFamily="49" charset="0"/>
+                <a:cs typeface="Consolas" pitchFamily="49" charset="0"/>
+              </a:rPr>
+              <a:t>generate-</a:t>
+            </a:r>
+            <a:r>
+              <a:rPr lang="en-US" sz="5500" b="1" dirty="0" err="1">
+                <a:solidFill>
+                  <a:schemeClr val="accent6">
+                    <a:lumMod val="75000"/>
+                  </a:schemeClr>
+                </a:solidFill>
+                <a:latin typeface="Consolas" pitchFamily="49" charset="0"/>
+                <a:cs typeface="Consolas" pitchFamily="49" charset="0"/>
+              </a:rPr>
+              <a:t>subproblems</a:t>
+            </a:r>
+            <a:r>
+              <a:rPr lang="en-US" sz="5500" b="1" dirty="0">
+                <a:solidFill>
+                  <a:schemeClr val="accent6">
+                    <a:lumMod val="75000"/>
+                  </a:schemeClr>
+                </a:solidFill>
+                <a:latin typeface="Consolas" pitchFamily="49" charset="0"/>
+                <a:cs typeface="Consolas" pitchFamily="49" charset="0"/>
+              </a:rPr>
+              <a:t> </a:t>
+            </a:r>
+            <a:r>
+              <a:rPr lang="en-US" sz="5500" b="1" dirty="0">
+                <a:latin typeface="Consolas" pitchFamily="49" charset="0"/>
+                <a:cs typeface="Consolas" pitchFamily="49" charset="0"/>
+              </a:rPr>
+              <a:t>the-problem</a:t>
+            </a:r>
+            <a:r>
+              <a:rPr lang="en-US" sz="5500" b="1" dirty="0" smtClean="0">
+                <a:latin typeface="Consolas" pitchFamily="49" charset="0"/>
+                <a:cs typeface="Consolas" pitchFamily="49" charset="0"/>
+              </a:rPr>
+              <a:t>)))]))</a:t>
+            </a:r>
+            <a:endParaRPr lang="en-US" sz="5500" b="1" dirty="0">
+              <a:latin typeface="Consolas" pitchFamily="49" charset="0"/>
+              <a:cs typeface="Consolas" pitchFamily="49" charset="0"/>
+            </a:endParaRPr>
+          </a:p>
+          <a:p>
+            <a:pPr>
+              <a:buNone/>
+            </a:pPr>
+            <a:endParaRPr lang="en-US" sz="5500" b="1" dirty="0">
+              <a:latin typeface="Consolas" pitchFamily="49" charset="0"/>
+              <a:cs typeface="Consolas" pitchFamily="49" charset="0"/>
+            </a:endParaRPr>
+          </a:p>
+          <a:p>
+            <a:pPr>
+              <a:buNone/>
+            </a:pPr>
+            <a:r>
+              <a:rPr lang="en-US" sz="5500" b="1" dirty="0" smtClean="0">
+                <a:latin typeface="Consolas" pitchFamily="49" charset="0"/>
+                <a:cs typeface="Consolas" pitchFamily="49" charset="0"/>
+              </a:rPr>
+              <a:t>generate-</a:t>
+            </a:r>
+            <a:r>
+              <a:rPr lang="en-US" sz="5500" b="1" dirty="0" err="1" smtClean="0">
+                <a:latin typeface="Consolas" pitchFamily="49" charset="0"/>
+                <a:cs typeface="Consolas" pitchFamily="49" charset="0"/>
+              </a:rPr>
+              <a:t>subproblem</a:t>
+            </a:r>
+            <a:r>
+              <a:rPr lang="en-US" sz="5500" b="1" dirty="0" smtClean="0">
+                <a:latin typeface="Consolas" pitchFamily="49" charset="0"/>
+                <a:cs typeface="Consolas" pitchFamily="49" charset="0"/>
+              </a:rPr>
+              <a:t> : Problem -&gt; </a:t>
+            </a:r>
+            <a:r>
+              <a:rPr lang="en-US" sz="5500" b="1" dirty="0" err="1" smtClean="0">
+                <a:latin typeface="Consolas" pitchFamily="49" charset="0"/>
+                <a:cs typeface="Consolas" pitchFamily="49" charset="0"/>
+              </a:rPr>
+              <a:t>ListOfProblem</a:t>
+            </a:r>
+            <a:endParaRPr lang="en-US" sz="5500" b="1" dirty="0" smtClean="0">
+              <a:latin typeface="Consolas" pitchFamily="49" charset="0"/>
+              <a:cs typeface="Consolas" pitchFamily="49" charset="0"/>
+            </a:endParaRPr>
+          </a:p>
+          <a:p>
+            <a:pPr>
+              <a:buNone/>
+            </a:pPr>
+            <a:r>
+              <a:rPr lang="en-US" sz="5500" b="1" dirty="0" smtClean="0">
+                <a:latin typeface="Consolas" pitchFamily="49" charset="0"/>
+                <a:cs typeface="Consolas" pitchFamily="49" charset="0"/>
+              </a:rPr>
+              <a:t>adapt-solutions : </a:t>
+            </a:r>
+            <a:r>
+              <a:rPr lang="en-US" sz="5500" b="1" dirty="0" err="1" smtClean="0">
+                <a:latin typeface="Consolas" pitchFamily="49" charset="0"/>
+                <a:cs typeface="Consolas" pitchFamily="49" charset="0"/>
+              </a:rPr>
+              <a:t>ListOfSolution</a:t>
+            </a:r>
+            <a:r>
+              <a:rPr lang="en-US" sz="5500" b="1" dirty="0" smtClean="0">
+                <a:latin typeface="Consolas" pitchFamily="49" charset="0"/>
+                <a:cs typeface="Consolas" pitchFamily="49" charset="0"/>
+              </a:rPr>
+              <a:t> -&gt; Solution</a:t>
+            </a:r>
+          </a:p>
+          <a:p>
+            <a:pPr>
+              <a:buNone/>
+            </a:pPr>
+            <a:endParaRPr lang="en-US" sz="2400" b="1" dirty="0" smtClean="0">
+              <a:cs typeface="Courier New" pitchFamily="49" charset="0"/>
+            </a:endParaRPr>
+          </a:p>
+        </p:txBody>
+      </p:sp>
+      <p:sp>
+        <p:nvSpPr>
+          <p:cNvPr id="4" name="Slide Number Placeholder 3"/>
+          <p:cNvSpPr>
+            <a:spLocks noGrp="1"/>
+          </p:cNvSpPr>
+          <p:nvPr>
+            <p:ph type="sldNum" sz="quarter" idx="12"/>
+          </p:nvPr>
+        </p:nvSpPr>
+        <p:spPr/>
+        <p:txBody>
           <a:bodyPr/>
           <a:lstStyle/>
           <a:p>
-            <a:r>
-              <a:rPr lang="en-US" dirty="0" smtClean="0"/>
-              <a:t>Write something like:</a:t>
-            </a:r>
-          </a:p>
-          <a:p>
-            <a:pPr marL="0" indent="0">
-              <a:buNone/>
-            </a:pPr>
-            <a:r>
-              <a:rPr lang="en-US" sz="2800" b="1" dirty="0" smtClean="0">
-                <a:latin typeface="Consolas" panose="020B0609020204030204" pitchFamily="49" charset="0"/>
-                <a:cs typeface="Consolas" panose="020B0609020204030204" pitchFamily="49" charset="0"/>
-              </a:rPr>
-              <a:t>STRATEGY: Recur on &lt;describe </a:t>
-            </a:r>
-            <a:r>
-              <a:rPr lang="en-US" sz="2800" b="1" dirty="0" err="1" smtClean="0">
-                <a:latin typeface="Consolas" panose="020B0609020204030204" pitchFamily="49" charset="0"/>
-                <a:cs typeface="Consolas" panose="020B0609020204030204" pitchFamily="49" charset="0"/>
-              </a:rPr>
-              <a:t>subproblems</a:t>
-            </a:r>
-            <a:r>
-              <a:rPr lang="en-US" sz="2800" b="1" dirty="0" smtClean="0">
-                <a:latin typeface="Consolas" panose="020B0609020204030204" pitchFamily="49" charset="0"/>
-                <a:cs typeface="Consolas" panose="020B0609020204030204" pitchFamily="49" charset="0"/>
-              </a:rPr>
-              <a:t>&gt;</a:t>
-            </a:r>
-          </a:p>
-          <a:p>
-            <a:r>
-              <a:rPr lang="en-US" sz="2800" dirty="0" smtClean="0">
-                <a:cs typeface="Consolas" panose="020B0609020204030204" pitchFamily="49" charset="0"/>
-              </a:rPr>
-              <a:t>You could also write something about how you combine the answers to the </a:t>
-            </a:r>
-            <a:r>
-              <a:rPr lang="en-US" sz="2800" dirty="0" err="1" smtClean="0">
-                <a:cs typeface="Consolas" panose="020B0609020204030204" pitchFamily="49" charset="0"/>
-              </a:rPr>
-              <a:t>subproblems</a:t>
-            </a:r>
-            <a:r>
-              <a:rPr lang="en-US" sz="2800" dirty="0" smtClean="0">
-                <a:cs typeface="Consolas" panose="020B0609020204030204" pitchFamily="49" charset="0"/>
-              </a:rPr>
-              <a:t>, if it’s not obvious, or when you halt, but both of these are optional.</a:t>
-            </a:r>
-          </a:p>
-          <a:p>
-            <a:r>
-              <a:rPr lang="en-US" sz="2800" dirty="0" smtClean="0">
-                <a:cs typeface="Consolas" panose="020B0609020204030204" pitchFamily="49" charset="0"/>
-              </a:rPr>
-              <a:t>Look at the examples to see examples.</a:t>
-            </a:r>
-            <a:endParaRPr lang="en-US" sz="2800" dirty="0">
-              <a:cs typeface="Consolas" panose="020B0609020204030204" pitchFamily="49" charset="0"/>
-            </a:endParaRPr>
-          </a:p>
-        </p:txBody>
-      </p:sp>
-      <p:sp>
-        <p:nvSpPr>
-          <p:cNvPr id="4" name="Slide Number Placeholder 3"/>
-          <p:cNvSpPr>
-            <a:spLocks noGrp="1"/>
-          </p:cNvSpPr>
-          <p:nvPr>
-            <p:ph type="sldNum" sz="quarter" idx="12"/>
-          </p:nvPr>
-        </p:nvSpPr>
-        <p:spPr/>
-        <p:txBody>
-          <a:bodyPr/>
-          <a:lstStyle/>
-          <a:p>
-            <a:fld id="{2AF3B5EA-18B6-4040-9F78-6052AF49C681}" type="slidenum">
+            <a:fld id="{9F4492BD-6A9C-48FC-AC76-0B4FE11194A1}" type="slidenum">
               <a:rPr lang="en-US" smtClean="0"/>
+              <a:pPr/>
               <a:t>26</a:t>
             </a:fld>
             <a:endParaRPr lang="en-US"/>
           </a:p>
         </p:txBody>
       </p:sp>
+      <p:sp>
+        <p:nvSpPr>
+          <p:cNvPr id="7" name="Rectangle 6"/>
+          <p:cNvSpPr/>
+          <p:nvPr/>
+        </p:nvSpPr>
+        <p:spPr>
+          <a:xfrm>
+            <a:off x="3276600" y="5257799"/>
+            <a:ext cx="4980622" cy="1050926"/>
+          </a:xfrm>
+          <a:prstGeom prst="rect">
+            <a:avLst/>
+          </a:prstGeom>
+          <a:solidFill>
+            <a:schemeClr val="accent3">
+              <a:lumMod val="40000"/>
+              <a:lumOff val="60000"/>
+            </a:schemeClr>
+          </a:solidFill>
+          <a:ln/>
+        </p:spPr>
+        <p:style>
+          <a:lnRef idx="2">
+            <a:schemeClr val="accent1"/>
+          </a:lnRef>
+          <a:fillRef idx="1">
+            <a:schemeClr val="lt1"/>
+          </a:fillRef>
+          <a:effectRef idx="0">
+            <a:schemeClr val="accent1"/>
+          </a:effectRef>
+          <a:fontRef idx="minor">
+            <a:schemeClr val="dk1"/>
+          </a:fontRef>
+        </p:style>
+        <p:txBody>
+          <a:bodyPr rot="0" spcFirstLastPara="0" vertOverflow="overflow" horzOverflow="overflow" vert="horz" wrap="square" lIns="91440" tIns="45720" rIns="91440" bIns="45720" numCol="1" spcCol="0" rtlCol="0" fromWordArt="0" anchor="ctr" anchorCtr="0" forceAA="0" compatLnSpc="1">
+            <a:prstTxWarp prst="textNoShape">
+              <a:avLst/>
+            </a:prstTxWarp>
+            <a:noAutofit/>
+          </a:bodyPr>
+          <a:lstStyle/>
+          <a:p>
+            <a:r>
+              <a:rPr lang="en-US" dirty="0" smtClean="0"/>
+              <a:t>Here's the list-of-</a:t>
+            </a:r>
+            <a:r>
+              <a:rPr lang="en-US" dirty="0" err="1" smtClean="0"/>
+              <a:t>subproblems</a:t>
+            </a:r>
+            <a:r>
+              <a:rPr lang="en-US" dirty="0" smtClean="0"/>
+              <a:t> </a:t>
+            </a:r>
+            <a:r>
+              <a:rPr lang="en-US" dirty="0" smtClean="0"/>
+              <a:t>pattern done </a:t>
+            </a:r>
+            <a:r>
+              <a:rPr lang="en-US" dirty="0" smtClean="0"/>
+              <a:t>without using local </a:t>
+            </a:r>
+            <a:r>
+              <a:rPr lang="en-US" b="1" dirty="0" smtClean="0"/>
+              <a:t>define</a:t>
+            </a:r>
+            <a:r>
+              <a:rPr lang="en-US" dirty="0" smtClean="0"/>
+              <a:t>.</a:t>
+            </a:r>
+            <a:endParaRPr lang="en-US" dirty="0"/>
+          </a:p>
+        </p:txBody>
+      </p:sp>
     </p:spTree>
     <p:extLst>
       <p:ext uri="{BB962C8B-B14F-4D97-AF65-F5344CB8AC3E}">
-        <p14:creationId xmlns:p14="http://schemas.microsoft.com/office/powerpoint/2010/main" val="2545349086"/>
+        <p14:creationId xmlns:p14="http://schemas.microsoft.com/office/powerpoint/2010/main" val="340690432"/>
       </p:ext>
     </p:extLst>
   </p:cSld>
@@ -13547,7 +13923,7 @@
       </p:grpSpPr>
       <p:sp>
         <p:nvSpPr>
-          <p:cNvPr id="2" name="Title 1"/>
+          <p:cNvPr id="5" name="Title 4"/>
           <p:cNvSpPr>
             <a:spLocks noGrp="1"/>
           </p:cNvSpPr>
@@ -13557,559 +13933,360 @@
         </p:nvSpPr>
         <p:spPr/>
         <p:txBody>
+          <a:bodyPr>
+            <a:normAutofit fontScale="90000"/>
+          </a:bodyPr>
+          <a:lstStyle/>
+          <a:p>
+            <a:r>
+              <a:rPr lang="en-US" dirty="0" smtClean="0"/>
+              <a:t>What </a:t>
+            </a:r>
+            <a:r>
+              <a:rPr lang="en-US" dirty="0" smtClean="0"/>
+              <a:t>pattern did </a:t>
+            </a:r>
+            <a:r>
+              <a:rPr lang="en-US" dirty="0" smtClean="0"/>
+              <a:t>we use for decode?</a:t>
+            </a:r>
+            <a:endParaRPr lang="en-US" dirty="0"/>
+          </a:p>
+        </p:txBody>
+      </p:sp>
+      <p:sp>
+        <p:nvSpPr>
+          <p:cNvPr id="6" name="Content Placeholder 5"/>
+          <p:cNvSpPr>
+            <a:spLocks noGrp="1"/>
+          </p:cNvSpPr>
+          <p:nvPr>
+            <p:ph idx="1"/>
+          </p:nvPr>
+        </p:nvSpPr>
+        <p:spPr/>
+        <p:txBody>
+          <a:bodyPr>
+            <a:noAutofit/>
+          </a:bodyPr>
+          <a:lstStyle/>
+          <a:p>
+            <a:pPr>
+              <a:spcBef>
+                <a:spcPts val="0"/>
+              </a:spcBef>
+            </a:pPr>
+            <a:r>
+              <a:rPr lang="en-US" sz="1800" dirty="0" smtClean="0"/>
+              <a:t>;; decode followed the first </a:t>
+            </a:r>
+            <a:r>
+              <a:rPr lang="en-US" sz="1800" dirty="0" smtClean="0"/>
+              <a:t>pattern we </a:t>
+            </a:r>
+            <a:r>
+              <a:rPr lang="en-US" sz="1800" dirty="0" smtClean="0"/>
+              <a:t>wrote:</a:t>
+            </a:r>
+          </a:p>
+          <a:p>
+            <a:pPr>
+              <a:spcBef>
+                <a:spcPts val="0"/>
+              </a:spcBef>
+            </a:pPr>
+            <a:endParaRPr lang="en-US" sz="1800" dirty="0" smtClean="0"/>
+          </a:p>
+          <a:p>
+            <a:pPr>
+              <a:spcBef>
+                <a:spcPts val="0"/>
+              </a:spcBef>
+            </a:pPr>
+            <a:r>
+              <a:rPr lang="en-US" sz="1800" dirty="0" smtClean="0"/>
+              <a:t>(</a:t>
+            </a:r>
+            <a:r>
+              <a:rPr lang="en-US" sz="1800" dirty="0"/>
+              <a:t>define (solution the-problem)</a:t>
+            </a:r>
+          </a:p>
+          <a:p>
+            <a:pPr>
+              <a:spcBef>
+                <a:spcPts val="0"/>
+              </a:spcBef>
+            </a:pPr>
+            <a:r>
+              <a:rPr lang="en-US" sz="1800" dirty="0"/>
+              <a:t>  (cond</a:t>
+            </a:r>
+          </a:p>
+          <a:p>
+            <a:pPr>
+              <a:spcBef>
+                <a:spcPts val="0"/>
+              </a:spcBef>
+            </a:pPr>
+            <a:r>
+              <a:rPr lang="en-US" sz="1800" dirty="0"/>
+              <a:t>    [(</a:t>
+            </a:r>
+            <a:r>
+              <a:rPr lang="en-US" sz="1800" dirty="0">
+                <a:solidFill>
+                  <a:schemeClr val="accent6">
+                    <a:lumMod val="75000"/>
+                  </a:schemeClr>
+                </a:solidFill>
+              </a:rPr>
+              <a:t>trivial1? </a:t>
+            </a:r>
+            <a:r>
+              <a:rPr lang="en-US" sz="1800" dirty="0"/>
+              <a:t>the-problem) (</a:t>
+            </a:r>
+            <a:r>
+              <a:rPr lang="en-US" sz="1800" dirty="0">
+                <a:solidFill>
+                  <a:schemeClr val="accent6">
+                    <a:lumMod val="75000"/>
+                  </a:schemeClr>
+                </a:solidFill>
+              </a:rPr>
+              <a:t>trivial-solution1 </a:t>
+            </a:r>
+            <a:r>
+              <a:rPr lang="en-US" sz="1800" dirty="0"/>
+              <a:t>the-problem)]</a:t>
+            </a:r>
+          </a:p>
+          <a:p>
+            <a:pPr>
+              <a:spcBef>
+                <a:spcPts val="0"/>
+              </a:spcBef>
+            </a:pPr>
+            <a:r>
+              <a:rPr lang="en-US" sz="1800" dirty="0"/>
+              <a:t>    [(</a:t>
+            </a:r>
+            <a:r>
+              <a:rPr lang="en-US" sz="1800" dirty="0">
+                <a:solidFill>
+                  <a:schemeClr val="accent6">
+                    <a:lumMod val="75000"/>
+                  </a:schemeClr>
+                </a:solidFill>
+              </a:rPr>
+              <a:t>trivial2?</a:t>
+            </a:r>
+            <a:r>
+              <a:rPr lang="en-US" sz="1800" dirty="0"/>
+              <a:t> the-problem) (</a:t>
+            </a:r>
+            <a:r>
+              <a:rPr lang="en-US" sz="1800" dirty="0">
+                <a:solidFill>
+                  <a:schemeClr val="accent6">
+                    <a:lumMod val="75000"/>
+                  </a:schemeClr>
+                </a:solidFill>
+              </a:rPr>
+              <a:t>trivial-solution2 </a:t>
+            </a:r>
+            <a:r>
+              <a:rPr lang="en-US" sz="1800" dirty="0"/>
+              <a:t>the-problem)]</a:t>
+            </a:r>
+          </a:p>
+          <a:p>
+            <a:pPr>
+              <a:spcBef>
+                <a:spcPts val="0"/>
+              </a:spcBef>
+            </a:pPr>
+            <a:r>
+              <a:rPr lang="en-US" sz="1800" dirty="0"/>
+              <a:t>    [(</a:t>
+            </a:r>
+            <a:r>
+              <a:rPr lang="en-US" sz="1800" dirty="0">
+                <a:solidFill>
+                  <a:schemeClr val="accent6">
+                    <a:lumMod val="75000"/>
+                  </a:schemeClr>
+                </a:solidFill>
+              </a:rPr>
+              <a:t>difficult? </a:t>
+            </a:r>
+            <a:r>
+              <a:rPr lang="en-US" sz="1800" dirty="0"/>
+              <a:t>the-problem)</a:t>
+            </a:r>
+          </a:p>
+          <a:p>
+            <a:pPr>
+              <a:spcBef>
+                <a:spcPts val="0"/>
+              </a:spcBef>
+            </a:pPr>
+            <a:r>
+              <a:rPr lang="en-US" sz="1800" dirty="0"/>
+              <a:t>     (local</a:t>
+            </a:r>
+          </a:p>
+          <a:p>
+            <a:pPr>
+              <a:spcBef>
+                <a:spcPts val="0"/>
+              </a:spcBef>
+            </a:pPr>
+            <a:r>
+              <a:rPr lang="en-US" sz="1800" dirty="0"/>
+              <a:t>       ((define solution1 </a:t>
+            </a:r>
+          </a:p>
+          <a:p>
+            <a:pPr>
+              <a:spcBef>
+                <a:spcPts val="0"/>
+              </a:spcBef>
+            </a:pPr>
+            <a:r>
+              <a:rPr lang="en-US" sz="1800" dirty="0" smtClean="0"/>
+              <a:t>         (</a:t>
+            </a:r>
+            <a:r>
+              <a:rPr lang="en-US" sz="1800" dirty="0"/>
+              <a:t>solve (</a:t>
+            </a:r>
+            <a:r>
+              <a:rPr lang="en-US" sz="1800" dirty="0">
+                <a:solidFill>
+                  <a:schemeClr val="accent6">
+                    <a:lumMod val="75000"/>
+                  </a:schemeClr>
+                </a:solidFill>
+              </a:rPr>
+              <a:t>simpler-instance1 </a:t>
+            </a:r>
+            <a:r>
+              <a:rPr lang="en-US" sz="1800" dirty="0"/>
+              <a:t>the-problem)))</a:t>
+            </a:r>
+          </a:p>
+          <a:p>
+            <a:pPr>
+              <a:spcBef>
+                <a:spcPts val="0"/>
+              </a:spcBef>
+            </a:pPr>
+            <a:r>
+              <a:rPr lang="en-US" sz="1800" dirty="0"/>
+              <a:t>        (define solution2</a:t>
+            </a:r>
+          </a:p>
+          <a:p>
+            <a:pPr>
+              <a:spcBef>
+                <a:spcPts val="0"/>
+              </a:spcBef>
+            </a:pPr>
+            <a:r>
+              <a:rPr lang="en-US" sz="1800" dirty="0"/>
+              <a:t>         (solve (</a:t>
+            </a:r>
+            <a:r>
+              <a:rPr lang="en-US" sz="1800" dirty="0">
+                <a:solidFill>
+                  <a:schemeClr val="accent6">
+                    <a:lumMod val="75000"/>
+                  </a:schemeClr>
+                </a:solidFill>
+              </a:rPr>
+              <a:t>simpler-instance2</a:t>
+            </a:r>
+            <a:r>
+              <a:rPr lang="en-US" sz="1800" dirty="0"/>
+              <a:t> the-problem</a:t>
+            </a:r>
+            <a:r>
+              <a:rPr lang="en-US" sz="1800" dirty="0" smtClean="0"/>
+              <a:t>))))</a:t>
+            </a:r>
+            <a:endParaRPr lang="en-US" sz="1800" dirty="0"/>
+          </a:p>
+          <a:p>
+            <a:pPr>
+              <a:spcBef>
+                <a:spcPts val="0"/>
+              </a:spcBef>
+            </a:pPr>
+            <a:r>
+              <a:rPr lang="en-US" sz="1800" dirty="0"/>
+              <a:t>       (</a:t>
+            </a:r>
+            <a:r>
+              <a:rPr lang="en-US" sz="1800" dirty="0">
+                <a:solidFill>
+                  <a:schemeClr val="accent6">
+                    <a:lumMod val="75000"/>
+                  </a:schemeClr>
+                </a:solidFill>
+              </a:rPr>
+              <a:t>combine-solutions </a:t>
+            </a:r>
+            <a:r>
+              <a:rPr lang="en-US" sz="1800" dirty="0"/>
+              <a:t>solution1 solution2))]))</a:t>
+            </a:r>
+            <a:endParaRPr lang="en-US" sz="1800" dirty="0">
+              <a:solidFill>
+                <a:schemeClr val="accent6">
+                  <a:lumMod val="75000"/>
+                </a:schemeClr>
+              </a:solidFill>
+            </a:endParaRPr>
+          </a:p>
+          <a:p>
+            <a:pPr>
+              <a:spcBef>
+                <a:spcPts val="0"/>
+              </a:spcBef>
+            </a:pPr>
+            <a:endParaRPr lang="en-US" sz="1800" dirty="0"/>
+          </a:p>
+        </p:txBody>
+      </p:sp>
+      <p:sp>
+        <p:nvSpPr>
+          <p:cNvPr id="4" name="Slide Number Placeholder 3"/>
+          <p:cNvSpPr>
+            <a:spLocks noGrp="1"/>
+          </p:cNvSpPr>
+          <p:nvPr>
+            <p:ph type="sldNum" sz="quarter" idx="12"/>
+          </p:nvPr>
+        </p:nvSpPr>
+        <p:spPr/>
+        <p:txBody>
           <a:bodyPr/>
           <a:lstStyle/>
           <a:p>
-            <a:r>
-              <a:rPr lang="en-US" dirty="0" smtClean="0"/>
-              <a:t>Writing this down for </a:t>
-            </a:r>
-            <a:r>
-              <a:rPr lang="en-US" b="1" dirty="0" smtClean="0"/>
-              <a:t>decode</a:t>
-            </a:r>
-            <a:endParaRPr lang="en-US" b="1" dirty="0"/>
-          </a:p>
-        </p:txBody>
-      </p:sp>
-      <p:sp>
-        <p:nvSpPr>
-          <p:cNvPr id="3" name="Content Placeholder 2"/>
-          <p:cNvSpPr>
-            <a:spLocks noGrp="1"/>
-          </p:cNvSpPr>
-          <p:nvPr>
-            <p:ph idx="1"/>
-          </p:nvPr>
-        </p:nvSpPr>
-        <p:spPr/>
-        <p:txBody>
-          <a:bodyPr>
-            <a:normAutofit fontScale="47500" lnSpcReduction="20000"/>
-          </a:bodyPr>
-          <a:lstStyle/>
-          <a:p>
-            <a:pPr>
-              <a:buNone/>
-            </a:pPr>
-            <a:r>
-              <a:rPr lang="en-US" b="1" dirty="0">
-                <a:latin typeface="Consolas" pitchFamily="49" charset="0"/>
-                <a:cs typeface="Consolas" pitchFamily="49" charset="0"/>
-              </a:rPr>
-              <a:t>;; decode : </a:t>
-            </a:r>
-            <a:r>
-              <a:rPr lang="en-US" b="1" dirty="0" err="1">
-                <a:latin typeface="Consolas" pitchFamily="49" charset="0"/>
-                <a:cs typeface="Consolas" pitchFamily="49" charset="0"/>
-              </a:rPr>
-              <a:t>SexpOfAtom</a:t>
-            </a:r>
-            <a:r>
-              <a:rPr lang="en-US" b="1" dirty="0">
-                <a:latin typeface="Consolas" pitchFamily="49" charset="0"/>
-                <a:cs typeface="Consolas" pitchFamily="49" charset="0"/>
-              </a:rPr>
-              <a:t> -&gt; </a:t>
-            </a:r>
-            <a:r>
-              <a:rPr lang="en-US" b="1" dirty="0" err="1" smtClean="0">
-                <a:latin typeface="Consolas" pitchFamily="49" charset="0"/>
-                <a:cs typeface="Consolas" pitchFamily="49" charset="0"/>
-              </a:rPr>
-              <a:t>MaybeDiffExp</a:t>
-            </a:r>
-            <a:endParaRPr lang="en-US" b="1" dirty="0">
-              <a:latin typeface="Consolas" pitchFamily="49" charset="0"/>
-              <a:cs typeface="Consolas" pitchFamily="49" charset="0"/>
-            </a:endParaRPr>
-          </a:p>
-          <a:p>
-            <a:pPr>
-              <a:buNone/>
-            </a:pPr>
-            <a:endParaRPr lang="en-US" b="1" dirty="0">
-              <a:latin typeface="Consolas" pitchFamily="49" charset="0"/>
-              <a:cs typeface="Consolas" pitchFamily="49" charset="0"/>
-            </a:endParaRPr>
-          </a:p>
-          <a:p>
-            <a:pPr>
-              <a:buNone/>
-            </a:pPr>
-            <a:r>
-              <a:rPr lang="en-US" b="1" dirty="0">
-                <a:latin typeface="Consolas" pitchFamily="49" charset="0"/>
-                <a:cs typeface="Consolas" pitchFamily="49" charset="0"/>
-              </a:rPr>
-              <a:t>;; STRATEGY: if </a:t>
-            </a:r>
-            <a:r>
-              <a:rPr lang="en-US" b="1" dirty="0" smtClean="0">
-                <a:latin typeface="Consolas" pitchFamily="49" charset="0"/>
-                <a:cs typeface="Consolas" pitchFamily="49" charset="0"/>
-              </a:rPr>
-              <a:t>the top level of </a:t>
-            </a:r>
-            <a:r>
-              <a:rPr lang="en-US" b="1" dirty="0" err="1" smtClean="0">
-                <a:latin typeface="Consolas" pitchFamily="49" charset="0"/>
-                <a:cs typeface="Consolas" pitchFamily="49" charset="0"/>
-              </a:rPr>
-              <a:t>sexp</a:t>
-            </a:r>
-            <a:r>
-              <a:rPr lang="en-US" b="1" dirty="0" smtClean="0">
-                <a:latin typeface="Consolas" pitchFamily="49" charset="0"/>
-                <a:cs typeface="Consolas" pitchFamily="49" charset="0"/>
-              </a:rPr>
-              <a:t> could </a:t>
-            </a:r>
-            <a:r>
-              <a:rPr lang="en-US" b="1" dirty="0">
-                <a:latin typeface="Consolas" pitchFamily="49" charset="0"/>
-                <a:cs typeface="Consolas" pitchFamily="49" charset="0"/>
-              </a:rPr>
-              <a:t>be </a:t>
-            </a:r>
-            <a:r>
-              <a:rPr lang="en-US" b="1" dirty="0" smtClean="0">
-                <a:latin typeface="Consolas" pitchFamily="49" charset="0"/>
-                <a:cs typeface="Consolas" pitchFamily="49" charset="0"/>
-              </a:rPr>
-              <a:t>the top </a:t>
-            </a:r>
-            <a:r>
-              <a:rPr lang="en-US" b="1" dirty="0">
-                <a:latin typeface="Consolas" pitchFamily="49" charset="0"/>
-                <a:cs typeface="Consolas" pitchFamily="49" charset="0"/>
-              </a:rPr>
-              <a:t>level </a:t>
-            </a:r>
-            <a:r>
-              <a:rPr lang="en-US" b="1" dirty="0" smtClean="0">
-                <a:latin typeface="Consolas" pitchFamily="49" charset="0"/>
-                <a:cs typeface="Consolas" pitchFamily="49" charset="0"/>
-              </a:rPr>
-              <a:t>of</a:t>
-            </a:r>
-          </a:p>
-          <a:p>
-            <a:pPr>
-              <a:buNone/>
-            </a:pPr>
-            <a:r>
-              <a:rPr lang="en-US" b="1" dirty="0" smtClean="0">
-                <a:latin typeface="Consolas" pitchFamily="49" charset="0"/>
-                <a:cs typeface="Consolas" pitchFamily="49" charset="0"/>
-              </a:rPr>
-              <a:t>;; a </a:t>
-            </a:r>
-            <a:r>
-              <a:rPr lang="en-US" b="1" dirty="0" err="1">
-                <a:latin typeface="Consolas" pitchFamily="49" charset="0"/>
-                <a:cs typeface="Consolas" pitchFamily="49" charset="0"/>
-              </a:rPr>
-              <a:t>diffexp</a:t>
-            </a:r>
-            <a:r>
-              <a:rPr lang="en-US" b="1" dirty="0">
-                <a:latin typeface="Consolas" pitchFamily="49" charset="0"/>
-                <a:cs typeface="Consolas" pitchFamily="49" charset="0"/>
-              </a:rPr>
-              <a:t>, recur on 2nd and 3rd </a:t>
-            </a:r>
-            <a:r>
-              <a:rPr lang="en-US" b="1" dirty="0" smtClean="0">
-                <a:latin typeface="Consolas" pitchFamily="49" charset="0"/>
-                <a:cs typeface="Consolas" pitchFamily="49" charset="0"/>
-              </a:rPr>
-              <a:t>elements.</a:t>
-            </a:r>
-          </a:p>
-          <a:p>
-            <a:pPr>
-              <a:buNone/>
-            </a:pPr>
-            <a:endParaRPr lang="en-US" b="1" dirty="0">
-              <a:latin typeface="Consolas" pitchFamily="49" charset="0"/>
-              <a:cs typeface="Consolas" pitchFamily="49" charset="0"/>
-            </a:endParaRPr>
-          </a:p>
-          <a:p>
-            <a:pPr>
-              <a:buNone/>
-            </a:pPr>
-            <a:r>
-              <a:rPr lang="en-US" b="1" dirty="0">
-                <a:latin typeface="Consolas" pitchFamily="49" charset="0"/>
-                <a:cs typeface="Consolas" pitchFamily="49" charset="0"/>
-              </a:rPr>
-              <a:t>(define (decode </a:t>
-            </a:r>
-            <a:r>
-              <a:rPr lang="en-US" b="1" dirty="0" err="1">
-                <a:latin typeface="Consolas" pitchFamily="49" charset="0"/>
-                <a:cs typeface="Consolas" pitchFamily="49" charset="0"/>
-              </a:rPr>
-              <a:t>sexp</a:t>
-            </a:r>
-            <a:r>
-              <a:rPr lang="en-US" b="1" dirty="0">
-                <a:latin typeface="Consolas" pitchFamily="49" charset="0"/>
-                <a:cs typeface="Consolas" pitchFamily="49" charset="0"/>
-              </a:rPr>
-              <a:t>)</a:t>
-            </a:r>
-          </a:p>
-          <a:p>
-            <a:pPr>
-              <a:buNone/>
-            </a:pPr>
-            <a:r>
-              <a:rPr lang="en-US" b="1" dirty="0">
-                <a:latin typeface="Consolas" pitchFamily="49" charset="0"/>
-                <a:cs typeface="Consolas" pitchFamily="49" charset="0"/>
-              </a:rPr>
-              <a:t>  (</a:t>
-            </a:r>
-            <a:r>
-              <a:rPr lang="en-US" b="1" dirty="0" err="1">
-                <a:latin typeface="Consolas" pitchFamily="49" charset="0"/>
-                <a:cs typeface="Consolas" pitchFamily="49" charset="0"/>
-              </a:rPr>
-              <a:t>cond</a:t>
-            </a:r>
-            <a:endParaRPr lang="en-US" b="1" dirty="0">
-              <a:latin typeface="Consolas" pitchFamily="49" charset="0"/>
-              <a:cs typeface="Consolas" pitchFamily="49" charset="0"/>
-            </a:endParaRPr>
-          </a:p>
-          <a:p>
-            <a:pPr>
-              <a:buNone/>
-            </a:pPr>
-            <a:r>
-              <a:rPr lang="en-US" b="1" dirty="0">
-                <a:latin typeface="Consolas" pitchFamily="49" charset="0"/>
-                <a:cs typeface="Consolas" pitchFamily="49" charset="0"/>
-              </a:rPr>
-              <a:t>    [(number? </a:t>
-            </a:r>
-            <a:r>
-              <a:rPr lang="en-US" b="1" dirty="0" err="1">
-                <a:latin typeface="Consolas" pitchFamily="49" charset="0"/>
-                <a:cs typeface="Consolas" pitchFamily="49" charset="0"/>
-              </a:rPr>
-              <a:t>sexp</a:t>
-            </a:r>
-            <a:r>
-              <a:rPr lang="en-US" b="1" dirty="0">
-                <a:latin typeface="Consolas" pitchFamily="49" charset="0"/>
-                <a:cs typeface="Consolas" pitchFamily="49" charset="0"/>
-              </a:rPr>
-              <a:t>) </a:t>
-            </a:r>
-            <a:r>
-              <a:rPr lang="en-US" b="1" dirty="0" err="1">
-                <a:latin typeface="Consolas" pitchFamily="49" charset="0"/>
-                <a:cs typeface="Consolas" pitchFamily="49" charset="0"/>
-              </a:rPr>
-              <a:t>sexp</a:t>
-            </a:r>
-            <a:r>
-              <a:rPr lang="en-US" b="1" dirty="0">
-                <a:latin typeface="Consolas" pitchFamily="49" charset="0"/>
-                <a:cs typeface="Consolas" pitchFamily="49" charset="0"/>
-              </a:rPr>
-              <a:t>]</a:t>
-            </a:r>
-          </a:p>
-          <a:p>
-            <a:pPr>
-              <a:buNone/>
-            </a:pPr>
-            <a:r>
-              <a:rPr lang="en-US" b="1" dirty="0">
-                <a:latin typeface="Consolas" pitchFamily="49" charset="0"/>
-                <a:cs typeface="Consolas" pitchFamily="49" charset="0"/>
-              </a:rPr>
-              <a:t>    </a:t>
-            </a:r>
-            <a:r>
-              <a:rPr lang="en-US" b="1" dirty="0" smtClean="0">
-                <a:latin typeface="Consolas" pitchFamily="49" charset="0"/>
-                <a:cs typeface="Consolas" pitchFamily="49" charset="0"/>
-              </a:rPr>
-              <a:t>[(could-be-</a:t>
-            </a:r>
-            <a:r>
-              <a:rPr lang="en-US" b="1" dirty="0" err="1" smtClean="0">
-                <a:latin typeface="Consolas" pitchFamily="49" charset="0"/>
-                <a:cs typeface="Consolas" pitchFamily="49" charset="0"/>
-              </a:rPr>
-              <a:t>diffexp</a:t>
-            </a:r>
-            <a:r>
-              <a:rPr lang="en-US" b="1" dirty="0" smtClean="0">
-                <a:latin typeface="Consolas" pitchFamily="49" charset="0"/>
-                <a:cs typeface="Consolas" pitchFamily="49" charset="0"/>
-              </a:rPr>
-              <a:t>? </a:t>
-            </a:r>
-            <a:r>
-              <a:rPr lang="en-US" b="1" dirty="0" err="1">
-                <a:latin typeface="Consolas" pitchFamily="49" charset="0"/>
-                <a:cs typeface="Consolas" pitchFamily="49" charset="0"/>
-              </a:rPr>
-              <a:t>sexp</a:t>
-            </a:r>
-            <a:r>
-              <a:rPr lang="en-US" b="1" dirty="0">
-                <a:latin typeface="Consolas" pitchFamily="49" charset="0"/>
-                <a:cs typeface="Consolas" pitchFamily="49" charset="0"/>
-              </a:rPr>
-              <a:t>)</a:t>
-            </a:r>
-          </a:p>
-          <a:p>
-            <a:pPr>
-              <a:buNone/>
-            </a:pPr>
-            <a:r>
-              <a:rPr lang="en-US" b="1" dirty="0">
-                <a:latin typeface="Consolas" pitchFamily="49" charset="0"/>
-                <a:cs typeface="Consolas" pitchFamily="49" charset="0"/>
-              </a:rPr>
-              <a:t>     (local</a:t>
-            </a:r>
-          </a:p>
-          <a:p>
-            <a:pPr>
-              <a:buNone/>
-            </a:pPr>
-            <a:r>
-              <a:rPr lang="en-US" b="1" dirty="0">
-                <a:latin typeface="Consolas" pitchFamily="49" charset="0"/>
-                <a:cs typeface="Consolas" pitchFamily="49" charset="0"/>
-              </a:rPr>
-              <a:t>       ((define operand1 (decode (second </a:t>
-            </a:r>
-            <a:r>
-              <a:rPr lang="en-US" b="1" dirty="0" err="1">
-                <a:latin typeface="Consolas" pitchFamily="49" charset="0"/>
-                <a:cs typeface="Consolas" pitchFamily="49" charset="0"/>
-              </a:rPr>
-              <a:t>sexp</a:t>
-            </a:r>
-            <a:r>
-              <a:rPr lang="en-US" b="1" dirty="0">
-                <a:latin typeface="Consolas" pitchFamily="49" charset="0"/>
-                <a:cs typeface="Consolas" pitchFamily="49" charset="0"/>
-              </a:rPr>
-              <a:t>)))</a:t>
-            </a:r>
-          </a:p>
-          <a:p>
-            <a:pPr>
-              <a:buNone/>
-            </a:pPr>
-            <a:r>
-              <a:rPr lang="en-US" b="1" dirty="0">
-                <a:latin typeface="Consolas" pitchFamily="49" charset="0"/>
-                <a:cs typeface="Consolas" pitchFamily="49" charset="0"/>
-              </a:rPr>
-              <a:t>        (define operand2 (decode (third </a:t>
-            </a:r>
-            <a:r>
-              <a:rPr lang="en-US" b="1" dirty="0" err="1">
-                <a:latin typeface="Consolas" pitchFamily="49" charset="0"/>
-                <a:cs typeface="Consolas" pitchFamily="49" charset="0"/>
-              </a:rPr>
-              <a:t>sexp</a:t>
-            </a:r>
-            <a:r>
-              <a:rPr lang="en-US" b="1" dirty="0">
-                <a:latin typeface="Consolas" pitchFamily="49" charset="0"/>
-                <a:cs typeface="Consolas" pitchFamily="49" charset="0"/>
-              </a:rPr>
-              <a:t>))))</a:t>
-            </a:r>
-          </a:p>
-          <a:p>
-            <a:pPr>
-              <a:buNone/>
-            </a:pPr>
-            <a:r>
-              <a:rPr lang="en-US" b="1" dirty="0">
-                <a:latin typeface="Consolas" pitchFamily="49" charset="0"/>
-                <a:cs typeface="Consolas" pitchFamily="49" charset="0"/>
-              </a:rPr>
-              <a:t>       (if (and (succeeded? operand1)</a:t>
-            </a:r>
-          </a:p>
-          <a:p>
-            <a:pPr>
-              <a:buNone/>
-            </a:pPr>
-            <a:r>
-              <a:rPr lang="en-US" b="1" dirty="0">
-                <a:latin typeface="Consolas" pitchFamily="49" charset="0"/>
-                <a:cs typeface="Consolas" pitchFamily="49" charset="0"/>
-              </a:rPr>
-              <a:t>                (succeeded? operand2))</a:t>
-            </a:r>
-          </a:p>
-          <a:p>
-            <a:pPr>
-              <a:buNone/>
-            </a:pPr>
-            <a:r>
-              <a:rPr lang="en-US" b="1" dirty="0">
-                <a:latin typeface="Consolas" pitchFamily="49" charset="0"/>
-                <a:cs typeface="Consolas" pitchFamily="49" charset="0"/>
-              </a:rPr>
-              <a:t>           (make-</a:t>
-            </a:r>
-            <a:r>
-              <a:rPr lang="en-US" b="1" dirty="0" err="1">
-                <a:latin typeface="Consolas" pitchFamily="49" charset="0"/>
-                <a:cs typeface="Consolas" pitchFamily="49" charset="0"/>
-              </a:rPr>
-              <a:t>diffexp</a:t>
-            </a:r>
-            <a:r>
-              <a:rPr lang="en-US" b="1" dirty="0">
-                <a:latin typeface="Consolas" pitchFamily="49" charset="0"/>
-                <a:cs typeface="Consolas" pitchFamily="49" charset="0"/>
-              </a:rPr>
-              <a:t> operand1 operand2)</a:t>
-            </a:r>
-          </a:p>
-          <a:p>
-            <a:pPr>
-              <a:buNone/>
-            </a:pPr>
-            <a:r>
-              <a:rPr lang="en-US" b="1" dirty="0">
-                <a:latin typeface="Consolas" pitchFamily="49" charset="0"/>
-                <a:cs typeface="Consolas" pitchFamily="49" charset="0"/>
-              </a:rPr>
-              <a:t>           false))]</a:t>
-            </a:r>
-          </a:p>
-          <a:p>
-            <a:pPr>
-              <a:buNone/>
-            </a:pPr>
-            <a:r>
-              <a:rPr lang="en-US" b="1" dirty="0">
-                <a:latin typeface="Consolas" pitchFamily="49" charset="0"/>
-                <a:cs typeface="Consolas" pitchFamily="49" charset="0"/>
-              </a:rPr>
-              <a:t>    [else false]))</a:t>
-            </a:r>
-          </a:p>
-          <a:p>
-            <a:pPr>
-              <a:buNone/>
-            </a:pPr>
-            <a:endParaRPr lang="en-US" b="1" dirty="0">
-              <a:latin typeface="Consolas" pitchFamily="49" charset="0"/>
-              <a:cs typeface="Consolas" pitchFamily="49" charset="0"/>
-            </a:endParaRPr>
-          </a:p>
-        </p:txBody>
-      </p:sp>
-      <p:sp>
-        <p:nvSpPr>
-          <p:cNvPr id="4" name="Slide Number Placeholder 3"/>
-          <p:cNvSpPr>
-            <a:spLocks noGrp="1"/>
-          </p:cNvSpPr>
-          <p:nvPr>
-            <p:ph type="sldNum" sz="quarter" idx="12"/>
-          </p:nvPr>
-        </p:nvSpPr>
-        <p:spPr/>
-        <p:txBody>
-          <a:bodyPr/>
-          <a:lstStyle/>
-          <a:p>
-            <a:fld id="{9F4492BD-6A9C-48FC-AC76-0B4FE11194A1}" type="slidenum">
+            <a:fld id="{2AF3B5EA-18B6-4040-9F78-6052AF49C681}" type="slidenum">
               <a:rPr lang="en-US" smtClean="0"/>
-              <a:pPr/>
               <a:t>27</a:t>
             </a:fld>
             <a:endParaRPr lang="en-US"/>
           </a:p>
         </p:txBody>
       </p:sp>
-      <p:sp>
-        <p:nvSpPr>
-          <p:cNvPr id="5" name="Rectangle 4"/>
-          <p:cNvSpPr/>
-          <p:nvPr/>
-        </p:nvSpPr>
-        <p:spPr>
-          <a:xfrm>
-            <a:off x="5334000" y="4953000"/>
-            <a:ext cx="3505200" cy="1447800"/>
-          </a:xfrm>
-          <a:prstGeom prst="rect">
-            <a:avLst/>
-          </a:prstGeom>
-          <a:solidFill>
-            <a:schemeClr val="accent3">
-              <a:lumMod val="40000"/>
-              <a:lumOff val="60000"/>
-            </a:schemeClr>
-          </a:solidFill>
-          <a:ln/>
-        </p:spPr>
-        <p:style>
-          <a:lnRef idx="2">
-            <a:schemeClr val="accent1"/>
-          </a:lnRef>
-          <a:fillRef idx="1">
-            <a:schemeClr val="lt1"/>
-          </a:fillRef>
-          <a:effectRef idx="0">
-            <a:schemeClr val="accent1"/>
-          </a:effectRef>
-          <a:fontRef idx="minor">
-            <a:schemeClr val="dk1"/>
-          </a:fontRef>
-        </p:style>
-        <p:txBody>
-          <a:bodyPr rot="0" spcFirstLastPara="0" vertOverflow="overflow" horzOverflow="overflow" vert="horz" wrap="square" lIns="91440" tIns="45720" rIns="91440" bIns="45720" numCol="1" spcCol="0" rtlCol="0" fromWordArt="0" anchor="ctr" anchorCtr="0" forceAA="0" compatLnSpc="1">
-            <a:prstTxWarp prst="textNoShape">
-              <a:avLst/>
-            </a:prstTxWarp>
-            <a:noAutofit/>
-          </a:bodyPr>
-          <a:lstStyle/>
-          <a:p>
-            <a:r>
-              <a:rPr lang="en-US" sz="2000" dirty="0"/>
-              <a:t>But what strategy is this?  It doesn’t fit the template for </a:t>
-            </a:r>
-            <a:r>
-              <a:rPr lang="en-US" sz="2000" dirty="0" err="1"/>
-              <a:t>SexpOfAtom</a:t>
-            </a:r>
-            <a:r>
-              <a:rPr lang="en-US" sz="2000" dirty="0"/>
-              <a:t>.  It’s not even close.</a:t>
-            </a:r>
-          </a:p>
-        </p:txBody>
-      </p:sp>
     </p:spTree>
     <p:extLst>
       <p:ext uri="{BB962C8B-B14F-4D97-AF65-F5344CB8AC3E}">
-        <p14:creationId xmlns:p14="http://schemas.microsoft.com/office/powerpoint/2010/main" val="776828848"/>
+        <p14:creationId xmlns:p14="http://schemas.microsoft.com/office/powerpoint/2010/main" val="2545349086"/>
       </p:ext>
     </p:extLst>
   </p:cSld>
@@ -14160,9 +14337,13 @@
           <a:p>
             <a:r>
               <a:rPr lang="en-US" dirty="0" smtClean="0"/>
-              <a:t>Another example: merge-sort</a:t>
-            </a:r>
-            <a:endParaRPr lang="en-US" dirty="0"/>
+              <a:t>Writing this down for </a:t>
+            </a:r>
+            <a:r>
+              <a:rPr lang="en-US" b="1" dirty="0" smtClean="0"/>
+              <a:t>decode</a:t>
+            </a:r>
+            <a:endParaRPr lang="en-US" b="1" dirty="0"/>
           </a:p>
         </p:txBody>
       </p:sp>
@@ -14178,28 +14359,441 @@
         </p:nvSpPr>
         <p:spPr/>
         <p:txBody>
-          <a:bodyPr/>
-          <a:lstStyle/>
-          <a:p>
-            <a:r>
-              <a:rPr lang="en-US" dirty="0"/>
-              <a:t>Let's turn to a different example:  merge sort, which you should know from your undergraduate data structures or algorithms course.</a:t>
-            </a:r>
-          </a:p>
-          <a:p>
-            <a:r>
-              <a:rPr lang="en-US" dirty="0" smtClean="0"/>
-              <a:t>Divide the list in half, sort each half, and then</a:t>
-            </a:r>
-            <a:r>
-              <a:rPr lang="en-US" dirty="0"/>
-              <a:t> </a:t>
-            </a:r>
-            <a:r>
-              <a:rPr lang="en-US" dirty="0" smtClean="0"/>
-              <a:t>merge two sorted lists.</a:t>
-            </a:r>
-            <a:endParaRPr lang="en-US" dirty="0"/>
+          <a:bodyPr>
+            <a:normAutofit fontScale="47500" lnSpcReduction="20000"/>
+          </a:bodyPr>
+          <a:lstStyle/>
+          <a:p>
+            <a:pPr>
+              <a:buNone/>
+            </a:pPr>
+            <a:r>
+              <a:rPr lang="en-US" b="1" dirty="0">
+                <a:latin typeface="Consolas" pitchFamily="49" charset="0"/>
+                <a:cs typeface="Consolas" pitchFamily="49" charset="0"/>
+              </a:rPr>
+              <a:t>;; decode : </a:t>
+            </a:r>
+            <a:r>
+              <a:rPr lang="en-US" b="1" dirty="0" err="1">
+                <a:latin typeface="Consolas" pitchFamily="49" charset="0"/>
+                <a:cs typeface="Consolas" pitchFamily="49" charset="0"/>
+              </a:rPr>
+              <a:t>SexpOfAtom</a:t>
+            </a:r>
+            <a:r>
+              <a:rPr lang="en-US" b="1" dirty="0">
+                <a:latin typeface="Consolas" pitchFamily="49" charset="0"/>
+                <a:cs typeface="Consolas" pitchFamily="49" charset="0"/>
+              </a:rPr>
+              <a:t> -&gt; </a:t>
+            </a:r>
+            <a:r>
+              <a:rPr lang="en-US" b="1" dirty="0" err="1" smtClean="0">
+                <a:latin typeface="Consolas" pitchFamily="49" charset="0"/>
+                <a:cs typeface="Consolas" pitchFamily="49" charset="0"/>
+              </a:rPr>
+              <a:t>MaybeDiffExp</a:t>
+            </a:r>
+            <a:endParaRPr lang="en-US" b="1" dirty="0">
+              <a:latin typeface="Consolas" pitchFamily="49" charset="0"/>
+              <a:cs typeface="Consolas" pitchFamily="49" charset="0"/>
+            </a:endParaRPr>
+          </a:p>
+          <a:p>
+            <a:pPr>
+              <a:buNone/>
+            </a:pPr>
+            <a:endParaRPr lang="en-US" b="1" dirty="0">
+              <a:latin typeface="Consolas" pitchFamily="49" charset="0"/>
+              <a:cs typeface="Consolas" pitchFamily="49" charset="0"/>
+            </a:endParaRPr>
+          </a:p>
+          <a:p>
+            <a:pPr>
+              <a:buNone/>
+            </a:pPr>
+            <a:r>
+              <a:rPr lang="en-US" b="1" dirty="0">
+                <a:latin typeface="Consolas" pitchFamily="49" charset="0"/>
+                <a:cs typeface="Consolas" pitchFamily="49" charset="0"/>
+              </a:rPr>
+              <a:t>;; STRATEGY: if </a:t>
+            </a:r>
+            <a:r>
+              <a:rPr lang="en-US" b="1" dirty="0" smtClean="0">
+                <a:latin typeface="Consolas" pitchFamily="49" charset="0"/>
+                <a:cs typeface="Consolas" pitchFamily="49" charset="0"/>
+              </a:rPr>
+              <a:t>the top level of </a:t>
+            </a:r>
+            <a:r>
+              <a:rPr lang="en-US" b="1" dirty="0" err="1" smtClean="0">
+                <a:latin typeface="Consolas" pitchFamily="49" charset="0"/>
+                <a:cs typeface="Consolas" pitchFamily="49" charset="0"/>
+              </a:rPr>
+              <a:t>sexp</a:t>
+            </a:r>
+            <a:r>
+              <a:rPr lang="en-US" b="1" dirty="0" smtClean="0">
+                <a:latin typeface="Consolas" pitchFamily="49" charset="0"/>
+                <a:cs typeface="Consolas" pitchFamily="49" charset="0"/>
+              </a:rPr>
+              <a:t> could </a:t>
+            </a:r>
+            <a:r>
+              <a:rPr lang="en-US" b="1" dirty="0">
+                <a:latin typeface="Consolas" pitchFamily="49" charset="0"/>
+                <a:cs typeface="Consolas" pitchFamily="49" charset="0"/>
+              </a:rPr>
+              <a:t>be </a:t>
+            </a:r>
+            <a:r>
+              <a:rPr lang="en-US" b="1" dirty="0" smtClean="0">
+                <a:latin typeface="Consolas" pitchFamily="49" charset="0"/>
+                <a:cs typeface="Consolas" pitchFamily="49" charset="0"/>
+              </a:rPr>
+              <a:t>the top </a:t>
+            </a:r>
+            <a:r>
+              <a:rPr lang="en-US" b="1" dirty="0">
+                <a:latin typeface="Consolas" pitchFamily="49" charset="0"/>
+                <a:cs typeface="Consolas" pitchFamily="49" charset="0"/>
+              </a:rPr>
+              <a:t>level </a:t>
+            </a:r>
+            <a:r>
+              <a:rPr lang="en-US" b="1" dirty="0" smtClean="0">
+                <a:latin typeface="Consolas" pitchFamily="49" charset="0"/>
+                <a:cs typeface="Consolas" pitchFamily="49" charset="0"/>
+              </a:rPr>
+              <a:t>of</a:t>
+            </a:r>
+          </a:p>
+          <a:p>
+            <a:pPr>
+              <a:buNone/>
+            </a:pPr>
+            <a:r>
+              <a:rPr lang="en-US" b="1" dirty="0" smtClean="0">
+                <a:latin typeface="Consolas" pitchFamily="49" charset="0"/>
+                <a:cs typeface="Consolas" pitchFamily="49" charset="0"/>
+              </a:rPr>
+              <a:t>;; a </a:t>
+            </a:r>
+            <a:r>
+              <a:rPr lang="en-US" b="1" dirty="0" err="1">
+                <a:latin typeface="Consolas" pitchFamily="49" charset="0"/>
+                <a:cs typeface="Consolas" pitchFamily="49" charset="0"/>
+              </a:rPr>
+              <a:t>diffexp</a:t>
+            </a:r>
+            <a:r>
+              <a:rPr lang="en-US" b="1" dirty="0">
+                <a:latin typeface="Consolas" pitchFamily="49" charset="0"/>
+                <a:cs typeface="Consolas" pitchFamily="49" charset="0"/>
+              </a:rPr>
+              <a:t>, recur on 2nd and 3rd </a:t>
+            </a:r>
+            <a:r>
+              <a:rPr lang="en-US" b="1" dirty="0" smtClean="0">
+                <a:latin typeface="Consolas" pitchFamily="49" charset="0"/>
+                <a:cs typeface="Consolas" pitchFamily="49" charset="0"/>
+              </a:rPr>
+              <a:t>elements.</a:t>
+            </a:r>
+          </a:p>
+          <a:p>
+            <a:pPr>
+              <a:buNone/>
+            </a:pPr>
+            <a:endParaRPr lang="en-US" b="1" dirty="0">
+              <a:latin typeface="Consolas" pitchFamily="49" charset="0"/>
+              <a:cs typeface="Consolas" pitchFamily="49" charset="0"/>
+            </a:endParaRPr>
+          </a:p>
+          <a:p>
+            <a:pPr>
+              <a:buNone/>
+            </a:pPr>
+            <a:r>
+              <a:rPr lang="en-US" b="1" dirty="0">
+                <a:latin typeface="Consolas" pitchFamily="49" charset="0"/>
+                <a:cs typeface="Consolas" pitchFamily="49" charset="0"/>
+              </a:rPr>
+              <a:t>(define (decode </a:t>
+            </a:r>
+            <a:r>
+              <a:rPr lang="en-US" b="1" dirty="0" err="1">
+                <a:latin typeface="Consolas" pitchFamily="49" charset="0"/>
+                <a:cs typeface="Consolas" pitchFamily="49" charset="0"/>
+              </a:rPr>
+              <a:t>sexp</a:t>
+            </a:r>
+            <a:r>
+              <a:rPr lang="en-US" b="1" dirty="0">
+                <a:latin typeface="Consolas" pitchFamily="49" charset="0"/>
+                <a:cs typeface="Consolas" pitchFamily="49" charset="0"/>
+              </a:rPr>
+              <a:t>)</a:t>
+            </a:r>
+          </a:p>
+          <a:p>
+            <a:pPr>
+              <a:buNone/>
+            </a:pPr>
+            <a:r>
+              <a:rPr lang="en-US" b="1" dirty="0">
+                <a:latin typeface="Consolas" pitchFamily="49" charset="0"/>
+                <a:cs typeface="Consolas" pitchFamily="49" charset="0"/>
+              </a:rPr>
+              <a:t>  (</a:t>
+            </a:r>
+            <a:r>
+              <a:rPr lang="en-US" b="1" dirty="0" err="1">
+                <a:latin typeface="Consolas" pitchFamily="49" charset="0"/>
+                <a:cs typeface="Consolas" pitchFamily="49" charset="0"/>
+              </a:rPr>
+              <a:t>cond</a:t>
+            </a:r>
+            <a:endParaRPr lang="en-US" b="1" dirty="0">
+              <a:latin typeface="Consolas" pitchFamily="49" charset="0"/>
+              <a:cs typeface="Consolas" pitchFamily="49" charset="0"/>
+            </a:endParaRPr>
+          </a:p>
+          <a:p>
+            <a:pPr>
+              <a:buNone/>
+            </a:pPr>
+            <a:r>
+              <a:rPr lang="en-US" b="1" dirty="0">
+                <a:latin typeface="Consolas" pitchFamily="49" charset="0"/>
+                <a:cs typeface="Consolas" pitchFamily="49" charset="0"/>
+              </a:rPr>
+              <a:t>    [(number? </a:t>
+            </a:r>
+            <a:r>
+              <a:rPr lang="en-US" b="1" dirty="0" err="1">
+                <a:latin typeface="Consolas" pitchFamily="49" charset="0"/>
+                <a:cs typeface="Consolas" pitchFamily="49" charset="0"/>
+              </a:rPr>
+              <a:t>sexp</a:t>
+            </a:r>
+            <a:r>
+              <a:rPr lang="en-US" b="1" dirty="0">
+                <a:latin typeface="Consolas" pitchFamily="49" charset="0"/>
+                <a:cs typeface="Consolas" pitchFamily="49" charset="0"/>
+              </a:rPr>
+              <a:t>) </a:t>
+            </a:r>
+            <a:r>
+              <a:rPr lang="en-US" b="1" dirty="0" err="1">
+                <a:latin typeface="Consolas" pitchFamily="49" charset="0"/>
+                <a:cs typeface="Consolas" pitchFamily="49" charset="0"/>
+              </a:rPr>
+              <a:t>sexp</a:t>
+            </a:r>
+            <a:r>
+              <a:rPr lang="en-US" b="1" dirty="0">
+                <a:latin typeface="Consolas" pitchFamily="49" charset="0"/>
+                <a:cs typeface="Consolas" pitchFamily="49" charset="0"/>
+              </a:rPr>
+              <a:t>]</a:t>
+            </a:r>
+          </a:p>
+          <a:p>
+            <a:pPr>
+              <a:buNone/>
+            </a:pPr>
+            <a:r>
+              <a:rPr lang="en-US" b="1" dirty="0">
+                <a:latin typeface="Consolas" pitchFamily="49" charset="0"/>
+                <a:cs typeface="Consolas" pitchFamily="49" charset="0"/>
+              </a:rPr>
+              <a:t>    </a:t>
+            </a:r>
+            <a:r>
+              <a:rPr lang="en-US" b="1" dirty="0" smtClean="0">
+                <a:latin typeface="Consolas" pitchFamily="49" charset="0"/>
+                <a:cs typeface="Consolas" pitchFamily="49" charset="0"/>
+              </a:rPr>
+              <a:t>[(could-be-</a:t>
+            </a:r>
+            <a:r>
+              <a:rPr lang="en-US" b="1" dirty="0" err="1" smtClean="0">
+                <a:latin typeface="Consolas" pitchFamily="49" charset="0"/>
+                <a:cs typeface="Consolas" pitchFamily="49" charset="0"/>
+              </a:rPr>
+              <a:t>diffexp</a:t>
+            </a:r>
+            <a:r>
+              <a:rPr lang="en-US" b="1" dirty="0" smtClean="0">
+                <a:latin typeface="Consolas" pitchFamily="49" charset="0"/>
+                <a:cs typeface="Consolas" pitchFamily="49" charset="0"/>
+              </a:rPr>
+              <a:t>? </a:t>
+            </a:r>
+            <a:r>
+              <a:rPr lang="en-US" b="1" dirty="0" err="1">
+                <a:latin typeface="Consolas" pitchFamily="49" charset="0"/>
+                <a:cs typeface="Consolas" pitchFamily="49" charset="0"/>
+              </a:rPr>
+              <a:t>sexp</a:t>
+            </a:r>
+            <a:r>
+              <a:rPr lang="en-US" b="1" dirty="0">
+                <a:latin typeface="Consolas" pitchFamily="49" charset="0"/>
+                <a:cs typeface="Consolas" pitchFamily="49" charset="0"/>
+              </a:rPr>
+              <a:t>)</a:t>
+            </a:r>
+          </a:p>
+          <a:p>
+            <a:pPr>
+              <a:buNone/>
+            </a:pPr>
+            <a:r>
+              <a:rPr lang="en-US" b="1" dirty="0">
+                <a:latin typeface="Consolas" pitchFamily="49" charset="0"/>
+                <a:cs typeface="Consolas" pitchFamily="49" charset="0"/>
+              </a:rPr>
+              <a:t>     (local</a:t>
+            </a:r>
+          </a:p>
+          <a:p>
+            <a:pPr>
+              <a:buNone/>
+            </a:pPr>
+            <a:r>
+              <a:rPr lang="en-US" b="1" dirty="0">
+                <a:latin typeface="Consolas" pitchFamily="49" charset="0"/>
+                <a:cs typeface="Consolas" pitchFamily="49" charset="0"/>
+              </a:rPr>
+              <a:t>       ((define operand1 (decode (second </a:t>
+            </a:r>
+            <a:r>
+              <a:rPr lang="en-US" b="1" dirty="0" err="1">
+                <a:latin typeface="Consolas" pitchFamily="49" charset="0"/>
+                <a:cs typeface="Consolas" pitchFamily="49" charset="0"/>
+              </a:rPr>
+              <a:t>sexp</a:t>
+            </a:r>
+            <a:r>
+              <a:rPr lang="en-US" b="1" dirty="0">
+                <a:latin typeface="Consolas" pitchFamily="49" charset="0"/>
+                <a:cs typeface="Consolas" pitchFamily="49" charset="0"/>
+              </a:rPr>
+              <a:t>)))</a:t>
+            </a:r>
+          </a:p>
+          <a:p>
+            <a:pPr>
+              <a:buNone/>
+            </a:pPr>
+            <a:r>
+              <a:rPr lang="en-US" b="1" dirty="0">
+                <a:latin typeface="Consolas" pitchFamily="49" charset="0"/>
+                <a:cs typeface="Consolas" pitchFamily="49" charset="0"/>
+              </a:rPr>
+              <a:t>        (define operand2 (decode (third </a:t>
+            </a:r>
+            <a:r>
+              <a:rPr lang="en-US" b="1" dirty="0" err="1">
+                <a:latin typeface="Consolas" pitchFamily="49" charset="0"/>
+                <a:cs typeface="Consolas" pitchFamily="49" charset="0"/>
+              </a:rPr>
+              <a:t>sexp</a:t>
+            </a:r>
+            <a:r>
+              <a:rPr lang="en-US" b="1" dirty="0">
+                <a:latin typeface="Consolas" pitchFamily="49" charset="0"/>
+                <a:cs typeface="Consolas" pitchFamily="49" charset="0"/>
+              </a:rPr>
+              <a:t>))))</a:t>
+            </a:r>
+          </a:p>
+          <a:p>
+            <a:pPr>
+              <a:buNone/>
+            </a:pPr>
+            <a:r>
+              <a:rPr lang="en-US" b="1" dirty="0">
+                <a:latin typeface="Consolas" pitchFamily="49" charset="0"/>
+                <a:cs typeface="Consolas" pitchFamily="49" charset="0"/>
+              </a:rPr>
+              <a:t>       (if (and (succeeded? operand1)</a:t>
+            </a:r>
+          </a:p>
+          <a:p>
+            <a:pPr>
+              <a:buNone/>
+            </a:pPr>
+            <a:r>
+              <a:rPr lang="en-US" b="1" dirty="0">
+                <a:latin typeface="Consolas" pitchFamily="49" charset="0"/>
+                <a:cs typeface="Consolas" pitchFamily="49" charset="0"/>
+              </a:rPr>
+              <a:t>                (succeeded? operand2))</a:t>
+            </a:r>
+          </a:p>
+          <a:p>
+            <a:pPr>
+              <a:buNone/>
+            </a:pPr>
+            <a:r>
+              <a:rPr lang="en-US" b="1" dirty="0">
+                <a:latin typeface="Consolas" pitchFamily="49" charset="0"/>
+                <a:cs typeface="Consolas" pitchFamily="49" charset="0"/>
+              </a:rPr>
+              <a:t>           (make-</a:t>
+            </a:r>
+            <a:r>
+              <a:rPr lang="en-US" b="1" dirty="0" err="1">
+                <a:latin typeface="Consolas" pitchFamily="49" charset="0"/>
+                <a:cs typeface="Consolas" pitchFamily="49" charset="0"/>
+              </a:rPr>
+              <a:t>diffexp</a:t>
+            </a:r>
+            <a:r>
+              <a:rPr lang="en-US" b="1" dirty="0">
+                <a:latin typeface="Consolas" pitchFamily="49" charset="0"/>
+                <a:cs typeface="Consolas" pitchFamily="49" charset="0"/>
+              </a:rPr>
+              <a:t> operand1 operand2)</a:t>
+            </a:r>
+          </a:p>
+          <a:p>
+            <a:pPr>
+              <a:buNone/>
+            </a:pPr>
+            <a:r>
+              <a:rPr lang="en-US" b="1" dirty="0">
+                <a:latin typeface="Consolas" pitchFamily="49" charset="0"/>
+                <a:cs typeface="Consolas" pitchFamily="49" charset="0"/>
+              </a:rPr>
+              <a:t>           false))]</a:t>
+            </a:r>
+          </a:p>
+          <a:p>
+            <a:pPr>
+              <a:buNone/>
+            </a:pPr>
+            <a:r>
+              <a:rPr lang="en-US" b="1" dirty="0">
+                <a:latin typeface="Consolas" pitchFamily="49" charset="0"/>
+                <a:cs typeface="Consolas" pitchFamily="49" charset="0"/>
+              </a:rPr>
+              <a:t>    [else false]))</a:t>
+            </a:r>
+          </a:p>
+          <a:p>
+            <a:pPr>
+              <a:buNone/>
+            </a:pPr>
+            <a:endParaRPr lang="en-US" b="1" dirty="0">
+              <a:latin typeface="Consolas" pitchFamily="49" charset="0"/>
+              <a:cs typeface="Consolas" pitchFamily="49" charset="0"/>
+            </a:endParaRPr>
           </a:p>
         </p:txBody>
       </p:sp>
@@ -14227,7 +14821,65 @@
           </a:p>
         </p:txBody>
       </p:sp>
+      <p:sp>
+        <p:nvSpPr>
+          <p:cNvPr id="5" name="Rectangle 4"/>
+          <p:cNvSpPr/>
+          <p:nvPr/>
+        </p:nvSpPr>
+        <p:spPr>
+          <a:xfrm>
+            <a:off x="5334000" y="4953000"/>
+            <a:ext cx="3505200" cy="1447800"/>
+          </a:xfrm>
+          <a:prstGeom prst="rect">
+            <a:avLst/>
+          </a:prstGeom>
+          <a:solidFill>
+            <a:schemeClr val="accent3">
+              <a:lumMod val="40000"/>
+              <a:lumOff val="60000"/>
+            </a:schemeClr>
+          </a:solidFill>
+          <a:ln/>
+        </p:spPr>
+        <p:style>
+          <a:lnRef idx="2">
+            <a:schemeClr val="accent1"/>
+          </a:lnRef>
+          <a:fillRef idx="1">
+            <a:schemeClr val="lt1"/>
+          </a:fillRef>
+          <a:effectRef idx="0">
+            <a:schemeClr val="accent1"/>
+          </a:effectRef>
+          <a:fontRef idx="minor">
+            <a:schemeClr val="dk1"/>
+          </a:fontRef>
+        </p:style>
+        <p:txBody>
+          <a:bodyPr rot="0" spcFirstLastPara="0" vertOverflow="overflow" horzOverflow="overflow" vert="horz" wrap="square" lIns="91440" tIns="45720" rIns="91440" bIns="45720" numCol="1" spcCol="0" rtlCol="0" fromWordArt="0" anchor="ctr" anchorCtr="0" forceAA="0" compatLnSpc="1">
+            <a:prstTxWarp prst="textNoShape">
+              <a:avLst/>
+            </a:prstTxWarp>
+            <a:noAutofit/>
+          </a:bodyPr>
+          <a:lstStyle/>
+          <a:p>
+            <a:r>
+              <a:rPr lang="en-US" sz="2000" dirty="0" smtClean="0"/>
+              <a:t>The strategy is a tweet-sized description of how the function  works.  We’ll  see more about this later.</a:t>
+            </a:r>
+            <a:endParaRPr lang="en-US" sz="2000" dirty="0"/>
+          </a:p>
+        </p:txBody>
+      </p:sp>
     </p:spTree>
+    <p:extLst>
+      <p:ext uri="{BB962C8B-B14F-4D97-AF65-F5344CB8AC3E}">
+        <p14:creationId xmlns:p14="http://schemas.microsoft.com/office/powerpoint/2010/main" val="776828848"/>
+      </p:ext>
+    </p:extLst>
   </p:cSld>
   <p:clrMapOvr>
     <a:masterClrMapping/>
@@ -14275,10 +14927,10 @@
           <a:lstStyle/>
           <a:p>
             <a:r>
-              <a:rPr lang="en-US" b="1" dirty="0" smtClean="0"/>
-              <a:t>merge</a:t>
-            </a:r>
-            <a:endParaRPr lang="en-US" b="1" dirty="0"/>
+              <a:rPr lang="en-US" dirty="0" smtClean="0"/>
+              <a:t>Another example: merge-sort</a:t>
+            </a:r>
+            <a:endParaRPr lang="en-US" dirty="0"/>
           </a:p>
         </p:txBody>
       </p:sp>
@@ -14292,237 +14944,30 @@
             <p:ph idx="1"/>
           </p:nvPr>
         </p:nvSpPr>
-        <p:spPr>
-          <a:xfrm>
-            <a:off x="457200" y="1600200"/>
-            <a:ext cx="8458200" cy="4525963"/>
-          </a:xfrm>
-        </p:spPr>
-        <p:txBody>
-          <a:bodyPr>
-            <a:normAutofit fontScale="70000" lnSpcReduction="20000"/>
-          </a:bodyPr>
-          <a:lstStyle/>
-          <a:p>
-            <a:pPr>
-              <a:buNone/>
-            </a:pPr>
-            <a:r>
-              <a:rPr lang="en-US" b="1" dirty="0" smtClean="0">
-                <a:latin typeface="Consolas" pitchFamily="49" charset="0"/>
-                <a:cs typeface="Consolas" pitchFamily="49" charset="0"/>
-              </a:rPr>
-              <a:t>;; merge : </a:t>
-            </a:r>
-            <a:r>
-              <a:rPr lang="en-US" b="1" dirty="0" err="1" smtClean="0">
-                <a:latin typeface="Consolas" pitchFamily="49" charset="0"/>
-                <a:cs typeface="Consolas" pitchFamily="49" charset="0"/>
-              </a:rPr>
-              <a:t>SortedList</a:t>
-            </a:r>
-            <a:r>
-              <a:rPr lang="en-US" b="1" dirty="0" smtClean="0">
-                <a:latin typeface="Consolas" pitchFamily="49" charset="0"/>
-                <a:cs typeface="Consolas" pitchFamily="49" charset="0"/>
-              </a:rPr>
+        <p:spPr/>
+        <p:txBody>
+          <a:bodyPr/>
+          <a:lstStyle/>
+          <a:p>
+            <a:r>
+              <a:rPr lang="en-US" dirty="0"/>
+              <a:t>Let's turn to a different example:  merge sort, which you should know from your undergraduate data structures or algorithms course.</a:t>
+            </a:r>
+          </a:p>
+          <a:p>
+            <a:r>
+              <a:rPr lang="en-US" dirty="0" smtClean="0"/>
+              <a:t>Divide the list in half, sort each half, and then</a:t>
+            </a:r>
+            <a:r>
+              <a:rPr lang="en-US" dirty="0"/>
               <a:t> </a:t>
             </a:r>
             <a:r>
-              <a:rPr lang="en-US" b="1" dirty="0" err="1" smtClean="0">
-                <a:latin typeface="Consolas" pitchFamily="49" charset="0"/>
-                <a:cs typeface="Consolas" pitchFamily="49" charset="0"/>
-              </a:rPr>
-              <a:t>SortedList</a:t>
-            </a:r>
-            <a:r>
-              <a:rPr lang="en-US" b="1" dirty="0" smtClean="0">
-                <a:latin typeface="Consolas" pitchFamily="49" charset="0"/>
-                <a:cs typeface="Consolas" pitchFamily="49" charset="0"/>
-              </a:rPr>
-              <a:t> -&gt; </a:t>
-            </a:r>
-            <a:r>
-              <a:rPr lang="en-US" b="1" dirty="0" err="1" smtClean="0">
-                <a:latin typeface="Consolas" pitchFamily="49" charset="0"/>
-                <a:cs typeface="Consolas" pitchFamily="49" charset="0"/>
-              </a:rPr>
-              <a:t>SortedList</a:t>
-            </a:r>
-            <a:endParaRPr lang="en-US" b="1" dirty="0" smtClean="0">
-              <a:latin typeface="Consolas" pitchFamily="49" charset="0"/>
-              <a:cs typeface="Consolas" pitchFamily="49" charset="0"/>
-            </a:endParaRPr>
-          </a:p>
-          <a:p>
-            <a:pPr>
-              <a:buNone/>
-            </a:pPr>
-            <a:r>
-              <a:rPr lang="en-US" b="1" dirty="0" smtClean="0">
-                <a:latin typeface="Consolas" pitchFamily="49" charset="0"/>
-                <a:cs typeface="Consolas" pitchFamily="49" charset="0"/>
-              </a:rPr>
-              <a:t>;; merges its two arguments</a:t>
-            </a:r>
-          </a:p>
-          <a:p>
-            <a:pPr>
-              <a:buNone/>
-            </a:pPr>
-            <a:r>
-              <a:rPr lang="en-US" b="1" dirty="0" smtClean="0">
-                <a:latin typeface="Consolas" pitchFamily="49" charset="0"/>
-                <a:cs typeface="Consolas" pitchFamily="49" charset="0"/>
-              </a:rPr>
-              <a:t>;; </a:t>
-            </a:r>
-            <a:r>
-              <a:rPr lang="en-US" b="1" dirty="0" smtClean="0">
-                <a:latin typeface="Consolas" pitchFamily="49" charset="0"/>
-                <a:cs typeface="Consolas" pitchFamily="49" charset="0"/>
-              </a:rPr>
-              <a:t>STRATEGY: recur on either (rest lst1) or </a:t>
-            </a:r>
-          </a:p>
-          <a:p>
-            <a:pPr>
-              <a:buNone/>
-            </a:pPr>
-            <a:r>
-              <a:rPr lang="en-US" b="1" dirty="0" smtClean="0">
-                <a:latin typeface="Consolas" pitchFamily="49" charset="0"/>
-                <a:cs typeface="Consolas" pitchFamily="49" charset="0"/>
-              </a:rPr>
-              <a:t>;; </a:t>
-            </a:r>
-            <a:r>
-              <a:rPr lang="en-US" b="1" dirty="0" smtClean="0">
-                <a:latin typeface="Consolas" pitchFamily="49" charset="0"/>
-                <a:cs typeface="Consolas" pitchFamily="49" charset="0"/>
-              </a:rPr>
-              <a:t>(rest lst2)</a:t>
-            </a:r>
-            <a:endParaRPr lang="en-US" b="1" dirty="0" smtClean="0">
-              <a:latin typeface="Consolas" pitchFamily="49" charset="0"/>
-              <a:cs typeface="Consolas" pitchFamily="49" charset="0"/>
-            </a:endParaRPr>
-          </a:p>
-          <a:p>
-            <a:pPr>
-              <a:buNone/>
-            </a:pPr>
-            <a:endParaRPr lang="en-US" b="1" dirty="0" smtClean="0">
-              <a:latin typeface="Consolas" pitchFamily="49" charset="0"/>
-              <a:cs typeface="Consolas" pitchFamily="49" charset="0"/>
-            </a:endParaRPr>
-          </a:p>
-          <a:p>
-            <a:pPr>
-              <a:buNone/>
-            </a:pPr>
-            <a:r>
-              <a:rPr lang="en-US" b="1" dirty="0" smtClean="0">
-                <a:latin typeface="Consolas" pitchFamily="49" charset="0"/>
-                <a:cs typeface="Consolas" pitchFamily="49" charset="0"/>
-              </a:rPr>
-              <a:t>(</a:t>
-            </a:r>
-            <a:r>
-              <a:rPr lang="en-US" b="1" dirty="0">
-                <a:latin typeface="Consolas" pitchFamily="49" charset="0"/>
-                <a:cs typeface="Consolas" pitchFamily="49" charset="0"/>
-              </a:rPr>
-              <a:t>define (merge lst1 lst2)</a:t>
-            </a:r>
-          </a:p>
-          <a:p>
-            <a:pPr>
-              <a:buNone/>
-            </a:pPr>
-            <a:r>
-              <a:rPr lang="en-US" b="1" dirty="0">
-                <a:latin typeface="Consolas" pitchFamily="49" charset="0"/>
-                <a:cs typeface="Consolas" pitchFamily="49" charset="0"/>
-              </a:rPr>
-              <a:t>  (cond</a:t>
-            </a:r>
-          </a:p>
-          <a:p>
-            <a:pPr>
-              <a:buNone/>
-            </a:pPr>
-            <a:r>
-              <a:rPr lang="en-US" b="1" dirty="0">
-                <a:latin typeface="Consolas" pitchFamily="49" charset="0"/>
-                <a:cs typeface="Consolas" pitchFamily="49" charset="0"/>
-              </a:rPr>
-              <a:t>    [(empty? lst1) lst2]</a:t>
-            </a:r>
-          </a:p>
-          <a:p>
-            <a:pPr>
-              <a:buNone/>
-            </a:pPr>
-            <a:r>
-              <a:rPr lang="en-US" b="1" dirty="0">
-                <a:latin typeface="Consolas" pitchFamily="49" charset="0"/>
-                <a:cs typeface="Consolas" pitchFamily="49" charset="0"/>
-              </a:rPr>
-              <a:t>    [(empty? lst2) lst1]</a:t>
-            </a:r>
-          </a:p>
-          <a:p>
-            <a:pPr>
-              <a:buNone/>
-            </a:pPr>
-            <a:r>
-              <a:rPr lang="en-US" b="1" dirty="0">
-                <a:latin typeface="Consolas" pitchFamily="49" charset="0"/>
-                <a:cs typeface="Consolas" pitchFamily="49" charset="0"/>
-              </a:rPr>
-              <a:t>    [(&lt; (first lst1) (first lst2))</a:t>
-            </a:r>
-          </a:p>
-          <a:p>
-            <a:pPr>
-              <a:buNone/>
-            </a:pPr>
-            <a:r>
-              <a:rPr lang="en-US" b="1" dirty="0">
-                <a:latin typeface="Consolas" pitchFamily="49" charset="0"/>
-                <a:cs typeface="Consolas" pitchFamily="49" charset="0"/>
-              </a:rPr>
-              <a:t>     (cons (first lst1) (merge (rest lst1) lst2))]</a:t>
-            </a:r>
-          </a:p>
-          <a:p>
-            <a:pPr>
-              <a:buNone/>
-            </a:pPr>
-            <a:r>
-              <a:rPr lang="en-US" b="1" dirty="0">
-                <a:latin typeface="Consolas" pitchFamily="49" charset="0"/>
-                <a:cs typeface="Consolas" pitchFamily="49" charset="0"/>
-              </a:rPr>
-              <a:t>    [else</a:t>
-            </a:r>
-          </a:p>
-          <a:p>
-            <a:pPr>
-              <a:buNone/>
-            </a:pPr>
-            <a:r>
-              <a:rPr lang="en-US" b="1" dirty="0">
-                <a:latin typeface="Consolas" pitchFamily="49" charset="0"/>
-                <a:cs typeface="Consolas" pitchFamily="49" charset="0"/>
-              </a:rPr>
-              <a:t>     (cons (first lst2) (merge lst1 (rest lst2)))]))</a:t>
-            </a:r>
-            <a:endParaRPr lang="en-US" b="1" dirty="0" smtClean="0">
-              <a:latin typeface="Consolas" pitchFamily="49" charset="0"/>
-              <a:cs typeface="Consolas" pitchFamily="49" charset="0"/>
-            </a:endParaRPr>
+              <a:rPr lang="en-US" dirty="0" smtClean="0"/>
+              <a:t>merge two sorted lists.</a:t>
+            </a:r>
+            <a:endParaRPr lang="en-US" dirty="0"/>
           </a:p>
         </p:txBody>
       </p:sp>
@@ -14547,94 +14992,6 @@
               <a:t>29</a:t>
             </a:fld>
             <a:endParaRPr lang="en-US"/>
-          </a:p>
-        </p:txBody>
-      </p:sp>
-      <p:sp>
-        <p:nvSpPr>
-          <p:cNvPr id="6" name="Rectangle 5"/>
-          <p:cNvSpPr/>
-          <p:nvPr/>
-        </p:nvSpPr>
-        <p:spPr>
-          <a:xfrm>
-            <a:off x="4114800" y="5807075"/>
-            <a:ext cx="4038600" cy="914400"/>
-          </a:xfrm>
-          <a:prstGeom prst="rect">
-            <a:avLst/>
-          </a:prstGeom>
-          <a:solidFill>
-            <a:schemeClr val="accent3">
-              <a:lumMod val="40000"/>
-              <a:lumOff val="60000"/>
-            </a:schemeClr>
-          </a:solidFill>
-          <a:ln/>
-        </p:spPr>
-        <p:style>
-          <a:lnRef idx="2">
-            <a:schemeClr val="accent1"/>
-          </a:lnRef>
-          <a:fillRef idx="1">
-            <a:schemeClr val="lt1"/>
-          </a:fillRef>
-          <a:effectRef idx="0">
-            <a:schemeClr val="accent1"/>
-          </a:effectRef>
-          <a:fontRef idx="minor">
-            <a:schemeClr val="dk1"/>
-          </a:fontRef>
-        </p:style>
-        <p:txBody>
-          <a:bodyPr rot="0" spcFirstLastPara="0" vertOverflow="overflow" horzOverflow="overflow" vert="horz" wrap="square" lIns="91440" tIns="45720" rIns="91440" bIns="45720" numCol="1" spcCol="0" rtlCol="0" fromWordArt="0" anchor="ctr" anchorCtr="0" forceAA="0" compatLnSpc="1">
-            <a:prstTxWarp prst="textNoShape">
-              <a:avLst/>
-            </a:prstTxWarp>
-            <a:noAutofit/>
-          </a:bodyPr>
-          <a:lstStyle/>
-          <a:p>
-            <a:r>
-              <a:rPr lang="en-US" dirty="0" smtClean="0">
-                <a:solidFill>
-                  <a:schemeClr val="tx1"/>
-                </a:solidFill>
-              </a:rPr>
-              <a:t>If the lists are of length n, this function takes time proportional to </a:t>
-            </a:r>
-            <a:r>
-              <a:rPr lang="en-US" b="1" dirty="0" smtClean="0">
-                <a:solidFill>
-                  <a:schemeClr val="tx1"/>
-                </a:solidFill>
-              </a:rPr>
-              <a:t>n</a:t>
-            </a:r>
-            <a:r>
-              <a:rPr lang="en-US" dirty="0" smtClean="0">
-                <a:solidFill>
-                  <a:schemeClr val="tx1"/>
-                </a:solidFill>
-              </a:rPr>
-              <a:t>.  We say that the time is O(</a:t>
-            </a:r>
-            <a:r>
-              <a:rPr lang="en-US" b="1" dirty="0" smtClean="0">
-                <a:solidFill>
-                  <a:schemeClr val="tx1"/>
-                </a:solidFill>
-              </a:rPr>
-              <a:t>n</a:t>
-            </a:r>
-            <a:r>
-              <a:rPr lang="en-US" dirty="0" smtClean="0">
-                <a:solidFill>
-                  <a:schemeClr val="tx1"/>
-                </a:solidFill>
-              </a:rPr>
-              <a:t>).</a:t>
-            </a:r>
           </a:p>
         </p:txBody>
       </p:sp>
@@ -16252,38 +16609,38 @@
             <p:ph type="title"/>
           </p:nvPr>
         </p:nvSpPr>
+        <p:spPr/>
+        <p:txBody>
+          <a:bodyPr/>
+          <a:lstStyle/>
+          <a:p>
+            <a:r>
+              <a:rPr lang="en-US" b="1" dirty="0" smtClean="0"/>
+              <a:t>merge</a:t>
+            </a:r>
+            <a:endParaRPr lang="en-US" b="1" dirty="0"/>
+          </a:p>
+        </p:txBody>
+      </p:sp>
+      <p:sp>
+        <p:nvSpPr>
+          <p:cNvPr id="3" name="Content Placeholder 2"/>
+          <p:cNvSpPr>
+            <a:spLocks noGrp="1"/>
+          </p:cNvSpPr>
+          <p:nvPr>
+            <p:ph idx="1"/>
+          </p:nvPr>
+        </p:nvSpPr>
         <p:spPr>
           <a:xfrm>
-            <a:off x="457200" y="304800"/>
-            <a:ext cx="8229600" cy="1143000"/>
+            <a:off x="457200" y="1600200"/>
+            <a:ext cx="8458200" cy="4525963"/>
           </a:xfrm>
         </p:spPr>
         <p:txBody>
-          <a:bodyPr/>
-          <a:lstStyle/>
-          <a:p>
-            <a:r>
-              <a:rPr lang="en-US" b="1" dirty="0" smtClean="0"/>
-              <a:t>merge-sort</a:t>
-            </a:r>
-            <a:endParaRPr lang="en-US" b="1" dirty="0"/>
-          </a:p>
-        </p:txBody>
-      </p:sp>
-      <p:sp>
-        <p:nvSpPr>
-          <p:cNvPr id="3" name="Content Placeholder 2"/>
-          <p:cNvSpPr>
-            <a:spLocks noGrp="1"/>
-          </p:cNvSpPr>
-          <p:nvPr>
-            <p:ph idx="1"/>
-          </p:nvPr>
-        </p:nvSpPr>
-        <p:spPr/>
-        <p:txBody>
           <a:bodyPr>
-            <a:noAutofit/>
+            <a:normAutofit fontScale="70000" lnSpcReduction="20000"/>
           </a:bodyPr>
           <a:lstStyle/>
           <a:p>
@@ -16291,34 +16648,48 @@
               <a:buNone/>
             </a:pPr>
             <a:r>
-              <a:rPr lang="en-US" sz="1600" b="1" dirty="0" smtClean="0">
-                <a:latin typeface="Consolas" pitchFamily="49" charset="0"/>
-                <a:cs typeface="Consolas" pitchFamily="49" charset="0"/>
-              </a:rPr>
-              <a:t>;; merge-sort : </a:t>
-            </a:r>
-            <a:r>
-              <a:rPr lang="en-US" sz="1600" b="1" dirty="0" err="1" smtClean="0">
-                <a:latin typeface="Consolas" pitchFamily="49" charset="0"/>
-                <a:cs typeface="Consolas" pitchFamily="49" charset="0"/>
-              </a:rPr>
-              <a:t>ListOfNumber</a:t>
-            </a:r>
-            <a:r>
-              <a:rPr lang="en-US" sz="1600" b="1" dirty="0" smtClean="0">
+              <a:rPr lang="en-US" b="1" dirty="0" smtClean="0">
+                <a:latin typeface="Consolas" pitchFamily="49" charset="0"/>
+                <a:cs typeface="Consolas" pitchFamily="49" charset="0"/>
+              </a:rPr>
+              <a:t>;; merge : </a:t>
+            </a:r>
+            <a:r>
+              <a:rPr lang="en-US" b="1" dirty="0" err="1" smtClean="0">
+                <a:latin typeface="Consolas" pitchFamily="49" charset="0"/>
+                <a:cs typeface="Consolas" pitchFamily="49" charset="0"/>
+              </a:rPr>
+              <a:t>SortedList</a:t>
+            </a:r>
+            <a:r>
+              <a:rPr lang="en-US" b="1" dirty="0" smtClean="0">
+                <a:latin typeface="Consolas" pitchFamily="49" charset="0"/>
+                <a:cs typeface="Consolas" pitchFamily="49" charset="0"/>
+              </a:rPr>
+              <a:t> </a:t>
+            </a:r>
+            <a:r>
+              <a:rPr lang="en-US" b="1" dirty="0" err="1" smtClean="0">
+                <a:latin typeface="Consolas" pitchFamily="49" charset="0"/>
+                <a:cs typeface="Consolas" pitchFamily="49" charset="0"/>
+              </a:rPr>
+              <a:t>SortedList</a:t>
+            </a:r>
+            <a:r>
+              <a:rPr lang="en-US" b="1" dirty="0" smtClean="0">
                 <a:latin typeface="Consolas" pitchFamily="49" charset="0"/>
                 <a:cs typeface="Consolas" pitchFamily="49" charset="0"/>
               </a:rPr>
               <a:t> -&gt; </a:t>
             </a:r>
             <a:r>
-              <a:rPr lang="en-US" sz="1600" b="1" dirty="0" err="1" smtClean="0">
+              <a:rPr lang="en-US" b="1" dirty="0" err="1" smtClean="0">
                 <a:latin typeface="Consolas" pitchFamily="49" charset="0"/>
                 <a:cs typeface="Consolas" pitchFamily="49" charset="0"/>
               </a:rPr>
               <a:t>SortedList</a:t>
             </a:r>
-            <a:endParaRPr lang="en-US" sz="1600" b="1" dirty="0" smtClean="0">
+            <a:endParaRPr lang="en-US" b="1" dirty="0" smtClean="0">
               <a:latin typeface="Consolas" pitchFamily="49" charset="0"/>
               <a:cs typeface="Consolas" pitchFamily="49" charset="0"/>
             </a:endParaRPr>
@@ -16328,27 +16699,32 @@
               <a:buNone/>
             </a:pPr>
             <a:r>
-              <a:rPr lang="en-US" sz="1600" b="1" dirty="0">
-                <a:latin typeface="Consolas" pitchFamily="49" charset="0"/>
-                <a:cs typeface="Consolas" pitchFamily="49" charset="0"/>
-              </a:rPr>
-              <a:t>;; STRATEGY: recur on </a:t>
-            </a:r>
-            <a:r>
-              <a:rPr lang="en-US" sz="1600" b="1" dirty="0" smtClean="0">
-                <a:latin typeface="Consolas" pitchFamily="49" charset="0"/>
-                <a:cs typeface="Consolas" pitchFamily="49" charset="0"/>
-              </a:rPr>
-              <a:t>even-numbered </a:t>
-            </a:r>
-            <a:r>
-              <a:rPr lang="en-US" sz="1600" b="1" dirty="0">
-                <a:latin typeface="Consolas" pitchFamily="49" charset="0"/>
-                <a:cs typeface="Consolas" pitchFamily="49" charset="0"/>
-              </a:rPr>
-              <a:t>elements and </a:t>
-            </a:r>
-            <a:endParaRPr lang="en-US" sz="1600" b="1" dirty="0" smtClean="0">
+              <a:rPr lang="en-US" b="1" dirty="0" smtClean="0">
+                <a:latin typeface="Consolas" pitchFamily="49" charset="0"/>
+                <a:cs typeface="Consolas" pitchFamily="49" charset="0"/>
+              </a:rPr>
+              <a:t>;; merges its two arguments</a:t>
+            </a:r>
+          </a:p>
+          <a:p>
+            <a:pPr>
+              <a:buNone/>
+            </a:pPr>
+            <a:r>
+              <a:rPr lang="en-US" b="1" dirty="0" smtClean="0">
+                <a:latin typeface="Consolas" pitchFamily="49" charset="0"/>
+                <a:cs typeface="Consolas" pitchFamily="49" charset="0"/>
+              </a:rPr>
+              <a:t>;; strategy: </a:t>
+            </a:r>
+            <a:r>
+              <a:rPr lang="en-US" b="1" dirty="0" smtClean="0">
+                <a:latin typeface="Consolas" pitchFamily="49" charset="0"/>
+                <a:cs typeface="Consolas" pitchFamily="49" charset="0"/>
+              </a:rPr>
+              <a:t>recur on (rest lst1) or (rest lst2)</a:t>
+            </a:r>
+            <a:endParaRPr lang="en-US" b="1" dirty="0" smtClean="0">
               <a:latin typeface="Consolas" pitchFamily="49" charset="0"/>
               <a:cs typeface="Consolas" pitchFamily="49" charset="0"/>
             </a:endParaRPr>
@@ -16358,298 +16734,99 @@
               <a:buNone/>
             </a:pPr>
             <a:r>
-              <a:rPr lang="en-US" sz="1600" b="1" dirty="0" smtClean="0">
-                <a:latin typeface="Consolas" pitchFamily="49" charset="0"/>
-                <a:cs typeface="Consolas" pitchFamily="49" charset="0"/>
-              </a:rPr>
-              <a:t>;; odd-numbered </a:t>
-            </a:r>
-            <a:r>
-              <a:rPr lang="en-US" sz="1600" b="1" dirty="0">
-                <a:latin typeface="Consolas" pitchFamily="49" charset="0"/>
-                <a:cs typeface="Consolas" pitchFamily="49" charset="0"/>
-              </a:rPr>
-              <a:t>elements</a:t>
-            </a:r>
-            <a:r>
-              <a:rPr lang="en-US" sz="1600" b="1" dirty="0" smtClean="0">
-                <a:latin typeface="Consolas" pitchFamily="49" charset="0"/>
-                <a:cs typeface="Consolas" pitchFamily="49" charset="0"/>
-              </a:rPr>
-              <a:t>, </a:t>
-            </a:r>
-            <a:r>
-              <a:rPr lang="en-US" sz="1600" b="1" dirty="0">
-                <a:latin typeface="Consolas" pitchFamily="49" charset="0"/>
-                <a:cs typeface="Consolas" pitchFamily="49" charset="0"/>
-              </a:rPr>
-              <a:t>then </a:t>
-            </a:r>
-            <a:r>
-              <a:rPr lang="en-US" sz="1600" b="1" dirty="0" smtClean="0">
-                <a:latin typeface="Consolas" pitchFamily="49" charset="0"/>
-                <a:cs typeface="Consolas" pitchFamily="49" charset="0"/>
-              </a:rPr>
-              <a:t>merge results.</a:t>
-            </a:r>
-          </a:p>
-          <a:p>
-            <a:pPr>
-              <a:buNone/>
-            </a:pPr>
-            <a:endParaRPr lang="en-US" sz="1600" b="1" dirty="0" smtClean="0">
+              <a:rPr lang="en-US" b="1" dirty="0">
+                <a:latin typeface="Consolas" pitchFamily="49" charset="0"/>
+                <a:cs typeface="Consolas" pitchFamily="49" charset="0"/>
+              </a:rPr>
+              <a:t>(define (merge lst1 lst2)</a:t>
+            </a:r>
+          </a:p>
+          <a:p>
+            <a:pPr>
+              <a:buNone/>
+            </a:pPr>
+            <a:r>
+              <a:rPr lang="en-US" b="1" dirty="0">
+                <a:latin typeface="Consolas" pitchFamily="49" charset="0"/>
+                <a:cs typeface="Consolas" pitchFamily="49" charset="0"/>
+              </a:rPr>
+              <a:t>  (cond</a:t>
+            </a:r>
+          </a:p>
+          <a:p>
+            <a:pPr>
+              <a:buNone/>
+            </a:pPr>
+            <a:r>
+              <a:rPr lang="en-US" b="1" dirty="0">
+                <a:latin typeface="Consolas" pitchFamily="49" charset="0"/>
+                <a:cs typeface="Consolas" pitchFamily="49" charset="0"/>
+              </a:rPr>
+              <a:t>    [(empty? lst1) lst2]</a:t>
+            </a:r>
+          </a:p>
+          <a:p>
+            <a:pPr>
+              <a:buNone/>
+            </a:pPr>
+            <a:r>
+              <a:rPr lang="en-US" b="1" dirty="0">
+                <a:latin typeface="Consolas" pitchFamily="49" charset="0"/>
+                <a:cs typeface="Consolas" pitchFamily="49" charset="0"/>
+              </a:rPr>
+              <a:t>    [(empty? lst2) lst1]</a:t>
+            </a:r>
+          </a:p>
+          <a:p>
+            <a:pPr>
+              <a:buNone/>
+            </a:pPr>
+            <a:r>
+              <a:rPr lang="en-US" b="1" dirty="0">
+                <a:latin typeface="Consolas" pitchFamily="49" charset="0"/>
+                <a:cs typeface="Consolas" pitchFamily="49" charset="0"/>
+              </a:rPr>
+              <a:t>    [(&lt; (first lst1) (first lst2))</a:t>
+            </a:r>
+          </a:p>
+          <a:p>
+            <a:pPr>
+              <a:buNone/>
+            </a:pPr>
+            <a:r>
+              <a:rPr lang="en-US" b="1" dirty="0">
+                <a:latin typeface="Consolas" pitchFamily="49" charset="0"/>
+                <a:cs typeface="Consolas" pitchFamily="49" charset="0"/>
+              </a:rPr>
+              <a:t>     (cons (first lst1) (merge (rest lst1) lst2))]</a:t>
+            </a:r>
+          </a:p>
+          <a:p>
+            <a:pPr>
+              <a:buNone/>
+            </a:pPr>
+            <a:r>
+              <a:rPr lang="en-US" b="1" dirty="0">
+                <a:latin typeface="Consolas" pitchFamily="49" charset="0"/>
+                <a:cs typeface="Consolas" pitchFamily="49" charset="0"/>
+              </a:rPr>
+              <a:t>    [else</a:t>
+            </a:r>
+          </a:p>
+          <a:p>
+            <a:pPr>
+              <a:buNone/>
+            </a:pPr>
+            <a:r>
+              <a:rPr lang="en-US" b="1" dirty="0">
+                <a:latin typeface="Consolas" pitchFamily="49" charset="0"/>
+                <a:cs typeface="Consolas" pitchFamily="49" charset="0"/>
+              </a:rPr>
+              <a:t>     (cons (first lst2) (merge lst1 (rest lst2)))]))</a:t>
+            </a:r>
+            <a:endParaRPr lang="en-US" b="1" dirty="0" smtClean="0">
               <a:latin typeface="Consolas" pitchFamily="49" charset="0"/>
               <a:cs typeface="Consolas" pitchFamily="49" charset="0"/>
-            </a:endParaRPr>
-          </a:p>
-          <a:p>
-            <a:pPr>
-              <a:buNone/>
-            </a:pPr>
-            <a:r>
-              <a:rPr lang="en-US" sz="1600" b="1" dirty="0" smtClean="0">
-                <a:latin typeface="Consolas" pitchFamily="49" charset="0"/>
-                <a:cs typeface="Consolas" pitchFamily="49" charset="0"/>
-              </a:rPr>
-              <a:t>(define (merge-sort </a:t>
-            </a:r>
-            <a:r>
-              <a:rPr lang="en-US" sz="1600" b="1" dirty="0" err="1" smtClean="0">
-                <a:latin typeface="Consolas" pitchFamily="49" charset="0"/>
-                <a:cs typeface="Consolas" pitchFamily="49" charset="0"/>
-              </a:rPr>
-              <a:t>lon</a:t>
-            </a:r>
-            <a:r>
-              <a:rPr lang="en-US" sz="1600" b="1" dirty="0" smtClean="0">
-                <a:latin typeface="Consolas" pitchFamily="49" charset="0"/>
-                <a:cs typeface="Consolas" pitchFamily="49" charset="0"/>
-              </a:rPr>
-              <a:t>)</a:t>
-            </a:r>
-          </a:p>
-          <a:p>
-            <a:pPr>
-              <a:buNone/>
-            </a:pPr>
-            <a:r>
-              <a:rPr lang="en-US" sz="1600" b="1" dirty="0" smtClean="0">
-                <a:latin typeface="Consolas" pitchFamily="49" charset="0"/>
-                <a:cs typeface="Consolas" pitchFamily="49" charset="0"/>
-              </a:rPr>
-              <a:t>  (</a:t>
-            </a:r>
-            <a:r>
-              <a:rPr lang="en-US" sz="1600" b="1" dirty="0" err="1" smtClean="0">
-                <a:latin typeface="Consolas" pitchFamily="49" charset="0"/>
-                <a:cs typeface="Consolas" pitchFamily="49" charset="0"/>
-              </a:rPr>
-              <a:t>cond</a:t>
-            </a:r>
-            <a:endParaRPr lang="en-US" sz="1600" b="1" dirty="0" smtClean="0">
-              <a:latin typeface="Consolas" pitchFamily="49" charset="0"/>
-              <a:cs typeface="Consolas" pitchFamily="49" charset="0"/>
-            </a:endParaRPr>
-          </a:p>
-          <a:p>
-            <a:pPr>
-              <a:buNone/>
-            </a:pPr>
-            <a:r>
-              <a:rPr lang="en-US" sz="1600" b="1" dirty="0" smtClean="0">
-                <a:latin typeface="Consolas" pitchFamily="49" charset="0"/>
-                <a:cs typeface="Consolas" pitchFamily="49" charset="0"/>
-              </a:rPr>
-              <a:t>    [(empty? </a:t>
-            </a:r>
-            <a:r>
-              <a:rPr lang="en-US" sz="1600" b="1" dirty="0" err="1" smtClean="0">
-                <a:latin typeface="Consolas" pitchFamily="49" charset="0"/>
-                <a:cs typeface="Consolas" pitchFamily="49" charset="0"/>
-              </a:rPr>
-              <a:t>lon</a:t>
-            </a:r>
-            <a:r>
-              <a:rPr lang="en-US" sz="1600" b="1" dirty="0" smtClean="0">
-                <a:latin typeface="Consolas" pitchFamily="49" charset="0"/>
-                <a:cs typeface="Consolas" pitchFamily="49" charset="0"/>
-              </a:rPr>
-              <a:t>) </a:t>
-            </a:r>
-            <a:r>
-              <a:rPr lang="en-US" sz="1600" b="1" dirty="0" err="1" smtClean="0">
-                <a:latin typeface="Consolas" pitchFamily="49" charset="0"/>
-                <a:cs typeface="Consolas" pitchFamily="49" charset="0"/>
-              </a:rPr>
-              <a:t>lon</a:t>
-            </a:r>
-            <a:r>
-              <a:rPr lang="en-US" sz="1600" b="1" dirty="0" smtClean="0">
-                <a:latin typeface="Consolas" pitchFamily="49" charset="0"/>
-                <a:cs typeface="Consolas" pitchFamily="49" charset="0"/>
-              </a:rPr>
-              <a:t>]</a:t>
-            </a:r>
-          </a:p>
-          <a:p>
-            <a:pPr>
-              <a:buNone/>
-            </a:pPr>
-            <a:r>
-              <a:rPr lang="en-US" sz="1600" b="1" dirty="0" smtClean="0">
-                <a:latin typeface="Consolas" pitchFamily="49" charset="0"/>
-                <a:cs typeface="Consolas" pitchFamily="49" charset="0"/>
-              </a:rPr>
-              <a:t>    [(empty? (rest </a:t>
-            </a:r>
-            <a:r>
-              <a:rPr lang="en-US" sz="1600" b="1" dirty="0" err="1" smtClean="0">
-                <a:latin typeface="Consolas" pitchFamily="49" charset="0"/>
-                <a:cs typeface="Consolas" pitchFamily="49" charset="0"/>
-              </a:rPr>
-              <a:t>lon</a:t>
-            </a:r>
-            <a:r>
-              <a:rPr lang="en-US" sz="1600" b="1" dirty="0" smtClean="0">
-                <a:latin typeface="Consolas" pitchFamily="49" charset="0"/>
-                <a:cs typeface="Consolas" pitchFamily="49" charset="0"/>
-              </a:rPr>
-              <a:t>)) </a:t>
-            </a:r>
-            <a:r>
-              <a:rPr lang="en-US" sz="1600" b="1" dirty="0" err="1" smtClean="0">
-                <a:latin typeface="Consolas" pitchFamily="49" charset="0"/>
-                <a:cs typeface="Consolas" pitchFamily="49" charset="0"/>
-              </a:rPr>
-              <a:t>lon</a:t>
-            </a:r>
-            <a:r>
-              <a:rPr lang="en-US" sz="1600" b="1" dirty="0" smtClean="0">
-                <a:latin typeface="Consolas" pitchFamily="49" charset="0"/>
-                <a:cs typeface="Consolas" pitchFamily="49" charset="0"/>
-              </a:rPr>
-              <a:t>]</a:t>
-            </a:r>
-          </a:p>
-          <a:p>
-            <a:pPr>
-              <a:buNone/>
-            </a:pPr>
-            <a:r>
-              <a:rPr lang="en-US" sz="1600" b="1" dirty="0" smtClean="0">
-                <a:latin typeface="Consolas" pitchFamily="49" charset="0"/>
-                <a:cs typeface="Consolas" pitchFamily="49" charset="0"/>
-              </a:rPr>
-              <a:t>    [else</a:t>
-            </a:r>
-          </a:p>
-          <a:p>
-            <a:pPr>
-              <a:buNone/>
-            </a:pPr>
-            <a:r>
-              <a:rPr lang="en-US" sz="1600" b="1" dirty="0" smtClean="0">
-                <a:latin typeface="Consolas" pitchFamily="49" charset="0"/>
-                <a:cs typeface="Consolas" pitchFamily="49" charset="0"/>
-              </a:rPr>
-              <a:t>      (local</a:t>
-            </a:r>
-          </a:p>
-          <a:p>
-            <a:pPr>
-              <a:buNone/>
-            </a:pPr>
-            <a:r>
-              <a:rPr lang="en-US" sz="1600" b="1" dirty="0" smtClean="0">
-                <a:latin typeface="Consolas" pitchFamily="49" charset="0"/>
-                <a:cs typeface="Consolas" pitchFamily="49" charset="0"/>
-              </a:rPr>
-              <a:t>       ((define evens (even-elements </a:t>
-            </a:r>
-            <a:r>
-              <a:rPr lang="en-US" sz="1600" b="1" dirty="0" err="1" smtClean="0">
-                <a:latin typeface="Consolas" pitchFamily="49" charset="0"/>
-                <a:cs typeface="Consolas" pitchFamily="49" charset="0"/>
-              </a:rPr>
-              <a:t>lon</a:t>
-            </a:r>
-            <a:r>
-              <a:rPr lang="en-US" sz="1600" b="1" dirty="0" smtClean="0">
-                <a:latin typeface="Consolas" pitchFamily="49" charset="0"/>
-                <a:cs typeface="Consolas" pitchFamily="49" charset="0"/>
-              </a:rPr>
-              <a:t>))</a:t>
-            </a:r>
-          </a:p>
-          <a:p>
-            <a:pPr>
-              <a:buNone/>
-            </a:pPr>
-            <a:r>
-              <a:rPr lang="en-US" sz="1600" b="1" dirty="0" smtClean="0">
-                <a:latin typeface="Consolas" pitchFamily="49" charset="0"/>
-                <a:cs typeface="Consolas" pitchFamily="49" charset="0"/>
-              </a:rPr>
-              <a:t>        (define odds  (odd-elements </a:t>
-            </a:r>
-            <a:r>
-              <a:rPr lang="en-US" sz="1600" b="1" dirty="0" err="1" smtClean="0">
-                <a:latin typeface="Consolas" pitchFamily="49" charset="0"/>
-                <a:cs typeface="Consolas" pitchFamily="49" charset="0"/>
-              </a:rPr>
-              <a:t>lon</a:t>
-            </a:r>
-            <a:r>
-              <a:rPr lang="en-US" sz="1600" b="1" dirty="0" smtClean="0">
-                <a:latin typeface="Consolas" pitchFamily="49" charset="0"/>
-                <a:cs typeface="Consolas" pitchFamily="49" charset="0"/>
-              </a:rPr>
-              <a:t>)))</a:t>
-            </a:r>
-          </a:p>
-          <a:p>
-            <a:pPr>
-              <a:buNone/>
-            </a:pPr>
-            <a:r>
-              <a:rPr lang="en-US" sz="1600" b="1" dirty="0" smtClean="0">
-                <a:latin typeface="Consolas" pitchFamily="49" charset="0"/>
-                <a:cs typeface="Consolas" pitchFamily="49" charset="0"/>
-              </a:rPr>
-              <a:t>       (merge </a:t>
-            </a:r>
-          </a:p>
-          <a:p>
-            <a:pPr>
-              <a:buNone/>
-            </a:pPr>
-            <a:r>
-              <a:rPr lang="en-US" sz="1600" b="1" dirty="0" smtClean="0">
-                <a:latin typeface="Consolas" pitchFamily="49" charset="0"/>
-                <a:cs typeface="Consolas" pitchFamily="49" charset="0"/>
-              </a:rPr>
-              <a:t>        (merge-sort evens)</a:t>
-            </a:r>
-          </a:p>
-          <a:p>
-            <a:pPr>
-              <a:buNone/>
-            </a:pPr>
-            <a:r>
-              <a:rPr lang="en-US" sz="1600" b="1" dirty="0" smtClean="0">
-                <a:latin typeface="Consolas" pitchFamily="49" charset="0"/>
-                <a:cs typeface="Consolas" pitchFamily="49" charset="0"/>
-              </a:rPr>
-              <a:t>        (merge-sort odds)))]))</a:t>
-            </a:r>
-          </a:p>
-          <a:p>
-            <a:pPr>
-              <a:buNone/>
-            </a:pPr>
-            <a:endParaRPr lang="en-US" sz="1600" b="1" dirty="0" smtClean="0">
-              <a:latin typeface="Courier New" pitchFamily="49" charset="0"/>
-              <a:cs typeface="Courier New" pitchFamily="49" charset="0"/>
             </a:endParaRPr>
           </a:p>
         </p:txBody>
@@ -16686,8 +16863,8 @@
         </p:nvSpPr>
         <p:spPr>
           <a:xfrm>
-            <a:off x="6248400" y="1677987"/>
-            <a:ext cx="2743200" cy="3810000"/>
+            <a:off x="4114800" y="5807075"/>
+            <a:ext cx="4038600" cy="914400"/>
           </a:xfrm>
           <a:prstGeom prst="rect">
             <a:avLst/>
@@ -16724,119 +16901,49 @@
           <a:lstStyle/>
           <a:p>
             <a:r>
-              <a:rPr lang="en-US" sz="1600" dirty="0"/>
-              <a:t>Now we can write merge-sort.  merge-sort takes its input and divides it into two approximately equal-sized pieces.  </a:t>
-            </a:r>
-            <a:endParaRPr lang="en-US" sz="1600" dirty="0" smtClean="0"/>
-          </a:p>
-          <a:p>
-            <a:endParaRPr lang="en-US" sz="1600" dirty="0" smtClean="0"/>
-          </a:p>
-          <a:p>
-            <a:r>
-              <a:rPr lang="en-US" sz="1600" dirty="0" smtClean="0"/>
-              <a:t>Depending </a:t>
-            </a:r>
-            <a:r>
-              <a:rPr lang="en-US" sz="1600" dirty="0"/>
-              <a:t>on the data structures we use, this can be done in different ways.  We are using lists, so the easiest way is to take every other element of the list, so the list </a:t>
-            </a:r>
-            <a:r>
-              <a:rPr lang="en-US" sz="1600" b="1" dirty="0"/>
-              <a:t>(10 20 30 40 50)</a:t>
-            </a:r>
-            <a:r>
-              <a:rPr lang="en-US" sz="1600" dirty="0"/>
-              <a:t> would be split into </a:t>
-            </a:r>
-            <a:r>
-              <a:rPr lang="en-US" sz="1600" b="1" dirty="0"/>
-              <a:t>(10 30 50) </a:t>
-            </a:r>
-            <a:r>
-              <a:rPr lang="en-US" sz="1600" dirty="0"/>
-              <a:t>and </a:t>
-            </a:r>
-            <a:r>
-              <a:rPr lang="en-US" sz="1600" b="1" dirty="0"/>
-              <a:t>(20 40) </a:t>
-            </a:r>
-            <a:r>
-              <a:rPr lang="en-US" sz="1600" dirty="0" smtClean="0"/>
-              <a:t>.</a:t>
-            </a:r>
-          </a:p>
-          <a:p>
-            <a:endParaRPr lang="en-US" sz="1600" dirty="0" smtClean="0"/>
-          </a:p>
-        </p:txBody>
-      </p:sp>
-      <p:sp>
-        <p:nvSpPr>
-          <p:cNvPr id="7" name="Rectangle 6"/>
-          <p:cNvSpPr/>
-          <p:nvPr/>
-        </p:nvSpPr>
-        <p:spPr>
-          <a:xfrm>
-            <a:off x="6286500" y="5668963"/>
-            <a:ext cx="2667000" cy="914400"/>
-          </a:xfrm>
-          <a:prstGeom prst="rect">
-            <a:avLst/>
-          </a:prstGeom>
-          <a:solidFill>
-            <a:schemeClr val="accent3">
-              <a:lumMod val="40000"/>
-              <a:lumOff val="60000"/>
-            </a:schemeClr>
-          </a:solidFill>
-          <a:ln/>
-        </p:spPr>
-        <p:style>
-          <a:lnRef idx="2">
-            <a:schemeClr val="accent1"/>
-          </a:lnRef>
-          <a:fillRef idx="1">
-            <a:schemeClr val="lt1"/>
-          </a:fillRef>
-          <a:effectRef idx="0">
-            <a:schemeClr val="accent1"/>
-          </a:effectRef>
-          <a:fontRef idx="minor">
-            <a:schemeClr val="dk1"/>
-          </a:fontRef>
-        </p:style>
-        <p:txBody>
-          <a:bodyPr rot="0" spcFirstLastPara="0" vertOverflow="overflow" horzOverflow="overflow" vert="horz" wrap="square" lIns="91440" tIns="45720" rIns="91440" bIns="45720" numCol="1" spcCol="0" rtlCol="0" fromWordArt="0" anchor="ctr" anchorCtr="0" forceAA="0" compatLnSpc="1">
-            <a:prstTxWarp prst="textNoShape">
-              <a:avLst/>
-            </a:prstTxWarp>
-            <a:noAutofit/>
-          </a:bodyPr>
-          <a:lstStyle/>
-          <a:p>
-            <a:r>
-              <a:rPr lang="en-US" sz="1600" dirty="0"/>
-              <a:t>We sort each of the pieces, and then merge the </a:t>
-            </a:r>
-            <a:r>
-              <a:rPr lang="en-US" sz="1600" dirty="0" smtClean="0"/>
-              <a:t>sorted results</a:t>
-            </a:r>
-            <a:r>
-              <a:rPr lang="en-US" sz="2000" dirty="0"/>
-              <a:t>.</a:t>
+              <a:rPr lang="en-US" dirty="0" smtClean="0">
+                <a:solidFill>
+                  <a:schemeClr val="tx1"/>
+                </a:solidFill>
+              </a:rPr>
+              <a:t>If the lists are of length n, this function takes time proportional to </a:t>
+            </a:r>
+            <a:r>
+              <a:rPr lang="en-US" b="1" dirty="0" smtClean="0">
+                <a:solidFill>
+                  <a:schemeClr val="tx1"/>
+                </a:solidFill>
+              </a:rPr>
+              <a:t>n</a:t>
+            </a:r>
+            <a:r>
+              <a:rPr lang="en-US" dirty="0" smtClean="0">
+                <a:solidFill>
+                  <a:schemeClr val="tx1"/>
+                </a:solidFill>
+              </a:rPr>
+              <a:t>.  We say that the time is O(</a:t>
+            </a:r>
+            <a:r>
+              <a:rPr lang="en-US" b="1" dirty="0" smtClean="0">
+                <a:solidFill>
+                  <a:schemeClr val="tx1"/>
+                </a:solidFill>
+              </a:rPr>
+              <a:t>n</a:t>
+            </a:r>
+            <a:r>
+              <a:rPr lang="en-US" dirty="0" smtClean="0">
+                <a:solidFill>
+                  <a:schemeClr val="tx1"/>
+                </a:solidFill>
+              </a:rPr>
+              <a:t>).</a:t>
             </a:r>
           </a:p>
         </p:txBody>
       </p:sp>
     </p:spTree>
-    <p:extLst>
-      <p:ext uri="{BB962C8B-B14F-4D97-AF65-F5344CB8AC3E}">
-        <p14:creationId xmlns:p14="http://schemas.microsoft.com/office/powerpoint/2010/main" val="3636176417"/>
-      </p:ext>
-    </p:extLst>
   </p:cSld>
   <p:clrMapOvr>
     <a:masterClrMapping/>
@@ -16878,16 +16985,21 @@
             <p:ph type="title"/>
           </p:nvPr>
         </p:nvSpPr>
-        <p:spPr/>
+        <p:spPr>
+          <a:xfrm>
+            <a:off x="457200" y="304800"/>
+            <a:ext cx="8229600" cy="1143000"/>
+          </a:xfrm>
+        </p:spPr>
         <p:txBody>
           <a:bodyPr/>
           <a:lstStyle/>
           <a:p>
             <a:r>
-              <a:rPr lang="en-US" dirty="0" smtClean="0"/>
-              <a:t>Something new happened here</a:t>
-            </a:r>
-            <a:endParaRPr lang="en-US" dirty="0"/>
+              <a:rPr lang="en-US" b="1" dirty="0" smtClean="0"/>
+              <a:t>merge-sort</a:t>
+            </a:r>
+            <a:endParaRPr lang="en-US" b="1" dirty="0"/>
           </a:p>
         </p:txBody>
       </p:sp>
@@ -16904,131 +17016,301 @@
         <p:spPr/>
         <p:txBody>
           <a:bodyPr>
-            <a:normAutofit/>
+            <a:noAutofit/>
           </a:bodyPr>
           <a:lstStyle/>
           <a:p>
-            <a:r>
-              <a:rPr lang="en-US" dirty="0" smtClean="0"/>
-              <a:t>Merge-sort </a:t>
-            </a:r>
-            <a:r>
-              <a:rPr lang="en-US" dirty="0" smtClean="0"/>
-              <a:t>recurs </a:t>
-            </a:r>
-            <a:r>
-              <a:rPr lang="en-US" dirty="0" smtClean="0"/>
-              <a:t>on two things, neither of which is </a:t>
-            </a:r>
-            <a:r>
-              <a:rPr lang="en-US" b="1" dirty="0" smtClean="0"/>
-              <a:t>(rest </a:t>
-            </a:r>
-            <a:r>
-              <a:rPr lang="en-US" b="1" dirty="0" err="1" smtClean="0"/>
+            <a:pPr>
+              <a:buNone/>
+            </a:pPr>
+            <a:r>
+              <a:rPr lang="en-US" sz="2000" b="1" dirty="0" smtClean="0">
+                <a:latin typeface="Consolas" pitchFamily="49" charset="0"/>
+                <a:cs typeface="Consolas" pitchFamily="49" charset="0"/>
+              </a:rPr>
+              <a:t>;; merge-sort : </a:t>
+            </a:r>
+            <a:r>
+              <a:rPr lang="en-US" sz="2000" b="1" dirty="0" err="1" smtClean="0">
+                <a:latin typeface="Consolas" pitchFamily="49" charset="0"/>
+                <a:cs typeface="Consolas" pitchFamily="49" charset="0"/>
+              </a:rPr>
+              <a:t>ListOfNumber</a:t>
+            </a:r>
+            <a:r>
+              <a:rPr lang="en-US" sz="2000" b="1" dirty="0" smtClean="0">
+                <a:latin typeface="Consolas" pitchFamily="49" charset="0"/>
+                <a:cs typeface="Consolas" pitchFamily="49" charset="0"/>
+              </a:rPr>
+              <a:t> -&gt; </a:t>
+            </a:r>
+            <a:r>
+              <a:rPr lang="en-US" sz="2000" b="1" dirty="0" err="1" smtClean="0">
+                <a:latin typeface="Consolas" pitchFamily="49" charset="0"/>
+                <a:cs typeface="Consolas" pitchFamily="49" charset="0"/>
+              </a:rPr>
+              <a:t>SortedList</a:t>
+            </a:r>
+            <a:endParaRPr lang="en-US" sz="2000" b="1" dirty="0" smtClean="0">
+              <a:latin typeface="Consolas" pitchFamily="49" charset="0"/>
+              <a:cs typeface="Consolas" pitchFamily="49" charset="0"/>
+            </a:endParaRPr>
+          </a:p>
+          <a:p>
+            <a:pPr>
+              <a:buNone/>
+            </a:pPr>
+            <a:r>
+              <a:rPr lang="en-US" sz="2000" b="1" dirty="0" smtClean="0">
+                <a:latin typeface="Consolas" pitchFamily="49" charset="0"/>
+                <a:cs typeface="Consolas" pitchFamily="49" charset="0"/>
+              </a:rPr>
+              <a:t>(define (merge-sort </a:t>
+            </a:r>
+            <a:r>
+              <a:rPr lang="en-US" sz="2000" b="1" dirty="0" err="1" smtClean="0">
+                <a:latin typeface="Consolas" pitchFamily="49" charset="0"/>
+                <a:cs typeface="Consolas" pitchFamily="49" charset="0"/>
+              </a:rPr>
               <a:t>lon</a:t>
             </a:r>
             <a:r>
-              <a:rPr lang="en-US" b="1" dirty="0" smtClean="0"/>
+              <a:rPr lang="en-US" sz="2000" b="1" dirty="0" smtClean="0">
+                <a:latin typeface="Consolas" pitchFamily="49" charset="0"/>
+                <a:cs typeface="Consolas" pitchFamily="49" charset="0"/>
+              </a:rPr>
               <a:t>)</a:t>
             </a:r>
-            <a:r>
-              <a:rPr lang="en-US" dirty="0" smtClean="0"/>
-              <a:t> .</a:t>
-            </a:r>
-          </a:p>
-          <a:p>
-            <a:r>
-              <a:rPr lang="en-US" dirty="0" smtClean="0"/>
-              <a:t>We recurred on </a:t>
-            </a:r>
-          </a:p>
-          <a:p>
-            <a:pPr lvl="1"/>
-            <a:r>
-              <a:rPr lang="en-US" b="1" dirty="0" smtClean="0">
-                <a:latin typeface="Consolas" pitchFamily="49" charset="0"/>
-                <a:cs typeface="Consolas" pitchFamily="49" charset="0"/>
-              </a:rPr>
-              <a:t>(even-elements </a:t>
-            </a:r>
-            <a:r>
-              <a:rPr lang="en-US" b="1" dirty="0" err="1" smtClean="0">
+          </a:p>
+          <a:p>
+            <a:pPr>
+              <a:buNone/>
+            </a:pPr>
+            <a:r>
+              <a:rPr lang="en-US" sz="2000" b="1" dirty="0" smtClean="0">
+                <a:latin typeface="Consolas" pitchFamily="49" charset="0"/>
+                <a:cs typeface="Consolas" pitchFamily="49" charset="0"/>
+              </a:rPr>
+              <a:t>  (</a:t>
+            </a:r>
+            <a:r>
+              <a:rPr lang="en-US" sz="2000" b="1" dirty="0" err="1" smtClean="0">
+                <a:latin typeface="Consolas" pitchFamily="49" charset="0"/>
+                <a:cs typeface="Consolas" pitchFamily="49" charset="0"/>
+              </a:rPr>
+              <a:t>cond</a:t>
+            </a:r>
+            <a:endParaRPr lang="en-US" sz="2000" b="1" dirty="0" smtClean="0">
+              <a:latin typeface="Consolas" pitchFamily="49" charset="0"/>
+              <a:cs typeface="Consolas" pitchFamily="49" charset="0"/>
+            </a:endParaRPr>
+          </a:p>
+          <a:p>
+            <a:pPr>
+              <a:buNone/>
+            </a:pPr>
+            <a:r>
+              <a:rPr lang="en-US" sz="2000" b="1" dirty="0" smtClean="0">
+                <a:latin typeface="Consolas" pitchFamily="49" charset="0"/>
+                <a:cs typeface="Consolas" pitchFamily="49" charset="0"/>
+              </a:rPr>
+              <a:t>    [(empty? </a:t>
+            </a:r>
+            <a:r>
+              <a:rPr lang="en-US" sz="2000" b="1" dirty="0" err="1" smtClean="0">
                 <a:latin typeface="Consolas" pitchFamily="49" charset="0"/>
                 <a:cs typeface="Consolas" pitchFamily="49" charset="0"/>
               </a:rPr>
               <a:t>lon</a:t>
             </a:r>
             <a:r>
-              <a:rPr lang="en-US" b="1" dirty="0" smtClean="0">
-                <a:latin typeface="Consolas" pitchFamily="49" charset="0"/>
-                <a:cs typeface="Consolas" pitchFamily="49" charset="0"/>
-              </a:rPr>
-              <a:t>)</a:t>
-            </a:r>
-          </a:p>
-          <a:p>
-            <a:pPr lvl="1"/>
-            <a:r>
-              <a:rPr lang="en-US" b="1" dirty="0" smtClean="0">
-                <a:latin typeface="Consolas" pitchFamily="49" charset="0"/>
-                <a:cs typeface="Consolas" pitchFamily="49" charset="0"/>
-              </a:rPr>
-              <a:t>(odd-elements  </a:t>
-            </a:r>
-            <a:r>
-              <a:rPr lang="en-US" b="1" dirty="0" err="1" smtClean="0">
+              <a:rPr lang="en-US" sz="2000" b="1" dirty="0" smtClean="0">
+                <a:latin typeface="Consolas" pitchFamily="49" charset="0"/>
+                <a:cs typeface="Consolas" pitchFamily="49" charset="0"/>
+              </a:rPr>
+              <a:t>) </a:t>
+            </a:r>
+            <a:r>
+              <a:rPr lang="en-US" sz="2000" b="1" dirty="0" err="1" smtClean="0">
                 <a:latin typeface="Consolas" pitchFamily="49" charset="0"/>
                 <a:cs typeface="Consolas" pitchFamily="49" charset="0"/>
               </a:rPr>
               <a:t>lon</a:t>
             </a:r>
             <a:r>
-              <a:rPr lang="en-US" b="1" dirty="0" smtClean="0">
-                <a:latin typeface="Consolas" pitchFamily="49" charset="0"/>
-                <a:cs typeface="Consolas" pitchFamily="49" charset="0"/>
-              </a:rPr>
-              <a:t>)</a:t>
-            </a:r>
-          </a:p>
-          <a:p>
-            <a:r>
-              <a:rPr lang="en-US" dirty="0" smtClean="0"/>
-              <a:t>Neither of these is a </a:t>
-            </a:r>
-            <a:r>
-              <a:rPr lang="en-US" dirty="0" err="1" smtClean="0"/>
-              <a:t>sublist</a:t>
-            </a:r>
-            <a:r>
-              <a:rPr lang="en-US" dirty="0" smtClean="0"/>
-              <a:t> of </a:t>
-            </a:r>
-            <a:r>
-              <a:rPr lang="en-US" b="1" dirty="0" err="1" smtClean="0"/>
+              <a:rPr lang="en-US" sz="2000" b="1" dirty="0" smtClean="0">
+                <a:latin typeface="Consolas" pitchFamily="49" charset="0"/>
+                <a:cs typeface="Consolas" pitchFamily="49" charset="0"/>
+              </a:rPr>
+              <a:t>]</a:t>
+            </a:r>
+          </a:p>
+          <a:p>
+            <a:pPr>
+              <a:buNone/>
+            </a:pPr>
+            <a:r>
+              <a:rPr lang="en-US" sz="2000" b="1" dirty="0" smtClean="0">
+                <a:latin typeface="Consolas" pitchFamily="49" charset="0"/>
+                <a:cs typeface="Consolas" pitchFamily="49" charset="0"/>
+              </a:rPr>
+              <a:t>    [(empty? (rest </a:t>
+            </a:r>
+            <a:r>
+              <a:rPr lang="en-US" sz="2000" b="1" dirty="0" err="1" smtClean="0">
+                <a:latin typeface="Consolas" pitchFamily="49" charset="0"/>
+                <a:cs typeface="Consolas" pitchFamily="49" charset="0"/>
+              </a:rPr>
               <a:t>lon</a:t>
             </a:r>
             <a:r>
-              <a:rPr lang="en-US" b="1" dirty="0" smtClean="0"/>
-              <a:t> </a:t>
-            </a:r>
-          </a:p>
-          <a:p>
-            <a:pPr lvl="1"/>
-            <a:r>
-              <a:rPr lang="en-US" dirty="0" smtClean="0"/>
-              <a:t>So this is definitely general recursion, not structural recursion.</a:t>
-            </a:r>
-          </a:p>
-          <a:p>
-            <a:pPr lvl="1"/>
-            <a:endParaRPr lang="en-US" dirty="0"/>
-          </a:p>
-        </p:txBody>
-      </p:sp>
-      <p:sp>
-        <p:nvSpPr>
-          <p:cNvPr id="5" name="Slide Number Placeholder 4"/>
+              <a:rPr lang="en-US" sz="2000" b="1" dirty="0" smtClean="0">
+                <a:latin typeface="Consolas" pitchFamily="49" charset="0"/>
+                <a:cs typeface="Consolas" pitchFamily="49" charset="0"/>
+              </a:rPr>
+              <a:t>)) </a:t>
+            </a:r>
+            <a:r>
+              <a:rPr lang="en-US" sz="2000" b="1" dirty="0" err="1" smtClean="0">
+                <a:latin typeface="Consolas" pitchFamily="49" charset="0"/>
+                <a:cs typeface="Consolas" pitchFamily="49" charset="0"/>
+              </a:rPr>
+              <a:t>lon</a:t>
+            </a:r>
+            <a:r>
+              <a:rPr lang="en-US" sz="2000" b="1" dirty="0" smtClean="0">
+                <a:latin typeface="Consolas" pitchFamily="49" charset="0"/>
+                <a:cs typeface="Consolas" pitchFamily="49" charset="0"/>
+              </a:rPr>
+              <a:t>]</a:t>
+            </a:r>
+          </a:p>
+          <a:p>
+            <a:pPr>
+              <a:buNone/>
+            </a:pPr>
+            <a:r>
+              <a:rPr lang="en-US" sz="2000" b="1" dirty="0" smtClean="0">
+                <a:latin typeface="Consolas" pitchFamily="49" charset="0"/>
+                <a:cs typeface="Consolas" pitchFamily="49" charset="0"/>
+              </a:rPr>
+              <a:t>    [else</a:t>
+            </a:r>
+          </a:p>
+          <a:p>
+            <a:pPr>
+              <a:buNone/>
+            </a:pPr>
+            <a:r>
+              <a:rPr lang="en-US" sz="2000" b="1" dirty="0" smtClean="0">
+                <a:latin typeface="Consolas" pitchFamily="49" charset="0"/>
+                <a:cs typeface="Consolas" pitchFamily="49" charset="0"/>
+              </a:rPr>
+              <a:t>      (local</a:t>
+            </a:r>
+          </a:p>
+          <a:p>
+            <a:pPr>
+              <a:buNone/>
+            </a:pPr>
+            <a:r>
+              <a:rPr lang="en-US" sz="2000" b="1" dirty="0" smtClean="0">
+                <a:latin typeface="Consolas" pitchFamily="49" charset="0"/>
+                <a:cs typeface="Consolas" pitchFamily="49" charset="0"/>
+              </a:rPr>
+              <a:t>       ((define evens (even-elements </a:t>
+            </a:r>
+            <a:r>
+              <a:rPr lang="en-US" sz="2000" b="1" dirty="0" err="1" smtClean="0">
+                <a:latin typeface="Consolas" pitchFamily="49" charset="0"/>
+                <a:cs typeface="Consolas" pitchFamily="49" charset="0"/>
+              </a:rPr>
+              <a:t>lon</a:t>
+            </a:r>
+            <a:r>
+              <a:rPr lang="en-US" sz="2000" b="1" dirty="0" smtClean="0">
+                <a:latin typeface="Consolas" pitchFamily="49" charset="0"/>
+                <a:cs typeface="Consolas" pitchFamily="49" charset="0"/>
+              </a:rPr>
+              <a:t>))</a:t>
+            </a:r>
+          </a:p>
+          <a:p>
+            <a:pPr>
+              <a:buNone/>
+            </a:pPr>
+            <a:r>
+              <a:rPr lang="en-US" sz="2000" b="1" dirty="0" smtClean="0">
+                <a:latin typeface="Consolas" pitchFamily="49" charset="0"/>
+                <a:cs typeface="Consolas" pitchFamily="49" charset="0"/>
+              </a:rPr>
+              <a:t>        (define odds  (odd-elements </a:t>
+            </a:r>
+            <a:r>
+              <a:rPr lang="en-US" sz="2000" b="1" dirty="0" err="1" smtClean="0">
+                <a:latin typeface="Consolas" pitchFamily="49" charset="0"/>
+                <a:cs typeface="Consolas" pitchFamily="49" charset="0"/>
+              </a:rPr>
+              <a:t>lon</a:t>
+            </a:r>
+            <a:r>
+              <a:rPr lang="en-US" sz="2000" b="1" dirty="0" smtClean="0">
+                <a:latin typeface="Consolas" pitchFamily="49" charset="0"/>
+                <a:cs typeface="Consolas" pitchFamily="49" charset="0"/>
+              </a:rPr>
+              <a:t>)))</a:t>
+            </a:r>
+          </a:p>
+          <a:p>
+            <a:pPr>
+              <a:buNone/>
+            </a:pPr>
+            <a:r>
+              <a:rPr lang="en-US" sz="2000" b="1" dirty="0" smtClean="0">
+                <a:latin typeface="Consolas" pitchFamily="49" charset="0"/>
+                <a:cs typeface="Consolas" pitchFamily="49" charset="0"/>
+              </a:rPr>
+              <a:t>       (merge </a:t>
+            </a:r>
+          </a:p>
+          <a:p>
+            <a:pPr>
+              <a:buNone/>
+            </a:pPr>
+            <a:r>
+              <a:rPr lang="en-US" sz="2000" b="1" dirty="0" smtClean="0">
+                <a:latin typeface="Consolas" pitchFamily="49" charset="0"/>
+                <a:cs typeface="Consolas" pitchFamily="49" charset="0"/>
+              </a:rPr>
+              <a:t>        (merge-sort evens)</a:t>
+            </a:r>
+          </a:p>
+          <a:p>
+            <a:pPr>
+              <a:buNone/>
+            </a:pPr>
+            <a:r>
+              <a:rPr lang="en-US" sz="2000" b="1" dirty="0" smtClean="0">
+                <a:latin typeface="Consolas" pitchFamily="49" charset="0"/>
+                <a:cs typeface="Consolas" pitchFamily="49" charset="0"/>
+              </a:rPr>
+              <a:t>        (merge-sort odds)))]))</a:t>
+            </a:r>
+          </a:p>
+          <a:p>
+            <a:pPr>
+              <a:buNone/>
+            </a:pPr>
+            <a:endParaRPr lang="en-US" sz="2000" b="1" dirty="0" smtClean="0">
+              <a:latin typeface="Courier New" pitchFamily="49" charset="0"/>
+              <a:cs typeface="Courier New" pitchFamily="49" charset="0"/>
+            </a:endParaRPr>
+          </a:p>
+        </p:txBody>
+      </p:sp>
+      <p:sp>
+        <p:nvSpPr>
+          <p:cNvPr id="4" name="Slide Number Placeholder 3"/>
           <p:cNvSpPr>
             <a:spLocks noGrp="1"/>
           </p:cNvSpPr>
@@ -17050,7 +17332,165 @@
           </a:p>
         </p:txBody>
       </p:sp>
+      <p:sp>
+        <p:nvSpPr>
+          <p:cNvPr id="6" name="Rectangle 5"/>
+          <p:cNvSpPr/>
+          <p:nvPr/>
+        </p:nvSpPr>
+        <p:spPr>
+          <a:xfrm>
+            <a:off x="6477000" y="1981200"/>
+            <a:ext cx="2743200" cy="3810000"/>
+          </a:xfrm>
+          <a:prstGeom prst="rect">
+            <a:avLst/>
+          </a:prstGeom>
+          <a:solidFill>
+            <a:schemeClr val="accent3">
+              <a:lumMod val="40000"/>
+              <a:lumOff val="60000"/>
+            </a:schemeClr>
+          </a:solidFill>
+          <a:ln/>
+        </p:spPr>
+        <p:style>
+          <a:lnRef idx="2">
+            <a:schemeClr val="accent1"/>
+          </a:lnRef>
+          <a:fillRef idx="1">
+            <a:schemeClr val="lt1"/>
+          </a:fillRef>
+          <a:effectRef idx="0">
+            <a:schemeClr val="accent1"/>
+          </a:effectRef>
+          <a:fontRef idx="minor">
+            <a:schemeClr val="dk1"/>
+          </a:fontRef>
+        </p:style>
+        <p:txBody>
+          <a:bodyPr rot="0" spcFirstLastPara="0" vertOverflow="overflow" horzOverflow="overflow" vert="horz" wrap="square" lIns="91440" tIns="45720" rIns="91440" bIns="45720" numCol="1" spcCol="0" rtlCol="0" fromWordArt="0" anchor="ctr" anchorCtr="0" forceAA="0" compatLnSpc="1">
+            <a:prstTxWarp prst="textNoShape">
+              <a:avLst/>
+            </a:prstTxWarp>
+            <a:noAutofit/>
+          </a:bodyPr>
+          <a:lstStyle/>
+          <a:p>
+            <a:r>
+              <a:rPr lang="en-US" sz="1600" dirty="0"/>
+              <a:t>Now we can write merge-sort.  merge-sort takes its input and divides it into two approximately equal-sized pieces.  </a:t>
+            </a:r>
+            <a:endParaRPr lang="en-US" sz="1600" dirty="0" smtClean="0"/>
+          </a:p>
+          <a:p>
+            <a:endParaRPr lang="en-US" sz="1600" dirty="0" smtClean="0"/>
+          </a:p>
+          <a:p>
+            <a:r>
+              <a:rPr lang="en-US" sz="1600" dirty="0" smtClean="0"/>
+              <a:t>Depending </a:t>
+            </a:r>
+            <a:r>
+              <a:rPr lang="en-US" sz="1600" dirty="0"/>
+              <a:t>on the data structures we use, this can be done in different ways.  We are using lists, so the easiest way is to take every other element of the list, so the list </a:t>
+            </a:r>
+            <a:r>
+              <a:rPr lang="en-US" sz="1600" b="1" dirty="0"/>
+              <a:t>(10 20 30 40 50)</a:t>
+            </a:r>
+            <a:r>
+              <a:rPr lang="en-US" sz="1600" dirty="0"/>
+              <a:t> would be split into </a:t>
+            </a:r>
+            <a:r>
+              <a:rPr lang="en-US" sz="1600" b="1" dirty="0"/>
+              <a:t>(10 30 50) </a:t>
+            </a:r>
+            <a:r>
+              <a:rPr lang="en-US" sz="1600" dirty="0"/>
+              <a:t>and </a:t>
+            </a:r>
+            <a:r>
+              <a:rPr lang="en-US" sz="1600" b="1" dirty="0"/>
+              <a:t>(20 40) </a:t>
+            </a:r>
+            <a:r>
+              <a:rPr lang="en-US" sz="1600" dirty="0" smtClean="0"/>
+              <a:t>.</a:t>
+            </a:r>
+          </a:p>
+          <a:p>
+            <a:endParaRPr lang="en-US" sz="1600" dirty="0" smtClean="0"/>
+          </a:p>
+        </p:txBody>
+      </p:sp>
+      <p:sp>
+        <p:nvSpPr>
+          <p:cNvPr id="7" name="Rectangle 6"/>
+          <p:cNvSpPr/>
+          <p:nvPr/>
+        </p:nvSpPr>
+        <p:spPr>
+          <a:xfrm>
+            <a:off x="6477000" y="5943600"/>
+            <a:ext cx="2667000" cy="914400"/>
+          </a:xfrm>
+          <a:prstGeom prst="rect">
+            <a:avLst/>
+          </a:prstGeom>
+          <a:solidFill>
+            <a:schemeClr val="accent3">
+              <a:lumMod val="40000"/>
+              <a:lumOff val="60000"/>
+            </a:schemeClr>
+          </a:solidFill>
+          <a:ln/>
+        </p:spPr>
+        <p:style>
+          <a:lnRef idx="2">
+            <a:schemeClr val="accent1"/>
+          </a:lnRef>
+          <a:fillRef idx="1">
+            <a:schemeClr val="lt1"/>
+          </a:fillRef>
+          <a:effectRef idx="0">
+            <a:schemeClr val="accent1"/>
+          </a:effectRef>
+          <a:fontRef idx="minor">
+            <a:schemeClr val="dk1"/>
+          </a:fontRef>
+        </p:style>
+        <p:txBody>
+          <a:bodyPr rot="0" spcFirstLastPara="0" vertOverflow="overflow" horzOverflow="overflow" vert="horz" wrap="square" lIns="91440" tIns="45720" rIns="91440" bIns="45720" numCol="1" spcCol="0" rtlCol="0" fromWordArt="0" anchor="ctr" anchorCtr="0" forceAA="0" compatLnSpc="1">
+            <a:prstTxWarp prst="textNoShape">
+              <a:avLst/>
+            </a:prstTxWarp>
+            <a:noAutofit/>
+          </a:bodyPr>
+          <a:lstStyle/>
+          <a:p>
+            <a:r>
+              <a:rPr lang="en-US" sz="1600" dirty="0"/>
+              <a:t>We sort each of the pieces, and then merge the </a:t>
+            </a:r>
+            <a:r>
+              <a:rPr lang="en-US" sz="1600" dirty="0" smtClean="0"/>
+              <a:t>sorted results</a:t>
+            </a:r>
+            <a:r>
+              <a:rPr lang="en-US" sz="2000" dirty="0"/>
+              <a:t>.</a:t>
+            </a:r>
+          </a:p>
+        </p:txBody>
+      </p:sp>
     </p:spTree>
+    <p:extLst>
+      <p:ext uri="{BB962C8B-B14F-4D97-AF65-F5344CB8AC3E}">
+        <p14:creationId xmlns:p14="http://schemas.microsoft.com/office/powerpoint/2010/main" val="3636176417"/>
+      </p:ext>
+    </p:extLst>
   </p:cSld>
   <p:clrMapOvr>
     <a:masterClrMapping/>
@@ -17099,7 +17539,7 @@
           <a:p>
             <a:r>
               <a:rPr lang="en-US" dirty="0" smtClean="0"/>
-              <a:t>Running time for merge sort</a:t>
+              <a:t>Something new happened here</a:t>
             </a:r>
             <a:endParaRPr lang="en-US" dirty="0"/>
           </a:p>
@@ -17118,25 +17558,21 @@
         <p:spPr/>
         <p:txBody>
           <a:bodyPr>
-            <a:normAutofit fontScale="85000" lnSpcReduction="20000"/>
+            <a:normAutofit lnSpcReduction="10000"/>
           </a:bodyPr>
           <a:lstStyle/>
           <a:p>
             <a:r>
-              <a:rPr lang="en-US" dirty="0"/>
-              <a:t>Splitting the list in this way takes time proportional to the length n of the list.  The call to merge likewise takes time proportional to </a:t>
-            </a:r>
-            <a:r>
-              <a:rPr lang="en-US" b="1" dirty="0"/>
-              <a:t>n</a:t>
-            </a:r>
-            <a:r>
-              <a:rPr lang="en-US" dirty="0"/>
-              <a:t>.  We say this time is </a:t>
-            </a:r>
-            <a:r>
-              <a:rPr lang="en-US" b="1" dirty="0"/>
-              <a:t>O(n</a:t>
+              <a:rPr lang="en-US" dirty="0" smtClean="0"/>
+              <a:t>Merge-sort did something very different: it recurs on two things, neither of which is </a:t>
+            </a:r>
+            <a:r>
+              <a:rPr lang="en-US" b="1" dirty="0" smtClean="0"/>
+              <a:t>(rest </a:t>
+            </a:r>
+            <a:r>
+              <a:rPr lang="en-US" b="1" dirty="0" err="1" smtClean="0"/>
+              <a:t>lon</a:t>
             </a:r>
             <a:r>
               <a:rPr lang="en-US" b="1" dirty="0" smtClean="0"/>
@@ -17144,140 +17580,101 @@
             </a:r>
             <a:r>
               <a:rPr lang="en-US" dirty="0" smtClean="0"/>
-              <a:t>.</a:t>
-            </a:r>
+              <a:t> .</a:t>
+            </a:r>
+          </a:p>
+          <a:p>
+            <a:r>
+              <a:rPr lang="en-US" dirty="0" smtClean="0"/>
+              <a:t>We recurred on </a:t>
+            </a:r>
+          </a:p>
+          <a:p>
+            <a:pPr lvl="1"/>
+            <a:r>
+              <a:rPr lang="en-US" b="1" dirty="0" smtClean="0">
+                <a:latin typeface="Consolas" pitchFamily="49" charset="0"/>
+                <a:cs typeface="Consolas" pitchFamily="49" charset="0"/>
+              </a:rPr>
+              <a:t>(even-elements </a:t>
+            </a:r>
+            <a:r>
+              <a:rPr lang="en-US" b="1" dirty="0" err="1" smtClean="0">
+                <a:latin typeface="Consolas" pitchFamily="49" charset="0"/>
+                <a:cs typeface="Consolas" pitchFamily="49" charset="0"/>
+              </a:rPr>
+              <a:t>lon</a:t>
+            </a:r>
+            <a:r>
+              <a:rPr lang="en-US" b="1" dirty="0" smtClean="0">
+                <a:latin typeface="Consolas" pitchFamily="49" charset="0"/>
+                <a:cs typeface="Consolas" pitchFamily="49" charset="0"/>
+              </a:rPr>
+              <a:t>)</a:t>
+            </a:r>
+          </a:p>
+          <a:p>
+            <a:pPr lvl="1"/>
+            <a:r>
+              <a:rPr lang="en-US" b="1" dirty="0" smtClean="0">
+                <a:latin typeface="Consolas" pitchFamily="49" charset="0"/>
+                <a:cs typeface="Consolas" pitchFamily="49" charset="0"/>
+              </a:rPr>
+              <a:t>(odd-elements  </a:t>
+            </a:r>
+            <a:r>
+              <a:rPr lang="en-US" b="1" dirty="0" err="1" smtClean="0">
+                <a:latin typeface="Consolas" pitchFamily="49" charset="0"/>
+                <a:cs typeface="Consolas" pitchFamily="49" charset="0"/>
+              </a:rPr>
+              <a:t>lon</a:t>
+            </a:r>
+            <a:r>
+              <a:rPr lang="en-US" b="1" dirty="0" smtClean="0">
+                <a:latin typeface="Consolas" pitchFamily="49" charset="0"/>
+                <a:cs typeface="Consolas" pitchFamily="49" charset="0"/>
+              </a:rPr>
+              <a:t>)</a:t>
+            </a:r>
+          </a:p>
+          <a:p>
+            <a:r>
+              <a:rPr lang="en-US" dirty="0" smtClean="0"/>
+              <a:t>Neither of these is a </a:t>
+            </a:r>
+            <a:r>
+              <a:rPr lang="en-US" dirty="0" err="1" smtClean="0"/>
+              <a:t>sublist</a:t>
+            </a:r>
+            <a:r>
+              <a:rPr lang="en-US" dirty="0" smtClean="0"/>
+              <a:t> of </a:t>
+            </a:r>
+            <a:r>
+              <a:rPr lang="en-US" b="1" dirty="0" err="1" smtClean="0"/>
+              <a:t>lon</a:t>
+            </a:r>
+            <a:r>
+              <a:rPr lang="en-US" b="1" dirty="0" smtClean="0"/>
+              <a:t> </a:t>
+            </a:r>
+          </a:p>
+          <a:p>
+            <a:pPr lvl="1"/>
+            <a:r>
+              <a:rPr lang="en-US" dirty="0" smtClean="0"/>
+              <a:t>So this is definitely general recursion, not structural recursion.</a:t>
+            </a:r>
+          </a:p>
+          <a:p>
+            <a:pPr lvl="1"/>
             <a:endParaRPr lang="en-US" dirty="0"/>
           </a:p>
-          <a:p>
-            <a:r>
-              <a:rPr lang="en-US" dirty="0"/>
-              <a:t>If </a:t>
-            </a:r>
-            <a:r>
-              <a:rPr lang="en-US" b="1" dirty="0"/>
-              <a:t>T(n) </a:t>
-            </a:r>
-            <a:r>
-              <a:rPr lang="en-US" dirty="0"/>
-              <a:t>is the time to sort a list of length </a:t>
-            </a:r>
-            <a:r>
-              <a:rPr lang="en-US" b="1" dirty="0"/>
-              <a:t>n</a:t>
-            </a:r>
-            <a:r>
-              <a:rPr lang="en-US" dirty="0"/>
-              <a:t>, then </a:t>
-            </a:r>
-            <a:r>
-              <a:rPr lang="en-US" b="1" dirty="0"/>
-              <a:t>T(n) </a:t>
-            </a:r>
-            <a:r>
-              <a:rPr lang="en-US" dirty="0"/>
-              <a:t>is equal to the time </a:t>
-            </a:r>
-            <a:r>
-              <a:rPr lang="en-US" b="1" dirty="0"/>
-              <a:t>2*T(n/2) </a:t>
-            </a:r>
-            <a:r>
-              <a:rPr lang="en-US" dirty="0"/>
-              <a:t>that it takes to sort </a:t>
-            </a:r>
-            <a:r>
-              <a:rPr lang="en-US" dirty="0" smtClean="0"/>
-              <a:t>the two </a:t>
-            </a:r>
-            <a:r>
-              <a:rPr lang="en-US" dirty="0" err="1" smtClean="0"/>
-              <a:t>sublists</a:t>
-            </a:r>
-            <a:r>
-              <a:rPr lang="en-US" dirty="0"/>
-              <a:t>, plus the </a:t>
-            </a:r>
-            <a:r>
-              <a:rPr lang="en-US" dirty="0" smtClean="0"/>
-              <a:t>time </a:t>
-            </a:r>
-            <a:r>
-              <a:rPr lang="en-US" b="1" dirty="0" smtClean="0"/>
-              <a:t>O(n</a:t>
-            </a:r>
-            <a:r>
-              <a:rPr lang="en-US" b="1" dirty="0"/>
-              <a:t>) </a:t>
-            </a:r>
-            <a:r>
-              <a:rPr lang="en-US" dirty="0"/>
-              <a:t>of splitting the list and merging the two results</a:t>
-            </a:r>
-            <a:r>
-              <a:rPr lang="en-US" dirty="0" smtClean="0"/>
-              <a:t>:</a:t>
-            </a:r>
-            <a:endParaRPr lang="en-US" dirty="0"/>
-          </a:p>
-          <a:p>
-            <a:r>
-              <a:rPr lang="en-US" dirty="0" smtClean="0"/>
-              <a:t>So the overall time is</a:t>
-            </a:r>
-          </a:p>
-          <a:p>
-            <a:pPr marL="0" indent="0" algn="ctr">
-              <a:buNone/>
-            </a:pPr>
-            <a:r>
-              <a:rPr lang="en-US" b="1" dirty="0" smtClean="0"/>
-              <a:t>T(n</a:t>
-            </a:r>
-            <a:r>
-              <a:rPr lang="en-US" b="1" dirty="0"/>
-              <a:t>) = 2*T(n/2) + O(n</a:t>
-            </a:r>
-            <a:r>
-              <a:rPr lang="en-US" b="1" dirty="0" smtClean="0"/>
-              <a:t>)</a:t>
-            </a:r>
-            <a:endParaRPr lang="en-US" b="1" dirty="0"/>
-          </a:p>
-          <a:p>
-            <a:r>
-              <a:rPr lang="en-US" dirty="0"/>
-              <a:t>When you take algorithms, you will learn that all this implies that </a:t>
-            </a:r>
-            <a:r>
-              <a:rPr lang="en-US" b="1" dirty="0"/>
-              <a:t>T(n) = O(n log n).  </a:t>
-            </a:r>
-            <a:r>
-              <a:rPr lang="en-US" dirty="0"/>
-              <a:t>This is better than an insertion sort, which takes </a:t>
-            </a:r>
-            <a:r>
-              <a:rPr lang="en-US" b="1" dirty="0"/>
-              <a:t>O(n^2</a:t>
-            </a:r>
-            <a:r>
-              <a:rPr lang="en-US" b="1" dirty="0" smtClean="0"/>
-              <a:t>)</a:t>
-            </a:r>
-            <a:r>
-              <a:rPr lang="en-US" dirty="0" smtClean="0"/>
-              <a:t>. </a:t>
-            </a:r>
-            <a:endParaRPr lang="en-US" dirty="0"/>
-          </a:p>
-          <a:p>
-            <a:endParaRPr lang="en-US" dirty="0"/>
-          </a:p>
-        </p:txBody>
-      </p:sp>
-      <p:sp>
-        <p:nvSpPr>
-          <p:cNvPr id="4" name="Slide Number Placeholder 3"/>
+        </p:txBody>
+      </p:sp>
+      <p:sp>
+        <p:nvSpPr>
+          <p:cNvPr id="5" name="Slide Number Placeholder 4"/>
           <p:cNvSpPr>
             <a:spLocks noGrp="1"/>
           </p:cNvSpPr>
@@ -17300,11 +17697,6 @@
         </p:txBody>
       </p:sp>
     </p:spTree>
-    <p:extLst>
-      <p:ext uri="{BB962C8B-B14F-4D97-AF65-F5344CB8AC3E}">
-        <p14:creationId xmlns:p14="http://schemas.microsoft.com/office/powerpoint/2010/main" val="23158158"/>
-      </p:ext>
-    </p:extLst>
   </p:cSld>
   <p:clrMapOvr>
     <a:masterClrMapping/>
@@ -17338,7 +17730,7 @@
       </p:grpSpPr>
       <p:sp>
         <p:nvSpPr>
-          <p:cNvPr id="5" name="Title 4"/>
+          <p:cNvPr id="2" name="Title 1"/>
           <p:cNvSpPr>
             <a:spLocks noGrp="1"/>
           </p:cNvSpPr>
@@ -17353,7 +17745,7 @@
           <a:p>
             <a:r>
               <a:rPr lang="en-US" dirty="0" smtClean="0"/>
-              <a:t>Lesson Summary</a:t>
+              <a:t>Running time for merge sort</a:t>
             </a:r>
             <a:endParaRPr lang="en-US" dirty="0"/>
           </a:p>
@@ -17361,7 +17753,7 @@
       </p:sp>
       <p:sp>
         <p:nvSpPr>
-          <p:cNvPr id="6" name="Content Placeholder 5"/>
+          <p:cNvPr id="3" name="Content Placeholder 2"/>
           <p:cNvSpPr>
             <a:spLocks noGrp="1"/>
           </p:cNvSpPr>
@@ -17371,46 +17763,182 @@
         </p:nvSpPr>
         <p:spPr/>
         <p:txBody>
+          <a:bodyPr>
+            <a:normAutofit fontScale="85000" lnSpcReduction="20000"/>
+          </a:bodyPr>
+          <a:lstStyle/>
+          <a:p>
+            <a:r>
+              <a:rPr lang="en-US" dirty="0"/>
+              <a:t>Splitting the list in this way takes time proportional to the length n of the list.  The call to merge likewise takes time proportional to </a:t>
+            </a:r>
+            <a:r>
+              <a:rPr lang="en-US" b="1" dirty="0"/>
+              <a:t>n</a:t>
+            </a:r>
+            <a:r>
+              <a:rPr lang="en-US" dirty="0"/>
+              <a:t>.  We say this time is </a:t>
+            </a:r>
+            <a:r>
+              <a:rPr lang="en-US" b="1" dirty="0"/>
+              <a:t>O(n</a:t>
+            </a:r>
+            <a:r>
+              <a:rPr lang="en-US" b="1" dirty="0" smtClean="0"/>
+              <a:t>)</a:t>
+            </a:r>
+            <a:r>
+              <a:rPr lang="en-US" dirty="0" smtClean="0"/>
+              <a:t>.</a:t>
+            </a:r>
+            <a:endParaRPr lang="en-US" dirty="0"/>
+          </a:p>
+          <a:p>
+            <a:r>
+              <a:rPr lang="en-US" dirty="0"/>
+              <a:t>If </a:t>
+            </a:r>
+            <a:r>
+              <a:rPr lang="en-US" b="1" dirty="0"/>
+              <a:t>T(n) </a:t>
+            </a:r>
+            <a:r>
+              <a:rPr lang="en-US" dirty="0"/>
+              <a:t>is the time to sort a list of length </a:t>
+            </a:r>
+            <a:r>
+              <a:rPr lang="en-US" b="1" dirty="0"/>
+              <a:t>n</a:t>
+            </a:r>
+            <a:r>
+              <a:rPr lang="en-US" dirty="0"/>
+              <a:t>, then </a:t>
+            </a:r>
+            <a:r>
+              <a:rPr lang="en-US" b="1" dirty="0"/>
+              <a:t>T(n) </a:t>
+            </a:r>
+            <a:r>
+              <a:rPr lang="en-US" dirty="0"/>
+              <a:t>is equal to the time </a:t>
+            </a:r>
+            <a:r>
+              <a:rPr lang="en-US" b="1" dirty="0"/>
+              <a:t>2*T(n/2) </a:t>
+            </a:r>
+            <a:r>
+              <a:rPr lang="en-US" dirty="0"/>
+              <a:t>that it takes to sort </a:t>
+            </a:r>
+            <a:r>
+              <a:rPr lang="en-US" dirty="0" smtClean="0"/>
+              <a:t>the two </a:t>
+            </a:r>
+            <a:r>
+              <a:rPr lang="en-US" dirty="0" err="1" smtClean="0"/>
+              <a:t>sublists</a:t>
+            </a:r>
+            <a:r>
+              <a:rPr lang="en-US" dirty="0"/>
+              <a:t>, plus the </a:t>
+            </a:r>
+            <a:r>
+              <a:rPr lang="en-US" dirty="0" smtClean="0"/>
+              <a:t>time </a:t>
+            </a:r>
+            <a:r>
+              <a:rPr lang="en-US" b="1" dirty="0" smtClean="0"/>
+              <a:t>O(n</a:t>
+            </a:r>
+            <a:r>
+              <a:rPr lang="en-US" b="1" dirty="0"/>
+              <a:t>) </a:t>
+            </a:r>
+            <a:r>
+              <a:rPr lang="en-US" dirty="0"/>
+              <a:t>of splitting the list and merging the two results</a:t>
+            </a:r>
+            <a:r>
+              <a:rPr lang="en-US" dirty="0" smtClean="0"/>
+              <a:t>:</a:t>
+            </a:r>
+            <a:endParaRPr lang="en-US" dirty="0"/>
+          </a:p>
+          <a:p>
+            <a:r>
+              <a:rPr lang="en-US" dirty="0" smtClean="0"/>
+              <a:t>So the overall time is</a:t>
+            </a:r>
+          </a:p>
+          <a:p>
+            <a:pPr marL="0" indent="0" algn="ctr">
+              <a:buNone/>
+            </a:pPr>
+            <a:r>
+              <a:rPr lang="en-US" b="1" dirty="0" smtClean="0"/>
+              <a:t>T(n</a:t>
+            </a:r>
+            <a:r>
+              <a:rPr lang="en-US" b="1" dirty="0"/>
+              <a:t>) = 2*T(n/2) + O(n</a:t>
+            </a:r>
+            <a:r>
+              <a:rPr lang="en-US" b="1" dirty="0" smtClean="0"/>
+              <a:t>)</a:t>
+            </a:r>
+            <a:endParaRPr lang="en-US" b="1" dirty="0"/>
+          </a:p>
+          <a:p>
+            <a:r>
+              <a:rPr lang="en-US" dirty="0"/>
+              <a:t>When you take algorithms, you will learn that all this implies that </a:t>
+            </a:r>
+            <a:r>
+              <a:rPr lang="en-US" b="1" dirty="0"/>
+              <a:t>T(n) = O(n log n).  </a:t>
+            </a:r>
+            <a:r>
+              <a:rPr lang="en-US" dirty="0"/>
+              <a:t>This is better than an insertion sort, which takes </a:t>
+            </a:r>
+            <a:r>
+              <a:rPr lang="en-US" b="1" dirty="0"/>
+              <a:t>O(n^2</a:t>
+            </a:r>
+            <a:r>
+              <a:rPr lang="en-US" b="1" dirty="0" smtClean="0"/>
+              <a:t>)</a:t>
+            </a:r>
+            <a:r>
+              <a:rPr lang="en-US" dirty="0" smtClean="0"/>
+              <a:t>. </a:t>
+            </a:r>
+            <a:endParaRPr lang="en-US" dirty="0"/>
+          </a:p>
+          <a:p>
+            <a:endParaRPr lang="en-US" dirty="0"/>
+          </a:p>
+        </p:txBody>
+      </p:sp>
+      <p:sp>
+        <p:nvSpPr>
+          <p:cNvPr id="4" name="Slide Number Placeholder 3"/>
+          <p:cNvSpPr>
+            <a:spLocks noGrp="1"/>
+          </p:cNvSpPr>
+          <p:nvPr>
+            <p:ph type="sldNum" sz="quarter" idx="12"/>
+          </p:nvPr>
+        </p:nvSpPr>
+        <p:spPr/>
+        <p:txBody>
           <a:bodyPr/>
           <a:lstStyle/>
           <a:p>
-            <a:r>
-              <a:rPr lang="en-US" dirty="0" smtClean="0"/>
-              <a:t>We've seen three examples of functions that do not fit the structural recursion pattern.</a:t>
-            </a:r>
-          </a:p>
-          <a:p>
-            <a:r>
-              <a:rPr lang="en-US" dirty="0" smtClean="0"/>
-              <a:t>We introduced "general recursion", a new class of templates that give the writer more flexibility in writing functions that divide and conquer.</a:t>
-            </a:r>
-          </a:p>
-          <a:p>
-            <a:r>
-              <a:rPr lang="en-US" dirty="0" smtClean="0"/>
-              <a:t>We wrote a recipe for writing general-recursion templates.</a:t>
-            </a:r>
-            <a:endParaRPr lang="en-US" dirty="0"/>
-          </a:p>
-        </p:txBody>
-      </p:sp>
-      <p:sp>
-        <p:nvSpPr>
-          <p:cNvPr id="4" name="Slide Number Placeholder 3"/>
-          <p:cNvSpPr>
-            <a:spLocks noGrp="1"/>
-          </p:cNvSpPr>
-          <p:nvPr>
-            <p:ph type="sldNum" sz="quarter" idx="12"/>
-          </p:nvPr>
-        </p:nvSpPr>
-        <p:spPr/>
-        <p:txBody>
-          <a:bodyPr/>
-          <a:lstStyle/>
-          <a:p>
-            <a:fld id="{2AF3B5EA-18B6-4040-9F78-6052AF49C681}" type="slidenum">
+            <a:fld id="{9F4492BD-6A9C-48FC-AC76-0B4FE11194A1}" type="slidenum">
               <a:rPr lang="en-US" smtClean="0"/>
+              <a:pPr/>
               <a:t>33</a:t>
             </a:fld>
             <a:endParaRPr lang="en-US"/>
@@ -17420,7 +17948,7 @@
     </p:spTree>
     <p:extLst>
       <p:ext uri="{BB962C8B-B14F-4D97-AF65-F5344CB8AC3E}">
-        <p14:creationId xmlns:p14="http://schemas.microsoft.com/office/powerpoint/2010/main" val="1030739656"/>
+        <p14:creationId xmlns:p14="http://schemas.microsoft.com/office/powerpoint/2010/main" val="23158158"/>
       </p:ext>
     </p:extLst>
   </p:cSld>
@@ -17456,7 +17984,7 @@
       </p:grpSpPr>
       <p:sp>
         <p:nvSpPr>
-          <p:cNvPr id="2" name="Title 1"/>
+          <p:cNvPr id="5" name="Title 4"/>
           <p:cNvSpPr>
             <a:spLocks noGrp="1"/>
           </p:cNvSpPr>
@@ -17471,7 +17999,7 @@
           <a:p>
             <a:r>
               <a:rPr lang="en-US" dirty="0" smtClean="0"/>
-              <a:t>Next Steps</a:t>
+              <a:t>Lesson Summary</a:t>
             </a:r>
             <a:endParaRPr lang="en-US" dirty="0"/>
           </a:p>
@@ -17479,7 +18007,7 @@
       </p:sp>
       <p:sp>
         <p:nvSpPr>
-          <p:cNvPr id="3" name="Content Placeholder 2"/>
+          <p:cNvPr id="6" name="Content Placeholder 5"/>
           <p:cNvSpPr>
             <a:spLocks noGrp="1"/>
           </p:cNvSpPr>
@@ -17494,37 +18022,19 @@
           <a:p>
             <a:r>
               <a:rPr lang="en-US" dirty="0" smtClean="0"/>
-              <a:t>Study the files </a:t>
-            </a:r>
-            <a:r>
-              <a:rPr lang="en-US" smtClean="0"/>
-              <a:t>08-1-decode.rkt and 08-2-merge-sort.rkt in </a:t>
-            </a:r>
+              <a:t>We've seen three examples of functions that do not fit the structural recursion pattern.</a:t>
+            </a:r>
+          </a:p>
+          <a:p>
             <a:r>
               <a:rPr lang="en-US" dirty="0" smtClean="0"/>
-              <a:t>the Examples folder.</a:t>
-            </a:r>
-          </a:p>
-          <a:p>
-            <a:r>
-              <a:rPr lang="en-US" dirty="0"/>
-              <a:t>Do </a:t>
-            </a:r>
+              <a:t>We introduced "general recursion", a new class of templates that give the writer more flexibility in writing functions that divide and conquer.</a:t>
+            </a:r>
+          </a:p>
+          <a:p>
             <a:r>
               <a:rPr lang="en-US" dirty="0" smtClean="0"/>
-              <a:t>Guided Practice 8.1</a:t>
-            </a:r>
-          </a:p>
-          <a:p>
-            <a:r>
-              <a:rPr lang="en-US" dirty="0" smtClean="0"/>
-              <a:t>If you have questions about this lesson, ask them on the Discussion Board</a:t>
-            </a:r>
-          </a:p>
-          <a:p>
-            <a:r>
-              <a:rPr lang="en-US" dirty="0" smtClean="0"/>
-              <a:t>Go on to the next lesson</a:t>
+              <a:t>We wrote a recipe for writing general-recursion templates.</a:t>
             </a:r>
             <a:endParaRPr lang="en-US" dirty="0"/>
           </a:p>
@@ -17548,6 +18058,142 @@
             <a:fld id="{2AF3B5EA-18B6-4040-9F78-6052AF49C681}" type="slidenum">
               <a:rPr lang="en-US" smtClean="0"/>
               <a:t>34</a:t>
+            </a:fld>
+            <a:endParaRPr lang="en-US"/>
+          </a:p>
+        </p:txBody>
+      </p:sp>
+    </p:spTree>
+    <p:extLst>
+      <p:ext uri="{BB962C8B-B14F-4D97-AF65-F5344CB8AC3E}">
+        <p14:creationId xmlns:p14="http://schemas.microsoft.com/office/powerpoint/2010/main" val="1030739656"/>
+      </p:ext>
+    </p:extLst>
+  </p:cSld>
+  <p:clrMapOvr>
+    <a:masterClrMapping/>
+  </p:clrMapOvr>
+  <p:timing>
+    <p:tnLst>
+      <p:par>
+        <p:cTn id="1" dur="indefinite" restart="never" nodeType="tmRoot"/>
+      </p:par>
+    </p:tnLst>
+  </p:timing>
+</p:sld>
+</file>
+
+<file path=ppt/slides/slide35.xml><?xml version="1.0" encoding="utf-8"?>
+<p:sld xmlns:a="http://schemas.openxmlformats.org/drawingml/2006/main" xmlns:r="http://schemas.openxmlformats.org/officeDocument/2006/relationships" xmlns:p="http://schemas.openxmlformats.org/presentationml/2006/main">
+  <p:cSld>
+    <p:spTree>
+      <p:nvGrpSpPr>
+        <p:cNvPr id="1" name=""/>
+        <p:cNvGrpSpPr/>
+        <p:nvPr/>
+      </p:nvGrpSpPr>
+      <p:grpSpPr>
+        <a:xfrm>
+          <a:off x="0" y="0"/>
+          <a:ext cx="0" cy="0"/>
+          <a:chOff x="0" y="0"/>
+          <a:chExt cx="0" cy="0"/>
+        </a:xfrm>
+      </p:grpSpPr>
+      <p:sp>
+        <p:nvSpPr>
+          <p:cNvPr id="2" name="Title 1"/>
+          <p:cNvSpPr>
+            <a:spLocks noGrp="1"/>
+          </p:cNvSpPr>
+          <p:nvPr>
+            <p:ph type="title"/>
+          </p:nvPr>
+        </p:nvSpPr>
+        <p:spPr/>
+        <p:txBody>
+          <a:bodyPr/>
+          <a:lstStyle/>
+          <a:p>
+            <a:r>
+              <a:rPr lang="en-US" dirty="0" smtClean="0"/>
+              <a:t>Next Steps</a:t>
+            </a:r>
+            <a:endParaRPr lang="en-US" dirty="0"/>
+          </a:p>
+        </p:txBody>
+      </p:sp>
+      <p:sp>
+        <p:nvSpPr>
+          <p:cNvPr id="3" name="Content Placeholder 2"/>
+          <p:cNvSpPr>
+            <a:spLocks noGrp="1"/>
+          </p:cNvSpPr>
+          <p:nvPr>
+            <p:ph idx="1"/>
+          </p:nvPr>
+        </p:nvSpPr>
+        <p:spPr/>
+        <p:txBody>
+          <a:bodyPr/>
+          <a:lstStyle/>
+          <a:p>
+            <a:r>
+              <a:rPr lang="en-US" dirty="0" smtClean="0"/>
+              <a:t>Study the files </a:t>
+            </a:r>
+            <a:r>
+              <a:rPr lang="en-US" smtClean="0"/>
+              <a:t>08-1-decode.rkt and 08-2-merge-sort.rkt in </a:t>
+            </a:r>
+            <a:r>
+              <a:rPr lang="en-US" dirty="0" smtClean="0"/>
+              <a:t>the Examples folder.</a:t>
+            </a:r>
+          </a:p>
+          <a:p>
+            <a:r>
+              <a:rPr lang="en-US" dirty="0"/>
+              <a:t>Do </a:t>
+            </a:r>
+            <a:r>
+              <a:rPr lang="en-US" dirty="0" smtClean="0"/>
+              <a:t>Guided Practice 8.1</a:t>
+            </a:r>
+          </a:p>
+          <a:p>
+            <a:r>
+              <a:rPr lang="en-US" dirty="0" smtClean="0"/>
+              <a:t>If you have questions about this lesson, ask them on the Discussion Board</a:t>
+            </a:r>
+          </a:p>
+          <a:p>
+            <a:r>
+              <a:rPr lang="en-US" dirty="0" smtClean="0"/>
+              <a:t>Go on to the next lesson</a:t>
+            </a:r>
+            <a:endParaRPr lang="en-US" dirty="0"/>
+          </a:p>
+        </p:txBody>
+      </p:sp>
+      <p:sp>
+        <p:nvSpPr>
+          <p:cNvPr id="4" name="Slide Number Placeholder 3"/>
+          <p:cNvSpPr>
+            <a:spLocks noGrp="1"/>
+          </p:cNvSpPr>
+          <p:nvPr>
+            <p:ph type="sldNum" sz="quarter" idx="12"/>
+          </p:nvPr>
+        </p:nvSpPr>
+        <p:spPr/>
+        <p:txBody>
+          <a:bodyPr/>
+          <a:lstStyle/>
+          <a:p>
+            <a:fld id="{2AF3B5EA-18B6-4040-9F78-6052AF49C681}" type="slidenum">
+              <a:rPr lang="en-US" smtClean="0"/>
+              <a:t>35</a:t>
             </a:fld>
             <a:endParaRPr lang="en-US"/>
           </a:p>
@@ -17630,7 +18276,15 @@
           <a:p>
             <a:r>
               <a:rPr lang="en-US" dirty="0" smtClean="0"/>
-              <a:t>Our destructor templates always recur on the sub-pieces of our structure.</a:t>
+              <a:t>Our destructor templates always </a:t>
+            </a:r>
+            <a:r>
+              <a:rPr lang="en-US" dirty="0" smtClean="0"/>
+              <a:t>recurred </a:t>
+            </a:r>
+            <a:r>
+              <a:rPr lang="en-US" dirty="0" smtClean="0"/>
+              <a:t>on the sub-pieces of our structure.</a:t>
             </a:r>
           </a:p>
           <a:p>

--- a/Slides/Lesson 8.1 Introducing General Recursion.pptx
+++ b/Slides/Lesson 8.1 Introducing General Recursion.pptx
@@ -10,7 +10,7 @@
   <p:sldIdLst>
     <p:sldId id="257" r:id="rId2"/>
     <p:sldId id="325" r:id="rId3"/>
-    <p:sldId id="522" r:id="rId4"/>
+    <p:sldId id="541" r:id="rId4"/>
     <p:sldId id="536" r:id="rId5"/>
     <p:sldId id="307" r:id="rId6"/>
     <p:sldId id="308" r:id="rId7"/>
@@ -151,7 +151,7 @@
           <p14:sldIdLst>
             <p14:sldId id="257"/>
             <p14:sldId id="325"/>
-            <p14:sldId id="522"/>
+            <p14:sldId id="541"/>
             <p14:sldId id="536"/>
             <p14:sldId id="307"/>
             <p14:sldId id="308"/>
@@ -303,7 +303,7 @@
             <a:fld id="{CF8F25F6-E1EF-4065-8525-42EDEBD9BD22}" type="datetimeFigureOut">
               <a:rPr lang="en-US" smtClean="0"/>
               <a:pPr/>
-              <a:t>10/26/2015</a:t>
+              <a:t>10/27/2015</a:t>
             </a:fld>
             <a:endParaRPr lang="en-US"/>
           </a:p>
@@ -2813,7 +2813,7 @@
           <a:p>
             <a:fld id="{2F1F79F5-7BEC-496A-AFC7-876E38F64D71}" type="datetime1">
               <a:rPr lang="en-US" smtClean="0"/>
-              <a:t>10/26/2015</a:t>
+              <a:t>10/27/2015</a:t>
             </a:fld>
             <a:endParaRPr lang="en-US"/>
           </a:p>
@@ -2915,7 +2915,7 @@
           <a:p>
             <a:fld id="{0A05703A-7669-4FEA-9056-25299B4D29D4}" type="datetime1">
               <a:rPr lang="en-US" smtClean="0"/>
-              <a:t>10/26/2015</a:t>
+              <a:t>10/27/2015</a:t>
             </a:fld>
             <a:endParaRPr lang="en-US"/>
           </a:p>
@@ -3192,7 +3192,7 @@
           <a:p>
             <a:fld id="{6E5077B5-BB57-49DB-88CA-226A139E5C01}" type="datetime1">
               <a:rPr lang="en-US" smtClean="0"/>
-              <a:t>10/26/2015</a:t>
+              <a:t>10/27/2015</a:t>
             </a:fld>
             <a:endParaRPr lang="en-US"/>
           </a:p>
@@ -3445,7 +3445,7 @@
           <a:p>
             <a:fld id="{C48D9447-CBD6-49A1-89FD-8512A8CF8999}" type="datetime1">
               <a:rPr lang="en-US" smtClean="0"/>
-              <a:t>10/26/2015</a:t>
+              <a:t>10/27/2015</a:t>
             </a:fld>
             <a:endParaRPr lang="en-US"/>
           </a:p>
@@ -3615,7 +3615,7 @@
           <a:p>
             <a:fld id="{A3639A2A-823D-48B7-9ACE-7FAF42870BA9}" type="datetime1">
               <a:rPr lang="en-US" smtClean="0"/>
-              <a:t>10/26/2015</a:t>
+              <a:t>10/27/2015</a:t>
             </a:fld>
             <a:endParaRPr lang="en-US"/>
           </a:p>
@@ -3795,7 +3795,7 @@
           <a:p>
             <a:fld id="{ED1B6996-82E9-463C-972C-7B56056E426C}" type="datetime1">
               <a:rPr lang="en-US" smtClean="0"/>
-              <a:t>10/26/2015</a:t>
+              <a:t>10/27/2015</a:t>
             </a:fld>
             <a:endParaRPr lang="en-US"/>
           </a:p>
@@ -3971,7 +3971,7 @@
           <a:p>
             <a:fld id="{E22ED4DA-448D-4BB1-B935-CC112220207B}" type="datetime1">
               <a:rPr lang="en-US" smtClean="0"/>
-              <a:t>10/26/2015</a:t>
+              <a:t>10/27/2015</a:t>
             </a:fld>
             <a:endParaRPr lang="en-US"/>
           </a:p>
@@ -4153,7 +4153,7 @@
           <a:p>
             <a:fld id="{E22ED4DA-448D-4BB1-B935-CC112220207B}" type="datetime1">
               <a:rPr lang="en-US" smtClean="0"/>
-              <a:t>10/26/2015</a:t>
+              <a:t>10/27/2015</a:t>
             </a:fld>
             <a:endParaRPr lang="en-US"/>
           </a:p>
@@ -4422,7 +4422,7 @@
           <a:p>
             <a:fld id="{FF5D65A6-AB94-4435-B0B7-3743215FA46C}" type="datetime1">
               <a:rPr lang="en-US" smtClean="0"/>
-              <a:t>10/26/2015</a:t>
+              <a:t>10/27/2015</a:t>
             </a:fld>
             <a:endParaRPr lang="en-US"/>
           </a:p>
@@ -4607,7 +4607,7 @@
           <a:p>
             <a:fld id="{FF5D65A6-AB94-4435-B0B7-3743215FA46C}" type="datetime1">
               <a:rPr lang="en-US" smtClean="0"/>
-              <a:t>10/26/2015</a:t>
+              <a:t>10/27/2015</a:t>
             </a:fld>
             <a:endParaRPr lang="en-US"/>
           </a:p>
@@ -4909,7 +4909,7 @@
           <a:p>
             <a:fld id="{7C193DC4-6EF0-48C9-B29C-616106A645E1}" type="datetime1">
               <a:rPr lang="en-US" smtClean="0"/>
-              <a:t>10/26/2015</a:t>
+              <a:t>10/27/2015</a:t>
             </a:fld>
             <a:endParaRPr lang="en-US"/>
           </a:p>
@@ -5197,7 +5197,7 @@
           <a:p>
             <a:fld id="{5D1846AD-9252-4647-9435-4C2AC365653A}" type="datetime1">
               <a:rPr lang="en-US" smtClean="0"/>
-              <a:t>10/26/2015</a:t>
+              <a:t>10/27/2015</a:t>
             </a:fld>
             <a:endParaRPr lang="en-US"/>
           </a:p>
@@ -5619,7 +5619,7 @@
           <a:p>
             <a:fld id="{CE56DC10-3561-4063-A6AF-C1CC7A41040A}" type="datetime1">
               <a:rPr lang="en-US" smtClean="0"/>
-              <a:t>10/26/2015</a:t>
+              <a:t>10/27/2015</a:t>
             </a:fld>
             <a:endParaRPr lang="en-US"/>
           </a:p>
@@ -5737,7 +5737,7 @@
           <a:p>
             <a:fld id="{2F7B77F5-1464-4F6B-92A8-64FC8A508293}" type="datetime1">
               <a:rPr lang="en-US" smtClean="0"/>
-              <a:t>10/26/2015</a:t>
+              <a:t>10/27/2015</a:t>
             </a:fld>
             <a:endParaRPr lang="en-US"/>
           </a:p>
@@ -5969,7 +5969,7 @@
           <a:p>
             <a:fld id="{02B3F677-983B-48DB-ADFD-63FE6CBC7FB2}" type="datetime1">
               <a:rPr lang="en-US" smtClean="0"/>
-              <a:t>10/26/2015</a:t>
+              <a:t>10/27/2015</a:t>
             </a:fld>
             <a:endParaRPr lang="en-US"/>
           </a:p>
@@ -6568,7 +6568,6 @@
                 <a:rPr lang="en-US" sz="1000" dirty="0" smtClean="0"/>
                 <a:t>2012-2015</a:t>
               </a:r>
-              <a:endParaRPr lang="en-US" sz="1000" dirty="0" smtClean="0"/>
             </a:p>
             <a:p>
               <a:r>
@@ -8219,28 +8218,47 @@
                 <a:latin typeface="Consolas" pitchFamily="49" charset="0"/>
                 <a:cs typeface="Consolas" pitchFamily="49" charset="0"/>
               </a:rPr>
-              <a:t>;; Algorithm: if the </a:t>
+              <a:t>;; Algorithm: if the top level of the </a:t>
+            </a:r>
+            <a:r>
+              <a:rPr lang="en-US" b="1" dirty="0" err="1" smtClean="0">
+                <a:latin typeface="Consolas" pitchFamily="49" charset="0"/>
+                <a:cs typeface="Consolas" pitchFamily="49" charset="0"/>
+              </a:rPr>
+              <a:t>sexp</a:t>
             </a:r>
             <a:r>
               <a:rPr lang="en-US" b="1" dirty="0" smtClean="0">
                 <a:latin typeface="Consolas" pitchFamily="49" charset="0"/>
                 <a:cs typeface="Consolas" pitchFamily="49" charset="0"/>
               </a:rPr>
-              <a:t>top level of the </a:t>
+              <a:t> could be the top level of some</a:t>
+            </a:r>
+          </a:p>
+          <a:p>
+            <a:pPr>
+              <a:buNone/>
+            </a:pPr>
+            <a:r>
+              <a:rPr lang="en-US" b="1" dirty="0" smtClean="0">
+                <a:latin typeface="Consolas" pitchFamily="49" charset="0"/>
+                <a:cs typeface="Consolas" pitchFamily="49" charset="0"/>
+              </a:rPr>
+              <a:t>;;  </a:t>
             </a:r>
             <a:r>
               <a:rPr lang="en-US" b="1" dirty="0" err="1" smtClean="0">
                 <a:latin typeface="Consolas" pitchFamily="49" charset="0"/>
                 <a:cs typeface="Consolas" pitchFamily="49" charset="0"/>
               </a:rPr>
-              <a:t>sexp</a:t>
+              <a:t>diffexp</a:t>
             </a:r>
             <a:r>
               <a:rPr lang="en-US" b="1" dirty="0" smtClean="0">
                 <a:latin typeface="Consolas" pitchFamily="49" charset="0"/>
                 <a:cs typeface="Consolas" pitchFamily="49" charset="0"/>
               </a:rPr>
-              <a:t> could be the top level of some</a:t>
+              <a:t>, then recur, otherwise return false.  </a:t>
             </a:r>
           </a:p>
           <a:p>
@@ -8252,112 +8270,19 @@
                 <a:latin typeface="Consolas" pitchFamily="49" charset="0"/>
                 <a:cs typeface="Consolas" pitchFamily="49" charset="0"/>
               </a:rPr>
-              <a:t>;;  </a:t>
-            </a:r>
-            <a:r>
-              <a:rPr lang="en-US" b="1" dirty="0" err="1" smtClean="0">
-                <a:latin typeface="Consolas" pitchFamily="49" charset="0"/>
-                <a:cs typeface="Consolas" pitchFamily="49" charset="0"/>
-              </a:rPr>
-              <a:t>diffexp</a:t>
-            </a:r>
+              <a:t>;;  If either recursion fails, return false.  If both recursions succeed,</a:t>
+            </a:r>
+          </a:p>
+          <a:p>
+            <a:pPr>
+              <a:buNone/>
+            </a:pPr>
             <a:r>
               <a:rPr lang="en-US" b="1" dirty="0" smtClean="0">
                 <a:latin typeface="Consolas" pitchFamily="49" charset="0"/>
                 <a:cs typeface="Consolas" pitchFamily="49" charset="0"/>
               </a:rPr>
-              <a:t>, then </a:t>
-            </a:r>
-            <a:r>
-              <a:rPr lang="en-US" b="1" dirty="0" smtClean="0">
-                <a:latin typeface="Consolas" pitchFamily="49" charset="0"/>
-                <a:cs typeface="Consolas" pitchFamily="49" charset="0"/>
-              </a:rPr>
-              <a:t>recur</a:t>
-            </a:r>
-            <a:r>
-              <a:rPr lang="en-US" b="1" dirty="0" smtClean="0">
-                <a:latin typeface="Consolas" pitchFamily="49" charset="0"/>
-                <a:cs typeface="Consolas" pitchFamily="49" charset="0"/>
-              </a:rPr>
-              <a:t>, otherwise return false.  </a:t>
-            </a:r>
-            <a:endParaRPr lang="en-US" b="1" dirty="0" smtClean="0">
-              <a:latin typeface="Consolas" pitchFamily="49" charset="0"/>
-              <a:cs typeface="Consolas" pitchFamily="49" charset="0"/>
-            </a:endParaRPr>
-          </a:p>
-          <a:p>
-            <a:pPr>
-              <a:buNone/>
-            </a:pPr>
-            <a:r>
-              <a:rPr lang="en-US" b="1" dirty="0" smtClean="0">
-                <a:latin typeface="Consolas" pitchFamily="49" charset="0"/>
-                <a:cs typeface="Consolas" pitchFamily="49" charset="0"/>
-              </a:rPr>
-              <a:t>;;  </a:t>
-            </a:r>
-            <a:r>
-              <a:rPr lang="en-US" b="1" dirty="0" smtClean="0">
-                <a:latin typeface="Consolas" pitchFamily="49" charset="0"/>
-                <a:cs typeface="Consolas" pitchFamily="49" charset="0"/>
-              </a:rPr>
-              <a:t>If </a:t>
-            </a:r>
-            <a:r>
-              <a:rPr lang="en-US" b="1" dirty="0" smtClean="0">
-                <a:latin typeface="Consolas" pitchFamily="49" charset="0"/>
-                <a:cs typeface="Consolas" pitchFamily="49" charset="0"/>
-              </a:rPr>
-              <a:t>either recursion fails, </a:t>
-            </a:r>
-            <a:r>
-              <a:rPr lang="en-US" b="1" dirty="0" smtClean="0">
-                <a:latin typeface="Consolas" pitchFamily="49" charset="0"/>
-                <a:cs typeface="Consolas" pitchFamily="49" charset="0"/>
-              </a:rPr>
-              <a:t>return false</a:t>
-            </a:r>
-            <a:r>
-              <a:rPr lang="en-US" b="1" dirty="0" smtClean="0">
-                <a:latin typeface="Consolas" pitchFamily="49" charset="0"/>
-                <a:cs typeface="Consolas" pitchFamily="49" charset="0"/>
-              </a:rPr>
-              <a:t>.  If both recursions succeed</a:t>
-            </a:r>
-            <a:r>
-              <a:rPr lang="en-US" b="1" dirty="0" smtClean="0">
-                <a:latin typeface="Consolas" pitchFamily="49" charset="0"/>
-                <a:cs typeface="Consolas" pitchFamily="49" charset="0"/>
-              </a:rPr>
-              <a:t>,</a:t>
-            </a:r>
-          </a:p>
-          <a:p>
-            <a:pPr>
-              <a:buNone/>
-            </a:pPr>
-            <a:r>
-              <a:rPr lang="en-US" b="1" dirty="0" smtClean="0">
-                <a:latin typeface="Consolas" pitchFamily="49" charset="0"/>
-                <a:cs typeface="Consolas" pitchFamily="49" charset="0"/>
-              </a:rPr>
-              <a:t>;; </a:t>
-            </a:r>
-            <a:r>
-              <a:rPr lang="en-US" b="1" dirty="0" smtClean="0">
-                <a:latin typeface="Consolas" pitchFamily="49" charset="0"/>
-                <a:cs typeface="Consolas" pitchFamily="49" charset="0"/>
-              </a:rPr>
-              <a:t> </a:t>
-            </a:r>
-            <a:r>
-              <a:rPr lang="en-US" b="1" dirty="0" smtClean="0">
-                <a:latin typeface="Consolas" pitchFamily="49" charset="0"/>
-                <a:cs typeface="Consolas" pitchFamily="49" charset="0"/>
-              </a:rPr>
-              <a:t>return the </a:t>
+              <a:t>;;  return the </a:t>
             </a:r>
             <a:r>
               <a:rPr lang="en-US" b="1" dirty="0" err="1" smtClean="0">
@@ -8972,14 +8897,7 @@
                 <a:latin typeface="Consolas" pitchFamily="49" charset="0"/>
                 <a:cs typeface="Consolas" pitchFamily="49" charset="0"/>
               </a:rPr>
-              <a:t>;; </a:t>
-            </a:r>
-            <a:r>
-              <a:rPr lang="en-US" b="1" dirty="0" smtClean="0">
-                <a:latin typeface="Consolas" pitchFamily="49" charset="0"/>
-                <a:cs typeface="Consolas" pitchFamily="49" charset="0"/>
-              </a:rPr>
-              <a:t>At the top level, a representation of a </a:t>
+              <a:t>;; At the top level, a representation of a </a:t>
             </a:r>
           </a:p>
           <a:p>
@@ -10156,11 +10074,7 @@
           <a:p>
             <a:r>
               <a:rPr lang="en-US" dirty="0" smtClean="0"/>
-              <a:t>Pattern </a:t>
-            </a:r>
-            <a:r>
-              <a:rPr lang="en-US" dirty="0" smtClean="0"/>
-              <a:t>for General Recursion (1)</a:t>
+              <a:t>Pattern for General Recursion (1)</a:t>
             </a:r>
             <a:endParaRPr lang="en-US" dirty="0"/>
           </a:p>
@@ -10823,11 +10737,7 @@
           <a:p>
             <a:r>
               <a:rPr lang="en-US" dirty="0" smtClean="0"/>
-              <a:t>We'll introduce </a:t>
-            </a:r>
-            <a:r>
-              <a:rPr lang="en-US" dirty="0" smtClean="0"/>
-              <a:t>a new family of strategies, called </a:t>
+              <a:t>We'll introduce a new family of strategies, called </a:t>
             </a:r>
             <a:r>
               <a:rPr lang="en-US" i="1" dirty="0" smtClean="0">
@@ -10845,11 +10755,7 @@
           <a:p>
             <a:r>
               <a:rPr lang="en-US" dirty="0" smtClean="0"/>
-              <a:t>General </a:t>
-            </a:r>
-            <a:r>
-              <a:rPr lang="en-US" dirty="0" smtClean="0"/>
-              <a:t>recursion and invariants together provide a powerful combination.</a:t>
+              <a:t>General recursion and invariants together provide a powerful combination.</a:t>
             </a:r>
           </a:p>
           <a:p>
@@ -10937,11 +10843,7 @@
           <a:p>
             <a:r>
               <a:rPr lang="en-US" dirty="0" smtClean="0"/>
-              <a:t>There's more than one </a:t>
-            </a:r>
-            <a:r>
-              <a:rPr lang="en-US" dirty="0" smtClean="0"/>
-              <a:t>pattern</a:t>
+              <a:t>There's more than one pattern</a:t>
             </a:r>
             <a:endParaRPr lang="en-US" dirty="0"/>
           </a:p>
@@ -11634,11 +11536,7 @@
           <a:p>
             <a:r>
               <a:rPr lang="en-US" dirty="0" smtClean="0"/>
-              <a:t>Another General-Recursion </a:t>
-            </a:r>
-            <a:r>
-              <a:rPr lang="en-US" dirty="0" smtClean="0"/>
-              <a:t>Pattern</a:t>
+              <a:t>Another General-Recursion Pattern</a:t>
             </a:r>
             <a:endParaRPr lang="en-US" dirty="0"/>
           </a:p>
@@ -11729,11 +11627,7 @@
           <a:p>
             <a:r>
               <a:rPr lang="en-US" dirty="0" smtClean="0"/>
-              <a:t>Most of our functions involving lists match this </a:t>
-            </a:r>
-            <a:r>
-              <a:rPr lang="en-US" dirty="0" smtClean="0"/>
-              <a:t>pattern.</a:t>
+              <a:t>Most of our functions involving lists match this pattern.</a:t>
             </a:r>
             <a:endParaRPr lang="en-US" dirty="0"/>
           </a:p>
@@ -11764,14 +11658,7 @@
                 <a:latin typeface="Consolas" pitchFamily="49" charset="0"/>
                 <a:cs typeface="Consolas" pitchFamily="49" charset="0"/>
               </a:rPr>
-              <a:t>;; solve : Problem -&gt; </a:t>
-            </a:r>
-            <a:r>
-              <a:rPr lang="en-US" sz="5500" b="1" dirty="0" smtClean="0">
-                <a:latin typeface="Consolas" pitchFamily="49" charset="0"/>
-                <a:cs typeface="Consolas" pitchFamily="49" charset="0"/>
-              </a:rPr>
-              <a:t>Solution</a:t>
+              <a:t>;; solve : Problem -&gt; Solution</a:t>
             </a:r>
           </a:p>
           <a:p>
@@ -11805,17 +11692,7 @@
                 <a:latin typeface="Consolas" pitchFamily="49" charset="0"/>
                 <a:cs typeface="Consolas" pitchFamily="49" charset="0"/>
               </a:rPr>
-              <a:t> </a:t>
-            </a:r>
-            <a:r>
-              <a:rPr lang="en-US" sz="5500" b="1" i="1" dirty="0" smtClean="0">
-                <a:solidFill>
-                  <a:schemeClr val="bg1"/>
-                </a:solidFill>
-                <a:latin typeface="Consolas" pitchFamily="49" charset="0"/>
-                <a:cs typeface="Consolas" pitchFamily="49" charset="0"/>
-              </a:rPr>
-              <a:t>ARGUMENT: explain why new-problem1 and new-problem2 are easier than the-problem.</a:t>
+              <a:t> ARGUMENT: explain why new-problem1 and new-problem2 are easier than the-problem.</a:t>
             </a:r>
           </a:p>
           <a:p>
@@ -12176,11 +12053,7 @@
           <a:p>
             <a:r>
               <a:rPr lang="en-US" dirty="0" smtClean="0"/>
-              <a:t>Yet Another General-Recursion </a:t>
-            </a:r>
-            <a:r>
-              <a:rPr lang="en-US" dirty="0" smtClean="0"/>
-              <a:t>Pattern</a:t>
+              <a:t>Yet Another General-Recursion Pattern</a:t>
             </a:r>
             <a:endParaRPr lang="en-US" dirty="0"/>
           </a:p>
@@ -12211,14 +12084,7 @@
                 <a:latin typeface="Consolas" pitchFamily="49" charset="0"/>
                 <a:cs typeface="Consolas" pitchFamily="49" charset="0"/>
               </a:rPr>
-              <a:t>;; solve : Problem -&gt; </a:t>
-            </a:r>
-            <a:r>
-              <a:rPr lang="en-US" sz="5500" b="1" dirty="0" smtClean="0">
-                <a:latin typeface="Consolas" pitchFamily="49" charset="0"/>
-                <a:cs typeface="Consolas" pitchFamily="49" charset="0"/>
-              </a:rPr>
-              <a:t>Solution</a:t>
+              <a:t>;; solve : Problem -&gt; Solution</a:t>
             </a:r>
           </a:p>
           <a:p>
@@ -12771,7 +12637,19 @@
           <a:p>
             <a:r>
               <a:rPr lang="en-US" dirty="0" smtClean="0"/>
-              <a:t>Here's a version with where the difficult case requires solving a whole list of </a:t>
+              <a:t>Here's </a:t>
+            </a:r>
+            <a:r>
+              <a:rPr lang="en-US" smtClean="0"/>
+              <a:t>a </a:t>
+            </a:r>
+            <a:r>
+              <a:rPr lang="en-US" smtClean="0"/>
+              <a:t>version </a:t>
+            </a:r>
+            <a:r>
+              <a:rPr lang="en-US" dirty="0" smtClean="0"/>
+              <a:t>where the difficult case requires solving a whole list of </a:t>
             </a:r>
             <a:r>
               <a:rPr lang="en-US" dirty="0" err="1" smtClean="0"/>
@@ -12779,11 +12657,7 @@
             </a:r>
             <a:r>
               <a:rPr lang="en-US" dirty="0" smtClean="0"/>
-              <a:t>.  A tree where a node has a list of sons may lead to use of this </a:t>
-            </a:r>
-            <a:r>
-              <a:rPr lang="en-US" dirty="0" smtClean="0"/>
-              <a:t>pattern.</a:t>
+              <a:t>.  A tree where a node has a list of sons may lead to use of this pattern.</a:t>
             </a:r>
             <a:endParaRPr lang="en-US" dirty="0"/>
           </a:p>
@@ -13273,23 +13147,7 @@
                   <a:schemeClr val="tx1"/>
                 </a:solidFill>
               </a:rPr>
-              <a:t> </a:t>
-            </a:r>
-            <a:r>
-              <a:rPr lang="en-US" dirty="0" smtClean="0">
-                <a:solidFill>
-                  <a:schemeClr val="tx1"/>
-                </a:solidFill>
-              </a:rPr>
-              <a:t>pattern we </a:t>
-            </a:r>
-            <a:r>
-              <a:rPr lang="en-US" dirty="0" smtClean="0">
-                <a:solidFill>
-                  <a:schemeClr val="tx1"/>
-                </a:solidFill>
-              </a:rPr>
-              <a:t>saw a couple of slides ago, but done without the local </a:t>
+              <a:t> pattern we saw a couple of slides ago, but done without the local </a:t>
             </a:r>
             <a:r>
               <a:rPr lang="en-US" b="1" dirty="0" smtClean="0">
@@ -13371,11 +13229,7 @@
           <a:p>
             <a:r>
               <a:rPr lang="en-US" dirty="0" smtClean="0"/>
-              <a:t>Yet Another General-Recursion </a:t>
-            </a:r>
-            <a:r>
-              <a:rPr lang="en-US" dirty="0" smtClean="0"/>
-              <a:t>Pattern</a:t>
+              <a:t>Yet Another General-Recursion Pattern</a:t>
             </a:r>
             <a:endParaRPr lang="en-US" dirty="0"/>
           </a:p>
@@ -13862,15 +13716,7 @@
             </a:r>
             <a:r>
               <a:rPr lang="en-US" dirty="0" smtClean="0"/>
-              <a:t> </a:t>
-            </a:r>
-            <a:r>
-              <a:rPr lang="en-US" dirty="0" smtClean="0"/>
-              <a:t>pattern done </a:t>
-            </a:r>
-            <a:r>
-              <a:rPr lang="en-US" dirty="0" smtClean="0"/>
-              <a:t>without using local </a:t>
+              <a:t> pattern done without using local </a:t>
             </a:r>
             <a:r>
               <a:rPr lang="en-US" b="1" dirty="0" smtClean="0"/>
@@ -13940,15 +13786,7 @@
           <a:p>
             <a:r>
               <a:rPr lang="en-US" dirty="0" smtClean="0"/>
-              <a:t>What </a:t>
-            </a:r>
-            <a:r>
-              <a:rPr lang="en-US" dirty="0" smtClean="0"/>
-              <a:t>pattern did </a:t>
-            </a:r>
-            <a:r>
-              <a:rPr lang="en-US" dirty="0" smtClean="0"/>
-              <a:t>we use for decode?</a:t>
+              <a:t>What pattern did we use for decode?</a:t>
             </a:r>
             <a:endParaRPr lang="en-US" dirty="0"/>
           </a:p>
@@ -13978,15 +13816,7 @@
             </a:pPr>
             <a:r>
               <a:rPr lang="en-US" sz="1800" dirty="0" smtClean="0"/>
-              <a:t>;; decode followed the first </a:t>
-            </a:r>
-            <a:r>
-              <a:rPr lang="en-US" sz="1800" dirty="0" smtClean="0"/>
-              <a:t>pattern we </a:t>
-            </a:r>
-            <a:r>
-              <a:rPr lang="en-US" sz="1800" dirty="0" smtClean="0"/>
-              <a:t>wrote:</a:t>
+              <a:t>;; decode followed the first pattern we wrote:</a:t>
             </a:r>
           </a:p>
           <a:p>
@@ -15520,17 +15350,19 @@
             </a:prstGeom>
           </p:spPr>
           <p:style>
-            <a:lnRef idx="1">
-              <a:schemeClr val="accent2"/>
+            <a:lnRef idx="2">
+              <a:schemeClr val="accent2">
+                <a:shade val="50000"/>
+              </a:schemeClr>
             </a:lnRef>
-            <a:fillRef idx="2">
+            <a:fillRef idx="1">
               <a:schemeClr val="accent2"/>
             </a:fillRef>
-            <a:effectRef idx="1">
+            <a:effectRef idx="0">
               <a:schemeClr val="accent2"/>
             </a:effectRef>
             <a:fontRef idx="minor">
-              <a:schemeClr val="dk1"/>
+              <a:schemeClr val="lt1"/>
             </a:fontRef>
           </p:style>
           <p:txBody>
@@ -15695,443 +15527,6 @@
             <a:xfrm>
               <a:off x="1390650" y="3097870"/>
               <a:ext cx="0" cy="273283"/>
-            </a:xfrm>
-            <a:prstGeom prst="straightConnector1">
-              <a:avLst/>
-            </a:prstGeom>
-            <a:ln>
-              <a:tailEnd type="triangle"/>
-            </a:ln>
-          </p:spPr>
-          <p:style>
-            <a:lnRef idx="1">
-              <a:schemeClr val="accent1"/>
-            </a:lnRef>
-            <a:fillRef idx="0">
-              <a:schemeClr val="accent1"/>
-            </a:fillRef>
-            <a:effectRef idx="0">
-              <a:schemeClr val="accent1"/>
-            </a:effectRef>
-            <a:fontRef idx="minor">
-              <a:schemeClr val="tx1"/>
-            </a:fontRef>
-          </p:style>
-        </p:cxnSp>
-      </p:grpSp>
-      <p:grpSp>
-        <p:nvGrpSpPr>
-          <p:cNvPr id="80" name="Group 79"/>
-          <p:cNvGrpSpPr/>
-          <p:nvPr/>
-        </p:nvGrpSpPr>
-        <p:grpSpPr>
-          <a:xfrm>
-            <a:off x="3657600" y="951104"/>
-            <a:ext cx="1828800" cy="5373496"/>
-            <a:chOff x="2598691" y="951104"/>
-            <a:chExt cx="1828800" cy="5373496"/>
-          </a:xfrm>
-        </p:grpSpPr>
-        <p:sp>
-          <p:nvSpPr>
-            <p:cNvPr id="6" name="Rounded Rectangle 5"/>
-            <p:cNvSpPr/>
-            <p:nvPr/>
-          </p:nvSpPr>
-          <p:spPr>
-            <a:xfrm>
-              <a:off x="2598691" y="951104"/>
-              <a:ext cx="1828800" cy="533400"/>
-            </a:xfrm>
-            <a:prstGeom prst="roundRect">
-              <a:avLst/>
-            </a:prstGeom>
-          </p:spPr>
-          <p:style>
-            <a:lnRef idx="0">
-              <a:schemeClr val="accent1"/>
-            </a:lnRef>
-            <a:fillRef idx="3">
-              <a:schemeClr val="accent1"/>
-            </a:fillRef>
-            <a:effectRef idx="3">
-              <a:schemeClr val="accent1"/>
-            </a:effectRef>
-            <a:fontRef idx="minor">
-              <a:schemeClr val="lt1"/>
-            </a:fontRef>
-          </p:style>
-          <p:txBody>
-            <a:bodyPr rtlCol="0" anchor="ctr"/>
-            <a:lstStyle/>
-            <a:p>
-              <a:pPr algn="ctr"/>
-              <a:r>
-                <a:rPr lang="en-US" dirty="0" smtClean="0"/>
-                <a:t>Design Strategies</a:t>
-              </a:r>
-              <a:endParaRPr lang="en-US" dirty="0"/>
-            </a:p>
-          </p:txBody>
-        </p:sp>
-        <p:sp>
-          <p:nvSpPr>
-            <p:cNvPr id="13" name="Rounded Rectangle 12"/>
-            <p:cNvSpPr/>
-            <p:nvPr/>
-          </p:nvSpPr>
-          <p:spPr>
-            <a:xfrm>
-              <a:off x="2598691" y="1757787"/>
-              <a:ext cx="1828800" cy="533400"/>
-            </a:xfrm>
-            <a:prstGeom prst="roundRect">
-              <a:avLst/>
-            </a:prstGeom>
-            <a:solidFill>
-              <a:schemeClr val="accent1">
-                <a:lumMod val="20000"/>
-                <a:lumOff val="80000"/>
-              </a:schemeClr>
-            </a:solidFill>
-          </p:spPr>
-          <p:style>
-            <a:lnRef idx="1">
-              <a:schemeClr val="accent1"/>
-            </a:lnRef>
-            <a:fillRef idx="2">
-              <a:schemeClr val="accent1"/>
-            </a:fillRef>
-            <a:effectRef idx="1">
-              <a:schemeClr val="accent1"/>
-            </a:effectRef>
-            <a:fontRef idx="minor">
-              <a:schemeClr val="dk1"/>
-            </a:fontRef>
-          </p:style>
-          <p:txBody>
-            <a:bodyPr rtlCol="0" anchor="ctr"/>
-            <a:lstStyle/>
-            <a:p>
-              <a:pPr algn="ctr"/>
-              <a:r>
-                <a:rPr lang="en-US" dirty="0" smtClean="0"/>
-                <a:t>Combine simpler functions</a:t>
-              </a:r>
-              <a:endParaRPr lang="en-US" dirty="0"/>
-            </a:p>
-          </p:txBody>
-        </p:sp>
-        <p:sp>
-          <p:nvSpPr>
-            <p:cNvPr id="23" name="Rounded Rectangle 22"/>
-            <p:cNvSpPr/>
-            <p:nvPr/>
-          </p:nvSpPr>
-          <p:spPr>
-            <a:xfrm>
-              <a:off x="2598691" y="2766140"/>
-              <a:ext cx="1828800" cy="533400"/>
-            </a:xfrm>
-            <a:prstGeom prst="roundRect">
-              <a:avLst/>
-            </a:prstGeom>
-          </p:spPr>
-          <p:style>
-            <a:lnRef idx="2">
-              <a:schemeClr val="accent2">
-                <a:shade val="50000"/>
-              </a:schemeClr>
-            </a:lnRef>
-            <a:fillRef idx="1">
-              <a:schemeClr val="accent2"/>
-            </a:fillRef>
-            <a:effectRef idx="0">
-              <a:schemeClr val="accent2"/>
-            </a:effectRef>
-            <a:fontRef idx="minor">
-              <a:schemeClr val="lt1"/>
-            </a:fontRef>
-          </p:style>
-          <p:txBody>
-            <a:bodyPr rtlCol="0" anchor="ctr"/>
-            <a:lstStyle/>
-            <a:p>
-              <a:pPr algn="ctr"/>
-              <a:r>
-                <a:rPr lang="en-US" dirty="0" smtClean="0"/>
-                <a:t>Use a template</a:t>
-              </a:r>
-              <a:endParaRPr lang="en-US" dirty="0"/>
-            </a:p>
-          </p:txBody>
-        </p:sp>
-        <p:sp>
-          <p:nvSpPr>
-            <p:cNvPr id="28" name="Rounded Rectangle 27"/>
-            <p:cNvSpPr/>
-            <p:nvPr/>
-          </p:nvSpPr>
-          <p:spPr>
-            <a:xfrm>
-              <a:off x="2598691" y="3774493"/>
-              <a:ext cx="1828800" cy="533400"/>
-            </a:xfrm>
-            <a:prstGeom prst="roundRect">
-              <a:avLst/>
-            </a:prstGeom>
-            <a:solidFill>
-              <a:schemeClr val="accent1">
-                <a:lumMod val="20000"/>
-                <a:lumOff val="80000"/>
-              </a:schemeClr>
-            </a:solidFill>
-          </p:spPr>
-          <p:style>
-            <a:lnRef idx="1">
-              <a:schemeClr val="accent1"/>
-            </a:lnRef>
-            <a:fillRef idx="2">
-              <a:schemeClr val="accent1"/>
-            </a:fillRef>
-            <a:effectRef idx="1">
-              <a:schemeClr val="accent1"/>
-            </a:effectRef>
-            <a:fontRef idx="minor">
-              <a:schemeClr val="dk1"/>
-            </a:fontRef>
-          </p:style>
-          <p:txBody>
-            <a:bodyPr rtlCol="0" anchor="ctr"/>
-            <a:lstStyle/>
-            <a:p>
-              <a:pPr algn="ctr"/>
-              <a:r>
-                <a:rPr lang="en-US" dirty="0" smtClean="0"/>
-                <a:t>Divide into Cases</a:t>
-              </a:r>
-              <a:endParaRPr lang="en-US" dirty="0"/>
-            </a:p>
-          </p:txBody>
-        </p:sp>
-        <p:sp>
-          <p:nvSpPr>
-            <p:cNvPr id="38" name="Rounded Rectangle 37"/>
-            <p:cNvSpPr/>
-            <p:nvPr/>
-          </p:nvSpPr>
-          <p:spPr>
-            <a:xfrm>
-              <a:off x="2598691" y="4782846"/>
-              <a:ext cx="1828800" cy="533400"/>
-            </a:xfrm>
-            <a:prstGeom prst="roundRect">
-              <a:avLst/>
-            </a:prstGeom>
-            <a:solidFill>
-              <a:schemeClr val="accent1">
-                <a:lumMod val="20000"/>
-                <a:lumOff val="80000"/>
-              </a:schemeClr>
-            </a:solidFill>
-          </p:spPr>
-          <p:style>
-            <a:lnRef idx="1">
-              <a:schemeClr val="accent1"/>
-            </a:lnRef>
-            <a:fillRef idx="2">
-              <a:schemeClr val="accent1"/>
-            </a:fillRef>
-            <a:effectRef idx="1">
-              <a:schemeClr val="accent1"/>
-            </a:effectRef>
-            <a:fontRef idx="minor">
-              <a:schemeClr val="dk1"/>
-            </a:fontRef>
-          </p:style>
-          <p:txBody>
-            <a:bodyPr rtlCol="0" anchor="ctr"/>
-            <a:lstStyle/>
-            <a:p>
-              <a:pPr algn="ctr"/>
-              <a:r>
-                <a:rPr lang="en-US" dirty="0" smtClean="0"/>
-                <a:t>Call a more general function</a:t>
-              </a:r>
-              <a:endParaRPr lang="en-US" dirty="0"/>
-            </a:p>
-          </p:txBody>
-        </p:sp>
-        <p:sp>
-          <p:nvSpPr>
-            <p:cNvPr id="48" name="Rounded Rectangle 47"/>
-            <p:cNvSpPr/>
-            <p:nvPr/>
-          </p:nvSpPr>
-          <p:spPr>
-            <a:xfrm>
-              <a:off x="2598691" y="5791200"/>
-              <a:ext cx="1828800" cy="533400"/>
-            </a:xfrm>
-            <a:prstGeom prst="roundRect">
-              <a:avLst/>
-            </a:prstGeom>
-            <a:solidFill>
-              <a:schemeClr val="accent1">
-                <a:lumMod val="20000"/>
-                <a:lumOff val="80000"/>
-              </a:schemeClr>
-            </a:solidFill>
-          </p:spPr>
-          <p:style>
-            <a:lnRef idx="1">
-              <a:schemeClr val="accent1"/>
-            </a:lnRef>
-            <a:fillRef idx="2">
-              <a:schemeClr val="accent1"/>
-            </a:fillRef>
-            <a:effectRef idx="1">
-              <a:schemeClr val="accent1"/>
-            </a:effectRef>
-            <a:fontRef idx="minor">
-              <a:schemeClr val="dk1"/>
-            </a:fontRef>
-          </p:style>
-          <p:txBody>
-            <a:bodyPr rtlCol="0" anchor="ctr"/>
-            <a:lstStyle/>
-            <a:p>
-              <a:pPr algn="ctr"/>
-              <a:r>
-                <a:rPr lang="en-US" dirty="0" smtClean="0"/>
-                <a:t>Communicate via State</a:t>
-              </a:r>
-              <a:endParaRPr lang="en-US" dirty="0"/>
-            </a:p>
-          </p:txBody>
-        </p:sp>
-        <p:cxnSp>
-          <p:nvCxnSpPr>
-            <p:cNvPr id="70" name="Straight Arrow Connector 69"/>
-            <p:cNvCxnSpPr>
-              <a:stCxn id="13" idx="2"/>
-              <a:endCxn id="23" idx="0"/>
-            </p:cNvCxnSpPr>
-            <p:nvPr/>
-          </p:nvCxnSpPr>
-          <p:spPr>
-            <a:xfrm>
-              <a:off x="3513091" y="2291187"/>
-              <a:ext cx="0" cy="474953"/>
-            </a:xfrm>
-            <a:prstGeom prst="straightConnector1">
-              <a:avLst/>
-            </a:prstGeom>
-            <a:ln>
-              <a:tailEnd type="triangle"/>
-            </a:ln>
-          </p:spPr>
-          <p:style>
-            <a:lnRef idx="1">
-              <a:schemeClr val="accent1"/>
-            </a:lnRef>
-            <a:fillRef idx="0">
-              <a:schemeClr val="accent1"/>
-            </a:fillRef>
-            <a:effectRef idx="0">
-              <a:schemeClr val="accent1"/>
-            </a:effectRef>
-            <a:fontRef idx="minor">
-              <a:schemeClr val="tx1"/>
-            </a:fontRef>
-          </p:style>
-        </p:cxnSp>
-        <p:cxnSp>
-          <p:nvCxnSpPr>
-            <p:cNvPr id="72" name="Straight Arrow Connector 71"/>
-            <p:cNvCxnSpPr>
-              <a:stCxn id="23" idx="2"/>
-              <a:endCxn id="28" idx="0"/>
-            </p:cNvCxnSpPr>
-            <p:nvPr/>
-          </p:nvCxnSpPr>
-          <p:spPr>
-            <a:xfrm>
-              <a:off x="3513091" y="3299540"/>
-              <a:ext cx="0" cy="474953"/>
-            </a:xfrm>
-            <a:prstGeom prst="straightConnector1">
-              <a:avLst/>
-            </a:prstGeom>
-            <a:ln>
-              <a:tailEnd type="triangle"/>
-            </a:ln>
-          </p:spPr>
-          <p:style>
-            <a:lnRef idx="1">
-              <a:schemeClr val="accent1"/>
-            </a:lnRef>
-            <a:fillRef idx="0">
-              <a:schemeClr val="accent1"/>
-            </a:fillRef>
-            <a:effectRef idx="0">
-              <a:schemeClr val="accent1"/>
-            </a:effectRef>
-            <a:fontRef idx="minor">
-              <a:schemeClr val="tx1"/>
-            </a:fontRef>
-          </p:style>
-        </p:cxnSp>
-        <p:cxnSp>
-          <p:nvCxnSpPr>
-            <p:cNvPr id="74" name="Straight Arrow Connector 73"/>
-            <p:cNvCxnSpPr>
-              <a:stCxn id="28" idx="2"/>
-              <a:endCxn id="38" idx="0"/>
-            </p:cNvCxnSpPr>
-            <p:nvPr/>
-          </p:nvCxnSpPr>
-          <p:spPr>
-            <a:xfrm>
-              <a:off x="3513091" y="4307893"/>
-              <a:ext cx="0" cy="474953"/>
-            </a:xfrm>
-            <a:prstGeom prst="straightConnector1">
-              <a:avLst/>
-            </a:prstGeom>
-            <a:ln>
-              <a:tailEnd type="triangle"/>
-            </a:ln>
-          </p:spPr>
-          <p:style>
-            <a:lnRef idx="1">
-              <a:schemeClr val="accent1"/>
-            </a:lnRef>
-            <a:fillRef idx="0">
-              <a:schemeClr val="accent1"/>
-            </a:fillRef>
-            <a:effectRef idx="0">
-              <a:schemeClr val="accent1"/>
-            </a:effectRef>
-            <a:fontRef idx="minor">
-              <a:schemeClr val="tx1"/>
-            </a:fontRef>
-          </p:style>
-        </p:cxnSp>
-        <p:cxnSp>
-          <p:nvCxnSpPr>
-            <p:cNvPr id="77" name="Straight Arrow Connector 76"/>
-            <p:cNvCxnSpPr>
-              <a:stCxn id="38" idx="2"/>
-              <a:endCxn id="48" idx="0"/>
-            </p:cNvCxnSpPr>
-            <p:nvPr/>
-          </p:nvCxnSpPr>
-          <p:spPr>
-            <a:xfrm>
-              <a:off x="3513091" y="5316246"/>
-              <a:ext cx="0" cy="474954"/>
             </a:xfrm>
             <a:prstGeom prst="straightConnector1">
               <a:avLst/>
@@ -16512,8 +15907,8 @@
         </p:nvCxnSpPr>
         <p:spPr>
           <a:xfrm flipV="1">
-            <a:off x="5486400" y="2024487"/>
-            <a:ext cx="914400" cy="3025059"/>
+            <a:off x="5486398" y="2024487"/>
+            <a:ext cx="914402" cy="2410424"/>
           </a:xfrm>
           <a:prstGeom prst="bentConnector3">
             <a:avLst>
@@ -16562,10 +15957,535 @@
           </a:p>
         </p:txBody>
       </p:sp>
+      <p:grpSp>
+        <p:nvGrpSpPr>
+          <p:cNvPr id="24" name="Group 23"/>
+          <p:cNvGrpSpPr/>
+          <p:nvPr/>
+        </p:nvGrpSpPr>
+        <p:grpSpPr>
+          <a:xfrm>
+            <a:off x="3657598" y="941479"/>
+            <a:ext cx="1832811" cy="5373496"/>
+            <a:chOff x="3657598" y="941479"/>
+            <a:chExt cx="1832811" cy="5373496"/>
+          </a:xfrm>
+        </p:grpSpPr>
+        <p:sp>
+          <p:nvSpPr>
+            <p:cNvPr id="6" name="Rounded Rectangle 5"/>
+            <p:cNvSpPr/>
+            <p:nvPr/>
+          </p:nvSpPr>
+          <p:spPr>
+            <a:xfrm>
+              <a:off x="3657599" y="941479"/>
+              <a:ext cx="1828800" cy="533400"/>
+            </a:xfrm>
+            <a:prstGeom prst="roundRect">
+              <a:avLst/>
+            </a:prstGeom>
+          </p:spPr>
+          <p:style>
+            <a:lnRef idx="0">
+              <a:schemeClr val="accent1"/>
+            </a:lnRef>
+            <a:fillRef idx="3">
+              <a:schemeClr val="accent1"/>
+            </a:fillRef>
+            <a:effectRef idx="3">
+              <a:schemeClr val="accent1"/>
+            </a:effectRef>
+            <a:fontRef idx="minor">
+              <a:schemeClr val="lt1"/>
+            </a:fontRef>
+          </p:style>
+          <p:txBody>
+            <a:bodyPr rtlCol="0" anchor="ctr"/>
+            <a:lstStyle/>
+            <a:p>
+              <a:pPr algn="ctr"/>
+              <a:r>
+                <a:rPr lang="en-US" dirty="0" smtClean="0"/>
+                <a:t>Design Strategies</a:t>
+              </a:r>
+              <a:endParaRPr lang="en-US" dirty="0"/>
+            </a:p>
+          </p:txBody>
+        </p:sp>
+        <p:sp>
+          <p:nvSpPr>
+            <p:cNvPr id="13" name="Rounded Rectangle 12"/>
+            <p:cNvSpPr/>
+            <p:nvPr/>
+          </p:nvSpPr>
+          <p:spPr>
+            <a:xfrm>
+              <a:off x="3657599" y="1748162"/>
+              <a:ext cx="1828800" cy="533400"/>
+            </a:xfrm>
+            <a:prstGeom prst="roundRect">
+              <a:avLst/>
+            </a:prstGeom>
+            <a:solidFill>
+              <a:schemeClr val="accent1">
+                <a:lumMod val="20000"/>
+                <a:lumOff val="80000"/>
+              </a:schemeClr>
+            </a:solidFill>
+          </p:spPr>
+          <p:style>
+            <a:lnRef idx="1">
+              <a:schemeClr val="accent1"/>
+            </a:lnRef>
+            <a:fillRef idx="2">
+              <a:schemeClr val="accent1"/>
+            </a:fillRef>
+            <a:effectRef idx="1">
+              <a:schemeClr val="accent1"/>
+            </a:effectRef>
+            <a:fontRef idx="minor">
+              <a:schemeClr val="dk1"/>
+            </a:fontRef>
+          </p:style>
+          <p:txBody>
+            <a:bodyPr rtlCol="0" anchor="ctr"/>
+            <a:lstStyle/>
+            <a:p>
+              <a:pPr algn="ctr"/>
+              <a:r>
+                <a:rPr lang="en-US" dirty="0" smtClean="0"/>
+                <a:t>Combine simpler functions</a:t>
+              </a:r>
+              <a:endParaRPr lang="en-US" dirty="0"/>
+            </a:p>
+          </p:txBody>
+        </p:sp>
+        <p:sp>
+          <p:nvSpPr>
+            <p:cNvPr id="23" name="Rounded Rectangle 22"/>
+            <p:cNvSpPr/>
+            <p:nvPr/>
+          </p:nvSpPr>
+          <p:spPr>
+            <a:xfrm>
+              <a:off x="3660004" y="2554845"/>
+              <a:ext cx="1828800" cy="533400"/>
+            </a:xfrm>
+            <a:prstGeom prst="roundRect">
+              <a:avLst/>
+            </a:prstGeom>
+            <a:solidFill>
+              <a:schemeClr val="accent1">
+                <a:lumMod val="20000"/>
+                <a:lumOff val="80000"/>
+              </a:schemeClr>
+            </a:solidFill>
+          </p:spPr>
+          <p:style>
+            <a:lnRef idx="1">
+              <a:schemeClr val="accent1"/>
+            </a:lnRef>
+            <a:fillRef idx="2">
+              <a:schemeClr val="accent1"/>
+            </a:fillRef>
+            <a:effectRef idx="1">
+              <a:schemeClr val="accent1"/>
+            </a:effectRef>
+            <a:fontRef idx="minor">
+              <a:schemeClr val="dk1"/>
+            </a:fontRef>
+          </p:style>
+          <p:txBody>
+            <a:bodyPr rtlCol="0" anchor="ctr"/>
+            <a:lstStyle/>
+            <a:p>
+              <a:pPr algn="ctr"/>
+              <a:r>
+                <a:rPr lang="en-US" dirty="0" smtClean="0"/>
+                <a:t>Use a template</a:t>
+              </a:r>
+              <a:endParaRPr lang="en-US" dirty="0"/>
+            </a:p>
+          </p:txBody>
+        </p:sp>
+        <p:sp>
+          <p:nvSpPr>
+            <p:cNvPr id="28" name="Rounded Rectangle 27"/>
+            <p:cNvSpPr/>
+            <p:nvPr/>
+          </p:nvSpPr>
+          <p:spPr>
+            <a:xfrm>
+              <a:off x="3661609" y="3361528"/>
+              <a:ext cx="1828800" cy="533400"/>
+            </a:xfrm>
+            <a:prstGeom prst="roundRect">
+              <a:avLst/>
+            </a:prstGeom>
+            <a:solidFill>
+              <a:schemeClr val="accent1">
+                <a:lumMod val="20000"/>
+                <a:lumOff val="80000"/>
+              </a:schemeClr>
+            </a:solidFill>
+          </p:spPr>
+          <p:style>
+            <a:lnRef idx="1">
+              <a:schemeClr val="accent1"/>
+            </a:lnRef>
+            <a:fillRef idx="2">
+              <a:schemeClr val="accent1"/>
+            </a:fillRef>
+            <a:effectRef idx="1">
+              <a:schemeClr val="accent1"/>
+            </a:effectRef>
+            <a:fontRef idx="minor">
+              <a:schemeClr val="dk1"/>
+            </a:fontRef>
+          </p:style>
+          <p:txBody>
+            <a:bodyPr rtlCol="0" anchor="ctr"/>
+            <a:lstStyle/>
+            <a:p>
+              <a:pPr algn="ctr"/>
+              <a:r>
+                <a:rPr lang="en-US" dirty="0" smtClean="0"/>
+                <a:t>Divide into Cases</a:t>
+              </a:r>
+              <a:endParaRPr lang="en-US" dirty="0"/>
+            </a:p>
+          </p:txBody>
+        </p:sp>
+        <p:sp>
+          <p:nvSpPr>
+            <p:cNvPr id="38" name="Rounded Rectangle 37"/>
+            <p:cNvSpPr/>
+            <p:nvPr/>
+          </p:nvSpPr>
+          <p:spPr>
+            <a:xfrm>
+              <a:off x="3657598" y="4168211"/>
+              <a:ext cx="1828800" cy="533400"/>
+            </a:xfrm>
+            <a:prstGeom prst="roundRect">
+              <a:avLst/>
+            </a:prstGeom>
+            <a:solidFill>
+              <a:schemeClr val="accent1">
+                <a:lumMod val="20000"/>
+                <a:lumOff val="80000"/>
+              </a:schemeClr>
+            </a:solidFill>
+          </p:spPr>
+          <p:style>
+            <a:lnRef idx="1">
+              <a:schemeClr val="accent1"/>
+            </a:lnRef>
+            <a:fillRef idx="2">
+              <a:schemeClr val="accent1"/>
+            </a:fillRef>
+            <a:effectRef idx="1">
+              <a:schemeClr val="accent1"/>
+            </a:effectRef>
+            <a:fontRef idx="minor">
+              <a:schemeClr val="dk1"/>
+            </a:fontRef>
+          </p:style>
+          <p:txBody>
+            <a:bodyPr rtlCol="0" anchor="ctr"/>
+            <a:lstStyle/>
+            <a:p>
+              <a:pPr algn="ctr"/>
+              <a:r>
+                <a:rPr lang="en-US" dirty="0" smtClean="0"/>
+                <a:t>Call a more general function</a:t>
+              </a:r>
+              <a:endParaRPr lang="en-US" dirty="0"/>
+            </a:p>
+          </p:txBody>
+        </p:sp>
+        <p:sp>
+          <p:nvSpPr>
+            <p:cNvPr id="48" name="Rounded Rectangle 47"/>
+            <p:cNvSpPr/>
+            <p:nvPr/>
+          </p:nvSpPr>
+          <p:spPr>
+            <a:xfrm>
+              <a:off x="3657599" y="5781575"/>
+              <a:ext cx="1828800" cy="533400"/>
+            </a:xfrm>
+            <a:prstGeom prst="roundRect">
+              <a:avLst/>
+            </a:prstGeom>
+            <a:solidFill>
+              <a:schemeClr val="accent1">
+                <a:lumMod val="20000"/>
+                <a:lumOff val="80000"/>
+              </a:schemeClr>
+            </a:solidFill>
+          </p:spPr>
+          <p:style>
+            <a:lnRef idx="1">
+              <a:schemeClr val="accent1"/>
+            </a:lnRef>
+            <a:fillRef idx="2">
+              <a:schemeClr val="accent1"/>
+            </a:fillRef>
+            <a:effectRef idx="1">
+              <a:schemeClr val="accent1"/>
+            </a:effectRef>
+            <a:fontRef idx="minor">
+              <a:schemeClr val="dk1"/>
+            </a:fontRef>
+          </p:style>
+          <p:txBody>
+            <a:bodyPr rtlCol="0" anchor="ctr"/>
+            <a:lstStyle/>
+            <a:p>
+              <a:pPr algn="ctr"/>
+              <a:r>
+                <a:rPr lang="en-US" dirty="0" smtClean="0"/>
+                <a:t>Communicate via State</a:t>
+              </a:r>
+              <a:endParaRPr lang="en-US" dirty="0"/>
+            </a:p>
+          </p:txBody>
+        </p:sp>
+        <p:cxnSp>
+          <p:nvCxnSpPr>
+            <p:cNvPr id="70" name="Straight Arrow Connector 69"/>
+            <p:cNvCxnSpPr>
+              <a:stCxn id="13" idx="2"/>
+              <a:endCxn id="23" idx="0"/>
+            </p:cNvCxnSpPr>
+            <p:nvPr/>
+          </p:nvCxnSpPr>
+          <p:spPr>
+            <a:xfrm>
+              <a:off x="4571999" y="2281562"/>
+              <a:ext cx="2405" cy="273283"/>
+            </a:xfrm>
+            <a:prstGeom prst="straightConnector1">
+              <a:avLst/>
+            </a:prstGeom>
+            <a:ln>
+              <a:tailEnd type="triangle"/>
+            </a:ln>
+          </p:spPr>
+          <p:style>
+            <a:lnRef idx="1">
+              <a:schemeClr val="accent1"/>
+            </a:lnRef>
+            <a:fillRef idx="0">
+              <a:schemeClr val="accent1"/>
+            </a:fillRef>
+            <a:effectRef idx="0">
+              <a:schemeClr val="accent1"/>
+            </a:effectRef>
+            <a:fontRef idx="minor">
+              <a:schemeClr val="tx1"/>
+            </a:fontRef>
+          </p:style>
+        </p:cxnSp>
+        <p:cxnSp>
+          <p:nvCxnSpPr>
+            <p:cNvPr id="72" name="Straight Arrow Connector 71"/>
+            <p:cNvCxnSpPr>
+              <a:stCxn id="23" idx="2"/>
+              <a:endCxn id="28" idx="0"/>
+            </p:cNvCxnSpPr>
+            <p:nvPr/>
+          </p:nvCxnSpPr>
+          <p:spPr>
+            <a:xfrm>
+              <a:off x="4574404" y="3088245"/>
+              <a:ext cx="1605" cy="273283"/>
+            </a:xfrm>
+            <a:prstGeom prst="straightConnector1">
+              <a:avLst/>
+            </a:prstGeom>
+            <a:ln>
+              <a:tailEnd type="triangle"/>
+            </a:ln>
+          </p:spPr>
+          <p:style>
+            <a:lnRef idx="1">
+              <a:schemeClr val="accent1"/>
+            </a:lnRef>
+            <a:fillRef idx="0">
+              <a:schemeClr val="accent1"/>
+            </a:fillRef>
+            <a:effectRef idx="0">
+              <a:schemeClr val="accent1"/>
+            </a:effectRef>
+            <a:fontRef idx="minor">
+              <a:schemeClr val="tx1"/>
+            </a:fontRef>
+          </p:style>
+        </p:cxnSp>
+        <p:cxnSp>
+          <p:nvCxnSpPr>
+            <p:cNvPr id="74" name="Straight Arrow Connector 73"/>
+            <p:cNvCxnSpPr>
+              <a:stCxn id="28" idx="2"/>
+              <a:endCxn id="38" idx="0"/>
+            </p:cNvCxnSpPr>
+            <p:nvPr/>
+          </p:nvCxnSpPr>
+          <p:spPr>
+            <a:xfrm flipH="1">
+              <a:off x="4571998" y="3894928"/>
+              <a:ext cx="4011" cy="273283"/>
+            </a:xfrm>
+            <a:prstGeom prst="straightConnector1">
+              <a:avLst/>
+            </a:prstGeom>
+            <a:ln>
+              <a:tailEnd type="triangle"/>
+            </a:ln>
+          </p:spPr>
+          <p:style>
+            <a:lnRef idx="1">
+              <a:schemeClr val="accent1"/>
+            </a:lnRef>
+            <a:fillRef idx="0">
+              <a:schemeClr val="accent1"/>
+            </a:fillRef>
+            <a:effectRef idx="0">
+              <a:schemeClr val="accent1"/>
+            </a:effectRef>
+            <a:fontRef idx="minor">
+              <a:schemeClr val="tx1"/>
+            </a:fontRef>
+          </p:style>
+        </p:cxnSp>
+        <p:cxnSp>
+          <p:nvCxnSpPr>
+            <p:cNvPr id="77" name="Straight Arrow Connector 76"/>
+            <p:cNvCxnSpPr>
+              <a:stCxn id="38" idx="2"/>
+              <a:endCxn id="43" idx="0"/>
+            </p:cNvCxnSpPr>
+            <p:nvPr/>
+          </p:nvCxnSpPr>
+          <p:spPr>
+            <a:xfrm>
+              <a:off x="4571998" y="4701611"/>
+              <a:ext cx="0" cy="273283"/>
+            </a:xfrm>
+            <a:prstGeom prst="straightConnector1">
+              <a:avLst/>
+            </a:prstGeom>
+            <a:ln>
+              <a:tailEnd type="triangle"/>
+            </a:ln>
+          </p:spPr>
+          <p:style>
+            <a:lnRef idx="1">
+              <a:schemeClr val="accent1"/>
+            </a:lnRef>
+            <a:fillRef idx="0">
+              <a:schemeClr val="accent1"/>
+            </a:fillRef>
+            <a:effectRef idx="0">
+              <a:schemeClr val="accent1"/>
+            </a:effectRef>
+            <a:fontRef idx="minor">
+              <a:schemeClr val="tx1"/>
+            </a:fontRef>
+          </p:style>
+        </p:cxnSp>
+        <p:sp>
+          <p:nvSpPr>
+            <p:cNvPr id="43" name="Rounded Rectangle 42"/>
+            <p:cNvSpPr/>
+            <p:nvPr/>
+          </p:nvSpPr>
+          <p:spPr>
+            <a:xfrm>
+              <a:off x="3657598" y="4974894"/>
+              <a:ext cx="1828800" cy="533400"/>
+            </a:xfrm>
+            <a:prstGeom prst="roundRect">
+              <a:avLst/>
+            </a:prstGeom>
+          </p:spPr>
+          <p:style>
+            <a:lnRef idx="2">
+              <a:schemeClr val="accent2">
+                <a:shade val="50000"/>
+              </a:schemeClr>
+            </a:lnRef>
+            <a:fillRef idx="1">
+              <a:schemeClr val="accent2"/>
+            </a:fillRef>
+            <a:effectRef idx="0">
+              <a:schemeClr val="accent2"/>
+            </a:effectRef>
+            <a:fontRef idx="minor">
+              <a:schemeClr val="lt1"/>
+            </a:fontRef>
+          </p:style>
+          <p:txBody>
+            <a:bodyPr rtlCol="0" anchor="ctr"/>
+            <a:lstStyle/>
+            <a:p>
+              <a:pPr algn="ctr"/>
+              <a:r>
+                <a:rPr lang="en-US" dirty="0" smtClean="0"/>
+                <a:t>Recur on </a:t>
+              </a:r>
+              <a:r>
+                <a:rPr lang="en-US" dirty="0" err="1" smtClean="0"/>
+                <a:t>subproblem</a:t>
+              </a:r>
+              <a:endParaRPr lang="en-US" dirty="0"/>
+            </a:p>
+          </p:txBody>
+        </p:sp>
+      </p:grpSp>
+      <p:cxnSp>
+        <p:nvCxnSpPr>
+          <p:cNvPr id="51" name="Straight Arrow Connector 50"/>
+          <p:cNvCxnSpPr>
+            <a:stCxn id="43" idx="2"/>
+            <a:endCxn id="48" idx="0"/>
+          </p:cNvCxnSpPr>
+          <p:nvPr/>
+        </p:nvCxnSpPr>
+        <p:spPr>
+          <a:xfrm>
+            <a:off x="4571998" y="5508294"/>
+            <a:ext cx="1" cy="273281"/>
+          </a:xfrm>
+          <a:prstGeom prst="straightConnector1">
+            <a:avLst/>
+          </a:prstGeom>
+          <a:ln>
+            <a:tailEnd type="triangle"/>
+          </a:ln>
+        </p:spPr>
+        <p:style>
+          <a:lnRef idx="1">
+            <a:schemeClr val="accent1"/>
+          </a:lnRef>
+          <a:fillRef idx="0">
+            <a:schemeClr val="accent1"/>
+          </a:fillRef>
+          <a:effectRef idx="0">
+            <a:schemeClr val="accent1"/>
+          </a:effectRef>
+          <a:fontRef idx="minor">
+            <a:schemeClr val="tx1"/>
+          </a:fontRef>
+        </p:style>
+      </p:cxnSp>
     </p:spTree>
     <p:extLst>
       <p:ext uri="{BB962C8B-B14F-4D97-AF65-F5344CB8AC3E}">
-        <p14:creationId xmlns:p14="http://schemas.microsoft.com/office/powerpoint/2010/main" val="2002388702"/>
+        <p14:creationId xmlns:p14="http://schemas.microsoft.com/office/powerpoint/2010/main" val="2432272171"/>
       </p:ext>
     </p:extLst>
   </p:cSld>
@@ -16715,19 +16635,8 @@
                 <a:latin typeface="Consolas" pitchFamily="49" charset="0"/>
                 <a:cs typeface="Consolas" pitchFamily="49" charset="0"/>
               </a:rPr>
-              <a:t>;; strategy: </a:t>
-            </a:r>
-            <a:r>
-              <a:rPr lang="en-US" b="1" dirty="0" smtClean="0">
-                <a:latin typeface="Consolas" pitchFamily="49" charset="0"/>
-                <a:cs typeface="Consolas" pitchFamily="49" charset="0"/>
-              </a:rPr>
-              <a:t>recur on (rest lst1) or (rest lst2)</a:t>
-            </a:r>
-            <a:endParaRPr lang="en-US" b="1" dirty="0" smtClean="0">
-              <a:latin typeface="Consolas" pitchFamily="49" charset="0"/>
-              <a:cs typeface="Consolas" pitchFamily="49" charset="0"/>
-            </a:endParaRPr>
+              <a:t>;; strategy: recur on (rest lst1) or (rest lst2)</a:t>
+            </a:r>
           </a:p>
           <a:p>
             <a:pPr>
@@ -18276,15 +18185,7 @@
           <a:p>
             <a:r>
               <a:rPr lang="en-US" dirty="0" smtClean="0"/>
-              <a:t>Our destructor templates always </a:t>
-            </a:r>
-            <a:r>
-              <a:rPr lang="en-US" dirty="0" smtClean="0"/>
-              <a:t>recurred </a:t>
-            </a:r>
-            <a:r>
-              <a:rPr lang="en-US" dirty="0" smtClean="0"/>
-              <a:t>on the sub-pieces of our structure.</a:t>
+              <a:t>Our destructor templates always recurred on the sub-pieces of our structure.</a:t>
             </a:r>
           </a:p>
           <a:p>

--- a/Slides/Lesson 8.1 Introducing General Recursion.pptx
+++ b/Slides/Lesson 8.1 Introducing General Recursion.pptx
@@ -313,7 +313,7 @@
             <a:fld id="{CF8F25F6-E1EF-4065-8525-42EDEBD9BD22}" type="datetimeFigureOut">
               <a:rPr lang="en-US" smtClean="0"/>
               <a:pPr/>
-              <a:t>10/18/2016</a:t>
+              <a:t>10/22/2016</a:t>
             </a:fld>
             <a:endParaRPr lang="en-US"/>
           </a:p>
@@ -2820,7 +2820,7 @@
           <a:p>
             <a:fld id="{2F1F79F5-7BEC-496A-AFC7-876E38F64D71}" type="datetime1">
               <a:rPr lang="en-US" smtClean="0"/>
-              <a:t>10/18/2016</a:t>
+              <a:t>10/22/2016</a:t>
             </a:fld>
             <a:endParaRPr lang="en-US"/>
           </a:p>
@@ -2915,7 +2915,7 @@
           <a:p>
             <a:fld id="{0A05703A-7669-4FEA-9056-25299B4D29D4}" type="datetime1">
               <a:rPr lang="en-US" smtClean="0"/>
-              <a:t>10/18/2016</a:t>
+              <a:t>10/22/2016</a:t>
             </a:fld>
             <a:endParaRPr lang="en-US"/>
           </a:p>
@@ -3190,7 +3190,7 @@
           <a:p>
             <a:fld id="{6E5077B5-BB57-49DB-88CA-226A139E5C01}" type="datetime1">
               <a:rPr lang="en-US" smtClean="0"/>
-              <a:t>10/18/2016</a:t>
+              <a:t>10/22/2016</a:t>
             </a:fld>
             <a:endParaRPr lang="en-US"/>
           </a:p>
@@ -3442,7 +3442,7 @@
           <a:p>
             <a:fld id="{C48D9447-CBD6-49A1-89FD-8512A8CF8999}" type="datetime1">
               <a:rPr lang="en-US" smtClean="0"/>
-              <a:t>10/18/2016</a:t>
+              <a:t>10/22/2016</a:t>
             </a:fld>
             <a:endParaRPr lang="en-US"/>
           </a:p>
@@ -3610,7 +3610,7 @@
           <a:p>
             <a:fld id="{A3639A2A-823D-48B7-9ACE-7FAF42870BA9}" type="datetime1">
               <a:rPr lang="en-US" smtClean="0"/>
-              <a:t>10/18/2016</a:t>
+              <a:t>10/22/2016</a:t>
             </a:fld>
             <a:endParaRPr lang="en-US"/>
           </a:p>
@@ -3788,7 +3788,7 @@
           <a:p>
             <a:fld id="{ED1B6996-82E9-463C-972C-7B56056E426C}" type="datetime1">
               <a:rPr lang="en-US" smtClean="0"/>
-              <a:t>10/18/2016</a:t>
+              <a:t>10/22/2016</a:t>
             </a:fld>
             <a:endParaRPr lang="en-US"/>
           </a:p>
@@ -3962,7 +3962,7 @@
           <a:p>
             <a:fld id="{E22ED4DA-448D-4BB1-B935-CC112220207B}" type="datetime1">
               <a:rPr lang="en-US" smtClean="0"/>
-              <a:t>10/18/2016</a:t>
+              <a:t>10/22/2016</a:t>
             </a:fld>
             <a:endParaRPr lang="en-US"/>
           </a:p>
@@ -4135,7 +4135,7 @@
           <a:p>
             <a:fld id="{E22ED4DA-448D-4BB1-B935-CC112220207B}" type="datetime1">
               <a:rPr lang="en-US" smtClean="0"/>
-              <a:t>10/18/2016</a:t>
+              <a:t>10/22/2016</a:t>
             </a:fld>
             <a:endParaRPr lang="en-US"/>
           </a:p>
@@ -4395,7 +4395,7 @@
           <a:p>
             <a:fld id="{FF5D65A6-AB94-4435-B0B7-3743215FA46C}" type="datetime1">
               <a:rPr lang="en-US" smtClean="0"/>
-              <a:t>10/18/2016</a:t>
+              <a:t>10/22/2016</a:t>
             </a:fld>
             <a:endParaRPr lang="en-US"/>
           </a:p>
@@ -4571,7 +4571,7 @@
           <a:p>
             <a:fld id="{FF5D65A6-AB94-4435-B0B7-3743215FA46C}" type="datetime1">
               <a:rPr lang="en-US" smtClean="0"/>
-              <a:t>10/18/2016</a:t>
+              <a:t>10/22/2016</a:t>
             </a:fld>
             <a:endParaRPr lang="en-US"/>
           </a:p>
@@ -4865,7 +4865,7 @@
           <a:p>
             <a:fld id="{7C193DC4-6EF0-48C9-B29C-616106A645E1}" type="datetime1">
               <a:rPr lang="en-US" smtClean="0"/>
-              <a:t>10/18/2016</a:t>
+              <a:t>10/22/2016</a:t>
             </a:fld>
             <a:endParaRPr lang="en-US"/>
           </a:p>
@@ -5150,7 +5150,7 @@
           <a:p>
             <a:fld id="{5D1846AD-9252-4647-9435-4C2AC365653A}" type="datetime1">
               <a:rPr lang="en-US" smtClean="0"/>
-              <a:t>10/18/2016</a:t>
+              <a:t>10/22/2016</a:t>
             </a:fld>
             <a:endParaRPr lang="en-US"/>
           </a:p>
@@ -5569,7 +5569,7 @@
           <a:p>
             <a:fld id="{CE56DC10-3561-4063-A6AF-C1CC7A41040A}" type="datetime1">
               <a:rPr lang="en-US" smtClean="0"/>
-              <a:t>10/18/2016</a:t>
+              <a:t>10/22/2016</a:t>
             </a:fld>
             <a:endParaRPr lang="en-US"/>
           </a:p>
@@ -5686,7 +5686,7 @@
           <a:p>
             <a:fld id="{2F7B77F5-1464-4F6B-92A8-64FC8A508293}" type="datetime1">
               <a:rPr lang="en-US" smtClean="0"/>
-              <a:t>10/18/2016</a:t>
+              <a:t>10/22/2016</a:t>
             </a:fld>
             <a:endParaRPr lang="en-US"/>
           </a:p>
@@ -5909,7 +5909,7 @@
           <a:p>
             <a:fld id="{02B3F677-983B-48DB-ADFD-63FE6CBC7FB2}" type="datetime1">
               <a:rPr lang="en-US" smtClean="0"/>
-              <a:t>10/18/2016</a:t>
+              <a:t>10/22/2016</a:t>
             </a:fld>
             <a:endParaRPr lang="en-US"/>
           </a:p>
@@ -8586,7 +8586,7 @@
         <p:spPr/>
         <p:txBody>
           <a:bodyPr>
-            <a:normAutofit fontScale="47500" lnSpcReduction="20000"/>
+            <a:normAutofit fontScale="55000" lnSpcReduction="20000"/>
           </a:bodyPr>
           <a:lstStyle/>
           <a:p>
@@ -8895,33 +8895,33 @@
                 <a:latin typeface="Consolas" pitchFamily="49" charset="0"/>
                 <a:cs typeface="Consolas" pitchFamily="49" charset="0"/>
               </a:rPr>
-              <a:t>       ;; at this point we know that</a:t>
-            </a:r>
-          </a:p>
-          <a:p>
-            <a:pPr>
-              <a:buNone/>
-            </a:pPr>
+              <a:t>       ;; at this point we know that </a:t>
+            </a:r>
+            <a:r>
+              <a:rPr lang="en-US" b="1" dirty="0" err="1">
+                <a:latin typeface="Consolas" pitchFamily="49" charset="0"/>
+                <a:cs typeface="Consolas" pitchFamily="49" charset="0"/>
+              </a:rPr>
+              <a:t>sexp</a:t>
+            </a:r>
             <a:r>
               <a:rPr lang="en-US" b="1" dirty="0">
                 <a:latin typeface="Consolas" pitchFamily="49" charset="0"/>
                 <a:cs typeface="Consolas" pitchFamily="49" charset="0"/>
               </a:rPr>
-              <a:t>       ;; </a:t>
-            </a:r>
-            <a:r>
-              <a:rPr lang="en-US" b="1" dirty="0" err="1">
-                <a:latin typeface="Consolas" pitchFamily="49" charset="0"/>
-                <a:cs typeface="Consolas" pitchFamily="49" charset="0"/>
-              </a:rPr>
-              <a:t>sexp</a:t>
-            </a:r>
+              <a:t> is a list, so it is</a:t>
+            </a:r>
+          </a:p>
+          <a:p>
+            <a:pPr>
+              <a:buNone/>
+            </a:pPr>
             <a:r>
               <a:rPr lang="en-US" b="1" dirty="0">
                 <a:latin typeface="Consolas" pitchFamily="49" charset="0"/>
                 <a:cs typeface="Consolas" pitchFamily="49" charset="0"/>
               </a:rPr>
-              <a:t> is a list, so it is safe to call list functions on it.</a:t>
+              <a:t>       ;; safe to call list functions on it.</a:t>
             </a:r>
           </a:p>
           <a:p>
@@ -9426,7 +9426,7 @@
           <a:p>
             <a:r>
               <a:rPr lang="en-US" dirty="0"/>
-              <a:t>It's "divide-and-conquer"</a:t>
+              <a:t>It's more like "divide-and-conquer"</a:t>
             </a:r>
           </a:p>
           <a:p>
@@ -10809,6 +10809,20 @@
               <a:t>Divide the list in half, sort each half, and then merge two sorted lists.</a:t>
             </a:r>
           </a:p>
+          <a:p>
+            <a:r>
+              <a:rPr lang="en-US" dirty="0"/>
+              <a:t>First we write </a:t>
+            </a:r>
+            <a:r>
+              <a:rPr lang="en-US" b="1" dirty="0"/>
+              <a:t>merge</a:t>
+            </a:r>
+            <a:r>
+              <a:rPr lang="en-US" dirty="0"/>
+              <a:t>, which merges two sorted lists:</a:t>
+            </a:r>
+          </a:p>
         </p:txBody>
       </p:sp>
       <p:sp>
@@ -10968,7 +10982,7 @@
                 <a:latin typeface="Consolas" pitchFamily="49" charset="0"/>
                 <a:cs typeface="Consolas" pitchFamily="49" charset="0"/>
               </a:rPr>
-              <a:t>;; merges its two arguments</a:t>
+              <a:t>;; RETURNS: the sorted merge of its two arguments</a:t>
             </a:r>
           </a:p>
           <a:p>
@@ -10992,7 +11006,17 @@
                 <a:latin typeface="Consolas" pitchFamily="49" charset="0"/>
                 <a:cs typeface="Consolas" pitchFamily="49" charset="0"/>
               </a:rPr>
-              <a:t>;; HALTING MEASURE: ???</a:t>
+              <a:t>;; </a:t>
+            </a:r>
+            <a:r>
+              <a:rPr lang="en-US" b="1" dirty="0">
+                <a:solidFill>
+                  <a:schemeClr val="accent6"/>
+                </a:solidFill>
+                <a:latin typeface="Consolas" pitchFamily="49" charset="0"/>
+                <a:cs typeface="Consolas" pitchFamily="49" charset="0"/>
+              </a:rPr>
+              <a:t>HALTING MEASURE: ???</a:t>
             </a:r>
           </a:p>
           <a:p>
@@ -11379,6 +11403,9 @@
             </a:pPr>
             <a:r>
               <a:rPr lang="en-US" b="1" dirty="0">
+                <a:solidFill>
+                  <a:schemeClr val="accent6"/>
+                </a:solidFill>
                 <a:latin typeface="Consolas" pitchFamily="49" charset="0"/>
                 <a:cs typeface="Consolas" pitchFamily="49" charset="0"/>
               </a:rPr>
@@ -13371,7 +13398,7 @@
                   <a:srgbClr val="FF0000"/>
                 </a:solidFill>
               </a:rPr>
-              <a:t>   	are both  </a:t>
+              <a:t>   	are both </a:t>
             </a:r>
             <a:r>
               <a:rPr lang="en-US" sz="3300" b="1" i="1" dirty="0">
@@ -13615,140 +13642,210 @@
           </a:p>
         </p:txBody>
       </p:sp>
-      <p:sp>
-        <p:nvSpPr>
-          <p:cNvPr id="3" name="Content Placeholder 2"/>
-          <p:cNvSpPr>
-            <a:spLocks noGrp="1"/>
-          </p:cNvSpPr>
-          <p:nvPr>
-            <p:ph idx="1"/>
-          </p:nvPr>
-        </p:nvSpPr>
-        <p:spPr/>
-        <p:txBody>
-          <a:bodyPr>
-            <a:normAutofit fontScale="85000" lnSpcReduction="20000"/>
-          </a:bodyPr>
-          <a:lstStyle/>
-          <a:p>
-            <a:r>
-              <a:rPr lang="en-US" dirty="0"/>
-              <a:t>Splitting the list in this way takes time proportional to the length n of the list.  The call to merge likewise takes time proportional to </a:t>
-            </a:r>
-            <a:r>
-              <a:rPr lang="en-US" b="1" dirty="0"/>
-              <a:t>n</a:t>
-            </a:r>
-            <a:r>
-              <a:rPr lang="en-US" dirty="0"/>
-              <a:t>.  We say this time is </a:t>
-            </a:r>
-            <a:r>
-              <a:rPr lang="en-US" b="1" dirty="0"/>
-              <a:t>O(n)</a:t>
-            </a:r>
-            <a:r>
-              <a:rPr lang="en-US" dirty="0"/>
-              <a:t>.</a:t>
-            </a:r>
-          </a:p>
-          <a:p>
-            <a:r>
-              <a:rPr lang="en-US" dirty="0"/>
-              <a:t>If </a:t>
-            </a:r>
-            <a:r>
-              <a:rPr lang="en-US" b="1" dirty="0"/>
-              <a:t>T(n) </a:t>
-            </a:r>
-            <a:r>
-              <a:rPr lang="en-US" dirty="0"/>
-              <a:t>is the time to sort a list of length </a:t>
-            </a:r>
-            <a:r>
-              <a:rPr lang="en-US" b="1" dirty="0"/>
-              <a:t>n</a:t>
-            </a:r>
-            <a:r>
-              <a:rPr lang="en-US" dirty="0"/>
-              <a:t>, then </a:t>
-            </a:r>
-            <a:r>
-              <a:rPr lang="en-US" b="1" dirty="0"/>
-              <a:t>T(n) </a:t>
-            </a:r>
-            <a:r>
-              <a:rPr lang="en-US" dirty="0"/>
-              <a:t>is equal to the time </a:t>
-            </a:r>
-            <a:r>
-              <a:rPr lang="en-US" b="1" dirty="0"/>
-              <a:t>2*T(n/2) </a:t>
-            </a:r>
-            <a:r>
-              <a:rPr lang="en-US" dirty="0"/>
-              <a:t>that it takes to sort the two </a:t>
-            </a:r>
-            <a:r>
-              <a:rPr lang="en-US" dirty="0" err="1"/>
-              <a:t>sublists</a:t>
-            </a:r>
-            <a:r>
-              <a:rPr lang="en-US" dirty="0"/>
-              <a:t>, plus the time </a:t>
-            </a:r>
-            <a:r>
-              <a:rPr lang="en-US" b="1" dirty="0"/>
-              <a:t>O(n) </a:t>
-            </a:r>
-            <a:r>
-              <a:rPr lang="en-US" dirty="0"/>
-              <a:t>of splitting the list and merging the two results:</a:t>
-            </a:r>
-          </a:p>
-          <a:p>
-            <a:r>
-              <a:rPr lang="en-US" dirty="0"/>
-              <a:t>So the overall time is</a:t>
-            </a:r>
-          </a:p>
-          <a:p>
-            <a:pPr marL="0" indent="0" algn="ctr">
-              <a:buNone/>
-            </a:pPr>
-            <a:r>
-              <a:rPr lang="en-US" b="1" dirty="0"/>
-              <a:t>T(n) = 2*T(n/2) + O(n)</a:t>
-            </a:r>
-          </a:p>
-          <a:p>
-            <a:r>
-              <a:rPr lang="en-US" dirty="0"/>
-              <a:t>When you take algorithms, you will learn that all this implies that </a:t>
-            </a:r>
-            <a:r>
-              <a:rPr lang="en-US" b="1" dirty="0"/>
-              <a:t>T(n) = O(n log n).  </a:t>
-            </a:r>
-            <a:r>
-              <a:rPr lang="en-US" dirty="0"/>
-              <a:t>This is better than an insertion sort, which takes </a:t>
-            </a:r>
-            <a:r>
-              <a:rPr lang="en-US" b="1" dirty="0"/>
-              <a:t>O(n^2)</a:t>
-            </a:r>
-            <a:r>
-              <a:rPr lang="en-US" dirty="0"/>
-              <a:t>. </a:t>
-            </a:r>
-          </a:p>
-          <a:p>
-            <a:endParaRPr lang="en-US" dirty="0"/>
-          </a:p>
-        </p:txBody>
-      </p:sp>
+      <mc:AlternateContent xmlns:mc="http://schemas.openxmlformats.org/markup-compatibility/2006">
+        <mc:Choice xmlns:a14="http://schemas.microsoft.com/office/drawing/2010/main" Requires="a14">
+          <p:sp>
+            <p:nvSpPr>
+              <p:cNvPr id="3" name="Content Placeholder 2"/>
+              <p:cNvSpPr>
+                <a:spLocks noGrp="1"/>
+              </p:cNvSpPr>
+              <p:nvPr>
+                <p:ph idx="1"/>
+              </p:nvPr>
+            </p:nvSpPr>
+            <p:spPr/>
+            <p:txBody>
+              <a:bodyPr>
+                <a:normAutofit fontScale="85000" lnSpcReduction="20000"/>
+              </a:bodyPr>
+              <a:lstStyle/>
+              <a:p>
+                <a:r>
+                  <a:rPr lang="en-US" dirty="0"/>
+                  <a:t>Splitting the list in this way takes time proportional to the length n of the list.  The call to merge likewise takes time proportional to </a:t>
+                </a:r>
+                <a:r>
+                  <a:rPr lang="en-US" b="1" dirty="0"/>
+                  <a:t>n</a:t>
+                </a:r>
+                <a:r>
+                  <a:rPr lang="en-US" dirty="0"/>
+                  <a:t>.  We say this time is </a:t>
+                </a:r>
+                <a:r>
+                  <a:rPr lang="en-US" b="1" dirty="0"/>
+                  <a:t>O(n)</a:t>
+                </a:r>
+                <a:r>
+                  <a:rPr lang="en-US" dirty="0"/>
+                  <a:t>.</a:t>
+                </a:r>
+              </a:p>
+              <a:p>
+                <a:r>
+                  <a:rPr lang="en-US" dirty="0"/>
+                  <a:t>If </a:t>
+                </a:r>
+                <a:r>
+                  <a:rPr lang="en-US" b="1" dirty="0"/>
+                  <a:t>T(n) </a:t>
+                </a:r>
+                <a:r>
+                  <a:rPr lang="en-US" dirty="0"/>
+                  <a:t>is the time to sort a list of length </a:t>
+                </a:r>
+                <a:r>
+                  <a:rPr lang="en-US" b="1" dirty="0"/>
+                  <a:t>n</a:t>
+                </a:r>
+                <a:r>
+                  <a:rPr lang="en-US" dirty="0"/>
+                  <a:t>, then </a:t>
+                </a:r>
+                <a:r>
+                  <a:rPr lang="en-US" b="1" dirty="0"/>
+                  <a:t>T(n) </a:t>
+                </a:r>
+                <a:r>
+                  <a:rPr lang="en-US" dirty="0"/>
+                  <a:t>is equal to the time </a:t>
+                </a:r>
+                <a:r>
+                  <a:rPr lang="en-US" b="1" dirty="0"/>
+                  <a:t>2*T(n/2) </a:t>
+                </a:r>
+                <a:r>
+                  <a:rPr lang="en-US" dirty="0"/>
+                  <a:t>that it takes to sort the two </a:t>
+                </a:r>
+                <a:r>
+                  <a:rPr lang="en-US" dirty="0" err="1"/>
+                  <a:t>sublists</a:t>
+                </a:r>
+                <a:r>
+                  <a:rPr lang="en-US" dirty="0"/>
+                  <a:t>, plus the time </a:t>
+                </a:r>
+                <a:r>
+                  <a:rPr lang="en-US" b="1" dirty="0"/>
+                  <a:t>O(n) </a:t>
+                </a:r>
+                <a:r>
+                  <a:rPr lang="en-US" dirty="0"/>
+                  <a:t>of splitting the list and merging the two results:</a:t>
+                </a:r>
+              </a:p>
+              <a:p>
+                <a:r>
+                  <a:rPr lang="en-US" dirty="0"/>
+                  <a:t>So the overall time is</a:t>
+                </a:r>
+              </a:p>
+              <a:p>
+                <a:pPr marL="0" indent="0" algn="ctr">
+                  <a:buNone/>
+                </a:pPr>
+                <a:r>
+                  <a:rPr lang="en-US" b="1" dirty="0"/>
+                  <a:t>T(n) = 2*T(n/2) + O(n)</a:t>
+                </a:r>
+              </a:p>
+              <a:p>
+                <a:r>
+                  <a:rPr lang="en-US" dirty="0"/>
+                  <a:t>When you take algorithms, you will learn that all this implies that </a:t>
+                </a:r>
+                <a:r>
+                  <a:rPr lang="en-US" b="1" dirty="0"/>
+                  <a:t>T(n) = O(n log n).  </a:t>
+                </a:r>
+                <a:r>
+                  <a:rPr lang="en-US" dirty="0"/>
+                  <a:t>This is better than an insertion sort, which takes </a:t>
+                </a:r>
+                <a:r>
+                  <a:rPr lang="en-US" b="1" dirty="0"/>
+                  <a:t>O(</a:t>
+                </a:r>
+                <a14:m>
+                  <m:oMath xmlns:m="http://schemas.openxmlformats.org/officeDocument/2006/math">
+                    <m:sSup>
+                      <m:sSupPr>
+                        <m:ctrlPr>
+                          <a:rPr lang="en-US" b="1" i="1" dirty="0" smtClean="0">
+                            <a:latin typeface="Cambria Math" panose="02040503050406030204" pitchFamily="18" charset="0"/>
+                          </a:rPr>
+                        </m:ctrlPr>
+                      </m:sSupPr>
+                      <m:e>
+                        <m:r>
+                          <a:rPr lang="en-US" b="1" i="1" dirty="0" smtClean="0">
+                            <a:latin typeface="Cambria Math" panose="02040503050406030204" pitchFamily="18" charset="0"/>
+                          </a:rPr>
+                          <m:t>𝒏</m:t>
+                        </m:r>
+                      </m:e>
+                      <m:sup>
+                        <m:r>
+                          <a:rPr lang="en-US" b="1" i="1" dirty="0" smtClean="0">
+                            <a:latin typeface="Cambria Math" panose="02040503050406030204" pitchFamily="18" charset="0"/>
+                          </a:rPr>
+                          <m:t>𝟐</m:t>
+                        </m:r>
+                      </m:sup>
+                    </m:sSup>
+                  </m:oMath>
+                </a14:m>
+                <a:r>
+                  <a:rPr lang="en-US" b="1" dirty="0"/>
+                  <a:t>)</a:t>
+                </a:r>
+                <a:r>
+                  <a:rPr lang="en-US" dirty="0"/>
+                  <a:t>. </a:t>
+                </a:r>
+              </a:p>
+              <a:p>
+                <a:endParaRPr lang="en-US" dirty="0"/>
+              </a:p>
+            </p:txBody>
+          </p:sp>
+        </mc:Choice>
+        <mc:Fallback>
+          <p:sp>
+            <p:nvSpPr>
+              <p:cNvPr id="3" name="Content Placeholder 2"/>
+              <p:cNvSpPr>
+                <a:spLocks noGrp="1" noRot="1" noChangeAspect="1" noMove="1" noResize="1" noEditPoints="1" noAdjustHandles="1" noChangeArrowheads="1" noChangeShapeType="1" noTextEdit="1"/>
+              </p:cNvSpPr>
+              <p:nvPr>
+                <p:ph idx="1"/>
+              </p:nvPr>
+            </p:nvSpPr>
+            <p:spPr>
+              <a:blipFill>
+                <a:blip r:embed="rId2"/>
+                <a:stretch>
+                  <a:fillRect l="-1259" t="-2830" r="-2000" b="-404"/>
+                </a:stretch>
+              </a:blipFill>
+            </p:spPr>
+            <p:txBody>
+              <a:bodyPr/>
+              <a:lstStyle/>
+              <a:p>
+                <a:r>
+                  <a:rPr lang="en-US">
+                    <a:noFill/>
+                  </a:rPr>
+                  <a:t> </a:t>
+                </a:r>
+              </a:p>
+            </p:txBody>
+          </p:sp>
+        </mc:Fallback>
+      </mc:AlternateContent>
       <p:sp>
         <p:nvSpPr>
           <p:cNvPr id="4" name="Slide Number Placeholder 3"/>
@@ -13816,13 +13913,13 @@
         <p:spPr/>
         <p:txBody>
           <a:bodyPr>
-            <a:normAutofit fontScale="90000"/>
+            <a:normAutofit/>
           </a:bodyPr>
           <a:lstStyle/>
           <a:p>
             <a:r>
               <a:rPr lang="en-US" dirty="0"/>
-              <a:t>Let's look at some patterns for general recursion</a:t>
+              <a:t>The General Recursion Strategy</a:t>
             </a:r>
           </a:p>
         </p:txBody>
@@ -13846,7 +13943,7 @@
           <a:p>
             <a:r>
               <a:rPr lang="en-US" dirty="0"/>
-              <a:t>Outline for divide-and-conquer (general recursion)</a:t>
+              <a:t>Strategy for divide-and-conquer (general recursion)</a:t>
             </a:r>
           </a:p>
           <a:p>
@@ -13919,6 +14016,96 @@
           </a:p>
         </p:txBody>
       </p:sp>
+      <p:sp>
+        <p:nvSpPr>
+          <p:cNvPr id="5" name="Rectangle 4"/>
+          <p:cNvSpPr/>
+          <p:nvPr/>
+        </p:nvSpPr>
+        <p:spPr>
+          <a:xfrm>
+            <a:off x="5867400" y="2209800"/>
+            <a:ext cx="2133600" cy="1040546"/>
+          </a:xfrm>
+          <a:prstGeom prst="rect">
+            <a:avLst/>
+          </a:prstGeom>
+          <a:solidFill>
+            <a:schemeClr val="accent1">
+              <a:lumMod val="20000"/>
+              <a:lumOff val="80000"/>
+            </a:schemeClr>
+          </a:solidFill>
+          <a:ln>
+            <a:noFill/>
+          </a:ln>
+        </p:spPr>
+        <p:style>
+          <a:lnRef idx="2">
+            <a:schemeClr val="accent1"/>
+          </a:lnRef>
+          <a:fillRef idx="1">
+            <a:schemeClr val="lt1"/>
+          </a:fillRef>
+          <a:effectRef idx="0">
+            <a:schemeClr val="accent1"/>
+          </a:effectRef>
+          <a:fontRef idx="minor">
+            <a:schemeClr val="dk1"/>
+          </a:fontRef>
+        </p:style>
+        <p:txBody>
+          <a:bodyPr rot="0" spcFirstLastPara="0" vertOverflow="overflow" horzOverflow="overflow" vert="horz" wrap="square" lIns="91440" tIns="45720" rIns="91440" bIns="45720" numCol="1" spcCol="0" rtlCol="0" fromWordArt="0" anchor="ctr" anchorCtr="0" forceAA="0" compatLnSpc="1">
+            <a:prstTxWarp prst="textNoShape">
+              <a:avLst/>
+            </a:prstTxWarp>
+            <a:noAutofit/>
+          </a:bodyPr>
+          <a:lstStyle/>
+          <a:p>
+            <a:pPr algn="ctr"/>
+            <a:r>
+              <a:rPr lang="en-US" sz="2000" dirty="0"/>
+              <a:t>that is, smaller in the halting measure</a:t>
+            </a:r>
+          </a:p>
+        </p:txBody>
+      </p:sp>
+      <p:cxnSp>
+        <p:nvCxnSpPr>
+          <p:cNvPr id="7" name="Straight Arrow Connector 6"/>
+          <p:cNvCxnSpPr>
+            <a:stCxn id="5" idx="1"/>
+          </p:cNvCxnSpPr>
+          <p:nvPr/>
+        </p:nvCxnSpPr>
+        <p:spPr>
+          <a:xfrm flipH="1">
+            <a:off x="4343400" y="2730073"/>
+            <a:ext cx="1524000" cy="698927"/>
+          </a:xfrm>
+          <a:prstGeom prst="straightConnector1">
+            <a:avLst/>
+          </a:prstGeom>
+          <a:ln>
+            <a:tailEnd type="triangle"/>
+          </a:ln>
+        </p:spPr>
+        <p:style>
+          <a:lnRef idx="1">
+            <a:schemeClr val="accent1"/>
+          </a:lnRef>
+          <a:fillRef idx="0">
+            <a:schemeClr val="accent1"/>
+          </a:fillRef>
+          <a:effectRef idx="0">
+            <a:schemeClr val="accent1"/>
+          </a:effectRef>
+          <a:fontRef idx="minor">
+            <a:schemeClr val="tx1"/>
+          </a:fontRef>
+        </p:style>
+      </p:cxnSp>
     </p:spTree>
     <p:extLst>
       <p:ext uri="{BB962C8B-B14F-4D97-AF65-F5344CB8AC3E}">
@@ -15917,13 +16104,13 @@
         <p:spPr/>
         <p:txBody>
           <a:bodyPr>
-            <a:normAutofit/>
+            <a:normAutofit fontScale="90000"/>
           </a:bodyPr>
           <a:lstStyle/>
           <a:p>
             <a:r>
               <a:rPr lang="en-US" dirty="0"/>
-              <a:t>There's more than one pattern</a:t>
+              <a:t>There's more than one pattern for the function definition</a:t>
             </a:r>
           </a:p>
         </p:txBody>
@@ -15952,7 +16139,7 @@
           <a:p>
             <a:r>
               <a:rPr lang="en-US" dirty="0"/>
-              <a:t>The pattern might take different shapes, depending on our problem. </a:t>
+              <a:t>The function definition might take different shapes, depending on the problem. </a:t>
             </a:r>
           </a:p>
           <a:p>
@@ -15966,7 +16153,13 @@
             </a:r>
             <a:r>
               <a:rPr lang="en-US" dirty="0"/>
-              <a:t>. </a:t>
+              <a:t>.</a:t>
+            </a:r>
+          </a:p>
+          <a:p>
+            <a:r>
+              <a:rPr lang="en-US" dirty="0"/>
+              <a:t>Let's look at some possibilities: </a:t>
             </a:r>
           </a:p>
           <a:p>
@@ -16509,7 +16702,7 @@
           <a:p>
             <a:r>
               <a:rPr lang="en-US" dirty="0"/>
-              <a:t>There is no magic recipe for finding easier </a:t>
+              <a:t>There is no magic recipe for finding smaller </a:t>
             </a:r>
             <a:r>
               <a:rPr lang="en-US" dirty="0" err="1"/>
@@ -19475,13 +19668,13 @@
           <a:p>
             <a:r>
               <a:rPr lang="en-US" dirty="0"/>
-              <a:t>Our destructor templates always recurred on the sub-pieces of our structure.</a:t>
+              <a:t>Our observer templates always recurred on the sub-pieces of our structure.</a:t>
             </a:r>
           </a:p>
           <a:p>
             <a:r>
               <a:rPr lang="en-US" dirty="0"/>
-              <a:t>We call this </a:t>
+              <a:t>This is sometimes called </a:t>
             </a:r>
             <a:r>
               <a:rPr lang="en-US" i="1" dirty="0">

--- a/Slides/Lesson 8.1 Introducing General Recursion.pptx
+++ b/Slides/Lesson 8.1 Introducing General Recursion.pptx
@@ -313,7 +313,7 @@
             <a:fld id="{CF8F25F6-E1EF-4065-8525-42EDEBD9BD22}" type="datetimeFigureOut">
               <a:rPr lang="en-US" smtClean="0"/>
               <a:pPr/>
-              <a:t>10/22/2016</a:t>
+              <a:t>10/24/2016</a:t>
             </a:fld>
             <a:endParaRPr lang="en-US"/>
           </a:p>
@@ -2820,7 +2820,7 @@
           <a:p>
             <a:fld id="{2F1F79F5-7BEC-496A-AFC7-876E38F64D71}" type="datetime1">
               <a:rPr lang="en-US" smtClean="0"/>
-              <a:t>10/22/2016</a:t>
+              <a:t>10/24/2016</a:t>
             </a:fld>
             <a:endParaRPr lang="en-US"/>
           </a:p>
@@ -2915,7 +2915,7 @@
           <a:p>
             <a:fld id="{0A05703A-7669-4FEA-9056-25299B4D29D4}" type="datetime1">
               <a:rPr lang="en-US" smtClean="0"/>
-              <a:t>10/22/2016</a:t>
+              <a:t>10/24/2016</a:t>
             </a:fld>
             <a:endParaRPr lang="en-US"/>
           </a:p>
@@ -3190,7 +3190,7 @@
           <a:p>
             <a:fld id="{6E5077B5-BB57-49DB-88CA-226A139E5C01}" type="datetime1">
               <a:rPr lang="en-US" smtClean="0"/>
-              <a:t>10/22/2016</a:t>
+              <a:t>10/24/2016</a:t>
             </a:fld>
             <a:endParaRPr lang="en-US"/>
           </a:p>
@@ -3442,7 +3442,7 @@
           <a:p>
             <a:fld id="{C48D9447-CBD6-49A1-89FD-8512A8CF8999}" type="datetime1">
               <a:rPr lang="en-US" smtClean="0"/>
-              <a:t>10/22/2016</a:t>
+              <a:t>10/24/2016</a:t>
             </a:fld>
             <a:endParaRPr lang="en-US"/>
           </a:p>
@@ -3610,7 +3610,7 @@
           <a:p>
             <a:fld id="{A3639A2A-823D-48B7-9ACE-7FAF42870BA9}" type="datetime1">
               <a:rPr lang="en-US" smtClean="0"/>
-              <a:t>10/22/2016</a:t>
+              <a:t>10/24/2016</a:t>
             </a:fld>
             <a:endParaRPr lang="en-US"/>
           </a:p>
@@ -3788,7 +3788,7 @@
           <a:p>
             <a:fld id="{ED1B6996-82E9-463C-972C-7B56056E426C}" type="datetime1">
               <a:rPr lang="en-US" smtClean="0"/>
-              <a:t>10/22/2016</a:t>
+              <a:t>10/24/2016</a:t>
             </a:fld>
             <a:endParaRPr lang="en-US"/>
           </a:p>
@@ -3962,7 +3962,7 @@
           <a:p>
             <a:fld id="{E22ED4DA-448D-4BB1-B935-CC112220207B}" type="datetime1">
               <a:rPr lang="en-US" smtClean="0"/>
-              <a:t>10/22/2016</a:t>
+              <a:t>10/24/2016</a:t>
             </a:fld>
             <a:endParaRPr lang="en-US"/>
           </a:p>
@@ -4135,7 +4135,7 @@
           <a:p>
             <a:fld id="{E22ED4DA-448D-4BB1-B935-CC112220207B}" type="datetime1">
               <a:rPr lang="en-US" smtClean="0"/>
-              <a:t>10/22/2016</a:t>
+              <a:t>10/24/2016</a:t>
             </a:fld>
             <a:endParaRPr lang="en-US"/>
           </a:p>
@@ -4395,7 +4395,7 @@
           <a:p>
             <a:fld id="{FF5D65A6-AB94-4435-B0B7-3743215FA46C}" type="datetime1">
               <a:rPr lang="en-US" smtClean="0"/>
-              <a:t>10/22/2016</a:t>
+              <a:t>10/24/2016</a:t>
             </a:fld>
             <a:endParaRPr lang="en-US"/>
           </a:p>
@@ -4571,7 +4571,7 @@
           <a:p>
             <a:fld id="{FF5D65A6-AB94-4435-B0B7-3743215FA46C}" type="datetime1">
               <a:rPr lang="en-US" smtClean="0"/>
-              <a:t>10/22/2016</a:t>
+              <a:t>10/24/2016</a:t>
             </a:fld>
             <a:endParaRPr lang="en-US"/>
           </a:p>
@@ -4865,7 +4865,7 @@
           <a:p>
             <a:fld id="{7C193DC4-6EF0-48C9-B29C-616106A645E1}" type="datetime1">
               <a:rPr lang="en-US" smtClean="0"/>
-              <a:t>10/22/2016</a:t>
+              <a:t>10/24/2016</a:t>
             </a:fld>
             <a:endParaRPr lang="en-US"/>
           </a:p>
@@ -5150,7 +5150,7 @@
           <a:p>
             <a:fld id="{5D1846AD-9252-4647-9435-4C2AC365653A}" type="datetime1">
               <a:rPr lang="en-US" smtClean="0"/>
-              <a:t>10/22/2016</a:t>
+              <a:t>10/24/2016</a:t>
             </a:fld>
             <a:endParaRPr lang="en-US"/>
           </a:p>
@@ -5569,7 +5569,7 @@
           <a:p>
             <a:fld id="{CE56DC10-3561-4063-A6AF-C1CC7A41040A}" type="datetime1">
               <a:rPr lang="en-US" smtClean="0"/>
-              <a:t>10/22/2016</a:t>
+              <a:t>10/24/2016</a:t>
             </a:fld>
             <a:endParaRPr lang="en-US"/>
           </a:p>
@@ -5686,7 +5686,7 @@
           <a:p>
             <a:fld id="{2F7B77F5-1464-4F6B-92A8-64FC8A508293}" type="datetime1">
               <a:rPr lang="en-US" smtClean="0"/>
-              <a:t>10/22/2016</a:t>
+              <a:t>10/24/2016</a:t>
             </a:fld>
             <a:endParaRPr lang="en-US"/>
           </a:p>
@@ -5909,7 +5909,7 @@
           <a:p>
             <a:fld id="{02B3F677-983B-48DB-ADFD-63FE6CBC7FB2}" type="datetime1">
               <a:rPr lang="en-US" smtClean="0"/>
-              <a:t>10/22/2016</a:t>
+              <a:t>10/24/2016</a:t>
             </a:fld>
             <a:endParaRPr lang="en-US"/>
           </a:p>
@@ -12018,7 +12018,7 @@
         <p:spPr/>
         <p:txBody>
           <a:bodyPr>
-            <a:normAutofit fontScale="85000" lnSpcReduction="10000"/>
+            <a:normAutofit/>
           </a:bodyPr>
           <a:lstStyle/>
           <a:p>
@@ -12030,7 +12030,7 @@
           <a:p>
             <a:r>
               <a:rPr lang="en-US" dirty="0"/>
-              <a:t>This is called a </a:t>
+              <a:t>This is called the </a:t>
             </a:r>
             <a:r>
               <a:rPr lang="en-US" i="1" dirty="0">
@@ -12038,17 +12038,11 @@
                   <a:srgbClr val="FF0000"/>
                 </a:solidFill>
               </a:rPr>
-              <a:t>termination argument</a:t>
+              <a:t>termination reasoning</a:t>
             </a:r>
             <a:r>
               <a:rPr lang="en-US" dirty="0"/>
               <a:t>.</a:t>
-            </a:r>
-          </a:p>
-          <a:p>
-            <a:r>
-              <a:rPr lang="en-US" dirty="0"/>
-              <a:t>Here we mean an argument in the sense of an argument in a debate, not in the sense of an argument to a function.  Don't get confused by this.</a:t>
             </a:r>
           </a:p>
           <a:p>
@@ -12135,7 +12129,7 @@
           <a:p>
             <a:r>
               <a:rPr lang="en-US" dirty="0"/>
-              <a:t>Termination Argument for </a:t>
+              <a:t>Termination Reasoning for </a:t>
             </a:r>
             <a:r>
               <a:rPr lang="en-US" b="1" dirty="0"/>
@@ -12179,7 +12173,7 @@
           <a:p>
             <a:r>
               <a:rPr lang="en-US" dirty="0"/>
-              <a:t>Termination argument:</a:t>
+              <a:t>Termination reasoning:</a:t>
             </a:r>
           </a:p>
           <a:p>
@@ -13118,7 +13112,7 @@
           <a:p>
             <a:r>
               <a:rPr lang="en-US" dirty="0"/>
-              <a:t>Termination Argument for </a:t>
+              <a:t>Termination Reasoning for </a:t>
             </a:r>
             <a:r>
               <a:rPr lang="en-US" b="1" dirty="0">
@@ -13181,7 +13175,7 @@
               <a:rPr lang="en-US" sz="3300" dirty="0">
                 <a:cs typeface="Consolas" pitchFamily="49" charset="0"/>
               </a:rPr>
-              <a:t>Termination argument:</a:t>
+              <a:t>Termination reasoning:</a:t>
             </a:r>
           </a:p>
           <a:p>
@@ -13642,8 +13636,8 @@
           </a:p>
         </p:txBody>
       </p:sp>
-      <mc:AlternateContent xmlns:mc="http://schemas.openxmlformats.org/markup-compatibility/2006">
-        <mc:Choice xmlns:a14="http://schemas.microsoft.com/office/drawing/2010/main" Requires="a14">
+      <mc:AlternateContent xmlns:mc="http://schemas.openxmlformats.org/markup-compatibility/2006" xmlns:a14="http://schemas.microsoft.com/office/drawing/2010/main">
+        <mc:Choice Requires="a14">
           <p:sp>
             <p:nvSpPr>
               <p:cNvPr id="3" name="Content Placeholder 2"/>
@@ -13812,7 +13806,7 @@
             </p:txBody>
           </p:sp>
         </mc:Choice>
-        <mc:Fallback>
+        <mc:Fallback xmlns="">
           <p:sp>
             <p:nvSpPr>
               <p:cNvPr id="3" name="Content Placeholder 2"/>

--- a/Slides/Lesson 8.1 Introducing General Recursion.pptx
+++ b/Slides/Lesson 8.1 Introducing General Recursion.pptx
@@ -313,7 +313,7 @@
             <a:fld id="{CF8F25F6-E1EF-4065-8525-42EDEBD9BD22}" type="datetimeFigureOut">
               <a:rPr lang="en-US" smtClean="0"/>
               <a:pPr/>
-              <a:t>10/22/2016</a:t>
+              <a:t>11/9/2016</a:t>
             </a:fld>
             <a:endParaRPr lang="en-US"/>
           </a:p>
@@ -2820,7 +2820,7 @@
           <a:p>
             <a:fld id="{2F1F79F5-7BEC-496A-AFC7-876E38F64D71}" type="datetime1">
               <a:rPr lang="en-US" smtClean="0"/>
-              <a:t>10/22/2016</a:t>
+              <a:t>11/9/2016</a:t>
             </a:fld>
             <a:endParaRPr lang="en-US"/>
           </a:p>
@@ -2915,7 +2915,7 @@
           <a:p>
             <a:fld id="{0A05703A-7669-4FEA-9056-25299B4D29D4}" type="datetime1">
               <a:rPr lang="en-US" smtClean="0"/>
-              <a:t>10/22/2016</a:t>
+              <a:t>11/9/2016</a:t>
             </a:fld>
             <a:endParaRPr lang="en-US"/>
           </a:p>
@@ -3190,7 +3190,7 @@
           <a:p>
             <a:fld id="{6E5077B5-BB57-49DB-88CA-226A139E5C01}" type="datetime1">
               <a:rPr lang="en-US" smtClean="0"/>
-              <a:t>10/22/2016</a:t>
+              <a:t>11/9/2016</a:t>
             </a:fld>
             <a:endParaRPr lang="en-US"/>
           </a:p>
@@ -3442,7 +3442,7 @@
           <a:p>
             <a:fld id="{C48D9447-CBD6-49A1-89FD-8512A8CF8999}" type="datetime1">
               <a:rPr lang="en-US" smtClean="0"/>
-              <a:t>10/22/2016</a:t>
+              <a:t>11/9/2016</a:t>
             </a:fld>
             <a:endParaRPr lang="en-US"/>
           </a:p>
@@ -3610,7 +3610,7 @@
           <a:p>
             <a:fld id="{A3639A2A-823D-48B7-9ACE-7FAF42870BA9}" type="datetime1">
               <a:rPr lang="en-US" smtClean="0"/>
-              <a:t>10/22/2016</a:t>
+              <a:t>11/9/2016</a:t>
             </a:fld>
             <a:endParaRPr lang="en-US"/>
           </a:p>
@@ -3788,7 +3788,7 @@
           <a:p>
             <a:fld id="{ED1B6996-82E9-463C-972C-7B56056E426C}" type="datetime1">
               <a:rPr lang="en-US" smtClean="0"/>
-              <a:t>10/22/2016</a:t>
+              <a:t>11/9/2016</a:t>
             </a:fld>
             <a:endParaRPr lang="en-US"/>
           </a:p>
@@ -3962,7 +3962,7 @@
           <a:p>
             <a:fld id="{E22ED4DA-448D-4BB1-B935-CC112220207B}" type="datetime1">
               <a:rPr lang="en-US" smtClean="0"/>
-              <a:t>10/22/2016</a:t>
+              <a:t>11/9/2016</a:t>
             </a:fld>
             <a:endParaRPr lang="en-US"/>
           </a:p>
@@ -4135,7 +4135,7 @@
           <a:p>
             <a:fld id="{E22ED4DA-448D-4BB1-B935-CC112220207B}" type="datetime1">
               <a:rPr lang="en-US" smtClean="0"/>
-              <a:t>10/22/2016</a:t>
+              <a:t>11/9/2016</a:t>
             </a:fld>
             <a:endParaRPr lang="en-US"/>
           </a:p>
@@ -4395,7 +4395,7 @@
           <a:p>
             <a:fld id="{FF5D65A6-AB94-4435-B0B7-3743215FA46C}" type="datetime1">
               <a:rPr lang="en-US" smtClean="0"/>
-              <a:t>10/22/2016</a:t>
+              <a:t>11/9/2016</a:t>
             </a:fld>
             <a:endParaRPr lang="en-US"/>
           </a:p>
@@ -4571,7 +4571,7 @@
           <a:p>
             <a:fld id="{FF5D65A6-AB94-4435-B0B7-3743215FA46C}" type="datetime1">
               <a:rPr lang="en-US" smtClean="0"/>
-              <a:t>10/22/2016</a:t>
+              <a:t>11/9/2016</a:t>
             </a:fld>
             <a:endParaRPr lang="en-US"/>
           </a:p>
@@ -4865,7 +4865,7 @@
           <a:p>
             <a:fld id="{7C193DC4-6EF0-48C9-B29C-616106A645E1}" type="datetime1">
               <a:rPr lang="en-US" smtClean="0"/>
-              <a:t>10/22/2016</a:t>
+              <a:t>11/9/2016</a:t>
             </a:fld>
             <a:endParaRPr lang="en-US"/>
           </a:p>
@@ -5150,7 +5150,7 @@
           <a:p>
             <a:fld id="{5D1846AD-9252-4647-9435-4C2AC365653A}" type="datetime1">
               <a:rPr lang="en-US" smtClean="0"/>
-              <a:t>10/22/2016</a:t>
+              <a:t>11/9/2016</a:t>
             </a:fld>
             <a:endParaRPr lang="en-US"/>
           </a:p>
@@ -5569,7 +5569,7 @@
           <a:p>
             <a:fld id="{CE56DC10-3561-4063-A6AF-C1CC7A41040A}" type="datetime1">
               <a:rPr lang="en-US" smtClean="0"/>
-              <a:t>10/22/2016</a:t>
+              <a:t>11/9/2016</a:t>
             </a:fld>
             <a:endParaRPr lang="en-US"/>
           </a:p>
@@ -5686,7 +5686,7 @@
           <a:p>
             <a:fld id="{2F7B77F5-1464-4F6B-92A8-64FC8A508293}" type="datetime1">
               <a:rPr lang="en-US" smtClean="0"/>
-              <a:t>10/22/2016</a:t>
+              <a:t>11/9/2016</a:t>
             </a:fld>
             <a:endParaRPr lang="en-US"/>
           </a:p>
@@ -5909,7 +5909,7 @@
           <a:p>
             <a:fld id="{02B3F677-983B-48DB-ADFD-63FE6CBC7FB2}" type="datetime1">
               <a:rPr lang="en-US" smtClean="0"/>
-              <a:t>10/22/2016</a:t>
+              <a:t>11/9/2016</a:t>
             </a:fld>
             <a:endParaRPr lang="en-US"/>
           </a:p>
@@ -13762,7 +13762,7 @@
                 </a:r>
                 <a:r>
                   <a:rPr lang="en-US" dirty="0"/>
-                  <a:t>This is better than an insertion sort, which takes </a:t>
+                  <a:t>This is better than a selection sort, which takes </a:t>
                 </a:r>
                 <a:r>
                   <a:rPr lang="en-US" b="1" dirty="0"/>
